--- a/docs/tern.java_fr.pptx
+++ b/docs/tern.java_fr.pptx
@@ -17,22 +17,25 @@
     <p:sldId id="276" r:id="rId11"/>
     <p:sldId id="274" r:id="rId12"/>
     <p:sldId id="279" r:id="rId13"/>
-    <p:sldId id="278" r:id="rId14"/>
-    <p:sldId id="271" r:id="rId15"/>
-    <p:sldId id="281" r:id="rId16"/>
-    <p:sldId id="282" r:id="rId17"/>
-    <p:sldId id="283" r:id="rId18"/>
-    <p:sldId id="273" r:id="rId19"/>
-    <p:sldId id="286" r:id="rId20"/>
-    <p:sldId id="284" r:id="rId21"/>
-    <p:sldId id="272" r:id="rId22"/>
-    <p:sldId id="269" r:id="rId23"/>
-    <p:sldId id="263" r:id="rId24"/>
-    <p:sldId id="265" r:id="rId25"/>
-    <p:sldId id="266" r:id="rId26"/>
-    <p:sldId id="267" r:id="rId27"/>
-    <p:sldId id="264" r:id="rId28"/>
-    <p:sldId id="268" r:id="rId29"/>
+    <p:sldId id="287" r:id="rId14"/>
+    <p:sldId id="278" r:id="rId15"/>
+    <p:sldId id="271" r:id="rId16"/>
+    <p:sldId id="281" r:id="rId17"/>
+    <p:sldId id="282" r:id="rId18"/>
+    <p:sldId id="283" r:id="rId19"/>
+    <p:sldId id="273" r:id="rId20"/>
+    <p:sldId id="285" r:id="rId21"/>
+    <p:sldId id="286" r:id="rId22"/>
+    <p:sldId id="284" r:id="rId23"/>
+    <p:sldId id="272" r:id="rId24"/>
+    <p:sldId id="269" r:id="rId25"/>
+    <p:sldId id="263" r:id="rId26"/>
+    <p:sldId id="265" r:id="rId27"/>
+    <p:sldId id="266" r:id="rId28"/>
+    <p:sldId id="267" r:id="rId29"/>
+    <p:sldId id="264" r:id="rId30"/>
+    <p:sldId id="268" r:id="rId31"/>
+    <p:sldId id="288" r:id="rId32"/>
   </p:sldIdLst>
   <p:sldSz cx="9144000" cy="6858000" type="screen4x3"/>
   <p:notesSz cx="6858000" cy="9144000"/>
@@ -3664,29 +3667,40 @@
           <a:p>
             <a:r>
               <a:rPr lang="fr-FR" b="1" dirty="0" smtClean="0"/>
+              <a:t>tern.java </a:t>
+            </a:r>
+            <a:r>
+              <a:rPr lang="fr-FR" dirty="0"/>
+              <a:t>est disponible sur </a:t>
+            </a:r>
+            <a:r>
+              <a:rPr lang="fr-FR" dirty="0">
+                <a:hlinkClick r:id="rId2"/>
+              </a:rPr>
+              <a:t>https://</a:t>
+            </a:r>
+            <a:r>
+              <a:rPr lang="fr-FR" dirty="0" smtClean="0">
+                <a:hlinkClick r:id="rId2"/>
+              </a:rPr>
+              <a:t>github.com/angelozerr/tern.java</a:t>
+            </a:r>
+            <a:endParaRPr lang="fr-FR" b="1" dirty="0" smtClean="0"/>
+          </a:p>
+          <a:p>
+            <a:r>
+              <a:rPr lang="fr-FR" b="1" dirty="0" smtClean="0"/>
               <a:t>tern.java</a:t>
             </a:r>
             <a:r>
               <a:rPr lang="fr-FR" dirty="0" smtClean="0"/>
-              <a:t> </a:t>
-            </a:r>
-            <a:r>
-              <a:rPr lang="fr-FR" dirty="0" smtClean="0"/>
-              <a:t>fournit un moteur d’inférence JavaScript dans un contexte Java.</a:t>
-            </a:r>
-          </a:p>
-          <a:p>
-            <a:r>
-              <a:rPr lang="fr-FR" dirty="0" smtClean="0"/>
-              <a:t>Il </a:t>
-            </a:r>
-            <a:r>
-              <a:rPr lang="fr-FR" dirty="0" err="1" smtClean="0"/>
-              <a:t>execute</a:t>
-            </a:r>
-            <a:r>
-              <a:rPr lang="fr-FR" dirty="0" smtClean="0"/>
-              <a:t> </a:t>
+              <a:t> fournit un moteur d’inférence JavaScript dans un contexte Java.</a:t>
+            </a:r>
+          </a:p>
+          <a:p>
+            <a:r>
+              <a:rPr lang="fr-FR" dirty="0" smtClean="0"/>
+              <a:t>Il exécute </a:t>
             </a:r>
             <a:r>
               <a:rPr lang="fr-FR" b="1" dirty="0" smtClean="0"/>
@@ -4048,7 +4062,7 @@
         <p:spPr/>
         <p:txBody>
           <a:bodyPr>
-            <a:normAutofit fontScale="92500" lnSpcReduction="10000"/>
+            <a:normAutofit fontScale="85000" lnSpcReduction="10000"/>
           </a:bodyPr>
           <a:lstStyle/>
           <a:p>
@@ -4094,7 +4108,7 @@
           <a:p>
             <a:r>
               <a:rPr lang="fr-FR" dirty="0" smtClean="0"/>
-              <a:t>Il est découpé en 3 parties : </a:t>
+              <a:t>Il est découpé en 4 grandes parties : </a:t>
             </a:r>
           </a:p>
           <a:p>
@@ -4119,12 +4133,24 @@
           <a:p>
             <a:pPr lvl="1"/>
             <a:r>
-              <a:rPr lang="fr-FR" dirty="0" err="1"/>
+              <a:rPr lang="fr-FR" dirty="0" err="1" smtClean="0"/>
+              <a:t>Tern</a:t>
+            </a:r>
+            <a:r>
+              <a:rPr lang="fr-FR" dirty="0" smtClean="0"/>
+              <a:t> - </a:t>
+            </a:r>
+            <a:r>
+              <a:rPr lang="fr-FR" dirty="0" err="1" smtClean="0"/>
               <a:t>Embed</a:t>
             </a:r>
             <a:r>
+              <a:rPr lang="fr-FR" dirty="0" smtClean="0"/>
+              <a:t> </a:t>
+            </a:r>
+            <a:r>
               <a:rPr lang="fr-FR" dirty="0"/>
-              <a:t> Node.js</a:t>
+              <a:t>Node.js</a:t>
             </a:r>
           </a:p>
           <a:p>
@@ -4137,6 +4163,22 @@
               <a:rPr lang="fr-FR" dirty="0" smtClean="0"/>
               <a:t> – JSDT</a:t>
             </a:r>
+          </a:p>
+          <a:p>
+            <a:pPr lvl="1"/>
+            <a:r>
+              <a:rPr lang="fr-FR" dirty="0" err="1" smtClean="0"/>
+              <a:t>Tern</a:t>
+            </a:r>
+            <a:r>
+              <a:rPr lang="fr-FR" dirty="0" smtClean="0"/>
+              <a:t> - </a:t>
+            </a:r>
+            <a:r>
+              <a:rPr lang="fr-FR" dirty="0" err="1" smtClean="0"/>
+              <a:t>Tooling</a:t>
+            </a:r>
+            <a:endParaRPr lang="fr-FR" dirty="0" smtClean="0"/>
           </a:p>
           <a:p>
             <a:r>
@@ -4220,6 +4262,279 @@
 </file>
 
 <file path=ppt/slides/slide13.xml><?xml version="1.0" encoding="utf-8"?>
+<p:sld xmlns:a="http://schemas.openxmlformats.org/drawingml/2006/main" xmlns:r="http://schemas.openxmlformats.org/officeDocument/2006/relationships" xmlns:p="http://schemas.openxmlformats.org/presentationml/2006/main">
+  <p:cSld>
+    <p:spTree>
+      <p:nvGrpSpPr>
+        <p:cNvPr id="1" name=""/>
+        <p:cNvGrpSpPr/>
+        <p:nvPr/>
+      </p:nvGrpSpPr>
+      <p:grpSpPr>
+        <a:xfrm>
+          <a:off x="0" y="0"/>
+          <a:ext cx="0" cy="0"/>
+          <a:chOff x="0" y="0"/>
+          <a:chExt cx="0" cy="0"/>
+        </a:xfrm>
+      </p:grpSpPr>
+      <p:sp>
+        <p:nvSpPr>
+          <p:cNvPr id="2" name="Titre 1"/>
+          <p:cNvSpPr>
+            <a:spLocks noGrp="1"/>
+          </p:cNvSpPr>
+          <p:nvPr>
+            <p:ph type="title"/>
+          </p:nvPr>
+        </p:nvSpPr>
+        <p:spPr/>
+        <p:txBody>
+          <a:bodyPr/>
+          <a:lstStyle/>
+          <a:p>
+            <a:r>
+              <a:rPr lang="fr-FR" dirty="0" err="1" smtClean="0"/>
+              <a:t>Tern</a:t>
+            </a:r>
+            <a:r>
+              <a:rPr lang="fr-FR" dirty="0"/>
+              <a:t> </a:t>
+            </a:r>
+            <a:r>
+              <a:rPr lang="fr-FR" dirty="0" smtClean="0"/>
+              <a:t>IDE</a:t>
+            </a:r>
+            <a:r>
+              <a:rPr lang="fr-FR" dirty="0" smtClean="0"/>
+              <a:t> - Installation</a:t>
+            </a:r>
+            <a:endParaRPr lang="fr-FR" dirty="0"/>
+          </a:p>
+        </p:txBody>
+      </p:sp>
+      <p:sp>
+        <p:nvSpPr>
+          <p:cNvPr id="3" name="Espace réservé du contenu 2"/>
+          <p:cNvSpPr>
+            <a:spLocks noGrp="1"/>
+          </p:cNvSpPr>
+          <p:nvPr>
+            <p:ph sz="quarter" idx="13"/>
+          </p:nvPr>
+        </p:nvSpPr>
+        <p:spPr/>
+        <p:txBody>
+          <a:bodyPr>
+            <a:normAutofit fontScale="92500" lnSpcReduction="20000"/>
+          </a:bodyPr>
+          <a:lstStyle/>
+          <a:p>
+            <a:r>
+              <a:rPr lang="fr-FR" dirty="0" smtClean="0"/>
+              <a:t>Marketplace </a:t>
+            </a:r>
+            <a:r>
+              <a:rPr lang="fr-FR" dirty="0"/>
+              <a:t>: </a:t>
+            </a:r>
+            <a:r>
+              <a:rPr lang="fr-FR" dirty="0">
+                <a:hlinkClick r:id="rId2"/>
+              </a:rPr>
+              <a:t>http://</a:t>
+            </a:r>
+            <a:r>
+              <a:rPr lang="fr-FR" dirty="0" smtClean="0">
+                <a:hlinkClick r:id="rId2"/>
+              </a:rPr>
+              <a:t>marketplace.eclipse.org/content/tern-eclipse-ide</a:t>
+            </a:r>
+            <a:endParaRPr lang="fr-FR" dirty="0" smtClean="0"/>
+          </a:p>
+          <a:p>
+            <a:r>
+              <a:rPr lang="fr-FR" dirty="0"/>
+              <a:t>Ou </a:t>
+            </a:r>
+            <a:r>
+              <a:rPr lang="fr-FR" dirty="0" smtClean="0"/>
+              <a:t>Update </a:t>
+            </a:r>
+            <a:r>
+              <a:rPr lang="fr-FR" dirty="0"/>
+              <a:t>site : </a:t>
+            </a:r>
+            <a:r>
+              <a:rPr lang="fr-FR" dirty="0">
+                <a:hlinkClick r:id="rId3"/>
+              </a:rPr>
+              <a:t>http://oss.opensagres.fr/tern.repository/0.4.0</a:t>
+            </a:r>
+            <a:r>
+              <a:rPr lang="fr-FR" dirty="0" smtClean="0">
+                <a:hlinkClick r:id="rId3"/>
+              </a:rPr>
+              <a:t>/</a:t>
+            </a:r>
+            <a:endParaRPr lang="fr-FR" dirty="0" smtClean="0"/>
+          </a:p>
+          <a:p>
+            <a:endParaRPr lang="fr-FR" dirty="0"/>
+          </a:p>
+          <a:p>
+            <a:endParaRPr lang="fr-FR" dirty="0" smtClean="0"/>
+          </a:p>
+          <a:p>
+            <a:endParaRPr lang="fr-FR" dirty="0"/>
+          </a:p>
+          <a:p>
+            <a:endParaRPr lang="fr-FR" dirty="0" smtClean="0"/>
+          </a:p>
+          <a:p>
+            <a:endParaRPr lang="fr-FR" dirty="0"/>
+          </a:p>
+          <a:p>
+            <a:endParaRPr lang="fr-FR" dirty="0" smtClean="0"/>
+          </a:p>
+          <a:p>
+            <a:endParaRPr lang="fr-FR" dirty="0"/>
+          </a:p>
+          <a:p>
+            <a:endParaRPr lang="fr-FR" dirty="0" smtClean="0"/>
+          </a:p>
+          <a:p>
+            <a:endParaRPr lang="fr-FR" dirty="0"/>
+          </a:p>
+          <a:p>
+            <a:pPr marL="0" indent="0">
+              <a:buNone/>
+            </a:pPr>
+            <a:r>
+              <a:rPr lang="fr-FR" dirty="0" smtClean="0">
+                <a:solidFill>
+                  <a:srgbClr val="FFC000"/>
+                </a:solidFill>
+              </a:rPr>
+              <a:t>►</a:t>
+            </a:r>
+            <a:r>
+              <a:rPr lang="fr-FR" dirty="0" smtClean="0"/>
+              <a:t>pour démarrer avec </a:t>
+            </a:r>
+            <a:r>
+              <a:rPr lang="fr-FR" dirty="0" err="1" smtClean="0"/>
+              <a:t>Tern</a:t>
+            </a:r>
+            <a:r>
+              <a:rPr lang="fr-FR" dirty="0"/>
+              <a:t> IDE : </a:t>
+            </a:r>
+            <a:r>
+              <a:rPr lang="fr-FR" dirty="0">
+                <a:hlinkClick r:id="rId4"/>
+              </a:rPr>
+              <a:t>https://</a:t>
+            </a:r>
+            <a:r>
+              <a:rPr lang="fr-FR" dirty="0" smtClean="0">
+                <a:hlinkClick r:id="rId4"/>
+              </a:rPr>
+              <a:t>github.com/angelozerr/tern.java/wiki/Getting-Started</a:t>
+            </a:r>
+            <a:endParaRPr lang="fr-FR" dirty="0" smtClean="0"/>
+          </a:p>
+          <a:p>
+            <a:pPr marL="0" indent="0">
+              <a:buNone/>
+            </a:pPr>
+            <a:endParaRPr lang="fr-FR" dirty="0"/>
+          </a:p>
+          <a:p>
+            <a:pPr marL="0" indent="0">
+              <a:buNone/>
+            </a:pPr>
+            <a:endParaRPr lang="fr-FR" dirty="0"/>
+          </a:p>
+          <a:p>
+            <a:endParaRPr lang="fr-FR" dirty="0" smtClean="0"/>
+          </a:p>
+          <a:p>
+            <a:endParaRPr lang="fr-FR" dirty="0" smtClean="0"/>
+          </a:p>
+          <a:p>
+            <a:endParaRPr lang="fr-FR" dirty="0" smtClean="0"/>
+          </a:p>
+        </p:txBody>
+      </p:sp>
+      <p:pic>
+        <p:nvPicPr>
+          <p:cNvPr id="8194" name="Picture 2"/>
+          <p:cNvPicPr>
+            <a:picLocks noChangeAspect="1" noChangeArrowheads="1"/>
+          </p:cNvPicPr>
+          <p:nvPr/>
+        </p:nvPicPr>
+        <p:blipFill>
+          <a:blip r:embed="rId5">
+            <a:extLst>
+              <a:ext uri="{28A0092B-C50C-407E-A947-70E740481C1C}">
+                <a14:useLocalDpi xmlns:a14="http://schemas.microsoft.com/office/drawing/2010/main" val="0"/>
+              </a:ext>
+            </a:extLst>
+          </a:blip>
+          <a:srcRect/>
+          <a:stretch>
+            <a:fillRect/>
+          </a:stretch>
+        </p:blipFill>
+        <p:spPr bwMode="auto">
+          <a:xfrm>
+            <a:off x="1403648" y="2204865"/>
+            <a:ext cx="5822968" cy="2864776"/>
+          </a:xfrm>
+          <a:prstGeom prst="rect">
+            <a:avLst/>
+          </a:prstGeom>
+          <a:noFill/>
+          <a:ln>
+            <a:noFill/>
+          </a:ln>
+          <a:extLst>
+            <a:ext uri="{909E8E84-426E-40DD-AFC4-6F175D3DCCD1}">
+              <a14:hiddenFill xmlns:a14="http://schemas.microsoft.com/office/drawing/2010/main">
+                <a:solidFill>
+                  <a:schemeClr val="accent1"/>
+                </a:solidFill>
+              </a14:hiddenFill>
+            </a:ext>
+            <a:ext uri="{91240B29-F687-4F45-9708-019B960494DF}">
+              <a14:hiddenLine xmlns:a14="http://schemas.microsoft.com/office/drawing/2010/main" w="9525">
+                <a:solidFill>
+                  <a:schemeClr val="tx1"/>
+                </a:solidFill>
+                <a:miter lim="800000"/>
+                <a:headEnd/>
+                <a:tailEnd/>
+              </a14:hiddenLine>
+            </a:ext>
+          </a:extLst>
+        </p:spPr>
+      </p:pic>
+    </p:spTree>
+    <p:extLst>
+      <p:ext uri="{BB962C8B-B14F-4D97-AF65-F5344CB8AC3E}">
+        <p14:creationId xmlns:p14="http://schemas.microsoft.com/office/powerpoint/2010/main" val="54981899"/>
+      </p:ext>
+    </p:extLst>
+  </p:cSld>
+  <p:clrMapOvr>
+    <a:masterClrMapping/>
+  </p:clrMapOvr>
+</p:sld>
+</file>
+
+<file path=ppt/slides/slide14.xml><?xml version="1.0" encoding="utf-8"?>
 <p:sld xmlns:a="http://schemas.openxmlformats.org/drawingml/2006/main" xmlns:r="http://schemas.openxmlformats.org/officeDocument/2006/relationships" xmlns:p="http://schemas.openxmlformats.org/presentationml/2006/main">
   <p:cSld>
     <p:spTree>
@@ -4405,7 +4720,7 @@
 </p:sld>
 </file>
 
-<file path=ppt/slides/slide14.xml><?xml version="1.0" encoding="utf-8"?>
+<file path=ppt/slides/slide15.xml><?xml version="1.0" encoding="utf-8"?>
 <p:sld xmlns:a="http://schemas.openxmlformats.org/drawingml/2006/main" xmlns:r="http://schemas.openxmlformats.org/officeDocument/2006/relationships" xmlns:p="http://schemas.openxmlformats.org/presentationml/2006/main">
   <p:cSld>
     <p:spTree>
@@ -4565,7 +4880,7 @@
 </p:sld>
 </file>
 
-<file path=ppt/slides/slide15.xml><?xml version="1.0" encoding="utf-8"?>
+<file path=ppt/slides/slide16.xml><?xml version="1.0" encoding="utf-8"?>
 <p:sld xmlns:a="http://schemas.openxmlformats.org/drawingml/2006/main" xmlns:r="http://schemas.openxmlformats.org/officeDocument/2006/relationships" xmlns:p="http://schemas.openxmlformats.org/presentationml/2006/main">
   <p:cSld>
     <p:spTree>
@@ -4732,7 +5047,7 @@
 </p:sld>
 </file>
 
-<file path=ppt/slides/slide16.xml><?xml version="1.0" encoding="utf-8"?>
+<file path=ppt/slides/slide17.xml><?xml version="1.0" encoding="utf-8"?>
 <p:sld xmlns:a="http://schemas.openxmlformats.org/drawingml/2006/main" xmlns:r="http://schemas.openxmlformats.org/officeDocument/2006/relationships" xmlns:p="http://schemas.openxmlformats.org/presentationml/2006/main">
   <p:cSld>
     <p:spTree>
@@ -4891,7 +5206,7 @@
 </p:sld>
 </file>
 
-<file path=ppt/slides/slide17.xml><?xml version="1.0" encoding="utf-8"?>
+<file path=ppt/slides/slide18.xml><?xml version="1.0" encoding="utf-8"?>
 <p:sld xmlns:a="http://schemas.openxmlformats.org/drawingml/2006/main" xmlns:r="http://schemas.openxmlformats.org/officeDocument/2006/relationships" xmlns:p="http://schemas.openxmlformats.org/presentationml/2006/main">
   <p:cSld>
     <p:spTree>
@@ -5069,7 +5384,7 @@
 </p:sld>
 </file>
 
-<file path=ppt/slides/slide18.xml><?xml version="1.0" encoding="utf-8"?>
+<file path=ppt/slides/slide19.xml><?xml version="1.0" encoding="utf-8"?>
 <p:sld xmlns:a="http://schemas.openxmlformats.org/drawingml/2006/main" xmlns:r="http://schemas.openxmlformats.org/officeDocument/2006/relationships" xmlns:p="http://schemas.openxmlformats.org/presentationml/2006/main">
   <p:cSld>
     <p:spTree>
@@ -5265,192 +5580,6 @@
 </p:sld>
 </file>
 
-<file path=ppt/slides/slide19.xml><?xml version="1.0" encoding="utf-8"?>
-<p:sld xmlns:a="http://schemas.openxmlformats.org/drawingml/2006/main" xmlns:r="http://schemas.openxmlformats.org/officeDocument/2006/relationships" xmlns:p="http://schemas.openxmlformats.org/presentationml/2006/main">
-  <p:cSld>
-    <p:spTree>
-      <p:nvGrpSpPr>
-        <p:cNvPr id="1" name=""/>
-        <p:cNvGrpSpPr/>
-        <p:nvPr/>
-      </p:nvGrpSpPr>
-      <p:grpSpPr>
-        <a:xfrm>
-          <a:off x="0" y="0"/>
-          <a:ext cx="0" cy="0"/>
-          <a:chOff x="0" y="0"/>
-          <a:chExt cx="0" cy="0"/>
-        </a:xfrm>
-      </p:grpSpPr>
-      <p:sp>
-        <p:nvSpPr>
-          <p:cNvPr id="2" name="Titre 1"/>
-          <p:cNvSpPr>
-            <a:spLocks noGrp="1"/>
-          </p:cNvSpPr>
-          <p:nvPr>
-            <p:ph type="title"/>
-          </p:nvPr>
-        </p:nvSpPr>
-        <p:spPr/>
-        <p:txBody>
-          <a:bodyPr/>
-          <a:lstStyle/>
-          <a:p>
-            <a:r>
-              <a:rPr lang="fr-FR" dirty="0" smtClean="0"/>
-              <a:t>TERN.java – Comment ca marche?</a:t>
-            </a:r>
-            <a:endParaRPr lang="fr-FR" dirty="0"/>
-          </a:p>
-        </p:txBody>
-      </p:sp>
-      <p:sp>
-        <p:nvSpPr>
-          <p:cNvPr id="3" name="Espace réservé du contenu 2"/>
-          <p:cNvSpPr>
-            <a:spLocks noGrp="1"/>
-          </p:cNvSpPr>
-          <p:nvPr>
-            <p:ph sz="quarter" idx="13"/>
-          </p:nvPr>
-        </p:nvSpPr>
-        <p:spPr/>
-        <p:txBody>
-          <a:bodyPr>
-            <a:normAutofit/>
-          </a:bodyPr>
-          <a:lstStyle/>
-          <a:p>
-            <a:pPr marL="342900" lvl="1" indent="-342900"/>
-            <a:r>
-              <a:rPr lang="fr-FR" dirty="0" smtClean="0"/>
-              <a:t>TODO : faire </a:t>
-            </a:r>
-            <a:r>
-              <a:rPr lang="fr-FR" dirty="0" err="1" smtClean="0"/>
-              <a:t>schema</a:t>
-            </a:r>
-            <a:r>
-              <a:rPr lang="fr-FR" dirty="0" smtClean="0"/>
-              <a:t> avec </a:t>
-            </a:r>
-            <a:r>
-              <a:rPr lang="fr-FR" dirty="0" err="1" smtClean="0"/>
-              <a:t>Completion</a:t>
-            </a:r>
-            <a:r>
-              <a:rPr lang="fr-FR" dirty="0" smtClean="0"/>
-              <a:t> &lt;-&gt; </a:t>
-            </a:r>
-            <a:r>
-              <a:rPr lang="fr-FR" dirty="0" err="1" smtClean="0"/>
-              <a:t>Tern</a:t>
-            </a:r>
-            <a:r>
-              <a:rPr lang="fr-FR" dirty="0" smtClean="0"/>
-              <a:t> Server</a:t>
-            </a:r>
-          </a:p>
-          <a:p>
-            <a:pPr marL="342900" lvl="1" indent="-342900"/>
-            <a:r>
-              <a:rPr lang="fr-FR" dirty="0"/>
-              <a:t>TODO : faire </a:t>
-            </a:r>
-            <a:r>
-              <a:rPr lang="fr-FR" dirty="0" err="1"/>
-              <a:t>schema</a:t>
-            </a:r>
-            <a:r>
-              <a:rPr lang="fr-FR" dirty="0"/>
-              <a:t> avec </a:t>
-            </a:r>
-            <a:r>
-              <a:rPr lang="fr-FR" dirty="0" err="1"/>
-              <a:t>Completion</a:t>
-            </a:r>
-            <a:r>
-              <a:rPr lang="fr-FR" dirty="0"/>
-              <a:t> &lt;-&gt; </a:t>
-            </a:r>
-            <a:r>
-              <a:rPr lang="fr-FR" dirty="0" err="1"/>
-              <a:t>Tern</a:t>
-            </a:r>
-            <a:r>
-              <a:rPr lang="fr-FR" dirty="0"/>
-              <a:t> </a:t>
-            </a:r>
-            <a:r>
-              <a:rPr lang="fr-FR" dirty="0" smtClean="0"/>
-              <a:t>Server qui tourne avec Node.js</a:t>
-            </a:r>
-            <a:endParaRPr lang="fr-FR" dirty="0"/>
-          </a:p>
-          <a:p>
-            <a:pPr marL="342900" lvl="1" indent="-342900"/>
-            <a:endParaRPr lang="fr-FR" dirty="0" smtClean="0"/>
-          </a:p>
-          <a:p>
-            <a:pPr marL="342900" lvl="1" indent="-342900"/>
-            <a:endParaRPr lang="fr-FR" dirty="0" smtClean="0"/>
-          </a:p>
-          <a:p>
-            <a:pPr marL="342900" lvl="1" indent="-342900"/>
-            <a:endParaRPr lang="fr-FR" dirty="0" smtClean="0"/>
-          </a:p>
-          <a:p>
-            <a:pPr marL="342900" lvl="1" indent="-342900"/>
-            <a:endParaRPr lang="fr-FR" dirty="0"/>
-          </a:p>
-          <a:p>
-            <a:pPr marL="342900" lvl="1" indent="-342900"/>
-            <a:endParaRPr lang="fr-FR" dirty="0" smtClean="0"/>
-          </a:p>
-          <a:p>
-            <a:pPr marL="342900" lvl="1" indent="-342900"/>
-            <a:endParaRPr lang="fr-FR" dirty="0"/>
-          </a:p>
-          <a:p>
-            <a:pPr marL="342900" lvl="1" indent="-342900"/>
-            <a:endParaRPr lang="fr-FR" dirty="0" smtClean="0"/>
-          </a:p>
-          <a:p>
-            <a:pPr marL="342900" lvl="1" indent="-342900"/>
-            <a:endParaRPr lang="fr-FR" dirty="0"/>
-          </a:p>
-          <a:p>
-            <a:pPr marL="342900" lvl="1" indent="-342900"/>
-            <a:endParaRPr lang="fr-FR" dirty="0" smtClean="0"/>
-          </a:p>
-          <a:p>
-            <a:pPr marL="342900" lvl="1" indent="-342900"/>
-            <a:endParaRPr lang="fr-FR" dirty="0"/>
-          </a:p>
-          <a:p>
-            <a:pPr marL="342900" lvl="1" indent="-342900"/>
-            <a:endParaRPr lang="fr-FR" dirty="0" smtClean="0"/>
-          </a:p>
-          <a:p>
-            <a:pPr marL="342900" lvl="1" indent="-342900"/>
-            <a:endParaRPr lang="fr-FR" dirty="0"/>
-          </a:p>
-        </p:txBody>
-      </p:sp>
-    </p:spTree>
-    <p:extLst>
-      <p:ext uri="{BB962C8B-B14F-4D97-AF65-F5344CB8AC3E}">
-        <p14:creationId xmlns:p14="http://schemas.microsoft.com/office/powerpoint/2010/main" val="102153736"/>
-      </p:ext>
-    </p:extLst>
-  </p:cSld>
-  <p:clrMapOvr>
-    <a:masterClrMapping/>
-  </p:clrMapOvr>
-</p:sld>
-</file>
-
 <file path=ppt/slides/slide2.xml><?xml version="1.0" encoding="utf-8"?>
 <p:sld xmlns:a="http://schemas.openxmlformats.org/drawingml/2006/main" xmlns:r="http://schemas.openxmlformats.org/officeDocument/2006/relationships" xmlns:p="http://schemas.openxmlformats.org/presentationml/2006/main">
   <p:cSld>
@@ -5761,7 +5890,7 @@
           <a:p>
             <a:r>
               <a:rPr lang="fr-FR" dirty="0" smtClean="0"/>
-              <a:t>Tern.js &amp; Java</a:t>
+              <a:t>TERN IDE &amp; Modules</a:t>
             </a:r>
             <a:endParaRPr lang="fr-FR" dirty="0"/>
           </a:p>
@@ -5780,134 +5909,140 @@
         <p:spPr/>
         <p:txBody>
           <a:bodyPr>
-            <a:normAutofit fontScale="92500" lnSpcReduction="10000"/>
+            <a:normAutofit/>
           </a:bodyPr>
           <a:lstStyle/>
           <a:p>
             <a:pPr marL="342900" lvl="1" indent="-342900"/>
             <a:r>
               <a:rPr lang="fr-FR" dirty="0" smtClean="0"/>
-              <a:t>tern.js écrits en </a:t>
-            </a:r>
-            <a:r>
-              <a:rPr lang="fr-FR" dirty="0" err="1" smtClean="0"/>
-              <a:t>Javascript</a:t>
-            </a:r>
-            <a:r>
-              <a:rPr lang="fr-FR" dirty="0" smtClean="0"/>
-              <a:t> doit être </a:t>
-            </a:r>
-            <a:r>
-              <a:rPr lang="fr-FR" dirty="0" err="1" smtClean="0"/>
-              <a:t>éxécutés</a:t>
-            </a:r>
-            <a:r>
-              <a:rPr lang="fr-FR" dirty="0" smtClean="0"/>
-              <a:t> dans un contexte Java, pour cela plusieurs solutions :</a:t>
-            </a:r>
-          </a:p>
-          <a:p>
-            <a:pPr marL="742950" lvl="2" indent="-342900"/>
-            <a:r>
-              <a:rPr lang="fr-FR" dirty="0" smtClean="0"/>
-              <a:t>Rhino, </a:t>
-            </a:r>
-          </a:p>
-          <a:p>
-            <a:pPr marL="742950" lvl="2" indent="-342900"/>
-            <a:r>
-              <a:rPr lang="fr-FR" dirty="0" smtClean="0"/>
-              <a:t>Node.js (client serveur), </a:t>
-            </a:r>
-          </a:p>
-          <a:p>
-            <a:pPr marL="742950" lvl="2" indent="-342900"/>
-            <a:r>
-              <a:rPr lang="fr-FR" dirty="0" err="1" smtClean="0"/>
-              <a:t>Nashhorm</a:t>
-            </a:r>
-            <a:r>
-              <a:rPr lang="fr-FR" dirty="0" smtClean="0"/>
-              <a:t>, </a:t>
-            </a:r>
-          </a:p>
-          <a:p>
-            <a:pPr marL="742950" lvl="2" indent="-342900"/>
-            <a:r>
-              <a:rPr lang="fr-FR" dirty="0" err="1" smtClean="0"/>
-              <a:t>Vertx</a:t>
-            </a:r>
+              <a:t>Après avoir </a:t>
+            </a:r>
+            <a:r>
+              <a:rPr lang="fr-FR" dirty="0"/>
+              <a:t>sélectionné le module </a:t>
+            </a:r>
+            <a:r>
+              <a:rPr lang="fr-FR" dirty="0" err="1"/>
+              <a:t>jquery</a:t>
+            </a:r>
+            <a:r>
+              <a:rPr lang="fr-FR" dirty="0" smtClean="0"/>
+              <a:t>, on bénéficie de la complétion sur ce </a:t>
+            </a:r>
+            <a:r>
+              <a:rPr lang="fr-FR" dirty="0" err="1" smtClean="0"/>
+              <a:t>framework</a:t>
+            </a:r>
+            <a:r>
+              <a:rPr lang="fr-FR" dirty="0" smtClean="0"/>
+              <a:t>: : </a:t>
+            </a:r>
+          </a:p>
+          <a:p>
+            <a:pPr marL="342900" lvl="1" indent="-342900"/>
             <a:endParaRPr lang="fr-FR" dirty="0" smtClean="0"/>
           </a:p>
           <a:p>
-            <a:pPr marL="742950" lvl="2" indent="-342900"/>
-            <a:r>
-              <a:rPr lang="fr-FR" dirty="0" smtClean="0"/>
-              <a:t>Chrome</a:t>
-            </a:r>
-          </a:p>
-          <a:p>
             <a:pPr marL="342900" lvl="1" indent="-342900"/>
-            <a:r>
-              <a:rPr lang="fr-FR" dirty="0" smtClean="0"/>
-              <a:t>2 </a:t>
-            </a:r>
-            <a:r>
-              <a:rPr lang="fr-FR" dirty="0" err="1" smtClean="0"/>
-              <a:t>implementations</a:t>
-            </a:r>
-            <a:r>
-              <a:rPr lang="fr-FR" dirty="0" smtClean="0"/>
-              <a:t> du serveur </a:t>
-            </a:r>
-            <a:r>
-              <a:rPr lang="fr-FR" dirty="0" err="1" smtClean="0"/>
-              <a:t>tern</a:t>
-            </a:r>
-            <a:r>
-              <a:rPr lang="fr-FR" dirty="0" smtClean="0"/>
-              <a:t> en Java : </a:t>
-            </a:r>
-          </a:p>
-          <a:p>
-            <a:pPr marL="742950" lvl="2" indent="-342900"/>
-            <a:r>
-              <a:rPr lang="fr-FR" dirty="0" smtClean="0"/>
-              <a:t>Rhino</a:t>
-            </a:r>
-          </a:p>
-          <a:p>
-            <a:pPr marL="742950" lvl="2" indent="-342900"/>
-            <a:r>
-              <a:rPr lang="fr-FR" dirty="0" smtClean="0"/>
-              <a:t>Node.js</a:t>
-            </a:r>
+            <a:endParaRPr lang="fr-FR" dirty="0" smtClean="0"/>
           </a:p>
           <a:p>
             <a:pPr marL="342900" lvl="1" indent="-342900"/>
-            <a:r>
-              <a:rPr lang="fr-FR" dirty="0" smtClean="0"/>
-              <a:t>Node.js la plus performante.</a:t>
-            </a:r>
+            <a:endParaRPr lang="fr-FR" dirty="0"/>
           </a:p>
           <a:p>
             <a:pPr marL="342900" lvl="1" indent="-342900"/>
-            <a:r>
-              <a:rPr lang="fr-FR" dirty="0"/>
-              <a:t>A tester avec </a:t>
-            </a:r>
-            <a:r>
-              <a:rPr lang="fr-FR" dirty="0" err="1"/>
-              <a:t>Nashhorm</a:t>
-            </a:r>
             <a:endParaRPr lang="fr-FR" dirty="0" smtClean="0"/>
           </a:p>
-        </p:txBody>
-      </p:sp>
+          <a:p>
+            <a:pPr marL="342900" lvl="1" indent="-342900"/>
+            <a:endParaRPr lang="fr-FR" dirty="0"/>
+          </a:p>
+          <a:p>
+            <a:pPr marL="342900" lvl="1" indent="-342900"/>
+            <a:endParaRPr lang="fr-FR" dirty="0" smtClean="0"/>
+          </a:p>
+          <a:p>
+            <a:pPr marL="342900" lvl="1" indent="-342900"/>
+            <a:endParaRPr lang="fr-FR" dirty="0"/>
+          </a:p>
+          <a:p>
+            <a:pPr marL="342900" lvl="1" indent="-342900"/>
+            <a:endParaRPr lang="fr-FR" dirty="0" smtClean="0"/>
+          </a:p>
+          <a:p>
+            <a:pPr marL="342900" lvl="1" indent="-342900"/>
+            <a:endParaRPr lang="fr-FR" dirty="0"/>
+          </a:p>
+          <a:p>
+            <a:pPr marL="342900" lvl="1" indent="-342900"/>
+            <a:endParaRPr lang="fr-FR" dirty="0" smtClean="0"/>
+          </a:p>
+          <a:p>
+            <a:pPr marL="342900" lvl="1" indent="-342900"/>
+            <a:endParaRPr lang="fr-FR" dirty="0"/>
+          </a:p>
+        </p:txBody>
+      </p:sp>
+      <p:pic>
+        <p:nvPicPr>
+          <p:cNvPr id="7170" name="Picture 2"/>
+          <p:cNvPicPr>
+            <a:picLocks noChangeAspect="1" noChangeArrowheads="1"/>
+          </p:cNvPicPr>
+          <p:nvPr/>
+        </p:nvPicPr>
+        <p:blipFill>
+          <a:blip r:embed="rId2">
+            <a:extLst>
+              <a:ext uri="{28A0092B-C50C-407E-A947-70E740481C1C}">
+                <a14:useLocalDpi xmlns:a14="http://schemas.microsoft.com/office/drawing/2010/main" val="0"/>
+              </a:ext>
+            </a:extLst>
+          </a:blip>
+          <a:srcRect/>
+          <a:stretch>
+            <a:fillRect/>
+          </a:stretch>
+        </p:blipFill>
+        <p:spPr bwMode="auto">
+          <a:xfrm>
+            <a:off x="611560" y="2187573"/>
+            <a:ext cx="7780101" cy="3113633"/>
+          </a:xfrm>
+          <a:prstGeom prst="rect">
+            <a:avLst/>
+          </a:prstGeom>
+          <a:noFill/>
+          <a:ln>
+            <a:noFill/>
+          </a:ln>
+          <a:extLst>
+            <a:ext uri="{909E8E84-426E-40DD-AFC4-6F175D3DCCD1}">
+              <a14:hiddenFill xmlns:a14="http://schemas.microsoft.com/office/drawing/2010/main">
+                <a:solidFill>
+                  <a:schemeClr val="accent1"/>
+                </a:solidFill>
+              </a14:hiddenFill>
+            </a:ext>
+            <a:ext uri="{91240B29-F687-4F45-9708-019B960494DF}">
+              <a14:hiddenLine xmlns:a14="http://schemas.microsoft.com/office/drawing/2010/main" w="9525">
+                <a:solidFill>
+                  <a:schemeClr val="tx1"/>
+                </a:solidFill>
+                <a:miter lim="800000"/>
+                <a:headEnd/>
+                <a:tailEnd/>
+              </a14:hiddenLine>
+            </a:ext>
+          </a:extLst>
+        </p:spPr>
+      </p:pic>
     </p:spTree>
     <p:extLst>
       <p:ext uri="{BB962C8B-B14F-4D97-AF65-F5344CB8AC3E}">
-        <p14:creationId xmlns:p14="http://schemas.microsoft.com/office/powerpoint/2010/main" val="3134940998"/>
+        <p14:creationId xmlns:p14="http://schemas.microsoft.com/office/powerpoint/2010/main" val="2134260514"/>
       </p:ext>
     </p:extLst>
   </p:cSld>
@@ -5951,7 +6086,7 @@
           <a:p>
             <a:r>
               <a:rPr lang="fr-FR" dirty="0" smtClean="0"/>
-              <a:t>Tern.js &amp; Java – Node.js</a:t>
+              <a:t>TERN.java – Comment ca marche?</a:t>
             </a:r>
             <a:endParaRPr lang="fr-FR" dirty="0"/>
           </a:p>
@@ -5977,7 +6112,7 @@
             <a:pPr marL="342900" lvl="1" indent="-342900"/>
             <a:r>
               <a:rPr lang="fr-FR" dirty="0" smtClean="0"/>
-              <a:t>Faire </a:t>
+              <a:t>TODO : faire </a:t>
             </a:r>
             <a:r>
               <a:rPr lang="fr-FR" dirty="0" err="1" smtClean="0"/>
@@ -5985,15 +6120,115 @@
             </a:r>
             <a:r>
               <a:rPr lang="fr-FR" dirty="0" smtClean="0"/>
-              <a:t> Node.js</a:t>
-            </a:r>
+              <a:t> avec </a:t>
+            </a:r>
+            <a:r>
+              <a:rPr lang="fr-FR" dirty="0" err="1" smtClean="0"/>
+              <a:t>Completion</a:t>
+            </a:r>
+            <a:r>
+              <a:rPr lang="fr-FR" dirty="0" smtClean="0"/>
+              <a:t> &lt;-&gt; </a:t>
+            </a:r>
+            <a:r>
+              <a:rPr lang="fr-FR" dirty="0" err="1" smtClean="0"/>
+              <a:t>Tern</a:t>
+            </a:r>
+            <a:r>
+              <a:rPr lang="fr-FR" dirty="0" smtClean="0"/>
+              <a:t> Server</a:t>
+            </a:r>
+          </a:p>
+          <a:p>
+            <a:pPr marL="342900" lvl="1" indent="-342900"/>
+            <a:r>
+              <a:rPr lang="fr-FR" dirty="0"/>
+              <a:t>TODO : faire </a:t>
+            </a:r>
+            <a:r>
+              <a:rPr lang="fr-FR" dirty="0" err="1"/>
+              <a:t>schema</a:t>
+            </a:r>
+            <a:r>
+              <a:rPr lang="fr-FR" dirty="0"/>
+              <a:t> avec </a:t>
+            </a:r>
+            <a:r>
+              <a:rPr lang="fr-FR" dirty="0" err="1"/>
+              <a:t>Completion</a:t>
+            </a:r>
+            <a:r>
+              <a:rPr lang="fr-FR" dirty="0"/>
+              <a:t> &lt;-&gt; </a:t>
+            </a:r>
+            <a:r>
+              <a:rPr lang="fr-FR" dirty="0" err="1"/>
+              <a:t>Tern</a:t>
+            </a:r>
+            <a:r>
+              <a:rPr lang="fr-FR" dirty="0"/>
+              <a:t> </a:t>
+            </a:r>
+            <a:r>
+              <a:rPr lang="fr-FR" dirty="0" smtClean="0"/>
+              <a:t>Server qui tourne avec Node.js</a:t>
+            </a:r>
+            <a:endParaRPr lang="fr-FR" dirty="0"/>
+          </a:p>
+          <a:p>
+            <a:pPr marL="342900" lvl="1" indent="-342900"/>
+            <a:endParaRPr lang="fr-FR" dirty="0" smtClean="0"/>
+          </a:p>
+          <a:p>
+            <a:pPr marL="342900" lvl="1" indent="-342900"/>
+            <a:endParaRPr lang="fr-FR" dirty="0" smtClean="0"/>
+          </a:p>
+          <a:p>
+            <a:pPr marL="342900" lvl="1" indent="-342900"/>
+            <a:endParaRPr lang="fr-FR" dirty="0" smtClean="0"/>
+          </a:p>
+          <a:p>
+            <a:pPr marL="342900" lvl="1" indent="-342900"/>
+            <a:endParaRPr lang="fr-FR" dirty="0"/>
+          </a:p>
+          <a:p>
+            <a:pPr marL="342900" lvl="1" indent="-342900"/>
+            <a:endParaRPr lang="fr-FR" dirty="0" smtClean="0"/>
+          </a:p>
+          <a:p>
+            <a:pPr marL="342900" lvl="1" indent="-342900"/>
+            <a:endParaRPr lang="fr-FR" dirty="0"/>
+          </a:p>
+          <a:p>
+            <a:pPr marL="342900" lvl="1" indent="-342900"/>
+            <a:endParaRPr lang="fr-FR" dirty="0" smtClean="0"/>
+          </a:p>
+          <a:p>
+            <a:pPr marL="342900" lvl="1" indent="-342900"/>
+            <a:endParaRPr lang="fr-FR" dirty="0"/>
+          </a:p>
+          <a:p>
+            <a:pPr marL="342900" lvl="1" indent="-342900"/>
+            <a:endParaRPr lang="fr-FR" dirty="0" smtClean="0"/>
+          </a:p>
+          <a:p>
+            <a:pPr marL="342900" lvl="1" indent="-342900"/>
+            <a:endParaRPr lang="fr-FR" dirty="0"/>
+          </a:p>
+          <a:p>
+            <a:pPr marL="342900" lvl="1" indent="-342900"/>
+            <a:endParaRPr lang="fr-FR" dirty="0" smtClean="0"/>
+          </a:p>
+          <a:p>
+            <a:pPr marL="342900" lvl="1" indent="-342900"/>
+            <a:endParaRPr lang="fr-FR" dirty="0"/>
           </a:p>
         </p:txBody>
       </p:sp>
     </p:spTree>
     <p:extLst>
       <p:ext uri="{BB962C8B-B14F-4D97-AF65-F5344CB8AC3E}">
-        <p14:creationId xmlns:p14="http://schemas.microsoft.com/office/powerpoint/2010/main" val="1152627646"/>
+        <p14:creationId xmlns:p14="http://schemas.microsoft.com/office/powerpoint/2010/main" val="102153736"/>
       </p:ext>
     </p:extLst>
   </p:cSld>
@@ -6037,11 +6272,7 @@
           <a:p>
             <a:r>
               <a:rPr lang="fr-FR" dirty="0" smtClean="0"/>
-              <a:t>Tern.java </a:t>
-            </a:r>
-            <a:r>
-              <a:rPr lang="fr-FR" smtClean="0"/>
-              <a:t>&amp; Eclipse</a:t>
+              <a:t>Tern.js &amp; Java</a:t>
             </a:r>
             <a:endParaRPr lang="fr-FR" dirty="0"/>
           </a:p>
@@ -6059,74 +6290,86 @@
         </p:nvSpPr>
         <p:spPr/>
         <p:txBody>
-          <a:bodyPr/>
-          <a:lstStyle/>
-          <a:p>
-            <a:r>
-              <a:rPr lang="fr-FR" dirty="0" smtClean="0"/>
-              <a:t>tern.java (</a:t>
-            </a:r>
-            <a:r>
-              <a:rPr lang="fr-FR" dirty="0" err="1" smtClean="0"/>
-              <a:t>eclipse</a:t>
-            </a:r>
-            <a:r>
-              <a:rPr lang="fr-FR" dirty="0" smtClean="0"/>
-              <a:t>) fournit :</a:t>
-            </a:r>
-          </a:p>
-          <a:p>
-            <a:pPr lvl="1"/>
-            <a:r>
-              <a:rPr lang="fr-FR" dirty="0" smtClean="0"/>
-              <a:t>des plugins Eclipse pour l’IDE Eclipse qui utilise tern.java (</a:t>
-            </a:r>
-            <a:r>
-              <a:rPr lang="fr-FR" dirty="0" err="1" smtClean="0"/>
-              <a:t>core</a:t>
-            </a:r>
-            <a:r>
-              <a:rPr lang="fr-FR" dirty="0" smtClean="0"/>
-              <a:t>)</a:t>
-            </a:r>
-          </a:p>
-          <a:p>
-            <a:pPr lvl="1"/>
-            <a:r>
-              <a:rPr lang="fr-FR" dirty="0" smtClean="0"/>
-              <a:t>Un plugin JSDT qui </a:t>
-            </a:r>
-            <a:r>
-              <a:rPr lang="fr-FR" dirty="0" err="1" smtClean="0"/>
-              <a:t>éténd</a:t>
-            </a:r>
-            <a:r>
-              <a:rPr lang="fr-FR" dirty="0" smtClean="0"/>
-              <a:t> la </a:t>
-            </a:r>
-            <a:r>
-              <a:rPr lang="fr-FR" dirty="0" err="1" smtClean="0"/>
-              <a:t>completion</a:t>
+          <a:bodyPr>
+            <a:normAutofit fontScale="92500" lnSpcReduction="10000"/>
+          </a:bodyPr>
+          <a:lstStyle/>
+          <a:p>
+            <a:pPr marL="342900" lvl="1" indent="-342900"/>
+            <a:r>
+              <a:rPr lang="fr-FR" dirty="0" smtClean="0"/>
+              <a:t>tern.js écrits en </a:t>
+            </a:r>
+            <a:r>
+              <a:rPr lang="fr-FR" dirty="0" err="1" smtClean="0"/>
+              <a:t>Javascript</a:t>
+            </a:r>
+            <a:r>
+              <a:rPr lang="fr-FR" dirty="0" smtClean="0"/>
+              <a:t> doit être </a:t>
+            </a:r>
+            <a:r>
+              <a:rPr lang="fr-FR" dirty="0" err="1" smtClean="0"/>
+              <a:t>éxécutés</a:t>
+            </a:r>
+            <a:r>
+              <a:rPr lang="fr-FR" dirty="0" smtClean="0"/>
+              <a:t> dans un contexte Java, pour cela plusieurs solutions :</a:t>
+            </a:r>
+          </a:p>
+          <a:p>
+            <a:pPr marL="742950" lvl="2" indent="-342900"/>
+            <a:r>
+              <a:rPr lang="fr-FR" dirty="0" smtClean="0"/>
+              <a:t>Rhino, </a:t>
+            </a:r>
+          </a:p>
+          <a:p>
+            <a:pPr marL="742950" lvl="2" indent="-342900"/>
+            <a:r>
+              <a:rPr lang="fr-FR" dirty="0" smtClean="0"/>
+              <a:t>Node.js (client serveur), </a:t>
+            </a:r>
+          </a:p>
+          <a:p>
+            <a:pPr marL="742950" lvl="2" indent="-342900"/>
+            <a:r>
+              <a:rPr lang="fr-FR" dirty="0" err="1" smtClean="0"/>
+              <a:t>Nashhorm</a:t>
             </a:r>
             <a:r>
               <a:rPr lang="fr-FR" dirty="0" smtClean="0"/>
               <a:t>, </a:t>
             </a:r>
-            <a:r>
-              <a:rPr lang="fr-FR" dirty="0" err="1" smtClean="0"/>
-              <a:t>text</a:t>
-            </a:r>
-            <a:r>
-              <a:rPr lang="fr-FR" dirty="0" smtClean="0"/>
-              <a:t> </a:t>
-            </a:r>
-            <a:r>
-              <a:rPr lang="fr-FR" dirty="0" err="1" smtClean="0"/>
-              <a:t>hover</a:t>
-            </a:r>
-            <a:r>
-              <a:rPr lang="fr-FR" dirty="0" smtClean="0"/>
-              <a:t> pour utilise </a:t>
+          </a:p>
+          <a:p>
+            <a:pPr marL="742950" lvl="2" indent="-342900"/>
+            <a:r>
+              <a:rPr lang="fr-FR" dirty="0" err="1" smtClean="0"/>
+              <a:t>Vertx</a:t>
+            </a:r>
+            <a:endParaRPr lang="fr-FR" dirty="0" smtClean="0"/>
+          </a:p>
+          <a:p>
+            <a:pPr marL="742950" lvl="2" indent="-342900"/>
+            <a:r>
+              <a:rPr lang="fr-FR" dirty="0" smtClean="0"/>
+              <a:t>Chrome</a:t>
+            </a:r>
+          </a:p>
+          <a:p>
+            <a:pPr marL="342900" lvl="1" indent="-342900"/>
+            <a:r>
+              <a:rPr lang="fr-FR" dirty="0" smtClean="0"/>
+              <a:t>2 </a:t>
+            </a:r>
+            <a:r>
+              <a:rPr lang="fr-FR" dirty="0" err="1" smtClean="0"/>
+              <a:t>implementations</a:t>
+            </a:r>
+            <a:r>
+              <a:rPr lang="fr-FR" dirty="0" smtClean="0"/>
+              <a:t> du serveur </a:t>
             </a:r>
             <a:r>
               <a:rPr lang="fr-FR" dirty="0" err="1" smtClean="0"/>
@@ -6134,49 +6377,48 @@
             </a:r>
             <a:r>
               <a:rPr lang="fr-FR" dirty="0" smtClean="0"/>
-              <a:t> dans l’</a:t>
-            </a:r>
-            <a:r>
-              <a:rPr lang="fr-FR" dirty="0" err="1" smtClean="0"/>
-              <a:t>editeur</a:t>
-            </a:r>
-            <a:r>
-              <a:rPr lang="fr-FR" dirty="0" smtClean="0"/>
-              <a:t> </a:t>
-            </a:r>
-            <a:r>
-              <a:rPr lang="fr-FR" dirty="0" err="1" smtClean="0"/>
-              <a:t>Javascript</a:t>
-            </a:r>
-            <a:r>
-              <a:rPr lang="fr-FR" dirty="0" smtClean="0"/>
-              <a:t> JSDT</a:t>
-            </a:r>
-          </a:p>
-          <a:p>
-            <a:pPr lvl="1"/>
-            <a:r>
-              <a:rPr lang="fr-FR" dirty="0" smtClean="0"/>
-              <a:t>Tern.java (</a:t>
-            </a:r>
-            <a:r>
-              <a:rPr lang="fr-FR" dirty="0" err="1" smtClean="0"/>
-              <a:t>eclipse</a:t>
-            </a:r>
-            <a:r>
-              <a:rPr lang="fr-FR" dirty="0" smtClean="0"/>
-              <a:t>) n’est pas lié à JSDT, il peut être utilisé dans d’autres éditeurs JavaScript.</a:t>
-            </a:r>
-          </a:p>
-          <a:p>
-            <a:endParaRPr lang="fr-FR" dirty="0"/>
+              <a:t> en Java : </a:t>
+            </a:r>
+          </a:p>
+          <a:p>
+            <a:pPr marL="742950" lvl="2" indent="-342900"/>
+            <a:r>
+              <a:rPr lang="fr-FR" dirty="0" smtClean="0"/>
+              <a:t>Rhino</a:t>
+            </a:r>
+          </a:p>
+          <a:p>
+            <a:pPr marL="742950" lvl="2" indent="-342900"/>
+            <a:r>
+              <a:rPr lang="fr-FR" dirty="0" smtClean="0"/>
+              <a:t>Node.js</a:t>
+            </a:r>
+          </a:p>
+          <a:p>
+            <a:pPr marL="342900" lvl="1" indent="-342900"/>
+            <a:r>
+              <a:rPr lang="fr-FR" dirty="0" smtClean="0"/>
+              <a:t>Node.js la plus performante.</a:t>
+            </a:r>
+          </a:p>
+          <a:p>
+            <a:pPr marL="342900" lvl="1" indent="-342900"/>
+            <a:r>
+              <a:rPr lang="fr-FR" dirty="0"/>
+              <a:t>A tester avec </a:t>
+            </a:r>
+            <a:r>
+              <a:rPr lang="fr-FR" dirty="0" err="1"/>
+              <a:t>Nashhorm</a:t>
+            </a:r>
+            <a:endParaRPr lang="fr-FR" dirty="0" smtClean="0"/>
           </a:p>
         </p:txBody>
       </p:sp>
     </p:spTree>
     <p:extLst>
       <p:ext uri="{BB962C8B-B14F-4D97-AF65-F5344CB8AC3E}">
-        <p14:creationId xmlns:p14="http://schemas.microsoft.com/office/powerpoint/2010/main" val="3541111988"/>
+        <p14:creationId xmlns:p14="http://schemas.microsoft.com/office/powerpoint/2010/main" val="3134940998"/>
       </p:ext>
     </p:extLst>
   </p:cSld>
@@ -6220,19 +6462,7 @@
           <a:p>
             <a:r>
               <a:rPr lang="fr-FR" dirty="0" smtClean="0"/>
-              <a:t>Tern.java – </a:t>
-            </a:r>
-            <a:r>
-              <a:rPr lang="fr-FR" dirty="0" err="1" smtClean="0"/>
-              <a:t>Getting</a:t>
-            </a:r>
-            <a:r>
-              <a:rPr lang="fr-FR" dirty="0" smtClean="0"/>
-              <a:t> </a:t>
-            </a:r>
-            <a:r>
-              <a:rPr lang="fr-FR" dirty="0" err="1" smtClean="0"/>
-              <a:t>Started</a:t>
+              <a:t>Tern.js &amp; Java – Node.js</a:t>
             </a:r>
             <a:endParaRPr lang="fr-FR" dirty="0"/>
           </a:p>
@@ -6250,21 +6480,31 @@
         </p:nvSpPr>
         <p:spPr/>
         <p:txBody>
-          <a:bodyPr/>
-          <a:lstStyle/>
-          <a:p>
-            <a:r>
-              <a:rPr lang="fr-FR" dirty="0" smtClean="0"/>
-              <a:t>tern.java</a:t>
-            </a:r>
-            <a:endParaRPr lang="fr-FR" dirty="0"/>
+          <a:bodyPr>
+            <a:normAutofit/>
+          </a:bodyPr>
+          <a:lstStyle/>
+          <a:p>
+            <a:pPr marL="342900" lvl="1" indent="-342900"/>
+            <a:r>
+              <a:rPr lang="fr-FR" dirty="0" smtClean="0"/>
+              <a:t>Faire </a:t>
+            </a:r>
+            <a:r>
+              <a:rPr lang="fr-FR" dirty="0" err="1" smtClean="0"/>
+              <a:t>schema</a:t>
+            </a:r>
+            <a:r>
+              <a:rPr lang="fr-FR" dirty="0" smtClean="0"/>
+              <a:t> Node.js</a:t>
+            </a:r>
           </a:p>
         </p:txBody>
       </p:sp>
     </p:spTree>
     <p:extLst>
       <p:ext uri="{BB962C8B-B14F-4D97-AF65-F5344CB8AC3E}">
-        <p14:creationId xmlns:p14="http://schemas.microsoft.com/office/powerpoint/2010/main" val="1307568318"/>
+        <p14:creationId xmlns:p14="http://schemas.microsoft.com/office/powerpoint/2010/main" val="1152627646"/>
       </p:ext>
     </p:extLst>
   </p:cSld>
@@ -6308,11 +6548,11 @@
           <a:p>
             <a:r>
               <a:rPr lang="fr-FR" dirty="0" smtClean="0"/>
-              <a:t>Tern.java – </a:t>
-            </a:r>
-            <a:r>
-              <a:rPr lang="fr-FR" dirty="0" err="1" smtClean="0"/>
-              <a:t>Completion</a:t>
+              <a:t>Tern.java </a:t>
+            </a:r>
+            <a:r>
+              <a:rPr lang="fr-FR" smtClean="0"/>
+              <a:t>&amp; Eclipse</a:t>
             </a:r>
             <a:endParaRPr lang="fr-FR" dirty="0"/>
           </a:p>
@@ -6332,6 +6572,113 @@
         <p:txBody>
           <a:bodyPr/>
           <a:lstStyle/>
+          <a:p>
+            <a:r>
+              <a:rPr lang="fr-FR" dirty="0" smtClean="0"/>
+              <a:t>tern.java (</a:t>
+            </a:r>
+            <a:r>
+              <a:rPr lang="fr-FR" dirty="0" err="1" smtClean="0"/>
+              <a:t>eclipse</a:t>
+            </a:r>
+            <a:r>
+              <a:rPr lang="fr-FR" dirty="0" smtClean="0"/>
+              <a:t>) fournit :</a:t>
+            </a:r>
+          </a:p>
+          <a:p>
+            <a:pPr lvl="1"/>
+            <a:r>
+              <a:rPr lang="fr-FR" dirty="0" smtClean="0"/>
+              <a:t>des plugins Eclipse pour l’IDE Eclipse qui utilise tern.java (</a:t>
+            </a:r>
+            <a:r>
+              <a:rPr lang="fr-FR" dirty="0" err="1" smtClean="0"/>
+              <a:t>core</a:t>
+            </a:r>
+            <a:r>
+              <a:rPr lang="fr-FR" dirty="0" smtClean="0"/>
+              <a:t>)</a:t>
+            </a:r>
+          </a:p>
+          <a:p>
+            <a:pPr lvl="1"/>
+            <a:r>
+              <a:rPr lang="fr-FR" dirty="0" smtClean="0"/>
+              <a:t>Un plugin JSDT qui </a:t>
+            </a:r>
+            <a:r>
+              <a:rPr lang="fr-FR" dirty="0" err="1" smtClean="0"/>
+              <a:t>éténd</a:t>
+            </a:r>
+            <a:r>
+              <a:rPr lang="fr-FR" dirty="0" smtClean="0"/>
+              <a:t> la </a:t>
+            </a:r>
+            <a:r>
+              <a:rPr lang="fr-FR" dirty="0" err="1" smtClean="0"/>
+              <a:t>completion</a:t>
+            </a:r>
+            <a:r>
+              <a:rPr lang="fr-FR" dirty="0" smtClean="0"/>
+              <a:t>, </a:t>
+            </a:r>
+            <a:r>
+              <a:rPr lang="fr-FR" dirty="0" err="1" smtClean="0"/>
+              <a:t>text</a:t>
+            </a:r>
+            <a:r>
+              <a:rPr lang="fr-FR" dirty="0" smtClean="0"/>
+              <a:t> </a:t>
+            </a:r>
+            <a:r>
+              <a:rPr lang="fr-FR" dirty="0" err="1" smtClean="0"/>
+              <a:t>hover</a:t>
+            </a:r>
+            <a:r>
+              <a:rPr lang="fr-FR" dirty="0" smtClean="0"/>
+              <a:t> pour utilise </a:t>
+            </a:r>
+            <a:r>
+              <a:rPr lang="fr-FR" dirty="0" err="1" smtClean="0"/>
+              <a:t>tern</a:t>
+            </a:r>
+            <a:r>
+              <a:rPr lang="fr-FR" dirty="0" smtClean="0"/>
+              <a:t> dans l’</a:t>
+            </a:r>
+            <a:r>
+              <a:rPr lang="fr-FR" dirty="0" err="1" smtClean="0"/>
+              <a:t>editeur</a:t>
+            </a:r>
+            <a:r>
+              <a:rPr lang="fr-FR" dirty="0" smtClean="0"/>
+              <a:t> </a:t>
+            </a:r>
+            <a:r>
+              <a:rPr lang="fr-FR" dirty="0" err="1" smtClean="0"/>
+              <a:t>Javascript</a:t>
+            </a:r>
+            <a:r>
+              <a:rPr lang="fr-FR" dirty="0" smtClean="0"/>
+              <a:t> JSDT</a:t>
+            </a:r>
+          </a:p>
+          <a:p>
+            <a:pPr lvl="1"/>
+            <a:r>
+              <a:rPr lang="fr-FR" dirty="0" smtClean="0"/>
+              <a:t>Tern.java (</a:t>
+            </a:r>
+            <a:r>
+              <a:rPr lang="fr-FR" dirty="0" err="1" smtClean="0"/>
+              <a:t>eclipse</a:t>
+            </a:r>
+            <a:r>
+              <a:rPr lang="fr-FR" dirty="0" smtClean="0"/>
+              <a:t>) n’est pas lié à JSDT, il peut être utilisé dans d’autres éditeurs JavaScript.</a:t>
+            </a:r>
+          </a:p>
           <a:p>
             <a:endParaRPr lang="fr-FR" dirty="0"/>
           </a:p>
@@ -6340,7 +6687,7 @@
     </p:spTree>
     <p:extLst>
       <p:ext uri="{BB962C8B-B14F-4D97-AF65-F5344CB8AC3E}">
-        <p14:creationId xmlns:p14="http://schemas.microsoft.com/office/powerpoint/2010/main" val="606268164"/>
+        <p14:creationId xmlns:p14="http://schemas.microsoft.com/office/powerpoint/2010/main" val="3541111988"/>
       </p:ext>
     </p:extLst>
   </p:cSld>
@@ -6388,7 +6735,15 @@
             </a:r>
             <a:r>
               <a:rPr lang="fr-FR" dirty="0" err="1" smtClean="0"/>
-              <a:t>Hover</a:t>
+              <a:t>Getting</a:t>
+            </a:r>
+            <a:r>
+              <a:rPr lang="fr-FR" dirty="0" smtClean="0"/>
+              <a:t> </a:t>
+            </a:r>
+            <a:r>
+              <a:rPr lang="fr-FR" dirty="0" err="1" smtClean="0"/>
+              <a:t>Started</a:t>
             </a:r>
             <a:endParaRPr lang="fr-FR" dirty="0"/>
           </a:p>
@@ -6409,6 +6764,10 @@
           <a:bodyPr/>
           <a:lstStyle/>
           <a:p>
+            <a:r>
+              <a:rPr lang="fr-FR" dirty="0" smtClean="0"/>
+              <a:t>tern.java</a:t>
+            </a:r>
             <a:endParaRPr lang="fr-FR" dirty="0"/>
           </a:p>
         </p:txBody>
@@ -6416,7 +6775,7 @@
     </p:spTree>
     <p:extLst>
       <p:ext uri="{BB962C8B-B14F-4D97-AF65-F5344CB8AC3E}">
-        <p14:creationId xmlns:p14="http://schemas.microsoft.com/office/powerpoint/2010/main" val="1158840641"/>
+        <p14:creationId xmlns:p14="http://schemas.microsoft.com/office/powerpoint/2010/main" val="1307568318"/>
       </p:ext>
     </p:extLst>
   </p:cSld>
@@ -6460,7 +6819,11 @@
           <a:p>
             <a:r>
               <a:rPr lang="fr-FR" dirty="0" smtClean="0"/>
-              <a:t>Tern.java – Lint</a:t>
+              <a:t>Tern.java – </a:t>
+            </a:r>
+            <a:r>
+              <a:rPr lang="fr-FR" dirty="0" err="1" smtClean="0"/>
+              <a:t>Completion</a:t>
             </a:r>
             <a:endParaRPr lang="fr-FR" dirty="0"/>
           </a:p>
@@ -6488,7 +6851,7 @@
     </p:spTree>
     <p:extLst>
       <p:ext uri="{BB962C8B-B14F-4D97-AF65-F5344CB8AC3E}">
-        <p14:creationId xmlns:p14="http://schemas.microsoft.com/office/powerpoint/2010/main" val="1158840641"/>
+        <p14:creationId xmlns:p14="http://schemas.microsoft.com/office/powerpoint/2010/main" val="606268164"/>
       </p:ext>
     </p:extLst>
   </p:cSld>
@@ -6531,12 +6894,12 @@
           <a:lstStyle/>
           <a:p>
             <a:r>
-              <a:rPr lang="fr-FR" dirty="0" err="1" smtClean="0"/>
-              <a:t>AngularJS</a:t>
-            </a:r>
-            <a:r>
-              <a:rPr lang="fr-FR" dirty="0" smtClean="0"/>
-              <a:t> Eclipse</a:t>
+              <a:rPr lang="fr-FR" dirty="0" smtClean="0"/>
+              <a:t>Tern.java – </a:t>
+            </a:r>
+            <a:r>
+              <a:rPr lang="fr-FR" dirty="0" err="1" smtClean="0"/>
+              <a:t>Hover</a:t>
             </a:r>
             <a:endParaRPr lang="fr-FR" dirty="0"/>
           </a:p>
@@ -6557,10 +6920,6 @@
           <a:bodyPr/>
           <a:lstStyle/>
           <a:p>
-            <a:r>
-              <a:rPr lang="fr-FR" dirty="0" smtClean="0"/>
-              <a:t>tern.java</a:t>
-            </a:r>
             <a:endParaRPr lang="fr-FR" dirty="0"/>
           </a:p>
         </p:txBody>
@@ -6568,7 +6927,7 @@
     </p:spTree>
     <p:extLst>
       <p:ext uri="{BB962C8B-B14F-4D97-AF65-F5344CB8AC3E}">
-        <p14:creationId xmlns:p14="http://schemas.microsoft.com/office/powerpoint/2010/main" val="3463333536"/>
+        <p14:creationId xmlns:p14="http://schemas.microsoft.com/office/powerpoint/2010/main" val="1158840641"/>
       </p:ext>
     </p:extLst>
   </p:cSld>
@@ -6612,7 +6971,7 @@
           <a:p>
             <a:r>
               <a:rPr lang="fr-FR" dirty="0" smtClean="0"/>
-              <a:t>Tern.java - TODOS</a:t>
+              <a:t>Tern.java – Lint</a:t>
             </a:r>
             <a:endParaRPr lang="fr-FR" dirty="0"/>
           </a:p>
@@ -6633,25 +6992,6 @@
           <a:bodyPr/>
           <a:lstStyle/>
           <a:p>
-            <a:r>
-              <a:rPr lang="fr-FR" dirty="0" err="1" smtClean="0"/>
-              <a:t>Refactoring</a:t>
-            </a:r>
-            <a:endParaRPr lang="fr-FR" dirty="0" smtClean="0"/>
-          </a:p>
-          <a:p>
-            <a:r>
-              <a:rPr lang="fr-FR" dirty="0" err="1" smtClean="0"/>
-              <a:t>Search</a:t>
-            </a:r>
-            <a:r>
-              <a:rPr lang="fr-FR" dirty="0" smtClean="0"/>
-              <a:t> </a:t>
-            </a:r>
-            <a:r>
-              <a:rPr lang="fr-FR" dirty="0" err="1" smtClean="0"/>
-              <a:t>references</a:t>
-            </a:r>
             <a:endParaRPr lang="fr-FR" dirty="0"/>
           </a:p>
         </p:txBody>
@@ -6659,7 +6999,182 @@
     </p:spTree>
     <p:extLst>
       <p:ext uri="{BB962C8B-B14F-4D97-AF65-F5344CB8AC3E}">
-        <p14:creationId xmlns:p14="http://schemas.microsoft.com/office/powerpoint/2010/main" val="4273097244"/>
+        <p14:creationId xmlns:p14="http://schemas.microsoft.com/office/powerpoint/2010/main" val="1158840641"/>
+      </p:ext>
+    </p:extLst>
+  </p:cSld>
+  <p:clrMapOvr>
+    <a:masterClrMapping/>
+  </p:clrMapOvr>
+</p:sld>
+</file>
+
+<file path=ppt/slides/slide29.xml><?xml version="1.0" encoding="utf-8"?>
+<p:sld xmlns:a="http://schemas.openxmlformats.org/drawingml/2006/main" xmlns:r="http://schemas.openxmlformats.org/officeDocument/2006/relationships" xmlns:p="http://schemas.openxmlformats.org/presentationml/2006/main">
+  <p:cSld>
+    <p:spTree>
+      <p:nvGrpSpPr>
+        <p:cNvPr id="1" name=""/>
+        <p:cNvGrpSpPr/>
+        <p:nvPr/>
+      </p:nvGrpSpPr>
+      <p:grpSpPr>
+        <a:xfrm>
+          <a:off x="0" y="0"/>
+          <a:ext cx="0" cy="0"/>
+          <a:chOff x="0" y="0"/>
+          <a:chExt cx="0" cy="0"/>
+        </a:xfrm>
+      </p:grpSpPr>
+      <p:sp>
+        <p:nvSpPr>
+          <p:cNvPr id="2" name="Titre 1"/>
+          <p:cNvSpPr>
+            <a:spLocks noGrp="1"/>
+          </p:cNvSpPr>
+          <p:nvPr>
+            <p:ph type="title"/>
+          </p:nvPr>
+        </p:nvSpPr>
+        <p:spPr/>
+        <p:txBody>
+          <a:bodyPr/>
+          <a:lstStyle/>
+          <a:p>
+            <a:r>
+              <a:rPr lang="fr-FR" dirty="0" err="1" smtClean="0"/>
+              <a:t>AngularJS</a:t>
+            </a:r>
+            <a:r>
+              <a:rPr lang="fr-FR" dirty="0" smtClean="0"/>
+              <a:t> Eclipse</a:t>
+            </a:r>
+            <a:endParaRPr lang="fr-FR" dirty="0"/>
+          </a:p>
+        </p:txBody>
+      </p:sp>
+      <p:sp>
+        <p:nvSpPr>
+          <p:cNvPr id="3" name="Espace réservé du contenu 2"/>
+          <p:cNvSpPr>
+            <a:spLocks noGrp="1"/>
+          </p:cNvSpPr>
+          <p:nvPr>
+            <p:ph sz="quarter" idx="13"/>
+          </p:nvPr>
+        </p:nvSpPr>
+        <p:spPr/>
+        <p:txBody>
+          <a:bodyPr/>
+          <a:lstStyle/>
+          <a:p>
+            <a:r>
+              <a:rPr lang="fr-FR" dirty="0" err="1" smtClean="0"/>
+              <a:t>AngularJS</a:t>
+            </a:r>
+            <a:r>
+              <a:rPr lang="fr-FR" dirty="0" smtClean="0"/>
+              <a:t> Eclipse </a:t>
+            </a:r>
+            <a:r>
+              <a:rPr lang="fr-FR" dirty="0"/>
+              <a:t>est disponible sur </a:t>
+            </a:r>
+            <a:r>
+              <a:rPr lang="fr-FR" dirty="0">
+                <a:hlinkClick r:id="rId2"/>
+              </a:rPr>
+              <a:t>https://</a:t>
+            </a:r>
+            <a:r>
+              <a:rPr lang="fr-FR" dirty="0" smtClean="0">
+                <a:hlinkClick r:id="rId2"/>
+              </a:rPr>
+              <a:t>github.com/angelozerr/angularjs-eclipse</a:t>
+            </a:r>
+            <a:endParaRPr lang="fr-FR" dirty="0" smtClean="0"/>
+          </a:p>
+          <a:p>
+            <a:r>
+              <a:rPr lang="fr-FR" dirty="0" smtClean="0"/>
+              <a:t>Il est basé sur </a:t>
+            </a:r>
+            <a:r>
+              <a:rPr lang="fr-FR" dirty="0" err="1" smtClean="0"/>
+              <a:t>Tern</a:t>
+            </a:r>
+            <a:r>
+              <a:rPr lang="fr-FR" dirty="0" smtClean="0"/>
+              <a:t> IDE</a:t>
+            </a:r>
+          </a:p>
+          <a:p>
+            <a:r>
+              <a:rPr lang="fr-FR" dirty="0" smtClean="0"/>
+              <a:t>Il fournit la </a:t>
+            </a:r>
+            <a:r>
+              <a:rPr lang="fr-FR" dirty="0" err="1" smtClean="0"/>
+              <a:t>completion</a:t>
+            </a:r>
+            <a:r>
+              <a:rPr lang="fr-FR" dirty="0" smtClean="0"/>
+              <a:t>, </a:t>
+            </a:r>
+            <a:r>
+              <a:rPr lang="fr-FR" dirty="0" err="1" smtClean="0"/>
+              <a:t>hyperlink</a:t>
+            </a:r>
+            <a:r>
+              <a:rPr lang="fr-FR" dirty="0" smtClean="0"/>
+              <a:t>, </a:t>
+            </a:r>
+            <a:r>
+              <a:rPr lang="fr-FR" dirty="0" err="1" smtClean="0"/>
+              <a:t>hover</a:t>
+            </a:r>
+            <a:r>
+              <a:rPr lang="fr-FR" dirty="0" smtClean="0"/>
+              <a:t>, validation spécifique à </a:t>
+            </a:r>
+            <a:r>
+              <a:rPr lang="fr-FR" dirty="0" err="1" smtClean="0"/>
+              <a:t>AngularJS</a:t>
+            </a:r>
+            <a:r>
+              <a:rPr lang="fr-FR" dirty="0" smtClean="0"/>
+              <a:t> pour :</a:t>
+            </a:r>
+          </a:p>
+          <a:p>
+            <a:pPr lvl="1"/>
+            <a:r>
+              <a:rPr lang="fr-FR" dirty="0"/>
+              <a:t>l</a:t>
+            </a:r>
+            <a:r>
+              <a:rPr lang="fr-FR" dirty="0" smtClean="0"/>
+              <a:t>’éditeur HTML</a:t>
+            </a:r>
+          </a:p>
+          <a:p>
+            <a:pPr lvl="1"/>
+            <a:r>
+              <a:rPr lang="fr-FR" dirty="0"/>
+              <a:t>l</a:t>
+            </a:r>
+            <a:r>
+              <a:rPr lang="fr-FR" dirty="0" smtClean="0"/>
+              <a:t>’éditeur JavaScript</a:t>
+            </a:r>
+            <a:endParaRPr lang="fr-FR" dirty="0"/>
+          </a:p>
+        </p:txBody>
+      </p:sp>
+    </p:spTree>
+    <p:extLst>
+      <p:ext uri="{BB962C8B-B14F-4D97-AF65-F5344CB8AC3E}">
+        <p14:creationId xmlns:p14="http://schemas.microsoft.com/office/powerpoint/2010/main" val="3463333536"/>
       </p:ext>
     </p:extLst>
   </p:cSld>
@@ -6879,6 +7394,366 @@
       </p:par>
     </p:tnLst>
   </p:timing>
+</p:sld>
+</file>
+
+<file path=ppt/slides/slide30.xml><?xml version="1.0" encoding="utf-8"?>
+<p:sld xmlns:a="http://schemas.openxmlformats.org/drawingml/2006/main" xmlns:r="http://schemas.openxmlformats.org/officeDocument/2006/relationships" xmlns:p="http://schemas.openxmlformats.org/presentationml/2006/main">
+  <p:cSld>
+    <p:spTree>
+      <p:nvGrpSpPr>
+        <p:cNvPr id="1" name=""/>
+        <p:cNvGrpSpPr/>
+        <p:nvPr/>
+      </p:nvGrpSpPr>
+      <p:grpSpPr>
+        <a:xfrm>
+          <a:off x="0" y="0"/>
+          <a:ext cx="0" cy="0"/>
+          <a:chOff x="0" y="0"/>
+          <a:chExt cx="0" cy="0"/>
+        </a:xfrm>
+      </p:grpSpPr>
+      <p:sp>
+        <p:nvSpPr>
+          <p:cNvPr id="2" name="Titre 1"/>
+          <p:cNvSpPr>
+            <a:spLocks noGrp="1"/>
+          </p:cNvSpPr>
+          <p:nvPr>
+            <p:ph type="title"/>
+          </p:nvPr>
+        </p:nvSpPr>
+        <p:spPr/>
+        <p:txBody>
+          <a:bodyPr/>
+          <a:lstStyle/>
+          <a:p>
+            <a:r>
+              <a:rPr lang="fr-FR" dirty="0" smtClean="0"/>
+              <a:t>Tern.java - TODOS</a:t>
+            </a:r>
+            <a:endParaRPr lang="fr-FR" dirty="0"/>
+          </a:p>
+        </p:txBody>
+      </p:sp>
+      <p:sp>
+        <p:nvSpPr>
+          <p:cNvPr id="3" name="Espace réservé du contenu 2"/>
+          <p:cNvSpPr>
+            <a:spLocks noGrp="1"/>
+          </p:cNvSpPr>
+          <p:nvPr>
+            <p:ph sz="quarter" idx="13"/>
+          </p:nvPr>
+        </p:nvSpPr>
+        <p:spPr/>
+        <p:txBody>
+          <a:bodyPr/>
+          <a:lstStyle/>
+          <a:p>
+            <a:r>
+              <a:rPr lang="fr-FR" dirty="0" err="1" smtClean="0"/>
+              <a:t>Refactoring</a:t>
+            </a:r>
+            <a:endParaRPr lang="fr-FR" dirty="0" smtClean="0"/>
+          </a:p>
+          <a:p>
+            <a:r>
+              <a:rPr lang="fr-FR" dirty="0" err="1" smtClean="0"/>
+              <a:t>Search</a:t>
+            </a:r>
+            <a:r>
+              <a:rPr lang="fr-FR" dirty="0" smtClean="0"/>
+              <a:t> </a:t>
+            </a:r>
+            <a:r>
+              <a:rPr lang="fr-FR" dirty="0" err="1" smtClean="0"/>
+              <a:t>references</a:t>
+            </a:r>
+            <a:endParaRPr lang="fr-FR" dirty="0"/>
+          </a:p>
+        </p:txBody>
+      </p:sp>
+    </p:spTree>
+    <p:extLst>
+      <p:ext uri="{BB962C8B-B14F-4D97-AF65-F5344CB8AC3E}">
+        <p14:creationId xmlns:p14="http://schemas.microsoft.com/office/powerpoint/2010/main" val="4273097244"/>
+      </p:ext>
+    </p:extLst>
+  </p:cSld>
+  <p:clrMapOvr>
+    <a:masterClrMapping/>
+  </p:clrMapOvr>
+</p:sld>
+</file>
+
+<file path=ppt/slides/slide31.xml><?xml version="1.0" encoding="utf-8"?>
+<p:sld xmlns:a="http://schemas.openxmlformats.org/drawingml/2006/main" xmlns:r="http://schemas.openxmlformats.org/officeDocument/2006/relationships" xmlns:p="http://schemas.openxmlformats.org/presentationml/2006/main">
+  <p:cSld>
+    <p:spTree>
+      <p:nvGrpSpPr>
+        <p:cNvPr id="1" name=""/>
+        <p:cNvGrpSpPr/>
+        <p:nvPr/>
+      </p:nvGrpSpPr>
+      <p:grpSpPr>
+        <a:xfrm>
+          <a:off x="0" y="0"/>
+          <a:ext cx="0" cy="0"/>
+          <a:chOff x="0" y="0"/>
+          <a:chExt cx="0" cy="0"/>
+        </a:xfrm>
+      </p:grpSpPr>
+      <p:sp>
+        <p:nvSpPr>
+          <p:cNvPr id="2" name="Titre 1"/>
+          <p:cNvSpPr>
+            <a:spLocks noGrp="1"/>
+          </p:cNvSpPr>
+          <p:nvPr>
+            <p:ph type="title"/>
+          </p:nvPr>
+        </p:nvSpPr>
+        <p:spPr/>
+        <p:txBody>
+          <a:bodyPr/>
+          <a:lstStyle/>
+          <a:p>
+            <a:r>
+              <a:rPr lang="fr-FR" dirty="0" err="1" smtClean="0"/>
+              <a:t>AngularJS</a:t>
+            </a:r>
+            <a:r>
+              <a:rPr lang="fr-FR" dirty="0" smtClean="0"/>
+              <a:t> Eclipse - Installation</a:t>
+            </a:r>
+            <a:endParaRPr lang="fr-FR" dirty="0"/>
+          </a:p>
+        </p:txBody>
+      </p:sp>
+      <p:sp>
+        <p:nvSpPr>
+          <p:cNvPr id="3" name="Espace réservé du contenu 2"/>
+          <p:cNvSpPr>
+            <a:spLocks noGrp="1"/>
+          </p:cNvSpPr>
+          <p:nvPr>
+            <p:ph sz="quarter" idx="13"/>
+          </p:nvPr>
+        </p:nvSpPr>
+        <p:spPr/>
+        <p:txBody>
+          <a:bodyPr>
+            <a:normAutofit fontScale="92500" lnSpcReduction="20000"/>
+          </a:bodyPr>
+          <a:lstStyle/>
+          <a:p>
+            <a:r>
+              <a:rPr lang="fr-FR" dirty="0" smtClean="0"/>
+              <a:t>Marketplace </a:t>
+            </a:r>
+            <a:r>
+              <a:rPr lang="fr-FR" dirty="0"/>
+              <a:t>: </a:t>
+            </a:r>
+            <a:r>
+              <a:rPr lang="fr-FR" dirty="0">
+                <a:hlinkClick r:id="rId2"/>
+              </a:rPr>
+              <a:t>http://</a:t>
+            </a:r>
+            <a:r>
+              <a:rPr lang="fr-FR" dirty="0" smtClean="0">
+                <a:hlinkClick r:id="rId2"/>
+              </a:rPr>
+              <a:t>marketplace.eclipse.org/content/angularjs-eclipse</a:t>
+            </a:r>
+            <a:endParaRPr lang="fr-FR" dirty="0" smtClean="0"/>
+          </a:p>
+          <a:p>
+            <a:r>
+              <a:rPr lang="fr-FR" dirty="0" smtClean="0"/>
+              <a:t>Ou Update </a:t>
+            </a:r>
+            <a:r>
+              <a:rPr lang="fr-FR" dirty="0"/>
+              <a:t>site </a:t>
+            </a:r>
+            <a:r>
+              <a:rPr lang="fr-FR" dirty="0" smtClean="0"/>
+              <a:t>: </a:t>
+            </a:r>
+            <a:r>
+              <a:rPr lang="fr-FR" dirty="0">
+                <a:hlinkClick r:id="rId3"/>
+              </a:rPr>
+              <a:t>http://</a:t>
+            </a:r>
+            <a:r>
+              <a:rPr lang="fr-FR" dirty="0" smtClean="0">
+                <a:hlinkClick r:id="rId3"/>
+              </a:rPr>
+              <a:t>oss.opensagres.fr/angularjs-eclipse/0.4.0/</a:t>
+            </a:r>
+            <a:endParaRPr lang="fr-FR" dirty="0" smtClean="0"/>
+          </a:p>
+          <a:p>
+            <a:endParaRPr lang="fr-FR" dirty="0"/>
+          </a:p>
+          <a:p>
+            <a:endParaRPr lang="fr-FR" dirty="0" smtClean="0"/>
+          </a:p>
+          <a:p>
+            <a:endParaRPr lang="fr-FR" dirty="0"/>
+          </a:p>
+          <a:p>
+            <a:endParaRPr lang="fr-FR" dirty="0" smtClean="0"/>
+          </a:p>
+          <a:p>
+            <a:endParaRPr lang="fr-FR" dirty="0"/>
+          </a:p>
+          <a:p>
+            <a:endParaRPr lang="fr-FR" dirty="0" smtClean="0"/>
+          </a:p>
+          <a:p>
+            <a:endParaRPr lang="fr-FR" dirty="0"/>
+          </a:p>
+          <a:p>
+            <a:endParaRPr lang="fr-FR" dirty="0" smtClean="0"/>
+          </a:p>
+          <a:p>
+            <a:endParaRPr lang="fr-FR" dirty="0"/>
+          </a:p>
+          <a:p>
+            <a:pPr marL="0" indent="0">
+              <a:buNone/>
+            </a:pPr>
+            <a:r>
+              <a:rPr lang="fr-FR" dirty="0" smtClean="0">
+                <a:solidFill>
+                  <a:srgbClr val="FFC000"/>
+                </a:solidFill>
+              </a:rPr>
+              <a:t>►</a:t>
+            </a:r>
+            <a:r>
+              <a:rPr lang="fr-FR" dirty="0" smtClean="0"/>
+              <a:t>pour démarrer avec </a:t>
+            </a:r>
+            <a:r>
+              <a:rPr lang="fr-FR" dirty="0" err="1" smtClean="0"/>
+              <a:t>AngularJS</a:t>
+            </a:r>
+            <a:r>
+              <a:rPr lang="fr-FR" dirty="0" smtClean="0"/>
+              <a:t> Eclipse </a:t>
+            </a:r>
+            <a:r>
+              <a:rPr lang="fr-FR" dirty="0"/>
+              <a:t>: </a:t>
+            </a:r>
+            <a:r>
+              <a:rPr lang="fr-FR" dirty="0">
+                <a:hlinkClick r:id="rId4"/>
+              </a:rPr>
+              <a:t>https://</a:t>
+            </a:r>
+            <a:r>
+              <a:rPr lang="fr-FR" dirty="0" smtClean="0">
+                <a:hlinkClick r:id="rId4"/>
+              </a:rPr>
+              <a:t>github.com/angelozerr/angularjs-eclipse/wiki/Getting-Started</a:t>
+            </a:r>
+            <a:endParaRPr lang="fr-FR" dirty="0" smtClean="0"/>
+          </a:p>
+          <a:p>
+            <a:pPr marL="0" indent="0">
+              <a:buNone/>
+            </a:pPr>
+            <a:endParaRPr lang="fr-FR" dirty="0"/>
+          </a:p>
+          <a:p>
+            <a:pPr marL="0" indent="0">
+              <a:buNone/>
+            </a:pPr>
+            <a:endParaRPr lang="fr-FR" dirty="0"/>
+          </a:p>
+          <a:p>
+            <a:endParaRPr lang="fr-FR" dirty="0" smtClean="0"/>
+          </a:p>
+          <a:p>
+            <a:endParaRPr lang="fr-FR" dirty="0" smtClean="0"/>
+          </a:p>
+          <a:p>
+            <a:endParaRPr lang="fr-FR" dirty="0" smtClean="0"/>
+          </a:p>
+        </p:txBody>
+      </p:sp>
+      <p:pic>
+        <p:nvPicPr>
+          <p:cNvPr id="9218" name="Picture 2"/>
+          <p:cNvPicPr>
+            <a:picLocks noChangeAspect="1" noChangeArrowheads="1"/>
+          </p:cNvPicPr>
+          <p:nvPr/>
+        </p:nvPicPr>
+        <p:blipFill>
+          <a:blip r:embed="rId5">
+            <a:extLst>
+              <a:ext uri="{28A0092B-C50C-407E-A947-70E740481C1C}">
+                <a14:useLocalDpi xmlns:a14="http://schemas.microsoft.com/office/drawing/2010/main" val="0"/>
+              </a:ext>
+            </a:extLst>
+          </a:blip>
+          <a:srcRect/>
+          <a:stretch>
+            <a:fillRect/>
+          </a:stretch>
+        </p:blipFill>
+        <p:spPr bwMode="auto">
+          <a:xfrm>
+            <a:off x="1691680" y="2276872"/>
+            <a:ext cx="4810125" cy="2600325"/>
+          </a:xfrm>
+          <a:prstGeom prst="rect">
+            <a:avLst/>
+          </a:prstGeom>
+          <a:noFill/>
+          <a:ln>
+            <a:noFill/>
+          </a:ln>
+          <a:extLst>
+            <a:ext uri="{909E8E84-426E-40DD-AFC4-6F175D3DCCD1}">
+              <a14:hiddenFill xmlns:a14="http://schemas.microsoft.com/office/drawing/2010/main">
+                <a:solidFill>
+                  <a:schemeClr val="accent1"/>
+                </a:solidFill>
+              </a14:hiddenFill>
+            </a:ext>
+            <a:ext uri="{91240B29-F687-4F45-9708-019B960494DF}">
+              <a14:hiddenLine xmlns:a14="http://schemas.microsoft.com/office/drawing/2010/main" w="9525">
+                <a:solidFill>
+                  <a:schemeClr val="tx1"/>
+                </a:solidFill>
+                <a:miter lim="800000"/>
+                <a:headEnd/>
+                <a:tailEnd/>
+              </a14:hiddenLine>
+            </a:ext>
+          </a:extLst>
+        </p:spPr>
+      </p:pic>
+    </p:spTree>
+    <p:extLst>
+      <p:ext uri="{BB962C8B-B14F-4D97-AF65-F5344CB8AC3E}">
+        <p14:creationId xmlns:p14="http://schemas.microsoft.com/office/powerpoint/2010/main" val="1436139672"/>
+      </p:ext>
+    </p:extLst>
+  </p:cSld>
+  <p:clrMapOvr>
+    <a:masterClrMapping/>
+  </p:clrMapOvr>
 </p:sld>
 </file>
 
@@ -7777,7 +8652,11 @@
             <a:pPr lvl="1"/>
             <a:r>
               <a:rPr lang="fr-FR" dirty="0"/>
-              <a:t>ACE : </a:t>
+              <a:t>ACE </a:t>
+            </a:r>
+            <a:r>
+              <a:rPr lang="fr-FR" dirty="0" smtClean="0"/>
+              <a:t>(POC): </a:t>
             </a:r>
             <a:r>
               <a:rPr lang="fr-FR" dirty="0">
@@ -7791,7 +8670,11 @@
             <a:pPr lvl="1"/>
             <a:r>
               <a:rPr lang="fr-FR" dirty="0"/>
-              <a:t>Orion : </a:t>
+              <a:t>Orion (POC)</a:t>
+            </a:r>
+            <a:r>
+              <a:rPr lang="fr-FR" dirty="0" smtClean="0"/>
+              <a:t>: </a:t>
             </a:r>
             <a:r>
               <a:rPr lang="fr-FR" dirty="0">
@@ -8007,13 +8890,8 @@
             <a:pPr lvl="2"/>
             <a:r>
               <a:rPr lang="fr-FR" dirty="0" smtClean="0"/>
-              <a:t>écrit en </a:t>
-            </a:r>
-            <a:r>
-              <a:rPr lang="fr-FR" dirty="0" err="1" smtClean="0"/>
-              <a:t>JavaSCript</a:t>
-            </a:r>
-            <a:endParaRPr lang="fr-FR" dirty="0" smtClean="0"/>
+              <a:t>écrit en JavaScript</a:t>
+            </a:r>
           </a:p>
           <a:p>
             <a:pPr lvl="2"/>

--- a/docs/tern.java_fr.pptx
+++ b/docs/tern.java_fr.pptx
@@ -25,17 +25,17 @@
     <p:sldId id="283" r:id="rId19"/>
     <p:sldId id="273" r:id="rId20"/>
     <p:sldId id="285" r:id="rId21"/>
-    <p:sldId id="286" r:id="rId22"/>
-    <p:sldId id="284" r:id="rId23"/>
-    <p:sldId id="272" r:id="rId24"/>
-    <p:sldId id="269" r:id="rId25"/>
-    <p:sldId id="263" r:id="rId26"/>
-    <p:sldId id="265" r:id="rId27"/>
-    <p:sldId id="266" r:id="rId28"/>
-    <p:sldId id="267" r:id="rId29"/>
+    <p:sldId id="291" r:id="rId22"/>
+    <p:sldId id="290" r:id="rId23"/>
+    <p:sldId id="292" r:id="rId24"/>
+    <p:sldId id="293" r:id="rId25"/>
+    <p:sldId id="294" r:id="rId26"/>
+    <p:sldId id="284" r:id="rId27"/>
+    <p:sldId id="295" r:id="rId28"/>
+    <p:sldId id="296" r:id="rId29"/>
     <p:sldId id="264" r:id="rId30"/>
-    <p:sldId id="268" r:id="rId31"/>
-    <p:sldId id="288" r:id="rId32"/>
+    <p:sldId id="288" r:id="rId31"/>
+    <p:sldId id="268" r:id="rId32"/>
   </p:sldIdLst>
   <p:sldSz cx="9144000" cy="6858000" type="screen4x3"/>
   <p:notesSz cx="6858000" cy="9144000"/>
@@ -3548,7 +3548,6 @@
           </a:bodyPr>
           <a:lstStyle/>
           <a:p>
-            <a:pPr algn="l"/>
             <a:r>
               <a:rPr lang="fr-FR" dirty="0" smtClean="0"/>
               <a:t>Utilisation du moteur d’inférence tern.js dans un contexte Java</a:t>
@@ -4080,8 +4079,13 @@
             </a:r>
             <a:r>
               <a:rPr lang="fr-FR" dirty="0"/>
-              <a:t> est le plugin Eclipse pour JavaScript officiel.</a:t>
-            </a:r>
+              <a:t> est le plugin Eclipse officiel </a:t>
+            </a:r>
+            <a:r>
+              <a:rPr lang="fr-FR" dirty="0" smtClean="0"/>
+              <a:t>pour JavaScript.</a:t>
+            </a:r>
+            <a:endParaRPr lang="fr-FR" dirty="0"/>
           </a:p>
           <a:p>
             <a:r>
@@ -4146,22 +4150,79 @@
             </a:r>
             <a:r>
               <a:rPr lang="fr-FR" dirty="0" smtClean="0"/>
+              <a:t> Node.js : fournit un serveur node.js (à utiliser si node.js n’est pas installé)</a:t>
+            </a:r>
+            <a:endParaRPr lang="fr-FR" dirty="0"/>
+          </a:p>
+          <a:p>
+            <a:pPr lvl="1"/>
+            <a:r>
+              <a:rPr lang="fr-FR" dirty="0" err="1" smtClean="0"/>
+              <a:t>Tern</a:t>
+            </a:r>
+            <a:r>
+              <a:rPr lang="fr-FR" dirty="0" smtClean="0"/>
+              <a:t> – JSDT : étend </a:t>
+            </a:r>
+            <a:r>
+              <a:rPr lang="fr-FR" dirty="0"/>
+              <a:t>la </a:t>
+            </a:r>
+            <a:r>
+              <a:rPr lang="fr-FR" dirty="0" smtClean="0"/>
+              <a:t>complétion</a:t>
+            </a:r>
+            <a:r>
+              <a:rPr lang="fr-FR" dirty="0"/>
+              <a:t>, </a:t>
+            </a:r>
+            <a:r>
+              <a:rPr lang="fr-FR" dirty="0" err="1"/>
+              <a:t>text</a:t>
+            </a:r>
+            <a:r>
+              <a:rPr lang="fr-FR" dirty="0"/>
               <a:t> </a:t>
             </a:r>
             <a:r>
+              <a:rPr lang="fr-FR" dirty="0" err="1"/>
+              <a:t>hover</a:t>
+            </a:r>
+            <a:r>
               <a:rPr lang="fr-FR" dirty="0"/>
-              <a:t>Node.js</a:t>
-            </a:r>
-          </a:p>
-          <a:p>
-            <a:pPr lvl="1"/>
-            <a:r>
-              <a:rPr lang="fr-FR" dirty="0" err="1" smtClean="0"/>
-              <a:t>Tern</a:t>
-            </a:r>
-            <a:r>
-              <a:rPr lang="fr-FR" dirty="0" smtClean="0"/>
-              <a:t> – JSDT</a:t>
+              <a:t> pour </a:t>
+            </a:r>
+            <a:r>
+              <a:rPr lang="fr-FR" dirty="0" smtClean="0"/>
+              <a:t>utiliser </a:t>
+            </a:r>
+            <a:r>
+              <a:rPr lang="fr-FR" dirty="0" err="1"/>
+              <a:t>tern</a:t>
+            </a:r>
+            <a:r>
+              <a:rPr lang="fr-FR" dirty="0"/>
+              <a:t> dans l’</a:t>
+            </a:r>
+            <a:r>
+              <a:rPr lang="fr-FR" dirty="0" err="1"/>
+              <a:t>editeur</a:t>
+            </a:r>
+            <a:r>
+              <a:rPr lang="fr-FR" dirty="0"/>
+              <a:t> </a:t>
+            </a:r>
+            <a:r>
+              <a:rPr lang="fr-FR" dirty="0" err="1"/>
+              <a:t>Javascript</a:t>
+            </a:r>
+            <a:r>
+              <a:rPr lang="fr-FR" dirty="0"/>
+              <a:t> </a:t>
+            </a:r>
+            <a:r>
+              <a:rPr lang="fr-FR" dirty="0" smtClean="0"/>
+              <a:t>JSDT</a:t>
             </a:r>
           </a:p>
           <a:p>
@@ -4629,10 +4690,10 @@
             </a:r>
             <a:r>
               <a:rPr lang="fr-FR" dirty="0" smtClean="0"/>
-              <a:t> sait que </a:t>
-            </a:r>
-            <a:r>
-              <a:rPr lang="fr-FR" dirty="0" err="1" smtClean="0"/>
+              <a:t> sait que la variable </a:t>
+            </a:r>
+            <a:r>
+              <a:rPr lang="fr-FR" b="1" i="1" dirty="0" err="1" smtClean="0"/>
               <a:t>elt</a:t>
             </a:r>
             <a:r>
@@ -4640,7 +4701,7 @@
               <a:t> est de type </a:t>
             </a:r>
             <a:r>
-              <a:rPr lang="fr-FR" b="1" dirty="0" err="1" smtClean="0"/>
+              <a:rPr lang="fr-FR" b="1" i="1" dirty="0" err="1" smtClean="0"/>
               <a:t>HTMLElement</a:t>
             </a:r>
             <a:r>
@@ -4805,7 +4866,23 @@
             </a:r>
             <a:r>
               <a:rPr lang="fr-FR" dirty="0" smtClean="0"/>
-              <a:t> sait que e est un événement d’une callback :</a:t>
+              <a:t> sait que </a:t>
+            </a:r>
+            <a:r>
+              <a:rPr lang="fr-FR" b="1" i="1" dirty="0" smtClean="0"/>
+              <a:t>e</a:t>
+            </a:r>
+            <a:r>
+              <a:rPr lang="fr-FR" dirty="0" smtClean="0"/>
+              <a:t> est un </a:t>
+            </a:r>
+            <a:r>
+              <a:rPr lang="fr-FR" b="1" i="1" dirty="0" smtClean="0"/>
+              <a:t>événement</a:t>
+            </a:r>
+            <a:r>
+              <a:rPr lang="fr-FR" dirty="0" smtClean="0"/>
+              <a:t> d’une callback :</a:t>
             </a:r>
           </a:p>
           <a:p>
@@ -5295,15 +5372,7 @@
             </a:r>
             <a:r>
               <a:rPr lang="fr-FR" dirty="0" smtClean="0"/>
-              <a:t> </a:t>
-            </a:r>
-            <a:r>
-              <a:rPr lang="fr-FR" dirty="0" err="1" smtClean="0"/>
-              <a:t>attent</a:t>
-            </a:r>
-            <a:r>
-              <a:rPr lang="fr-FR" dirty="0" smtClean="0"/>
-              <a:t> une string :</a:t>
+              <a:t> attend une string :</a:t>
             </a:r>
           </a:p>
           <a:p>
@@ -5503,7 +5572,7 @@
             </a:r>
             <a:r>
               <a:rPr lang="fr-FR" dirty="0" err="1" smtClean="0"/>
-              <a:t>jQuery</a:t>
+              <a:t>jquery</a:t>
             </a:r>
             <a:r>
               <a:rPr lang="fr-FR" dirty="0" smtClean="0"/>
@@ -5515,7 +5584,7 @@
       </p:sp>
       <p:pic>
         <p:nvPicPr>
-          <p:cNvPr id="6146" name="Picture 2"/>
+          <p:cNvPr id="6147" name="Picture 3"/>
           <p:cNvPicPr>
             <a:picLocks noChangeAspect="1" noChangeArrowheads="1"/>
           </p:cNvPicPr>
@@ -5536,8 +5605,8 @@
         </p:blipFill>
         <p:spPr bwMode="auto">
           <a:xfrm>
-            <a:off x="5292080" y="1124744"/>
-            <a:ext cx="3528392" cy="4210150"/>
+            <a:off x="2123728" y="1916832"/>
+            <a:ext cx="3321436" cy="3422700"/>
           </a:xfrm>
           <a:prstGeom prst="rect">
             <a:avLst/>
@@ -5890,7 +5959,11 @@
           <a:p>
             <a:r>
               <a:rPr lang="fr-FR" dirty="0" smtClean="0"/>
-              <a:t>TERN IDE &amp; Modules</a:t>
+              <a:t>TERN IDE &amp; </a:t>
+            </a:r>
+            <a:r>
+              <a:rPr lang="fr-FR" dirty="0" err="1" smtClean="0"/>
+              <a:t>jQuery</a:t>
             </a:r>
             <a:endParaRPr lang="fr-FR" dirty="0"/>
           </a:p>
@@ -5909,7 +5982,7 @@
         <p:spPr/>
         <p:txBody>
           <a:bodyPr>
-            <a:normAutofit/>
+            <a:normAutofit fontScale="92500"/>
           </a:bodyPr>
           <a:lstStyle/>
           <a:p>
@@ -5973,21 +6046,37 @@
           </a:p>
           <a:p>
             <a:pPr marL="342900" lvl="1" indent="-342900"/>
-            <a:endParaRPr lang="fr-FR" dirty="0"/>
+            <a:endParaRPr lang="fr-FR" dirty="0" smtClean="0"/>
           </a:p>
           <a:p>
             <a:pPr marL="342900" lvl="1" indent="-342900"/>
-            <a:endParaRPr lang="fr-FR" dirty="0" smtClean="0"/>
-          </a:p>
-          <a:p>
-            <a:pPr marL="342900" lvl="1" indent="-342900"/>
+            <a:r>
+              <a:rPr lang="fr-FR" dirty="0" smtClean="0">
+                <a:solidFill>
+                  <a:srgbClr val="FFC000"/>
+                </a:solidFill>
+              </a:rPr>
+              <a:t>►</a:t>
+            </a:r>
+            <a:r>
+              <a:rPr lang="fr-FR" dirty="0" err="1" smtClean="0"/>
+              <a:t>jquery</a:t>
+            </a:r>
+            <a:r>
+              <a:rPr lang="fr-FR" dirty="0" smtClean="0"/>
+              <a:t> est un JSON Type </a:t>
+            </a:r>
+            <a:r>
+              <a:rPr lang="fr-FR" dirty="0" err="1" smtClean="0"/>
+              <a:t>Definition</a:t>
+            </a:r>
             <a:endParaRPr lang="fr-FR" dirty="0"/>
           </a:p>
         </p:txBody>
       </p:sp>
       <p:pic>
         <p:nvPicPr>
-          <p:cNvPr id="7170" name="Picture 2"/>
+          <p:cNvPr id="6" name="Picture 2"/>
           <p:cNvPicPr>
             <a:picLocks noChangeAspect="1" noChangeArrowheads="1"/>
           </p:cNvPicPr>
@@ -6008,7 +6097,7 @@
         </p:blipFill>
         <p:spPr bwMode="auto">
           <a:xfrm>
-            <a:off x="611560" y="2187573"/>
+            <a:off x="611560" y="2060848"/>
             <a:ext cx="7780101" cy="3113633"/>
           </a:xfrm>
           <a:prstGeom prst="rect">
@@ -6086,7 +6175,7 @@
           <a:p>
             <a:r>
               <a:rPr lang="fr-FR" dirty="0" smtClean="0"/>
-              <a:t>TERN.java – Comment ca marche?</a:t>
+              <a:t>TERN IDE &amp; Node.js module</a:t>
             </a:r>
             <a:endParaRPr lang="fr-FR" dirty="0"/>
           </a:p>
@@ -6105,74 +6194,38 @@
         <p:spPr/>
         <p:txBody>
           <a:bodyPr>
-            <a:normAutofit/>
+            <a:normAutofit lnSpcReduction="10000"/>
           </a:bodyPr>
           <a:lstStyle/>
           <a:p>
             <a:pPr marL="342900" lvl="1" indent="-342900"/>
             <a:r>
               <a:rPr lang="fr-FR" dirty="0" smtClean="0"/>
-              <a:t>TODO : faire </a:t>
-            </a:r>
-            <a:r>
-              <a:rPr lang="fr-FR" dirty="0" err="1" smtClean="0"/>
-              <a:t>schema</a:t>
-            </a:r>
-            <a:r>
-              <a:rPr lang="fr-FR" dirty="0" smtClean="0"/>
-              <a:t> avec </a:t>
-            </a:r>
-            <a:r>
-              <a:rPr lang="fr-FR" dirty="0" err="1" smtClean="0"/>
-              <a:t>Completion</a:t>
-            </a:r>
-            <a:r>
-              <a:rPr lang="fr-FR" dirty="0" smtClean="0"/>
-              <a:t> &lt;-&gt; </a:t>
-            </a:r>
-            <a:r>
-              <a:rPr lang="fr-FR" dirty="0" err="1" smtClean="0"/>
-              <a:t>Tern</a:t>
-            </a:r>
-            <a:r>
-              <a:rPr lang="fr-FR" dirty="0" smtClean="0"/>
-              <a:t> Server</a:t>
+              <a:t>Après avoir </a:t>
+            </a:r>
+            <a:r>
+              <a:rPr lang="fr-FR" dirty="0"/>
+              <a:t>sélectionné le module </a:t>
+            </a:r>
+            <a:r>
+              <a:rPr lang="fr-FR" dirty="0" err="1" smtClean="0"/>
+              <a:t>node</a:t>
+            </a:r>
+            <a:r>
+              <a:rPr lang="fr-FR" dirty="0" smtClean="0"/>
+              <a:t>, on bénéficie de la complétion sur ce </a:t>
+            </a:r>
+            <a:r>
+              <a:rPr lang="fr-FR" dirty="0" err="1" smtClean="0"/>
+              <a:t>framework</a:t>
+            </a:r>
+            <a:r>
+              <a:rPr lang="fr-FR" dirty="0" smtClean="0"/>
+              <a:t>: :</a:t>
             </a:r>
           </a:p>
           <a:p>
             <a:pPr marL="342900" lvl="1" indent="-342900"/>
-            <a:r>
-              <a:rPr lang="fr-FR" dirty="0"/>
-              <a:t>TODO : faire </a:t>
-            </a:r>
-            <a:r>
-              <a:rPr lang="fr-FR" dirty="0" err="1"/>
-              <a:t>schema</a:t>
-            </a:r>
-            <a:r>
-              <a:rPr lang="fr-FR" dirty="0"/>
-              <a:t> avec </a:t>
-            </a:r>
-            <a:r>
-              <a:rPr lang="fr-FR" dirty="0" err="1"/>
-              <a:t>Completion</a:t>
-            </a:r>
-            <a:r>
-              <a:rPr lang="fr-FR" dirty="0"/>
-              <a:t> &lt;-&gt; </a:t>
-            </a:r>
-            <a:r>
-              <a:rPr lang="fr-FR" dirty="0" err="1"/>
-              <a:t>Tern</a:t>
-            </a:r>
-            <a:r>
-              <a:rPr lang="fr-FR" dirty="0"/>
-              <a:t> </a:t>
-            </a:r>
-            <a:r>
-              <a:rPr lang="fr-FR" dirty="0" smtClean="0"/>
-              <a:t>Server qui tourne avec Node.js</a:t>
-            </a:r>
             <a:endParaRPr lang="fr-FR" dirty="0"/>
           </a:p>
           <a:p>
@@ -6181,7 +6234,7 @@
           </a:p>
           <a:p>
             <a:pPr marL="342900" lvl="1" indent="-342900"/>
-            <a:endParaRPr lang="fr-FR" dirty="0" smtClean="0"/>
+            <a:endParaRPr lang="fr-FR" dirty="0"/>
           </a:p>
           <a:p>
             <a:pPr marL="342900" lvl="1" indent="-342900"/>
@@ -6209,6 +6262,42 @@
           </a:p>
           <a:p>
             <a:pPr marL="342900" lvl="1" indent="-342900"/>
+            <a:r>
+              <a:rPr lang="fr-FR" dirty="0" smtClean="0">
+                <a:solidFill>
+                  <a:srgbClr val="FFC000"/>
+                </a:solidFill>
+              </a:rPr>
+              <a:t>►</a:t>
+            </a:r>
+            <a:r>
+              <a:rPr lang="fr-FR" dirty="0" err="1" smtClean="0"/>
+              <a:t>node</a:t>
+            </a:r>
+            <a:r>
+              <a:rPr lang="fr-FR" dirty="0" smtClean="0"/>
+              <a:t> est un plugin </a:t>
+            </a:r>
+            <a:r>
+              <a:rPr lang="fr-FR" dirty="0" err="1" smtClean="0"/>
+              <a:t>tern</a:t>
+            </a:r>
+            <a:r>
+              <a:rPr lang="fr-FR" dirty="0" smtClean="0"/>
+              <a:t>. Ici il gère la fonction </a:t>
+            </a:r>
+            <a:r>
+              <a:rPr lang="fr-FR" dirty="0" err="1" smtClean="0"/>
+              <a:t>require</a:t>
+            </a:r>
+            <a:r>
+              <a:rPr lang="fr-FR" dirty="0" smtClean="0"/>
+              <a:t>.</a:t>
+            </a:r>
+            <a:endParaRPr lang="fr-FR" dirty="0" smtClean="0"/>
+          </a:p>
+          <a:p>
+            <a:pPr marL="342900" lvl="1" indent="-342900"/>
             <a:endParaRPr lang="fr-FR" dirty="0" smtClean="0"/>
           </a:p>
           <a:p>
@@ -6223,12 +6312,90 @@
             <a:pPr marL="342900" lvl="1" indent="-342900"/>
             <a:endParaRPr lang="fr-FR" dirty="0"/>
           </a:p>
-        </p:txBody>
-      </p:sp>
+          <a:p>
+            <a:pPr marL="342900" lvl="1" indent="-342900"/>
+            <a:endParaRPr lang="fr-FR" dirty="0" smtClean="0"/>
+          </a:p>
+          <a:p>
+            <a:pPr marL="342900" lvl="1" indent="-342900"/>
+            <a:endParaRPr lang="fr-FR" dirty="0"/>
+          </a:p>
+          <a:p>
+            <a:pPr marL="342900" lvl="1" indent="-342900"/>
+            <a:endParaRPr lang="fr-FR" dirty="0" smtClean="0"/>
+          </a:p>
+          <a:p>
+            <a:pPr marL="342900" lvl="1" indent="-342900"/>
+            <a:endParaRPr lang="fr-FR" dirty="0"/>
+          </a:p>
+          <a:p>
+            <a:pPr marL="342900" lvl="1" indent="-342900"/>
+            <a:endParaRPr lang="fr-FR" dirty="0" smtClean="0"/>
+          </a:p>
+          <a:p>
+            <a:pPr marL="342900" lvl="1" indent="-342900"/>
+            <a:endParaRPr lang="fr-FR" dirty="0"/>
+          </a:p>
+        </p:txBody>
+      </p:sp>
+      <p:pic>
+        <p:nvPicPr>
+          <p:cNvPr id="15362" name="Picture 2"/>
+          <p:cNvPicPr>
+            <a:picLocks noChangeAspect="1" noChangeArrowheads="1"/>
+          </p:cNvPicPr>
+          <p:nvPr/>
+        </p:nvPicPr>
+        <p:blipFill>
+          <a:blip r:embed="rId2">
+            <a:extLst>
+              <a:ext uri="{28A0092B-C50C-407E-A947-70E740481C1C}">
+                <a14:useLocalDpi xmlns:a14="http://schemas.microsoft.com/office/drawing/2010/main" val="0"/>
+              </a:ext>
+            </a:extLst>
+          </a:blip>
+          <a:srcRect/>
+          <a:stretch>
+            <a:fillRect/>
+          </a:stretch>
+        </p:blipFill>
+        <p:spPr bwMode="auto">
+          <a:xfrm>
+            <a:off x="755576" y="1988840"/>
+            <a:ext cx="7704856" cy="3194894"/>
+          </a:xfrm>
+          <a:prstGeom prst="rect">
+            <a:avLst/>
+          </a:prstGeom>
+          <a:noFill/>
+          <a:ln>
+            <a:noFill/>
+          </a:ln>
+          <a:extLst>
+            <a:ext uri="{909E8E84-426E-40DD-AFC4-6F175D3DCCD1}">
+              <a14:hiddenFill xmlns:a14="http://schemas.microsoft.com/office/drawing/2010/main">
+                <a:solidFill>
+                  <a:schemeClr val="accent1"/>
+                </a:solidFill>
+              </a14:hiddenFill>
+            </a:ext>
+            <a:ext uri="{91240B29-F687-4F45-9708-019B960494DF}">
+              <a14:hiddenLine xmlns:a14="http://schemas.microsoft.com/office/drawing/2010/main" w="9525">
+                <a:solidFill>
+                  <a:schemeClr val="tx1"/>
+                </a:solidFill>
+                <a:miter lim="800000"/>
+                <a:headEnd/>
+                <a:tailEnd/>
+              </a14:hiddenLine>
+            </a:ext>
+          </a:extLst>
+        </p:spPr>
+      </p:pic>
     </p:spTree>
     <p:extLst>
       <p:ext uri="{BB962C8B-B14F-4D97-AF65-F5344CB8AC3E}">
-        <p14:creationId xmlns:p14="http://schemas.microsoft.com/office/powerpoint/2010/main" val="102153736"/>
+        <p14:creationId xmlns:p14="http://schemas.microsoft.com/office/powerpoint/2010/main" val="2667916991"/>
       </p:ext>
     </p:extLst>
   </p:cSld>
@@ -6272,7 +6439,15 @@
           <a:p>
             <a:r>
               <a:rPr lang="fr-FR" dirty="0" smtClean="0"/>
-              <a:t>Tern.js &amp; Java</a:t>
+              <a:t>TERN IDE &amp; </a:t>
+            </a:r>
+            <a:r>
+              <a:rPr lang="fr-FR" dirty="0" err="1" smtClean="0"/>
+              <a:t>Closure</a:t>
+            </a:r>
+            <a:r>
+              <a:rPr lang="fr-FR" dirty="0" smtClean="0"/>
+              <a:t> Library</a:t>
             </a:r>
             <a:endParaRPr lang="fr-FR" dirty="0"/>
           </a:p>
@@ -6291,134 +6466,200 @@
         <p:spPr/>
         <p:txBody>
           <a:bodyPr>
-            <a:normAutofit fontScale="92500" lnSpcReduction="10000"/>
+            <a:normAutofit/>
           </a:bodyPr>
           <a:lstStyle/>
           <a:p>
             <a:pPr marL="342900" lvl="1" indent="-342900"/>
             <a:r>
               <a:rPr lang="fr-FR" dirty="0" smtClean="0"/>
-              <a:t>tern.js écrits en </a:t>
-            </a:r>
-            <a:r>
-              <a:rPr lang="fr-FR" dirty="0" err="1" smtClean="0"/>
-              <a:t>Javascript</a:t>
-            </a:r>
-            <a:r>
-              <a:rPr lang="fr-FR" dirty="0" smtClean="0"/>
-              <a:t> doit être </a:t>
-            </a:r>
-            <a:r>
-              <a:rPr lang="fr-FR" dirty="0" err="1" smtClean="0"/>
-              <a:t>éxécutés</a:t>
-            </a:r>
-            <a:r>
-              <a:rPr lang="fr-FR" dirty="0" smtClean="0"/>
-              <a:t> dans un contexte Java, pour cela plusieurs solutions :</a:t>
-            </a:r>
-          </a:p>
-          <a:p>
-            <a:pPr marL="742950" lvl="2" indent="-342900"/>
-            <a:r>
-              <a:rPr lang="fr-FR" dirty="0" smtClean="0"/>
-              <a:t>Rhino, </a:t>
-            </a:r>
-          </a:p>
-          <a:p>
-            <a:pPr marL="742950" lvl="2" indent="-342900"/>
-            <a:r>
-              <a:rPr lang="fr-FR" dirty="0" smtClean="0"/>
-              <a:t>Node.js (client serveur), </a:t>
-            </a:r>
-          </a:p>
-          <a:p>
-            <a:pPr marL="742950" lvl="2" indent="-342900"/>
-            <a:r>
-              <a:rPr lang="fr-FR" dirty="0" err="1" smtClean="0"/>
-              <a:t>Nashhorm</a:t>
-            </a:r>
-            <a:r>
-              <a:rPr lang="fr-FR" dirty="0" smtClean="0"/>
-              <a:t>, </a:t>
-            </a:r>
-          </a:p>
-          <a:p>
-            <a:pPr marL="742950" lvl="2" indent="-342900"/>
-            <a:r>
-              <a:rPr lang="fr-FR" dirty="0" err="1" smtClean="0"/>
-              <a:t>Vertx</a:t>
-            </a:r>
+              <a:t>Après avoir </a:t>
+            </a:r>
+            <a:r>
+              <a:rPr lang="fr-FR" dirty="0"/>
+              <a:t>sélectionné le module </a:t>
+            </a:r>
+            <a:r>
+              <a:rPr lang="fr-FR" dirty="0" err="1" smtClean="0"/>
+              <a:t>closure</a:t>
+            </a:r>
+            <a:r>
+              <a:rPr lang="fr-FR" dirty="0" smtClean="0"/>
+              <a:t>, on bénéficie de la complétion sur ce </a:t>
+            </a:r>
+            <a:r>
+              <a:rPr lang="fr-FR" dirty="0" err="1" smtClean="0"/>
+              <a:t>framework</a:t>
+            </a:r>
+            <a:r>
+              <a:rPr lang="fr-FR" dirty="0" smtClean="0"/>
+              <a:t>: : </a:t>
+            </a:r>
+          </a:p>
+          <a:p>
+            <a:pPr marL="342900" lvl="1" indent="-342900"/>
             <a:endParaRPr lang="fr-FR" dirty="0" smtClean="0"/>
           </a:p>
           <a:p>
-            <a:pPr marL="742950" lvl="2" indent="-342900"/>
-            <a:r>
-              <a:rPr lang="fr-FR" dirty="0" smtClean="0"/>
-              <a:t>Chrome</a:t>
-            </a:r>
-          </a:p>
-          <a:p>
             <a:pPr marL="342900" lvl="1" indent="-342900"/>
-            <a:r>
-              <a:rPr lang="fr-FR" dirty="0" smtClean="0"/>
-              <a:t>2 </a:t>
-            </a:r>
-            <a:r>
-              <a:rPr lang="fr-FR" dirty="0" err="1" smtClean="0"/>
-              <a:t>implementations</a:t>
-            </a:r>
-            <a:r>
-              <a:rPr lang="fr-FR" dirty="0" smtClean="0"/>
-              <a:t> du serveur </a:t>
-            </a:r>
-            <a:r>
-              <a:rPr lang="fr-FR" dirty="0" err="1" smtClean="0"/>
+            <a:endParaRPr lang="fr-FR" dirty="0" smtClean="0"/>
+          </a:p>
+          <a:p>
+            <a:pPr marL="342900" lvl="1" indent="-342900"/>
+            <a:endParaRPr lang="fr-FR" dirty="0"/>
+          </a:p>
+          <a:p>
+            <a:pPr marL="342900" lvl="1" indent="-342900"/>
+            <a:endParaRPr lang="fr-FR" dirty="0" smtClean="0"/>
+          </a:p>
+          <a:p>
+            <a:pPr marL="342900" lvl="1" indent="-342900"/>
+            <a:endParaRPr lang="fr-FR" dirty="0"/>
+          </a:p>
+          <a:p>
+            <a:pPr marL="342900" lvl="1" indent="-342900"/>
+            <a:endParaRPr lang="fr-FR" dirty="0" smtClean="0"/>
+          </a:p>
+          <a:p>
+            <a:pPr marL="342900" lvl="1" indent="-342900"/>
+            <a:endParaRPr lang="fr-FR" dirty="0"/>
+          </a:p>
+          <a:p>
+            <a:pPr marL="342900" lvl="1" indent="-342900"/>
+            <a:r>
+              <a:rPr lang="fr-FR" dirty="0" smtClean="0">
+                <a:solidFill>
+                  <a:srgbClr val="FFC000"/>
+                </a:solidFill>
+              </a:rPr>
+              <a:t>►</a:t>
+            </a:r>
+            <a:r>
+              <a:rPr lang="fr-FR" dirty="0" err="1" smtClean="0"/>
+              <a:t>closure</a:t>
+            </a:r>
+            <a:r>
+              <a:rPr lang="fr-FR" dirty="0" smtClean="0"/>
+              <a:t> </a:t>
+            </a:r>
+            <a:r>
+              <a:rPr lang="fr-FR" dirty="0"/>
+              <a:t>est un plugin </a:t>
+            </a:r>
+            <a:r>
+              <a:rPr lang="fr-FR" dirty="0" err="1"/>
               <a:t>tern</a:t>
             </a:r>
             <a:r>
-              <a:rPr lang="fr-FR" dirty="0" smtClean="0"/>
-              <a:t> en Java : </a:t>
-            </a:r>
-          </a:p>
-          <a:p>
-            <a:pPr marL="742950" lvl="2" indent="-342900"/>
-            <a:r>
-              <a:rPr lang="fr-FR" dirty="0" smtClean="0"/>
-              <a:t>Rhino</a:t>
-            </a:r>
-          </a:p>
-          <a:p>
-            <a:pPr marL="742950" lvl="2" indent="-342900"/>
-            <a:r>
-              <a:rPr lang="fr-FR" dirty="0" smtClean="0"/>
-              <a:t>Node.js</a:t>
-            </a:r>
+              <a:rPr lang="fr-FR" dirty="0"/>
+              <a:t>. </a:t>
+            </a:r>
+            <a:r>
+              <a:rPr lang="fr-FR" dirty="0" smtClean="0"/>
+              <a:t>Il se base sur les sources de </a:t>
+            </a:r>
+            <a:r>
+              <a:rPr lang="fr-FR" dirty="0" err="1" smtClean="0"/>
+              <a:t>closure</a:t>
+            </a:r>
+            <a:r>
+              <a:rPr lang="fr-FR" dirty="0" smtClean="0"/>
+              <a:t>. Le </a:t>
+            </a:r>
+            <a:r>
+              <a:rPr lang="fr-FR" dirty="0" err="1" smtClean="0"/>
+              <a:t>hyperlink</a:t>
+            </a:r>
+            <a:r>
+              <a:rPr lang="fr-FR" dirty="0" smtClean="0"/>
+              <a:t> permet d’ouvrir les sources de </a:t>
+            </a:r>
+            <a:r>
+              <a:rPr lang="fr-FR" dirty="0" err="1" smtClean="0"/>
+              <a:t>closure</a:t>
+            </a:r>
+            <a:r>
+              <a:rPr lang="fr-FR" dirty="0" smtClean="0"/>
+              <a:t>.</a:t>
+            </a:r>
+            <a:endParaRPr lang="fr-FR" dirty="0"/>
           </a:p>
           <a:p>
             <a:pPr marL="342900" lvl="1" indent="-342900"/>
-            <a:r>
-              <a:rPr lang="fr-FR" dirty="0" smtClean="0"/>
-              <a:t>Node.js la plus performante.</a:t>
-            </a:r>
+            <a:endParaRPr lang="fr-FR" dirty="0" smtClean="0"/>
           </a:p>
           <a:p>
             <a:pPr marL="342900" lvl="1" indent="-342900"/>
-            <a:r>
-              <a:rPr lang="fr-FR" dirty="0"/>
-              <a:t>A tester avec </a:t>
-            </a:r>
-            <a:r>
-              <a:rPr lang="fr-FR" dirty="0" err="1"/>
-              <a:t>Nashhorm</a:t>
-            </a:r>
+            <a:endParaRPr lang="fr-FR" dirty="0"/>
+          </a:p>
+          <a:p>
+            <a:pPr marL="342900" lvl="1" indent="-342900"/>
             <a:endParaRPr lang="fr-FR" dirty="0" smtClean="0"/>
           </a:p>
-        </p:txBody>
-      </p:sp>
+          <a:p>
+            <a:pPr marL="342900" lvl="1" indent="-342900"/>
+            <a:endParaRPr lang="fr-FR" dirty="0"/>
+          </a:p>
+        </p:txBody>
+      </p:sp>
+      <p:pic>
+        <p:nvPicPr>
+          <p:cNvPr id="16386" name="Picture 2"/>
+          <p:cNvPicPr>
+            <a:picLocks noChangeAspect="1" noChangeArrowheads="1"/>
+          </p:cNvPicPr>
+          <p:nvPr/>
+        </p:nvPicPr>
+        <p:blipFill>
+          <a:blip r:embed="rId2">
+            <a:extLst>
+              <a:ext uri="{28A0092B-C50C-407E-A947-70E740481C1C}">
+                <a14:useLocalDpi xmlns:a14="http://schemas.microsoft.com/office/drawing/2010/main" val="0"/>
+              </a:ext>
+            </a:extLst>
+          </a:blip>
+          <a:srcRect/>
+          <a:stretch>
+            <a:fillRect/>
+          </a:stretch>
+        </p:blipFill>
+        <p:spPr bwMode="auto">
+          <a:xfrm>
+            <a:off x="990959" y="2348880"/>
+            <a:ext cx="6864350" cy="2609850"/>
+          </a:xfrm>
+          <a:prstGeom prst="rect">
+            <a:avLst/>
+          </a:prstGeom>
+          <a:noFill/>
+          <a:ln>
+            <a:noFill/>
+          </a:ln>
+          <a:extLst>
+            <a:ext uri="{909E8E84-426E-40DD-AFC4-6F175D3DCCD1}">
+              <a14:hiddenFill xmlns:a14="http://schemas.microsoft.com/office/drawing/2010/main">
+                <a:solidFill>
+                  <a:schemeClr val="accent1"/>
+                </a:solidFill>
+              </a14:hiddenFill>
+            </a:ext>
+            <a:ext uri="{91240B29-F687-4F45-9708-019B960494DF}">
+              <a14:hiddenLine xmlns:a14="http://schemas.microsoft.com/office/drawing/2010/main" w="9525">
+                <a:solidFill>
+                  <a:schemeClr val="tx1"/>
+                </a:solidFill>
+                <a:miter lim="800000"/>
+                <a:headEnd/>
+                <a:tailEnd/>
+              </a14:hiddenLine>
+            </a:ext>
+          </a:extLst>
+        </p:spPr>
+      </p:pic>
     </p:spTree>
     <p:extLst>
       <p:ext uri="{BB962C8B-B14F-4D97-AF65-F5344CB8AC3E}">
-        <p14:creationId xmlns:p14="http://schemas.microsoft.com/office/powerpoint/2010/main" val="3134940998"/>
+        <p14:creationId xmlns:p14="http://schemas.microsoft.com/office/powerpoint/2010/main" val="1693652435"/>
       </p:ext>
     </p:extLst>
   </p:cSld>
@@ -6461,8 +6702,12 @@
           <a:lstStyle/>
           <a:p>
             <a:r>
-              <a:rPr lang="fr-FR" dirty="0" smtClean="0"/>
-              <a:t>Tern.js &amp; Java – Node.js</a:t>
+              <a:rPr lang="fr-FR" dirty="0" err="1" smtClean="0"/>
+              <a:t>Tern</a:t>
+            </a:r>
+            <a:r>
+              <a:rPr lang="fr-FR" dirty="0" smtClean="0"/>
+              <a:t> Java - Comment ca marche?</a:t>
             </a:r>
             <a:endParaRPr lang="fr-FR" dirty="0"/>
           </a:p>
@@ -6488,23 +6733,85 @@
             <a:pPr marL="342900" lvl="1" indent="-342900"/>
             <a:r>
               <a:rPr lang="fr-FR" dirty="0" smtClean="0"/>
-              <a:t>Faire </a:t>
-            </a:r>
-            <a:r>
-              <a:rPr lang="fr-FR" dirty="0" err="1" smtClean="0"/>
-              <a:t>schema</a:t>
-            </a:r>
-            <a:r>
-              <a:rPr lang="fr-FR" dirty="0" smtClean="0"/>
-              <a:t> Node.js</a:t>
-            </a:r>
-          </a:p>
-        </p:txBody>
-      </p:sp>
+              <a:t>Communication entre la complétion Eclipse et </a:t>
+            </a:r>
+            <a:r>
+              <a:rPr lang="fr-FR" dirty="0" err="1" smtClean="0"/>
+              <a:t>tern</a:t>
+            </a:r>
+            <a:r>
+              <a:rPr lang="fr-FR" dirty="0" smtClean="0"/>
+              <a:t>  :</a:t>
+            </a:r>
+          </a:p>
+          <a:p>
+            <a:pPr marL="342900" lvl="1" indent="-342900"/>
+            <a:endParaRPr lang="fr-FR" dirty="0" smtClean="0"/>
+          </a:p>
+          <a:p>
+            <a:pPr marL="342900" lvl="1" indent="-342900"/>
+            <a:endParaRPr lang="fr-FR" dirty="0"/>
+          </a:p>
+        </p:txBody>
+      </p:sp>
+      <p:pic>
+        <p:nvPicPr>
+          <p:cNvPr id="12290" name="Picture 2"/>
+          <p:cNvPicPr>
+            <a:picLocks noChangeAspect="1" noChangeArrowheads="1"/>
+          </p:cNvPicPr>
+          <p:nvPr/>
+        </p:nvPicPr>
+        <p:blipFill>
+          <a:blip r:embed="rId2">
+            <a:extLst>
+              <a:ext uri="{28A0092B-C50C-407E-A947-70E740481C1C}">
+                <a14:useLocalDpi xmlns:a14="http://schemas.microsoft.com/office/drawing/2010/main" val="0"/>
+              </a:ext>
+            </a:extLst>
+          </a:blip>
+          <a:srcRect/>
+          <a:stretch>
+            <a:fillRect/>
+          </a:stretch>
+        </p:blipFill>
+        <p:spPr bwMode="auto">
+          <a:xfrm>
+            <a:off x="1162050" y="2060848"/>
+            <a:ext cx="6819900" cy="3181350"/>
+          </a:xfrm>
+          <a:prstGeom prst="rect">
+            <a:avLst/>
+          </a:prstGeom>
+          <a:noFill/>
+          <a:ln>
+            <a:noFill/>
+          </a:ln>
+          <a:extLst>
+            <a:ext uri="{909E8E84-426E-40DD-AFC4-6F175D3DCCD1}">
+              <a14:hiddenFill xmlns:a14="http://schemas.microsoft.com/office/drawing/2010/main">
+                <a:solidFill>
+                  <a:schemeClr val="accent1"/>
+                </a:solidFill>
+              </a14:hiddenFill>
+            </a:ext>
+            <a:ext uri="{91240B29-F687-4F45-9708-019B960494DF}">
+              <a14:hiddenLine xmlns:a14="http://schemas.microsoft.com/office/drawing/2010/main" w="9525">
+                <a:solidFill>
+                  <a:schemeClr val="tx1"/>
+                </a:solidFill>
+                <a:miter lim="800000"/>
+                <a:headEnd/>
+                <a:tailEnd/>
+              </a14:hiddenLine>
+            </a:ext>
+          </a:extLst>
+        </p:spPr>
+      </p:pic>
     </p:spTree>
     <p:extLst>
       <p:ext uri="{BB962C8B-B14F-4D97-AF65-F5344CB8AC3E}">
-        <p14:creationId xmlns:p14="http://schemas.microsoft.com/office/powerpoint/2010/main" val="1152627646"/>
+        <p14:creationId xmlns:p14="http://schemas.microsoft.com/office/powerpoint/2010/main" val="3723258937"/>
       </p:ext>
     </p:extLst>
   </p:cSld>
@@ -6547,12 +6854,16 @@
           <a:lstStyle/>
           <a:p>
             <a:r>
-              <a:rPr lang="fr-FR" dirty="0" smtClean="0"/>
-              <a:t>Tern.java </a:t>
-            </a:r>
-            <a:r>
-              <a:rPr lang="fr-FR" smtClean="0"/>
-              <a:t>&amp; Eclipse</a:t>
+              <a:rPr lang="fr-FR" dirty="0" err="1"/>
+              <a:t>Tern</a:t>
+            </a:r>
+            <a:r>
+              <a:rPr lang="fr-FR" dirty="0"/>
+              <a:t> Java - Comment </a:t>
+            </a:r>
+            <a:r>
+              <a:rPr lang="fr-FR" dirty="0" smtClean="0"/>
+              <a:t>ca marche?</a:t>
             </a:r>
             <a:endParaRPr lang="fr-FR" dirty="0"/>
           </a:p>
@@ -6570,116 +6881,193 @@
         </p:nvSpPr>
         <p:spPr/>
         <p:txBody>
-          <a:bodyPr/>
-          <a:lstStyle/>
-          <a:p>
-            <a:r>
-              <a:rPr lang="fr-FR" dirty="0" smtClean="0"/>
-              <a:t>tern.java (</a:t>
-            </a:r>
-            <a:r>
-              <a:rPr lang="fr-FR" dirty="0" err="1" smtClean="0"/>
-              <a:t>eclipse</a:t>
-            </a:r>
-            <a:r>
-              <a:rPr lang="fr-FR" dirty="0" smtClean="0"/>
-              <a:t>) fournit :</a:t>
-            </a:r>
-          </a:p>
-          <a:p>
-            <a:pPr lvl="1"/>
-            <a:r>
-              <a:rPr lang="fr-FR" dirty="0" smtClean="0"/>
-              <a:t>des plugins Eclipse pour l’IDE Eclipse qui utilise tern.java (</a:t>
-            </a:r>
-            <a:r>
-              <a:rPr lang="fr-FR" dirty="0" err="1" smtClean="0"/>
-              <a:t>core</a:t>
-            </a:r>
-            <a:r>
-              <a:rPr lang="fr-FR" dirty="0" smtClean="0"/>
-              <a:t>)</a:t>
-            </a:r>
-          </a:p>
-          <a:p>
-            <a:pPr lvl="1"/>
-            <a:r>
-              <a:rPr lang="fr-FR" dirty="0" smtClean="0"/>
-              <a:t>Un plugin JSDT qui </a:t>
-            </a:r>
-            <a:r>
-              <a:rPr lang="fr-FR" dirty="0" err="1" smtClean="0"/>
-              <a:t>éténd</a:t>
-            </a:r>
-            <a:r>
-              <a:rPr lang="fr-FR" dirty="0" smtClean="0"/>
-              <a:t> la </a:t>
-            </a:r>
-            <a:r>
-              <a:rPr lang="fr-FR" dirty="0" err="1" smtClean="0"/>
+          <a:bodyPr>
+            <a:normAutofit lnSpcReduction="10000"/>
+          </a:bodyPr>
+          <a:lstStyle/>
+          <a:p>
+            <a:pPr marL="342900" lvl="1" indent="-342900"/>
+            <a:r>
+              <a:rPr lang="fr-FR" dirty="0" smtClean="0"/>
+              <a:t>serveur </a:t>
+            </a:r>
+            <a:r>
+              <a:rPr lang="fr-FR" dirty="0" err="1" smtClean="0"/>
+              <a:t>tern</a:t>
+            </a:r>
+            <a:r>
+              <a:rPr lang="fr-FR" dirty="0" smtClean="0"/>
+              <a:t> lancé : tern.js est exécuté dans Eclipse IDE via Node.js</a:t>
+            </a:r>
+          </a:p>
+          <a:p>
+            <a:pPr marL="342900" lvl="1" indent="-342900"/>
+            <a:r>
+              <a:rPr lang="fr-FR" dirty="0" smtClean="0"/>
+              <a:t>Ici le server </a:t>
+            </a:r>
+            <a:r>
+              <a:rPr lang="fr-FR" dirty="0" err="1" smtClean="0"/>
+              <a:t>tern</a:t>
+            </a:r>
+            <a:r>
+              <a:rPr lang="fr-FR" dirty="0" smtClean="0"/>
+              <a:t> charge les JSON Type </a:t>
+            </a:r>
+            <a:r>
+              <a:rPr lang="fr-FR" dirty="0" err="1" smtClean="0"/>
+              <a:t>Definitions</a:t>
+            </a:r>
+            <a:r>
+              <a:rPr lang="fr-FR" dirty="0" smtClean="0"/>
+              <a:t> emacs5, browser et </a:t>
+            </a:r>
+            <a:r>
+              <a:rPr lang="fr-FR" dirty="0" err="1" smtClean="0"/>
+              <a:t>jquery</a:t>
+            </a:r>
+            <a:endParaRPr lang="fr-FR" dirty="0" smtClean="0"/>
+          </a:p>
+          <a:p>
+            <a:pPr marL="342900" lvl="1" indent="-342900"/>
+            <a:r>
+              <a:rPr lang="fr-FR" dirty="0" smtClean="0"/>
+              <a:t>communication entre la complétion Eclipse et le serveur </a:t>
+            </a:r>
+            <a:r>
+              <a:rPr lang="fr-FR" dirty="0" err="1" smtClean="0"/>
+              <a:t>tern</a:t>
+            </a:r>
+            <a:r>
+              <a:rPr lang="fr-FR" dirty="0" smtClean="0"/>
+              <a:t> s’effectue via JSON : </a:t>
+            </a:r>
+          </a:p>
+          <a:p>
+            <a:pPr marL="1200150" lvl="3" indent="-342900"/>
+            <a:r>
+              <a:rPr lang="fr-FR" dirty="0" smtClean="0"/>
+              <a:t>2 requêtes JSON:</a:t>
+            </a:r>
+          </a:p>
+          <a:p>
+            <a:pPr marL="1657350" lvl="4" indent="-342900"/>
+            <a:r>
+              <a:rPr lang="fr-FR" dirty="0" smtClean="0"/>
+              <a:t>requête </a:t>
+            </a:r>
+            <a:r>
+              <a:rPr lang="fr-FR" b="1" dirty="0" smtClean="0"/>
+              <a:t>files</a:t>
+            </a:r>
+            <a:r>
+              <a:rPr lang="fr-FR" dirty="0" smtClean="0"/>
+              <a:t>: envoie le contenu de l’éditeur et d’autres fichiers (si besoin)</a:t>
+            </a:r>
+          </a:p>
+          <a:p>
+            <a:pPr marL="1657350" lvl="4" indent="-342900"/>
+            <a:r>
+              <a:rPr lang="fr-FR" dirty="0" smtClean="0"/>
+              <a:t>Requête </a:t>
+            </a:r>
+            <a:r>
+              <a:rPr lang="fr-FR" b="1" dirty="0" err="1" smtClean="0"/>
               <a:t>completion</a:t>
             </a:r>
             <a:r>
               <a:rPr lang="fr-FR" dirty="0" smtClean="0"/>
-              <a:t>, </a:t>
-            </a:r>
-            <a:r>
-              <a:rPr lang="fr-FR" dirty="0" err="1" smtClean="0"/>
-              <a:t>text</a:t>
-            </a:r>
-            <a:r>
-              <a:rPr lang="fr-FR" dirty="0" smtClean="0"/>
+              <a:t>:</a:t>
+            </a:r>
+            <a:r>
+              <a:rPr lang="fr-FR" b="1" dirty="0" smtClean="0"/>
               <a:t> </a:t>
             </a:r>
             <a:r>
-              <a:rPr lang="fr-FR" dirty="0" err="1" smtClean="0"/>
-              <a:t>hover</a:t>
-            </a:r>
-            <a:r>
-              <a:rPr lang="fr-FR" dirty="0" smtClean="0"/>
-              <a:t> pour utilise </a:t>
-            </a:r>
-            <a:r>
-              <a:rPr lang="fr-FR" dirty="0" err="1" smtClean="0"/>
-              <a:t>tern</a:t>
-            </a:r>
-            <a:r>
-              <a:rPr lang="fr-FR" dirty="0" smtClean="0"/>
-              <a:t> dans l’</a:t>
-            </a:r>
-            <a:r>
-              <a:rPr lang="fr-FR" dirty="0" err="1" smtClean="0"/>
-              <a:t>editeur</a:t>
-            </a:r>
-            <a:r>
-              <a:rPr lang="fr-FR" dirty="0" smtClean="0"/>
+              <a:rPr lang="fr-FR" dirty="0" smtClean="0"/>
+              <a:t> envoie une requête de type </a:t>
+            </a:r>
+            <a:r>
+              <a:rPr lang="fr-FR" b="1" dirty="0" err="1"/>
+              <a:t>completion</a:t>
+            </a:r>
+            <a:r>
+              <a:rPr lang="fr-FR" b="1" dirty="0"/>
               <a:t> </a:t>
             </a:r>
             <a:r>
-              <a:rPr lang="fr-FR" dirty="0" err="1" smtClean="0"/>
-              <a:t>Javascript</a:t>
-            </a:r>
-            <a:r>
-              <a:rPr lang="fr-FR" dirty="0" smtClean="0"/>
-              <a:t> JSDT</a:t>
-            </a:r>
-          </a:p>
-          <a:p>
-            <a:pPr lvl="1"/>
-            <a:r>
-              <a:rPr lang="fr-FR" dirty="0" smtClean="0"/>
-              <a:t>Tern.java (</a:t>
-            </a:r>
-            <a:r>
-              <a:rPr lang="fr-FR" dirty="0" err="1" smtClean="0"/>
-              <a:t>eclipse</a:t>
-            </a:r>
-            <a:r>
-              <a:rPr lang="fr-FR" dirty="0" smtClean="0"/>
-              <a:t>) n’est pas lié à JSDT, il peut être utilisé dans d’autres éditeurs JavaScript.</a:t>
-            </a:r>
-          </a:p>
-          <a:p>
+              <a:rPr lang="fr-FR" dirty="0" smtClean="0"/>
+              <a:t>:</a:t>
+            </a:r>
+            <a:endParaRPr lang="fr-FR" dirty="0" smtClean="0"/>
+          </a:p>
+          <a:p>
+            <a:pPr marL="2114550" lvl="5" indent="-342900"/>
+            <a:r>
+              <a:rPr lang="fr-FR" b="1" dirty="0" smtClean="0"/>
+              <a:t>type</a:t>
+            </a:r>
+            <a:r>
+              <a:rPr lang="fr-FR" dirty="0" smtClean="0"/>
+              <a:t>: </a:t>
+            </a:r>
+            <a:r>
+              <a:rPr lang="fr-FR" dirty="0" err="1" smtClean="0"/>
+              <a:t>completion</a:t>
+            </a:r>
+            <a:endParaRPr lang="fr-FR" dirty="0" smtClean="0"/>
+          </a:p>
+          <a:p>
+            <a:pPr marL="2114550" lvl="5" indent="-342900"/>
+            <a:r>
+              <a:rPr lang="fr-FR" b="1" dirty="0" smtClean="0"/>
+              <a:t>file</a:t>
+            </a:r>
+            <a:r>
+              <a:rPr lang="fr-FR" dirty="0" smtClean="0"/>
+              <a:t>: nom du fichier</a:t>
+            </a:r>
+          </a:p>
+          <a:p>
+            <a:pPr marL="2114550" lvl="5" indent="-342900"/>
+            <a:r>
+              <a:rPr lang="fr-FR" b="1" dirty="0" smtClean="0"/>
+              <a:t>end</a:t>
+            </a:r>
+            <a:r>
+              <a:rPr lang="fr-FR" dirty="0" smtClean="0"/>
+              <a:t>: offset ou la complétion est lancée.</a:t>
+            </a:r>
+          </a:p>
+          <a:p>
+            <a:pPr marL="1200150" lvl="3" indent="-342900"/>
+            <a:r>
+              <a:rPr lang="fr-FR" dirty="0" smtClean="0"/>
+              <a:t>Une réponse JSON:</a:t>
+            </a:r>
+          </a:p>
+          <a:p>
+            <a:pPr marL="1657350" lvl="4" indent="-342900"/>
+            <a:r>
+              <a:rPr lang="fr-FR" b="1" dirty="0" err="1" smtClean="0"/>
+              <a:t>completions</a:t>
+            </a:r>
+            <a:r>
+              <a:rPr lang="fr-FR" dirty="0" smtClean="0"/>
+              <a:t> : tableau avec le résultat de la </a:t>
+            </a:r>
+            <a:r>
+              <a:rPr lang="fr-FR" dirty="0" err="1" smtClean="0"/>
+              <a:t>completion</a:t>
+            </a:r>
+            <a:r>
+              <a:rPr lang="fr-FR" dirty="0" smtClean="0"/>
+              <a:t>.</a:t>
+            </a:r>
+            <a:endParaRPr lang="fr-FR" b="1" dirty="0" smtClean="0"/>
+          </a:p>
+          <a:p>
+            <a:pPr marL="342900" lvl="1" indent="-342900"/>
             <a:endParaRPr lang="fr-FR" dirty="0"/>
           </a:p>
         </p:txBody>
@@ -6687,7 +7075,7 @@
     </p:spTree>
     <p:extLst>
       <p:ext uri="{BB962C8B-B14F-4D97-AF65-F5344CB8AC3E}">
-        <p14:creationId xmlns:p14="http://schemas.microsoft.com/office/powerpoint/2010/main" val="3541111988"/>
+        <p14:creationId xmlns:p14="http://schemas.microsoft.com/office/powerpoint/2010/main" val="1337869874"/>
       </p:ext>
     </p:extLst>
   </p:cSld>
@@ -6730,20 +7118,16 @@
           <a:lstStyle/>
           <a:p>
             <a:r>
-              <a:rPr lang="fr-FR" dirty="0" smtClean="0"/>
-              <a:t>Tern.java – </a:t>
-            </a:r>
-            <a:r>
-              <a:rPr lang="fr-FR" dirty="0" err="1" smtClean="0"/>
-              <a:t>Getting</a:t>
-            </a:r>
-            <a:r>
-              <a:rPr lang="fr-FR" dirty="0" smtClean="0"/>
-              <a:t> </a:t>
-            </a:r>
-            <a:r>
-              <a:rPr lang="fr-FR" dirty="0" err="1" smtClean="0"/>
-              <a:t>Started</a:t>
+              <a:rPr lang="fr-FR" dirty="0" err="1"/>
+              <a:t>Tern</a:t>
+            </a:r>
+            <a:r>
+              <a:rPr lang="fr-FR" dirty="0"/>
+              <a:t> Java - Comment </a:t>
+            </a:r>
+            <a:r>
+              <a:rPr lang="fr-FR" dirty="0" smtClean="0"/>
+              <a:t>ca marche?</a:t>
             </a:r>
             <a:endParaRPr lang="fr-FR" dirty="0"/>
           </a:p>
@@ -6761,21 +7145,174 @@
         </p:nvSpPr>
         <p:spPr/>
         <p:txBody>
-          <a:bodyPr/>
-          <a:lstStyle/>
-          <a:p>
-            <a:r>
-              <a:rPr lang="fr-FR" dirty="0" smtClean="0"/>
-              <a:t>tern.java</a:t>
-            </a:r>
+          <a:bodyPr>
+            <a:normAutofit/>
+          </a:bodyPr>
+          <a:lstStyle/>
+          <a:p>
+            <a:pPr marL="342900" lvl="1" indent="-342900"/>
+            <a:r>
+              <a:rPr lang="fr-FR" dirty="0" smtClean="0"/>
+              <a:t>Cocher </a:t>
+            </a:r>
+            <a:r>
+              <a:rPr lang="fr-FR" dirty="0" err="1" smtClean="0"/>
+              <a:t>Tern</a:t>
+            </a:r>
+            <a:r>
+              <a:rPr lang="fr-FR" dirty="0" smtClean="0"/>
+              <a:t> console dans les propriétés du projet </a:t>
+            </a:r>
+            <a:r>
+              <a:rPr lang="fr-FR" dirty="0" err="1" smtClean="0"/>
+              <a:t>Tern</a:t>
+            </a:r>
+            <a:r>
+              <a:rPr lang="fr-FR" dirty="0" smtClean="0"/>
+              <a:t> -&gt; Console :</a:t>
+            </a:r>
+          </a:p>
+          <a:p>
+            <a:pPr marL="342900" lvl="1" indent="-342900"/>
             <a:endParaRPr lang="fr-FR" dirty="0"/>
           </a:p>
-        </p:txBody>
-      </p:sp>
+          <a:p>
+            <a:pPr marL="342900" lvl="1" indent="-342900"/>
+            <a:endParaRPr lang="fr-FR" dirty="0" smtClean="0"/>
+          </a:p>
+          <a:p>
+            <a:pPr marL="342900" lvl="1" indent="-342900"/>
+            <a:endParaRPr lang="fr-FR" dirty="0"/>
+          </a:p>
+          <a:p>
+            <a:pPr marL="342900" lvl="1" indent="-342900"/>
+            <a:r>
+              <a:rPr lang="fr-FR" dirty="0" smtClean="0"/>
+              <a:t>La console Eclipse affiche les requêtes/réponses JSON:</a:t>
+            </a:r>
+          </a:p>
+          <a:p>
+            <a:pPr marL="342900" lvl="1" indent="-342900"/>
+            <a:endParaRPr lang="fr-FR" b="1" dirty="0" smtClean="0"/>
+          </a:p>
+          <a:p>
+            <a:pPr marL="342900" lvl="1" indent="-342900"/>
+            <a:endParaRPr lang="fr-FR" dirty="0"/>
+          </a:p>
+        </p:txBody>
+      </p:sp>
+      <p:pic>
+        <p:nvPicPr>
+          <p:cNvPr id="11266" name="Picture 2"/>
+          <p:cNvPicPr>
+            <a:picLocks noChangeAspect="1" noChangeArrowheads="1"/>
+          </p:cNvPicPr>
+          <p:nvPr/>
+        </p:nvPicPr>
+        <p:blipFill>
+          <a:blip r:embed="rId2">
+            <a:extLst>
+              <a:ext uri="{28A0092B-C50C-407E-A947-70E740481C1C}">
+                <a14:useLocalDpi xmlns:a14="http://schemas.microsoft.com/office/drawing/2010/main" val="0"/>
+              </a:ext>
+            </a:extLst>
+          </a:blip>
+          <a:srcRect/>
+          <a:stretch>
+            <a:fillRect/>
+          </a:stretch>
+        </p:blipFill>
+        <p:spPr bwMode="auto">
+          <a:xfrm>
+            <a:off x="1691681" y="1988841"/>
+            <a:ext cx="2736303" cy="1154706"/>
+          </a:xfrm>
+          <a:prstGeom prst="rect">
+            <a:avLst/>
+          </a:prstGeom>
+          <a:noFill/>
+          <a:ln>
+            <a:noFill/>
+          </a:ln>
+          <a:extLst>
+            <a:ext uri="{909E8E84-426E-40DD-AFC4-6F175D3DCCD1}">
+              <a14:hiddenFill xmlns:a14="http://schemas.microsoft.com/office/drawing/2010/main">
+                <a:solidFill>
+                  <a:schemeClr val="accent1"/>
+                </a:solidFill>
+              </a14:hiddenFill>
+            </a:ext>
+            <a:ext uri="{91240B29-F687-4F45-9708-019B960494DF}">
+              <a14:hiddenLine xmlns:a14="http://schemas.microsoft.com/office/drawing/2010/main" w="9525">
+                <a:solidFill>
+                  <a:schemeClr val="tx1"/>
+                </a:solidFill>
+                <a:miter lim="800000"/>
+                <a:headEnd/>
+                <a:tailEnd/>
+              </a14:hiddenLine>
+            </a:ext>
+          </a:extLst>
+        </p:spPr>
+      </p:pic>
+      <p:pic>
+        <p:nvPicPr>
+          <p:cNvPr id="11267" name="Picture 3"/>
+          <p:cNvPicPr>
+            <a:picLocks noChangeAspect="1" noChangeArrowheads="1"/>
+          </p:cNvPicPr>
+          <p:nvPr/>
+        </p:nvPicPr>
+        <p:blipFill>
+          <a:blip r:embed="rId3">
+            <a:extLst>
+              <a:ext uri="{28A0092B-C50C-407E-A947-70E740481C1C}">
+                <a14:useLocalDpi xmlns:a14="http://schemas.microsoft.com/office/drawing/2010/main" val="0"/>
+              </a:ext>
+            </a:extLst>
+          </a:blip>
+          <a:srcRect/>
+          <a:stretch>
+            <a:fillRect/>
+          </a:stretch>
+        </p:blipFill>
+        <p:spPr bwMode="auto">
+          <a:xfrm>
+            <a:off x="176213" y="3789040"/>
+            <a:ext cx="8791575" cy="2876550"/>
+          </a:xfrm>
+          <a:prstGeom prst="rect">
+            <a:avLst/>
+          </a:prstGeom>
+          <a:noFill/>
+          <a:ln>
+            <a:noFill/>
+          </a:ln>
+          <a:extLst>
+            <a:ext uri="{909E8E84-426E-40DD-AFC4-6F175D3DCCD1}">
+              <a14:hiddenFill xmlns:a14="http://schemas.microsoft.com/office/drawing/2010/main">
+                <a:solidFill>
+                  <a:schemeClr val="accent1"/>
+                </a:solidFill>
+              </a14:hiddenFill>
+            </a:ext>
+            <a:ext uri="{91240B29-F687-4F45-9708-019B960494DF}">
+              <a14:hiddenLine xmlns:a14="http://schemas.microsoft.com/office/drawing/2010/main" w="9525">
+                <a:solidFill>
+                  <a:schemeClr val="tx1"/>
+                </a:solidFill>
+                <a:miter lim="800000"/>
+                <a:headEnd/>
+                <a:tailEnd/>
+              </a14:hiddenLine>
+            </a:ext>
+          </a:extLst>
+        </p:spPr>
+      </p:pic>
     </p:spTree>
     <p:extLst>
       <p:ext uri="{BB962C8B-B14F-4D97-AF65-F5344CB8AC3E}">
-        <p14:creationId xmlns:p14="http://schemas.microsoft.com/office/powerpoint/2010/main" val="1307568318"/>
+        <p14:creationId xmlns:p14="http://schemas.microsoft.com/office/powerpoint/2010/main" val="493232186"/>
       </p:ext>
     </p:extLst>
   </p:cSld>
@@ -6819,11 +7356,11 @@
           <a:p>
             <a:r>
               <a:rPr lang="fr-FR" dirty="0" smtClean="0"/>
-              <a:t>Tern.java – </a:t>
-            </a:r>
-            <a:r>
-              <a:rPr lang="fr-FR" dirty="0" err="1" smtClean="0"/>
-              <a:t>Completion</a:t>
+              <a:t>Implémentation Serveur </a:t>
+            </a:r>
+            <a:r>
+              <a:rPr lang="fr-FR" dirty="0" err="1" smtClean="0"/>
+              <a:t>tern</a:t>
             </a:r>
             <a:endParaRPr lang="fr-FR" dirty="0"/>
           </a:p>
@@ -6841,17 +7378,163 @@
         </p:nvSpPr>
         <p:spPr/>
         <p:txBody>
-          <a:bodyPr/>
-          <a:lstStyle/>
-          <a:p>
-            <a:endParaRPr lang="fr-FR" dirty="0"/>
+          <a:bodyPr>
+            <a:normAutofit fontScale="85000" lnSpcReduction="10000"/>
+          </a:bodyPr>
+          <a:lstStyle/>
+          <a:p>
+            <a:pPr marL="342900" lvl="1" indent="-342900"/>
+            <a:r>
+              <a:rPr lang="fr-FR" dirty="0" smtClean="0"/>
+              <a:t>tern.js écrits en </a:t>
+            </a:r>
+            <a:r>
+              <a:rPr lang="fr-FR" dirty="0" smtClean="0"/>
+              <a:t>JavaScript </a:t>
+            </a:r>
+            <a:r>
+              <a:rPr lang="fr-FR" dirty="0" smtClean="0"/>
+              <a:t>doit être </a:t>
+            </a:r>
+            <a:r>
+              <a:rPr lang="fr-FR" dirty="0" smtClean="0"/>
+              <a:t>e</a:t>
+            </a:r>
+            <a:r>
+              <a:rPr lang="fr-FR" dirty="0" smtClean="0"/>
+              <a:t>xécuté </a:t>
+            </a:r>
+            <a:r>
+              <a:rPr lang="fr-FR" dirty="0" smtClean="0"/>
+              <a:t>dans un contexte Java, pour cela plusieurs solutions :</a:t>
+            </a:r>
+          </a:p>
+          <a:p>
+            <a:pPr marL="742950" lvl="2" indent="-342900"/>
+            <a:r>
+              <a:rPr lang="fr-FR" dirty="0" smtClean="0"/>
+              <a:t>Rhino, </a:t>
+            </a:r>
+          </a:p>
+          <a:p>
+            <a:pPr marL="742950" lvl="2" indent="-342900"/>
+            <a:r>
+              <a:rPr lang="fr-FR" dirty="0" smtClean="0"/>
+              <a:t>Node.js (client serveur), </a:t>
+            </a:r>
+          </a:p>
+          <a:p>
+            <a:pPr marL="742950" lvl="2" indent="-342900"/>
+            <a:r>
+              <a:rPr lang="fr-FR" dirty="0" err="1" smtClean="0"/>
+              <a:t>Nashhorm</a:t>
+            </a:r>
+            <a:r>
+              <a:rPr lang="fr-FR" dirty="0" smtClean="0"/>
+              <a:t>, </a:t>
+            </a:r>
+          </a:p>
+          <a:p>
+            <a:pPr marL="742950" lvl="2" indent="-342900"/>
+            <a:r>
+              <a:rPr lang="fr-FR" dirty="0" err="1" smtClean="0"/>
+              <a:t>Vertx</a:t>
+            </a:r>
+            <a:endParaRPr lang="fr-FR" dirty="0" smtClean="0"/>
+          </a:p>
+          <a:p>
+            <a:pPr marL="742950" lvl="2" indent="-342900"/>
+            <a:r>
+              <a:rPr lang="fr-FR" dirty="0" smtClean="0"/>
+              <a:t>Chrome, </a:t>
+            </a:r>
+            <a:r>
+              <a:rPr lang="fr-FR" dirty="0" err="1" smtClean="0"/>
+              <a:t>etc</a:t>
+            </a:r>
+            <a:endParaRPr lang="fr-FR" dirty="0" smtClean="0"/>
+          </a:p>
+          <a:p>
+            <a:pPr marL="342900" lvl="1" indent="-342900"/>
+            <a:r>
+              <a:rPr lang="fr-FR" dirty="0" err="1" smtClean="0"/>
+              <a:t>Aujoud’hui</a:t>
+            </a:r>
+            <a:r>
+              <a:rPr lang="fr-FR" dirty="0" smtClean="0"/>
+              <a:t> il existe 2 implémentations </a:t>
+            </a:r>
+            <a:r>
+              <a:rPr lang="fr-FR" dirty="0" smtClean="0"/>
+              <a:t>du serveur </a:t>
+            </a:r>
+            <a:r>
+              <a:rPr lang="fr-FR" dirty="0" err="1" smtClean="0"/>
+              <a:t>tern</a:t>
+            </a:r>
+            <a:r>
+              <a:rPr lang="fr-FR" dirty="0" smtClean="0"/>
+              <a:t> en Java : </a:t>
+            </a:r>
+          </a:p>
+          <a:p>
+            <a:pPr marL="742950" lvl="2" indent="-342900"/>
+            <a:r>
+              <a:rPr lang="fr-FR" dirty="0" smtClean="0"/>
+              <a:t>Rhino</a:t>
+            </a:r>
+          </a:p>
+          <a:p>
+            <a:pPr marL="742950" lvl="2" indent="-342900"/>
+            <a:r>
+              <a:rPr lang="fr-FR" dirty="0" smtClean="0"/>
+              <a:t>Node.js</a:t>
+            </a:r>
+          </a:p>
+          <a:p>
+            <a:pPr marL="342900" lvl="1" indent="-342900"/>
+            <a:r>
+              <a:rPr lang="fr-FR" dirty="0" err="1" smtClean="0"/>
+              <a:t>Tern</a:t>
+            </a:r>
+            <a:r>
+              <a:rPr lang="fr-FR" dirty="0" smtClean="0"/>
+              <a:t> IDE utilise Node.js car :</a:t>
+            </a:r>
+          </a:p>
+          <a:p>
+            <a:pPr marL="742950" lvl="2" indent="-342900"/>
+            <a:r>
+              <a:rPr lang="fr-FR" dirty="0" smtClean="0"/>
+              <a:t> très performant.</a:t>
+            </a:r>
+          </a:p>
+          <a:p>
+            <a:pPr marL="742950" lvl="2" indent="-342900"/>
+            <a:r>
+              <a:rPr lang="fr-FR" dirty="0" smtClean="0"/>
+              <a:t>Tern.js est très gourmand en mémoire, Rhino ne supporte pas cette contrainte.</a:t>
+            </a:r>
+            <a:endParaRPr lang="fr-FR" dirty="0" smtClean="0"/>
+          </a:p>
+          <a:p>
+            <a:pPr marL="342900" lvl="1" indent="-342900"/>
+            <a:r>
+              <a:rPr lang="fr-FR" dirty="0"/>
+              <a:t>A tester avec </a:t>
+            </a:r>
+            <a:r>
+              <a:rPr lang="fr-FR" dirty="0" err="1"/>
+              <a:t>Nashhorm</a:t>
+            </a:r>
+            <a:endParaRPr lang="fr-FR" dirty="0" smtClean="0"/>
           </a:p>
         </p:txBody>
       </p:sp>
     </p:spTree>
     <p:extLst>
       <p:ext uri="{BB962C8B-B14F-4D97-AF65-F5344CB8AC3E}">
-        <p14:creationId xmlns:p14="http://schemas.microsoft.com/office/powerpoint/2010/main" val="606268164"/>
+        <p14:creationId xmlns:p14="http://schemas.microsoft.com/office/powerpoint/2010/main" val="3134940998"/>
       </p:ext>
     </p:extLst>
   </p:cSld>
@@ -6895,11 +7578,19 @@
           <a:p>
             <a:r>
               <a:rPr lang="fr-FR" dirty="0" smtClean="0"/>
-              <a:t>Tern.java – </a:t>
-            </a:r>
-            <a:r>
-              <a:rPr lang="fr-FR" dirty="0" err="1" smtClean="0"/>
-              <a:t>Hover</a:t>
+              <a:t>Serveur </a:t>
+            </a:r>
+            <a:r>
+              <a:rPr lang="fr-FR" dirty="0" err="1" smtClean="0"/>
+              <a:t>Tern</a:t>
+            </a:r>
+            <a:r>
+              <a:rPr lang="fr-FR" dirty="0" smtClean="0"/>
+              <a:t>– </a:t>
+            </a:r>
+            <a:r>
+              <a:rPr lang="fr-FR" dirty="0" smtClean="0"/>
+              <a:t>Node.js</a:t>
             </a:r>
             <a:endParaRPr lang="fr-FR" dirty="0"/>
           </a:p>
@@ -6917,17 +7608,85 @@
         </p:nvSpPr>
         <p:spPr/>
         <p:txBody>
-          <a:bodyPr/>
-          <a:lstStyle/>
-          <a:p>
-            <a:endParaRPr lang="fr-FR" dirty="0"/>
-          </a:p>
-        </p:txBody>
-      </p:sp>
+          <a:bodyPr>
+            <a:normAutofit/>
+          </a:bodyPr>
+          <a:lstStyle/>
+          <a:p>
+            <a:pPr marL="342900" lvl="1" indent="-342900"/>
+            <a:r>
+              <a:rPr lang="fr-FR" dirty="0" smtClean="0"/>
+              <a:t>Node.js TODO explication</a:t>
+            </a:r>
+          </a:p>
+          <a:p>
+            <a:pPr marL="342900" lvl="1" indent="-342900"/>
+            <a:endParaRPr lang="fr-FR" dirty="0" smtClean="0"/>
+          </a:p>
+          <a:p>
+            <a:pPr marL="342900" lvl="1" indent="-342900"/>
+            <a:endParaRPr lang="fr-FR" dirty="0" smtClean="0"/>
+          </a:p>
+        </p:txBody>
+      </p:sp>
+      <p:pic>
+        <p:nvPicPr>
+          <p:cNvPr id="13315" name="Picture 3"/>
+          <p:cNvPicPr>
+            <a:picLocks noChangeAspect="1" noChangeArrowheads="1"/>
+          </p:cNvPicPr>
+          <p:nvPr/>
+        </p:nvPicPr>
+        <p:blipFill>
+          <a:blip r:embed="rId2">
+            <a:extLst>
+              <a:ext uri="{28A0092B-C50C-407E-A947-70E740481C1C}">
+                <a14:useLocalDpi xmlns:a14="http://schemas.microsoft.com/office/drawing/2010/main" val="0"/>
+              </a:ext>
+            </a:extLst>
+          </a:blip>
+          <a:srcRect/>
+          <a:stretch>
+            <a:fillRect/>
+          </a:stretch>
+        </p:blipFill>
+        <p:spPr bwMode="auto">
+          <a:xfrm>
+            <a:off x="1147763" y="1988840"/>
+            <a:ext cx="6848475" cy="3714750"/>
+          </a:xfrm>
+          <a:prstGeom prst="rect">
+            <a:avLst/>
+          </a:prstGeom>
+          <a:noFill/>
+          <a:ln>
+            <a:noFill/>
+          </a:ln>
+          <a:extLst>
+            <a:ext uri="{909E8E84-426E-40DD-AFC4-6F175D3DCCD1}">
+              <a14:hiddenFill xmlns:a14="http://schemas.microsoft.com/office/drawing/2010/main">
+                <a:solidFill>
+                  <a:schemeClr val="accent1"/>
+                </a:solidFill>
+              </a14:hiddenFill>
+            </a:ext>
+            <a:ext uri="{91240B29-F687-4F45-9708-019B960494DF}">
+              <a14:hiddenLine xmlns:a14="http://schemas.microsoft.com/office/drawing/2010/main" w="9525">
+                <a:solidFill>
+                  <a:schemeClr val="tx1"/>
+                </a:solidFill>
+                <a:miter lim="800000"/>
+                <a:headEnd/>
+                <a:tailEnd/>
+              </a14:hiddenLine>
+            </a:ext>
+          </a:extLst>
+        </p:spPr>
+      </p:pic>
     </p:spTree>
     <p:extLst>
       <p:ext uri="{BB962C8B-B14F-4D97-AF65-F5344CB8AC3E}">
-        <p14:creationId xmlns:p14="http://schemas.microsoft.com/office/powerpoint/2010/main" val="1158840641"/>
+        <p14:creationId xmlns:p14="http://schemas.microsoft.com/office/powerpoint/2010/main" val="2028752723"/>
       </p:ext>
     </p:extLst>
   </p:cSld>
@@ -6971,7 +7730,15 @@
           <a:p>
             <a:r>
               <a:rPr lang="fr-FR" dirty="0" smtClean="0"/>
-              <a:t>Tern.java – Lint</a:t>
+              <a:t>Serveur </a:t>
+            </a:r>
+            <a:r>
+              <a:rPr lang="fr-FR" dirty="0" err="1" smtClean="0"/>
+              <a:t>Tern</a:t>
+            </a:r>
+            <a:r>
+              <a:rPr lang="fr-FR" dirty="0" smtClean="0"/>
+              <a:t>– Node.js</a:t>
             </a:r>
             <a:endParaRPr lang="fr-FR" dirty="0"/>
           </a:p>
@@ -6989,17 +7756,191 @@
         </p:nvSpPr>
         <p:spPr/>
         <p:txBody>
-          <a:bodyPr/>
-          <a:lstStyle/>
-          <a:p>
+          <a:bodyPr>
+            <a:normAutofit/>
+          </a:bodyPr>
+          <a:lstStyle/>
+          <a:p>
+            <a:pPr marL="342900" lvl="1" indent="-342900"/>
+            <a:r>
+              <a:rPr lang="fr-FR" dirty="0" smtClean="0"/>
+              <a:t>La complétion Eclipse lance un serveur node.js avec </a:t>
+            </a:r>
+            <a:r>
+              <a:rPr lang="fr-FR" dirty="0" err="1" smtClean="0"/>
+              <a:t>tern</a:t>
+            </a:r>
+            <a:r>
+              <a:rPr lang="fr-FR" dirty="0" smtClean="0"/>
+              <a:t> et attend que </a:t>
+            </a:r>
+            <a:r>
+              <a:rPr lang="fr-FR" dirty="0" err="1" smtClean="0"/>
+              <a:t>tern</a:t>
+            </a:r>
+            <a:r>
+              <a:rPr lang="fr-FR" dirty="0" smtClean="0"/>
+              <a:t> soit initialisé.</a:t>
+            </a:r>
+          </a:p>
+          <a:p>
+            <a:pPr marL="342900" lvl="1" indent="-342900"/>
+            <a:r>
+              <a:rPr lang="fr-FR" dirty="0" smtClean="0"/>
+              <a:t>La complétion Eclipse communique via un client HTTP au serveur node.js via des requêtes/réponses JSON.</a:t>
+            </a:r>
+          </a:p>
+          <a:p>
+            <a:pPr marL="342900" lvl="1" indent="-342900"/>
+            <a:r>
+              <a:rPr lang="fr-FR" dirty="0" smtClean="0"/>
+              <a:t>Dans le cas ou l’on souhaite débugger (pas à pas) un </a:t>
+            </a:r>
+            <a:r>
+              <a:rPr lang="fr-FR" dirty="0" smtClean="0"/>
+              <a:t>p</a:t>
+            </a:r>
+            <a:r>
+              <a:rPr lang="fr-FR" dirty="0" smtClean="0"/>
+              <a:t>lugin </a:t>
+            </a:r>
+            <a:r>
+              <a:rPr lang="fr-FR" dirty="0" err="1" smtClean="0"/>
+              <a:t>tern</a:t>
+            </a:r>
+            <a:r>
+              <a:rPr lang="fr-FR" dirty="0" smtClean="0"/>
+              <a:t>,  la complétion ne doit pas lancer un serveur node.js. </a:t>
+            </a:r>
+            <a:r>
+              <a:rPr lang="fr-FR" b="1" dirty="0" err="1" smtClean="0"/>
+              <a:t>Remote</a:t>
+            </a:r>
+            <a:r>
+              <a:rPr lang="fr-FR" b="1" dirty="0" smtClean="0"/>
+              <a:t> </a:t>
+            </a:r>
+            <a:r>
+              <a:rPr lang="fr-FR" b="1" dirty="0" err="1" smtClean="0"/>
+              <a:t>access</a:t>
+            </a:r>
+            <a:r>
+              <a:rPr lang="fr-FR" dirty="0" smtClean="0"/>
+              <a:t> doit être configuré :</a:t>
+            </a:r>
+          </a:p>
+          <a:p>
+            <a:pPr marL="342900" lvl="1" indent="-342900"/>
             <a:endParaRPr lang="fr-FR" dirty="0"/>
           </a:p>
-        </p:txBody>
-      </p:sp>
+          <a:p>
+            <a:pPr marL="342900" lvl="1" indent="-342900"/>
+            <a:endParaRPr lang="fr-FR" dirty="0" smtClean="0"/>
+          </a:p>
+          <a:p>
+            <a:pPr marL="342900" lvl="1" indent="-342900"/>
+            <a:endParaRPr lang="fr-FR" dirty="0"/>
+          </a:p>
+          <a:p>
+            <a:pPr marL="342900" lvl="1" indent="-342900"/>
+            <a:endParaRPr lang="fr-FR" dirty="0" smtClean="0"/>
+          </a:p>
+          <a:p>
+            <a:pPr marL="342900" lvl="1" indent="-342900"/>
+            <a:r>
+              <a:rPr lang="fr-FR" dirty="0" smtClean="0"/>
+              <a:t>Dans ce cas-ci, le serveur node.js doit être lancé </a:t>
+            </a:r>
+            <a:r>
+              <a:rPr lang="fr-FR" dirty="0"/>
+              <a:t>par un système externe capable </a:t>
+            </a:r>
+            <a:r>
+              <a:rPr lang="fr-FR" dirty="0" smtClean="0"/>
+              <a:t>de débugger node.js (ex : </a:t>
+            </a:r>
+            <a:r>
+              <a:rPr lang="fr-FR" dirty="0" err="1" smtClean="0"/>
+              <a:t>Nodeclipse</a:t>
+            </a:r>
+            <a:r>
+              <a:rPr lang="fr-FR" dirty="0" smtClean="0"/>
+              <a:t>).</a:t>
+            </a:r>
+            <a:endParaRPr lang="fr-FR" dirty="0" smtClean="0"/>
+          </a:p>
+          <a:p>
+            <a:pPr marL="342900" lvl="1" indent="-342900"/>
+            <a:endParaRPr lang="fr-FR" dirty="0" smtClean="0"/>
+          </a:p>
+          <a:p>
+            <a:pPr marL="342900" lvl="1" indent="-342900"/>
+            <a:endParaRPr lang="fr-FR" dirty="0" smtClean="0"/>
+          </a:p>
+          <a:p>
+            <a:pPr marL="342900" lvl="1" indent="-342900"/>
+            <a:endParaRPr lang="fr-FR" dirty="0" smtClean="0"/>
+          </a:p>
+        </p:txBody>
+      </p:sp>
+      <p:pic>
+        <p:nvPicPr>
+          <p:cNvPr id="14338" name="Picture 2"/>
+          <p:cNvPicPr>
+            <a:picLocks noChangeAspect="1" noChangeArrowheads="1"/>
+          </p:cNvPicPr>
+          <p:nvPr/>
+        </p:nvPicPr>
+        <p:blipFill>
+          <a:blip r:embed="rId2">
+            <a:extLst>
+              <a:ext uri="{28A0092B-C50C-407E-A947-70E740481C1C}">
+                <a14:useLocalDpi xmlns:a14="http://schemas.microsoft.com/office/drawing/2010/main" val="0"/>
+              </a:ext>
+            </a:extLst>
+          </a:blip>
+          <a:srcRect/>
+          <a:stretch>
+            <a:fillRect/>
+          </a:stretch>
+        </p:blipFill>
+        <p:spPr bwMode="auto">
+          <a:xfrm>
+            <a:off x="1763688" y="3284984"/>
+            <a:ext cx="4514850" cy="1495425"/>
+          </a:xfrm>
+          <a:prstGeom prst="rect">
+            <a:avLst/>
+          </a:prstGeom>
+          <a:noFill/>
+          <a:ln>
+            <a:noFill/>
+          </a:ln>
+          <a:extLst>
+            <a:ext uri="{909E8E84-426E-40DD-AFC4-6F175D3DCCD1}">
+              <a14:hiddenFill xmlns:a14="http://schemas.microsoft.com/office/drawing/2010/main">
+                <a:solidFill>
+                  <a:schemeClr val="accent1"/>
+                </a:solidFill>
+              </a14:hiddenFill>
+            </a:ext>
+            <a:ext uri="{91240B29-F687-4F45-9708-019B960494DF}">
+              <a14:hiddenLine xmlns:a14="http://schemas.microsoft.com/office/drawing/2010/main" w="9525">
+                <a:solidFill>
+                  <a:schemeClr val="tx1"/>
+                </a:solidFill>
+                <a:miter lim="800000"/>
+                <a:headEnd/>
+                <a:tailEnd/>
+              </a14:hiddenLine>
+            </a:ext>
+          </a:extLst>
+        </p:spPr>
+      </p:pic>
     </p:spTree>
     <p:extLst>
       <p:ext uri="{BB962C8B-B14F-4D97-AF65-F5344CB8AC3E}">
-        <p14:creationId xmlns:p14="http://schemas.microsoft.com/office/powerpoint/2010/main" val="1158840641"/>
+        <p14:creationId xmlns:p14="http://schemas.microsoft.com/office/powerpoint/2010/main" val="2463886766"/>
       </p:ext>
     </p:extLst>
   </p:cSld>
@@ -7111,11 +8052,11 @@
           <a:p>
             <a:r>
               <a:rPr lang="fr-FR" dirty="0" smtClean="0"/>
-              <a:t>Il fournit la </a:t>
-            </a:r>
-            <a:r>
-              <a:rPr lang="fr-FR" dirty="0" err="1" smtClean="0"/>
-              <a:t>completion</a:t>
+              <a:t>Il fournit la complétion, </a:t>
+            </a:r>
+            <a:r>
+              <a:rPr lang="fr-FR" dirty="0" err="1" smtClean="0"/>
+              <a:t>hyperlink</a:t>
             </a:r>
             <a:r>
               <a:rPr lang="fr-FR" dirty="0" smtClean="0"/>
@@ -7123,14 +8064,6 @@
             </a:r>
             <a:r>
               <a:rPr lang="fr-FR" dirty="0" err="1" smtClean="0"/>
-              <a:t>hyperlink</a:t>
-            </a:r>
-            <a:r>
-              <a:rPr lang="fr-FR" dirty="0" smtClean="0"/>
-              <a:t>, </a:t>
-            </a:r>
-            <a:r>
-              <a:rPr lang="fr-FR" dirty="0" err="1" smtClean="0"/>
               <a:t>hover</a:t>
             </a:r>
             <a:r>
@@ -7143,7 +8076,7 @@
             </a:r>
             <a:r>
               <a:rPr lang="fr-FR" dirty="0" smtClean="0"/>
-              <a:t> pour :</a:t>
+              <a:t> dans:</a:t>
             </a:r>
           </a:p>
           <a:p>
@@ -7398,97 +8331,6 @@
 </file>
 
 <file path=ppt/slides/slide30.xml><?xml version="1.0" encoding="utf-8"?>
-<p:sld xmlns:a="http://schemas.openxmlformats.org/drawingml/2006/main" xmlns:r="http://schemas.openxmlformats.org/officeDocument/2006/relationships" xmlns:p="http://schemas.openxmlformats.org/presentationml/2006/main">
-  <p:cSld>
-    <p:spTree>
-      <p:nvGrpSpPr>
-        <p:cNvPr id="1" name=""/>
-        <p:cNvGrpSpPr/>
-        <p:nvPr/>
-      </p:nvGrpSpPr>
-      <p:grpSpPr>
-        <a:xfrm>
-          <a:off x="0" y="0"/>
-          <a:ext cx="0" cy="0"/>
-          <a:chOff x="0" y="0"/>
-          <a:chExt cx="0" cy="0"/>
-        </a:xfrm>
-      </p:grpSpPr>
-      <p:sp>
-        <p:nvSpPr>
-          <p:cNvPr id="2" name="Titre 1"/>
-          <p:cNvSpPr>
-            <a:spLocks noGrp="1"/>
-          </p:cNvSpPr>
-          <p:nvPr>
-            <p:ph type="title"/>
-          </p:nvPr>
-        </p:nvSpPr>
-        <p:spPr/>
-        <p:txBody>
-          <a:bodyPr/>
-          <a:lstStyle/>
-          <a:p>
-            <a:r>
-              <a:rPr lang="fr-FR" dirty="0" smtClean="0"/>
-              <a:t>Tern.java - TODOS</a:t>
-            </a:r>
-            <a:endParaRPr lang="fr-FR" dirty="0"/>
-          </a:p>
-        </p:txBody>
-      </p:sp>
-      <p:sp>
-        <p:nvSpPr>
-          <p:cNvPr id="3" name="Espace réservé du contenu 2"/>
-          <p:cNvSpPr>
-            <a:spLocks noGrp="1"/>
-          </p:cNvSpPr>
-          <p:nvPr>
-            <p:ph sz="quarter" idx="13"/>
-          </p:nvPr>
-        </p:nvSpPr>
-        <p:spPr/>
-        <p:txBody>
-          <a:bodyPr/>
-          <a:lstStyle/>
-          <a:p>
-            <a:r>
-              <a:rPr lang="fr-FR" dirty="0" err="1" smtClean="0"/>
-              <a:t>Refactoring</a:t>
-            </a:r>
-            <a:endParaRPr lang="fr-FR" dirty="0" smtClean="0"/>
-          </a:p>
-          <a:p>
-            <a:r>
-              <a:rPr lang="fr-FR" dirty="0" err="1" smtClean="0"/>
-              <a:t>Search</a:t>
-            </a:r>
-            <a:r>
-              <a:rPr lang="fr-FR" dirty="0" smtClean="0"/>
-              <a:t> </a:t>
-            </a:r>
-            <a:r>
-              <a:rPr lang="fr-FR" dirty="0" err="1" smtClean="0"/>
-              <a:t>references</a:t>
-            </a:r>
-            <a:endParaRPr lang="fr-FR" dirty="0"/>
-          </a:p>
-        </p:txBody>
-      </p:sp>
-    </p:spTree>
-    <p:extLst>
-      <p:ext uri="{BB962C8B-B14F-4D97-AF65-F5344CB8AC3E}">
-        <p14:creationId xmlns:p14="http://schemas.microsoft.com/office/powerpoint/2010/main" val="4273097244"/>
-      </p:ext>
-    </p:extLst>
-  </p:cSld>
-  <p:clrMapOvr>
-    <a:masterClrMapping/>
-  </p:clrMapOvr>
-</p:sld>
-</file>
-
-<file path=ppt/slides/slide31.xml><?xml version="1.0" encoding="utf-8"?>
 <p:sld xmlns:a="http://schemas.openxmlformats.org/drawingml/2006/main" xmlns:r="http://schemas.openxmlformats.org/officeDocument/2006/relationships" xmlns:p="http://schemas.openxmlformats.org/presentationml/2006/main">
   <p:cSld>
     <p:spTree>
@@ -7748,6 +8590,169 @@
     <p:extLst>
       <p:ext uri="{BB962C8B-B14F-4D97-AF65-F5344CB8AC3E}">
         <p14:creationId xmlns:p14="http://schemas.microsoft.com/office/powerpoint/2010/main" val="1436139672"/>
+      </p:ext>
+    </p:extLst>
+  </p:cSld>
+  <p:clrMapOvr>
+    <a:masterClrMapping/>
+  </p:clrMapOvr>
+</p:sld>
+</file>
+
+<file path=ppt/slides/slide31.xml><?xml version="1.0" encoding="utf-8"?>
+<p:sld xmlns:a="http://schemas.openxmlformats.org/drawingml/2006/main" xmlns:r="http://schemas.openxmlformats.org/officeDocument/2006/relationships" xmlns:p="http://schemas.openxmlformats.org/presentationml/2006/main">
+  <p:cSld>
+    <p:spTree>
+      <p:nvGrpSpPr>
+        <p:cNvPr id="1" name=""/>
+        <p:cNvGrpSpPr/>
+        <p:nvPr/>
+      </p:nvGrpSpPr>
+      <p:grpSpPr>
+        <a:xfrm>
+          <a:off x="0" y="0"/>
+          <a:ext cx="0" cy="0"/>
+          <a:chOff x="0" y="0"/>
+          <a:chExt cx="0" cy="0"/>
+        </a:xfrm>
+      </p:grpSpPr>
+      <p:sp>
+        <p:nvSpPr>
+          <p:cNvPr id="2" name="Titre 1"/>
+          <p:cNvSpPr>
+            <a:spLocks noGrp="1"/>
+          </p:cNvSpPr>
+          <p:nvPr>
+            <p:ph type="title"/>
+          </p:nvPr>
+        </p:nvSpPr>
+        <p:spPr/>
+        <p:txBody>
+          <a:bodyPr/>
+          <a:lstStyle/>
+          <a:p>
+            <a:r>
+              <a:rPr lang="fr-FR" dirty="0" smtClean="0"/>
+              <a:t>Tern.java - TODOS</a:t>
+            </a:r>
+            <a:endParaRPr lang="fr-FR" dirty="0"/>
+          </a:p>
+        </p:txBody>
+      </p:sp>
+      <p:sp>
+        <p:nvSpPr>
+          <p:cNvPr id="3" name="Espace réservé du contenu 2"/>
+          <p:cNvSpPr>
+            <a:spLocks noGrp="1"/>
+          </p:cNvSpPr>
+          <p:nvPr>
+            <p:ph sz="quarter" idx="13"/>
+          </p:nvPr>
+        </p:nvSpPr>
+        <p:spPr/>
+        <p:txBody>
+          <a:bodyPr/>
+          <a:lstStyle/>
+          <a:p>
+            <a:r>
+              <a:rPr lang="fr-FR" dirty="0" err="1" smtClean="0"/>
+              <a:t>Refactoring</a:t>
+            </a:r>
+            <a:endParaRPr lang="fr-FR" dirty="0" smtClean="0"/>
+          </a:p>
+          <a:p>
+            <a:r>
+              <a:rPr lang="fr-FR" dirty="0" err="1" smtClean="0"/>
+              <a:t>Search</a:t>
+            </a:r>
+            <a:r>
+              <a:rPr lang="fr-FR" dirty="0" smtClean="0"/>
+              <a:t> </a:t>
+            </a:r>
+            <a:r>
+              <a:rPr lang="fr-FR" dirty="0" err="1" smtClean="0"/>
+              <a:t>references</a:t>
+            </a:r>
+            <a:endParaRPr lang="fr-FR" dirty="0" smtClean="0"/>
+          </a:p>
+          <a:p>
+            <a:r>
+              <a:rPr lang="fr-FR" dirty="0" err="1" smtClean="0"/>
+              <a:t>Ameliorer</a:t>
+            </a:r>
+            <a:r>
+              <a:rPr lang="fr-FR" dirty="0" smtClean="0"/>
+              <a:t> les </a:t>
+            </a:r>
+            <a:r>
+              <a:rPr lang="fr-FR" dirty="0" err="1" smtClean="0"/>
+              <a:t>plugisn</a:t>
+            </a:r>
+            <a:r>
+              <a:rPr lang="fr-FR" dirty="0" smtClean="0"/>
+              <a:t> </a:t>
+            </a:r>
+            <a:r>
+              <a:rPr lang="fr-FR" dirty="0" err="1" smtClean="0"/>
+              <a:t>terns</a:t>
+            </a:r>
+            <a:endParaRPr lang="fr-FR" dirty="0" smtClean="0"/>
+          </a:p>
+          <a:p>
+            <a:r>
+              <a:rPr lang="fr-FR" dirty="0" smtClean="0"/>
+              <a:t>Améliorer tern.js pour : </a:t>
+            </a:r>
+          </a:p>
+          <a:p>
+            <a:pPr lvl="1"/>
+            <a:r>
+              <a:rPr lang="fr-FR" dirty="0" smtClean="0"/>
+              <a:t>Gérer la </a:t>
+            </a:r>
+            <a:r>
+              <a:rPr lang="fr-FR" dirty="0" err="1" smtClean="0"/>
+              <a:t>compléetion</a:t>
+            </a:r>
+            <a:r>
+              <a:rPr lang="fr-FR" dirty="0" smtClean="0"/>
+              <a:t>, </a:t>
+            </a:r>
+            <a:r>
+              <a:rPr lang="fr-FR" dirty="0" err="1" smtClean="0"/>
+              <a:t>hyperlink</a:t>
+            </a:r>
+            <a:r>
+              <a:rPr lang="fr-FR" dirty="0" smtClean="0"/>
+              <a:t>, </a:t>
+            </a:r>
+            <a:r>
+              <a:rPr lang="fr-FR" dirty="0" err="1" smtClean="0"/>
+              <a:t>hover</a:t>
+            </a:r>
+            <a:r>
+              <a:rPr lang="fr-FR" dirty="0" smtClean="0"/>
+              <a:t>, validation dans les string</a:t>
+            </a:r>
+          </a:p>
+          <a:p>
+            <a:pPr lvl="1"/>
+            <a:r>
+              <a:rPr lang="fr-FR" dirty="0" smtClean="0"/>
+              <a:t>Gérer les objets </a:t>
+            </a:r>
+            <a:r>
+              <a:rPr lang="fr-FR" smtClean="0"/>
+              <a:t>literaux</a:t>
+            </a:r>
+            <a:endParaRPr lang="fr-FR" dirty="0"/>
+          </a:p>
+        </p:txBody>
+      </p:sp>
+    </p:spTree>
+    <p:extLst>
+      <p:ext uri="{BB962C8B-B14F-4D97-AF65-F5344CB8AC3E}">
+        <p14:creationId xmlns:p14="http://schemas.microsoft.com/office/powerpoint/2010/main" val="4273097244"/>
       </p:ext>
     </p:extLst>
   </p:cSld>
@@ -8843,13 +9848,37 @@
             </a:r>
             <a:r>
               <a:rPr lang="fr-FR" dirty="0" smtClean="0"/>
-              <a:t> officiel: ecma5, browser, </a:t>
-            </a:r>
-            <a:r>
-              <a:rPr lang="fr-FR" dirty="0" err="1" smtClean="0"/>
+              <a:t> officiel: </a:t>
+            </a:r>
+            <a:r>
+              <a:rPr lang="fr-FR" b="1" dirty="0" smtClean="0"/>
+              <a:t>ecma5</a:t>
+            </a:r>
+            <a:r>
+              <a:rPr lang="fr-FR" dirty="0" smtClean="0"/>
+              <a:t>, </a:t>
+            </a:r>
+            <a:r>
+              <a:rPr lang="fr-FR" b="1" dirty="0" smtClean="0"/>
+              <a:t>browser</a:t>
+            </a:r>
+            <a:r>
+              <a:rPr lang="fr-FR" dirty="0" smtClean="0"/>
+              <a:t>, </a:t>
+            </a:r>
+            <a:r>
+              <a:rPr lang="fr-FR" b="1" dirty="0" err="1" smtClean="0"/>
               <a:t>jquery</a:t>
             </a:r>
-            <a:endParaRPr lang="fr-FR" dirty="0" smtClean="0"/>
+            <a:r>
+              <a:rPr lang="fr-FR" dirty="0" smtClean="0"/>
+              <a:t>, </a:t>
+            </a:r>
+            <a:r>
+              <a:rPr lang="fr-FR" b="1" dirty="0" err="1"/>
+              <a:t>underscore</a:t>
+            </a:r>
+            <a:endParaRPr lang="fr-FR" b="1" dirty="0" smtClean="0"/>
           </a:p>
           <a:p>
             <a:pPr lvl="1"/>
@@ -8900,7 +9929,7 @@
               <a:t>plugins officiels : </a:t>
             </a:r>
             <a:r>
-              <a:rPr lang="fr-FR" dirty="0" err="1" smtClean="0"/>
+              <a:rPr lang="fr-FR" b="1" dirty="0" err="1" smtClean="0"/>
               <a:t>angularjs</a:t>
             </a:r>
             <a:r>
@@ -8908,7 +9937,7 @@
               <a:t>, </a:t>
             </a:r>
             <a:r>
-              <a:rPr lang="fr-FR" dirty="0" err="1" smtClean="0"/>
+              <a:rPr lang="fr-FR" b="1" dirty="0" err="1" smtClean="0"/>
               <a:t>node</a:t>
             </a:r>
             <a:r>
@@ -8916,10 +9945,10 @@
               <a:t>, </a:t>
             </a:r>
             <a:r>
-              <a:rPr lang="fr-FR" dirty="0" err="1" smtClean="0"/>
+              <a:rPr lang="fr-FR" b="1" dirty="0" err="1" smtClean="0"/>
               <a:t>requirejs</a:t>
             </a:r>
-            <a:endParaRPr lang="fr-FR" dirty="0" smtClean="0"/>
+            <a:endParaRPr lang="fr-FR" b="1" dirty="0" smtClean="0"/>
           </a:p>
           <a:p>
             <a:pPr lvl="2"/>
@@ -8932,7 +9961,7 @@
               <a:t>lugins non officiels : </a:t>
             </a:r>
             <a:r>
-              <a:rPr lang="fr-FR" dirty="0" err="1" smtClean="0"/>
+              <a:rPr lang="fr-FR" b="1" dirty="0" err="1" smtClean="0"/>
               <a:t>AlloyUI</a:t>
             </a:r>
             <a:r>
@@ -8940,7 +9969,7 @@
               <a:t>, </a:t>
             </a:r>
             <a:r>
-              <a:rPr lang="fr-FR" dirty="0" err="1" smtClean="0"/>
+              <a:rPr lang="fr-FR" b="1" dirty="0" err="1" smtClean="0"/>
               <a:t>CKEditor</a:t>
             </a:r>
             <a:r>
@@ -8948,7 +9977,7 @@
               <a:t>, </a:t>
             </a:r>
             <a:r>
-              <a:rPr lang="fr-FR" dirty="0" err="1" smtClean="0"/>
+              <a:rPr lang="fr-FR" b="1" dirty="0" err="1" smtClean="0"/>
               <a:t>Closure</a:t>
             </a:r>
             <a:r>
@@ -8956,7 +9985,7 @@
               <a:t>, </a:t>
             </a:r>
             <a:r>
-              <a:rPr lang="fr-FR" dirty="0" err="1" smtClean="0"/>
+              <a:rPr lang="fr-FR" b="1" dirty="0" err="1" smtClean="0"/>
               <a:t>CordovaJS</a:t>
             </a:r>
             <a:r>
@@ -8964,48 +9993,8 @@
               <a:t>, </a:t>
             </a:r>
             <a:r>
-              <a:rPr lang="fr-FR" dirty="0"/>
-              <a:t>Dojo </a:t>
-            </a:r>
-            <a:r>
-              <a:rPr lang="fr-FR" dirty="0" smtClean="0"/>
-              <a:t>, </a:t>
-            </a:r>
-            <a:r>
-              <a:rPr lang="fr-FR" dirty="0" err="1" smtClean="0"/>
-              <a:t>ExtJS</a:t>
-            </a:r>
-            <a:r>
-              <a:rPr lang="fr-FR" dirty="0" smtClean="0"/>
-              <a:t>, Google </a:t>
-            </a:r>
-            <a:r>
-              <a:rPr lang="fr-FR" dirty="0" err="1" smtClean="0"/>
-              <a:t>Maps</a:t>
-            </a:r>
-            <a:r>
-              <a:rPr lang="fr-FR" dirty="0" smtClean="0"/>
-              <a:t>, </a:t>
-            </a:r>
-            <a:r>
-              <a:rPr lang="fr-FR" dirty="0" err="1" smtClean="0"/>
-              <a:t>Liferay</a:t>
-            </a:r>
-            <a:r>
-              <a:rPr lang="fr-FR" dirty="0" smtClean="0"/>
-              <a:t>, </a:t>
-            </a:r>
-            <a:r>
-              <a:rPr lang="fr-FR" dirty="0" err="1" smtClean="0"/>
-              <a:t>Meteor</a:t>
-            </a:r>
-            <a:r>
-              <a:rPr lang="fr-FR" dirty="0" smtClean="0"/>
-              <a:t>, </a:t>
-            </a:r>
-            <a:r>
-              <a:rPr lang="fr-FR" dirty="0" err="1"/>
-              <a:t>Qooxdoo</a:t>
+              <a:rPr lang="fr-FR" b="1" dirty="0"/>
+              <a:t>Dojo</a:t>
             </a:r>
             <a:r>
               <a:rPr lang="fr-FR" dirty="0"/>
@@ -9013,7 +10002,63 @@
             </a:r>
             <a:r>
               <a:rPr lang="fr-FR" dirty="0" smtClean="0"/>
-              <a:t>, YUI Library.</a:t>
+              <a:t>, </a:t>
+            </a:r>
+            <a:r>
+              <a:rPr lang="fr-FR" b="1" dirty="0" err="1" smtClean="0"/>
+              <a:t>ExtJS</a:t>
+            </a:r>
+            <a:r>
+              <a:rPr lang="fr-FR" dirty="0" smtClean="0"/>
+              <a:t>, </a:t>
+            </a:r>
+            <a:r>
+              <a:rPr lang="fr-FR" b="1" dirty="0" smtClean="0"/>
+              <a:t>Google </a:t>
+            </a:r>
+            <a:r>
+              <a:rPr lang="fr-FR" b="1" dirty="0" err="1" smtClean="0"/>
+              <a:t>Maps</a:t>
+            </a:r>
+            <a:r>
+              <a:rPr lang="fr-FR" dirty="0" smtClean="0"/>
+              <a:t>, </a:t>
+            </a:r>
+            <a:r>
+              <a:rPr lang="fr-FR" b="1" dirty="0" err="1" smtClean="0"/>
+              <a:t>Liferay</a:t>
+            </a:r>
+            <a:r>
+              <a:rPr lang="fr-FR" dirty="0" smtClean="0"/>
+              <a:t>, </a:t>
+            </a:r>
+            <a:r>
+              <a:rPr lang="fr-FR" b="1" dirty="0" err="1" smtClean="0"/>
+              <a:t>Meteor</a:t>
+            </a:r>
+            <a:r>
+              <a:rPr lang="fr-FR" dirty="0" smtClean="0"/>
+              <a:t>, </a:t>
+            </a:r>
+            <a:r>
+              <a:rPr lang="fr-FR" b="1" dirty="0" err="1"/>
+              <a:t>Qooxdoo</a:t>
+            </a:r>
+            <a:r>
+              <a:rPr lang="fr-FR" dirty="0"/>
+              <a:t> </a:t>
+            </a:r>
+            <a:r>
+              <a:rPr lang="fr-FR" dirty="0" smtClean="0"/>
+              <a:t>, </a:t>
+            </a:r>
+            <a:r>
+              <a:rPr lang="fr-FR" b="1" dirty="0" smtClean="0"/>
+              <a:t>YUI Library</a:t>
+            </a:r>
+            <a:r>
+              <a:rPr lang="fr-FR" dirty="0" smtClean="0"/>
+              <a:t>.</a:t>
             </a:r>
             <a:endParaRPr lang="fr-FR" dirty="0" smtClean="0"/>
           </a:p>

--- a/docs/tern.java_fr.pptx
+++ b/docs/tern.java_fr.pptx
@@ -12,33 +12,33 @@
     <p:sldId id="289" r:id="rId3"/>
     <p:sldId id="259" r:id="rId4"/>
     <p:sldId id="291" r:id="rId5"/>
-    <p:sldId id="290" r:id="rId6"/>
-    <p:sldId id="260" r:id="rId7"/>
-    <p:sldId id="261" r:id="rId8"/>
-    <p:sldId id="262" r:id="rId9"/>
-    <p:sldId id="263" r:id="rId10"/>
-    <p:sldId id="264" r:id="rId11"/>
-    <p:sldId id="265" r:id="rId12"/>
-    <p:sldId id="266" r:id="rId13"/>
-    <p:sldId id="267" r:id="rId14"/>
-    <p:sldId id="268" r:id="rId15"/>
-    <p:sldId id="269" r:id="rId16"/>
-    <p:sldId id="270" r:id="rId17"/>
-    <p:sldId id="271" r:id="rId18"/>
-    <p:sldId id="272" r:id="rId19"/>
-    <p:sldId id="273" r:id="rId20"/>
-    <p:sldId id="274" r:id="rId21"/>
-    <p:sldId id="275" r:id="rId22"/>
-    <p:sldId id="276" r:id="rId23"/>
-    <p:sldId id="277" r:id="rId24"/>
-    <p:sldId id="278" r:id="rId25"/>
-    <p:sldId id="279" r:id="rId26"/>
-    <p:sldId id="280" r:id="rId27"/>
-    <p:sldId id="281" r:id="rId28"/>
-    <p:sldId id="282" r:id="rId29"/>
-    <p:sldId id="283" r:id="rId30"/>
-    <p:sldId id="284" r:id="rId31"/>
-    <p:sldId id="285" r:id="rId32"/>
+    <p:sldId id="263" r:id="rId6"/>
+    <p:sldId id="264" r:id="rId7"/>
+    <p:sldId id="265" r:id="rId8"/>
+    <p:sldId id="293" r:id="rId9"/>
+    <p:sldId id="266" r:id="rId10"/>
+    <p:sldId id="267" r:id="rId11"/>
+    <p:sldId id="294" r:id="rId12"/>
+    <p:sldId id="292" r:id="rId13"/>
+    <p:sldId id="268" r:id="rId14"/>
+    <p:sldId id="269" r:id="rId15"/>
+    <p:sldId id="270" r:id="rId16"/>
+    <p:sldId id="271" r:id="rId17"/>
+    <p:sldId id="272" r:id="rId18"/>
+    <p:sldId id="273" r:id="rId19"/>
+    <p:sldId id="274" r:id="rId20"/>
+    <p:sldId id="275" r:id="rId21"/>
+    <p:sldId id="276" r:id="rId22"/>
+    <p:sldId id="277" r:id="rId23"/>
+    <p:sldId id="278" r:id="rId24"/>
+    <p:sldId id="279" r:id="rId25"/>
+    <p:sldId id="280" r:id="rId26"/>
+    <p:sldId id="281" r:id="rId27"/>
+    <p:sldId id="282" r:id="rId28"/>
+    <p:sldId id="283" r:id="rId29"/>
+    <p:sldId id="284" r:id="rId30"/>
+    <p:sldId id="285" r:id="rId31"/>
+    <p:sldId id="296" r:id="rId32"/>
     <p:sldId id="286" r:id="rId33"/>
     <p:sldId id="287" r:id="rId34"/>
     <p:sldId id="288" r:id="rId35"/>
@@ -15723,7 +15723,33 @@
                   <a:schemeClr val="tx1"/>
                 </a:solidFill>
               </a:rPr>
-              <a:t>Utilisation du moteur d’inférence tern.js dans un contexte </a:t>
+              <a:t>Utilisation du moteur d’inférence </a:t>
+            </a:r>
+            <a:r>
+              <a:rPr lang="fr-FR" b="1" dirty="0" smtClean="0">
+                <a:solidFill>
+                  <a:schemeClr val="tx1"/>
+                </a:solidFill>
+              </a:rPr>
+              <a:t>JavaScript tern.js </a:t>
+            </a:r>
+          </a:p>
+          <a:p>
+            <a:r>
+              <a:rPr lang="fr-FR" b="1" dirty="0" smtClean="0">
+                <a:solidFill>
+                  <a:schemeClr val="tx1"/>
+                </a:solidFill>
+              </a:rPr>
+              <a:t>dans </a:t>
+            </a:r>
+            <a:r>
+              <a:rPr lang="fr-FR" b="1" dirty="0" smtClean="0">
+                <a:solidFill>
+                  <a:schemeClr val="tx1"/>
+                </a:solidFill>
+              </a:rPr>
+              <a:t>un contexte </a:t>
             </a:r>
             <a:r>
               <a:rPr lang="fr-FR" b="1" dirty="0" smtClean="0">
@@ -15733,13 +15759,6 @@
               </a:rPr>
               <a:t>Java (Eclipse)</a:t>
             </a:r>
-            <a:endParaRPr lang="fr-FR" b="1" dirty="0" smtClean="0">
-              <a:solidFill>
-                <a:schemeClr val="tx1"/>
-              </a:solidFill>
-            </a:endParaRPr>
-          </a:p>
-          <a:p>
             <a:endParaRPr lang="fr-FR" dirty="0">
               <a:solidFill>
                 <a:schemeClr val="tx1"/>
@@ -15899,116 +15918,211 @@
         </p:nvSpPr>
         <p:spPr/>
         <p:txBody>
+          <a:bodyPr/>
+          <a:lstStyle/>
+          <a:p>
+            <a:r>
+              <a:rPr lang="fr-FR" dirty="0" smtClean="0"/>
+              <a:t>Tern.java, c’est quoi?</a:t>
+            </a:r>
+            <a:endParaRPr lang="fr-FR" dirty="0"/>
+          </a:p>
+        </p:txBody>
+      </p:sp>
+      <p:sp>
+        <p:nvSpPr>
+          <p:cNvPr id="3" name="Espace réservé du contenu 2"/>
+          <p:cNvSpPr>
+            <a:spLocks noGrp="1"/>
+          </p:cNvSpPr>
+          <p:nvPr>
+            <p:ph sz="half" idx="1"/>
+          </p:nvPr>
+        </p:nvSpPr>
+        <p:spPr>
+          <a:xfrm>
+            <a:off x="251520" y="843558"/>
+            <a:ext cx="4536504" cy="3750667"/>
+          </a:xfrm>
+        </p:spPr>
+        <p:txBody>
           <a:bodyPr>
             <a:normAutofit/>
           </a:bodyPr>
           <a:lstStyle/>
           <a:p>
             <a:r>
-              <a:rPr lang="fr-FR" smtClean="0"/>
-              <a:t>Tern.js – Démo (Navigateur Web)</a:t>
-            </a:r>
-            <a:endParaRPr lang="fr-FR" dirty="0"/>
-          </a:p>
-        </p:txBody>
-      </p:sp>
-      <p:sp>
-        <p:nvSpPr>
-          <p:cNvPr id="3" name="Espace réservé du contenu 2"/>
-          <p:cNvSpPr>
-            <a:spLocks noGrp="1"/>
-          </p:cNvSpPr>
-          <p:nvPr>
-            <p:ph sz="half" idx="2"/>
-          </p:nvPr>
-        </p:nvSpPr>
-        <p:spPr/>
-        <p:txBody>
-          <a:bodyPr>
-            <a:normAutofit/>
-          </a:bodyPr>
-          <a:lstStyle/>
-          <a:p>
-            <a:r>
-              <a:rPr lang="fr-FR" dirty="0" err="1" smtClean="0"/>
-              <a:t>Demo</a:t>
-            </a:r>
-            <a:r>
-              <a:rPr lang="fr-FR" dirty="0" smtClean="0"/>
-              <a:t> avec CodeMirror :</a:t>
+              <a:rPr lang="fr-FR" b="1" dirty="0" smtClean="0"/>
+              <a:t>tern.java </a:t>
+            </a:r>
+            <a:r>
+              <a:rPr lang="fr-FR" dirty="0"/>
+              <a:t>est disponible sur </a:t>
+            </a:r>
+            <a:r>
+              <a:rPr lang="fr-FR" dirty="0">
+                <a:hlinkClick r:id="rId2"/>
+              </a:rPr>
+              <a:t>https://</a:t>
             </a:r>
             <a:r>
               <a:rPr lang="fr-FR" dirty="0" smtClean="0">
                 <a:hlinkClick r:id="rId2"/>
               </a:rPr>
-              <a:t>http://ternjs.net/doc/demo.htm</a:t>
-            </a:r>
-          </a:p>
-          <a:p>
-            <a:endParaRPr lang="fr-FR" dirty="0" smtClean="0"/>
-          </a:p>
-          <a:p>
+              <a:t>github.com/angelozerr/tern.java</a:t>
+            </a:r>
+            <a:endParaRPr lang="fr-FR" b="1" dirty="0" smtClean="0"/>
+          </a:p>
+          <a:p>
+            <a:r>
+              <a:rPr lang="fr-FR" b="1" dirty="0" smtClean="0"/>
+              <a:t>tern.java</a:t>
+            </a:r>
+            <a:r>
+              <a:rPr lang="fr-FR" dirty="0" smtClean="0"/>
+              <a:t> fournit un moteur d’inférence JavaScript dans un contexte Java.</a:t>
+            </a:r>
+          </a:p>
+          <a:p>
+            <a:r>
+              <a:rPr lang="fr-FR" dirty="0" smtClean="0"/>
+              <a:t>Il exécute </a:t>
+            </a:r>
+            <a:r>
+              <a:rPr lang="fr-FR" b="1" dirty="0" smtClean="0"/>
+              <a:t>tern.js</a:t>
+            </a:r>
+            <a:r>
+              <a:rPr lang="fr-FR" dirty="0" smtClean="0"/>
+              <a:t> dans un contexte Java</a:t>
+            </a:r>
+          </a:p>
+        </p:txBody>
+      </p:sp>
+      <p:sp>
+        <p:nvSpPr>
+          <p:cNvPr id="4" name="Espace réservé du contenu 3"/>
+          <p:cNvSpPr>
+            <a:spLocks noGrp="1"/>
+          </p:cNvSpPr>
+          <p:nvPr>
+            <p:ph sz="half" idx="2"/>
+          </p:nvPr>
+        </p:nvSpPr>
+        <p:spPr/>
+        <p:txBody>
+          <a:bodyPr/>
+          <a:lstStyle/>
+          <a:p>
+            <a:r>
+              <a:rPr lang="fr-FR" dirty="0"/>
+              <a:t>Le projet est découpé en 2 parties :</a:t>
+            </a:r>
+          </a:p>
+          <a:p>
+            <a:pPr lvl="1"/>
+            <a:r>
+              <a:rPr lang="fr-FR" b="1" dirty="0" err="1"/>
+              <a:t>core</a:t>
+            </a:r>
+            <a:r>
+              <a:rPr lang="fr-FR" dirty="0"/>
+              <a:t> : utilisation de tern.js dans un contexte Java</a:t>
+            </a:r>
+          </a:p>
+          <a:p>
+            <a:pPr lvl="1"/>
+            <a:r>
+              <a:rPr lang="fr-FR" b="1" dirty="0" err="1"/>
+              <a:t>eclipse</a:t>
+            </a:r>
+            <a:r>
+              <a:rPr lang="fr-FR" dirty="0"/>
+              <a:t> : utilisation de tern.java (</a:t>
+            </a:r>
+            <a:r>
+              <a:rPr lang="fr-FR" dirty="0" err="1"/>
+              <a:t>core</a:t>
+            </a:r>
+            <a:r>
+              <a:rPr lang="fr-FR" dirty="0"/>
+              <a:t>) dans Eclipse IDE</a:t>
+            </a:r>
+          </a:p>
+          <a:p>
+            <a:pPr marL="342900" lvl="1" indent="-342900"/>
+            <a:r>
+              <a:rPr lang="fr-FR" dirty="0"/>
+              <a:t>tern.java (</a:t>
+            </a:r>
+            <a:r>
+              <a:rPr lang="fr-FR" dirty="0" err="1"/>
+              <a:t>core</a:t>
+            </a:r>
+            <a:r>
+              <a:rPr lang="fr-FR" dirty="0"/>
+              <a:t>) peut être utilisé dans d’autres solutions Java :</a:t>
+            </a:r>
+          </a:p>
+          <a:p>
+            <a:pPr marL="742950" lvl="2" indent="-342900"/>
+            <a:r>
+              <a:rPr lang="fr-FR" dirty="0"/>
+              <a:t>Champs textes simple : SWT Text, Swing </a:t>
+            </a:r>
+            <a:r>
+              <a:rPr lang="fr-FR" dirty="0" err="1"/>
+              <a:t>JTextField</a:t>
+            </a:r>
+            <a:r>
+              <a:rPr lang="fr-FR" dirty="0"/>
+              <a:t>, </a:t>
+            </a:r>
+            <a:r>
+              <a:rPr lang="fr-FR" dirty="0" err="1"/>
+              <a:t>etc</a:t>
+            </a:r>
+            <a:r>
+              <a:rPr lang="fr-FR" dirty="0"/>
+              <a:t> </a:t>
+            </a:r>
+          </a:p>
+          <a:p>
+            <a:pPr marL="742950" lvl="2" indent="-342900"/>
+            <a:r>
+              <a:rPr lang="fr-FR" dirty="0"/>
+              <a:t>Editeur (IDE): </a:t>
+            </a:r>
+            <a:r>
+              <a:rPr lang="fr-FR" dirty="0" err="1"/>
+              <a:t>IntelliJ</a:t>
+            </a:r>
+            <a:r>
+              <a:rPr lang="fr-FR" dirty="0"/>
+              <a:t> IDEA, </a:t>
+            </a:r>
+            <a:r>
+              <a:rPr lang="fr-FR" dirty="0" err="1"/>
+              <a:t>Netbeans</a:t>
+            </a:r>
+            <a:r>
+              <a:rPr lang="fr-FR" dirty="0"/>
+              <a:t>, </a:t>
+            </a:r>
+            <a:r>
+              <a:rPr lang="fr-FR" dirty="0" err="1"/>
+              <a:t>etc</a:t>
+            </a:r>
             <a:endParaRPr lang="fr-FR" dirty="0"/>
           </a:p>
-        </p:txBody>
-      </p:sp>
-      <p:pic>
-        <p:nvPicPr>
-          <p:cNvPr id="4" name="Picture 2"/>
-          <p:cNvPicPr>
-            <a:picLocks noChangeAspect="1" noChangeArrowheads="1"/>
-          </p:cNvPicPr>
-          <p:nvPr/>
-        </p:nvPicPr>
-        <p:blipFill>
-          <a:blip r:embed="rId3">
-            <a:extLst>
-              <a:ext uri="{28A0092B-C50C-407E-A947-70E740481C1C}">
-                <a14:useLocalDpi xmlns:a14="http://schemas.microsoft.com/office/drawing/2010/main" val="0"/>
-              </a:ext>
-            </a:extLst>
-          </a:blip>
-          <a:srcRect/>
-          <a:stretch>
-            <a:fillRect/>
-          </a:stretch>
-        </p:blipFill>
-        <p:spPr bwMode="auto">
-          <a:xfrm>
-            <a:off x="899592" y="1491630"/>
-            <a:ext cx="6704232" cy="2741508"/>
-          </a:xfrm>
-          <a:prstGeom prst="rect">
-            <a:avLst/>
-          </a:prstGeom>
-          <a:noFill/>
-          <a:ln>
-            <a:noFill/>
-          </a:ln>
-          <a:extLst>
-            <a:ext uri="{909E8E84-426E-40DD-AFC4-6F175D3DCCD1}">
-              <a14:hiddenFill xmlns:a14="http://schemas.microsoft.com/office/drawing/2010/main">
-                <a:solidFill>
-                  <a:schemeClr val="accent1"/>
-                </a:solidFill>
-              </a14:hiddenFill>
-            </a:ext>
-            <a:ext uri="{91240B29-F687-4F45-9708-019B960494DF}">
-              <a14:hiddenLine xmlns:a14="http://schemas.microsoft.com/office/drawing/2010/main" w="9525">
-                <a:solidFill>
-                  <a:schemeClr val="tx1"/>
-                </a:solidFill>
-                <a:miter lim="800000"/>
-                <a:headEnd/>
-                <a:tailEnd/>
-              </a14:hiddenLine>
-            </a:ext>
-          </a:extLst>
-        </p:spPr>
-      </p:pic>
-      <p:sp>
-        <p:nvSpPr>
-          <p:cNvPr id="7" name="Espace réservé du numéro de diapositive 6"/>
+          <a:p>
+            <a:endParaRPr lang="fr-FR" dirty="0"/>
+          </a:p>
+        </p:txBody>
+      </p:sp>
+      <p:sp>
+        <p:nvSpPr>
+          <p:cNvPr id="5" name="Espace réservé du numéro de diapositive 4"/>
           <p:cNvSpPr>
             <a:spLocks noGrp="1"/>
           </p:cNvSpPr>
@@ -16032,7 +16146,7 @@
     </p:spTree>
     <p:extLst>
       <p:ext uri="{BB962C8B-B14F-4D97-AF65-F5344CB8AC3E}">
-        <p14:creationId xmlns:p14="http://schemas.microsoft.com/office/powerpoint/2010/main" val="2100421911"/>
+        <p14:creationId xmlns:p14="http://schemas.microsoft.com/office/powerpoint/2010/main" val="3301945135"/>
       </p:ext>
     </p:extLst>
   </p:cSld>
@@ -16051,13 +16165,6 @@
       </p:transition>
     </mc:Fallback>
   </mc:AlternateContent>
-  <p:timing>
-    <p:tnLst>
-      <p:par>
-        <p:cTn id="1" dur="indefinite" restart="never" nodeType="tmRoot"/>
-      </p:par>
-    </p:tnLst>
-  </p:timing>
 </p:sld>
 </file>
 
@@ -16095,7 +16202,11 @@
           <a:p>
             <a:r>
               <a:rPr lang="fr-FR" dirty="0" smtClean="0"/>
-              <a:t>Tern.js &amp; Navigateur Web</a:t>
+              <a:t>Pourquoi tern.java</a:t>
+            </a:r>
+            <a:r>
+              <a:rPr lang="fr-FR" dirty="0"/>
+              <a:t>?</a:t>
             </a:r>
             <a:endParaRPr lang="fr-FR" dirty="0"/>
           </a:p>
@@ -16111,31 +16222,76 @@
             <p:ph sz="half" idx="1"/>
           </p:nvPr>
         </p:nvSpPr>
-        <p:spPr/>
+        <p:spPr>
+          <a:xfrm>
+            <a:off x="251520" y="843558"/>
+            <a:ext cx="4536504" cy="3750667"/>
+          </a:xfrm>
+        </p:spPr>
         <p:txBody>
           <a:bodyPr>
             <a:normAutofit/>
           </a:bodyPr>
           <a:lstStyle/>
           <a:p>
-            <a:r>
-              <a:rPr lang="fr-FR" dirty="0" smtClean="0"/>
-              <a:t>tern.js peut s’exécuter dans un </a:t>
-            </a:r>
+            <a:pPr marL="342900" lvl="1" indent="-342900">
+              <a:buClr>
+                <a:schemeClr val="accent6"/>
+              </a:buClr>
+              <a:buFont typeface="Wingdings" pitchFamily="2" charset="2"/>
+              <a:buChar char="§"/>
+            </a:pPr>
             <a:r>
               <a:rPr lang="fr-FR" b="1" dirty="0" smtClean="0"/>
-              <a:t>navigateur Web</a:t>
-            </a:r>
-          </a:p>
-          <a:p>
-            <a:r>
-              <a:rPr lang="fr-FR" dirty="0" err="1" smtClean="0"/>
-              <a:t>WebIDE</a:t>
-            </a:r>
-            <a:r>
-              <a:rPr lang="fr-FR" dirty="0" smtClean="0"/>
-              <a:t> (Mozilla) se base sur tern.js</a:t>
-            </a:r>
+              <a:t>TODO</a:t>
+            </a:r>
+            <a:endParaRPr lang="fr-FR" dirty="0"/>
+          </a:p>
+          <a:p>
+            <a:endParaRPr lang="fr-FR" dirty="0" smtClean="0">
+              <a:solidFill>
+                <a:srgbClr val="C00000"/>
+              </a:solidFill>
+            </a:endParaRPr>
+          </a:p>
+          <a:p>
+            <a:r>
+              <a:rPr lang="fr-FR" dirty="0" smtClean="0">
+                <a:solidFill>
+                  <a:srgbClr val="C00000"/>
+                </a:solidFill>
+              </a:rPr>
+              <a:t>Pourrait </a:t>
+            </a:r>
+            <a:r>
+              <a:rPr lang="fr-FR" dirty="0">
+                <a:solidFill>
+                  <a:srgbClr val="C00000"/>
+                </a:solidFill>
+              </a:rPr>
+              <a:t>être intégré pour </a:t>
+            </a:r>
+            <a:r>
+              <a:rPr lang="fr-FR" dirty="0" err="1"/>
+              <a:t>Netbeans</a:t>
+            </a:r>
+            <a:r>
+              <a:rPr lang="fr-FR" dirty="0"/>
+              <a:t>, </a:t>
+            </a:r>
+            <a:r>
+              <a:rPr lang="fr-FR" dirty="0" err="1"/>
+              <a:t>IntelliJ</a:t>
+            </a:r>
+            <a:r>
+              <a:rPr lang="fr-FR" dirty="0"/>
+              <a:t> IDEA, Visual Studio .</a:t>
+            </a:r>
+            <a:r>
+              <a:rPr lang="fr-FR" dirty="0" smtClean="0"/>
+              <a:t>NET</a:t>
+            </a:r>
+            <a:endParaRPr lang="fr-FR" dirty="0"/>
           </a:p>
         </p:txBody>
       </p:sp>
@@ -16156,48 +16312,102 @@
           <a:p>
             <a:r>
               <a:rPr lang="fr-FR" dirty="0"/>
-              <a:t>3 éditeurs Web de code écrits en JavaScript supporte tern.js : </a:t>
+              <a:t>Le projet est découpé en 2 parties :</a:t>
             </a:r>
           </a:p>
           <a:p>
             <a:pPr lvl="1"/>
             <a:r>
+              <a:rPr lang="fr-FR" b="1" dirty="0" err="1"/>
+              <a:t>core</a:t>
+            </a:r>
+            <a:r>
               <a:rPr lang="fr-FR" dirty="0"/>
-              <a:t>CodeMirror : </a:t>
-            </a:r>
-            <a:r>
-              <a:rPr lang="fr-FR" dirty="0">
-                <a:hlinkClick r:id="rId2"/>
-              </a:rPr>
-              <a:t>http://codemirror.net/</a:t>
-            </a:r>
-            <a:endParaRPr lang="fr-FR" dirty="0"/>
+              <a:t> : utilisation de tern.js dans un contexte Java</a:t>
+            </a:r>
           </a:p>
           <a:p>
             <a:pPr lvl="1"/>
             <a:r>
+              <a:rPr lang="fr-FR" b="1" dirty="0" err="1"/>
+              <a:t>eclipse</a:t>
+            </a:r>
+            <a:r>
               <a:rPr lang="fr-FR" dirty="0"/>
-              <a:t>ACE (POC): </a:t>
-            </a:r>
-            <a:r>
-              <a:rPr lang="fr-FR" dirty="0">
-                <a:hlinkClick r:id="rId3"/>
-              </a:rPr>
-              <a:t>https://github.com/angelozerr/tern.ace</a:t>
-            </a:r>
-            <a:endParaRPr lang="fr-FR" dirty="0"/>
-          </a:p>
-          <a:p>
-            <a:pPr lvl="1"/>
+              <a:t> : utilisation de tern.java (</a:t>
+            </a:r>
+            <a:r>
+              <a:rPr lang="fr-FR" dirty="0" err="1"/>
+              <a:t>core</a:t>
+            </a:r>
             <a:r>
               <a:rPr lang="fr-FR" dirty="0"/>
-              <a:t>Orion (POC): </a:t>
-            </a:r>
-            <a:r>
-              <a:rPr lang="fr-FR" dirty="0">
-                <a:hlinkClick r:id="rId4"/>
-              </a:rPr>
-              <a:t>https://github.com/angelozerr/tern.orion</a:t>
+              <a:t>) dans Eclipse IDE</a:t>
+            </a:r>
+          </a:p>
+          <a:p>
+            <a:pPr marL="342900" lvl="1" indent="-342900"/>
+            <a:r>
+              <a:rPr lang="fr-FR" dirty="0"/>
+              <a:t>tern.java (</a:t>
+            </a:r>
+            <a:r>
+              <a:rPr lang="fr-FR" dirty="0" err="1"/>
+              <a:t>core</a:t>
+            </a:r>
+            <a:r>
+              <a:rPr lang="fr-FR" dirty="0"/>
+              <a:t>) peut être utilisé dans d’autres solutions Java :</a:t>
+            </a:r>
+          </a:p>
+          <a:p>
+            <a:pPr marL="742950" lvl="2" indent="-342900"/>
+            <a:r>
+              <a:rPr lang="fr-FR" dirty="0"/>
+              <a:t>Champs textes simple : SWT Text, Swing </a:t>
+            </a:r>
+            <a:r>
+              <a:rPr lang="fr-FR" dirty="0" err="1"/>
+              <a:t>JTextField</a:t>
+            </a:r>
+            <a:r>
+              <a:rPr lang="fr-FR" dirty="0"/>
+              <a:t>, </a:t>
+            </a:r>
+            <a:r>
+              <a:rPr lang="fr-FR" dirty="0" err="1"/>
+              <a:t>etc</a:t>
+            </a:r>
+            <a:r>
+              <a:rPr lang="fr-FR" dirty="0"/>
+              <a:t> </a:t>
+            </a:r>
+          </a:p>
+          <a:p>
+            <a:pPr marL="742950" lvl="2" indent="-342900"/>
+            <a:r>
+              <a:rPr lang="fr-FR" dirty="0"/>
+              <a:t>Editeur (IDE): </a:t>
+            </a:r>
+            <a:r>
+              <a:rPr lang="fr-FR" dirty="0" err="1"/>
+              <a:t>IntelliJ</a:t>
+            </a:r>
+            <a:r>
+              <a:rPr lang="fr-FR" dirty="0"/>
+              <a:t> IDEA, </a:t>
+            </a:r>
+            <a:r>
+              <a:rPr lang="fr-FR" dirty="0" err="1"/>
+              <a:t>Netbeans</a:t>
+            </a:r>
+            <a:r>
+              <a:rPr lang="fr-FR" dirty="0"/>
+              <a:t>, </a:t>
+            </a:r>
+            <a:r>
+              <a:rPr lang="fr-FR" dirty="0" err="1"/>
+              <a:t>etc</a:t>
             </a:r>
             <a:endParaRPr lang="fr-FR" dirty="0"/>
           </a:p>
@@ -16232,7 +16442,7 @@
     </p:spTree>
     <p:extLst>
       <p:ext uri="{BB962C8B-B14F-4D97-AF65-F5344CB8AC3E}">
-        <p14:creationId xmlns:p14="http://schemas.microsoft.com/office/powerpoint/2010/main" val="2150146724"/>
+        <p14:creationId xmlns:p14="http://schemas.microsoft.com/office/powerpoint/2010/main" val="56522223"/>
       </p:ext>
     </p:extLst>
   </p:cSld>
@@ -16288,15 +16498,11 @@
           <a:p>
             <a:r>
               <a:rPr lang="fr-FR" dirty="0" smtClean="0"/>
-              <a:t>JSON Type </a:t>
-            </a:r>
-            <a:r>
-              <a:rPr lang="fr-FR" dirty="0" err="1" smtClean="0"/>
-              <a:t>Definitions</a:t>
-            </a:r>
-            <a:r>
-              <a:rPr lang="fr-FR" dirty="0" smtClean="0"/>
-              <a:t> &amp; Plugin</a:t>
+              <a:t>Tern.java, </a:t>
+            </a:r>
+            <a:r>
+              <a:rPr lang="fr-FR" dirty="0" smtClean="0"/>
+              <a:t>qui l’utilise?</a:t>
             </a:r>
             <a:endParaRPr lang="fr-FR" dirty="0"/>
           </a:p>
@@ -16312,7 +16518,12 @@
             <p:ph sz="half" idx="1"/>
           </p:nvPr>
         </p:nvSpPr>
-        <p:spPr/>
+        <p:spPr>
+          <a:xfrm>
+            <a:off x="251520" y="843558"/>
+            <a:ext cx="8640960" cy="3750667"/>
+          </a:xfrm>
+        </p:spPr>
         <p:txBody>
           <a:bodyPr>
             <a:normAutofit/>
@@ -16320,233 +16531,164 @@
           <a:lstStyle/>
           <a:p>
             <a:r>
-              <a:rPr lang="fr-FR" dirty="0" smtClean="0"/>
-              <a:t>Tern se base sur 2 concepts :</a:t>
+              <a:rPr lang="fr-FR" b="1" dirty="0" err="1" smtClean="0"/>
+              <a:t>JBoss</a:t>
+            </a:r>
+            <a:r>
+              <a:rPr lang="fr-FR" b="1" dirty="0" smtClean="0"/>
+              <a:t> Studio </a:t>
+            </a:r>
+            <a:r>
+              <a:rPr lang="fr-FR" dirty="0" smtClean="0"/>
+              <a:t>: </a:t>
             </a:r>
           </a:p>
           <a:p>
             <a:pPr lvl="1"/>
             <a:r>
               <a:rPr lang="fr-FR" dirty="0" smtClean="0"/>
-              <a:t>JSON Type Definition : </a:t>
-            </a:r>
-          </a:p>
-          <a:p>
-            <a:pPr lvl="2"/>
-            <a:r>
-              <a:rPr lang="fr-FR" dirty="0" smtClean="0"/>
-              <a:t>descripteur JSON qui décrit la structure du framework JavaScript.</a:t>
-            </a:r>
-          </a:p>
-          <a:p>
-            <a:pPr lvl="2"/>
-            <a:r>
-              <a:rPr lang="fr-FR" dirty="0" smtClean="0"/>
-              <a:t>écrit en JSON</a:t>
-            </a:r>
-          </a:p>
-          <a:p>
-            <a:pPr lvl="2"/>
-            <a:r>
-              <a:rPr lang="fr-FR" dirty="0" smtClean="0"/>
-              <a:t>JSON Type Definition officiel: </a:t>
+              <a:t>Support </a:t>
+            </a:r>
+            <a:r>
+              <a:rPr lang="fr-FR" dirty="0" err="1" smtClean="0"/>
+              <a:t>Cordova</a:t>
+            </a:r>
+            <a:endParaRPr lang="fr-FR" dirty="0" smtClean="0"/>
+          </a:p>
+          <a:p>
+            <a:pPr lvl="1"/>
+            <a:r>
+              <a:rPr lang="fr-FR" dirty="0" smtClean="0"/>
+              <a:t>Support Angular</a:t>
+            </a:r>
+          </a:p>
+          <a:p>
+            <a:pPr lvl="1"/>
+            <a:r>
+              <a:rPr lang="fr-FR" dirty="0">
+                <a:hlinkClick r:id="rId2"/>
+              </a:rPr>
+              <a:t>http://tools.jboss.org/blog/2014-06-19-beta2-for-luna.html#better-javascript</a:t>
+            </a:r>
+            <a:endParaRPr lang="fr-FR" dirty="0" smtClean="0"/>
+          </a:p>
+          <a:p>
+            <a:r>
+              <a:rPr lang="fr-FR" b="1" dirty="0" err="1" smtClean="0"/>
+              <a:t>Liferay</a:t>
             </a:r>
             <a:r>
               <a:rPr lang="fr-FR" b="1" dirty="0" smtClean="0"/>
-              <a:t>ecma5</a:t>
-            </a:r>
-            <a:r>
-              <a:rPr lang="fr-FR" dirty="0" smtClean="0"/>
-              <a:t>, </a:t>
+              <a:t> IDE 2.2</a:t>
+            </a:r>
+            <a:r>
+              <a:rPr lang="fr-FR" dirty="0" smtClean="0"/>
+              <a:t> : </a:t>
+            </a:r>
+          </a:p>
+          <a:p>
+            <a:pPr lvl="1"/>
+            <a:r>
+              <a:rPr lang="fr-FR" dirty="0" smtClean="0"/>
+              <a:t>support </a:t>
+            </a:r>
+            <a:r>
+              <a:rPr lang="fr-FR" dirty="0"/>
+              <a:t>YUI </a:t>
+            </a:r>
+            <a:r>
+              <a:rPr lang="fr-FR" dirty="0" smtClean="0"/>
+              <a:t>, AUI et </a:t>
+            </a:r>
+            <a:r>
+              <a:rPr lang="fr-FR" dirty="0" err="1" smtClean="0"/>
+              <a:t>Liferay</a:t>
+            </a:r>
+            <a:endParaRPr lang="fr-FR" dirty="0" smtClean="0"/>
+          </a:p>
+          <a:p>
+            <a:pPr lvl="1"/>
+            <a:r>
+              <a:rPr lang="fr-FR" dirty="0">
+                <a:hlinkClick r:id="rId3"/>
+              </a:rPr>
+              <a:t>http://www.liferay.com/fr/web/gregory.amerson/blog/-/blogs/liferay-ide-2-2-release</a:t>
+            </a:r>
+            <a:endParaRPr lang="fr-FR" dirty="0" smtClean="0"/>
+          </a:p>
+          <a:p>
+            <a:r>
+              <a:rPr lang="fr-FR" b="1" dirty="0" err="1" smtClean="0"/>
+              <a:t>Nodeclipse</a:t>
+            </a:r>
+            <a:r>
+              <a:rPr lang="fr-FR" dirty="0" smtClean="0"/>
+              <a:t>:</a:t>
+            </a:r>
+          </a:p>
+          <a:p>
+            <a:pPr lvl="1"/>
+            <a:r>
+              <a:rPr lang="fr-FR" dirty="0" smtClean="0"/>
+              <a:t>Support </a:t>
+            </a:r>
+            <a:r>
+              <a:rPr lang="fr-FR" dirty="0" err="1" smtClean="0"/>
+              <a:t>node</a:t>
+            </a:r>
+            <a:r>
+              <a:rPr lang="fr-FR" dirty="0" smtClean="0"/>
+              <a:t>, express, </a:t>
+            </a:r>
+            <a:r>
+              <a:rPr lang="fr-FR" dirty="0" err="1" smtClean="0"/>
+              <a:t>mongodb</a:t>
+            </a:r>
+            <a:r>
+              <a:rPr lang="fr-FR" dirty="0" smtClean="0"/>
+              <a:t> native, </a:t>
+            </a:r>
+            <a:r>
+              <a:rPr lang="fr-FR" dirty="0" err="1" smtClean="0"/>
+              <a:t>mongoose</a:t>
+            </a:r>
+            <a:r>
+              <a:rPr lang="fr-FR" dirty="0" smtClean="0"/>
+              <a:t>.</a:t>
+            </a:r>
+          </a:p>
+          <a:p>
+            <a:pPr lvl="1"/>
+            <a:r>
+              <a:rPr lang="fr-FR" dirty="0">
+                <a:hlinkClick r:id="rId4"/>
+              </a:rPr>
+              <a:t>http://www.nodeclipse.org/</a:t>
+            </a:r>
+            <a:endParaRPr lang="fr-FR" dirty="0" smtClean="0"/>
+          </a:p>
+          <a:p>
+            <a:r>
+              <a:rPr lang="fr-FR" b="1" dirty="0" err="1" smtClean="0"/>
+              <a:t>MyEclipse</a:t>
             </a:r>
             <a:r>
               <a:rPr lang="fr-FR" b="1" dirty="0" smtClean="0"/>
-              <a:t>browser</a:t>
-            </a:r>
-            <a:r>
-              <a:rPr lang="fr-FR" dirty="0" smtClean="0"/>
-              <a:t>, </a:t>
-            </a:r>
-            <a:r>
-              <a:rPr lang="fr-FR" b="1" dirty="0" err="1" smtClean="0"/>
-              <a:t>jquery</a:t>
-            </a:r>
-            <a:r>
-              <a:rPr lang="fr-FR" dirty="0" smtClean="0"/>
-              <a:t>, </a:t>
-            </a:r>
-            <a:r>
-              <a:rPr lang="fr-FR" b="1" dirty="0" err="1" smtClean="0"/>
-              <a:t>underscore</a:t>
-            </a:r>
-            <a:endParaRPr lang="fr-FR" b="1" dirty="0" smtClean="0"/>
-          </a:p>
-        </p:txBody>
-      </p:sp>
-      <p:sp>
-        <p:nvSpPr>
-          <p:cNvPr id="4" name="Espace réservé du contenu 3"/>
-          <p:cNvSpPr>
-            <a:spLocks noGrp="1"/>
-          </p:cNvSpPr>
-          <p:nvPr>
-            <p:ph sz="half" idx="2"/>
-          </p:nvPr>
-        </p:nvSpPr>
-        <p:spPr/>
-        <p:txBody>
-          <a:bodyPr/>
-          <a:lstStyle/>
+              <a:t>:</a:t>
+            </a:r>
+          </a:p>
           <a:p>
             <a:pPr lvl="1"/>
             <a:r>
-              <a:rPr lang="fr-FR" dirty="0"/>
-              <a:t>Plugin : </a:t>
-            </a:r>
-          </a:p>
-          <a:p>
-            <a:pPr lvl="2"/>
-            <a:r>
-              <a:rPr lang="fr-FR" dirty="0"/>
-              <a:t>utilise un JSON Type Definition et permet de gérer plus finement le comportement d’une fonction, via du code JavaScript.</a:t>
-            </a:r>
-          </a:p>
-          <a:p>
-            <a:pPr lvl="2"/>
-            <a:r>
-              <a:rPr lang="fr-FR" dirty="0"/>
-              <a:t>écrit en JavaScript</a:t>
-            </a:r>
-          </a:p>
-          <a:p>
-            <a:pPr lvl="2"/>
-            <a:r>
-              <a:rPr lang="fr-FR" dirty="0"/>
-              <a:t>plugins officiels : </a:t>
-            </a:r>
-            <a:r>
-              <a:rPr lang="fr-FR" b="1" dirty="0" err="1"/>
-              <a:t>angularjs</a:t>
-            </a:r>
-            <a:r>
-              <a:rPr lang="fr-FR" dirty="0"/>
-              <a:t>, </a:t>
-            </a:r>
-            <a:r>
-              <a:rPr lang="fr-FR" b="1" dirty="0" err="1"/>
-              <a:t>node</a:t>
-            </a:r>
-            <a:r>
-              <a:rPr lang="fr-FR" dirty="0"/>
-              <a:t>, </a:t>
-            </a:r>
-            <a:r>
-              <a:rPr lang="fr-FR" b="1" dirty="0" err="1"/>
-              <a:t>requirejs</a:t>
-            </a:r>
-            <a:endParaRPr lang="fr-FR" b="1" dirty="0"/>
-          </a:p>
-          <a:p>
-            <a:pPr lvl="2"/>
-            <a:r>
-              <a:rPr lang="fr-FR" dirty="0"/>
-              <a:t>plugins non officiels : </a:t>
-            </a:r>
-            <a:r>
-              <a:rPr lang="fr-FR" b="1" dirty="0" err="1"/>
-              <a:t>AlloyUI</a:t>
-            </a:r>
-            <a:r>
-              <a:rPr lang="fr-FR" dirty="0"/>
-              <a:t>, </a:t>
-            </a:r>
-            <a:r>
-              <a:rPr lang="fr-FR" b="1" dirty="0" err="1"/>
-              <a:t>CKEditor</a:t>
-            </a:r>
-            <a:r>
-              <a:rPr lang="fr-FR" dirty="0"/>
-              <a:t>, </a:t>
-            </a:r>
-            <a:r>
-              <a:rPr lang="fr-FR" b="1" dirty="0"/>
-              <a:t>Closure</a:t>
-            </a:r>
-            <a:r>
-              <a:rPr lang="fr-FR" dirty="0"/>
-              <a:t>, </a:t>
-            </a:r>
-            <a:r>
-              <a:rPr lang="fr-FR" b="1" dirty="0" err="1"/>
-              <a:t>CordovaJS</a:t>
-            </a:r>
-            <a:r>
-              <a:rPr lang="fr-FR" dirty="0"/>
-              <a:t>, </a:t>
-            </a:r>
-            <a:r>
-              <a:rPr lang="fr-FR" b="1" dirty="0"/>
-              <a:t>Dojo</a:t>
-            </a:r>
-            <a:r>
-              <a:rPr lang="fr-FR" dirty="0"/>
-              <a:t> , </a:t>
-            </a:r>
-            <a:r>
-              <a:rPr lang="fr-FR" b="1" dirty="0" err="1"/>
-              <a:t>ExtJS</a:t>
-            </a:r>
-            <a:r>
-              <a:rPr lang="fr-FR" dirty="0"/>
-              <a:t>, </a:t>
-            </a:r>
-            <a:r>
-              <a:rPr lang="fr-FR" b="1" dirty="0"/>
-              <a:t>Google </a:t>
-            </a:r>
-            <a:r>
-              <a:rPr lang="fr-FR" b="1" dirty="0" err="1"/>
-              <a:t>Maps</a:t>
-            </a:r>
-            <a:r>
-              <a:rPr lang="fr-FR" dirty="0"/>
-              <a:t>, </a:t>
-            </a:r>
-            <a:r>
-              <a:rPr lang="fr-FR" b="1" dirty="0" err="1"/>
-              <a:t>Liferay</a:t>
-            </a:r>
-            <a:r>
-              <a:rPr lang="fr-FR" dirty="0"/>
-              <a:t>, </a:t>
-            </a:r>
-            <a:r>
-              <a:rPr lang="fr-FR" b="1" dirty="0" err="1"/>
-              <a:t>Meteor</a:t>
-            </a:r>
-            <a:r>
-              <a:rPr lang="fr-FR" dirty="0"/>
-              <a:t>, </a:t>
-            </a:r>
-            <a:r>
-              <a:rPr lang="fr-FR" b="1" dirty="0" err="1"/>
-              <a:t>Qooxdoo</a:t>
-            </a:r>
-            <a:r>
-              <a:rPr lang="fr-FR" dirty="0"/>
-              <a:t> , </a:t>
-            </a:r>
-            <a:r>
-              <a:rPr lang="fr-FR" b="1" dirty="0"/>
-              <a:t>YUI Library</a:t>
-            </a:r>
-            <a:r>
-              <a:rPr lang="fr-FR" dirty="0"/>
-              <a:t>.</a:t>
-            </a:r>
-          </a:p>
-          <a:p>
-            <a:endParaRPr lang="fr-FR" dirty="0"/>
+              <a:rPr lang="fr-FR" dirty="0">
+                <a:hlinkClick r:id="rId5"/>
+              </a:rPr>
+              <a:t>https://www.genuitec.com/tag/tern/</a:t>
+            </a:r>
+            <a:endParaRPr lang="fr-FR" dirty="0" smtClean="0"/>
+          </a:p>
+          <a:p>
+            <a:endParaRPr lang="fr-FR" dirty="0" smtClean="0"/>
           </a:p>
         </p:txBody>
       </p:sp>
@@ -16576,7 +16718,7 @@
     </p:spTree>
     <p:extLst>
       <p:ext uri="{BB962C8B-B14F-4D97-AF65-F5344CB8AC3E}">
-        <p14:creationId xmlns:p14="http://schemas.microsoft.com/office/powerpoint/2010/main" val="2857317115"/>
+        <p14:creationId xmlns:p14="http://schemas.microsoft.com/office/powerpoint/2010/main" val="661578580"/>
       </p:ext>
     </p:extLst>
   </p:cSld>
@@ -16627,79 +16769,16 @@
         </p:nvSpPr>
         <p:spPr/>
         <p:txBody>
-          <a:bodyPr/>
-          <a:lstStyle/>
-          <a:p>
-            <a:r>
-              <a:rPr lang="fr-FR" dirty="0" smtClean="0"/>
-              <a:t>Tern.java, c’est quoi?</a:t>
-            </a:r>
-            <a:endParaRPr lang="fr-FR" dirty="0"/>
-          </a:p>
-        </p:txBody>
-      </p:sp>
-      <p:sp>
-        <p:nvSpPr>
-          <p:cNvPr id="3" name="Espace réservé du contenu 2"/>
-          <p:cNvSpPr>
-            <a:spLocks noGrp="1"/>
-          </p:cNvSpPr>
-          <p:nvPr>
-            <p:ph sz="half" idx="1"/>
-          </p:nvPr>
-        </p:nvSpPr>
-        <p:spPr/>
-        <p:txBody>
           <a:bodyPr>
             <a:normAutofit/>
           </a:bodyPr>
           <a:lstStyle/>
           <a:p>
             <a:r>
-              <a:rPr lang="fr-FR" b="1" dirty="0" smtClean="0"/>
-              <a:t>tern.java </a:t>
-            </a:r>
-            <a:r>
-              <a:rPr lang="fr-FR" dirty="0"/>
-              <a:t>est disponible sur </a:t>
-            </a:r>
-            <a:r>
-              <a:rPr lang="fr-FR" dirty="0">
-                <a:hlinkClick r:id="rId2"/>
-              </a:rPr>
-              <a:t>https://</a:t>
-            </a:r>
-            <a:r>
-              <a:rPr lang="fr-FR" dirty="0" smtClean="0">
-                <a:hlinkClick r:id="rId2"/>
-              </a:rPr>
-              <a:t>github.com/angelozerr/tern.java</a:t>
-            </a:r>
-            <a:endParaRPr lang="fr-FR" b="1" dirty="0" smtClean="0"/>
-          </a:p>
-          <a:p>
-            <a:r>
-              <a:rPr lang="fr-FR" b="1" dirty="0" smtClean="0"/>
-              <a:t>tern.java</a:t>
-            </a:r>
-            <a:r>
-              <a:rPr lang="fr-FR" dirty="0" smtClean="0"/>
-              <a:t> fournit un moteur d’inférence JavaScript dans un contexte Java.</a:t>
-            </a:r>
-          </a:p>
-          <a:p>
-            <a:r>
-              <a:rPr lang="fr-FR" dirty="0" smtClean="0"/>
-              <a:t>Il exécute </a:t>
-            </a:r>
-            <a:r>
-              <a:rPr lang="fr-FR" b="1" dirty="0" smtClean="0"/>
-              <a:t>tern.js</a:t>
-            </a:r>
-            <a:r>
-              <a:rPr lang="fr-FR" dirty="0" smtClean="0"/>
-              <a:t> dans un contexte Java</a:t>
-            </a:r>
+              <a:rPr lang="fr-FR" dirty="0" smtClean="0"/>
+              <a:t>Tern.java – Démo (Eclipse  SWT)</a:t>
+            </a:r>
+            <a:endParaRPr lang="fr-FR" dirty="0"/>
           </a:p>
         </p:txBody>
       </p:sp>
@@ -16719,114 +16798,80 @@
           <a:lstStyle/>
           <a:p>
             <a:r>
-              <a:rPr lang="fr-FR" dirty="0"/>
-              <a:t>Le projet est découpé en 2 parties :</a:t>
-            </a:r>
-          </a:p>
-          <a:p>
-            <a:pPr lvl="1"/>
-            <a:r>
-              <a:rPr lang="fr-FR" b="1" dirty="0" err="1"/>
-              <a:t>core</a:t>
-            </a:r>
-            <a:r>
-              <a:rPr lang="fr-FR" dirty="0"/>
-              <a:t> : utilisation de tern.js dans un contexte Java</a:t>
-            </a:r>
-          </a:p>
-          <a:p>
-            <a:pPr lvl="1"/>
-            <a:r>
-              <a:rPr lang="fr-FR" b="1" dirty="0" err="1"/>
-              <a:t>eclipse</a:t>
-            </a:r>
-            <a:r>
-              <a:rPr lang="fr-FR" dirty="0"/>
-              <a:t> : utilisation de tern.java (</a:t>
-            </a:r>
-            <a:r>
-              <a:rPr lang="fr-FR" dirty="0" err="1"/>
-              <a:t>core</a:t>
-            </a:r>
-            <a:r>
-              <a:rPr lang="fr-FR" dirty="0"/>
-              <a:t>) dans Eclipse IDE</a:t>
-            </a:r>
-          </a:p>
-          <a:p>
-            <a:pPr marL="342900" lvl="1" indent="-342900"/>
-            <a:r>
-              <a:rPr lang="fr-FR" dirty="0"/>
-              <a:t>tern.java (</a:t>
-            </a:r>
-            <a:r>
-              <a:rPr lang="fr-FR" dirty="0" err="1"/>
-              <a:t>core</a:t>
-            </a:r>
-            <a:r>
-              <a:rPr lang="fr-FR" dirty="0"/>
-              <a:t>) peut être utilisé dans d’autres solutions Java :</a:t>
-            </a:r>
-          </a:p>
-          <a:p>
-            <a:pPr marL="742950" lvl="2" indent="-342900"/>
-            <a:r>
-              <a:rPr lang="fr-FR" dirty="0"/>
-              <a:t>Champs textes simple : SWT Text, Swing </a:t>
-            </a:r>
-            <a:r>
-              <a:rPr lang="fr-FR" dirty="0" err="1"/>
-              <a:t>JTextField</a:t>
-            </a:r>
-            <a:r>
-              <a:rPr lang="fr-FR" dirty="0"/>
-              <a:t>, </a:t>
-            </a:r>
-            <a:r>
-              <a:rPr lang="fr-FR" dirty="0" err="1"/>
-              <a:t>etc</a:t>
-            </a:r>
-            <a:r>
-              <a:rPr lang="fr-FR" dirty="0"/>
-              <a:t> </a:t>
-            </a:r>
-          </a:p>
-          <a:p>
-            <a:pPr marL="742950" lvl="2" indent="-342900"/>
-            <a:r>
-              <a:rPr lang="fr-FR" dirty="0"/>
-              <a:t>Editeur (IDE): </a:t>
-            </a:r>
-            <a:r>
-              <a:rPr lang="fr-FR" dirty="0" err="1"/>
-              <a:t>IntelliJ</a:t>
-            </a:r>
-            <a:r>
-              <a:rPr lang="fr-FR" dirty="0"/>
-              <a:t> IDEA, </a:t>
-            </a:r>
-            <a:r>
-              <a:rPr lang="fr-FR" dirty="0" err="1"/>
-              <a:t>Netbeans</a:t>
-            </a:r>
-            <a:r>
-              <a:rPr lang="fr-FR" dirty="0"/>
-              <a:t>, </a:t>
-            </a:r>
-            <a:r>
-              <a:rPr lang="fr-FR" dirty="0" err="1"/>
-              <a:t>etc</a:t>
-            </a:r>
-            <a:endParaRPr lang="fr-FR" dirty="0"/>
-          </a:p>
-          <a:p>
-            <a:endParaRPr lang="fr-FR" dirty="0"/>
-          </a:p>
-        </p:txBody>
-      </p:sp>
-      <p:sp>
-        <p:nvSpPr>
-          <p:cNvPr id="5" name="Espace réservé du numéro de diapositive 4"/>
+              <a:rPr lang="fr-FR" dirty="0" smtClean="0"/>
+              <a:t>Démo avec le </a:t>
+            </a:r>
+            <a:r>
+              <a:rPr lang="fr-FR" b="1" dirty="0" smtClean="0"/>
+              <a:t>module browser</a:t>
+            </a:r>
+            <a:r>
+              <a:rPr lang="fr-FR" dirty="0" smtClean="0"/>
+              <a:t> et un simple champs texte SWT : </a:t>
+            </a:r>
+          </a:p>
+          <a:p>
+            <a:endParaRPr lang="fr-FR" dirty="0" smtClean="0"/>
+          </a:p>
+        </p:txBody>
+      </p:sp>
+      <p:pic>
+        <p:nvPicPr>
+          <p:cNvPr id="2051" name="Picture 3"/>
+          <p:cNvPicPr>
+            <a:picLocks noChangeAspect="1" noChangeArrowheads="1"/>
+          </p:cNvPicPr>
+          <p:nvPr/>
+        </p:nvPicPr>
+        <p:blipFill>
+          <a:blip r:embed="rId2">
+            <a:extLst>
+              <a:ext uri="{28A0092B-C50C-407E-A947-70E740481C1C}">
+                <a14:useLocalDpi xmlns:a14="http://schemas.microsoft.com/office/drawing/2010/main" val="0"/>
+              </a:ext>
+            </a:extLst>
+          </a:blip>
+          <a:srcRect/>
+          <a:stretch>
+            <a:fillRect/>
+          </a:stretch>
+        </p:blipFill>
+        <p:spPr bwMode="auto">
+          <a:xfrm>
+            <a:off x="2123728" y="1545636"/>
+            <a:ext cx="3653582" cy="2712508"/>
+          </a:xfrm>
+          <a:prstGeom prst="rect">
+            <a:avLst/>
+          </a:prstGeom>
+          <a:noFill/>
+          <a:ln>
+            <a:noFill/>
+          </a:ln>
+          <a:extLst>
+            <a:ext uri="{909E8E84-426E-40DD-AFC4-6F175D3DCCD1}">
+              <a14:hiddenFill xmlns:a14="http://schemas.microsoft.com/office/drawing/2010/main">
+                <a:solidFill>
+                  <a:schemeClr val="accent1"/>
+                </a:solidFill>
+              </a14:hiddenFill>
+            </a:ext>
+            <a:ext uri="{91240B29-F687-4F45-9708-019B960494DF}">
+              <a14:hiddenLine xmlns:a14="http://schemas.microsoft.com/office/drawing/2010/main" w="9525">
+                <a:solidFill>
+                  <a:schemeClr val="tx1"/>
+                </a:solidFill>
+                <a:miter lim="800000"/>
+                <a:headEnd/>
+                <a:tailEnd/>
+              </a14:hiddenLine>
+            </a:ext>
+          </a:extLst>
+        </p:spPr>
+      </p:pic>
+      <p:sp>
+        <p:nvSpPr>
+          <p:cNvPr id="3" name="Espace réservé du numéro de diapositive 2"/>
           <p:cNvSpPr>
             <a:spLocks noGrp="1"/>
           </p:cNvSpPr>
@@ -16850,7 +16895,7 @@
     </p:spTree>
     <p:extLst>
       <p:ext uri="{BB962C8B-B14F-4D97-AF65-F5344CB8AC3E}">
-        <p14:creationId xmlns:p14="http://schemas.microsoft.com/office/powerpoint/2010/main" val="3301945135"/>
+        <p14:creationId xmlns:p14="http://schemas.microsoft.com/office/powerpoint/2010/main" val="871906864"/>
       </p:ext>
     </p:extLst>
   </p:cSld>
@@ -16901,16 +16946,185 @@
         </p:nvSpPr>
         <p:spPr/>
         <p:txBody>
+          <a:bodyPr/>
+          <a:lstStyle/>
+          <a:p>
+            <a:r>
+              <a:rPr lang="fr-FR" dirty="0" smtClean="0"/>
+              <a:t>Tern</a:t>
+            </a:r>
+            <a:r>
+              <a:rPr lang="fr-FR" dirty="0"/>
+              <a:t> </a:t>
+            </a:r>
+            <a:r>
+              <a:rPr lang="fr-FR" dirty="0" smtClean="0"/>
+              <a:t>IDE, c’est quoi?</a:t>
+            </a:r>
+            <a:endParaRPr lang="fr-FR" dirty="0"/>
+          </a:p>
+        </p:txBody>
+      </p:sp>
+      <p:sp>
+        <p:nvSpPr>
+          <p:cNvPr id="3" name="Espace réservé du contenu 2"/>
+          <p:cNvSpPr>
+            <a:spLocks noGrp="1"/>
+          </p:cNvSpPr>
+          <p:nvPr>
+            <p:ph sz="half" idx="1"/>
+          </p:nvPr>
+        </p:nvSpPr>
+        <p:spPr/>
+        <p:txBody>
           <a:bodyPr>
-            <a:normAutofit/>
+            <a:normAutofit lnSpcReduction="10000"/>
           </a:bodyPr>
           <a:lstStyle/>
           <a:p>
             <a:r>
               <a:rPr lang="fr-FR" dirty="0" smtClean="0"/>
-              <a:t>Tern.java – Démo (Eclipse  SWT)</a:t>
+              <a:t>Pour rappel</a:t>
+            </a:r>
+            <a:r>
+              <a:rPr lang="fr-FR" b="1" dirty="0" smtClean="0"/>
+              <a:t>, </a:t>
+            </a:r>
+            <a:r>
+              <a:rPr lang="fr-FR" b="1" dirty="0"/>
+              <a:t>JSDT</a:t>
+            </a:r>
+            <a:r>
+              <a:rPr lang="fr-FR" dirty="0"/>
+              <a:t> est le plugin Eclipse officiel </a:t>
+            </a:r>
+            <a:r>
+              <a:rPr lang="fr-FR" dirty="0" smtClean="0"/>
+              <a:t>pour JavaScript.</a:t>
             </a:r>
             <a:endParaRPr lang="fr-FR" dirty="0"/>
+          </a:p>
+          <a:p>
+            <a:r>
+              <a:rPr lang="fr-FR" b="1" dirty="0" smtClean="0"/>
+              <a:t>Tern IDE </a:t>
+            </a:r>
+            <a:r>
+              <a:rPr lang="fr-FR" dirty="0" smtClean="0"/>
+              <a:t>est un ensemble de plugins Eclipse basé sur </a:t>
+            </a:r>
+            <a:r>
+              <a:rPr lang="fr-FR" b="1" dirty="0" smtClean="0"/>
+              <a:t>tern.java</a:t>
+            </a:r>
+            <a:r>
+              <a:rPr lang="fr-FR" dirty="0" smtClean="0"/>
+              <a:t> pour l’IDE Eclipse.</a:t>
+            </a:r>
+          </a:p>
+          <a:p>
+            <a:r>
+              <a:rPr lang="fr-FR" dirty="0" smtClean="0"/>
+              <a:t>Il est découpé en 4 grandes parties : </a:t>
+            </a:r>
+          </a:p>
+          <a:p>
+            <a:pPr lvl="1"/>
+            <a:r>
+              <a:rPr lang="fr-FR" dirty="0" smtClean="0"/>
+              <a:t>Tern IDE </a:t>
+            </a:r>
+            <a:r>
+              <a:rPr lang="fr-FR" dirty="0" err="1" smtClean="0"/>
+              <a:t>Core</a:t>
+            </a:r>
+            <a:r>
+              <a:rPr lang="fr-FR" dirty="0" smtClean="0"/>
+              <a:t>/UI</a:t>
+            </a:r>
+          </a:p>
+          <a:p>
+            <a:pPr lvl="1"/>
+            <a:r>
+              <a:rPr lang="fr-FR" dirty="0" smtClean="0"/>
+              <a:t>Tern - </a:t>
+            </a:r>
+            <a:r>
+              <a:rPr lang="fr-FR" dirty="0" err="1" smtClean="0"/>
+              <a:t>Embed</a:t>
+            </a:r>
+            <a:r>
+              <a:rPr lang="fr-FR" dirty="0" smtClean="0"/>
+              <a:t> Node.js : fournit un serveur node.js (à utiliser si node.js n’est pas installé)</a:t>
+            </a:r>
+            <a:endParaRPr lang="fr-FR" dirty="0"/>
+          </a:p>
+          <a:p>
+            <a:pPr lvl="1"/>
+            <a:r>
+              <a:rPr lang="fr-FR" dirty="0" smtClean="0"/>
+              <a:t>Tern – JSDT : étend </a:t>
+            </a:r>
+            <a:r>
+              <a:rPr lang="fr-FR" dirty="0"/>
+              <a:t>la </a:t>
+            </a:r>
+            <a:r>
+              <a:rPr lang="fr-FR" dirty="0" smtClean="0"/>
+              <a:t>complétion</a:t>
+            </a:r>
+            <a:r>
+              <a:rPr lang="fr-FR" dirty="0"/>
+              <a:t>, </a:t>
+            </a:r>
+            <a:r>
+              <a:rPr lang="fr-FR" dirty="0" err="1"/>
+              <a:t>text</a:t>
+            </a:r>
+            <a:r>
+              <a:rPr lang="fr-FR" dirty="0"/>
+              <a:t> </a:t>
+            </a:r>
+            <a:r>
+              <a:rPr lang="fr-FR" dirty="0" err="1"/>
+              <a:t>hover</a:t>
+            </a:r>
+            <a:r>
+              <a:rPr lang="fr-FR" dirty="0"/>
+              <a:t> pour </a:t>
+            </a:r>
+            <a:r>
+              <a:rPr lang="fr-FR" dirty="0" smtClean="0"/>
+              <a:t>utiliser </a:t>
+            </a:r>
+            <a:r>
+              <a:rPr lang="fr-FR" dirty="0"/>
+              <a:t>tern dans </a:t>
+            </a:r>
+            <a:r>
+              <a:rPr lang="fr-FR" dirty="0" smtClean="0"/>
+              <a:t>l’</a:t>
+            </a:r>
+            <a:r>
+              <a:rPr lang="fr-FR" dirty="0"/>
+              <a:t>é</a:t>
+            </a:r>
+            <a:r>
+              <a:rPr lang="fr-FR" dirty="0" smtClean="0"/>
+              <a:t>diteur JavaScript JSDT</a:t>
+            </a:r>
+          </a:p>
+          <a:p>
+            <a:pPr lvl="1"/>
+            <a:r>
+              <a:rPr lang="fr-FR" dirty="0" smtClean="0"/>
+              <a:t>Tern - </a:t>
+            </a:r>
+            <a:r>
+              <a:rPr lang="fr-FR" dirty="0" err="1" smtClean="0"/>
+              <a:t>Tooling</a:t>
+            </a:r>
+            <a:endParaRPr lang="fr-FR" dirty="0" smtClean="0"/>
           </a:p>
         </p:txBody>
       </p:sp>
@@ -16930,80 +17144,62 @@
           <a:lstStyle/>
           <a:p>
             <a:r>
-              <a:rPr lang="fr-FR" dirty="0" smtClean="0"/>
-              <a:t>Démo avec le </a:t>
-            </a:r>
-            <a:r>
-              <a:rPr lang="fr-FR" b="1" dirty="0" smtClean="0"/>
-              <a:t>module browser</a:t>
-            </a:r>
-            <a:r>
-              <a:rPr lang="fr-FR" dirty="0" smtClean="0"/>
-              <a:t> et un simple champs texte SWT : </a:t>
-            </a:r>
-          </a:p>
-          <a:p>
-            <a:endParaRPr lang="fr-FR" dirty="0" smtClean="0"/>
-          </a:p>
-        </p:txBody>
-      </p:sp>
-      <p:pic>
-        <p:nvPicPr>
-          <p:cNvPr id="2051" name="Picture 3"/>
-          <p:cNvPicPr>
-            <a:picLocks noChangeAspect="1" noChangeArrowheads="1"/>
-          </p:cNvPicPr>
-          <p:nvPr/>
-        </p:nvPicPr>
-        <p:blipFill>
-          <a:blip r:embed="rId2">
-            <a:extLst>
-              <a:ext uri="{28A0092B-C50C-407E-A947-70E740481C1C}">
-                <a14:useLocalDpi xmlns:a14="http://schemas.microsoft.com/office/drawing/2010/main" val="0"/>
-              </a:ext>
-            </a:extLst>
-          </a:blip>
-          <a:srcRect/>
-          <a:stretch>
-            <a:fillRect/>
-          </a:stretch>
-        </p:blipFill>
-        <p:spPr bwMode="auto">
-          <a:xfrm>
-            <a:off x="2123728" y="1545636"/>
-            <a:ext cx="3653582" cy="2712508"/>
-          </a:xfrm>
-          <a:prstGeom prst="rect">
-            <a:avLst/>
-          </a:prstGeom>
-          <a:noFill/>
-          <a:ln>
-            <a:noFill/>
-          </a:ln>
-          <a:extLst>
-            <a:ext uri="{909E8E84-426E-40DD-AFC4-6F175D3DCCD1}">
-              <a14:hiddenFill xmlns:a14="http://schemas.microsoft.com/office/drawing/2010/main">
-                <a:solidFill>
-                  <a:schemeClr val="accent1"/>
-                </a:solidFill>
-              </a14:hiddenFill>
-            </a:ext>
-            <a:ext uri="{91240B29-F687-4F45-9708-019B960494DF}">
-              <a14:hiddenLine xmlns:a14="http://schemas.microsoft.com/office/drawing/2010/main" w="9525">
-                <a:solidFill>
-                  <a:schemeClr val="tx1"/>
-                </a:solidFill>
-                <a:miter lim="800000"/>
-                <a:headEnd/>
-                <a:tailEnd/>
-              </a14:hiddenLine>
-            </a:ext>
-          </a:extLst>
-        </p:spPr>
-      </p:pic>
-      <p:sp>
-        <p:nvSpPr>
-          <p:cNvPr id="3" name="Espace réservé du numéro de diapositive 2"/>
+              <a:rPr lang="fr-FR" dirty="0"/>
+              <a:t>Tern IDE n’est pas lié à JSDT, il peut être utilisé avec d’autres types d’éditeurs.</a:t>
+            </a:r>
+          </a:p>
+          <a:p>
+            <a:r>
+              <a:rPr lang="fr-FR" dirty="0"/>
+              <a:t>Tern IDE utilise tern pour gérer:</a:t>
+            </a:r>
+          </a:p>
+          <a:p>
+            <a:pPr lvl="1"/>
+            <a:r>
+              <a:rPr lang="fr-FR" dirty="0"/>
+              <a:t>la complétion</a:t>
+            </a:r>
+          </a:p>
+          <a:p>
+            <a:pPr lvl="1"/>
+            <a:r>
+              <a:rPr lang="fr-FR" dirty="0"/>
+              <a:t>Les </a:t>
+            </a:r>
+            <a:r>
+              <a:rPr lang="fr-FR" dirty="0" err="1"/>
+              <a:t>hyperlinks</a:t>
+            </a:r>
+            <a:endParaRPr lang="fr-FR" dirty="0"/>
+          </a:p>
+          <a:p>
+            <a:pPr lvl="1"/>
+            <a:r>
+              <a:rPr lang="fr-FR" dirty="0"/>
+              <a:t>Le </a:t>
+            </a:r>
+            <a:r>
+              <a:rPr lang="fr-FR" dirty="0" err="1"/>
+              <a:t>hover</a:t>
+            </a:r>
+            <a:endParaRPr lang="fr-FR" dirty="0"/>
+          </a:p>
+          <a:p>
+            <a:pPr lvl="1"/>
+            <a:r>
+              <a:rPr lang="fr-FR" dirty="0"/>
+              <a:t>La validation</a:t>
+            </a:r>
+          </a:p>
+          <a:p>
+            <a:endParaRPr lang="fr-FR" dirty="0"/>
+          </a:p>
+        </p:txBody>
+      </p:sp>
+      <p:sp>
+        <p:nvSpPr>
+          <p:cNvPr id="5" name="Espace réservé du numéro de diapositive 4"/>
           <p:cNvSpPr>
             <a:spLocks noGrp="1"/>
           </p:cNvSpPr>
@@ -17027,7 +17223,7 @@
     </p:spTree>
     <p:extLst>
       <p:ext uri="{BB962C8B-B14F-4D97-AF65-F5344CB8AC3E}">
-        <p14:creationId xmlns:p14="http://schemas.microsoft.com/office/powerpoint/2010/main" val="871906864"/>
+        <p14:creationId xmlns:p14="http://schemas.microsoft.com/office/powerpoint/2010/main" val="2975865916"/>
       </p:ext>
     </p:extLst>
   </p:cSld>
@@ -17083,15 +17279,7 @@
           <a:p>
             <a:r>
               <a:rPr lang="fr-FR" dirty="0" smtClean="0"/>
-              <a:t>Tern</a:t>
-            </a:r>
-            <a:r>
-              <a:rPr lang="fr-FR" dirty="0"/>
-              <a:t> </a:t>
-            </a:r>
-            <a:r>
-              <a:rPr lang="fr-FR" dirty="0" smtClean="0"/>
-              <a:t>IDE, c’est quoi?</a:t>
+              <a:t>Tern IDE - Installation</a:t>
             </a:r>
             <a:endParaRPr lang="fr-FR" dirty="0"/>
           </a:p>
@@ -17104,234 +17292,159 @@
             <a:spLocks noGrp="1"/>
           </p:cNvSpPr>
           <p:nvPr>
-            <p:ph sz="half" idx="1"/>
+            <p:ph sz="half" idx="2"/>
           </p:nvPr>
         </p:nvSpPr>
         <p:spPr/>
         <p:txBody>
           <a:bodyPr>
-            <a:normAutofit lnSpcReduction="10000"/>
+            <a:normAutofit fontScale="85000" lnSpcReduction="10000"/>
           </a:bodyPr>
           <a:lstStyle/>
           <a:p>
             <a:r>
               <a:rPr lang="fr-FR" dirty="0" smtClean="0"/>
-              <a:t>Pour rappel</a:t>
-            </a:r>
-            <a:r>
-              <a:rPr lang="fr-FR" b="1" dirty="0" smtClean="0"/>
-              <a:t>, </a:t>
-            </a:r>
-            <a:r>
-              <a:rPr lang="fr-FR" b="1" dirty="0"/>
-              <a:t>JSDT</a:t>
-            </a:r>
-            <a:r>
-              <a:rPr lang="fr-FR" dirty="0"/>
-              <a:t> est le plugin Eclipse officiel </a:t>
-            </a:r>
-            <a:r>
-              <a:rPr lang="fr-FR" dirty="0" smtClean="0"/>
-              <a:t>pour JavaScript.</a:t>
-            </a:r>
-            <a:endParaRPr lang="fr-FR" dirty="0"/>
-          </a:p>
-          <a:p>
-            <a:r>
-              <a:rPr lang="fr-FR" b="1" dirty="0" smtClean="0"/>
-              <a:t>Tern IDE </a:t>
-            </a:r>
-            <a:r>
-              <a:rPr lang="fr-FR" dirty="0" smtClean="0"/>
-              <a:t>est un ensemble de plugins Eclipse basé sur </a:t>
-            </a:r>
-            <a:r>
-              <a:rPr lang="fr-FR" b="1" dirty="0" smtClean="0"/>
-              <a:t>tern.java</a:t>
-            </a:r>
-            <a:r>
-              <a:rPr lang="fr-FR" dirty="0" smtClean="0"/>
-              <a:t> pour l’IDE Eclipse.</a:t>
-            </a:r>
-          </a:p>
-          <a:p>
-            <a:r>
-              <a:rPr lang="fr-FR" dirty="0" smtClean="0"/>
-              <a:t>Il est découpé en 4 grandes parties : </a:t>
-            </a:r>
-          </a:p>
-          <a:p>
-            <a:pPr lvl="1"/>
-            <a:r>
-              <a:rPr lang="fr-FR" dirty="0" smtClean="0"/>
-              <a:t>Tern IDE </a:t>
-            </a:r>
-            <a:r>
-              <a:rPr lang="fr-FR" dirty="0" err="1" smtClean="0"/>
-              <a:t>Core</a:t>
-            </a:r>
-            <a:r>
-              <a:rPr lang="fr-FR" dirty="0" smtClean="0"/>
-              <a:t>/UI</a:t>
-            </a:r>
-          </a:p>
-          <a:p>
-            <a:pPr lvl="1"/>
-            <a:r>
-              <a:rPr lang="fr-FR" dirty="0" smtClean="0"/>
-              <a:t>Tern - </a:t>
-            </a:r>
-            <a:r>
-              <a:rPr lang="fr-FR" dirty="0" err="1" smtClean="0"/>
-              <a:t>Embed</a:t>
-            </a:r>
-            <a:r>
-              <a:rPr lang="fr-FR" dirty="0" smtClean="0"/>
-              <a:t> Node.js : fournit un serveur node.js (à utiliser si node.js n’est pas installé)</a:t>
-            </a:r>
-            <a:endParaRPr lang="fr-FR" dirty="0"/>
-          </a:p>
-          <a:p>
-            <a:pPr lvl="1"/>
-            <a:r>
-              <a:rPr lang="fr-FR" dirty="0" smtClean="0"/>
-              <a:t>Tern – JSDT : étend </a:t>
-            </a:r>
-            <a:r>
-              <a:rPr lang="fr-FR" dirty="0"/>
-              <a:t>la </a:t>
-            </a:r>
-            <a:r>
-              <a:rPr lang="fr-FR" dirty="0" smtClean="0"/>
-              <a:t>complétion</a:t>
-            </a:r>
-            <a:r>
-              <a:rPr lang="fr-FR" dirty="0"/>
-              <a:t>, </a:t>
-            </a:r>
-            <a:r>
-              <a:rPr lang="fr-FR" dirty="0" err="1"/>
-              <a:t>text</a:t>
-            </a:r>
-            <a:r>
-              <a:rPr lang="fr-FR" dirty="0"/>
-              <a:t> </a:t>
-            </a:r>
-            <a:r>
-              <a:rPr lang="fr-FR" dirty="0" err="1"/>
-              <a:t>hover</a:t>
-            </a:r>
-            <a:r>
-              <a:rPr lang="fr-FR" dirty="0"/>
-              <a:t> pour </a:t>
-            </a:r>
-            <a:r>
-              <a:rPr lang="fr-FR" dirty="0" smtClean="0"/>
-              <a:t>utiliser </a:t>
-            </a:r>
-            <a:r>
-              <a:rPr lang="fr-FR" dirty="0"/>
-              <a:t>tern dans </a:t>
-            </a:r>
-            <a:r>
-              <a:rPr lang="fr-FR" dirty="0" smtClean="0"/>
-              <a:t>l’</a:t>
-            </a:r>
-            <a:r>
-              <a:rPr lang="fr-FR" dirty="0"/>
-              <a:t>é</a:t>
-            </a:r>
-            <a:r>
-              <a:rPr lang="fr-FR" dirty="0" smtClean="0"/>
-              <a:t>diteur JavaScript JSDT</a:t>
-            </a:r>
-          </a:p>
-          <a:p>
-            <a:pPr lvl="1"/>
-            <a:r>
-              <a:rPr lang="fr-FR" dirty="0" smtClean="0"/>
-              <a:t>Tern - </a:t>
-            </a:r>
-            <a:r>
-              <a:rPr lang="fr-FR" dirty="0" err="1" smtClean="0"/>
-              <a:t>Tooling</a:t>
+              <a:t>Marketplace : </a:t>
+            </a:r>
+            <a:r>
+              <a:rPr lang="fr-FR" dirty="0" smtClean="0">
+                <a:hlinkClick r:id="rId2"/>
+              </a:rPr>
+              <a:t>http://marketplace.eclipse.org/content/tern-eclipse-ide</a:t>
             </a:r>
             <a:endParaRPr lang="fr-FR" dirty="0" smtClean="0"/>
           </a:p>
-        </p:txBody>
-      </p:sp>
-      <p:sp>
-        <p:nvSpPr>
-          <p:cNvPr id="4" name="Espace réservé du contenu 3"/>
-          <p:cNvSpPr>
-            <a:spLocks noGrp="1"/>
-          </p:cNvSpPr>
-          <p:nvPr>
-            <p:ph sz="half" idx="2"/>
-          </p:nvPr>
-        </p:nvSpPr>
-        <p:spPr/>
-        <p:txBody>
-          <a:bodyPr/>
-          <a:lstStyle/>
-          <a:p>
-            <a:r>
-              <a:rPr lang="fr-FR" dirty="0"/>
-              <a:t>Tern IDE n’est pas lié à JSDT, il peut être utilisé avec d’autres types d’éditeurs.</a:t>
-            </a:r>
-          </a:p>
-          <a:p>
-            <a:r>
-              <a:rPr lang="fr-FR" dirty="0"/>
-              <a:t>Tern IDE utilise tern pour gérer:</a:t>
-            </a:r>
-          </a:p>
-          <a:p>
-            <a:pPr lvl="1"/>
-            <a:r>
-              <a:rPr lang="fr-FR" dirty="0"/>
-              <a:t>la complétion</a:t>
-            </a:r>
-          </a:p>
-          <a:p>
-            <a:pPr lvl="1"/>
-            <a:r>
-              <a:rPr lang="fr-FR" dirty="0"/>
-              <a:t>Les </a:t>
-            </a:r>
-            <a:r>
-              <a:rPr lang="fr-FR" dirty="0" err="1"/>
-              <a:t>hyperlinks</a:t>
-            </a:r>
-            <a:endParaRPr lang="fr-FR" dirty="0"/>
-          </a:p>
-          <a:p>
-            <a:pPr lvl="1"/>
-            <a:r>
-              <a:rPr lang="fr-FR" dirty="0"/>
-              <a:t>Le </a:t>
-            </a:r>
-            <a:r>
-              <a:rPr lang="fr-FR" dirty="0" err="1"/>
-              <a:t>hover</a:t>
-            </a:r>
-            <a:endParaRPr lang="fr-FR" dirty="0"/>
-          </a:p>
-          <a:p>
-            <a:pPr lvl="1"/>
-            <a:r>
-              <a:rPr lang="fr-FR" dirty="0"/>
-              <a:t>La validation</a:t>
-            </a:r>
-          </a:p>
-          <a:p>
-            <a:endParaRPr lang="fr-FR" dirty="0"/>
-          </a:p>
-        </p:txBody>
-      </p:sp>
-      <p:sp>
-        <p:nvSpPr>
-          <p:cNvPr id="5" name="Espace réservé du numéro de diapositive 4"/>
+          <a:p>
+            <a:r>
+              <a:rPr lang="fr-FR" dirty="0" smtClean="0"/>
+              <a:t>Ou Update site : </a:t>
+            </a:r>
+            <a:r>
+              <a:rPr lang="fr-FR" dirty="0" smtClean="0">
+                <a:hlinkClick r:id="rId3"/>
+              </a:rPr>
+              <a:t>http://oss.opensagres.fr/tern.repository/0.4.0/</a:t>
+            </a:r>
+            <a:endParaRPr lang="fr-FR" dirty="0" smtClean="0"/>
+          </a:p>
+          <a:p>
+            <a:endParaRPr lang="fr-FR" dirty="0" smtClean="0"/>
+          </a:p>
+          <a:p>
+            <a:endParaRPr lang="fr-FR" dirty="0" smtClean="0"/>
+          </a:p>
+          <a:p>
+            <a:endParaRPr lang="fr-FR" dirty="0" smtClean="0"/>
+          </a:p>
+          <a:p>
+            <a:endParaRPr lang="fr-FR" dirty="0" smtClean="0"/>
+          </a:p>
+          <a:p>
+            <a:endParaRPr lang="fr-FR" dirty="0" smtClean="0"/>
+          </a:p>
+          <a:p>
+            <a:endParaRPr lang="fr-FR" dirty="0" smtClean="0"/>
+          </a:p>
+          <a:p>
+            <a:endParaRPr lang="fr-FR" dirty="0" smtClean="0"/>
+          </a:p>
+          <a:p>
+            <a:endParaRPr lang="fr-FR" dirty="0" smtClean="0"/>
+          </a:p>
+          <a:p>
+            <a:endParaRPr lang="fr-FR" dirty="0" smtClean="0"/>
+          </a:p>
+          <a:p>
+            <a:pPr>
+              <a:buFont typeface="Century Gothic" panose="020B0502020202020204" pitchFamily="34" charset="0"/>
+              <a:buChar char="►"/>
+            </a:pPr>
+            <a:r>
+              <a:rPr lang="fr-FR" dirty="0" smtClean="0"/>
+              <a:t>pour démarrer avec Tern IDE : </a:t>
+            </a:r>
+            <a:r>
+              <a:rPr lang="fr-FR" dirty="0" smtClean="0">
+                <a:hlinkClick r:id="rId4"/>
+              </a:rPr>
+              <a:t>https://github.com/angelozerr/tern.java/wiki/Getting-Started</a:t>
+            </a:r>
+            <a:endParaRPr lang="fr-FR" dirty="0" smtClean="0"/>
+          </a:p>
+          <a:p>
+            <a:endParaRPr lang="fr-FR" dirty="0" smtClean="0"/>
+          </a:p>
+          <a:p>
+            <a:endParaRPr lang="fr-FR" dirty="0" smtClean="0"/>
+          </a:p>
+          <a:p>
+            <a:endParaRPr lang="fr-FR" dirty="0" smtClean="0"/>
+          </a:p>
+          <a:p>
+            <a:endParaRPr lang="fr-FR" dirty="0" smtClean="0"/>
+          </a:p>
+          <a:p>
+            <a:endParaRPr lang="fr-FR" dirty="0" smtClean="0"/>
+          </a:p>
+        </p:txBody>
+      </p:sp>
+      <p:pic>
+        <p:nvPicPr>
+          <p:cNvPr id="8194" name="Picture 2"/>
+          <p:cNvPicPr>
+            <a:picLocks noChangeAspect="1" noChangeArrowheads="1"/>
+          </p:cNvPicPr>
+          <p:nvPr/>
+        </p:nvPicPr>
+        <p:blipFill>
+          <a:blip r:embed="rId5">
+            <a:extLst>
+              <a:ext uri="{28A0092B-C50C-407E-A947-70E740481C1C}">
+                <a14:useLocalDpi xmlns:a14="http://schemas.microsoft.com/office/drawing/2010/main" val="0"/>
+              </a:ext>
+            </a:extLst>
+          </a:blip>
+          <a:srcRect/>
+          <a:stretch>
+            <a:fillRect/>
+          </a:stretch>
+        </p:blipFill>
+        <p:spPr bwMode="auto">
+          <a:xfrm>
+            <a:off x="1403648" y="1653649"/>
+            <a:ext cx="5822968" cy="2148582"/>
+          </a:xfrm>
+          <a:prstGeom prst="rect">
+            <a:avLst/>
+          </a:prstGeom>
+          <a:noFill/>
+          <a:ln>
+            <a:noFill/>
+          </a:ln>
+          <a:extLst>
+            <a:ext uri="{909E8E84-426E-40DD-AFC4-6F175D3DCCD1}">
+              <a14:hiddenFill xmlns:a14="http://schemas.microsoft.com/office/drawing/2010/main">
+                <a:solidFill>
+                  <a:schemeClr val="accent1"/>
+                </a:solidFill>
+              </a14:hiddenFill>
+            </a:ext>
+            <a:ext uri="{91240B29-F687-4F45-9708-019B960494DF}">
+              <a14:hiddenLine xmlns:a14="http://schemas.microsoft.com/office/drawing/2010/main" w="9525">
+                <a:solidFill>
+                  <a:schemeClr val="tx1"/>
+                </a:solidFill>
+                <a:miter lim="800000"/>
+                <a:headEnd/>
+                <a:tailEnd/>
+              </a14:hiddenLine>
+            </a:ext>
+          </a:extLst>
+        </p:spPr>
+      </p:pic>
+      <p:sp>
+        <p:nvSpPr>
+          <p:cNvPr id="8" name="Espace réservé du numéro de diapositive 7"/>
           <p:cNvSpPr>
             <a:spLocks noGrp="1"/>
           </p:cNvSpPr>
@@ -17355,7 +17468,7 @@
     </p:spTree>
     <p:extLst>
       <p:ext uri="{BB962C8B-B14F-4D97-AF65-F5344CB8AC3E}">
-        <p14:creationId xmlns:p14="http://schemas.microsoft.com/office/powerpoint/2010/main" val="2975865916"/>
+        <p14:creationId xmlns:p14="http://schemas.microsoft.com/office/powerpoint/2010/main" val="2686843829"/>
       </p:ext>
     </p:extLst>
   </p:cSld>
@@ -17406,130 +17519,98 @@
         </p:nvSpPr>
         <p:spPr/>
         <p:txBody>
-          <a:bodyPr/>
-          <a:lstStyle/>
-          <a:p>
-            <a:r>
-              <a:rPr lang="fr-FR" dirty="0" smtClean="0"/>
-              <a:t>Tern IDE - Installation</a:t>
-            </a:r>
-            <a:endParaRPr lang="fr-FR" dirty="0"/>
-          </a:p>
-        </p:txBody>
-      </p:sp>
-      <p:sp>
-        <p:nvSpPr>
-          <p:cNvPr id="3" name="Espace réservé du contenu 2"/>
-          <p:cNvSpPr>
-            <a:spLocks noGrp="1"/>
-          </p:cNvSpPr>
-          <p:nvPr>
-            <p:ph sz="half" idx="2"/>
-          </p:nvPr>
-        </p:nvSpPr>
-        <p:spPr/>
-        <p:txBody>
           <a:bodyPr>
-            <a:normAutofit fontScale="85000" lnSpcReduction="10000"/>
+            <a:normAutofit/>
           </a:bodyPr>
           <a:lstStyle/>
           <a:p>
             <a:r>
               <a:rPr lang="fr-FR" dirty="0" smtClean="0"/>
-              <a:t>Marketplace : </a:t>
-            </a:r>
-            <a:r>
-              <a:rPr lang="fr-FR" dirty="0" smtClean="0">
-                <a:hlinkClick r:id="rId2"/>
-              </a:rPr>
-              <a:t>http://marketplace.eclipse.org/content/tern-eclipse-ide</a:t>
-            </a:r>
-            <a:endParaRPr lang="fr-FR" dirty="0" smtClean="0"/>
-          </a:p>
-          <a:p>
-            <a:r>
-              <a:rPr lang="fr-FR" dirty="0" smtClean="0"/>
-              <a:t>Ou Update site : </a:t>
-            </a:r>
-            <a:r>
-              <a:rPr lang="fr-FR" dirty="0" smtClean="0">
-                <a:hlinkClick r:id="rId3"/>
-              </a:rPr>
-              <a:t>http://oss.opensagres.fr/tern.repository/0.4.0/</a:t>
-            </a:r>
-            <a:endParaRPr lang="fr-FR" dirty="0" smtClean="0"/>
-          </a:p>
-          <a:p>
-            <a:endParaRPr lang="fr-FR" dirty="0" smtClean="0"/>
-          </a:p>
-          <a:p>
-            <a:endParaRPr lang="fr-FR" dirty="0" smtClean="0"/>
-          </a:p>
-          <a:p>
-            <a:endParaRPr lang="fr-FR" dirty="0" smtClean="0"/>
-          </a:p>
-          <a:p>
-            <a:endParaRPr lang="fr-FR" dirty="0" smtClean="0"/>
-          </a:p>
-          <a:p>
-            <a:endParaRPr lang="fr-FR" dirty="0" smtClean="0"/>
-          </a:p>
-          <a:p>
-            <a:endParaRPr lang="fr-FR" dirty="0" smtClean="0"/>
-          </a:p>
-          <a:p>
-            <a:endParaRPr lang="fr-FR" dirty="0" smtClean="0"/>
-          </a:p>
-          <a:p>
-            <a:endParaRPr lang="fr-FR" dirty="0" smtClean="0"/>
-          </a:p>
-          <a:p>
-            <a:endParaRPr lang="fr-FR" dirty="0" smtClean="0"/>
-          </a:p>
-          <a:p>
-            <a:pPr>
-              <a:buFont typeface="Century Gothic" panose="020B0502020202020204" pitchFamily="34" charset="0"/>
-              <a:buChar char="►"/>
-            </a:pPr>
-            <a:r>
-              <a:rPr lang="fr-FR" dirty="0" smtClean="0"/>
-              <a:t>pour démarrer avec Tern IDE : </a:t>
-            </a:r>
-            <a:r>
-              <a:rPr lang="fr-FR" dirty="0" smtClean="0">
-                <a:hlinkClick r:id="rId4"/>
-              </a:rPr>
-              <a:t>https://github.com/angelozerr/tern.java/wiki/Getting-Started</a:t>
-            </a:r>
-            <a:endParaRPr lang="fr-FR" dirty="0" smtClean="0"/>
-          </a:p>
-          <a:p>
-            <a:endParaRPr lang="fr-FR" dirty="0" smtClean="0"/>
-          </a:p>
-          <a:p>
-            <a:endParaRPr lang="fr-FR" dirty="0" smtClean="0"/>
-          </a:p>
-          <a:p>
-            <a:endParaRPr lang="fr-FR" dirty="0" smtClean="0"/>
-          </a:p>
-          <a:p>
-            <a:endParaRPr lang="fr-FR" dirty="0" smtClean="0"/>
-          </a:p>
-          <a:p>
-            <a:endParaRPr lang="fr-FR" dirty="0" smtClean="0"/>
+              <a:t>Tern</a:t>
+            </a:r>
+            <a:r>
+              <a:rPr lang="fr-FR" dirty="0"/>
+              <a:t> </a:t>
+            </a:r>
+            <a:r>
+              <a:rPr lang="fr-FR" dirty="0" smtClean="0"/>
+              <a:t>IDE – Démo (</a:t>
+            </a:r>
+            <a:r>
+              <a:rPr lang="fr-FR" dirty="0" err="1" smtClean="0"/>
+              <a:t>Completion</a:t>
+            </a:r>
+            <a:r>
+              <a:rPr lang="fr-FR" dirty="0" smtClean="0"/>
+              <a:t>)</a:t>
+            </a:r>
+            <a:endParaRPr lang="fr-FR" dirty="0"/>
+          </a:p>
+        </p:txBody>
+      </p:sp>
+      <p:sp>
+        <p:nvSpPr>
+          <p:cNvPr id="4" name="Espace réservé du contenu 3"/>
+          <p:cNvSpPr>
+            <a:spLocks noGrp="1"/>
+          </p:cNvSpPr>
+          <p:nvPr>
+            <p:ph sz="half" idx="2"/>
+          </p:nvPr>
+        </p:nvSpPr>
+        <p:spPr/>
+        <p:txBody>
+          <a:bodyPr>
+            <a:normAutofit/>
+          </a:bodyPr>
+          <a:lstStyle/>
+          <a:p>
+            <a:r>
+              <a:rPr lang="fr-FR" sz="1600" dirty="0" smtClean="0"/>
+              <a:t>Démo avec le </a:t>
+            </a:r>
+            <a:r>
+              <a:rPr lang="fr-FR" sz="1600" b="1" dirty="0" smtClean="0"/>
+              <a:t>module browser</a:t>
+            </a:r>
+          </a:p>
+          <a:p>
+            <a:r>
+              <a:rPr lang="fr-FR" sz="1600" dirty="0" smtClean="0"/>
+              <a:t>Ici tern sait que la variable </a:t>
+            </a:r>
+            <a:r>
+              <a:rPr lang="fr-FR" sz="1600" b="1" i="1" dirty="0" err="1" smtClean="0"/>
+              <a:t>elt</a:t>
+            </a:r>
+            <a:r>
+              <a:rPr lang="fr-FR" sz="1600" dirty="0" smtClean="0"/>
+              <a:t> est de type </a:t>
+            </a:r>
+            <a:r>
+              <a:rPr lang="fr-FR" sz="1600" b="1" i="1" dirty="0" err="1" smtClean="0"/>
+              <a:t>HTMLElement</a:t>
+            </a:r>
+            <a:r>
+              <a:rPr lang="fr-FR" sz="1600" dirty="0" smtClean="0"/>
+              <a:t>:</a:t>
+            </a:r>
+          </a:p>
+          <a:p>
+            <a:endParaRPr lang="fr-FR" sz="1600" dirty="0"/>
           </a:p>
         </p:txBody>
       </p:sp>
       <p:pic>
         <p:nvPicPr>
-          <p:cNvPr id="8194" name="Picture 2"/>
+          <p:cNvPr id="7" name="Picture 2"/>
           <p:cNvPicPr>
             <a:picLocks noChangeAspect="1" noChangeArrowheads="1"/>
           </p:cNvPicPr>
           <p:nvPr/>
         </p:nvPicPr>
         <p:blipFill>
-          <a:blip r:embed="rId5">
+          <a:blip r:embed="rId2">
             <a:extLst>
               <a:ext uri="{28A0092B-C50C-407E-A947-70E740481C1C}">
                 <a14:useLocalDpi xmlns:a14="http://schemas.microsoft.com/office/drawing/2010/main" val="0"/>
@@ -17543,8 +17624,8 @@
         </p:blipFill>
         <p:spPr bwMode="auto">
           <a:xfrm>
-            <a:off x="1403648" y="1653649"/>
-            <a:ext cx="5822968" cy="2148582"/>
+            <a:off x="755576" y="1779781"/>
+            <a:ext cx="7406640" cy="2297430"/>
           </a:xfrm>
           <a:prstGeom prst="rect">
             <a:avLst/>
@@ -17576,7 +17657,7 @@
       </p:pic>
       <p:sp>
         <p:nvSpPr>
-          <p:cNvPr id="8" name="Espace réservé du numéro de diapositive 7"/>
+          <p:cNvPr id="3" name="Espace réservé du numéro de diapositive 2"/>
           <p:cNvSpPr>
             <a:spLocks noGrp="1"/>
           </p:cNvSpPr>
@@ -17600,7 +17681,7 @@
     </p:spTree>
     <p:extLst>
       <p:ext uri="{BB962C8B-B14F-4D97-AF65-F5344CB8AC3E}">
-        <p14:creationId xmlns:p14="http://schemas.microsoft.com/office/powerpoint/2010/main" val="2686843829"/>
+        <p14:creationId xmlns:p14="http://schemas.microsoft.com/office/powerpoint/2010/main" val="2366143981"/>
       </p:ext>
     </p:extLst>
   </p:cSld>
@@ -17657,32 +17738,31 @@
           <a:lstStyle/>
           <a:p>
             <a:r>
-              <a:rPr lang="fr-FR" dirty="0" smtClean="0"/>
-              <a:t>Tern</a:t>
-            </a:r>
-            <a:r>
               <a:rPr lang="fr-FR" dirty="0"/>
-              <a:t> </a:t>
-            </a:r>
-            <a:r>
-              <a:rPr lang="fr-FR" dirty="0" smtClean="0"/>
-              <a:t>IDE – Démo (</a:t>
-            </a:r>
-            <a:r>
-              <a:rPr lang="fr-FR" dirty="0" err="1" smtClean="0"/>
+              <a:t>Tern IDE – </a:t>
+            </a:r>
+            <a:r>
+              <a:rPr lang="fr-FR" dirty="0" smtClean="0"/>
+              <a:t>Démo </a:t>
+            </a:r>
+            <a:r>
+              <a:rPr lang="fr-FR" dirty="0"/>
+              <a:t>(</a:t>
+            </a:r>
+            <a:r>
+              <a:rPr lang="fr-FR" dirty="0" err="1"/>
               <a:t>Completion</a:t>
             </a:r>
             <a:r>
-              <a:rPr lang="fr-FR" dirty="0" smtClean="0"/>
+              <a:rPr lang="fr-FR" dirty="0"/>
               <a:t>)</a:t>
             </a:r>
-            <a:endParaRPr lang="fr-FR" dirty="0"/>
-          </a:p>
-        </p:txBody>
-      </p:sp>
-      <p:sp>
-        <p:nvSpPr>
-          <p:cNvPr id="4" name="Espace réservé du contenu 3"/>
+          </a:p>
+        </p:txBody>
+      </p:sp>
+      <p:sp>
+        <p:nvSpPr>
+          <p:cNvPr id="6" name="Espace réservé du contenu 5"/>
           <p:cNvSpPr>
             <a:spLocks noGrp="1"/>
           </p:cNvSpPr>
@@ -17699,33 +17779,23 @@
           <a:p>
             <a:r>
               <a:rPr lang="fr-FR" sz="1600" dirty="0" smtClean="0"/>
-              <a:t>Démo avec le </a:t>
-            </a:r>
-            <a:r>
-              <a:rPr lang="fr-FR" sz="1600" b="1" dirty="0" smtClean="0"/>
-              <a:t>module browser</a:t>
-            </a:r>
-          </a:p>
-          <a:p>
+              <a:t>Ici tern sait que </a:t>
+            </a:r>
+            <a:r>
+              <a:rPr lang="fr-FR" sz="1600" b="1" i="1" dirty="0" smtClean="0"/>
+              <a:t>e</a:t>
+            </a:r>
             <a:r>
               <a:rPr lang="fr-FR" sz="1600" dirty="0" smtClean="0"/>
-              <a:t>Ici tern sait que la variable </a:t>
-            </a:r>
-            <a:r>
-              <a:rPr lang="fr-FR" sz="1600" b="1" i="1" dirty="0" err="1" smtClean="0"/>
-              <a:t>elt</a:t>
+              <a:t> est un </a:t>
+            </a:r>
+            <a:r>
+              <a:rPr lang="fr-FR" sz="1600" b="1" i="1" dirty="0" smtClean="0"/>
+              <a:t>événement</a:t>
             </a:r>
             <a:r>
               <a:rPr lang="fr-FR" sz="1600" dirty="0" smtClean="0"/>
-              <a:t> est de type </a:t>
-            </a:r>
-            <a:r>
-              <a:rPr lang="fr-FR" sz="1600" b="1" i="1" dirty="0" err="1" smtClean="0"/>
-              <a:t>HTMLElement</a:t>
-            </a:r>
-            <a:r>
-              <a:rPr lang="fr-FR" sz="1600" dirty="0" smtClean="0"/>
-              <a:t>:</a:t>
+              <a:t> d’une callback :</a:t>
             </a:r>
           </a:p>
           <a:p>
@@ -17735,7 +17805,7 @@
       </p:sp>
       <p:pic>
         <p:nvPicPr>
-          <p:cNvPr id="7" name="Picture 2"/>
+          <p:cNvPr id="1027" name="Picture 3"/>
           <p:cNvPicPr>
             <a:picLocks noChangeAspect="1" noChangeArrowheads="1"/>
           </p:cNvPicPr>
@@ -17756,8 +17826,8 @@
         </p:blipFill>
         <p:spPr bwMode="auto">
           <a:xfrm>
-            <a:off x="755576" y="1779781"/>
-            <a:ext cx="7406640" cy="2297430"/>
+            <a:off x="683568" y="1574006"/>
+            <a:ext cx="7272808" cy="2325005"/>
           </a:xfrm>
           <a:prstGeom prst="rect">
             <a:avLst/>
@@ -17813,7 +17883,7 @@
     </p:spTree>
     <p:extLst>
       <p:ext uri="{BB962C8B-B14F-4D97-AF65-F5344CB8AC3E}">
-        <p14:creationId xmlns:p14="http://schemas.microsoft.com/office/powerpoint/2010/main" val="2366143981"/>
+        <p14:creationId xmlns:p14="http://schemas.microsoft.com/office/powerpoint/2010/main" val="2634205376"/>
       </p:ext>
     </p:extLst>
   </p:cSld>
@@ -17875,20 +17945,9 @@
             </a:r>
             <a:r>
               <a:rPr lang="fr-FR" dirty="0" smtClean="0"/>
-              <a:t>Démo </a:t>
-            </a:r>
-            <a:r>
-              <a:rPr lang="fr-FR" dirty="0"/>
-              <a:t>(</a:t>
-            </a:r>
-            <a:r>
-              <a:rPr lang="fr-FR" dirty="0" err="1"/>
-              <a:t>Completion</a:t>
-            </a:r>
-            <a:r>
-              <a:rPr lang="fr-FR" dirty="0"/>
-              <a:t>)</a:t>
-            </a:r>
+              <a:t>Démo (Hyperlink)</a:t>
+            </a:r>
+            <a:endParaRPr lang="fr-FR" dirty="0"/>
           </a:p>
         </p:txBody>
       </p:sp>
@@ -17911,24 +17970,11 @@
           <a:p>
             <a:r>
               <a:rPr lang="fr-FR" sz="1600" dirty="0" smtClean="0"/>
-              <a:t>Ici tern sait que </a:t>
-            </a:r>
-            <a:r>
-              <a:rPr lang="fr-FR" sz="1600" b="1" i="1" dirty="0" smtClean="0"/>
-              <a:t>e</a:t>
-            </a:r>
-            <a:r>
-              <a:rPr lang="fr-FR" sz="1600" dirty="0" smtClean="0"/>
-              <a:t> est un </a:t>
-            </a:r>
-            <a:r>
-              <a:rPr lang="fr-FR" sz="1600" b="1" i="1" dirty="0" smtClean="0"/>
-              <a:t>événement</a:t>
-            </a:r>
-            <a:r>
-              <a:rPr lang="fr-FR" sz="1600" dirty="0" smtClean="0"/>
-              <a:t> d’une callback :</a:t>
-            </a:r>
+              <a:t>Ici tern retrouve où est déclaré l’évènement e:</a:t>
+            </a:r>
+          </a:p>
+          <a:p>
+            <a:endParaRPr lang="fr-FR" sz="1600" dirty="0" smtClean="0"/>
           </a:p>
           <a:p>
             <a:endParaRPr lang="fr-FR" sz="1600" dirty="0"/>
@@ -17937,7 +17983,7 @@
       </p:sp>
       <p:pic>
         <p:nvPicPr>
-          <p:cNvPr id="1027" name="Picture 3"/>
+          <p:cNvPr id="3074" name="Picture 2"/>
           <p:cNvPicPr>
             <a:picLocks noChangeAspect="1" noChangeArrowheads="1"/>
           </p:cNvPicPr>
@@ -17958,8 +18004,8 @@
         </p:blipFill>
         <p:spPr bwMode="auto">
           <a:xfrm>
-            <a:off x="683568" y="1574006"/>
-            <a:ext cx="7272808" cy="2325005"/>
+            <a:off x="1485900" y="1807369"/>
+            <a:ext cx="6172200" cy="1528763"/>
           </a:xfrm>
           <a:prstGeom prst="rect">
             <a:avLst/>
@@ -18015,7 +18061,7 @@
     </p:spTree>
     <p:extLst>
       <p:ext uri="{BB962C8B-B14F-4D97-AF65-F5344CB8AC3E}">
-        <p14:creationId xmlns:p14="http://schemas.microsoft.com/office/powerpoint/2010/main" val="2634205376"/>
+        <p14:creationId xmlns:p14="http://schemas.microsoft.com/office/powerpoint/2010/main" val="1033632164"/>
       </p:ext>
     </p:extLst>
   </p:cSld>
@@ -18077,7 +18123,7 @@
             </a:r>
             <a:r>
               <a:rPr lang="fr-FR" dirty="0" smtClean="0"/>
-              <a:t>Démo (Hyperlink)</a:t>
+              <a:t>Démo (Hover)</a:t>
             </a:r>
             <a:endParaRPr lang="fr-FR" dirty="0"/>
           </a:p>
@@ -18102,7 +18148,7 @@
           <a:p>
             <a:r>
               <a:rPr lang="fr-FR" sz="1600" dirty="0" smtClean="0"/>
-              <a:t>Ici tern retrouve où est déclaré l’évènement e:</a:t>
+              <a:t>Ici tern retrouve les informations de l’événement e :</a:t>
             </a:r>
           </a:p>
           <a:p>
@@ -18115,7 +18161,7 @@
       </p:sp>
       <p:pic>
         <p:nvPicPr>
-          <p:cNvPr id="3074" name="Picture 2"/>
+          <p:cNvPr id="4098" name="Picture 2"/>
           <p:cNvPicPr>
             <a:picLocks noChangeAspect="1" noChangeArrowheads="1"/>
           </p:cNvPicPr>
@@ -18136,8 +18182,8 @@
         </p:blipFill>
         <p:spPr bwMode="auto">
           <a:xfrm>
-            <a:off x="1485900" y="1807369"/>
-            <a:ext cx="6172200" cy="1528763"/>
+            <a:off x="899591" y="1545636"/>
+            <a:ext cx="8006283" cy="2441477"/>
           </a:xfrm>
           <a:prstGeom prst="rect">
             <a:avLst/>
@@ -18193,7 +18239,7 @@
     </p:spTree>
     <p:extLst>
       <p:ext uri="{BB962C8B-B14F-4D97-AF65-F5344CB8AC3E}">
-        <p14:creationId xmlns:p14="http://schemas.microsoft.com/office/powerpoint/2010/main" val="1033632164"/>
+        <p14:creationId xmlns:p14="http://schemas.microsoft.com/office/powerpoint/2010/main" val="1726619083"/>
       </p:ext>
     </p:extLst>
   </p:cSld>
@@ -18653,7 +18699,7 @@
             </a:r>
             <a:r>
               <a:rPr lang="fr-FR" dirty="0" smtClean="0"/>
-              <a:t>Démo (Hover)</a:t>
+              <a:t>Démo (Validation)</a:t>
             </a:r>
             <a:endParaRPr lang="fr-FR" dirty="0"/>
           </a:p>
@@ -18678,8 +18724,27 @@
           <a:p>
             <a:r>
               <a:rPr lang="fr-FR" sz="1600" dirty="0" smtClean="0"/>
-              <a:t>Ici tern retrouve les informations de l’événement e :</a:t>
-            </a:r>
+              <a:t>Ici le plugin tern </a:t>
+            </a:r>
+            <a:r>
+              <a:rPr lang="fr-FR" sz="1600" dirty="0" err="1" smtClean="0"/>
+              <a:t>lint</a:t>
+            </a:r>
+            <a:r>
+              <a:rPr lang="fr-FR" sz="1600" dirty="0" smtClean="0"/>
+              <a:t> est utilisé et affiche une erreur indiquant que le paramètre </a:t>
+            </a:r>
+            <a:r>
+              <a:rPr lang="fr-FR" sz="1600" dirty="0" err="1" smtClean="0"/>
+              <a:t>getElementById</a:t>
+            </a:r>
+            <a:r>
+              <a:rPr lang="fr-FR" sz="1600" dirty="0" smtClean="0"/>
+              <a:t> attend une string :</a:t>
+            </a:r>
+          </a:p>
+          <a:p>
+            <a:endParaRPr lang="fr-FR" sz="1600" dirty="0"/>
           </a:p>
           <a:p>
             <a:endParaRPr lang="fr-FR" sz="1600" dirty="0" smtClean="0"/>
@@ -18691,7 +18756,7 @@
       </p:sp>
       <p:pic>
         <p:nvPicPr>
-          <p:cNvPr id="4098" name="Picture 2"/>
+          <p:cNvPr id="5122" name="Picture 2"/>
           <p:cNvPicPr>
             <a:picLocks noChangeAspect="1" noChangeArrowheads="1"/>
           </p:cNvPicPr>
@@ -18712,8 +18777,8 @@
         </p:blipFill>
         <p:spPr bwMode="auto">
           <a:xfrm>
-            <a:off x="899591" y="1545636"/>
-            <a:ext cx="8006283" cy="2441477"/>
+            <a:off x="1700214" y="1985963"/>
+            <a:ext cx="5743575" cy="1171575"/>
           </a:xfrm>
           <a:prstGeom prst="rect">
             <a:avLst/>
@@ -18769,7 +18834,7 @@
     </p:spTree>
     <p:extLst>
       <p:ext uri="{BB962C8B-B14F-4D97-AF65-F5344CB8AC3E}">
-        <p14:creationId xmlns:p14="http://schemas.microsoft.com/office/powerpoint/2010/main" val="1726619083"/>
+        <p14:creationId xmlns:p14="http://schemas.microsoft.com/office/powerpoint/2010/main" val="542899802"/>
       </p:ext>
     </p:extLst>
   </p:cSld>
@@ -18820,75 +18885,107 @@
         </p:nvSpPr>
         <p:spPr/>
         <p:txBody>
+          <a:bodyPr/>
+          <a:lstStyle/>
+          <a:p>
+            <a:r>
+              <a:rPr lang="fr-FR" dirty="0" smtClean="0"/>
+              <a:t>TERN IDE &amp; Modules</a:t>
+            </a:r>
+            <a:endParaRPr lang="fr-FR" dirty="0"/>
+          </a:p>
+        </p:txBody>
+      </p:sp>
+      <p:sp>
+        <p:nvSpPr>
+          <p:cNvPr id="3" name="Espace réservé du contenu 2"/>
+          <p:cNvSpPr>
+            <a:spLocks noGrp="1"/>
+          </p:cNvSpPr>
+          <p:nvPr>
+            <p:ph sz="half" idx="2"/>
+          </p:nvPr>
+        </p:nvSpPr>
+        <p:spPr>
+          <a:xfrm>
+            <a:off x="251520" y="843558"/>
+            <a:ext cx="8640960" cy="3960440"/>
+          </a:xfrm>
+        </p:spPr>
+        <p:txBody>
           <a:bodyPr>
             <a:normAutofit/>
           </a:bodyPr>
           <a:lstStyle/>
           <a:p>
             <a:r>
-              <a:rPr lang="fr-FR" dirty="0"/>
-              <a:t>Tern IDE – </a:t>
-            </a:r>
-            <a:r>
-              <a:rPr lang="fr-FR" dirty="0" smtClean="0"/>
-              <a:t>Démo (Validation)</a:t>
-            </a:r>
+              <a:rPr lang="fr-FR" dirty="0" smtClean="0"/>
+              <a:t>Un module est un JSON Type Definition ou un plugin.</a:t>
+            </a:r>
+          </a:p>
+          <a:p>
+            <a:pPr lvl="1"/>
+            <a:endParaRPr lang="fr-FR" dirty="0" smtClean="0"/>
+          </a:p>
+          <a:p>
+            <a:pPr lvl="1"/>
+            <a:endParaRPr lang="fr-FR" dirty="0" smtClean="0"/>
+          </a:p>
+          <a:p>
+            <a:pPr lvl="1"/>
+            <a:endParaRPr lang="fr-FR" dirty="0" smtClean="0"/>
+          </a:p>
+          <a:p>
+            <a:pPr lvl="1"/>
+            <a:endParaRPr lang="fr-FR" dirty="0" smtClean="0"/>
+          </a:p>
+          <a:p>
+            <a:pPr lvl="1"/>
+            <a:endParaRPr lang="fr-FR" dirty="0" smtClean="0"/>
+          </a:p>
+          <a:p>
+            <a:pPr lvl="1"/>
+            <a:endParaRPr lang="fr-FR" dirty="0" smtClean="0"/>
+          </a:p>
+          <a:p>
+            <a:pPr lvl="1"/>
+            <a:endParaRPr lang="fr-FR" dirty="0" smtClean="0"/>
+          </a:p>
+          <a:p>
+            <a:pPr lvl="1"/>
+            <a:endParaRPr lang="fr-FR" dirty="0" smtClean="0"/>
+          </a:p>
+          <a:p>
+            <a:pPr lvl="1"/>
             <a:endParaRPr lang="fr-FR" dirty="0"/>
           </a:p>
-        </p:txBody>
-      </p:sp>
-      <p:sp>
-        <p:nvSpPr>
-          <p:cNvPr id="6" name="Espace réservé du contenu 5"/>
-          <p:cNvSpPr>
-            <a:spLocks noGrp="1"/>
-          </p:cNvSpPr>
-          <p:nvPr>
-            <p:ph sz="half" idx="2"/>
-          </p:nvPr>
-        </p:nvSpPr>
-        <p:spPr/>
-        <p:txBody>
-          <a:bodyPr>
-            <a:normAutofit/>
-          </a:bodyPr>
-          <a:lstStyle/>
-          <a:p>
-            <a:r>
-              <a:rPr lang="fr-FR" sz="1600" dirty="0" smtClean="0"/>
-              <a:t>Ici le plugin tern </a:t>
-            </a:r>
-            <a:r>
-              <a:rPr lang="fr-FR" sz="1600" dirty="0" err="1" smtClean="0"/>
-              <a:t>lint</a:t>
-            </a:r>
-            <a:r>
-              <a:rPr lang="fr-FR" sz="1600" dirty="0" smtClean="0"/>
-              <a:t> est utilisé et affiche une erreur indiquant que le paramètre </a:t>
-            </a:r>
-            <a:r>
-              <a:rPr lang="fr-FR" sz="1600" dirty="0" err="1" smtClean="0"/>
-              <a:t>getElementById</a:t>
-            </a:r>
-            <a:r>
-              <a:rPr lang="fr-FR" sz="1600" dirty="0" smtClean="0"/>
-              <a:t> attend une string :</a:t>
-            </a:r>
-          </a:p>
-          <a:p>
-            <a:endParaRPr lang="fr-FR" sz="1600" dirty="0"/>
-          </a:p>
-          <a:p>
-            <a:endParaRPr lang="fr-FR" sz="1600" dirty="0" smtClean="0"/>
-          </a:p>
-          <a:p>
-            <a:endParaRPr lang="fr-FR" sz="1600" dirty="0"/>
+          <a:p>
+            <a:pPr lvl="1"/>
+            <a:endParaRPr lang="fr-FR" dirty="0" smtClean="0"/>
+          </a:p>
+          <a:p>
+            <a:pPr lvl="1"/>
+            <a:endParaRPr lang="fr-FR" dirty="0" smtClean="0"/>
+          </a:p>
+          <a:p>
+            <a:r>
+              <a:rPr lang="fr-FR" dirty="0" smtClean="0"/>
+              <a:t>La sélection des modules s’effectuent dans les propriétés du projet (ex : </a:t>
+            </a:r>
+            <a:r>
+              <a:rPr lang="fr-FR" dirty="0" err="1" smtClean="0"/>
+              <a:t>jquery</a:t>
+            </a:r>
+            <a:r>
+              <a:rPr lang="fr-FR" dirty="0" smtClean="0"/>
+              <a:t>). </a:t>
+            </a:r>
           </a:p>
         </p:txBody>
       </p:sp>
       <p:pic>
         <p:nvPicPr>
-          <p:cNvPr id="5122" name="Picture 2"/>
+          <p:cNvPr id="6147" name="Picture 3"/>
           <p:cNvPicPr>
             <a:picLocks noChangeAspect="1" noChangeArrowheads="1"/>
           </p:cNvPicPr>
@@ -18909,8 +19006,8 @@
         </p:blipFill>
         <p:spPr bwMode="auto">
           <a:xfrm>
-            <a:off x="1700214" y="1985963"/>
-            <a:ext cx="5743575" cy="1171575"/>
+            <a:off x="2123728" y="1437624"/>
+            <a:ext cx="3321436" cy="2567025"/>
           </a:xfrm>
           <a:prstGeom prst="rect">
             <a:avLst/>
@@ -18942,7 +19039,7 @@
       </p:pic>
       <p:sp>
         <p:nvSpPr>
-          <p:cNvPr id="3" name="Espace réservé du numéro de diapositive 2"/>
+          <p:cNvPr id="6" name="Espace réservé du numéro de diapositive 5"/>
           <p:cNvSpPr>
             <a:spLocks noGrp="1"/>
           </p:cNvSpPr>
@@ -18966,7 +19063,7 @@
     </p:spTree>
     <p:extLst>
       <p:ext uri="{BB962C8B-B14F-4D97-AF65-F5344CB8AC3E}">
-        <p14:creationId xmlns:p14="http://schemas.microsoft.com/office/powerpoint/2010/main" val="542899802"/>
+        <p14:creationId xmlns:p14="http://schemas.microsoft.com/office/powerpoint/2010/main" val="2278625243"/>
       </p:ext>
     </p:extLst>
   </p:cSld>
@@ -19022,7 +19119,7 @@
           <a:p>
             <a:r>
               <a:rPr lang="fr-FR" dirty="0" smtClean="0"/>
-              <a:t>TERN IDE &amp; Modules</a:t>
+              <a:t>TERN IDE &amp; jQuery</a:t>
             </a:r>
             <a:endParaRPr lang="fr-FR" dirty="0"/>
           </a:p>
@@ -19038,21 +19135,22 @@
             <p:ph sz="half" idx="2"/>
           </p:nvPr>
         </p:nvSpPr>
-        <p:spPr>
-          <a:xfrm>
-            <a:off x="251520" y="843558"/>
-            <a:ext cx="8640960" cy="3960440"/>
-          </a:xfrm>
-        </p:spPr>
-        <p:txBody>
-          <a:bodyPr>
-            <a:normAutofit/>
-          </a:bodyPr>
+        <p:spPr/>
+        <p:txBody>
+          <a:bodyPr/>
           <a:lstStyle/>
           <a:p>
             <a:r>
               <a:rPr lang="fr-FR" dirty="0" smtClean="0"/>
-              <a:t>Un module est un JSON Type Definition ou un plugin.</a:t>
+              <a:t>Après avoir sélectionné le module </a:t>
+            </a:r>
+            <a:r>
+              <a:rPr lang="fr-FR" dirty="0" err="1" smtClean="0"/>
+              <a:t>jquery</a:t>
+            </a:r>
+            <a:r>
+              <a:rPr lang="fr-FR" dirty="0" smtClean="0"/>
+              <a:t>, on bénéficie de la complétion sur ce framework: : </a:t>
             </a:r>
           </a:p>
           <a:p>
@@ -19085,24 +19183,9 @@
           </a:p>
           <a:p>
             <a:pPr lvl="1"/>
-            <a:endParaRPr lang="fr-FR" dirty="0" smtClean="0"/>
-          </a:p>
-          <a:p>
-            <a:pPr lvl="1"/>
-            <a:endParaRPr lang="fr-FR" dirty="0"/>
-          </a:p>
-          <a:p>
-            <a:pPr lvl="1"/>
-            <a:endParaRPr lang="fr-FR" dirty="0" smtClean="0"/>
-          </a:p>
-          <a:p>
-            <a:pPr lvl="1"/>
-            <a:endParaRPr lang="fr-FR" dirty="0" smtClean="0"/>
-          </a:p>
-          <a:p>
-            <a:r>
-              <a:rPr lang="fr-FR" dirty="0" smtClean="0"/>
-              <a:t>La sélection des modules s’effectuent dans les propriétés du projet (ex : </a:t>
+            <a:r>
+              <a:rPr lang="fr-FR" dirty="0" smtClean="0"/>
+              <a:t>►</a:t>
             </a:r>
             <a:r>
               <a:rPr lang="fr-FR" dirty="0" err="1" smtClean="0"/>
@@ -19110,14 +19193,15 @@
             </a:r>
             <a:r>
               <a:rPr lang="fr-FR" dirty="0" smtClean="0"/>
-              <a:t>). </a:t>
-            </a:r>
+              <a:t> est un JSON Type Definition</a:t>
+            </a:r>
+            <a:endParaRPr lang="fr-FR" dirty="0"/>
           </a:p>
         </p:txBody>
       </p:sp>
       <p:pic>
         <p:nvPicPr>
-          <p:cNvPr id="6147" name="Picture 3"/>
+          <p:cNvPr id="6" name="Picture 2"/>
           <p:cNvPicPr>
             <a:picLocks noChangeAspect="1" noChangeArrowheads="1"/>
           </p:cNvPicPr>
@@ -19138,8 +19222,8 @@
         </p:blipFill>
         <p:spPr bwMode="auto">
           <a:xfrm>
-            <a:off x="2123728" y="1437624"/>
-            <a:ext cx="3321436" cy="2567025"/>
+            <a:off x="611561" y="1676685"/>
+            <a:ext cx="7780101" cy="2335225"/>
           </a:xfrm>
           <a:prstGeom prst="rect">
             <a:avLst/>
@@ -19171,7 +19255,7 @@
       </p:pic>
       <p:sp>
         <p:nvSpPr>
-          <p:cNvPr id="6" name="Espace réservé du numéro de diapositive 5"/>
+          <p:cNvPr id="7" name="Espace réservé du numéro de diapositive 6"/>
           <p:cNvSpPr>
             <a:spLocks noGrp="1"/>
           </p:cNvSpPr>
@@ -19195,7 +19279,7 @@
     </p:spTree>
     <p:extLst>
       <p:ext uri="{BB962C8B-B14F-4D97-AF65-F5344CB8AC3E}">
-        <p14:creationId xmlns:p14="http://schemas.microsoft.com/office/powerpoint/2010/main" val="2278625243"/>
+        <p14:creationId xmlns:p14="http://schemas.microsoft.com/office/powerpoint/2010/main" val="95369748"/>
       </p:ext>
     </p:extLst>
   </p:cSld>
@@ -19251,7 +19335,7 @@
           <a:p>
             <a:r>
               <a:rPr lang="fr-FR" dirty="0" smtClean="0"/>
-              <a:t>TERN IDE &amp; jQuery</a:t>
+              <a:t>TERN IDE &amp; Node.js module</a:t>
             </a:r>
             <a:endParaRPr lang="fr-FR" dirty="0"/>
           </a:p>
@@ -19278,11 +19362,11 @@
             </a:r>
             <a:r>
               <a:rPr lang="fr-FR" dirty="0" err="1" smtClean="0"/>
-              <a:t>jquery</a:t>
-            </a:r>
-            <a:r>
-              <a:rPr lang="fr-FR" dirty="0" smtClean="0"/>
-              <a:t>, on bénéficie de la complétion sur ce framework: : </a:t>
+              <a:t>node</a:t>
+            </a:r>
+            <a:r>
+              <a:rPr lang="fr-FR" dirty="0" smtClean="0"/>
+              <a:t>, on bénéficie de la complétion sur ce framework: :</a:t>
             </a:r>
           </a:p>
           <a:p>
@@ -19321,19 +19405,66 @@
             </a:r>
             <a:r>
               <a:rPr lang="fr-FR" dirty="0" err="1" smtClean="0"/>
-              <a:t>jquery</a:t>
-            </a:r>
-            <a:r>
-              <a:rPr lang="fr-FR" dirty="0" smtClean="0"/>
-              <a:t> est un JSON Type Definition</a:t>
-            </a:r>
+              <a:t>node</a:t>
+            </a:r>
+            <a:r>
+              <a:rPr lang="fr-FR" dirty="0" smtClean="0"/>
+              <a:t> est un plugin tern. Ici il gère la fonction </a:t>
+            </a:r>
+            <a:r>
+              <a:rPr lang="fr-FR" dirty="0" err="1" smtClean="0"/>
+              <a:t>require</a:t>
+            </a:r>
+            <a:r>
+              <a:rPr lang="fr-FR" dirty="0" smtClean="0"/>
+              <a:t>.</a:t>
+            </a:r>
+          </a:p>
+          <a:p>
+            <a:pPr lvl="1"/>
+            <a:endParaRPr lang="fr-FR" dirty="0" smtClean="0"/>
+          </a:p>
+          <a:p>
+            <a:pPr lvl="1"/>
+            <a:endParaRPr lang="fr-FR" dirty="0" smtClean="0"/>
+          </a:p>
+          <a:p>
+            <a:pPr lvl="1"/>
+            <a:endParaRPr lang="fr-FR" dirty="0" smtClean="0"/>
+          </a:p>
+          <a:p>
+            <a:pPr lvl="1"/>
+            <a:endParaRPr lang="fr-FR" dirty="0" smtClean="0"/>
+          </a:p>
+          <a:p>
+            <a:pPr lvl="1"/>
+            <a:endParaRPr lang="fr-FR" dirty="0" smtClean="0"/>
+          </a:p>
+          <a:p>
+            <a:pPr lvl="1"/>
+            <a:endParaRPr lang="fr-FR" dirty="0" smtClean="0"/>
+          </a:p>
+          <a:p>
+            <a:pPr lvl="1"/>
+            <a:endParaRPr lang="fr-FR" dirty="0" smtClean="0"/>
+          </a:p>
+          <a:p>
+            <a:pPr lvl="1"/>
+            <a:endParaRPr lang="fr-FR" dirty="0" smtClean="0"/>
+          </a:p>
+          <a:p>
+            <a:pPr lvl="1"/>
+            <a:endParaRPr lang="fr-FR" dirty="0" smtClean="0"/>
+          </a:p>
+          <a:p>
+            <a:pPr lvl="1"/>
             <a:endParaRPr lang="fr-FR" dirty="0"/>
           </a:p>
         </p:txBody>
       </p:sp>
       <p:pic>
         <p:nvPicPr>
-          <p:cNvPr id="6" name="Picture 2"/>
+          <p:cNvPr id="15362" name="Picture 2"/>
           <p:cNvPicPr>
             <a:picLocks noChangeAspect="1" noChangeArrowheads="1"/>
           </p:cNvPicPr>
@@ -19354,8 +19485,8 @@
         </p:blipFill>
         <p:spPr bwMode="auto">
           <a:xfrm>
-            <a:off x="611561" y="1676685"/>
-            <a:ext cx="7780101" cy="2335225"/>
+            <a:off x="755576" y="1687747"/>
+            <a:ext cx="7704856" cy="2396171"/>
           </a:xfrm>
           <a:prstGeom prst="rect">
             <a:avLst/>
@@ -19387,7 +19518,7 @@
       </p:pic>
       <p:sp>
         <p:nvSpPr>
-          <p:cNvPr id="7" name="Espace réservé du numéro de diapositive 6"/>
+          <p:cNvPr id="6" name="Espace réservé du numéro de diapositive 5"/>
           <p:cNvSpPr>
             <a:spLocks noGrp="1"/>
           </p:cNvSpPr>
@@ -19411,7 +19542,7 @@
     </p:spTree>
     <p:extLst>
       <p:ext uri="{BB962C8B-B14F-4D97-AF65-F5344CB8AC3E}">
-        <p14:creationId xmlns:p14="http://schemas.microsoft.com/office/powerpoint/2010/main" val="95369748"/>
+        <p14:creationId xmlns:p14="http://schemas.microsoft.com/office/powerpoint/2010/main" val="184326546"/>
       </p:ext>
     </p:extLst>
   </p:cSld>
@@ -19467,7 +19598,7 @@
           <a:p>
             <a:r>
               <a:rPr lang="fr-FR" dirty="0" smtClean="0"/>
-              <a:t>TERN IDE &amp; Node.js module</a:t>
+              <a:t>TERN IDE &amp; Closure Library</a:t>
             </a:r>
             <a:endParaRPr lang="fr-FR" dirty="0"/>
           </a:p>
@@ -19494,11 +19625,11 @@
             </a:r>
             <a:r>
               <a:rPr lang="fr-FR" dirty="0" err="1" smtClean="0"/>
-              <a:t>node</a:t>
-            </a:r>
-            <a:r>
-              <a:rPr lang="fr-FR" dirty="0" smtClean="0"/>
-              <a:t>, on bénéficie de la complétion sur ce framework: :</a:t>
+              <a:t>closure</a:t>
+            </a:r>
+            <a:r>
+              <a:rPr lang="fr-FR" dirty="0" smtClean="0"/>
+              <a:t>, on bénéficie de la complétion sur ce framework: : </a:t>
             </a:r>
           </a:p>
           <a:p>
@@ -19531,72 +19662,52 @@
           </a:p>
           <a:p>
             <a:pPr lvl="1"/>
-            <a:r>
-              <a:rPr lang="fr-FR" dirty="0" smtClean="0"/>
-              <a:t>►</a:t>
-            </a:r>
+            <a:endParaRPr lang="fr-FR" dirty="0" smtClean="0"/>
+          </a:p>
+          <a:p>
+            <a:pPr>
+              <a:buFont typeface="Century Gothic" panose="020B0502020202020204" pitchFamily="34" charset="0"/>
+              <a:buChar char="►"/>
+            </a:pPr>
             <a:r>
               <a:rPr lang="fr-FR" dirty="0" err="1" smtClean="0"/>
-              <a:t>node</a:t>
-            </a:r>
-            <a:r>
-              <a:rPr lang="fr-FR" dirty="0" smtClean="0"/>
-              <a:t> est un plugin tern. Ici il gère la fonction </a:t>
+              <a:t>closure</a:t>
+            </a:r>
+            <a:r>
+              <a:rPr lang="fr-FR" dirty="0" smtClean="0"/>
+              <a:t> est un plugin tern. Il se base sur les sources de </a:t>
             </a:r>
             <a:r>
               <a:rPr lang="fr-FR" dirty="0" err="1" smtClean="0"/>
-              <a:t>require</a:t>
+              <a:t>closure</a:t>
+            </a:r>
+            <a:r>
+              <a:rPr lang="fr-FR" dirty="0" smtClean="0"/>
+              <a:t>. Le </a:t>
+            </a:r>
+            <a:r>
+              <a:rPr lang="fr-FR" dirty="0" err="1" smtClean="0"/>
+              <a:t>hyperlink</a:t>
+            </a:r>
+            <a:r>
+              <a:rPr lang="fr-FR" dirty="0" smtClean="0"/>
+              <a:t> permet d’ouvrir les sources de </a:t>
+            </a:r>
+            <a:r>
+              <a:rPr lang="fr-FR" dirty="0" err="1" smtClean="0"/>
+              <a:t>closure</a:t>
             </a:r>
             <a:r>
               <a:rPr lang="fr-FR" dirty="0" smtClean="0"/>
               <a:t>.</a:t>
             </a:r>
-          </a:p>
-          <a:p>
-            <a:pPr lvl="1"/>
-            <a:endParaRPr lang="fr-FR" dirty="0" smtClean="0"/>
-          </a:p>
-          <a:p>
-            <a:pPr lvl="1"/>
-            <a:endParaRPr lang="fr-FR" dirty="0" smtClean="0"/>
-          </a:p>
-          <a:p>
-            <a:pPr lvl="1"/>
-            <a:endParaRPr lang="fr-FR" dirty="0" smtClean="0"/>
-          </a:p>
-          <a:p>
-            <a:pPr lvl="1"/>
-            <a:endParaRPr lang="fr-FR" dirty="0" smtClean="0"/>
-          </a:p>
-          <a:p>
-            <a:pPr lvl="1"/>
-            <a:endParaRPr lang="fr-FR" dirty="0" smtClean="0"/>
-          </a:p>
-          <a:p>
-            <a:pPr lvl="1"/>
-            <a:endParaRPr lang="fr-FR" dirty="0" smtClean="0"/>
-          </a:p>
-          <a:p>
-            <a:pPr lvl="1"/>
-            <a:endParaRPr lang="fr-FR" dirty="0" smtClean="0"/>
-          </a:p>
-          <a:p>
-            <a:pPr lvl="1"/>
-            <a:endParaRPr lang="fr-FR" dirty="0" smtClean="0"/>
-          </a:p>
-          <a:p>
-            <a:pPr lvl="1"/>
-            <a:endParaRPr lang="fr-FR" dirty="0" smtClean="0"/>
-          </a:p>
-          <a:p>
-            <a:pPr lvl="1"/>
             <a:endParaRPr lang="fr-FR" dirty="0"/>
           </a:p>
         </p:txBody>
       </p:sp>
       <p:pic>
         <p:nvPicPr>
-          <p:cNvPr id="15362" name="Picture 2"/>
+          <p:cNvPr id="16386" name="Picture 2"/>
           <p:cNvPicPr>
             <a:picLocks noChangeAspect="1" noChangeArrowheads="1"/>
           </p:cNvPicPr>
@@ -19617,8 +19728,8 @@
         </p:blipFill>
         <p:spPr bwMode="auto">
           <a:xfrm>
-            <a:off x="755576" y="1687747"/>
-            <a:ext cx="7704856" cy="2396171"/>
+            <a:off x="990959" y="1635646"/>
+            <a:ext cx="6864350" cy="1957388"/>
           </a:xfrm>
           <a:prstGeom prst="rect">
             <a:avLst/>
@@ -19674,7 +19785,7 @@
     </p:spTree>
     <p:extLst>
       <p:ext uri="{BB962C8B-B14F-4D97-AF65-F5344CB8AC3E}">
-        <p14:creationId xmlns:p14="http://schemas.microsoft.com/office/powerpoint/2010/main" val="184326546"/>
+        <p14:creationId xmlns:p14="http://schemas.microsoft.com/office/powerpoint/2010/main" val="2772717686"/>
       </p:ext>
     </p:extLst>
   </p:cSld>
@@ -19730,7 +19841,7 @@
           <a:p>
             <a:r>
               <a:rPr lang="fr-FR" dirty="0" smtClean="0"/>
-              <a:t>TERN IDE &amp; Closure Library</a:t>
+              <a:t>Tern Java - Comment ca marche?</a:t>
             </a:r>
             <a:endParaRPr lang="fr-FR" dirty="0"/>
           </a:p>
@@ -19753,15 +19864,7 @@
           <a:p>
             <a:r>
               <a:rPr lang="fr-FR" dirty="0" smtClean="0"/>
-              <a:t>Après avoir sélectionné le module </a:t>
-            </a:r>
-            <a:r>
-              <a:rPr lang="fr-FR" dirty="0" err="1" smtClean="0"/>
-              <a:t>closure</a:t>
-            </a:r>
-            <a:r>
-              <a:rPr lang="fr-FR" dirty="0" smtClean="0"/>
-              <a:t>, on bénéficie de la complétion sur ce framework: : </a:t>
+              <a:t>Communication entre la complétion Eclipse et tern  :</a:t>
             </a:r>
           </a:p>
           <a:p>
@@ -19770,76 +19873,13 @@
           </a:p>
           <a:p>
             <a:pPr lvl="1"/>
-            <a:endParaRPr lang="fr-FR" dirty="0" smtClean="0"/>
-          </a:p>
-          <a:p>
-            <a:pPr lvl="1"/>
-            <a:endParaRPr lang="fr-FR" dirty="0" smtClean="0"/>
-          </a:p>
-          <a:p>
-            <a:pPr lvl="1"/>
-            <a:endParaRPr lang="fr-FR" dirty="0" smtClean="0"/>
-          </a:p>
-          <a:p>
-            <a:pPr lvl="1"/>
-            <a:endParaRPr lang="fr-FR" dirty="0" smtClean="0"/>
-          </a:p>
-          <a:p>
-            <a:pPr lvl="1"/>
-            <a:endParaRPr lang="fr-FR" dirty="0" smtClean="0"/>
-          </a:p>
-          <a:p>
-            <a:pPr lvl="1"/>
-            <a:endParaRPr lang="fr-FR" dirty="0" smtClean="0"/>
-          </a:p>
-          <a:p>
-            <a:pPr lvl="1"/>
-            <a:endParaRPr lang="fr-FR" dirty="0" smtClean="0"/>
-          </a:p>
-          <a:p>
-            <a:pPr>
-              <a:buFont typeface="Century Gothic" panose="020B0502020202020204" pitchFamily="34" charset="0"/>
-              <a:buChar char="►"/>
-            </a:pPr>
-            <a:r>
-              <a:rPr lang="fr-FR" dirty="0" err="1" smtClean="0"/>
-              <a:t>closure</a:t>
-            </a:r>
-            <a:r>
-              <a:rPr lang="fr-FR" dirty="0" smtClean="0"/>
-              <a:t> est un plugin tern. Il se base sur les sources de </a:t>
-            </a:r>
-            <a:r>
-              <a:rPr lang="fr-FR" dirty="0" err="1" smtClean="0"/>
-              <a:t>closure</a:t>
-            </a:r>
-            <a:r>
-              <a:rPr lang="fr-FR" dirty="0" smtClean="0"/>
-              <a:t>. Le </a:t>
-            </a:r>
-            <a:r>
-              <a:rPr lang="fr-FR" dirty="0" err="1" smtClean="0"/>
-              <a:t>hyperlink</a:t>
-            </a:r>
-            <a:r>
-              <a:rPr lang="fr-FR" dirty="0" smtClean="0"/>
-              <a:t> permet d’ouvrir les sources de </a:t>
-            </a:r>
-            <a:r>
-              <a:rPr lang="fr-FR" dirty="0" err="1" smtClean="0"/>
-              <a:t>closure</a:t>
-            </a:r>
-            <a:r>
-              <a:rPr lang="fr-FR" dirty="0" smtClean="0"/>
-              <a:t>.</a:t>
-            </a:r>
             <a:endParaRPr lang="fr-FR" dirty="0"/>
           </a:p>
         </p:txBody>
       </p:sp>
       <p:pic>
         <p:nvPicPr>
-          <p:cNvPr id="16386" name="Picture 2"/>
+          <p:cNvPr id="12290" name="Picture 2"/>
           <p:cNvPicPr>
             <a:picLocks noChangeAspect="1" noChangeArrowheads="1"/>
           </p:cNvPicPr>
@@ -19860,8 +19900,8 @@
         </p:blipFill>
         <p:spPr bwMode="auto">
           <a:xfrm>
-            <a:off x="990959" y="1635646"/>
-            <a:ext cx="6864350" cy="1957388"/>
+            <a:off x="1162050" y="1545636"/>
+            <a:ext cx="6819900" cy="2386013"/>
           </a:xfrm>
           <a:prstGeom prst="rect">
             <a:avLst/>
@@ -19917,7 +19957,7 @@
     </p:spTree>
     <p:extLst>
       <p:ext uri="{BB962C8B-B14F-4D97-AF65-F5344CB8AC3E}">
-        <p14:creationId xmlns:p14="http://schemas.microsoft.com/office/powerpoint/2010/main" val="2772717686"/>
+        <p14:creationId xmlns:p14="http://schemas.microsoft.com/office/powerpoint/2010/main" val="298686341"/>
       </p:ext>
     </p:extLst>
   </p:cSld>
@@ -19996,12 +20036,89 @@
           <a:p>
             <a:r>
               <a:rPr lang="fr-FR" dirty="0" smtClean="0"/>
-              <a:t>Communication entre la complétion Eclipse et tern  :</a:t>
+              <a:t>serveur tern lancé : tern.js est exécuté dans Eclipse IDE via Node.js</a:t>
+            </a:r>
+          </a:p>
+          <a:p>
+            <a:r>
+              <a:rPr lang="fr-FR" dirty="0" smtClean="0"/>
+              <a:t>Ici le server tern charge les JSON Type </a:t>
+            </a:r>
+            <a:r>
+              <a:rPr lang="fr-FR" dirty="0" err="1" smtClean="0"/>
+              <a:t>Definitions</a:t>
+            </a:r>
+            <a:r>
+              <a:rPr lang="fr-FR" dirty="0" smtClean="0"/>
+              <a:t> emacs5, browser et </a:t>
+            </a:r>
+            <a:r>
+              <a:rPr lang="fr-FR" dirty="0" err="1" smtClean="0"/>
+              <a:t>jquery</a:t>
+            </a:r>
+            <a:endParaRPr lang="fr-FR" dirty="0" smtClean="0"/>
+          </a:p>
+          <a:p>
+            <a:r>
+              <a:rPr lang="fr-FR" dirty="0" smtClean="0"/>
+              <a:t>communication entre la complétion Eclipse et le serveur tern s’effectue via JSON : </a:t>
             </a:r>
           </a:p>
           <a:p>
             <a:pPr lvl="1"/>
-            <a:endParaRPr lang="fr-FR" dirty="0" smtClean="0"/>
+            <a:r>
+              <a:rPr lang="fr-FR" dirty="0" smtClean="0"/>
+              <a:t>2 requêtes JSON:</a:t>
+            </a:r>
+          </a:p>
+          <a:p>
+            <a:pPr lvl="2"/>
+            <a:r>
+              <a:rPr lang="fr-FR" dirty="0" smtClean="0"/>
+              <a:t>requête files: envoie le contenu de l’éditeur et d’autres fichiers (si besoin)</a:t>
+            </a:r>
+          </a:p>
+          <a:p>
+            <a:pPr lvl="2"/>
+            <a:r>
+              <a:rPr lang="fr-FR" dirty="0" smtClean="0"/>
+              <a:t>Requête complétion:  envoie une requête de type complétion :</a:t>
+            </a:r>
+          </a:p>
+          <a:p>
+            <a:pPr lvl="3"/>
+            <a:r>
+              <a:rPr lang="fr-FR" dirty="0" smtClean="0"/>
+              <a:t>type: complétion</a:t>
+            </a:r>
+          </a:p>
+          <a:p>
+            <a:pPr lvl="3"/>
+            <a:r>
+              <a:rPr lang="fr-FR" dirty="0" smtClean="0"/>
+              <a:t>file: nom du fichier</a:t>
+            </a:r>
+          </a:p>
+          <a:p>
+            <a:pPr lvl="3"/>
+            <a:r>
+              <a:rPr lang="fr-FR" dirty="0" smtClean="0"/>
+              <a:t>end: offset ou la complétion est lancée.</a:t>
+            </a:r>
+          </a:p>
+          <a:p>
+            <a:pPr lvl="1"/>
+            <a:r>
+              <a:rPr lang="fr-FR" dirty="0" smtClean="0"/>
+              <a:t>Une réponse JSON:</a:t>
+            </a:r>
+          </a:p>
+          <a:p>
+            <a:pPr lvl="2"/>
+            <a:r>
+              <a:rPr lang="fr-FR" dirty="0" smtClean="0"/>
+              <a:t>complétions : tableau avec le résultat de la complétion.</a:t>
+            </a:r>
           </a:p>
           <a:p>
             <a:pPr lvl="1"/>
@@ -20009,60 +20126,6 @@
           </a:p>
         </p:txBody>
       </p:sp>
-      <p:pic>
-        <p:nvPicPr>
-          <p:cNvPr id="12290" name="Picture 2"/>
-          <p:cNvPicPr>
-            <a:picLocks noChangeAspect="1" noChangeArrowheads="1"/>
-          </p:cNvPicPr>
-          <p:nvPr/>
-        </p:nvPicPr>
-        <p:blipFill>
-          <a:blip r:embed="rId2">
-            <a:extLst>
-              <a:ext uri="{28A0092B-C50C-407E-A947-70E740481C1C}">
-                <a14:useLocalDpi xmlns:a14="http://schemas.microsoft.com/office/drawing/2010/main" val="0"/>
-              </a:ext>
-            </a:extLst>
-          </a:blip>
-          <a:srcRect/>
-          <a:stretch>
-            <a:fillRect/>
-          </a:stretch>
-        </p:blipFill>
-        <p:spPr bwMode="auto">
-          <a:xfrm>
-            <a:off x="1162050" y="1545636"/>
-            <a:ext cx="6819900" cy="2386013"/>
-          </a:xfrm>
-          <a:prstGeom prst="rect">
-            <a:avLst/>
-          </a:prstGeom>
-          <a:noFill/>
-          <a:ln>
-            <a:noFill/>
-          </a:ln>
-          <a:extLst>
-            <a:ext uri="{909E8E84-426E-40DD-AFC4-6F175D3DCCD1}">
-              <a14:hiddenFill xmlns:a14="http://schemas.microsoft.com/office/drawing/2010/main">
-                <a:solidFill>
-                  <a:schemeClr val="accent1"/>
-                </a:solidFill>
-              </a14:hiddenFill>
-            </a:ext>
-            <a:ext uri="{91240B29-F687-4F45-9708-019B960494DF}">
-              <a14:hiddenLine xmlns:a14="http://schemas.microsoft.com/office/drawing/2010/main" w="9525">
-                <a:solidFill>
-                  <a:schemeClr val="tx1"/>
-                </a:solidFill>
-                <a:miter lim="800000"/>
-                <a:headEnd/>
-                <a:tailEnd/>
-              </a14:hiddenLine>
-            </a:ext>
-          </a:extLst>
-        </p:spPr>
-      </p:pic>
       <p:sp>
         <p:nvSpPr>
           <p:cNvPr id="6" name="Espace réservé du numéro de diapositive 5"/>
@@ -20081,201 +20144,6 @@
             <a:fld id="{31983D30-6903-4279-B3B7-192429037A18}" type="slidenum">
               <a:rPr lang="fr-FR" smtClean="0"/>
               <a:t>26</a:t>
-            </a:fld>
-            <a:endParaRPr lang="fr-FR"/>
-          </a:p>
-        </p:txBody>
-      </p:sp>
-    </p:spTree>
-    <p:extLst>
-      <p:ext uri="{BB962C8B-B14F-4D97-AF65-F5344CB8AC3E}">
-        <p14:creationId xmlns:p14="http://schemas.microsoft.com/office/powerpoint/2010/main" val="298686341"/>
-      </p:ext>
-    </p:extLst>
-  </p:cSld>
-  <p:clrMapOvr>
-    <a:masterClrMapping/>
-  </p:clrMapOvr>
-  <mc:AlternateContent xmlns:mc="http://schemas.openxmlformats.org/markup-compatibility/2006" xmlns:p14="http://schemas.microsoft.com/office/powerpoint/2010/main">
-    <mc:Choice Requires="p14">
-      <p:transition spd="med" p14:dur="700">
-        <p:fade/>
-      </p:transition>
-    </mc:Choice>
-    <mc:Fallback xmlns="">
-      <p:transition spd="med">
-        <p:fade/>
-      </p:transition>
-    </mc:Fallback>
-  </mc:AlternateContent>
-</p:sld>
-</file>
-
-<file path=ppt/slides/slide27.xml><?xml version="1.0" encoding="utf-8"?>
-<p:sld xmlns:a="http://schemas.openxmlformats.org/drawingml/2006/main" xmlns:r="http://schemas.openxmlformats.org/officeDocument/2006/relationships" xmlns:p="http://schemas.openxmlformats.org/presentationml/2006/main">
-  <p:cSld>
-    <p:spTree>
-      <p:nvGrpSpPr>
-        <p:cNvPr id="1" name=""/>
-        <p:cNvGrpSpPr/>
-        <p:nvPr/>
-      </p:nvGrpSpPr>
-      <p:grpSpPr>
-        <a:xfrm>
-          <a:off x="0" y="0"/>
-          <a:ext cx="0" cy="0"/>
-          <a:chOff x="0" y="0"/>
-          <a:chExt cx="0" cy="0"/>
-        </a:xfrm>
-      </p:grpSpPr>
-      <p:sp>
-        <p:nvSpPr>
-          <p:cNvPr id="2" name="Titre 1"/>
-          <p:cNvSpPr>
-            <a:spLocks noGrp="1"/>
-          </p:cNvSpPr>
-          <p:nvPr>
-            <p:ph type="title"/>
-          </p:nvPr>
-        </p:nvSpPr>
-        <p:spPr/>
-        <p:txBody>
-          <a:bodyPr/>
-          <a:lstStyle/>
-          <a:p>
-            <a:r>
-              <a:rPr lang="fr-FR" dirty="0" smtClean="0"/>
-              <a:t>Tern Java - Comment ca marche?</a:t>
-            </a:r>
-            <a:endParaRPr lang="fr-FR" dirty="0"/>
-          </a:p>
-        </p:txBody>
-      </p:sp>
-      <p:sp>
-        <p:nvSpPr>
-          <p:cNvPr id="3" name="Espace réservé du contenu 2"/>
-          <p:cNvSpPr>
-            <a:spLocks noGrp="1"/>
-          </p:cNvSpPr>
-          <p:nvPr>
-            <p:ph sz="half" idx="2"/>
-          </p:nvPr>
-        </p:nvSpPr>
-        <p:spPr/>
-        <p:txBody>
-          <a:bodyPr/>
-          <a:lstStyle/>
-          <a:p>
-            <a:r>
-              <a:rPr lang="fr-FR" dirty="0" smtClean="0"/>
-              <a:t>serveur tern lancé : tern.js est exécuté dans Eclipse IDE via Node.js</a:t>
-            </a:r>
-          </a:p>
-          <a:p>
-            <a:r>
-              <a:rPr lang="fr-FR" dirty="0" smtClean="0"/>
-              <a:t>Ici le server tern charge les JSON Type </a:t>
-            </a:r>
-            <a:r>
-              <a:rPr lang="fr-FR" dirty="0" err="1" smtClean="0"/>
-              <a:t>Definitions</a:t>
-            </a:r>
-            <a:r>
-              <a:rPr lang="fr-FR" dirty="0" smtClean="0"/>
-              <a:t> emacs5, browser et </a:t>
-            </a:r>
-            <a:r>
-              <a:rPr lang="fr-FR" dirty="0" err="1" smtClean="0"/>
-              <a:t>jquery</a:t>
-            </a:r>
-            <a:endParaRPr lang="fr-FR" dirty="0" smtClean="0"/>
-          </a:p>
-          <a:p>
-            <a:r>
-              <a:rPr lang="fr-FR" dirty="0" smtClean="0"/>
-              <a:t>communication entre la complétion Eclipse et le serveur tern s’effectue via JSON : </a:t>
-            </a:r>
-          </a:p>
-          <a:p>
-            <a:pPr lvl="1"/>
-            <a:r>
-              <a:rPr lang="fr-FR" dirty="0" smtClean="0"/>
-              <a:t>2 requêtes JSON:</a:t>
-            </a:r>
-          </a:p>
-          <a:p>
-            <a:pPr lvl="2"/>
-            <a:r>
-              <a:rPr lang="fr-FR" dirty="0" smtClean="0"/>
-              <a:t>requête files: envoie le contenu de l’éditeur et d’autres fichiers (si besoin)</a:t>
-            </a:r>
-          </a:p>
-          <a:p>
-            <a:pPr lvl="2"/>
-            <a:r>
-              <a:rPr lang="fr-FR" dirty="0" smtClean="0"/>
-              <a:t>Requête complétion:  envoie une requête de type complétion :</a:t>
-            </a:r>
-          </a:p>
-          <a:p>
-            <a:pPr lvl="3"/>
-            <a:r>
-              <a:rPr lang="fr-FR" dirty="0" smtClean="0"/>
-              <a:t>type: complétion</a:t>
-            </a:r>
-          </a:p>
-          <a:p>
-            <a:pPr lvl="3"/>
-            <a:r>
-              <a:rPr lang="fr-FR" dirty="0" smtClean="0"/>
-              <a:t>file: nom du fichier</a:t>
-            </a:r>
-          </a:p>
-          <a:p>
-            <a:pPr lvl="3"/>
-            <a:r>
-              <a:rPr lang="fr-FR" dirty="0" smtClean="0"/>
-              <a:t>end: offset ou la complétion est lancée.</a:t>
-            </a:r>
-          </a:p>
-          <a:p>
-            <a:pPr lvl="1"/>
-            <a:r>
-              <a:rPr lang="fr-FR" dirty="0" smtClean="0"/>
-              <a:t>Une réponse JSON:</a:t>
-            </a:r>
-          </a:p>
-          <a:p>
-            <a:pPr lvl="2"/>
-            <a:r>
-              <a:rPr lang="fr-FR" dirty="0" smtClean="0"/>
-              <a:t>complétions : tableau avec le résultat de la complétion.</a:t>
-            </a:r>
-          </a:p>
-          <a:p>
-            <a:pPr lvl="1"/>
-            <a:endParaRPr lang="fr-FR" dirty="0"/>
-          </a:p>
-        </p:txBody>
-      </p:sp>
-      <p:sp>
-        <p:nvSpPr>
-          <p:cNvPr id="6" name="Espace réservé du numéro de diapositive 5"/>
-          <p:cNvSpPr>
-            <a:spLocks noGrp="1"/>
-          </p:cNvSpPr>
-          <p:nvPr>
-            <p:ph type="sldNum" sz="quarter" idx="12"/>
-          </p:nvPr>
-        </p:nvSpPr>
-        <p:spPr/>
-        <p:txBody>
-          <a:bodyPr/>
-          <a:lstStyle/>
-          <a:p>
-            <a:fld id="{31983D30-6903-4279-B3B7-192429037A18}" type="slidenum">
-              <a:rPr lang="fr-FR" smtClean="0"/>
-              <a:t>27</a:t>
             </a:fld>
             <a:endParaRPr lang="fr-FR"/>
           </a:p>
@@ -20306,7 +20174,7 @@
 </p:sld>
 </file>
 
-<file path=ppt/slides/slide28.xml><?xml version="1.0" encoding="utf-8"?>
+<file path=ppt/slides/slide27.xml><?xml version="1.0" encoding="utf-8"?>
 <p:sld xmlns:a="http://schemas.openxmlformats.org/drawingml/2006/main" xmlns:r="http://schemas.openxmlformats.org/officeDocument/2006/relationships" xmlns:p="http://schemas.openxmlformats.org/presentationml/2006/main">
   <p:cSld>
     <p:spTree>
@@ -20523,7 +20391,7 @@
           <a:p>
             <a:fld id="{31983D30-6903-4279-B3B7-192429037A18}" type="slidenum">
               <a:rPr lang="fr-FR" smtClean="0"/>
-              <a:t>28</a:t>
+              <a:t>27</a:t>
             </a:fld>
             <a:endParaRPr lang="fr-FR"/>
           </a:p>
@@ -20533,6 +20401,231 @@
     <p:extLst>
       <p:ext uri="{BB962C8B-B14F-4D97-AF65-F5344CB8AC3E}">
         <p14:creationId xmlns:p14="http://schemas.microsoft.com/office/powerpoint/2010/main" val="1581530251"/>
+      </p:ext>
+    </p:extLst>
+  </p:cSld>
+  <p:clrMapOvr>
+    <a:masterClrMapping/>
+  </p:clrMapOvr>
+  <mc:AlternateContent xmlns:mc="http://schemas.openxmlformats.org/markup-compatibility/2006" xmlns:p14="http://schemas.microsoft.com/office/powerpoint/2010/main">
+    <mc:Choice Requires="p14">
+      <p:transition spd="med" p14:dur="700">
+        <p:fade/>
+      </p:transition>
+    </mc:Choice>
+    <mc:Fallback xmlns="">
+      <p:transition spd="med">
+        <p:fade/>
+      </p:transition>
+    </mc:Fallback>
+  </mc:AlternateContent>
+</p:sld>
+</file>
+
+<file path=ppt/slides/slide28.xml><?xml version="1.0" encoding="utf-8"?>
+<p:sld xmlns:a="http://schemas.openxmlformats.org/drawingml/2006/main" xmlns:r="http://schemas.openxmlformats.org/officeDocument/2006/relationships" xmlns:p="http://schemas.openxmlformats.org/presentationml/2006/main">
+  <p:cSld>
+    <p:spTree>
+      <p:nvGrpSpPr>
+        <p:cNvPr id="1" name=""/>
+        <p:cNvGrpSpPr/>
+        <p:nvPr/>
+      </p:nvGrpSpPr>
+      <p:grpSpPr>
+        <a:xfrm>
+          <a:off x="0" y="0"/>
+          <a:ext cx="0" cy="0"/>
+          <a:chOff x="0" y="0"/>
+          <a:chExt cx="0" cy="0"/>
+        </a:xfrm>
+      </p:grpSpPr>
+      <p:sp>
+        <p:nvSpPr>
+          <p:cNvPr id="2" name="Titre 1"/>
+          <p:cNvSpPr>
+            <a:spLocks noGrp="1"/>
+          </p:cNvSpPr>
+          <p:nvPr>
+            <p:ph type="title"/>
+          </p:nvPr>
+        </p:nvSpPr>
+        <p:spPr/>
+        <p:txBody>
+          <a:bodyPr/>
+          <a:lstStyle/>
+          <a:p>
+            <a:r>
+              <a:rPr lang="fr-FR" dirty="0" smtClean="0"/>
+              <a:t>Implémentation Serveur tern</a:t>
+            </a:r>
+            <a:endParaRPr lang="fr-FR" dirty="0"/>
+          </a:p>
+        </p:txBody>
+      </p:sp>
+      <p:sp>
+        <p:nvSpPr>
+          <p:cNvPr id="3" name="Espace réservé du contenu 2"/>
+          <p:cNvSpPr>
+            <a:spLocks noGrp="1"/>
+          </p:cNvSpPr>
+          <p:nvPr>
+            <p:ph sz="half" idx="1"/>
+          </p:nvPr>
+        </p:nvSpPr>
+        <p:spPr/>
+        <p:txBody>
+          <a:bodyPr/>
+          <a:lstStyle/>
+          <a:p>
+            <a:r>
+              <a:rPr lang="fr-FR" dirty="0" smtClean="0"/>
+              <a:t>tern.js écrits en JavaScript doit être exécuté dans un contexte Java, pour cela plusieurs solutions :</a:t>
+            </a:r>
+          </a:p>
+          <a:p>
+            <a:pPr lvl="1"/>
+            <a:r>
+              <a:rPr lang="fr-FR" dirty="0" smtClean="0"/>
+              <a:t>Rhino, </a:t>
+            </a:r>
+          </a:p>
+          <a:p>
+            <a:pPr lvl="1"/>
+            <a:r>
+              <a:rPr lang="fr-FR" dirty="0" smtClean="0"/>
+              <a:t>Node.js (client serveur), </a:t>
+            </a:r>
+          </a:p>
+          <a:p>
+            <a:pPr lvl="1"/>
+            <a:r>
+              <a:rPr lang="fr-FR" dirty="0" err="1" smtClean="0"/>
+              <a:t>Nashhorm</a:t>
+            </a:r>
+            <a:r>
+              <a:rPr lang="fr-FR" dirty="0" smtClean="0"/>
+              <a:t>, </a:t>
+            </a:r>
+          </a:p>
+          <a:p>
+            <a:pPr lvl="1"/>
+            <a:r>
+              <a:rPr lang="fr-FR" dirty="0" err="1" smtClean="0"/>
+              <a:t>Vertx</a:t>
+            </a:r>
+            <a:endParaRPr lang="fr-FR" dirty="0" smtClean="0"/>
+          </a:p>
+          <a:p>
+            <a:pPr lvl="1"/>
+            <a:r>
+              <a:rPr lang="fr-FR" dirty="0" smtClean="0"/>
+              <a:t>Chrome, </a:t>
+            </a:r>
+            <a:r>
+              <a:rPr lang="fr-FR" dirty="0" err="1" smtClean="0"/>
+              <a:t>etc</a:t>
+            </a:r>
+            <a:endParaRPr lang="fr-FR" dirty="0" smtClean="0"/>
+          </a:p>
+        </p:txBody>
+      </p:sp>
+      <p:sp>
+        <p:nvSpPr>
+          <p:cNvPr id="4" name="Espace réservé du contenu 3"/>
+          <p:cNvSpPr>
+            <a:spLocks noGrp="1"/>
+          </p:cNvSpPr>
+          <p:nvPr>
+            <p:ph sz="half" idx="2"/>
+          </p:nvPr>
+        </p:nvSpPr>
+        <p:spPr/>
+        <p:txBody>
+          <a:bodyPr/>
+          <a:lstStyle/>
+          <a:p>
+            <a:r>
+              <a:rPr lang="fr-FR" dirty="0" smtClean="0"/>
+              <a:t>Il existe actuellement 2 implémentations du serveur tern en Java : </a:t>
+            </a:r>
+          </a:p>
+          <a:p>
+            <a:pPr lvl="1"/>
+            <a:r>
+              <a:rPr lang="fr-FR" dirty="0" smtClean="0"/>
+              <a:t>Rhino</a:t>
+            </a:r>
+          </a:p>
+          <a:p>
+            <a:pPr lvl="1"/>
+            <a:r>
+              <a:rPr lang="fr-FR" dirty="0" smtClean="0"/>
+              <a:t>Node.js</a:t>
+            </a:r>
+          </a:p>
+          <a:p>
+            <a:r>
+              <a:rPr lang="fr-FR" dirty="0" smtClean="0"/>
+              <a:t>Tern IDE utilise Node.js car :</a:t>
+            </a:r>
+          </a:p>
+          <a:p>
+            <a:pPr lvl="1"/>
+            <a:r>
+              <a:rPr lang="fr-FR" dirty="0" smtClean="0"/>
+              <a:t>très performant.</a:t>
+            </a:r>
+          </a:p>
+          <a:p>
+            <a:pPr lvl="1"/>
+            <a:r>
+              <a:rPr lang="fr-FR" dirty="0" smtClean="0"/>
+              <a:t>Tern.js est très gourmand en mémoire, Rhino ne supporte pas cette contrainte.</a:t>
+            </a:r>
+          </a:p>
+          <a:p>
+            <a:r>
+              <a:rPr lang="fr-FR" dirty="0" smtClean="0"/>
+              <a:t>A tester avec </a:t>
+            </a:r>
+            <a:r>
+              <a:rPr lang="fr-FR" dirty="0" err="1" smtClean="0"/>
+              <a:t>Nashhorm</a:t>
+            </a:r>
+            <a:endParaRPr lang="fr-FR" dirty="0" smtClean="0"/>
+          </a:p>
+          <a:p>
+            <a:endParaRPr lang="fr-FR" dirty="0"/>
+          </a:p>
+        </p:txBody>
+      </p:sp>
+      <p:sp>
+        <p:nvSpPr>
+          <p:cNvPr id="8" name="Espace réservé du numéro de diapositive 7"/>
+          <p:cNvSpPr>
+            <a:spLocks noGrp="1"/>
+          </p:cNvSpPr>
+          <p:nvPr>
+            <p:ph type="sldNum" sz="quarter" idx="12"/>
+          </p:nvPr>
+        </p:nvSpPr>
+        <p:spPr/>
+        <p:txBody>
+          <a:bodyPr/>
+          <a:lstStyle/>
+          <a:p>
+            <a:fld id="{31983D30-6903-4279-B3B7-192429037A18}" type="slidenum">
+              <a:rPr lang="fr-FR" smtClean="0"/>
+              <a:t>28</a:t>
+            </a:fld>
+            <a:endParaRPr lang="fr-FR"/>
+          </a:p>
+        </p:txBody>
+      </p:sp>
+    </p:spTree>
+    <p:extLst>
+      <p:ext uri="{BB962C8B-B14F-4D97-AF65-F5344CB8AC3E}">
+        <p14:creationId xmlns:p14="http://schemas.microsoft.com/office/powerpoint/2010/main" val="1670052877"/>
       </p:ext>
     </p:extLst>
   </p:cSld>
@@ -20583,12 +20676,14 @@
         </p:nvSpPr>
         <p:spPr/>
         <p:txBody>
-          <a:bodyPr/>
+          <a:bodyPr>
+            <a:normAutofit/>
+          </a:bodyPr>
           <a:lstStyle/>
           <a:p>
             <a:r>
               <a:rPr lang="fr-FR" dirty="0" smtClean="0"/>
-              <a:t>Implémentation Serveur tern</a:t>
+              <a:t>Serveur Tern– Node.js</a:t>
             </a:r>
             <a:endParaRPr lang="fr-FR" dirty="0"/>
           </a:p>
@@ -20601,139 +20696,89 @@
             <a:spLocks noGrp="1"/>
           </p:cNvSpPr>
           <p:nvPr>
-            <p:ph sz="half" idx="1"/>
+            <p:ph sz="half" idx="2"/>
           </p:nvPr>
         </p:nvSpPr>
         <p:spPr/>
         <p:txBody>
-          <a:bodyPr/>
+          <a:bodyPr>
+            <a:normAutofit/>
+          </a:bodyPr>
           <a:lstStyle/>
           <a:p>
-            <a:r>
-              <a:rPr lang="fr-FR" dirty="0" smtClean="0"/>
-              <a:t>tern.js écrits en JavaScript doit être exécuté dans un contexte Java, pour cela plusieurs solutions :</a:t>
-            </a:r>
-          </a:p>
-          <a:p>
-            <a:pPr lvl="1"/>
-            <a:r>
-              <a:rPr lang="fr-FR" dirty="0" smtClean="0"/>
-              <a:t>Rhino, </a:t>
-            </a:r>
-          </a:p>
-          <a:p>
-            <a:pPr lvl="1"/>
-            <a:r>
-              <a:rPr lang="fr-FR" dirty="0" smtClean="0"/>
-              <a:t>Node.js (client serveur), </a:t>
-            </a:r>
-          </a:p>
-          <a:p>
-            <a:pPr lvl="1"/>
-            <a:r>
-              <a:rPr lang="fr-FR" dirty="0" err="1" smtClean="0"/>
-              <a:t>Nashhorm</a:t>
-            </a:r>
-            <a:r>
-              <a:rPr lang="fr-FR" dirty="0" smtClean="0"/>
-              <a:t>, </a:t>
-            </a:r>
-          </a:p>
-          <a:p>
-            <a:pPr lvl="1"/>
-            <a:r>
-              <a:rPr lang="fr-FR" dirty="0" err="1" smtClean="0"/>
-              <a:t>Vertx</a:t>
-            </a:r>
+            <a:pPr marL="342900" lvl="1" indent="-342900"/>
+            <a:r>
+              <a:rPr lang="fr-FR" dirty="0" smtClean="0"/>
+              <a:t>Node.js TODO explication</a:t>
+            </a:r>
+          </a:p>
+          <a:p>
+            <a:pPr marL="342900" lvl="1" indent="-342900"/>
             <a:endParaRPr lang="fr-FR" dirty="0" smtClean="0"/>
           </a:p>
           <a:p>
-            <a:pPr lvl="1"/>
-            <a:r>
-              <a:rPr lang="fr-FR" dirty="0" smtClean="0"/>
-              <a:t>Chrome, </a:t>
-            </a:r>
-            <a:r>
-              <a:rPr lang="fr-FR" dirty="0" err="1" smtClean="0"/>
-              <a:t>etc</a:t>
-            </a:r>
+            <a:pPr marL="342900" lvl="1" indent="-342900"/>
             <a:endParaRPr lang="fr-FR" dirty="0" smtClean="0"/>
           </a:p>
         </p:txBody>
       </p:sp>
-      <p:sp>
-        <p:nvSpPr>
-          <p:cNvPr id="4" name="Espace réservé du contenu 3"/>
-          <p:cNvSpPr>
-            <a:spLocks noGrp="1"/>
-          </p:cNvSpPr>
-          <p:nvPr>
-            <p:ph sz="half" idx="2"/>
-          </p:nvPr>
-        </p:nvSpPr>
-        <p:spPr/>
-        <p:txBody>
-          <a:bodyPr/>
-          <a:lstStyle/>
-          <a:p>
-            <a:r>
-              <a:rPr lang="fr-FR" dirty="0" smtClean="0"/>
-              <a:t>Il existe actuellement 2 implémentations du serveur tern en Java : </a:t>
-            </a:r>
-          </a:p>
-          <a:p>
-            <a:pPr lvl="1"/>
-            <a:r>
-              <a:rPr lang="fr-FR" dirty="0" smtClean="0"/>
-              <a:t>Rhino</a:t>
-            </a:r>
-          </a:p>
-          <a:p>
-            <a:pPr lvl="1"/>
-            <a:r>
-              <a:rPr lang="fr-FR" dirty="0" smtClean="0"/>
-              <a:t>Node.js</a:t>
-            </a:r>
-          </a:p>
-          <a:p>
-            <a:r>
-              <a:rPr lang="fr-FR" dirty="0" smtClean="0"/>
-              <a:t>Tern IDE utilise Node.js car :</a:t>
-            </a:r>
-          </a:p>
-          <a:p>
-            <a:pPr lvl="1"/>
-            <a:r>
-              <a:rPr lang="fr-FR" dirty="0" smtClean="0"/>
-              <a:t>très performant.</a:t>
-            </a:r>
-          </a:p>
-          <a:p>
-            <a:pPr lvl="1"/>
-            <a:r>
-              <a:rPr lang="fr-FR" dirty="0" smtClean="0"/>
-              <a:t>Tern.js est très gourmand en mémoire, Rhino ne supporte pas cette contrainte.</a:t>
-            </a:r>
-          </a:p>
-          <a:p>
-            <a:r>
-              <a:rPr lang="fr-FR" dirty="0" smtClean="0"/>
-              <a:t>A tester avec </a:t>
-            </a:r>
-            <a:r>
-              <a:rPr lang="fr-FR" dirty="0" err="1" smtClean="0"/>
-              <a:t>Nashhorm</a:t>
-            </a:r>
-            <a:endParaRPr lang="fr-FR" dirty="0" smtClean="0"/>
-          </a:p>
-          <a:p>
-            <a:endParaRPr lang="fr-FR" dirty="0"/>
-          </a:p>
-        </p:txBody>
-      </p:sp>
-      <p:sp>
-        <p:nvSpPr>
-          <p:cNvPr id="8" name="Espace réservé du numéro de diapositive 7"/>
+      <p:pic>
+        <p:nvPicPr>
+          <p:cNvPr id="13315" name="Picture 3"/>
+          <p:cNvPicPr>
+            <a:picLocks noChangeAspect="1" noChangeArrowheads="1"/>
+          </p:cNvPicPr>
+          <p:nvPr/>
+        </p:nvPicPr>
+        <p:blipFill>
+          <a:blip r:embed="rId2">
+            <a:extLst>
+              <a:ext uri="{28A0092B-C50C-407E-A947-70E740481C1C}">
+                <a14:useLocalDpi xmlns:a14="http://schemas.microsoft.com/office/drawing/2010/main" val="0"/>
+              </a:ext>
+            </a:extLst>
+          </a:blip>
+          <a:srcRect/>
+          <a:stretch>
+            <a:fillRect/>
+          </a:stretch>
+        </p:blipFill>
+        <p:spPr bwMode="auto">
+          <a:xfrm>
+            <a:off x="1147764" y="1491630"/>
+            <a:ext cx="6848475" cy="2786063"/>
+          </a:xfrm>
+          <a:prstGeom prst="rect">
+            <a:avLst/>
+          </a:prstGeom>
+          <a:noFill/>
+          <a:ln>
+            <a:noFill/>
+          </a:ln>
+          <a:extLst>
+            <a:ext uri="{909E8E84-426E-40DD-AFC4-6F175D3DCCD1}">
+              <a14:hiddenFill xmlns:a14="http://schemas.microsoft.com/office/drawing/2010/main">
+                <a:solidFill>
+                  <a:schemeClr val="accent1"/>
+                </a:solidFill>
+              </a14:hiddenFill>
+            </a:ext>
+            <a:ext uri="{91240B29-F687-4F45-9708-019B960494DF}">
+              <a14:hiddenLine xmlns:a14="http://schemas.microsoft.com/office/drawing/2010/main" w="9525">
+                <a:solidFill>
+                  <a:schemeClr val="tx1"/>
+                </a:solidFill>
+                <a:miter lim="800000"/>
+                <a:headEnd/>
+                <a:tailEnd/>
+              </a14:hiddenLine>
+            </a:ext>
+          </a:extLst>
+        </p:spPr>
+      </p:pic>
+      <p:sp>
+        <p:nvSpPr>
+          <p:cNvPr id="4" name="Espace réservé du numéro de diapositive 3"/>
           <p:cNvSpPr>
             <a:spLocks noGrp="1"/>
           </p:cNvSpPr>
@@ -20757,7 +20802,7 @@
     </p:spTree>
     <p:extLst>
       <p:ext uri="{BB962C8B-B14F-4D97-AF65-F5344CB8AC3E}">
-        <p14:creationId xmlns:p14="http://schemas.microsoft.com/office/powerpoint/2010/main" val="1670052877"/>
+        <p14:creationId xmlns:p14="http://schemas.microsoft.com/office/powerpoint/2010/main" val="328135925"/>
       </p:ext>
     </p:extLst>
   </p:cSld>
@@ -21185,25 +21230,127 @@
           </a:bodyPr>
           <a:lstStyle/>
           <a:p>
-            <a:pPr marL="342900" lvl="1" indent="-342900"/>
-            <a:r>
-              <a:rPr lang="fr-FR" dirty="0" smtClean="0"/>
-              <a:t>Node.js TODO explication</a:t>
-            </a:r>
+            <a:pPr marL="342900" lvl="1" indent="-342900">
+              <a:lnSpc>
+                <a:spcPct val="100000"/>
+              </a:lnSpc>
+              <a:buClr>
+                <a:schemeClr val="accent6"/>
+              </a:buClr>
+              <a:buFont typeface="Wingdings" pitchFamily="2" charset="2"/>
+              <a:buChar char="§"/>
+            </a:pPr>
+            <a:r>
+              <a:rPr lang="fr-FR" sz="1600" dirty="0"/>
+              <a:t>La complétion Eclipse lance un serveur node.js avec tern et attend que tern soit initialisé.</a:t>
+            </a:r>
+          </a:p>
+          <a:p>
+            <a:pPr marL="342900" lvl="1" indent="-342900">
+              <a:lnSpc>
+                <a:spcPct val="100000"/>
+              </a:lnSpc>
+              <a:buClr>
+                <a:schemeClr val="accent6"/>
+              </a:buClr>
+              <a:buFont typeface="Wingdings" pitchFamily="2" charset="2"/>
+              <a:buChar char="§"/>
+            </a:pPr>
+            <a:r>
+              <a:rPr lang="fr-FR" sz="1600" dirty="0"/>
+              <a:t>La complétion Eclipse communique via un client HTTP au serveur node.js via des requêtes/réponses JSON.</a:t>
+            </a:r>
+          </a:p>
+          <a:p>
+            <a:pPr marL="342900" lvl="1" indent="-342900">
+              <a:lnSpc>
+                <a:spcPct val="100000"/>
+              </a:lnSpc>
+              <a:buClr>
+                <a:schemeClr val="accent6"/>
+              </a:buClr>
+              <a:buFont typeface="Wingdings" pitchFamily="2" charset="2"/>
+              <a:buChar char="§"/>
+            </a:pPr>
+            <a:r>
+              <a:rPr lang="fr-FR" sz="1600" dirty="0"/>
+              <a:t>Dans le cas ou l’on souhaite débugger (pas à pas) un plugin tern,  la complétion ne doit pas lancer un serveur node.js. </a:t>
+            </a:r>
+            <a:r>
+              <a:rPr lang="fr-FR" sz="1600" b="1" dirty="0" err="1"/>
+              <a:t>Remote</a:t>
+            </a:r>
+            <a:r>
+              <a:rPr lang="fr-FR" sz="1600" b="1" dirty="0"/>
+              <a:t> </a:t>
+            </a:r>
+            <a:r>
+              <a:rPr lang="fr-FR" sz="1600" b="1" dirty="0" err="1"/>
+              <a:t>access</a:t>
+            </a:r>
+            <a:r>
+              <a:rPr lang="fr-FR" sz="1600" b="1" dirty="0"/>
+              <a:t> </a:t>
+            </a:r>
+            <a:r>
+              <a:rPr lang="fr-FR" sz="1600" dirty="0"/>
+              <a:t>doit être configuré :</a:t>
+            </a:r>
+          </a:p>
+          <a:p>
+            <a:pPr marL="742950" lvl="2" indent="-342900"/>
+            <a:endParaRPr lang="fr-FR" dirty="0" smtClean="0"/>
+          </a:p>
+          <a:p>
+            <a:pPr marL="742950" lvl="2" indent="-342900"/>
+            <a:endParaRPr lang="fr-FR" dirty="0" smtClean="0"/>
+          </a:p>
+          <a:p>
+            <a:pPr marL="742950" lvl="2" indent="-342900"/>
+            <a:endParaRPr lang="fr-FR" dirty="0" smtClean="0"/>
+          </a:p>
+          <a:p>
+            <a:pPr marL="742950" lvl="2" indent="-342900"/>
+            <a:endParaRPr lang="fr-FR" dirty="0" smtClean="0"/>
+          </a:p>
+          <a:p>
+            <a:pPr marL="742950" lvl="2" indent="-342900"/>
+            <a:endParaRPr lang="fr-FR" dirty="0" smtClean="0"/>
           </a:p>
           <a:p>
             <a:pPr marL="342900" lvl="1" indent="-342900"/>
             <a:endParaRPr lang="fr-FR" dirty="0" smtClean="0"/>
           </a:p>
           <a:p>
-            <a:pPr marL="342900" lvl="1" indent="-342900"/>
-            <a:endParaRPr lang="fr-FR" dirty="0" smtClean="0"/>
+            <a:pPr marL="342900" lvl="1" indent="-342900">
+              <a:lnSpc>
+                <a:spcPct val="100000"/>
+              </a:lnSpc>
+              <a:buClr>
+                <a:schemeClr val="accent6"/>
+              </a:buClr>
+              <a:buFont typeface="Wingdings" pitchFamily="2" charset="2"/>
+              <a:buChar char="§"/>
+            </a:pPr>
+            <a:r>
+              <a:rPr lang="fr-FR" sz="1600" dirty="0"/>
+              <a:t>Dans ce cas-ci, le serveur node.js doit être lancé par un système externe capable de débugger node.js (ex : </a:t>
+            </a:r>
+            <a:r>
+              <a:rPr lang="fr-FR" sz="1600" dirty="0" err="1"/>
+              <a:t>Nodeclipse</a:t>
+            </a:r>
+            <a:r>
+              <a:rPr lang="fr-FR" sz="1600" dirty="0" smtClean="0"/>
+              <a:t>).</a:t>
+            </a:r>
+            <a:endParaRPr lang="fr-FR" sz="1600" dirty="0"/>
           </a:p>
         </p:txBody>
       </p:sp>
       <p:pic>
         <p:nvPicPr>
-          <p:cNvPr id="13315" name="Picture 3"/>
+          <p:cNvPr id="14338" name="Picture 2"/>
           <p:cNvPicPr>
             <a:picLocks noChangeAspect="1" noChangeArrowheads="1"/>
           </p:cNvPicPr>
@@ -21224,8 +21371,8 @@
         </p:blipFill>
         <p:spPr bwMode="auto">
           <a:xfrm>
-            <a:off x="1147764" y="1491630"/>
-            <a:ext cx="6848475" cy="2786063"/>
+            <a:off x="1763688" y="2746325"/>
+            <a:ext cx="4514850" cy="1121569"/>
           </a:xfrm>
           <a:prstGeom prst="rect">
             <a:avLst/>
@@ -21257,7 +21404,7 @@
       </p:pic>
       <p:sp>
         <p:nvSpPr>
-          <p:cNvPr id="4" name="Espace réservé du numéro de diapositive 3"/>
+          <p:cNvPr id="7" name="Espace réservé du numéro de diapositive 6"/>
           <p:cNvSpPr>
             <a:spLocks noGrp="1"/>
           </p:cNvSpPr>
@@ -21281,7 +21428,7 @@
     </p:spTree>
     <p:extLst>
       <p:ext uri="{BB962C8B-B14F-4D97-AF65-F5344CB8AC3E}">
-        <p14:creationId xmlns:p14="http://schemas.microsoft.com/office/powerpoint/2010/main" val="328135925"/>
+        <p14:creationId xmlns:p14="http://schemas.microsoft.com/office/powerpoint/2010/main" val="2137827471"/>
       </p:ext>
     </p:extLst>
   </p:cSld>
@@ -21332,14 +21479,20 @@
         </p:nvSpPr>
         <p:spPr/>
         <p:txBody>
-          <a:bodyPr>
-            <a:normAutofit/>
-          </a:bodyPr>
+          <a:bodyPr/>
           <a:lstStyle/>
           <a:p>
             <a:r>
               <a:rPr lang="fr-FR" dirty="0" smtClean="0"/>
-              <a:t>Serveur Tern– Node.js</a:t>
+              <a:t>tern-</a:t>
+            </a:r>
+            <a:r>
+              <a:rPr lang="fr-FR" dirty="0" err="1" smtClean="0"/>
+              <a:t>jug</a:t>
+            </a:r>
+            <a:r>
+              <a:rPr lang="fr-FR" dirty="0" smtClean="0"/>
+              <a:t> : développement d’un plugin tern</a:t>
             </a:r>
             <a:endParaRPr lang="fr-FR" dirty="0"/>
           </a:p>
@@ -21352,144 +21505,119 @@
             <a:spLocks noGrp="1"/>
           </p:cNvSpPr>
           <p:nvPr>
+            <p:ph sz="half" idx="1"/>
+          </p:nvPr>
+        </p:nvSpPr>
+        <p:spPr>
+          <a:xfrm>
+            <a:off x="251520" y="843559"/>
+            <a:ext cx="4244280" cy="2592288"/>
+          </a:xfrm>
+        </p:spPr>
+        <p:txBody>
+          <a:bodyPr/>
+          <a:lstStyle/>
+          <a:p>
+            <a:r>
+              <a:rPr lang="fr-FR" dirty="0" smtClean="0"/>
+              <a:t>Ecritur</a:t>
+            </a:r>
+            <a:r>
+              <a:rPr lang="fr-FR" dirty="0" smtClean="0"/>
+              <a:t>e du plugin tern JUG pour gérer la complétion avec instance : </a:t>
+            </a:r>
+          </a:p>
+          <a:p>
+            <a:pPr marL="0" indent="0">
+              <a:buNone/>
+            </a:pPr>
+            <a:endParaRPr lang="fr-FR" dirty="0" smtClean="0"/>
+          </a:p>
+        </p:txBody>
+      </p:sp>
+      <p:sp>
+        <p:nvSpPr>
+          <p:cNvPr id="4" name="Espace réservé du contenu 3"/>
+          <p:cNvSpPr>
+            <a:spLocks noGrp="1"/>
+          </p:cNvSpPr>
+          <p:nvPr>
             <p:ph sz="half" idx="2"/>
           </p:nvPr>
         </p:nvSpPr>
         <p:spPr/>
         <p:txBody>
-          <a:bodyPr>
-            <a:normAutofit/>
-          </a:bodyPr>
+          <a:bodyPr/>
           <a:lstStyle/>
           <a:p>
-            <a:pPr marL="342900" lvl="1" indent="-342900">
-              <a:lnSpc>
-                <a:spcPct val="100000"/>
-              </a:lnSpc>
-              <a:buClr>
-                <a:schemeClr val="accent6"/>
-              </a:buClr>
-              <a:buFont typeface="Wingdings" pitchFamily="2" charset="2"/>
-              <a:buChar char="§"/>
-            </a:pPr>
-            <a:r>
-              <a:rPr lang="fr-FR" sz="1600" dirty="0"/>
-              <a:t>La complétion Eclipse lance un serveur node.js avec tern et attend que tern soit initialisé.</a:t>
-            </a:r>
-          </a:p>
-          <a:p>
-            <a:pPr marL="342900" lvl="1" indent="-342900">
-              <a:lnSpc>
-                <a:spcPct val="100000"/>
-              </a:lnSpc>
-              <a:buClr>
-                <a:schemeClr val="accent6"/>
-              </a:buClr>
-              <a:buFont typeface="Wingdings" pitchFamily="2" charset="2"/>
-              <a:buChar char="§"/>
-            </a:pPr>
-            <a:r>
-              <a:rPr lang="fr-FR" sz="1600" dirty="0"/>
-              <a:t>La complétion Eclipse communique via un client HTTP au serveur node.js via des requêtes/réponses JSON.</a:t>
-            </a:r>
-          </a:p>
-          <a:p>
-            <a:pPr marL="342900" lvl="1" indent="-342900">
-              <a:lnSpc>
-                <a:spcPct val="100000"/>
-              </a:lnSpc>
-              <a:buClr>
-                <a:schemeClr val="accent6"/>
-              </a:buClr>
-              <a:buFont typeface="Wingdings" pitchFamily="2" charset="2"/>
-              <a:buChar char="§"/>
-            </a:pPr>
-            <a:r>
-              <a:rPr lang="fr-FR" sz="1600" dirty="0"/>
-              <a:t>Dans le cas ou l’on souhaite débugger (pas à pas) un plugin tern,  la complétion ne doit pas lancer un serveur node.js. </a:t>
-            </a:r>
-            <a:r>
-              <a:rPr lang="fr-FR" sz="1600" b="1" dirty="0" err="1"/>
-              <a:t>Remote</a:t>
-            </a:r>
-            <a:r>
-              <a:rPr lang="fr-FR" sz="1600" b="1" dirty="0"/>
-              <a:t> </a:t>
-            </a:r>
-            <a:r>
-              <a:rPr lang="fr-FR" sz="1600" b="1" dirty="0" err="1"/>
-              <a:t>access</a:t>
-            </a:r>
-            <a:r>
-              <a:rPr lang="fr-FR" sz="1600" b="1" dirty="0"/>
-              <a:t> </a:t>
-            </a:r>
-            <a:r>
-              <a:rPr lang="fr-FR" sz="1600" dirty="0"/>
-              <a:t>doit être configuré :</a:t>
-            </a:r>
-          </a:p>
-          <a:p>
-            <a:pPr marL="742950" lvl="2" indent="-342900"/>
-            <a:endParaRPr lang="fr-FR" dirty="0" smtClean="0"/>
-          </a:p>
-          <a:p>
-            <a:pPr marL="742950" lvl="2" indent="-342900"/>
-            <a:endParaRPr lang="fr-FR" dirty="0" smtClean="0"/>
-          </a:p>
-          <a:p>
-            <a:pPr marL="742950" lvl="2" indent="-342900"/>
-            <a:endParaRPr lang="fr-FR" dirty="0" smtClean="0"/>
-          </a:p>
-          <a:p>
-            <a:pPr marL="742950" lvl="2" indent="-342900"/>
-            <a:endParaRPr lang="fr-FR" dirty="0" smtClean="0"/>
-          </a:p>
-          <a:p>
-            <a:pPr marL="742950" lvl="2" indent="-342900"/>
-            <a:endParaRPr lang="fr-FR" dirty="0" smtClean="0"/>
-          </a:p>
-          <a:p>
-            <a:pPr marL="342900" lvl="1" indent="-342900"/>
-            <a:endParaRPr lang="fr-FR" dirty="0" smtClean="0"/>
-          </a:p>
-          <a:p>
-            <a:pPr marL="342900" lvl="1" indent="-342900">
-              <a:lnSpc>
-                <a:spcPct val="100000"/>
-              </a:lnSpc>
-              <a:buClr>
-                <a:schemeClr val="accent6"/>
-              </a:buClr>
-              <a:buFont typeface="Wingdings" pitchFamily="2" charset="2"/>
-              <a:buChar char="§"/>
-            </a:pPr>
-            <a:r>
-              <a:rPr lang="fr-FR" sz="1600" dirty="0"/>
-              <a:t>Dans ce cas-ci, le serveur node.js doit être lancé par un système externe capable de débugger node.js (ex : </a:t>
-            </a:r>
-            <a:r>
-              <a:rPr lang="fr-FR" sz="1600" dirty="0" err="1"/>
-              <a:t>Nodeclipse</a:t>
-            </a:r>
-            <a:r>
-              <a:rPr lang="fr-FR" sz="1600" dirty="0" smtClean="0"/>
-              <a:t>).</a:t>
-            </a:r>
-            <a:endParaRPr lang="fr-FR" sz="1600" dirty="0"/>
+            <a:r>
+              <a:rPr lang="fr-FR" dirty="0"/>
+              <a:t>Ecriture </a:t>
+            </a:r>
+            <a:r>
+              <a:rPr lang="fr-FR" dirty="0" smtClean="0"/>
+              <a:t>du plugin </a:t>
+            </a:r>
+            <a:r>
+              <a:rPr lang="fr-FR" dirty="0"/>
+              <a:t>tern </a:t>
+            </a:r>
+            <a:r>
+              <a:rPr lang="fr-FR" dirty="0" smtClean="0"/>
+              <a:t>JUG pour </a:t>
+            </a:r>
+            <a:r>
+              <a:rPr lang="fr-FR" dirty="0"/>
+              <a:t>gérer la complétion avec </a:t>
+            </a:r>
+            <a:r>
+              <a:rPr lang="fr-FR" dirty="0" err="1" smtClean="0"/>
+              <a:t>factory</a:t>
+            </a:r>
+            <a:r>
+              <a:rPr lang="fr-FR" dirty="0" smtClean="0"/>
+              <a:t>: </a:t>
+            </a:r>
+            <a:endParaRPr lang="fr-FR" dirty="0"/>
+          </a:p>
+          <a:p>
+            <a:endParaRPr lang="fr-FR" dirty="0"/>
+          </a:p>
+        </p:txBody>
+      </p:sp>
+      <p:sp>
+        <p:nvSpPr>
+          <p:cNvPr id="8" name="Espace réservé du numéro de diapositive 7"/>
+          <p:cNvSpPr>
+            <a:spLocks noGrp="1"/>
+          </p:cNvSpPr>
+          <p:nvPr>
+            <p:ph type="sldNum" sz="quarter" idx="12"/>
+          </p:nvPr>
+        </p:nvSpPr>
+        <p:spPr/>
+        <p:txBody>
+          <a:bodyPr/>
+          <a:lstStyle/>
+          <a:p>
+            <a:fld id="{31983D30-6903-4279-B3B7-192429037A18}" type="slidenum">
+              <a:rPr lang="fr-FR" smtClean="0"/>
+              <a:t>31</a:t>
+            </a:fld>
+            <a:endParaRPr lang="fr-FR"/>
           </a:p>
         </p:txBody>
       </p:sp>
       <p:pic>
         <p:nvPicPr>
-          <p:cNvPr id="14338" name="Picture 2"/>
+          <p:cNvPr id="1026" name="Picture 2"/>
           <p:cNvPicPr>
             <a:picLocks noChangeAspect="1" noChangeArrowheads="1"/>
           </p:cNvPicPr>
           <p:nvPr/>
         </p:nvPicPr>
         <p:blipFill>
-          <a:blip r:embed="rId2">
+          <a:blip r:embed="rId2" cstate="print">
             <a:extLst>
               <a:ext uri="{28A0092B-C50C-407E-A947-70E740481C1C}">
                 <a14:useLocalDpi xmlns:a14="http://schemas.microsoft.com/office/drawing/2010/main" val="0"/>
@@ -21503,8 +21631,8 @@
         </p:blipFill>
         <p:spPr bwMode="auto">
           <a:xfrm>
-            <a:off x="1763688" y="2746325"/>
-            <a:ext cx="4514850" cy="1121569"/>
+            <a:off x="323529" y="1707655"/>
+            <a:ext cx="3816423" cy="1584176"/>
           </a:xfrm>
           <a:prstGeom prst="rect">
             <a:avLst/>
@@ -21534,33 +21662,129 @@
           </a:extLst>
         </p:spPr>
       </p:pic>
-      <p:sp>
-        <p:nvSpPr>
-          <p:cNvPr id="7" name="Espace réservé du numéro de diapositive 6"/>
-          <p:cNvSpPr>
-            <a:spLocks noGrp="1"/>
-          </p:cNvSpPr>
-          <p:nvPr>
-            <p:ph type="sldNum" sz="quarter" idx="12"/>
-          </p:nvPr>
-        </p:nvSpPr>
-        <p:spPr/>
-        <p:txBody>
-          <a:bodyPr/>
+      <p:pic>
+        <p:nvPicPr>
+          <p:cNvPr id="1027" name="Picture 3"/>
+          <p:cNvPicPr>
+            <a:picLocks noChangeAspect="1" noChangeArrowheads="1"/>
+          </p:cNvPicPr>
+          <p:nvPr/>
+        </p:nvPicPr>
+        <p:blipFill>
+          <a:blip r:embed="rId3" cstate="print">
+            <a:extLst>
+              <a:ext uri="{28A0092B-C50C-407E-A947-70E740481C1C}">
+                <a14:useLocalDpi xmlns:a14="http://schemas.microsoft.com/office/drawing/2010/main" val="0"/>
+              </a:ext>
+            </a:extLst>
+          </a:blip>
+          <a:srcRect/>
+          <a:stretch>
+            <a:fillRect/>
+          </a:stretch>
+        </p:blipFill>
+        <p:spPr bwMode="auto">
+          <a:xfrm>
+            <a:off x="4716017" y="1671651"/>
+            <a:ext cx="4104456" cy="1656184"/>
+          </a:xfrm>
+          <a:prstGeom prst="rect">
+            <a:avLst/>
+          </a:prstGeom>
+          <a:noFill/>
+          <a:ln>
+            <a:noFill/>
+          </a:ln>
+          <a:extLst>
+            <a:ext uri="{909E8E84-426E-40DD-AFC4-6F175D3DCCD1}">
+              <a14:hiddenFill xmlns:a14="http://schemas.microsoft.com/office/drawing/2010/main">
+                <a:solidFill>
+                  <a:schemeClr val="accent1"/>
+                </a:solidFill>
+              </a14:hiddenFill>
+            </a:ext>
+            <a:ext uri="{91240B29-F687-4F45-9708-019B960494DF}">
+              <a14:hiddenLine xmlns:a14="http://schemas.microsoft.com/office/drawing/2010/main" w="9525">
+                <a:solidFill>
+                  <a:schemeClr val="tx1"/>
+                </a:solidFill>
+                <a:miter lim="800000"/>
+                <a:headEnd/>
+                <a:tailEnd/>
+              </a14:hiddenLine>
+            </a:ext>
+          </a:extLst>
+        </p:spPr>
+      </p:pic>
+      <p:sp>
+        <p:nvSpPr>
+          <p:cNvPr id="6" name="Rectangle 5"/>
+          <p:cNvSpPr/>
+          <p:nvPr/>
+        </p:nvSpPr>
+        <p:spPr>
+          <a:xfrm>
+            <a:off x="340103" y="3668142"/>
+            <a:ext cx="8496944" cy="369332"/>
+          </a:xfrm>
+          <a:prstGeom prst="rect">
+            <a:avLst/>
+          </a:prstGeom>
+        </p:spPr>
+        <p:txBody>
+          <a:bodyPr wrap="square">
+            <a:spAutoFit/>
+          </a:bodyPr>
           <a:lstStyle/>
           <a:p>
-            <a:fld id="{31983D30-6903-4279-B3B7-192429037A18}" type="slidenum">
-              <a:rPr lang="fr-FR" smtClean="0"/>
-              <a:t>31</a:t>
-            </a:fld>
-            <a:endParaRPr lang="fr-FR"/>
+            <a:pPr>
+              <a:buFont typeface="Century Gothic" panose="020B0502020202020204" pitchFamily="34" charset="0"/>
+              <a:buChar char="►"/>
+            </a:pPr>
+            <a:r>
+              <a:rPr lang="fr-FR" dirty="0" smtClean="0">
+                <a:solidFill>
+                  <a:srgbClr val="C00000"/>
+                </a:solidFill>
+              </a:rPr>
+              <a:t>Projet </a:t>
+            </a:r>
+            <a:r>
+              <a:rPr lang="fr-FR" dirty="0" err="1" smtClean="0">
+                <a:solidFill>
+                  <a:srgbClr val="C00000"/>
+                </a:solidFill>
+              </a:rPr>
+              <a:t>GitHub</a:t>
+            </a:r>
+            <a:r>
+              <a:rPr lang="fr-FR" dirty="0" smtClean="0">
+                <a:solidFill>
+                  <a:srgbClr val="C00000"/>
+                </a:solidFill>
+              </a:rPr>
+              <a:t>: </a:t>
+            </a:r>
+            <a:r>
+              <a:rPr lang="fr-FR" dirty="0" smtClean="0">
+                <a:hlinkClick r:id="rId4"/>
+              </a:rPr>
+              <a:t>https</a:t>
+            </a:r>
+            <a:r>
+              <a:rPr lang="fr-FR" dirty="0">
+                <a:hlinkClick r:id="rId4"/>
+              </a:rPr>
+              <a:t>://github.com/angelozerr/tern-jug</a:t>
+            </a:r>
+            <a:endParaRPr lang="fr-FR" dirty="0"/>
           </a:p>
         </p:txBody>
       </p:sp>
     </p:spTree>
     <p:extLst>
       <p:ext uri="{BB962C8B-B14F-4D97-AF65-F5344CB8AC3E}">
-        <p14:creationId xmlns:p14="http://schemas.microsoft.com/office/powerpoint/2010/main" val="2137827471"/>
+        <p14:creationId xmlns:p14="http://schemas.microsoft.com/office/powerpoint/2010/main" val="1942898395"/>
       </p:ext>
     </p:extLst>
   </p:cSld>
@@ -22103,20 +22327,16 @@
           </a:p>
           <a:p>
             <a:r>
-              <a:rPr lang="fr-FR" sz="1600" dirty="0" err="1" smtClean="0"/>
-              <a:t>Ameliorer</a:t>
-            </a:r>
-            <a:r>
               <a:rPr lang="fr-FR" sz="1600" dirty="0" smtClean="0"/>
-              <a:t> les </a:t>
-            </a:r>
-            <a:r>
-              <a:rPr lang="fr-FR" sz="1600" dirty="0" err="1" smtClean="0"/>
-              <a:t>plugisn</a:t>
+              <a:t>Améliorer </a:t>
             </a:r>
             <a:r>
               <a:rPr lang="fr-FR" sz="1600" dirty="0" smtClean="0"/>
-              <a:t> </a:t>
+              <a:t>les </a:t>
+            </a:r>
+            <a:r>
+              <a:rPr lang="fr-FR" sz="1600" dirty="0" smtClean="0"/>
+              <a:t>plugins </a:t>
             </a:r>
             <a:r>
               <a:rPr lang="fr-FR" sz="1600" dirty="0" err="1" smtClean="0"/>
@@ -22137,8 +22357,8 @@
               <a:t>Gérer la </a:t>
             </a:r>
             <a:r>
-              <a:rPr lang="fr-FR" sz="1200" dirty="0" err="1" smtClean="0"/>
-              <a:t>compléetion</a:t>
+              <a:rPr lang="fr-FR" sz="1200" dirty="0" smtClean="0"/>
+              <a:t>complétion</a:t>
             </a:r>
             <a:r>
               <a:rPr lang="fr-FR" sz="1200" dirty="0" smtClean="0"/>
@@ -22395,7 +22615,11 @@
           <a:p>
             <a:r>
               <a:rPr lang="fr-FR" b="1" dirty="0" smtClean="0"/>
-              <a:t>AngularJS Eclipse</a:t>
+              <a:t>AngularJS Eclipse, </a:t>
+            </a:r>
+            <a:r>
+              <a:rPr lang="fr-FR" dirty="0" smtClean="0"/>
+              <a:t>c’est quoi?</a:t>
             </a:r>
           </a:p>
           <a:p>
@@ -22403,6 +22627,27 @@
             <a:r>
               <a:rPr lang="fr-FR" dirty="0" smtClean="0"/>
               <a:t>Basé sur tern.java</a:t>
+            </a:r>
+          </a:p>
+          <a:p>
+            <a:pPr lvl="1"/>
+            <a:r>
+              <a:rPr lang="fr-FR" dirty="0" smtClean="0"/>
+              <a:t>Fonctionnalités Angular pour </a:t>
+            </a:r>
+          </a:p>
+          <a:p>
+            <a:pPr lvl="2"/>
+            <a:r>
+              <a:rPr lang="fr-FR" dirty="0" smtClean="0"/>
+              <a:t>HTML (expression angular)</a:t>
+            </a:r>
+          </a:p>
+          <a:p>
+            <a:pPr lvl="2"/>
+            <a:r>
+              <a:rPr lang="fr-FR" dirty="0" smtClean="0"/>
+              <a:t>JavaScript</a:t>
             </a:r>
             <a:endParaRPr lang="fr-FR" dirty="0"/>
           </a:p>
@@ -22500,29 +22745,6 @@
         </p:nvSpPr>
         <p:spPr/>
         <p:txBody>
-          <a:bodyPr/>
-          <a:lstStyle/>
-          <a:p>
-            <a:r>
-              <a:rPr lang="fr-FR" dirty="0" smtClean="0"/>
-              <a:t>Outillage JavaScript</a:t>
-            </a:r>
-            <a:endParaRPr lang="fr-FR" dirty="0"/>
-          </a:p>
-        </p:txBody>
-      </p:sp>
-      <p:sp>
-        <p:nvSpPr>
-          <p:cNvPr id="3" name="Espace réservé du contenu 2"/>
-          <p:cNvSpPr>
-            <a:spLocks noGrp="1"/>
-          </p:cNvSpPr>
-          <p:nvPr>
-            <p:ph sz="half" idx="1"/>
-          </p:nvPr>
-        </p:nvSpPr>
-        <p:spPr/>
-        <p:txBody>
           <a:bodyPr>
             <a:normAutofit/>
           </a:bodyPr>
@@ -22530,122 +22752,265 @@
           <a:p>
             <a:r>
               <a:rPr lang="fr-FR" dirty="0" smtClean="0"/>
-              <a:t>Debugger</a:t>
-            </a:r>
-          </a:p>
-          <a:p>
-            <a:r>
-              <a:rPr lang="fr-FR" dirty="0" smtClean="0"/>
-              <a:t>Editeur</a:t>
+              <a:t>Tern.js, c’est quoi?</a:t>
+            </a:r>
+            <a:endParaRPr lang="fr-FR" dirty="0"/>
+          </a:p>
+        </p:txBody>
+      </p:sp>
+      <p:sp>
+        <p:nvSpPr>
+          <p:cNvPr id="3" name="Espace réservé du contenu 2"/>
+          <p:cNvSpPr>
+            <a:spLocks noGrp="1"/>
+          </p:cNvSpPr>
+          <p:nvPr>
+            <p:ph sz="half" idx="1"/>
+          </p:nvPr>
+        </p:nvSpPr>
+        <p:spPr/>
+        <p:txBody>
+          <a:bodyPr>
+            <a:normAutofit/>
+          </a:bodyPr>
+          <a:lstStyle/>
+          <a:p>
+            <a:r>
+              <a:rPr lang="en-US" b="1" dirty="0" smtClean="0"/>
+              <a:t>Tern</a:t>
+            </a:r>
+            <a:r>
+              <a:rPr lang="en-US" dirty="0" smtClean="0"/>
+              <a:t> is a stand-alone </a:t>
+            </a:r>
+            <a:r>
+              <a:rPr lang="en-US" b="1" dirty="0" smtClean="0"/>
+              <a:t>code-analysis engine</a:t>
+            </a:r>
+            <a:r>
+              <a:rPr lang="en-US" dirty="0" smtClean="0"/>
+              <a:t> for JavaScript. </a:t>
+            </a:r>
+            <a:r>
+              <a:rPr lang="en-US" dirty="0"/>
+              <a:t>It is intended to be used with </a:t>
+            </a:r>
+            <a:r>
+              <a:rPr lang="en-US" dirty="0" smtClean="0"/>
+              <a:t>a </a:t>
+            </a:r>
+            <a:r>
+              <a:rPr lang="en-US" b="1" dirty="0" smtClean="0"/>
+              <a:t>code editor plugin</a:t>
+            </a:r>
+            <a:r>
+              <a:rPr lang="en-US" dirty="0"/>
+              <a:t> to enhance the editor's support for intelligent JavaScript editing. </a:t>
+            </a:r>
+            <a:endParaRPr lang="en-US" dirty="0" smtClean="0"/>
+          </a:p>
+          <a:p>
+            <a:r>
+              <a:rPr lang="en-US" dirty="0" smtClean="0"/>
+              <a:t>Features </a:t>
+            </a:r>
+            <a:r>
+              <a:rPr lang="en-US" dirty="0"/>
+              <a:t>provided are:</a:t>
             </a:r>
           </a:p>
           <a:p>
             <a:pPr lvl="1"/>
             <a:r>
-              <a:rPr lang="fr-FR" dirty="0" smtClean="0"/>
-              <a:t>Coloration syntaxique</a:t>
-            </a:r>
+              <a:rPr lang="en-US" dirty="0" smtClean="0"/>
+              <a:t>Auto-completion </a:t>
+            </a:r>
+            <a:r>
+              <a:rPr lang="en-US" dirty="0" err="1" smtClean="0"/>
+              <a:t>sur</a:t>
+            </a:r>
+            <a:r>
+              <a:rPr lang="en-US" dirty="0" smtClean="0"/>
+              <a:t> les variables et </a:t>
+            </a:r>
+            <a:r>
+              <a:rPr lang="en-US" dirty="0" err="1" smtClean="0"/>
+              <a:t>propriétés</a:t>
+            </a:r>
+            <a:r>
+              <a:rPr lang="en-US" dirty="0" smtClean="0"/>
+              <a:t>.</a:t>
+            </a:r>
+            <a:endParaRPr lang="en-US" dirty="0"/>
           </a:p>
           <a:p>
             <a:pPr lvl="1"/>
             <a:r>
-              <a:rPr lang="fr-FR" dirty="0" smtClean="0"/>
-              <a:t>Complétion</a:t>
+              <a:rPr lang="en-US" dirty="0"/>
+              <a:t>Function argument hints</a:t>
             </a:r>
           </a:p>
           <a:p>
             <a:pPr lvl="1"/>
             <a:r>
-              <a:rPr lang="fr-FR" dirty="0" smtClean="0"/>
-              <a:t>Hyperlink</a:t>
+              <a:rPr lang="en-US" dirty="0"/>
+              <a:t>Querying the type of an expression</a:t>
             </a:r>
           </a:p>
           <a:p>
             <a:pPr lvl="1"/>
             <a:r>
-              <a:rPr lang="fr-FR" dirty="0" smtClean="0"/>
-              <a:t>Text Hover</a:t>
+              <a:rPr lang="en-US" dirty="0"/>
+              <a:t>Finding the definition of something</a:t>
             </a:r>
           </a:p>
           <a:p>
             <a:pPr lvl="1"/>
             <a:r>
-              <a:rPr lang="fr-FR" dirty="0" smtClean="0"/>
-              <a:t>Validation</a:t>
-            </a:r>
+              <a:rPr lang="en-US" dirty="0"/>
+              <a:t>Automatic refactoring</a:t>
+            </a:r>
+          </a:p>
+          <a:p>
+            <a:endParaRPr lang="fr-FR" dirty="0" smtClean="0"/>
+          </a:p>
+          <a:p>
+            <a:endParaRPr lang="fr-FR" dirty="0"/>
+          </a:p>
+        </p:txBody>
+      </p:sp>
+      <p:sp>
+        <p:nvSpPr>
+          <p:cNvPr id="4" name="Espace réservé du contenu 3"/>
+          <p:cNvSpPr>
+            <a:spLocks noGrp="1"/>
+          </p:cNvSpPr>
+          <p:nvPr>
+            <p:ph sz="half" idx="2"/>
+          </p:nvPr>
+        </p:nvSpPr>
+        <p:spPr/>
+        <p:txBody>
+          <a:bodyPr>
+            <a:normAutofit/>
+          </a:bodyPr>
+          <a:lstStyle/>
+          <a:p>
+            <a:r>
+              <a:rPr lang="fr-FR" b="1" dirty="0" smtClean="0"/>
+              <a:t>Tern</a:t>
+            </a:r>
+            <a:r>
+              <a:rPr lang="fr-FR" dirty="0" smtClean="0"/>
+              <a:t> est disponible sur </a:t>
+            </a:r>
+            <a:r>
+              <a:rPr lang="fr-FR" dirty="0" smtClean="0">
+                <a:hlinkClick r:id="rId2"/>
+              </a:rPr>
+              <a:t>http://ternjs.net/</a:t>
+            </a:r>
+            <a:endParaRPr lang="fr-FR" dirty="0" smtClean="0"/>
+          </a:p>
+          <a:p>
+            <a:r>
+              <a:rPr lang="fr-FR" dirty="0" smtClean="0"/>
+              <a:t>Tern est open source (</a:t>
+            </a:r>
+            <a:r>
+              <a:rPr lang="fr-FR" dirty="0" smtClean="0">
+                <a:hlinkClick r:id="rId3"/>
+              </a:rPr>
+              <a:t>MIT </a:t>
+            </a:r>
+            <a:r>
+              <a:rPr lang="fr-FR" dirty="0" err="1" smtClean="0">
+                <a:hlinkClick r:id="rId3"/>
+              </a:rPr>
+              <a:t>license</a:t>
+            </a:r>
+            <a:r>
+              <a:rPr lang="fr-FR" dirty="0" smtClean="0"/>
+              <a:t>), écrit en JavaScript, et capable de s’exécuter à la fois </a:t>
+            </a:r>
+            <a:endParaRPr lang="fr-FR" dirty="0" smtClean="0"/>
           </a:p>
           <a:p>
             <a:pPr lvl="1"/>
             <a:r>
-              <a:rPr lang="fr-FR" dirty="0" smtClean="0"/>
-              <a:t>Refactoring</a:t>
-            </a:r>
-          </a:p>
-          <a:p>
-            <a:r>
-              <a:rPr lang="fr-FR" dirty="0" smtClean="0"/>
-              <a:t>Grunt, Bower, Yeoman</a:t>
-            </a:r>
-          </a:p>
-        </p:txBody>
-      </p:sp>
-      <p:sp>
-        <p:nvSpPr>
-          <p:cNvPr id="6" name="Espace réservé du contenu 5"/>
-          <p:cNvSpPr>
-            <a:spLocks noGrp="1"/>
-          </p:cNvSpPr>
-          <p:nvPr>
-            <p:ph sz="half" idx="2"/>
-          </p:nvPr>
-        </p:nvSpPr>
-        <p:spPr/>
-        <p:txBody>
-          <a:bodyPr/>
-          <a:lstStyle/>
-          <a:p>
-            <a:pPr>
-              <a:buFont typeface="Century Gothic" panose="020B0502020202020204" pitchFamily="34" charset="0"/>
-              <a:buChar char="►"/>
-            </a:pPr>
+              <a:rPr lang="fr-FR" b="1" dirty="0"/>
+              <a:t>dans le navigateur</a:t>
+            </a:r>
+            <a:r>
+              <a:rPr lang="fr-FR" dirty="0"/>
+              <a:t> : CodeMirror, ACE, Orion</a:t>
+            </a:r>
+          </a:p>
+          <a:p>
+            <a:pPr lvl="1"/>
+            <a:r>
+              <a:rPr lang="fr-FR" b="1" dirty="0" smtClean="0"/>
+              <a:t>via </a:t>
+            </a:r>
+            <a:r>
+              <a:rPr lang="fr-FR" b="1" dirty="0" smtClean="0">
+                <a:hlinkClick r:id="rId4"/>
+              </a:rPr>
+              <a:t>node.js</a:t>
+            </a:r>
+            <a:r>
+              <a:rPr lang="fr-FR" dirty="0" smtClean="0"/>
+              <a:t>: </a:t>
+            </a:r>
+            <a:r>
+              <a:rPr lang="fr-FR" dirty="0" smtClean="0"/>
+              <a:t>Sublime </a:t>
+            </a:r>
+            <a:r>
+              <a:rPr lang="fr-FR" dirty="0" err="1" smtClean="0"/>
+              <a:t>Text</a:t>
+            </a:r>
+            <a:r>
+              <a:rPr lang="fr-FR" dirty="0" smtClean="0"/>
+              <a:t>, </a:t>
+            </a:r>
+            <a:r>
+              <a:rPr lang="fr-FR" dirty="0" err="1" smtClean="0"/>
+              <a:t>Vim</a:t>
+            </a:r>
+            <a:r>
+              <a:rPr lang="fr-FR" dirty="0" smtClean="0"/>
+              <a:t>, </a:t>
+            </a:r>
+            <a:r>
+              <a:rPr lang="fr-FR" dirty="0" smtClean="0"/>
+              <a:t>Emacs, </a:t>
+            </a:r>
+            <a:r>
+              <a:rPr lang="fr-FR" dirty="0" err="1" smtClean="0"/>
+              <a:t>LightTable</a:t>
+            </a:r>
+            <a:r>
+              <a:rPr lang="fr-FR" dirty="0" smtClean="0"/>
+              <a:t>, Eclipse</a:t>
+            </a:r>
+          </a:p>
+          <a:p>
             <a:r>
               <a:rPr lang="fr-FR" dirty="0" smtClean="0">
                 <a:solidFill>
                   <a:srgbClr val="C00000"/>
                 </a:solidFill>
               </a:rPr>
-              <a:t>tern </a:t>
-            </a:r>
-            <a:r>
-              <a:rPr lang="fr-FR" dirty="0">
-                <a:solidFill>
-                  <a:srgbClr val="C00000"/>
-                </a:solidFill>
-              </a:rPr>
-              <a:t>concerne la partie é</a:t>
-            </a:r>
-            <a:r>
-              <a:rPr lang="fr-FR" dirty="0" smtClean="0">
-                <a:solidFill>
-                  <a:srgbClr val="C00000"/>
-                </a:solidFill>
-              </a:rPr>
-              <a:t>diteur</a:t>
-            </a:r>
-            <a:endParaRPr lang="fr-FR" dirty="0">
-              <a:solidFill>
-                <a:srgbClr val="C00000"/>
-              </a:solidFill>
-            </a:endParaRPr>
-          </a:p>
-          <a:p>
+              <a:t>Tern est une solution commune, touches toutes les communautés. </a:t>
+            </a:r>
             <a:endParaRPr lang="fr-FR" dirty="0"/>
           </a:p>
         </p:txBody>
       </p:sp>
       <p:sp>
         <p:nvSpPr>
-          <p:cNvPr id="7" name="Espace réservé du numéro de diapositive 6"/>
+          <p:cNvPr id="5" name="Espace réservé du numéro de diapositive 4"/>
           <p:cNvSpPr>
             <a:spLocks noGrp="1"/>
           </p:cNvSpPr>
@@ -22669,7 +23034,7 @@
     </p:spTree>
     <p:extLst>
       <p:ext uri="{BB962C8B-B14F-4D97-AF65-F5344CB8AC3E}">
-        <p14:creationId xmlns:p14="http://schemas.microsoft.com/office/powerpoint/2010/main" val="1196991249"/>
+        <p14:creationId xmlns:p14="http://schemas.microsoft.com/office/powerpoint/2010/main" val="642788690"/>
       </p:ext>
     </p:extLst>
   </p:cSld>
@@ -22727,98 +23092,22 @@
         </p:nvSpPr>
         <p:spPr/>
         <p:txBody>
-          <a:bodyPr/>
-          <a:lstStyle/>
-          <a:p>
-            <a:r>
-              <a:rPr lang="fr-FR" dirty="0" smtClean="0"/>
-              <a:t>Outillage JavaScript</a:t>
-            </a:r>
-            <a:endParaRPr lang="fr-FR" dirty="0"/>
-          </a:p>
-        </p:txBody>
-      </p:sp>
-      <p:sp>
-        <p:nvSpPr>
-          <p:cNvPr id="3" name="Espace réservé du contenu 2"/>
-          <p:cNvSpPr>
-            <a:spLocks noGrp="1"/>
-          </p:cNvSpPr>
-          <p:nvPr>
-            <p:ph sz="half" idx="1"/>
-          </p:nvPr>
-        </p:nvSpPr>
-        <p:spPr/>
-        <p:txBody>
           <a:bodyPr>
             <a:normAutofit/>
           </a:bodyPr>
           <a:lstStyle/>
           <a:p>
             <a:r>
-              <a:rPr lang="fr-FR" dirty="0" smtClean="0"/>
-              <a:t>Debugger</a:t>
-            </a:r>
-          </a:p>
-          <a:p>
-            <a:r>
-              <a:rPr lang="fr-FR" dirty="0" smtClean="0"/>
-              <a:t>Editeur</a:t>
-            </a:r>
-          </a:p>
-          <a:p>
-            <a:pPr lvl="1"/>
-            <a:r>
-              <a:rPr lang="fr-FR" dirty="0" smtClean="0"/>
-              <a:t>Coloration syntaxique</a:t>
-            </a:r>
-          </a:p>
-          <a:p>
-            <a:pPr lvl="1"/>
-            <a:r>
-              <a:rPr lang="fr-FR" dirty="0" smtClean="0"/>
-              <a:t>Complétion</a:t>
-            </a:r>
-          </a:p>
-          <a:p>
-            <a:pPr lvl="1"/>
-            <a:r>
-              <a:rPr lang="fr-FR" dirty="0" smtClean="0"/>
-              <a:t>Hyperlink</a:t>
-            </a:r>
-          </a:p>
-          <a:p>
-            <a:pPr lvl="1"/>
-            <a:r>
-              <a:rPr lang="fr-FR" dirty="0" smtClean="0"/>
-              <a:t>Text Hover</a:t>
-            </a:r>
-          </a:p>
-          <a:p>
-            <a:pPr lvl="1"/>
-            <a:r>
-              <a:rPr lang="fr-FR" dirty="0" smtClean="0"/>
-              <a:t>Validation</a:t>
-            </a:r>
-          </a:p>
-          <a:p>
-            <a:pPr lvl="1"/>
-            <a:r>
-              <a:rPr lang="fr-FR" dirty="0" smtClean="0"/>
-              <a:t>Refactoring</a:t>
-            </a:r>
-          </a:p>
-          <a:p>
-            <a:r>
-              <a:rPr lang="fr-FR" dirty="0" smtClean="0"/>
-              <a:t>Grunt, Bower, Yeoman</a:t>
-            </a:r>
-          </a:p>
-        </p:txBody>
-      </p:sp>
-      <p:sp>
-        <p:nvSpPr>
-          <p:cNvPr id="6" name="Espace réservé du contenu 5"/>
+              <a:rPr lang="fr-FR" smtClean="0"/>
+              <a:t>Tern.js – Démo (Navigateur Web)</a:t>
+            </a:r>
+            <a:endParaRPr lang="fr-FR" dirty="0"/>
+          </a:p>
+        </p:txBody>
+      </p:sp>
+      <p:sp>
+        <p:nvSpPr>
+          <p:cNvPr id="3" name="Espace réservé du contenu 2"/>
           <p:cNvSpPr>
             <a:spLocks noGrp="1"/>
           </p:cNvSpPr>
@@ -22828,48 +23117,88 @@
         </p:nvSpPr>
         <p:spPr/>
         <p:txBody>
-          <a:bodyPr/>
+          <a:bodyPr>
+            <a:normAutofit/>
+          </a:bodyPr>
           <a:lstStyle/>
           <a:p>
-            <a:pPr>
-              <a:buFont typeface="Century Gothic" panose="020B0502020202020204" pitchFamily="34" charset="0"/>
-              <a:buChar char="►"/>
-            </a:pPr>
+            <a:r>
+              <a:rPr lang="fr-FR" dirty="0" err="1" smtClean="0"/>
+              <a:t>Demo</a:t>
+            </a:r>
+            <a:r>
+              <a:rPr lang="fr-FR" dirty="0" smtClean="0"/>
+              <a:t> avec CodeMirror :</a:t>
+            </a:r>
             <a:r>
               <a:rPr lang="fr-FR" dirty="0" smtClean="0">
-                <a:solidFill>
-                  <a:srgbClr val="C00000"/>
-                </a:solidFill>
+                <a:hlinkClick r:id="rId2"/>
               </a:rPr>
-              <a:t>tern </a:t>
-            </a:r>
-            <a:r>
-              <a:rPr lang="fr-FR" dirty="0">
-                <a:solidFill>
-                  <a:srgbClr val="C00000"/>
-                </a:solidFill>
-              </a:rPr>
-              <a:t>concerne la partie é</a:t>
-            </a:r>
-            <a:r>
-              <a:rPr lang="fr-FR" dirty="0" smtClean="0">
-                <a:solidFill>
-                  <a:srgbClr val="C00000"/>
-                </a:solidFill>
-              </a:rPr>
-              <a:t>diteur</a:t>
-            </a:r>
-            <a:endParaRPr lang="fr-FR" dirty="0">
-              <a:solidFill>
-                <a:srgbClr val="C00000"/>
-              </a:solidFill>
-            </a:endParaRPr>
+              <a:t>http://ternjs.net/doc/demo.htm</a:t>
+            </a:r>
+          </a:p>
+          <a:p>
+            <a:endParaRPr lang="fr-FR" dirty="0" smtClean="0"/>
           </a:p>
           <a:p>
             <a:endParaRPr lang="fr-FR" dirty="0"/>
           </a:p>
         </p:txBody>
       </p:sp>
+      <p:pic>
+        <p:nvPicPr>
+          <p:cNvPr id="4" name="Picture 2"/>
+          <p:cNvPicPr>
+            <a:picLocks noChangeAspect="1" noChangeArrowheads="1"/>
+          </p:cNvPicPr>
+          <p:nvPr/>
+        </p:nvPicPr>
+        <p:blipFill>
+          <a:blip r:embed="rId3">
+            <a:extLst>
+              <a:ext uri="{28A0092B-C50C-407E-A947-70E740481C1C}">
+                <a14:useLocalDpi xmlns:a14="http://schemas.microsoft.com/office/drawing/2010/main" val="0"/>
+              </a:ext>
+            </a:extLst>
+          </a:blip>
+          <a:srcRect/>
+          <a:stretch>
+            <a:fillRect/>
+          </a:stretch>
+        </p:blipFill>
+        <p:spPr bwMode="auto">
+          <a:xfrm>
+            <a:off x="899592" y="1491630"/>
+            <a:ext cx="6704232" cy="2741508"/>
+          </a:xfrm>
+          <a:prstGeom prst="rect">
+            <a:avLst/>
+          </a:prstGeom>
+          <a:noFill/>
+          <a:ln>
+            <a:noFill/>
+          </a:ln>
+          <a:extLst>
+            <a:ext uri="{909E8E84-426E-40DD-AFC4-6F175D3DCCD1}">
+              <a14:hiddenFill xmlns:a14="http://schemas.microsoft.com/office/drawing/2010/main">
+                <a:solidFill>
+                  <a:schemeClr val="accent1"/>
+                </a:solidFill>
+              </a14:hiddenFill>
+            </a:ext>
+            <a:ext uri="{91240B29-F687-4F45-9708-019B960494DF}">
+              <a14:hiddenLine xmlns:a14="http://schemas.microsoft.com/office/drawing/2010/main" w="9525">
+                <a:solidFill>
+                  <a:schemeClr val="tx1"/>
+                </a:solidFill>
+                <a:miter lim="800000"/>
+                <a:headEnd/>
+                <a:tailEnd/>
+              </a14:hiddenLine>
+            </a:ext>
+          </a:extLst>
+        </p:spPr>
+      </p:pic>
       <p:sp>
         <p:nvSpPr>
           <p:cNvPr id="7" name="Espace réservé du numéro de diapositive 6"/>
@@ -22896,7 +23225,7 @@
     </p:spTree>
     <p:extLst>
       <p:ext uri="{BB962C8B-B14F-4D97-AF65-F5344CB8AC3E}">
-        <p14:creationId xmlns:p14="http://schemas.microsoft.com/office/powerpoint/2010/main" val="2541670583"/>
+        <p14:creationId xmlns:p14="http://schemas.microsoft.com/office/powerpoint/2010/main" val="2100421911"/>
       </p:ext>
     </p:extLst>
   </p:cSld>
@@ -22954,6 +23283,29 @@
         </p:nvSpPr>
         <p:spPr/>
         <p:txBody>
+          <a:bodyPr/>
+          <a:lstStyle/>
+          <a:p>
+            <a:r>
+              <a:rPr lang="fr-FR" dirty="0" smtClean="0"/>
+              <a:t>Tern.js &amp; Navigateur Web</a:t>
+            </a:r>
+            <a:endParaRPr lang="fr-FR" dirty="0"/>
+          </a:p>
+        </p:txBody>
+      </p:sp>
+      <p:sp>
+        <p:nvSpPr>
+          <p:cNvPr id="3" name="Espace réservé du contenu 2"/>
+          <p:cNvSpPr>
+            <a:spLocks noGrp="1"/>
+          </p:cNvSpPr>
+          <p:nvPr>
+            <p:ph sz="half" idx="1"/>
+          </p:nvPr>
+        </p:nvSpPr>
+        <p:spPr/>
+        <p:txBody>
           <a:bodyPr>
             <a:normAutofit/>
           </a:bodyPr>
@@ -22961,97 +23313,21 @@
           <a:p>
             <a:r>
               <a:rPr lang="fr-FR" dirty="0" smtClean="0"/>
-              <a:t>Editeur JavaScript</a:t>
-            </a:r>
-            <a:endParaRPr lang="fr-FR" dirty="0"/>
-          </a:p>
-        </p:txBody>
-      </p:sp>
-      <p:sp>
-        <p:nvSpPr>
-          <p:cNvPr id="3" name="Espace réservé du contenu 2"/>
-          <p:cNvSpPr>
-            <a:spLocks noGrp="1"/>
-          </p:cNvSpPr>
-          <p:nvPr>
-            <p:ph sz="half" idx="1"/>
-          </p:nvPr>
-        </p:nvSpPr>
-        <p:spPr/>
-        <p:txBody>
-          <a:bodyPr>
-            <a:normAutofit/>
-          </a:bodyPr>
-          <a:lstStyle/>
-          <a:p>
-            <a:r>
-              <a:rPr lang="fr-FR" dirty="0" smtClean="0"/>
-              <a:t>Light editor</a:t>
-            </a:r>
-          </a:p>
-          <a:p>
-            <a:pPr lvl="1"/>
-            <a:r>
-              <a:rPr lang="fr-FR" dirty="0" smtClean="0"/>
-              <a:t>Sublime</a:t>
-            </a:r>
-          </a:p>
-          <a:p>
-            <a:pPr lvl="1"/>
-            <a:r>
-              <a:rPr lang="fr-FR" dirty="0" smtClean="0"/>
-              <a:t>Emacs</a:t>
-            </a:r>
-          </a:p>
-          <a:p>
-            <a:pPr lvl="1"/>
+              <a:t>tern.js peut s’exécuter dans un </a:t>
+            </a:r>
+            <a:r>
+              <a:rPr lang="fr-FR" b="1" dirty="0" smtClean="0"/>
+              <a:t>navigateur Web</a:t>
+            </a:r>
+          </a:p>
+          <a:p>
             <a:r>
               <a:rPr lang="fr-FR" dirty="0" err="1" smtClean="0"/>
-              <a:t>Vim</a:t>
-            </a:r>
-            <a:endParaRPr lang="fr-FR" dirty="0" smtClean="0"/>
-          </a:p>
-          <a:p>
-            <a:r>
-              <a:rPr lang="fr-FR" dirty="0" smtClean="0"/>
-              <a:t>IDE</a:t>
-            </a:r>
-          </a:p>
-          <a:p>
-            <a:pPr lvl="1"/>
-            <a:r>
-              <a:rPr lang="fr-FR" dirty="0" smtClean="0"/>
-              <a:t>Eclipse</a:t>
-            </a:r>
-          </a:p>
-          <a:p>
-            <a:pPr lvl="1"/>
-            <a:r>
-              <a:rPr lang="fr-FR" dirty="0" err="1" smtClean="0"/>
-              <a:t>Netbeans</a:t>
-            </a:r>
-            <a:endParaRPr lang="fr-FR" dirty="0" smtClean="0"/>
-          </a:p>
-          <a:p>
-            <a:pPr lvl="1"/>
-            <a:r>
-              <a:rPr lang="fr-FR" dirty="0" err="1"/>
-              <a:t>IntelliJ</a:t>
-            </a:r>
-            <a:r>
-              <a:rPr lang="fr-FR" dirty="0"/>
-              <a:t> </a:t>
-            </a:r>
-            <a:r>
-              <a:rPr lang="fr-FR" dirty="0" smtClean="0"/>
-              <a:t>IDEA</a:t>
-            </a:r>
-          </a:p>
-          <a:p>
-            <a:pPr lvl="1"/>
-            <a:r>
-              <a:rPr lang="fr-FR" dirty="0" smtClean="0"/>
-              <a:t>Visual Studio .NET</a:t>
+              <a:t>WebIDE</a:t>
+            </a:r>
+            <a:r>
+              <a:rPr lang="fr-FR" dirty="0" smtClean="0"/>
+              <a:t> (Mozilla) se base sur tern.js</a:t>
             </a:r>
           </a:p>
         </p:txBody>
@@ -23073,11 +23349,48 @@
           <a:p>
             <a:r>
               <a:rPr lang="fr-FR" dirty="0"/>
-              <a:t>Navigateur web : Orion, Cloud9, </a:t>
-            </a:r>
-            <a:r>
-              <a:rPr lang="fr-FR" dirty="0" smtClean="0"/>
-              <a:t>etc.</a:t>
+              <a:t>3 éditeurs Web de code écrits en JavaScript supporte tern.js : </a:t>
+            </a:r>
+          </a:p>
+          <a:p>
+            <a:pPr lvl="1"/>
+            <a:r>
+              <a:rPr lang="fr-FR" dirty="0"/>
+              <a:t>CodeMirror : </a:t>
+            </a:r>
+            <a:r>
+              <a:rPr lang="fr-FR" dirty="0">
+                <a:hlinkClick r:id="rId2"/>
+              </a:rPr>
+              <a:t>http://codemirror.net/</a:t>
+            </a:r>
+            <a:endParaRPr lang="fr-FR" dirty="0"/>
+          </a:p>
+          <a:p>
+            <a:pPr lvl="1"/>
+            <a:r>
+              <a:rPr lang="fr-FR" dirty="0"/>
+              <a:t>ACE (POC): </a:t>
+            </a:r>
+            <a:r>
+              <a:rPr lang="fr-FR" dirty="0">
+                <a:hlinkClick r:id="rId3"/>
+              </a:rPr>
+              <a:t>https://github.com/angelozerr/tern.ace</a:t>
+            </a:r>
+            <a:endParaRPr lang="fr-FR" dirty="0"/>
+          </a:p>
+          <a:p>
+            <a:pPr lvl="1"/>
+            <a:r>
+              <a:rPr lang="fr-FR" dirty="0"/>
+              <a:t>Orion (POC): </a:t>
+            </a:r>
+            <a:r>
+              <a:rPr lang="fr-FR" dirty="0">
+                <a:hlinkClick r:id="rId4"/>
+              </a:rPr>
+              <a:t>https://github.com/angelozerr/tern.orion</a:t>
             </a:r>
             <a:endParaRPr lang="fr-FR" dirty="0"/>
           </a:p>
@@ -23112,7 +23425,7 @@
     </p:spTree>
     <p:extLst>
       <p:ext uri="{BB962C8B-B14F-4D97-AF65-F5344CB8AC3E}">
-        <p14:creationId xmlns:p14="http://schemas.microsoft.com/office/powerpoint/2010/main" val="3851765026"/>
+        <p14:creationId xmlns:p14="http://schemas.microsoft.com/office/powerpoint/2010/main" val="2150146724"/>
       </p:ext>
     </p:extLst>
   </p:cSld>
@@ -23131,13 +23444,6 @@
       </p:transition>
     </mc:Fallback>
   </mc:AlternateContent>
-  <p:timing>
-    <p:tnLst>
-      <p:par>
-        <p:cTn id="1" dur="indefinite" restart="never" nodeType="tmRoot"/>
-      </p:par>
-    </p:tnLst>
-  </p:timing>
 </p:sld>
 </file>
 
@@ -23170,6 +23476,33 @@
         </p:nvSpPr>
         <p:spPr/>
         <p:txBody>
+          <a:bodyPr/>
+          <a:lstStyle/>
+          <a:p>
+            <a:r>
+              <a:rPr lang="fr-FR" dirty="0" smtClean="0"/>
+              <a:t>Tern JSON </a:t>
+            </a:r>
+            <a:r>
+              <a:rPr lang="fr-FR" dirty="0"/>
+              <a:t>Type Definition</a:t>
+            </a:r>
+            <a:endParaRPr lang="fr-FR" dirty="0"/>
+          </a:p>
+        </p:txBody>
+      </p:sp>
+      <p:sp>
+        <p:nvSpPr>
+          <p:cNvPr id="3" name="Espace réservé du contenu 2"/>
+          <p:cNvSpPr>
+            <a:spLocks noGrp="1"/>
+          </p:cNvSpPr>
+          <p:nvPr>
+            <p:ph sz="half" idx="1"/>
+          </p:nvPr>
+        </p:nvSpPr>
+        <p:spPr/>
+        <p:txBody>
           <a:bodyPr>
             <a:normAutofit/>
           </a:bodyPr>
@@ -23177,48 +23510,65 @@
           <a:p>
             <a:r>
               <a:rPr lang="fr-FR" dirty="0" smtClean="0"/>
-              <a:t>Editeur JavaScript</a:t>
-            </a:r>
-            <a:endParaRPr lang="fr-FR" dirty="0"/>
-          </a:p>
-        </p:txBody>
-      </p:sp>
-      <p:sp>
-        <p:nvSpPr>
-          <p:cNvPr id="3" name="Espace réservé du contenu 2"/>
-          <p:cNvSpPr>
-            <a:spLocks noGrp="1"/>
-          </p:cNvSpPr>
-          <p:nvPr>
-            <p:ph sz="half" idx="1"/>
-          </p:nvPr>
-        </p:nvSpPr>
-        <p:spPr/>
-        <p:txBody>
-          <a:bodyPr>
-            <a:normAutofit/>
-          </a:bodyPr>
-          <a:lstStyle/>
-          <a:p>
-            <a:r>
-              <a:rPr lang="fr-FR" dirty="0" smtClean="0"/>
-              <a:t>JavaScript n’est pas un langage typé</a:t>
-            </a:r>
-          </a:p>
-          <a:p>
-            <a:r>
-              <a:rPr lang="fr-FR" dirty="0" smtClean="0"/>
-              <a:t>Moteur d’inférence JavaScript</a:t>
-            </a:r>
-          </a:p>
-          <a:p>
-            <a:r>
-              <a:rPr lang="fr-FR" dirty="0" smtClean="0"/>
-              <a:t>Chaque produit à sa propre solution de moteur d’inférence</a:t>
-            </a:r>
-          </a:p>
-          <a:p>
-            <a:endParaRPr lang="fr-FR" dirty="0"/>
+              <a:t>Tern se base sur 2 concepts :</a:t>
+            </a:r>
+          </a:p>
+          <a:p>
+            <a:pPr lvl="1"/>
+            <a:r>
+              <a:rPr lang="fr-FR" dirty="0" smtClean="0"/>
+              <a:t>JSON Type Definition : </a:t>
+            </a:r>
+          </a:p>
+          <a:p>
+            <a:pPr lvl="2"/>
+            <a:r>
+              <a:rPr lang="fr-FR" dirty="0" smtClean="0"/>
+              <a:t>descripteur JSON qui décrit la structure du framework JavaScript.</a:t>
+            </a:r>
+          </a:p>
+          <a:p>
+            <a:pPr lvl="2"/>
+            <a:r>
+              <a:rPr lang="fr-FR" dirty="0" smtClean="0"/>
+              <a:t>écrit en JSON</a:t>
+            </a:r>
+          </a:p>
+          <a:p>
+            <a:pPr lvl="2"/>
+            <a:r>
+              <a:rPr lang="fr-FR" dirty="0" smtClean="0"/>
+              <a:t>JSON Type Definition officiel: </a:t>
+            </a:r>
+            <a:r>
+              <a:rPr lang="fr-FR" b="1" dirty="0" smtClean="0"/>
+              <a:t>ecma5</a:t>
+            </a:r>
+            <a:r>
+              <a:rPr lang="fr-FR" dirty="0" smtClean="0"/>
+              <a:t>, </a:t>
+            </a:r>
+            <a:r>
+              <a:rPr lang="fr-FR" b="1" dirty="0" smtClean="0"/>
+              <a:t>browser</a:t>
+            </a:r>
+            <a:r>
+              <a:rPr lang="fr-FR" dirty="0" smtClean="0"/>
+              <a:t>, </a:t>
+            </a:r>
+            <a:r>
+              <a:rPr lang="fr-FR" b="1" dirty="0" err="1" smtClean="0"/>
+              <a:t>jquery</a:t>
+            </a:r>
+            <a:r>
+              <a:rPr lang="fr-FR" dirty="0" smtClean="0"/>
+              <a:t>, </a:t>
+            </a:r>
+            <a:r>
+              <a:rPr lang="fr-FR" b="1" dirty="0" err="1" smtClean="0"/>
+              <a:t>underscore</a:t>
+            </a:r>
+            <a:endParaRPr lang="fr-FR" b="1" dirty="0" smtClean="0"/>
           </a:p>
         </p:txBody>
       </p:sp>
@@ -23236,12 +23586,6 @@
         <p:txBody>
           <a:bodyPr/>
           <a:lstStyle/>
-          <a:p>
-            <a:r>
-              <a:rPr lang="fr-FR" dirty="0"/>
-              <a:t>Tern.js solution commune</a:t>
-            </a:r>
-          </a:p>
           <a:p>
             <a:endParaRPr lang="fr-FR" dirty="0"/>
           </a:p>
@@ -23273,7 +23617,7 @@
     </p:spTree>
     <p:extLst>
       <p:ext uri="{BB962C8B-B14F-4D97-AF65-F5344CB8AC3E}">
-        <p14:creationId xmlns:p14="http://schemas.microsoft.com/office/powerpoint/2010/main" val="650943984"/>
+        <p14:creationId xmlns:p14="http://schemas.microsoft.com/office/powerpoint/2010/main" val="2191271433"/>
       </p:ext>
     </p:extLst>
   </p:cSld>
@@ -23292,13 +23636,6 @@
       </p:transition>
     </mc:Fallback>
   </mc:AlternateContent>
-  <p:timing>
-    <p:tnLst>
-      <p:par>
-        <p:cTn id="1" dur="indefinite" restart="never" nodeType="tmRoot"/>
-      </p:par>
-    </p:tnLst>
-  </p:timing>
 </p:sld>
 </file>
 
@@ -23331,110 +23668,179 @@
         </p:nvSpPr>
         <p:spPr/>
         <p:txBody>
+          <a:bodyPr/>
+          <a:lstStyle/>
+          <a:p>
+            <a:r>
+              <a:rPr lang="fr-FR" dirty="0" smtClean="0"/>
+              <a:t>Tern plugin</a:t>
+            </a:r>
+            <a:endParaRPr lang="fr-FR" dirty="0"/>
+          </a:p>
+        </p:txBody>
+      </p:sp>
+      <p:sp>
+        <p:nvSpPr>
+          <p:cNvPr id="3" name="Espace réservé du contenu 2"/>
+          <p:cNvSpPr>
+            <a:spLocks noGrp="1"/>
+          </p:cNvSpPr>
+          <p:nvPr>
+            <p:ph sz="half" idx="1"/>
+          </p:nvPr>
+        </p:nvSpPr>
+        <p:spPr/>
+        <p:txBody>
           <a:bodyPr>
             <a:normAutofit/>
           </a:bodyPr>
           <a:lstStyle/>
           <a:p>
             <a:r>
-              <a:rPr lang="fr-FR" dirty="0" smtClean="0"/>
-              <a:t>Tern.js, c’est quoi?</a:t>
-            </a:r>
-            <a:endParaRPr lang="fr-FR" dirty="0"/>
-          </a:p>
-        </p:txBody>
-      </p:sp>
-      <p:sp>
-        <p:nvSpPr>
-          <p:cNvPr id="3" name="Espace réservé du contenu 2"/>
-          <p:cNvSpPr>
-            <a:spLocks noGrp="1"/>
-          </p:cNvSpPr>
-          <p:nvPr>
-            <p:ph sz="half" idx="1"/>
-          </p:nvPr>
-        </p:nvSpPr>
-        <p:spPr/>
-        <p:txBody>
-          <a:bodyPr>
-            <a:normAutofit/>
-          </a:bodyPr>
-          <a:lstStyle/>
-          <a:p>
-            <a:r>
-              <a:rPr lang="en-US" b="1" dirty="0" smtClean="0"/>
-              <a:t>Tern</a:t>
-            </a:r>
-            <a:r>
-              <a:rPr lang="en-US" dirty="0" smtClean="0"/>
-              <a:t> is a stand-alone </a:t>
-            </a:r>
-            <a:r>
-              <a:rPr lang="en-US" b="1" dirty="0" smtClean="0"/>
-              <a:t>code-analysis engine</a:t>
-            </a:r>
-            <a:r>
-              <a:rPr lang="en-US" dirty="0" smtClean="0"/>
-              <a:t> for JavaScript. </a:t>
-            </a:r>
-            <a:r>
-              <a:rPr lang="en-US" dirty="0"/>
-              <a:t>It is intended to be used with </a:t>
-            </a:r>
-            <a:r>
-              <a:rPr lang="en-US" dirty="0" smtClean="0"/>
-              <a:t>a </a:t>
-            </a:r>
-            <a:r>
-              <a:rPr lang="en-US" b="1" dirty="0" smtClean="0"/>
-              <a:t>code editor plugin</a:t>
-            </a:r>
-            <a:r>
-              <a:rPr lang="en-US" dirty="0"/>
-              <a:t> to enhance the editor's support for intelligent JavaScript editing. Features provided are:</a:t>
+              <a:rPr lang="fr-FR" dirty="0"/>
+              <a:t>Plugin : </a:t>
             </a:r>
           </a:p>
           <a:p>
             <a:pPr lvl="1"/>
             <a:r>
-              <a:rPr lang="en-US" dirty="0" smtClean="0"/>
-              <a:t>Auto-completion </a:t>
-            </a:r>
-            <a:r>
-              <a:rPr lang="en-US" dirty="0"/>
-              <a:t>on variables and properties</a:t>
+              <a:rPr lang="fr-FR" dirty="0"/>
+              <a:t>utilise un JSON Type Definition et permet de gérer plus finement le comportement d’une fonction, via du code JavaScript.</a:t>
             </a:r>
           </a:p>
           <a:p>
             <a:pPr lvl="1"/>
             <a:r>
-              <a:rPr lang="en-US" dirty="0"/>
-              <a:t>Function argument hints</a:t>
+              <a:rPr lang="fr-FR" dirty="0"/>
+              <a:t>écrit en JavaScript</a:t>
             </a:r>
           </a:p>
           <a:p>
             <a:pPr lvl="1"/>
             <a:r>
-              <a:rPr lang="en-US" dirty="0"/>
-              <a:t>Querying the type of an expression</a:t>
-            </a:r>
+              <a:rPr lang="fr-FR" dirty="0"/>
+              <a:t>plugins officiels : </a:t>
+            </a:r>
+            <a:r>
+              <a:rPr lang="fr-FR" b="1" dirty="0" err="1"/>
+              <a:t>angularjs</a:t>
+            </a:r>
+            <a:r>
+              <a:rPr lang="fr-FR" dirty="0"/>
+              <a:t>, </a:t>
+            </a:r>
+            <a:r>
+              <a:rPr lang="fr-FR" b="1" dirty="0" err="1"/>
+              <a:t>node</a:t>
+            </a:r>
+            <a:r>
+              <a:rPr lang="fr-FR" dirty="0"/>
+              <a:t>, </a:t>
+            </a:r>
+            <a:r>
+              <a:rPr lang="fr-FR" b="1" dirty="0" err="1"/>
+              <a:t>requirejs</a:t>
+            </a:r>
+            <a:endParaRPr lang="fr-FR" b="1" dirty="0"/>
           </a:p>
           <a:p>
             <a:pPr lvl="1"/>
             <a:r>
-              <a:rPr lang="en-US" dirty="0"/>
-              <a:t>Finding the definition of something</a:t>
-            </a:r>
-          </a:p>
-          <a:p>
-            <a:pPr lvl="1"/>
-            <a:r>
-              <a:rPr lang="en-US" dirty="0"/>
-              <a:t>Automatic refactoring</a:t>
-            </a:r>
-          </a:p>
-          <a:p>
-            <a:endParaRPr lang="fr-FR" dirty="0" smtClean="0"/>
+              <a:rPr lang="fr-FR" dirty="0"/>
+              <a:t>plugins non officiels : </a:t>
+            </a:r>
+            <a:r>
+              <a:rPr lang="fr-FR" b="1" dirty="0" err="1"/>
+              <a:t>AlloyUI</a:t>
+            </a:r>
+            <a:r>
+              <a:rPr lang="fr-FR" dirty="0"/>
+              <a:t>, </a:t>
+            </a:r>
+            <a:r>
+              <a:rPr lang="fr-FR" b="1" dirty="0" err="1"/>
+              <a:t>CKEditor</a:t>
+            </a:r>
+            <a:r>
+              <a:rPr lang="fr-FR" dirty="0"/>
+              <a:t>, </a:t>
+            </a:r>
+            <a:r>
+              <a:rPr lang="fr-FR" b="1" dirty="0"/>
+              <a:t>Closure</a:t>
+            </a:r>
+            <a:r>
+              <a:rPr lang="fr-FR" dirty="0"/>
+              <a:t>, </a:t>
+            </a:r>
+            <a:r>
+              <a:rPr lang="fr-FR" b="1" dirty="0" err="1"/>
+              <a:t>CordovaJS</a:t>
+            </a:r>
+            <a:r>
+              <a:rPr lang="fr-FR" dirty="0"/>
+              <a:t>, </a:t>
+            </a:r>
+            <a:r>
+              <a:rPr lang="fr-FR" b="1" dirty="0"/>
+              <a:t>Dojo</a:t>
+            </a:r>
+            <a:r>
+              <a:rPr lang="fr-FR" dirty="0"/>
+              <a:t> , </a:t>
+            </a:r>
+            <a:r>
+              <a:rPr lang="fr-FR" b="1" dirty="0" err="1"/>
+              <a:t>ExtJS</a:t>
+            </a:r>
+            <a:r>
+              <a:rPr lang="fr-FR" dirty="0"/>
+              <a:t>, </a:t>
+            </a:r>
+            <a:r>
+              <a:rPr lang="fr-FR" b="1" dirty="0"/>
+              <a:t>Google </a:t>
+            </a:r>
+            <a:r>
+              <a:rPr lang="fr-FR" b="1" dirty="0" err="1"/>
+              <a:t>Maps</a:t>
+            </a:r>
+            <a:r>
+              <a:rPr lang="fr-FR" dirty="0"/>
+              <a:t>, </a:t>
+            </a:r>
+            <a:r>
+              <a:rPr lang="fr-FR" b="1" dirty="0" err="1"/>
+              <a:t>Liferay</a:t>
+            </a:r>
+            <a:r>
+              <a:rPr lang="fr-FR" dirty="0"/>
+              <a:t>, </a:t>
+            </a:r>
+            <a:r>
+              <a:rPr lang="fr-FR" b="1" dirty="0" err="1"/>
+              <a:t>Meteor</a:t>
+            </a:r>
+            <a:r>
+              <a:rPr lang="fr-FR" dirty="0"/>
+              <a:t>, </a:t>
+            </a:r>
+            <a:r>
+              <a:rPr lang="fr-FR" b="1" dirty="0" err="1"/>
+              <a:t>Qooxdoo</a:t>
+            </a:r>
+            <a:r>
+              <a:rPr lang="fr-FR" dirty="0"/>
+              <a:t> , </a:t>
+            </a:r>
+            <a:r>
+              <a:rPr lang="fr-FR" b="1" dirty="0"/>
+              <a:t>YUI Library</a:t>
+            </a:r>
+            <a:r>
+              <a:rPr lang="fr-FR" dirty="0"/>
+              <a:t>.</a:t>
+            </a:r>
           </a:p>
           <a:p>
             <a:endParaRPr lang="fr-FR" dirty="0"/>
@@ -23455,55 +23861,6 @@
         <p:txBody>
           <a:bodyPr/>
           <a:lstStyle/>
-          <a:p>
-            <a:r>
-              <a:rPr lang="fr-FR" b="1" dirty="0" smtClean="0"/>
-              <a:t>Tern</a:t>
-            </a:r>
-            <a:r>
-              <a:rPr lang="fr-FR" dirty="0" smtClean="0"/>
-              <a:t> est disponible sur </a:t>
-            </a:r>
-            <a:r>
-              <a:rPr lang="fr-FR" dirty="0" smtClean="0">
-                <a:hlinkClick r:id="rId2"/>
-              </a:rPr>
-              <a:t>http://ternjs.net/</a:t>
-            </a:r>
-            <a:endParaRPr lang="fr-FR" dirty="0" smtClean="0"/>
-          </a:p>
-          <a:p>
-            <a:r>
-              <a:rPr lang="fr-FR" dirty="0" smtClean="0"/>
-              <a:t>Tern est open source (</a:t>
-            </a:r>
-            <a:r>
-              <a:rPr lang="fr-FR" dirty="0" smtClean="0">
-                <a:hlinkClick r:id="rId3"/>
-              </a:rPr>
-              <a:t>MIT </a:t>
-            </a:r>
-            <a:r>
-              <a:rPr lang="fr-FR" dirty="0" err="1" smtClean="0">
-                <a:hlinkClick r:id="rId3"/>
-              </a:rPr>
-              <a:t>license</a:t>
-            </a:r>
-            <a:r>
-              <a:rPr lang="fr-FR" dirty="0" smtClean="0"/>
-              <a:t>), écrit en JavaScript, et capable de s’exécuter à la fois via </a:t>
-            </a:r>
-            <a:r>
-              <a:rPr lang="fr-FR" dirty="0" smtClean="0">
-                <a:hlinkClick r:id="rId4"/>
-              </a:rPr>
-              <a:t>node.js</a:t>
-            </a:r>
-            <a:r>
-              <a:rPr lang="fr-FR" dirty="0" smtClean="0"/>
-              <a:t> et dans le navigateur.</a:t>
-            </a:r>
-          </a:p>
           <a:p>
             <a:endParaRPr lang="fr-FR" dirty="0"/>
           </a:p>
@@ -23535,7 +23892,7 @@
     </p:spTree>
     <p:extLst>
       <p:ext uri="{BB962C8B-B14F-4D97-AF65-F5344CB8AC3E}">
-        <p14:creationId xmlns:p14="http://schemas.microsoft.com/office/powerpoint/2010/main" val="642788690"/>
+        <p14:creationId xmlns:p14="http://schemas.microsoft.com/office/powerpoint/2010/main" val="2857317115"/>
       </p:ext>
     </p:extLst>
   </p:cSld>
@@ -23554,13 +23911,6 @@
       </p:transition>
     </mc:Fallback>
   </mc:AlternateContent>
-  <p:timing>
-    <p:tnLst>
-      <p:par>
-        <p:cTn id="1" dur="indefinite" restart="never" nodeType="tmRoot"/>
-      </p:par>
-    </p:tnLst>
-  </p:timing>
 </p:sld>
 </file>
 

--- a/docs/tern.java_fr.pptx
+++ b/docs/tern.java_fr.pptx
@@ -5,7 +5,7 @@
     <p:sldMasterId id="2147483660" r:id="rId1"/>
   </p:sldMasterIdLst>
   <p:notesMasterIdLst>
-    <p:notesMasterId r:id="rId36"/>
+    <p:notesMasterId r:id="rId37"/>
   </p:notesMasterIdLst>
   <p:sldIdLst>
     <p:sldId id="258" r:id="rId2"/>
@@ -16,32 +16,33 @@
     <p:sldId id="264" r:id="rId7"/>
     <p:sldId id="265" r:id="rId8"/>
     <p:sldId id="293" r:id="rId9"/>
-    <p:sldId id="266" r:id="rId10"/>
-    <p:sldId id="267" r:id="rId11"/>
-    <p:sldId id="294" r:id="rId12"/>
-    <p:sldId id="292" r:id="rId13"/>
-    <p:sldId id="268" r:id="rId14"/>
-    <p:sldId id="269" r:id="rId15"/>
-    <p:sldId id="270" r:id="rId16"/>
-    <p:sldId id="271" r:id="rId17"/>
-    <p:sldId id="272" r:id="rId18"/>
-    <p:sldId id="273" r:id="rId19"/>
-    <p:sldId id="274" r:id="rId20"/>
-    <p:sldId id="275" r:id="rId21"/>
-    <p:sldId id="276" r:id="rId22"/>
-    <p:sldId id="277" r:id="rId23"/>
-    <p:sldId id="278" r:id="rId24"/>
-    <p:sldId id="279" r:id="rId25"/>
-    <p:sldId id="280" r:id="rId26"/>
-    <p:sldId id="281" r:id="rId27"/>
-    <p:sldId id="282" r:id="rId28"/>
-    <p:sldId id="283" r:id="rId29"/>
-    <p:sldId id="284" r:id="rId30"/>
-    <p:sldId id="285" r:id="rId31"/>
-    <p:sldId id="296" r:id="rId32"/>
-    <p:sldId id="286" r:id="rId33"/>
-    <p:sldId id="287" r:id="rId34"/>
-    <p:sldId id="288" r:id="rId35"/>
+    <p:sldId id="297" r:id="rId10"/>
+    <p:sldId id="266" r:id="rId11"/>
+    <p:sldId id="267" r:id="rId12"/>
+    <p:sldId id="294" r:id="rId13"/>
+    <p:sldId id="292" r:id="rId14"/>
+    <p:sldId id="268" r:id="rId15"/>
+    <p:sldId id="269" r:id="rId16"/>
+    <p:sldId id="270" r:id="rId17"/>
+    <p:sldId id="271" r:id="rId18"/>
+    <p:sldId id="272" r:id="rId19"/>
+    <p:sldId id="273" r:id="rId20"/>
+    <p:sldId id="274" r:id="rId21"/>
+    <p:sldId id="275" r:id="rId22"/>
+    <p:sldId id="276" r:id="rId23"/>
+    <p:sldId id="277" r:id="rId24"/>
+    <p:sldId id="278" r:id="rId25"/>
+    <p:sldId id="279" r:id="rId26"/>
+    <p:sldId id="280" r:id="rId27"/>
+    <p:sldId id="281" r:id="rId28"/>
+    <p:sldId id="282" r:id="rId29"/>
+    <p:sldId id="283" r:id="rId30"/>
+    <p:sldId id="284" r:id="rId31"/>
+    <p:sldId id="285" r:id="rId32"/>
+    <p:sldId id="296" r:id="rId33"/>
+    <p:sldId id="286" r:id="rId34"/>
+    <p:sldId id="287" r:id="rId35"/>
+    <p:sldId id="288" r:id="rId36"/>
   </p:sldIdLst>
   <p:sldSz cx="9144000" cy="5143500" type="screen16x9"/>
   <p:notesSz cx="6858000" cy="9144000"/>
@@ -576,7 +577,7 @@
               <a:rPr lang="fr-FR" smtClean="0"/>
               <a:t>1</a:t>
             </a:fld>
-            <a:endParaRPr lang="fr-FR"/>
+            <a:endParaRPr lang="fr-FR" dirty="0"/>
           </a:p>
         </p:txBody>
       </p:sp>
@@ -15857,7 +15858,7 @@
               <a:rPr lang="fr-FR" smtClean="0"/>
               <a:t>1</a:t>
             </a:fld>
-            <a:endParaRPr lang="fr-FR"/>
+            <a:endParaRPr lang="fr-FR" dirty="0"/>
           </a:p>
         </p:txBody>
       </p:sp>
@@ -15923,7 +15924,7 @@
           <a:p>
             <a:r>
               <a:rPr lang="fr-FR" dirty="0" smtClean="0"/>
-              <a:t>Tern.java, c’est quoi?</a:t>
+              <a:t>Server plugin</a:t>
             </a:r>
             <a:endParaRPr lang="fr-FR" dirty="0"/>
           </a:p>
@@ -15939,12 +15940,7 @@
             <p:ph sz="half" idx="1"/>
           </p:nvPr>
         </p:nvSpPr>
-        <p:spPr>
-          <a:xfrm>
-            <a:off x="251520" y="843558"/>
-            <a:ext cx="4536504" cy="3750667"/>
-          </a:xfrm>
-        </p:spPr>
+        <p:spPr/>
         <p:txBody>
           <a:bodyPr>
             <a:normAutofit/>
@@ -15952,50 +15948,200 @@
           <a:lstStyle/>
           <a:p>
             <a:r>
+              <a:rPr lang="fr-FR" dirty="0"/>
+              <a:t>Plugin : </a:t>
+            </a:r>
+          </a:p>
+          <a:p>
+            <a:pPr lvl="1"/>
+            <a:r>
+              <a:rPr lang="fr-FR" dirty="0"/>
+              <a:t>utilise un JSON Type </a:t>
+            </a:r>
+            <a:r>
+              <a:rPr lang="fr-FR" dirty="0" smtClean="0"/>
+              <a:t>Definition</a:t>
+            </a:r>
+          </a:p>
+          <a:p>
+            <a:pPr lvl="1"/>
+            <a:r>
+              <a:rPr lang="fr-FR" dirty="0" smtClean="0"/>
+              <a:t>permet </a:t>
+            </a:r>
+            <a:r>
+              <a:rPr lang="fr-FR" dirty="0"/>
+              <a:t>de gérer plus finement le comportement d’une fonction, via du code JavaScript.</a:t>
+            </a:r>
+          </a:p>
+          <a:p>
+            <a:pPr lvl="1"/>
+            <a:r>
+              <a:rPr lang="fr-FR" dirty="0"/>
+              <a:t>écrit en </a:t>
+            </a:r>
+            <a:r>
+              <a:rPr lang="fr-FR" dirty="0" smtClean="0"/>
+              <a:t>JavaScript</a:t>
+            </a:r>
+          </a:p>
+          <a:p>
+            <a:pPr lvl="1"/>
+            <a:r>
+              <a:rPr lang="fr-FR" dirty="0" smtClean="0"/>
+              <a:t>plugins officiels : </a:t>
+            </a:r>
+          </a:p>
+          <a:p>
+            <a:pPr lvl="2"/>
+            <a:r>
               <a:rPr lang="fr-FR" b="1" dirty="0" smtClean="0"/>
-              <a:t>tern.java </a:t>
-            </a:r>
+              <a:t>angular</a:t>
+            </a:r>
+            <a:endParaRPr lang="fr-FR" dirty="0" smtClean="0"/>
+          </a:p>
+          <a:p>
+            <a:pPr lvl="2"/>
+            <a:r>
+              <a:rPr lang="fr-FR" dirty="0" smtClean="0"/>
+              <a:t> </a:t>
+            </a:r>
+            <a:r>
+              <a:rPr lang="fr-FR" b="1" dirty="0" smtClean="0"/>
+              <a:t>node</a:t>
+            </a:r>
+            <a:endParaRPr lang="fr-FR" dirty="0" smtClean="0"/>
+          </a:p>
+          <a:p>
+            <a:pPr lvl="2"/>
+            <a:r>
+              <a:rPr lang="fr-FR" b="1" dirty="0" err="1" smtClean="0"/>
+              <a:t>requirejs</a:t>
+            </a:r>
+            <a:endParaRPr lang="fr-FR" b="1" dirty="0"/>
+          </a:p>
+          <a:p>
+            <a:pPr lvl="1"/>
             <a:r>
               <a:rPr lang="fr-FR" dirty="0"/>
-              <a:t>est disponible sur </a:t>
-            </a:r>
-            <a:r>
-              <a:rPr lang="fr-FR" dirty="0">
-                <a:hlinkClick r:id="rId2"/>
-              </a:rPr>
-              <a:t>https://</a:t>
-            </a:r>
-            <a:r>
-              <a:rPr lang="fr-FR" dirty="0" smtClean="0">
-                <a:hlinkClick r:id="rId2"/>
-              </a:rPr>
-              <a:t>github.com/angelozerr/tern.java</a:t>
-            </a:r>
-            <a:endParaRPr lang="fr-FR" b="1" dirty="0" smtClean="0"/>
-          </a:p>
-          <a:p>
+              <a:t>plugins non officiels : </a:t>
+            </a:r>
+            <a:r>
+              <a:rPr lang="fr-FR" b="1" dirty="0" err="1"/>
+              <a:t>AlloyUI</a:t>
+            </a:r>
+            <a:r>
+              <a:rPr lang="fr-FR" dirty="0"/>
+              <a:t>, </a:t>
+            </a:r>
+            <a:r>
+              <a:rPr lang="fr-FR" b="1" dirty="0" err="1"/>
+              <a:t>CKEditor</a:t>
+            </a:r>
+            <a:r>
+              <a:rPr lang="fr-FR" dirty="0"/>
+              <a:t>, </a:t>
+            </a:r>
+            <a:r>
+              <a:rPr lang="fr-FR" b="1" dirty="0"/>
+              <a:t>Closure</a:t>
+            </a:r>
+            <a:r>
+              <a:rPr lang="fr-FR" dirty="0"/>
+              <a:t>, </a:t>
+            </a:r>
+            <a:r>
+              <a:rPr lang="fr-FR" b="1" dirty="0" err="1"/>
+              <a:t>CordovaJS</a:t>
+            </a:r>
+            <a:r>
+              <a:rPr lang="fr-FR" dirty="0"/>
+              <a:t>, </a:t>
+            </a:r>
+            <a:r>
+              <a:rPr lang="fr-FR" b="1" dirty="0"/>
+              <a:t>Dojo</a:t>
+            </a:r>
+            <a:r>
+              <a:rPr lang="fr-FR" dirty="0"/>
+              <a:t> , </a:t>
+            </a:r>
+            <a:r>
+              <a:rPr lang="fr-FR" b="1" dirty="0" err="1"/>
+              <a:t>ExtJS</a:t>
+            </a:r>
+            <a:r>
+              <a:rPr lang="fr-FR" dirty="0"/>
+              <a:t>, </a:t>
+            </a:r>
+            <a:r>
+              <a:rPr lang="fr-FR" b="1" dirty="0"/>
+              <a:t>Google </a:t>
+            </a:r>
+            <a:r>
+              <a:rPr lang="fr-FR" b="1" dirty="0" err="1"/>
+              <a:t>Maps</a:t>
+            </a:r>
+            <a:r>
+              <a:rPr lang="fr-FR" dirty="0"/>
+              <a:t>, </a:t>
+            </a:r>
+            <a:r>
+              <a:rPr lang="fr-FR" b="1" dirty="0" err="1"/>
+              <a:t>Liferay</a:t>
+            </a:r>
+            <a:r>
+              <a:rPr lang="fr-FR" dirty="0"/>
+              <a:t>, </a:t>
+            </a:r>
+            <a:r>
+              <a:rPr lang="fr-FR" b="1" dirty="0" err="1"/>
+              <a:t>Meteor</a:t>
+            </a:r>
+            <a:r>
+              <a:rPr lang="fr-FR" dirty="0"/>
+              <a:t>, </a:t>
+            </a:r>
+            <a:r>
+              <a:rPr lang="fr-FR" b="1" dirty="0" err="1"/>
+              <a:t>Qooxdoo</a:t>
+            </a:r>
+            <a:r>
+              <a:rPr lang="fr-FR" dirty="0"/>
+              <a:t> , </a:t>
+            </a:r>
+            <a:r>
+              <a:rPr lang="fr-FR" b="1" dirty="0"/>
+              <a:t>YUI </a:t>
+            </a:r>
             <a:r>
               <a:rPr lang="fr-FR" b="1" dirty="0" smtClean="0"/>
-              <a:t>tern.java</a:t>
-            </a:r>
-            <a:r>
-              <a:rPr lang="fr-FR" dirty="0" smtClean="0"/>
-              <a:t> fournit un moteur d’inférence JavaScript dans un contexte Java.</a:t>
-            </a:r>
-          </a:p>
-          <a:p>
-            <a:r>
-              <a:rPr lang="fr-FR" dirty="0" smtClean="0"/>
-              <a:t>Il exécute </a:t>
+              <a:t>Library, express, </a:t>
+            </a:r>
+            <a:r>
+              <a:rPr lang="fr-FR" b="1" dirty="0" err="1" smtClean="0"/>
+              <a:t>mongoose</a:t>
             </a:r>
             <a:r>
               <a:rPr lang="fr-FR" b="1" dirty="0" smtClean="0"/>
-              <a:t>tern.js</a:t>
-            </a:r>
-            <a:r>
-              <a:rPr lang="fr-FR" dirty="0" smtClean="0"/>
-              <a:t> dans un contexte Java</a:t>
-            </a:r>
+              <a:t>, </a:t>
+            </a:r>
+            <a:r>
+              <a:rPr lang="fr-FR" b="1" dirty="0" err="1" smtClean="0"/>
+              <a:t>mongodb</a:t>
+            </a:r>
+            <a:r>
+              <a:rPr lang="fr-FR" b="1" dirty="0" smtClean="0"/>
+              <a:t> native</a:t>
+            </a:r>
+            <a:r>
+              <a:rPr lang="fr-FR" dirty="0" smtClean="0"/>
+              <a:t>.</a:t>
+            </a:r>
+            <a:endParaRPr lang="fr-FR" dirty="0"/>
+          </a:p>
+          <a:p>
+            <a:endParaRPr lang="fr-FR" dirty="0"/>
           </a:p>
         </p:txBody>
       </p:sp>
@@ -16015,105 +16161,17 @@
           <a:lstStyle/>
           <a:p>
             <a:r>
-              <a:rPr lang="fr-FR" dirty="0"/>
-              <a:t>Le projet est découpé en 2 parties :</a:t>
-            </a:r>
-          </a:p>
-          <a:p>
-            <a:pPr lvl="1"/>
-            <a:r>
-              <a:rPr lang="fr-FR" b="1" dirty="0" err="1"/>
-              <a:t>core</a:t>
-            </a:r>
-            <a:r>
-              <a:rPr lang="fr-FR" dirty="0"/>
-              <a:t> : utilisation de tern.js dans un contexte Java</a:t>
-            </a:r>
-          </a:p>
-          <a:p>
-            <a:pPr lvl="1"/>
-            <a:r>
-              <a:rPr lang="fr-FR" b="1" dirty="0" err="1"/>
-              <a:t>eclipse</a:t>
-            </a:r>
-            <a:r>
-              <a:rPr lang="fr-FR" dirty="0"/>
-              <a:t> : utilisation de tern.java (</a:t>
-            </a:r>
-            <a:r>
-              <a:rPr lang="fr-FR" dirty="0" err="1"/>
-              <a:t>core</a:t>
-            </a:r>
-            <a:r>
-              <a:rPr lang="fr-FR" dirty="0"/>
-              <a:t>) dans Eclipse IDE</a:t>
-            </a:r>
-          </a:p>
-          <a:p>
-            <a:pPr marL="342900" lvl="1" indent="-342900"/>
-            <a:r>
-              <a:rPr lang="fr-FR" dirty="0"/>
-              <a:t>tern.java (</a:t>
-            </a:r>
-            <a:r>
-              <a:rPr lang="fr-FR" dirty="0" err="1"/>
-              <a:t>core</a:t>
-            </a:r>
-            <a:r>
-              <a:rPr lang="fr-FR" dirty="0"/>
-              <a:t>) peut être utilisé dans d’autres solutions Java :</a:t>
-            </a:r>
-          </a:p>
-          <a:p>
-            <a:pPr marL="742950" lvl="2" indent="-342900"/>
-            <a:r>
-              <a:rPr lang="fr-FR" dirty="0"/>
-              <a:t>Champs textes simple : SWT Text, Swing </a:t>
-            </a:r>
-            <a:r>
-              <a:rPr lang="fr-FR" dirty="0" err="1"/>
-              <a:t>JTextField</a:t>
-            </a:r>
-            <a:r>
-              <a:rPr lang="fr-FR" dirty="0"/>
-              <a:t>, </a:t>
-            </a:r>
-            <a:r>
-              <a:rPr lang="fr-FR" dirty="0" err="1"/>
-              <a:t>etc</a:t>
-            </a:r>
-            <a:r>
-              <a:rPr lang="fr-FR" dirty="0"/>
-              <a:t> </a:t>
-            </a:r>
-          </a:p>
-          <a:p>
-            <a:pPr marL="742950" lvl="2" indent="-342900"/>
-            <a:r>
-              <a:rPr lang="fr-FR" dirty="0"/>
-              <a:t>Editeur (IDE): </a:t>
-            </a:r>
-            <a:r>
-              <a:rPr lang="fr-FR" dirty="0" err="1"/>
-              <a:t>IntelliJ</a:t>
-            </a:r>
-            <a:r>
-              <a:rPr lang="fr-FR" dirty="0"/>
-              <a:t> IDEA, </a:t>
-            </a:r>
-            <a:r>
-              <a:rPr lang="fr-FR" dirty="0" err="1"/>
-              <a:t>Netbeans</a:t>
-            </a:r>
-            <a:r>
-              <a:rPr lang="fr-FR" dirty="0"/>
-              <a:t>, </a:t>
-            </a:r>
-            <a:r>
-              <a:rPr lang="fr-FR" dirty="0" err="1"/>
-              <a:t>etc</a:t>
-            </a:r>
-            <a:endParaRPr lang="fr-FR" dirty="0"/>
+              <a:rPr lang="fr-FR" dirty="0" smtClean="0"/>
+              <a:t>Exemple avec la fonction </a:t>
+            </a:r>
+            <a:r>
+              <a:rPr lang="fr-FR" b="1" dirty="0" smtClean="0"/>
+              <a:t>require</a:t>
+            </a:r>
+            <a:r>
+              <a:rPr lang="fr-FR" dirty="0" smtClean="0"/>
+              <a:t> de node :</a:t>
+            </a:r>
           </a:p>
           <a:p>
             <a:endParaRPr lang="fr-FR" dirty="0"/>
@@ -16143,10 +16201,64 @@
           </a:p>
         </p:txBody>
       </p:sp>
+      <p:pic>
+        <p:nvPicPr>
+          <p:cNvPr id="3075" name="Picture 3"/>
+          <p:cNvPicPr>
+            <a:picLocks noChangeAspect="1" noChangeArrowheads="1"/>
+          </p:cNvPicPr>
+          <p:nvPr/>
+        </p:nvPicPr>
+        <p:blipFill>
+          <a:blip r:embed="rId2">
+            <a:extLst>
+              <a:ext uri="{28A0092B-C50C-407E-A947-70E740481C1C}">
+                <a14:useLocalDpi xmlns:a14="http://schemas.microsoft.com/office/drawing/2010/main" val="0"/>
+              </a:ext>
+            </a:extLst>
+          </a:blip>
+          <a:srcRect/>
+          <a:stretch>
+            <a:fillRect/>
+          </a:stretch>
+        </p:blipFill>
+        <p:spPr bwMode="auto">
+          <a:xfrm>
+            <a:off x="5940152" y="1260408"/>
+            <a:ext cx="2494098" cy="3202405"/>
+          </a:xfrm>
+          <a:prstGeom prst="rect">
+            <a:avLst/>
+          </a:prstGeom>
+          <a:noFill/>
+          <a:ln>
+            <a:noFill/>
+          </a:ln>
+          <a:extLst>
+            <a:ext uri="{909E8E84-426E-40DD-AFC4-6F175D3DCCD1}">
+              <a14:hiddenFill xmlns:a14="http://schemas.microsoft.com/office/drawing/2010/main">
+                <a:solidFill>
+                  <a:schemeClr val="accent1"/>
+                </a:solidFill>
+              </a14:hiddenFill>
+            </a:ext>
+            <a:ext uri="{91240B29-F687-4F45-9708-019B960494DF}">
+              <a14:hiddenLine xmlns:a14="http://schemas.microsoft.com/office/drawing/2010/main" w="9525">
+                <a:solidFill>
+                  <a:schemeClr val="tx1"/>
+                </a:solidFill>
+                <a:miter lim="800000"/>
+                <a:headEnd/>
+                <a:tailEnd/>
+              </a14:hiddenLine>
+            </a:ext>
+          </a:extLst>
+        </p:spPr>
+      </p:pic>
     </p:spTree>
     <p:extLst>
       <p:ext uri="{BB962C8B-B14F-4D97-AF65-F5344CB8AC3E}">
-        <p14:creationId xmlns:p14="http://schemas.microsoft.com/office/powerpoint/2010/main" val="3301945135"/>
+        <p14:creationId xmlns:p14="http://schemas.microsoft.com/office/powerpoint/2010/main" val="2857317115"/>
       </p:ext>
     </p:extLst>
   </p:cSld>
@@ -16202,11 +16314,7 @@
           <a:p>
             <a:r>
               <a:rPr lang="fr-FR" dirty="0" smtClean="0"/>
-              <a:t>Pourquoi tern.java</a:t>
-            </a:r>
-            <a:r>
-              <a:rPr lang="fr-FR" dirty="0"/>
-              <a:t>?</a:t>
+              <a:t>Tern.java, c’est quoi?</a:t>
             </a:r>
             <a:endParaRPr lang="fr-FR" dirty="0"/>
           </a:p>
@@ -16234,42 +16342,147 @@
           </a:bodyPr>
           <a:lstStyle/>
           <a:p>
-            <a:pPr marL="342900" lvl="1" indent="-342900">
-              <a:buClr>
-                <a:schemeClr val="accent6"/>
-              </a:buClr>
-              <a:buFont typeface="Wingdings" pitchFamily="2" charset="2"/>
-              <a:buChar char="§"/>
-            </a:pPr>
             <a:r>
               <a:rPr lang="fr-FR" b="1" dirty="0" smtClean="0"/>
-              <a:t>TODO</a:t>
-            </a:r>
-            <a:endParaRPr lang="fr-FR" dirty="0"/>
-          </a:p>
-          <a:p>
-            <a:endParaRPr lang="fr-FR" dirty="0" smtClean="0">
-              <a:solidFill>
-                <a:srgbClr val="C00000"/>
-              </a:solidFill>
-            </a:endParaRPr>
-          </a:p>
-          <a:p>
+              <a:t>tern.java </a:t>
+            </a:r>
+            <a:r>
+              <a:rPr lang="fr-FR" dirty="0"/>
+              <a:t>est disponible sur </a:t>
+            </a:r>
+            <a:r>
+              <a:rPr lang="fr-FR" dirty="0">
+                <a:hlinkClick r:id="rId2"/>
+              </a:rPr>
+              <a:t>https://</a:t>
+            </a:r>
             <a:r>
               <a:rPr lang="fr-FR" dirty="0" smtClean="0">
-                <a:solidFill>
-                  <a:srgbClr val="C00000"/>
-                </a:solidFill>
+                <a:hlinkClick r:id="rId2"/>
               </a:rPr>
-              <a:t>Pourrait </a:t>
-            </a:r>
-            <a:r>
-              <a:rPr lang="fr-FR" dirty="0">
-                <a:solidFill>
-                  <a:srgbClr val="C00000"/>
-                </a:solidFill>
-              </a:rPr>
-              <a:t>être intégré pour </a:t>
+              <a:t>github.com/angelozerr/tern.java</a:t>
+            </a:r>
+            <a:endParaRPr lang="fr-FR" b="1" dirty="0" smtClean="0"/>
+          </a:p>
+          <a:p>
+            <a:r>
+              <a:rPr lang="fr-FR" b="1" dirty="0" smtClean="0"/>
+              <a:t>tern.java</a:t>
+            </a:r>
+            <a:r>
+              <a:rPr lang="fr-FR" dirty="0" smtClean="0"/>
+              <a:t> fournit un moteur d’inférence JavaScript dans un contexte Java.</a:t>
+            </a:r>
+          </a:p>
+          <a:p>
+            <a:r>
+              <a:rPr lang="fr-FR" dirty="0" smtClean="0"/>
+              <a:t>Il exécute </a:t>
+            </a:r>
+            <a:r>
+              <a:rPr lang="fr-FR" b="1" dirty="0" smtClean="0"/>
+              <a:t>tern.js</a:t>
+            </a:r>
+            <a:r>
+              <a:rPr lang="fr-FR" dirty="0" smtClean="0"/>
+              <a:t> dans un contexte Java</a:t>
+            </a:r>
+          </a:p>
+        </p:txBody>
+      </p:sp>
+      <p:sp>
+        <p:nvSpPr>
+          <p:cNvPr id="4" name="Espace réservé du contenu 3"/>
+          <p:cNvSpPr>
+            <a:spLocks noGrp="1"/>
+          </p:cNvSpPr>
+          <p:nvPr>
+            <p:ph sz="half" idx="2"/>
+          </p:nvPr>
+        </p:nvSpPr>
+        <p:spPr/>
+        <p:txBody>
+          <a:bodyPr/>
+          <a:lstStyle/>
+          <a:p>
+            <a:r>
+              <a:rPr lang="fr-FR" dirty="0"/>
+              <a:t>Le projet est découpé en 2 parties :</a:t>
+            </a:r>
+          </a:p>
+          <a:p>
+            <a:pPr lvl="1"/>
+            <a:r>
+              <a:rPr lang="fr-FR" b="1" dirty="0" err="1"/>
+              <a:t>core</a:t>
+            </a:r>
+            <a:r>
+              <a:rPr lang="fr-FR" dirty="0"/>
+              <a:t> : utilisation de tern.js dans un contexte Java</a:t>
+            </a:r>
+          </a:p>
+          <a:p>
+            <a:pPr lvl="1"/>
+            <a:r>
+              <a:rPr lang="fr-FR" b="1" dirty="0" err="1"/>
+              <a:t>eclipse</a:t>
+            </a:r>
+            <a:r>
+              <a:rPr lang="fr-FR" dirty="0"/>
+              <a:t> : utilisation de tern.java (</a:t>
+            </a:r>
+            <a:r>
+              <a:rPr lang="fr-FR" dirty="0" err="1"/>
+              <a:t>core</a:t>
+            </a:r>
+            <a:r>
+              <a:rPr lang="fr-FR" dirty="0"/>
+              <a:t>) dans Eclipse IDE</a:t>
+            </a:r>
+          </a:p>
+          <a:p>
+            <a:pPr marL="342900" lvl="1" indent="-342900"/>
+            <a:r>
+              <a:rPr lang="fr-FR" dirty="0"/>
+              <a:t>tern.java (</a:t>
+            </a:r>
+            <a:r>
+              <a:rPr lang="fr-FR" dirty="0" err="1"/>
+              <a:t>core</a:t>
+            </a:r>
+            <a:r>
+              <a:rPr lang="fr-FR" dirty="0"/>
+              <a:t>) peut être utilisé dans d’autres solutions Java :</a:t>
+            </a:r>
+          </a:p>
+          <a:p>
+            <a:pPr marL="742950" lvl="2" indent="-342900"/>
+            <a:r>
+              <a:rPr lang="fr-FR" dirty="0"/>
+              <a:t>Champs textes simple : SWT Text, Swing </a:t>
+            </a:r>
+            <a:r>
+              <a:rPr lang="fr-FR" dirty="0" err="1"/>
+              <a:t>JTextField</a:t>
+            </a:r>
+            <a:r>
+              <a:rPr lang="fr-FR" dirty="0"/>
+              <a:t>, etc </a:t>
+            </a:r>
+          </a:p>
+          <a:p>
+            <a:pPr marL="742950" lvl="2" indent="-342900"/>
+            <a:r>
+              <a:rPr lang="fr-FR" dirty="0"/>
+              <a:t>Editeur (IDE): </a:t>
+            </a:r>
+            <a:r>
+              <a:rPr lang="fr-FR" dirty="0" err="1"/>
+              <a:t>IntelliJ</a:t>
+            </a:r>
+            <a:r>
+              <a:rPr lang="fr-FR" dirty="0"/>
+              <a:t> IDEA, </a:t>
             </a:r>
             <a:r>
               <a:rPr lang="fr-FR" dirty="0" err="1"/>
@@ -16277,139 +16490,8 @@
             </a:r>
             <a:r>
               <a:rPr lang="fr-FR" dirty="0"/>
-              <a:t>, </a:t>
-            </a:r>
-            <a:r>
-              <a:rPr lang="fr-FR" dirty="0" err="1"/>
-              <a:t>IntelliJ</a:t>
-            </a:r>
-            <a:r>
-              <a:rPr lang="fr-FR" dirty="0"/>
-              <a:t> IDEA, Visual Studio .</a:t>
-            </a:r>
-            <a:r>
-              <a:rPr lang="fr-FR" dirty="0" smtClean="0"/>
-              <a:t>NET</a:t>
-            </a:r>
-            <a:endParaRPr lang="fr-FR" dirty="0"/>
-          </a:p>
-        </p:txBody>
-      </p:sp>
-      <p:sp>
-        <p:nvSpPr>
-          <p:cNvPr id="4" name="Espace réservé du contenu 3"/>
-          <p:cNvSpPr>
-            <a:spLocks noGrp="1"/>
-          </p:cNvSpPr>
-          <p:nvPr>
-            <p:ph sz="half" idx="2"/>
-          </p:nvPr>
-        </p:nvSpPr>
-        <p:spPr/>
-        <p:txBody>
-          <a:bodyPr/>
-          <a:lstStyle/>
-          <a:p>
-            <a:r>
-              <a:rPr lang="fr-FR" dirty="0"/>
-              <a:t>Le projet est découpé en 2 parties :</a:t>
-            </a:r>
-          </a:p>
-          <a:p>
-            <a:pPr lvl="1"/>
-            <a:r>
-              <a:rPr lang="fr-FR" b="1" dirty="0" err="1"/>
-              <a:t>core</a:t>
-            </a:r>
-            <a:r>
-              <a:rPr lang="fr-FR" dirty="0"/>
-              <a:t> : utilisation de tern.js dans un contexte Java</a:t>
-            </a:r>
-          </a:p>
-          <a:p>
-            <a:pPr lvl="1"/>
-            <a:r>
-              <a:rPr lang="fr-FR" b="1" dirty="0" err="1"/>
-              <a:t>eclipse</a:t>
-            </a:r>
-            <a:r>
-              <a:rPr lang="fr-FR" dirty="0"/>
-              <a:t> : utilisation de tern.java (</a:t>
-            </a:r>
-            <a:r>
-              <a:rPr lang="fr-FR" dirty="0" err="1"/>
-              <a:t>core</a:t>
-            </a:r>
-            <a:r>
-              <a:rPr lang="fr-FR" dirty="0"/>
-              <a:t>) dans Eclipse IDE</a:t>
-            </a:r>
-          </a:p>
-          <a:p>
-            <a:pPr marL="342900" lvl="1" indent="-342900"/>
-            <a:r>
-              <a:rPr lang="fr-FR" dirty="0"/>
-              <a:t>tern.java (</a:t>
-            </a:r>
-            <a:r>
-              <a:rPr lang="fr-FR" dirty="0" err="1"/>
-              <a:t>core</a:t>
-            </a:r>
-            <a:r>
-              <a:rPr lang="fr-FR" dirty="0"/>
-              <a:t>) peut être utilisé dans d’autres solutions Java :</a:t>
-            </a:r>
-          </a:p>
-          <a:p>
-            <a:pPr marL="742950" lvl="2" indent="-342900"/>
-            <a:r>
-              <a:rPr lang="fr-FR" dirty="0"/>
-              <a:t>Champs textes simple : SWT Text, Swing </a:t>
-            </a:r>
-            <a:r>
-              <a:rPr lang="fr-FR" dirty="0" err="1"/>
-              <a:t>JTextField</a:t>
-            </a:r>
-            <a:r>
-              <a:rPr lang="fr-FR" dirty="0"/>
-              <a:t>, </a:t>
-            </a:r>
-            <a:r>
-              <a:rPr lang="fr-FR" dirty="0" err="1"/>
-              <a:t>etc</a:t>
-            </a:r>
-            <a:r>
-              <a:rPr lang="fr-FR" dirty="0"/>
-              <a:t> </a:t>
-            </a:r>
-          </a:p>
-          <a:p>
-            <a:pPr marL="742950" lvl="2" indent="-342900"/>
-            <a:r>
-              <a:rPr lang="fr-FR" dirty="0"/>
-              <a:t>Editeur (IDE): </a:t>
-            </a:r>
-            <a:r>
-              <a:rPr lang="fr-FR" dirty="0" err="1"/>
-              <a:t>IntelliJ</a:t>
-            </a:r>
-            <a:r>
-              <a:rPr lang="fr-FR" dirty="0"/>
-              <a:t> IDEA, </a:t>
-            </a:r>
-            <a:r>
-              <a:rPr lang="fr-FR" dirty="0" err="1"/>
-              <a:t>Netbeans</a:t>
-            </a:r>
-            <a:r>
-              <a:rPr lang="fr-FR" dirty="0"/>
-              <a:t>, </a:t>
-            </a:r>
-            <a:r>
-              <a:rPr lang="fr-FR" dirty="0" err="1"/>
-              <a:t>etc</a:t>
-            </a:r>
-            <a:endParaRPr lang="fr-FR" dirty="0"/>
+              <a:t>, etc</a:t>
+            </a:r>
           </a:p>
           <a:p>
             <a:endParaRPr lang="fr-FR" dirty="0"/>
@@ -16442,7 +16524,7 @@
     </p:spTree>
     <p:extLst>
       <p:ext uri="{BB962C8B-B14F-4D97-AF65-F5344CB8AC3E}">
-        <p14:creationId xmlns:p14="http://schemas.microsoft.com/office/powerpoint/2010/main" val="56522223"/>
+        <p14:creationId xmlns:p14="http://schemas.microsoft.com/office/powerpoint/2010/main" val="3301945135"/>
       </p:ext>
     </p:extLst>
   </p:cSld>
@@ -16498,11 +16580,11 @@
           <a:p>
             <a:r>
               <a:rPr lang="fr-FR" dirty="0" smtClean="0"/>
-              <a:t>Tern.java, </a:t>
-            </a:r>
-            <a:r>
-              <a:rPr lang="fr-FR" dirty="0" smtClean="0"/>
-              <a:t>qui l’utilise?</a:t>
+              <a:t>Pourquoi tern.java</a:t>
+            </a:r>
+            <a:r>
+              <a:rPr lang="fr-FR" dirty="0"/>
+              <a:t>?</a:t>
             </a:r>
             <a:endParaRPr lang="fr-FR" dirty="0"/>
           </a:p>
@@ -16521,7 +16603,7 @@
         <p:spPr>
           <a:xfrm>
             <a:off x="251520" y="843558"/>
-            <a:ext cx="8640960" cy="3750667"/>
+            <a:ext cx="4536504" cy="3750667"/>
           </a:xfrm>
         </p:spPr>
         <p:txBody>
@@ -16530,165 +16612,172 @@
           </a:bodyPr>
           <a:lstStyle/>
           <a:p>
-            <a:r>
-              <a:rPr lang="fr-FR" b="1" dirty="0" err="1" smtClean="0"/>
-              <a:t>JBoss</a:t>
-            </a:r>
+            <a:pPr marL="342900" lvl="1" indent="-342900">
+              <a:buClr>
+                <a:schemeClr val="accent6"/>
+              </a:buClr>
+              <a:buFont typeface="Wingdings" pitchFamily="2" charset="2"/>
+              <a:buChar char="§"/>
+            </a:pPr>
             <a:r>
               <a:rPr lang="fr-FR" b="1" dirty="0" smtClean="0"/>
-              <a:t> Studio </a:t>
-            </a:r>
-            <a:r>
-              <a:rPr lang="fr-FR" dirty="0" smtClean="0"/>
-              <a:t>: </a:t>
+              <a:t>TODO</a:t>
+            </a:r>
+            <a:endParaRPr lang="fr-FR" dirty="0"/>
+          </a:p>
+          <a:p>
+            <a:endParaRPr lang="fr-FR" dirty="0" smtClean="0">
+              <a:solidFill>
+                <a:srgbClr val="C00000"/>
+              </a:solidFill>
+            </a:endParaRPr>
+          </a:p>
+          <a:p>
+            <a:r>
+              <a:rPr lang="fr-FR" dirty="0" smtClean="0">
+                <a:solidFill>
+                  <a:srgbClr val="C00000"/>
+                </a:solidFill>
+              </a:rPr>
+              <a:t>Pourrait </a:t>
+            </a:r>
+            <a:r>
+              <a:rPr lang="fr-FR" dirty="0">
+                <a:solidFill>
+                  <a:srgbClr val="C00000"/>
+                </a:solidFill>
+              </a:rPr>
+              <a:t>être intégré pour </a:t>
+            </a:r>
+            <a:r>
+              <a:rPr lang="fr-FR" dirty="0" err="1"/>
+              <a:t>Netbeans</a:t>
+            </a:r>
+            <a:r>
+              <a:rPr lang="fr-FR" dirty="0"/>
+              <a:t>, </a:t>
+            </a:r>
+            <a:r>
+              <a:rPr lang="fr-FR" dirty="0" err="1"/>
+              <a:t>IntelliJ</a:t>
+            </a:r>
+            <a:r>
+              <a:rPr lang="fr-FR" dirty="0"/>
+              <a:t> IDEA, Visual Studio .</a:t>
+            </a:r>
+            <a:r>
+              <a:rPr lang="fr-FR" dirty="0" smtClean="0"/>
+              <a:t>NET</a:t>
+            </a:r>
+            <a:endParaRPr lang="fr-FR" dirty="0"/>
+          </a:p>
+        </p:txBody>
+      </p:sp>
+      <p:sp>
+        <p:nvSpPr>
+          <p:cNvPr id="4" name="Espace réservé du contenu 3"/>
+          <p:cNvSpPr>
+            <a:spLocks noGrp="1"/>
+          </p:cNvSpPr>
+          <p:nvPr>
+            <p:ph sz="half" idx="2"/>
+          </p:nvPr>
+        </p:nvSpPr>
+        <p:spPr/>
+        <p:txBody>
+          <a:bodyPr/>
+          <a:lstStyle/>
+          <a:p>
+            <a:r>
+              <a:rPr lang="fr-FR" dirty="0"/>
+              <a:t>Le projet est découpé en 2 parties :</a:t>
             </a:r>
           </a:p>
           <a:p>
             <a:pPr lvl="1"/>
             <a:r>
-              <a:rPr lang="fr-FR" dirty="0" smtClean="0"/>
-              <a:t>Support </a:t>
-            </a:r>
-            <a:r>
-              <a:rPr lang="fr-FR" dirty="0" err="1" smtClean="0"/>
-              <a:t>Cordova</a:t>
-            </a:r>
-            <a:endParaRPr lang="fr-FR" dirty="0" smtClean="0"/>
+              <a:rPr lang="fr-FR" b="1" dirty="0" err="1"/>
+              <a:t>core</a:t>
+            </a:r>
+            <a:r>
+              <a:rPr lang="fr-FR" dirty="0"/>
+              <a:t> : utilisation de tern.js dans un contexte Java</a:t>
+            </a:r>
           </a:p>
           <a:p>
             <a:pPr lvl="1"/>
             <a:r>
-              <a:rPr lang="fr-FR" dirty="0" smtClean="0"/>
-              <a:t>Support Angular</a:t>
-            </a:r>
-          </a:p>
-          <a:p>
-            <a:pPr lvl="1"/>
-            <a:r>
-              <a:rPr lang="fr-FR" dirty="0">
-                <a:hlinkClick r:id="rId2"/>
-              </a:rPr>
-              <a:t>http://tools.jboss.org/blog/2014-06-19-beta2-for-luna.html#better-javascript</a:t>
-            </a:r>
-            <a:endParaRPr lang="fr-FR" dirty="0" smtClean="0"/>
-          </a:p>
-          <a:p>
-            <a:r>
-              <a:rPr lang="fr-FR" b="1" dirty="0" err="1" smtClean="0"/>
-              <a:t>Liferay</a:t>
-            </a:r>
-            <a:r>
-              <a:rPr lang="fr-FR" b="1" dirty="0" smtClean="0"/>
-              <a:t> IDE 2.2</a:t>
-            </a:r>
-            <a:r>
-              <a:rPr lang="fr-FR" dirty="0" smtClean="0"/>
-              <a:t> : </a:t>
-            </a:r>
-          </a:p>
-          <a:p>
-            <a:pPr lvl="1"/>
-            <a:r>
-              <a:rPr lang="fr-FR" dirty="0" smtClean="0"/>
-              <a:t>support </a:t>
+              <a:rPr lang="fr-FR" b="1" dirty="0" err="1"/>
+              <a:t>eclipse</a:t>
             </a:r>
             <a:r>
               <a:rPr lang="fr-FR" dirty="0"/>
-              <a:t>YUI </a:t>
-            </a:r>
-            <a:r>
-              <a:rPr lang="fr-FR" dirty="0" smtClean="0"/>
-              <a:t>, AUI et </a:t>
-            </a:r>
-            <a:r>
-              <a:rPr lang="fr-FR" dirty="0" err="1" smtClean="0"/>
-              <a:t>Liferay</a:t>
-            </a:r>
-            <a:endParaRPr lang="fr-FR" dirty="0" smtClean="0"/>
-          </a:p>
-          <a:p>
-            <a:pPr lvl="1"/>
-            <a:r>
-              <a:rPr lang="fr-FR" dirty="0">
-                <a:hlinkClick r:id="rId3"/>
-              </a:rPr>
-              <a:t>http://www.liferay.com/fr/web/gregory.amerson/blog/-/blogs/liferay-ide-2-2-release</a:t>
-            </a:r>
-            <a:endParaRPr lang="fr-FR" dirty="0" smtClean="0"/>
-          </a:p>
-          <a:p>
-            <a:r>
-              <a:rPr lang="fr-FR" b="1" dirty="0" err="1" smtClean="0"/>
-              <a:t>Nodeclipse</a:t>
-            </a:r>
-            <a:r>
-              <a:rPr lang="fr-FR" dirty="0" smtClean="0"/>
-              <a:t>:</a:t>
-            </a:r>
-          </a:p>
-          <a:p>
-            <a:pPr lvl="1"/>
-            <a:r>
-              <a:rPr lang="fr-FR" dirty="0" smtClean="0"/>
-              <a:t>Support </a:t>
-            </a:r>
-            <a:r>
-              <a:rPr lang="fr-FR" dirty="0" err="1" smtClean="0"/>
-              <a:t>node</a:t>
-            </a:r>
-            <a:r>
-              <a:rPr lang="fr-FR" dirty="0" smtClean="0"/>
-              <a:t>, express, </a:t>
-            </a:r>
-            <a:r>
-              <a:rPr lang="fr-FR" dirty="0" err="1" smtClean="0"/>
-              <a:t>mongodb</a:t>
-            </a:r>
-            <a:r>
-              <a:rPr lang="fr-FR" dirty="0" smtClean="0"/>
-              <a:t> native, </a:t>
-            </a:r>
-            <a:r>
-              <a:rPr lang="fr-FR" dirty="0" err="1" smtClean="0"/>
-              <a:t>mongoose</a:t>
-            </a:r>
-            <a:r>
-              <a:rPr lang="fr-FR" dirty="0" smtClean="0"/>
-              <a:t>.</a:t>
-            </a:r>
-          </a:p>
-          <a:p>
-            <a:pPr lvl="1"/>
-            <a:r>
-              <a:rPr lang="fr-FR" dirty="0">
-                <a:hlinkClick r:id="rId4"/>
-              </a:rPr>
-              <a:t>http://www.nodeclipse.org/</a:t>
-            </a:r>
-            <a:endParaRPr lang="fr-FR" dirty="0" smtClean="0"/>
-          </a:p>
-          <a:p>
-            <a:r>
-              <a:rPr lang="fr-FR" b="1" dirty="0" err="1" smtClean="0"/>
-              <a:t>MyEclipse</a:t>
-            </a:r>
-            <a:r>
-              <a:rPr lang="fr-FR" b="1" dirty="0" smtClean="0"/>
-              <a:t>:</a:t>
-            </a:r>
-          </a:p>
-          <a:p>
-            <a:pPr lvl="1"/>
-            <a:r>
-              <a:rPr lang="fr-FR" dirty="0">
-                <a:hlinkClick r:id="rId5"/>
-              </a:rPr>
-              <a:t>https://www.genuitec.com/tag/tern/</a:t>
-            </a:r>
-            <a:endParaRPr lang="fr-FR" dirty="0" smtClean="0"/>
-          </a:p>
-          <a:p>
-            <a:endParaRPr lang="fr-FR" dirty="0" smtClean="0"/>
+              <a:t> : utilisation de tern.java (</a:t>
+            </a:r>
+            <a:r>
+              <a:rPr lang="fr-FR" dirty="0" err="1"/>
+              <a:t>core</a:t>
+            </a:r>
+            <a:r>
+              <a:rPr lang="fr-FR" dirty="0"/>
+              <a:t>) dans Eclipse IDE</a:t>
+            </a:r>
+          </a:p>
+          <a:p>
+            <a:pPr marL="342900" lvl="1" indent="-342900"/>
+            <a:r>
+              <a:rPr lang="fr-FR" dirty="0"/>
+              <a:t>tern.java (</a:t>
+            </a:r>
+            <a:r>
+              <a:rPr lang="fr-FR" dirty="0" err="1"/>
+              <a:t>core</a:t>
+            </a:r>
+            <a:r>
+              <a:rPr lang="fr-FR" dirty="0"/>
+              <a:t>) peut être utilisé dans d’autres solutions Java :</a:t>
+            </a:r>
+          </a:p>
+          <a:p>
+            <a:pPr marL="742950" lvl="2" indent="-342900"/>
+            <a:r>
+              <a:rPr lang="fr-FR" dirty="0"/>
+              <a:t>Champs textes simple : SWT Text, Swing </a:t>
+            </a:r>
+            <a:r>
+              <a:rPr lang="fr-FR" dirty="0" err="1"/>
+              <a:t>JTextField</a:t>
+            </a:r>
+            <a:r>
+              <a:rPr lang="fr-FR" dirty="0"/>
+              <a:t>, etc </a:t>
+            </a:r>
+          </a:p>
+          <a:p>
+            <a:pPr marL="742950" lvl="2" indent="-342900"/>
+            <a:r>
+              <a:rPr lang="fr-FR" dirty="0"/>
+              <a:t>Editeur (IDE): </a:t>
+            </a:r>
+            <a:r>
+              <a:rPr lang="fr-FR" dirty="0" err="1"/>
+              <a:t>IntelliJ</a:t>
+            </a:r>
+            <a:r>
+              <a:rPr lang="fr-FR" dirty="0"/>
+              <a:t> IDEA, </a:t>
+            </a:r>
+            <a:r>
+              <a:rPr lang="fr-FR" dirty="0" err="1"/>
+              <a:t>Netbeans</a:t>
+            </a:r>
+            <a:r>
+              <a:rPr lang="fr-FR" dirty="0"/>
+              <a:t>, etc</a:t>
+            </a:r>
+          </a:p>
+          <a:p>
+            <a:endParaRPr lang="fr-FR" dirty="0"/>
           </a:p>
         </p:txBody>
       </p:sp>
@@ -16718,7 +16807,7 @@
     </p:spTree>
     <p:extLst>
       <p:ext uri="{BB962C8B-B14F-4D97-AF65-F5344CB8AC3E}">
-        <p14:creationId xmlns:p14="http://schemas.microsoft.com/office/powerpoint/2010/main" val="661578580"/>
+        <p14:creationId xmlns:p14="http://schemas.microsoft.com/office/powerpoint/2010/main" val="56522223"/>
       </p:ext>
     </p:extLst>
   </p:cSld>
@@ -16769,109 +16858,200 @@
         </p:nvSpPr>
         <p:spPr/>
         <p:txBody>
+          <a:bodyPr/>
+          <a:lstStyle/>
+          <a:p>
+            <a:r>
+              <a:rPr lang="fr-FR" dirty="0" smtClean="0"/>
+              <a:t>Tern.java, </a:t>
+            </a:r>
+            <a:r>
+              <a:rPr lang="fr-FR" dirty="0" smtClean="0"/>
+              <a:t>qui l’utilise?</a:t>
+            </a:r>
+            <a:endParaRPr lang="fr-FR" dirty="0"/>
+          </a:p>
+        </p:txBody>
+      </p:sp>
+      <p:sp>
+        <p:nvSpPr>
+          <p:cNvPr id="3" name="Espace réservé du contenu 2"/>
+          <p:cNvSpPr>
+            <a:spLocks noGrp="1"/>
+          </p:cNvSpPr>
+          <p:nvPr>
+            <p:ph sz="half" idx="1"/>
+          </p:nvPr>
+        </p:nvSpPr>
+        <p:spPr>
+          <a:xfrm>
+            <a:off x="251520" y="843558"/>
+            <a:ext cx="8640960" cy="3750667"/>
+          </a:xfrm>
+        </p:spPr>
+        <p:txBody>
           <a:bodyPr>
             <a:normAutofit/>
           </a:bodyPr>
           <a:lstStyle/>
           <a:p>
             <a:r>
-              <a:rPr lang="fr-FR" dirty="0" smtClean="0"/>
-              <a:t>Tern.java – Démo (Eclipse  SWT)</a:t>
-            </a:r>
-            <a:endParaRPr lang="fr-FR" dirty="0"/>
-          </a:p>
-        </p:txBody>
-      </p:sp>
-      <p:sp>
-        <p:nvSpPr>
-          <p:cNvPr id="4" name="Espace réservé du contenu 3"/>
-          <p:cNvSpPr>
-            <a:spLocks noGrp="1"/>
-          </p:cNvSpPr>
-          <p:nvPr>
-            <p:ph sz="half" idx="2"/>
-          </p:nvPr>
-        </p:nvSpPr>
-        <p:spPr/>
-        <p:txBody>
-          <a:bodyPr/>
-          <a:lstStyle/>
-          <a:p>
-            <a:r>
-              <a:rPr lang="fr-FR" dirty="0" smtClean="0"/>
-              <a:t>Démo avec le </a:t>
+              <a:rPr lang="fr-FR" b="1" dirty="0" err="1" smtClean="0"/>
+              <a:t>JBoss</a:t>
             </a:r>
             <a:r>
               <a:rPr lang="fr-FR" b="1" dirty="0" smtClean="0"/>
-              <a:t>module browser</a:t>
-            </a:r>
-            <a:r>
-              <a:rPr lang="fr-FR" dirty="0" smtClean="0"/>
-              <a:t> et un simple champs texte SWT : </a:t>
-            </a:r>
-          </a:p>
-          <a:p>
+              <a:t> Studio </a:t>
+            </a:r>
+            <a:r>
+              <a:rPr lang="fr-FR" dirty="0" smtClean="0"/>
+              <a:t>: </a:t>
+            </a:r>
+          </a:p>
+          <a:p>
+            <a:pPr lvl="1"/>
+            <a:r>
+              <a:rPr lang="fr-FR" dirty="0" smtClean="0"/>
+              <a:t>Support </a:t>
+            </a:r>
+            <a:r>
+              <a:rPr lang="fr-FR" dirty="0" err="1" smtClean="0"/>
+              <a:t>Cordova</a:t>
+            </a:r>
             <a:endParaRPr lang="fr-FR" dirty="0" smtClean="0"/>
           </a:p>
-        </p:txBody>
-      </p:sp>
-      <p:pic>
-        <p:nvPicPr>
-          <p:cNvPr id="2051" name="Picture 3"/>
-          <p:cNvPicPr>
-            <a:picLocks noChangeAspect="1" noChangeArrowheads="1"/>
-          </p:cNvPicPr>
-          <p:nvPr/>
-        </p:nvPicPr>
-        <p:blipFill>
-          <a:blip r:embed="rId2">
-            <a:extLst>
-              <a:ext uri="{28A0092B-C50C-407E-A947-70E740481C1C}">
-                <a14:useLocalDpi xmlns:a14="http://schemas.microsoft.com/office/drawing/2010/main" val="0"/>
-              </a:ext>
-            </a:extLst>
-          </a:blip>
-          <a:srcRect/>
-          <a:stretch>
-            <a:fillRect/>
-          </a:stretch>
-        </p:blipFill>
-        <p:spPr bwMode="auto">
-          <a:xfrm>
-            <a:off x="2123728" y="1545636"/>
-            <a:ext cx="3653582" cy="2712508"/>
-          </a:xfrm>
-          <a:prstGeom prst="rect">
-            <a:avLst/>
-          </a:prstGeom>
-          <a:noFill/>
-          <a:ln>
-            <a:noFill/>
-          </a:ln>
-          <a:extLst>
-            <a:ext uri="{909E8E84-426E-40DD-AFC4-6F175D3DCCD1}">
-              <a14:hiddenFill xmlns:a14="http://schemas.microsoft.com/office/drawing/2010/main">
-                <a:solidFill>
-                  <a:schemeClr val="accent1"/>
-                </a:solidFill>
-              </a14:hiddenFill>
-            </a:ext>
-            <a:ext uri="{91240B29-F687-4F45-9708-019B960494DF}">
-              <a14:hiddenLine xmlns:a14="http://schemas.microsoft.com/office/drawing/2010/main" w="9525">
-                <a:solidFill>
-                  <a:schemeClr val="tx1"/>
-                </a:solidFill>
-                <a:miter lim="800000"/>
-                <a:headEnd/>
-                <a:tailEnd/>
-              </a14:hiddenLine>
-            </a:ext>
-          </a:extLst>
-        </p:spPr>
-      </p:pic>
-      <p:sp>
-        <p:nvSpPr>
-          <p:cNvPr id="3" name="Espace réservé du numéro de diapositive 2"/>
+          <a:p>
+            <a:pPr lvl="1"/>
+            <a:r>
+              <a:rPr lang="fr-FR" dirty="0" smtClean="0"/>
+              <a:t>Support Angular</a:t>
+            </a:r>
+          </a:p>
+          <a:p>
+            <a:pPr lvl="1"/>
+            <a:r>
+              <a:rPr lang="fr-FR" dirty="0">
+                <a:hlinkClick r:id="rId2"/>
+              </a:rPr>
+              <a:t>http://tools.jboss.org/blog/2014-06-19-beta2-for-luna.html#better-javascript</a:t>
+            </a:r>
+            <a:endParaRPr lang="fr-FR" dirty="0" smtClean="0"/>
+          </a:p>
+          <a:p>
+            <a:r>
+              <a:rPr lang="fr-FR" b="1" dirty="0" err="1" smtClean="0"/>
+              <a:t>Liferay</a:t>
+            </a:r>
+            <a:r>
+              <a:rPr lang="fr-FR" b="1" dirty="0" smtClean="0"/>
+              <a:t> IDE 2.2</a:t>
+            </a:r>
+            <a:r>
+              <a:rPr lang="fr-FR" dirty="0" smtClean="0"/>
+              <a:t> : </a:t>
+            </a:r>
+          </a:p>
+          <a:p>
+            <a:pPr lvl="1"/>
+            <a:r>
+              <a:rPr lang="fr-FR" dirty="0" smtClean="0"/>
+              <a:t>support </a:t>
+            </a:r>
+            <a:r>
+              <a:rPr lang="fr-FR" dirty="0"/>
+              <a:t>YUI </a:t>
+            </a:r>
+            <a:r>
+              <a:rPr lang="fr-FR" dirty="0" smtClean="0"/>
+              <a:t>, AUI et </a:t>
+            </a:r>
+            <a:r>
+              <a:rPr lang="fr-FR" dirty="0" err="1" smtClean="0"/>
+              <a:t>Liferay</a:t>
+            </a:r>
+            <a:endParaRPr lang="fr-FR" dirty="0" smtClean="0"/>
+          </a:p>
+          <a:p>
+            <a:pPr lvl="1"/>
+            <a:r>
+              <a:rPr lang="fr-FR" dirty="0">
+                <a:hlinkClick r:id="rId3"/>
+              </a:rPr>
+              <a:t>http://www.liferay.com/fr/web/gregory.amerson/blog/-/blogs/liferay-ide-2-2-release</a:t>
+            </a:r>
+            <a:endParaRPr lang="fr-FR" dirty="0" smtClean="0"/>
+          </a:p>
+          <a:p>
+            <a:r>
+              <a:rPr lang="fr-FR" b="1" dirty="0" err="1" smtClean="0"/>
+              <a:t>Nodeclipse</a:t>
+            </a:r>
+            <a:r>
+              <a:rPr lang="fr-FR" dirty="0" smtClean="0"/>
+              <a:t>:</a:t>
+            </a:r>
+          </a:p>
+          <a:p>
+            <a:pPr lvl="1"/>
+            <a:r>
+              <a:rPr lang="fr-FR" dirty="0" smtClean="0"/>
+              <a:t>Support node, express, </a:t>
+            </a:r>
+            <a:r>
+              <a:rPr lang="fr-FR" dirty="0" err="1" smtClean="0"/>
+              <a:t>mongodb</a:t>
+            </a:r>
+            <a:r>
+              <a:rPr lang="fr-FR" dirty="0" smtClean="0"/>
+              <a:t> native, </a:t>
+            </a:r>
+            <a:r>
+              <a:rPr lang="fr-FR" dirty="0" err="1" smtClean="0"/>
+              <a:t>mongoose</a:t>
+            </a:r>
+            <a:r>
+              <a:rPr lang="fr-FR" dirty="0" smtClean="0"/>
+              <a:t>.</a:t>
+            </a:r>
+          </a:p>
+          <a:p>
+            <a:pPr lvl="1"/>
+            <a:r>
+              <a:rPr lang="fr-FR" dirty="0">
+                <a:hlinkClick r:id="rId4"/>
+              </a:rPr>
+              <a:t>http://www.nodeclipse.org/</a:t>
+            </a:r>
+            <a:endParaRPr lang="fr-FR" dirty="0" smtClean="0"/>
+          </a:p>
+          <a:p>
+            <a:r>
+              <a:rPr lang="fr-FR" b="1" dirty="0" err="1" smtClean="0"/>
+              <a:t>MyEclipse</a:t>
+            </a:r>
+            <a:r>
+              <a:rPr lang="fr-FR" b="1" dirty="0" smtClean="0"/>
+              <a:t>:</a:t>
+            </a:r>
+          </a:p>
+          <a:p>
+            <a:pPr lvl="1"/>
+            <a:r>
+              <a:rPr lang="fr-FR" dirty="0">
+                <a:hlinkClick r:id="rId5"/>
+              </a:rPr>
+              <a:t>https://www.genuitec.com/tag/tern/</a:t>
+            </a:r>
+            <a:endParaRPr lang="fr-FR" dirty="0" smtClean="0"/>
+          </a:p>
+          <a:p>
+            <a:endParaRPr lang="fr-FR" dirty="0" smtClean="0"/>
+          </a:p>
+        </p:txBody>
+      </p:sp>
+      <p:sp>
+        <p:nvSpPr>
+          <p:cNvPr id="5" name="Espace réservé du numéro de diapositive 4"/>
           <p:cNvSpPr>
             <a:spLocks noGrp="1"/>
           </p:cNvSpPr>
@@ -16895,7 +17075,7 @@
     </p:spTree>
     <p:extLst>
       <p:ext uri="{BB962C8B-B14F-4D97-AF65-F5344CB8AC3E}">
-        <p14:creationId xmlns:p14="http://schemas.microsoft.com/office/powerpoint/2010/main" val="871906864"/>
+        <p14:creationId xmlns:p14="http://schemas.microsoft.com/office/powerpoint/2010/main" val="661578580"/>
       </p:ext>
     </p:extLst>
   </p:cSld>
@@ -16946,260 +17126,109 @@
         </p:nvSpPr>
         <p:spPr/>
         <p:txBody>
+          <a:bodyPr>
+            <a:normAutofit/>
+          </a:bodyPr>
+          <a:lstStyle/>
+          <a:p>
+            <a:r>
+              <a:rPr lang="fr-FR" dirty="0" smtClean="0"/>
+              <a:t>Tern.java – Démo (Eclipse  SWT)</a:t>
+            </a:r>
+            <a:endParaRPr lang="fr-FR" dirty="0"/>
+          </a:p>
+        </p:txBody>
+      </p:sp>
+      <p:sp>
+        <p:nvSpPr>
+          <p:cNvPr id="4" name="Espace réservé du contenu 3"/>
+          <p:cNvSpPr>
+            <a:spLocks noGrp="1"/>
+          </p:cNvSpPr>
+          <p:nvPr>
+            <p:ph sz="half" idx="2"/>
+          </p:nvPr>
+        </p:nvSpPr>
+        <p:spPr/>
+        <p:txBody>
           <a:bodyPr/>
           <a:lstStyle/>
           <a:p>
             <a:r>
               <a:rPr lang="fr-FR" dirty="0" smtClean="0"/>
-              <a:t>Tern</a:t>
-            </a:r>
-            <a:r>
-              <a:rPr lang="fr-FR" dirty="0"/>
-              <a:t> </a:t>
-            </a:r>
-            <a:r>
-              <a:rPr lang="fr-FR" dirty="0" smtClean="0"/>
-              <a:t>IDE, c’est quoi?</a:t>
-            </a:r>
-            <a:endParaRPr lang="fr-FR" dirty="0"/>
-          </a:p>
-        </p:txBody>
-      </p:sp>
-      <p:sp>
-        <p:nvSpPr>
-          <p:cNvPr id="3" name="Espace réservé du contenu 2"/>
-          <p:cNvSpPr>
-            <a:spLocks noGrp="1"/>
-          </p:cNvSpPr>
-          <p:nvPr>
-            <p:ph sz="half" idx="1"/>
-          </p:nvPr>
-        </p:nvSpPr>
-        <p:spPr/>
-        <p:txBody>
-          <a:bodyPr>
-            <a:normAutofit lnSpcReduction="10000"/>
-          </a:bodyPr>
-          <a:lstStyle/>
-          <a:p>
-            <a:r>
-              <a:rPr lang="fr-FR" dirty="0" smtClean="0"/>
-              <a:t>Pour rappel</a:t>
+              <a:t>Démo avec le </a:t>
             </a:r>
             <a:r>
               <a:rPr lang="fr-FR" b="1" dirty="0" smtClean="0"/>
-              <a:t>, </a:t>
-            </a:r>
-            <a:r>
-              <a:rPr lang="fr-FR" b="1" dirty="0"/>
-              <a:t>JSDT</a:t>
-            </a:r>
-            <a:r>
-              <a:rPr lang="fr-FR" dirty="0"/>
-              <a:t> est le plugin Eclipse officiel </a:t>
-            </a:r>
-            <a:r>
-              <a:rPr lang="fr-FR" dirty="0" smtClean="0"/>
-              <a:t>pour JavaScript.</a:t>
-            </a:r>
-            <a:endParaRPr lang="fr-FR" dirty="0"/>
-          </a:p>
-          <a:p>
-            <a:r>
-              <a:rPr lang="fr-FR" b="1" dirty="0" smtClean="0"/>
-              <a:t>Tern IDE </a:t>
-            </a:r>
-            <a:r>
-              <a:rPr lang="fr-FR" dirty="0" smtClean="0"/>
-              <a:t>est un ensemble de plugins Eclipse basé sur </a:t>
-            </a:r>
-            <a:r>
-              <a:rPr lang="fr-FR" b="1" dirty="0" smtClean="0"/>
-              <a:t>tern.java</a:t>
-            </a:r>
-            <a:r>
-              <a:rPr lang="fr-FR" dirty="0" smtClean="0"/>
-              <a:t> pour l’IDE Eclipse.</a:t>
-            </a:r>
-          </a:p>
-          <a:p>
-            <a:r>
-              <a:rPr lang="fr-FR" dirty="0" smtClean="0"/>
-              <a:t>Il est découpé en 4 grandes parties : </a:t>
-            </a:r>
-          </a:p>
-          <a:p>
-            <a:pPr lvl="1"/>
-            <a:r>
-              <a:rPr lang="fr-FR" dirty="0" smtClean="0"/>
-              <a:t>Tern IDE </a:t>
-            </a:r>
-            <a:r>
-              <a:rPr lang="fr-FR" dirty="0" err="1" smtClean="0"/>
-              <a:t>Core</a:t>
-            </a:r>
-            <a:r>
-              <a:rPr lang="fr-FR" dirty="0" smtClean="0"/>
-              <a:t>/UI</a:t>
-            </a:r>
-          </a:p>
-          <a:p>
-            <a:pPr lvl="1"/>
-            <a:r>
-              <a:rPr lang="fr-FR" dirty="0" smtClean="0"/>
-              <a:t>Tern - </a:t>
-            </a:r>
-            <a:r>
-              <a:rPr lang="fr-FR" dirty="0" err="1" smtClean="0"/>
-              <a:t>Embed</a:t>
-            </a:r>
-            <a:r>
-              <a:rPr lang="fr-FR" dirty="0" smtClean="0"/>
-              <a:t> Node.js : fournit un serveur node.js (à utiliser si node.js n’est pas installé)</a:t>
-            </a:r>
-            <a:endParaRPr lang="fr-FR" dirty="0"/>
-          </a:p>
-          <a:p>
-            <a:pPr lvl="1"/>
-            <a:r>
-              <a:rPr lang="fr-FR" dirty="0" smtClean="0"/>
-              <a:t>Tern – JSDT : étend </a:t>
-            </a:r>
-            <a:r>
-              <a:rPr lang="fr-FR" dirty="0"/>
-              <a:t>la </a:t>
-            </a:r>
-            <a:r>
-              <a:rPr lang="fr-FR" dirty="0" smtClean="0"/>
-              <a:t>complétion</a:t>
-            </a:r>
-            <a:r>
-              <a:rPr lang="fr-FR" dirty="0"/>
-              <a:t>, </a:t>
-            </a:r>
-            <a:r>
-              <a:rPr lang="fr-FR" dirty="0" err="1"/>
-              <a:t>text</a:t>
-            </a:r>
-            <a:r>
-              <a:rPr lang="fr-FR" dirty="0"/>
-              <a:t> </a:t>
-            </a:r>
-            <a:r>
-              <a:rPr lang="fr-FR" dirty="0" err="1"/>
-              <a:t>hover</a:t>
-            </a:r>
-            <a:r>
-              <a:rPr lang="fr-FR" dirty="0"/>
-              <a:t> pour </a:t>
-            </a:r>
-            <a:r>
-              <a:rPr lang="fr-FR" dirty="0" smtClean="0"/>
-              <a:t>utiliser </a:t>
-            </a:r>
-            <a:r>
-              <a:rPr lang="fr-FR" dirty="0"/>
-              <a:t>tern dans </a:t>
-            </a:r>
-            <a:r>
-              <a:rPr lang="fr-FR" dirty="0" smtClean="0"/>
-              <a:t>l’</a:t>
-            </a:r>
-            <a:r>
-              <a:rPr lang="fr-FR" dirty="0"/>
-              <a:t>é</a:t>
-            </a:r>
-            <a:r>
-              <a:rPr lang="fr-FR" dirty="0" smtClean="0"/>
-              <a:t>diteur JavaScript JSDT</a:t>
-            </a:r>
-          </a:p>
-          <a:p>
-            <a:pPr lvl="1"/>
-            <a:r>
-              <a:rPr lang="fr-FR" dirty="0" smtClean="0"/>
-              <a:t>Tern - </a:t>
-            </a:r>
-            <a:r>
-              <a:rPr lang="fr-FR" dirty="0" err="1" smtClean="0"/>
-              <a:t>Tooling</a:t>
-            </a:r>
+              <a:t>module browser</a:t>
+            </a:r>
+            <a:r>
+              <a:rPr lang="fr-FR" dirty="0" smtClean="0"/>
+              <a:t> et un simple champs texte SWT : </a:t>
+            </a:r>
+          </a:p>
+          <a:p>
             <a:endParaRPr lang="fr-FR" dirty="0" smtClean="0"/>
           </a:p>
         </p:txBody>
       </p:sp>
-      <p:sp>
-        <p:nvSpPr>
-          <p:cNvPr id="4" name="Espace réservé du contenu 3"/>
-          <p:cNvSpPr>
-            <a:spLocks noGrp="1"/>
-          </p:cNvSpPr>
-          <p:nvPr>
-            <p:ph sz="half" idx="2"/>
-          </p:nvPr>
-        </p:nvSpPr>
-        <p:spPr/>
-        <p:txBody>
-          <a:bodyPr/>
-          <a:lstStyle/>
-          <a:p>
-            <a:r>
-              <a:rPr lang="fr-FR" dirty="0"/>
-              <a:t>Tern IDE n’est pas lié à JSDT, il peut être utilisé avec d’autres types d’éditeurs.</a:t>
-            </a:r>
-          </a:p>
-          <a:p>
-            <a:r>
-              <a:rPr lang="fr-FR" dirty="0"/>
-              <a:t>Tern IDE utilise tern pour gérer:</a:t>
-            </a:r>
-          </a:p>
-          <a:p>
-            <a:pPr lvl="1"/>
-            <a:r>
-              <a:rPr lang="fr-FR" dirty="0"/>
-              <a:t>la complétion</a:t>
-            </a:r>
-          </a:p>
-          <a:p>
-            <a:pPr lvl="1"/>
-            <a:r>
-              <a:rPr lang="fr-FR" dirty="0"/>
-              <a:t>Les </a:t>
-            </a:r>
-            <a:r>
-              <a:rPr lang="fr-FR" dirty="0" err="1"/>
-              <a:t>hyperlinks</a:t>
-            </a:r>
-            <a:endParaRPr lang="fr-FR" dirty="0"/>
-          </a:p>
-          <a:p>
-            <a:pPr lvl="1"/>
-            <a:r>
-              <a:rPr lang="fr-FR" dirty="0"/>
-              <a:t>Le </a:t>
-            </a:r>
-            <a:r>
-              <a:rPr lang="fr-FR" dirty="0" err="1"/>
-              <a:t>hover</a:t>
-            </a:r>
-            <a:endParaRPr lang="fr-FR" dirty="0"/>
-          </a:p>
-          <a:p>
-            <a:pPr lvl="1"/>
-            <a:r>
-              <a:rPr lang="fr-FR" dirty="0"/>
-              <a:t>La validation</a:t>
-            </a:r>
-          </a:p>
-          <a:p>
-            <a:endParaRPr lang="fr-FR" dirty="0"/>
-          </a:p>
-        </p:txBody>
-      </p:sp>
-      <p:sp>
-        <p:nvSpPr>
-          <p:cNvPr id="5" name="Espace réservé du numéro de diapositive 4"/>
+      <p:pic>
+        <p:nvPicPr>
+          <p:cNvPr id="2051" name="Picture 3"/>
+          <p:cNvPicPr>
+            <a:picLocks noChangeAspect="1" noChangeArrowheads="1"/>
+          </p:cNvPicPr>
+          <p:nvPr/>
+        </p:nvPicPr>
+        <p:blipFill>
+          <a:blip r:embed="rId2">
+            <a:extLst>
+              <a:ext uri="{28A0092B-C50C-407E-A947-70E740481C1C}">
+                <a14:useLocalDpi xmlns:a14="http://schemas.microsoft.com/office/drawing/2010/main" val="0"/>
+              </a:ext>
+            </a:extLst>
+          </a:blip>
+          <a:srcRect/>
+          <a:stretch>
+            <a:fillRect/>
+          </a:stretch>
+        </p:blipFill>
+        <p:spPr bwMode="auto">
+          <a:xfrm>
+            <a:off x="2123728" y="1545636"/>
+            <a:ext cx="3653582" cy="2712508"/>
+          </a:xfrm>
+          <a:prstGeom prst="rect">
+            <a:avLst/>
+          </a:prstGeom>
+          <a:noFill/>
+          <a:ln>
+            <a:noFill/>
+          </a:ln>
+          <a:extLst>
+            <a:ext uri="{909E8E84-426E-40DD-AFC4-6F175D3DCCD1}">
+              <a14:hiddenFill xmlns:a14="http://schemas.microsoft.com/office/drawing/2010/main">
+                <a:solidFill>
+                  <a:schemeClr val="accent1"/>
+                </a:solidFill>
+              </a14:hiddenFill>
+            </a:ext>
+            <a:ext uri="{91240B29-F687-4F45-9708-019B960494DF}">
+              <a14:hiddenLine xmlns:a14="http://schemas.microsoft.com/office/drawing/2010/main" w="9525">
+                <a:solidFill>
+                  <a:schemeClr val="tx1"/>
+                </a:solidFill>
+                <a:miter lim="800000"/>
+                <a:headEnd/>
+                <a:tailEnd/>
+              </a14:hiddenLine>
+            </a:ext>
+          </a:extLst>
+        </p:spPr>
+      </p:pic>
+      <p:sp>
+        <p:nvSpPr>
+          <p:cNvPr id="3" name="Espace réservé du numéro de diapositive 2"/>
           <p:cNvSpPr>
             <a:spLocks noGrp="1"/>
           </p:cNvSpPr>
@@ -17223,7 +17252,7 @@
     </p:spTree>
     <p:extLst>
       <p:ext uri="{BB962C8B-B14F-4D97-AF65-F5344CB8AC3E}">
-        <p14:creationId xmlns:p14="http://schemas.microsoft.com/office/powerpoint/2010/main" val="2975865916"/>
+        <p14:creationId xmlns:p14="http://schemas.microsoft.com/office/powerpoint/2010/main" val="871906864"/>
       </p:ext>
     </p:extLst>
   </p:cSld>
@@ -17279,7 +17308,15 @@
           <a:p>
             <a:r>
               <a:rPr lang="fr-FR" dirty="0" smtClean="0"/>
-              <a:t>Tern IDE - Installation</a:t>
+              <a:t>Tern</a:t>
+            </a:r>
+            <a:r>
+              <a:rPr lang="fr-FR" dirty="0"/>
+              <a:t> </a:t>
+            </a:r>
+            <a:r>
+              <a:rPr lang="fr-FR" dirty="0" smtClean="0"/>
+              <a:t>IDE, c’est quoi?</a:t>
             </a:r>
             <a:endParaRPr lang="fr-FR" dirty="0"/>
           </a:p>
@@ -17292,159 +17329,234 @@
             <a:spLocks noGrp="1"/>
           </p:cNvSpPr>
           <p:nvPr>
-            <p:ph sz="half" idx="2"/>
+            <p:ph sz="half" idx="1"/>
           </p:nvPr>
         </p:nvSpPr>
         <p:spPr/>
         <p:txBody>
           <a:bodyPr>
-            <a:normAutofit fontScale="85000" lnSpcReduction="10000"/>
+            <a:normAutofit lnSpcReduction="10000"/>
           </a:bodyPr>
           <a:lstStyle/>
           <a:p>
             <a:r>
               <a:rPr lang="fr-FR" dirty="0" smtClean="0"/>
-              <a:t>Marketplace : </a:t>
-            </a:r>
-            <a:r>
-              <a:rPr lang="fr-FR" dirty="0" smtClean="0">
-                <a:hlinkClick r:id="rId2"/>
-              </a:rPr>
-              <a:t>http://marketplace.eclipse.org/content/tern-eclipse-ide</a:t>
+              <a:t>Pour rappel</a:t>
+            </a:r>
+            <a:r>
+              <a:rPr lang="fr-FR" b="1" dirty="0" smtClean="0"/>
+              <a:t>, </a:t>
+            </a:r>
+            <a:r>
+              <a:rPr lang="fr-FR" b="1" dirty="0"/>
+              <a:t>JSDT</a:t>
+            </a:r>
+            <a:r>
+              <a:rPr lang="fr-FR" dirty="0"/>
+              <a:t> est le plugin Eclipse officiel </a:t>
+            </a:r>
+            <a:r>
+              <a:rPr lang="fr-FR" dirty="0" smtClean="0"/>
+              <a:t>pour JavaScript.</a:t>
+            </a:r>
+            <a:endParaRPr lang="fr-FR" dirty="0"/>
+          </a:p>
+          <a:p>
+            <a:r>
+              <a:rPr lang="fr-FR" b="1" dirty="0" smtClean="0"/>
+              <a:t>Tern IDE </a:t>
+            </a:r>
+            <a:r>
+              <a:rPr lang="fr-FR" dirty="0" smtClean="0"/>
+              <a:t>est un ensemble de plugins Eclipse basé sur </a:t>
+            </a:r>
+            <a:r>
+              <a:rPr lang="fr-FR" b="1" dirty="0" smtClean="0"/>
+              <a:t>tern.java</a:t>
+            </a:r>
+            <a:r>
+              <a:rPr lang="fr-FR" dirty="0" smtClean="0"/>
+              <a:t> pour l’IDE Eclipse.</a:t>
+            </a:r>
+          </a:p>
+          <a:p>
+            <a:r>
+              <a:rPr lang="fr-FR" dirty="0" smtClean="0"/>
+              <a:t>Il est découpé en 4 grandes parties : </a:t>
+            </a:r>
+          </a:p>
+          <a:p>
+            <a:pPr lvl="1"/>
+            <a:r>
+              <a:rPr lang="fr-FR" dirty="0" smtClean="0"/>
+              <a:t>Tern IDE </a:t>
+            </a:r>
+            <a:r>
+              <a:rPr lang="fr-FR" dirty="0" err="1" smtClean="0"/>
+              <a:t>Core</a:t>
+            </a:r>
+            <a:r>
+              <a:rPr lang="fr-FR" dirty="0" smtClean="0"/>
+              <a:t>/UI</a:t>
+            </a:r>
+          </a:p>
+          <a:p>
+            <a:pPr lvl="1"/>
+            <a:r>
+              <a:rPr lang="fr-FR" dirty="0" smtClean="0"/>
+              <a:t>Tern - </a:t>
+            </a:r>
+            <a:r>
+              <a:rPr lang="fr-FR" dirty="0" err="1" smtClean="0"/>
+              <a:t>Embed</a:t>
+            </a:r>
+            <a:r>
+              <a:rPr lang="fr-FR" dirty="0" smtClean="0"/>
+              <a:t> Node.js : fournit un serveur node.js (à utiliser si node.js n’est pas installé)</a:t>
+            </a:r>
+            <a:endParaRPr lang="fr-FR" dirty="0"/>
+          </a:p>
+          <a:p>
+            <a:pPr lvl="1"/>
+            <a:r>
+              <a:rPr lang="fr-FR" dirty="0" smtClean="0"/>
+              <a:t>Tern – JSDT : étend </a:t>
+            </a:r>
+            <a:r>
+              <a:rPr lang="fr-FR" dirty="0"/>
+              <a:t>la </a:t>
+            </a:r>
+            <a:r>
+              <a:rPr lang="fr-FR" dirty="0" smtClean="0"/>
+              <a:t>complétion</a:t>
+            </a:r>
+            <a:r>
+              <a:rPr lang="fr-FR" dirty="0"/>
+              <a:t>, </a:t>
+            </a:r>
+            <a:r>
+              <a:rPr lang="fr-FR" dirty="0" err="1"/>
+              <a:t>text</a:t>
+            </a:r>
+            <a:r>
+              <a:rPr lang="fr-FR" dirty="0"/>
+              <a:t> </a:t>
+            </a:r>
+            <a:r>
+              <a:rPr lang="fr-FR" dirty="0" err="1"/>
+              <a:t>hover</a:t>
+            </a:r>
+            <a:r>
+              <a:rPr lang="fr-FR" dirty="0"/>
+              <a:t> pour </a:t>
+            </a:r>
+            <a:r>
+              <a:rPr lang="fr-FR" dirty="0" smtClean="0"/>
+              <a:t>utiliser </a:t>
+            </a:r>
+            <a:r>
+              <a:rPr lang="fr-FR" dirty="0"/>
+              <a:t>tern dans </a:t>
+            </a:r>
+            <a:r>
+              <a:rPr lang="fr-FR" dirty="0" smtClean="0"/>
+              <a:t>l’</a:t>
+            </a:r>
+            <a:r>
+              <a:rPr lang="fr-FR" dirty="0"/>
+              <a:t>é</a:t>
+            </a:r>
+            <a:r>
+              <a:rPr lang="fr-FR" dirty="0" smtClean="0"/>
+              <a:t>diteur JavaScript JSDT</a:t>
+            </a:r>
+          </a:p>
+          <a:p>
+            <a:pPr lvl="1"/>
+            <a:r>
+              <a:rPr lang="fr-FR" dirty="0" smtClean="0"/>
+              <a:t>Tern - </a:t>
+            </a:r>
+            <a:r>
+              <a:rPr lang="fr-FR" dirty="0" err="1" smtClean="0"/>
+              <a:t>Tooling</a:t>
             </a:r>
             <a:endParaRPr lang="fr-FR" dirty="0" smtClean="0"/>
           </a:p>
-          <a:p>
-            <a:r>
-              <a:rPr lang="fr-FR" dirty="0" smtClean="0"/>
-              <a:t>Ou Update site : </a:t>
-            </a:r>
-            <a:r>
-              <a:rPr lang="fr-FR" dirty="0" smtClean="0">
-                <a:hlinkClick r:id="rId3"/>
-              </a:rPr>
-              <a:t>http://oss.opensagres.fr/tern.repository/0.4.0/</a:t>
-            </a:r>
-            <a:endParaRPr lang="fr-FR" dirty="0" smtClean="0"/>
-          </a:p>
-          <a:p>
-            <a:endParaRPr lang="fr-FR" dirty="0" smtClean="0"/>
-          </a:p>
-          <a:p>
-            <a:endParaRPr lang="fr-FR" dirty="0" smtClean="0"/>
-          </a:p>
-          <a:p>
-            <a:endParaRPr lang="fr-FR" dirty="0" smtClean="0"/>
-          </a:p>
-          <a:p>
-            <a:endParaRPr lang="fr-FR" dirty="0" smtClean="0"/>
-          </a:p>
-          <a:p>
-            <a:endParaRPr lang="fr-FR" dirty="0" smtClean="0"/>
-          </a:p>
-          <a:p>
-            <a:endParaRPr lang="fr-FR" dirty="0" smtClean="0"/>
-          </a:p>
-          <a:p>
-            <a:endParaRPr lang="fr-FR" dirty="0" smtClean="0"/>
-          </a:p>
-          <a:p>
-            <a:endParaRPr lang="fr-FR" dirty="0" smtClean="0"/>
-          </a:p>
-          <a:p>
-            <a:endParaRPr lang="fr-FR" dirty="0" smtClean="0"/>
-          </a:p>
-          <a:p>
-            <a:pPr>
-              <a:buFont typeface="Century Gothic" panose="020B0502020202020204" pitchFamily="34" charset="0"/>
-              <a:buChar char="►"/>
-            </a:pPr>
-            <a:r>
-              <a:rPr lang="fr-FR" dirty="0" smtClean="0"/>
-              <a:t>pour démarrer avec Tern IDE : </a:t>
-            </a:r>
-            <a:r>
-              <a:rPr lang="fr-FR" dirty="0" smtClean="0">
-                <a:hlinkClick r:id="rId4"/>
-              </a:rPr>
-              <a:t>https://github.com/angelozerr/tern.java/wiki/Getting-Started</a:t>
-            </a:r>
-            <a:endParaRPr lang="fr-FR" dirty="0" smtClean="0"/>
-          </a:p>
-          <a:p>
-            <a:endParaRPr lang="fr-FR" dirty="0" smtClean="0"/>
-          </a:p>
-          <a:p>
-            <a:endParaRPr lang="fr-FR" dirty="0" smtClean="0"/>
-          </a:p>
-          <a:p>
-            <a:endParaRPr lang="fr-FR" dirty="0" smtClean="0"/>
-          </a:p>
-          <a:p>
-            <a:endParaRPr lang="fr-FR" dirty="0" smtClean="0"/>
-          </a:p>
-          <a:p>
-            <a:endParaRPr lang="fr-FR" dirty="0" smtClean="0"/>
-          </a:p>
-        </p:txBody>
-      </p:sp>
-      <p:pic>
-        <p:nvPicPr>
-          <p:cNvPr id="8194" name="Picture 2"/>
-          <p:cNvPicPr>
-            <a:picLocks noChangeAspect="1" noChangeArrowheads="1"/>
-          </p:cNvPicPr>
-          <p:nvPr/>
-        </p:nvPicPr>
-        <p:blipFill>
-          <a:blip r:embed="rId5">
-            <a:extLst>
-              <a:ext uri="{28A0092B-C50C-407E-A947-70E740481C1C}">
-                <a14:useLocalDpi xmlns:a14="http://schemas.microsoft.com/office/drawing/2010/main" val="0"/>
-              </a:ext>
-            </a:extLst>
-          </a:blip>
-          <a:srcRect/>
-          <a:stretch>
-            <a:fillRect/>
-          </a:stretch>
-        </p:blipFill>
-        <p:spPr bwMode="auto">
-          <a:xfrm>
-            <a:off x="1403648" y="1653649"/>
-            <a:ext cx="5822968" cy="2148582"/>
-          </a:xfrm>
-          <a:prstGeom prst="rect">
-            <a:avLst/>
-          </a:prstGeom>
-          <a:noFill/>
-          <a:ln>
-            <a:noFill/>
-          </a:ln>
-          <a:extLst>
-            <a:ext uri="{909E8E84-426E-40DD-AFC4-6F175D3DCCD1}">
-              <a14:hiddenFill xmlns:a14="http://schemas.microsoft.com/office/drawing/2010/main">
-                <a:solidFill>
-                  <a:schemeClr val="accent1"/>
-                </a:solidFill>
-              </a14:hiddenFill>
-            </a:ext>
-            <a:ext uri="{91240B29-F687-4F45-9708-019B960494DF}">
-              <a14:hiddenLine xmlns:a14="http://schemas.microsoft.com/office/drawing/2010/main" w="9525">
-                <a:solidFill>
-                  <a:schemeClr val="tx1"/>
-                </a:solidFill>
-                <a:miter lim="800000"/>
-                <a:headEnd/>
-                <a:tailEnd/>
-              </a14:hiddenLine>
-            </a:ext>
-          </a:extLst>
-        </p:spPr>
-      </p:pic>
-      <p:sp>
-        <p:nvSpPr>
-          <p:cNvPr id="8" name="Espace réservé du numéro de diapositive 7"/>
+        </p:txBody>
+      </p:sp>
+      <p:sp>
+        <p:nvSpPr>
+          <p:cNvPr id="4" name="Espace réservé du contenu 3"/>
+          <p:cNvSpPr>
+            <a:spLocks noGrp="1"/>
+          </p:cNvSpPr>
+          <p:nvPr>
+            <p:ph sz="half" idx="2"/>
+          </p:nvPr>
+        </p:nvSpPr>
+        <p:spPr/>
+        <p:txBody>
+          <a:bodyPr/>
+          <a:lstStyle/>
+          <a:p>
+            <a:r>
+              <a:rPr lang="fr-FR" dirty="0"/>
+              <a:t>Tern IDE n’est pas lié à JSDT, il peut être utilisé avec d’autres types d’éditeurs.</a:t>
+            </a:r>
+          </a:p>
+          <a:p>
+            <a:r>
+              <a:rPr lang="fr-FR" dirty="0"/>
+              <a:t>Tern IDE utilise tern pour gérer:</a:t>
+            </a:r>
+          </a:p>
+          <a:p>
+            <a:pPr lvl="1"/>
+            <a:r>
+              <a:rPr lang="fr-FR" dirty="0"/>
+              <a:t>la complétion</a:t>
+            </a:r>
+          </a:p>
+          <a:p>
+            <a:pPr lvl="1"/>
+            <a:r>
+              <a:rPr lang="fr-FR" dirty="0"/>
+              <a:t>Les </a:t>
+            </a:r>
+            <a:r>
+              <a:rPr lang="fr-FR" dirty="0" err="1"/>
+              <a:t>hyperlinks</a:t>
+            </a:r>
+            <a:endParaRPr lang="fr-FR" dirty="0"/>
+          </a:p>
+          <a:p>
+            <a:pPr lvl="1"/>
+            <a:r>
+              <a:rPr lang="fr-FR" dirty="0"/>
+              <a:t>Le </a:t>
+            </a:r>
+            <a:r>
+              <a:rPr lang="fr-FR" dirty="0" err="1"/>
+              <a:t>hover</a:t>
+            </a:r>
+            <a:endParaRPr lang="fr-FR" dirty="0"/>
+          </a:p>
+          <a:p>
+            <a:pPr lvl="1"/>
+            <a:r>
+              <a:rPr lang="fr-FR" dirty="0"/>
+              <a:t>La validation</a:t>
+            </a:r>
+          </a:p>
+          <a:p>
+            <a:endParaRPr lang="fr-FR" dirty="0"/>
+          </a:p>
+        </p:txBody>
+      </p:sp>
+      <p:sp>
+        <p:nvSpPr>
+          <p:cNvPr id="5" name="Espace réservé du numéro de diapositive 4"/>
           <p:cNvSpPr>
             <a:spLocks noGrp="1"/>
           </p:cNvSpPr>
@@ -17468,7 +17580,7 @@
     </p:spTree>
     <p:extLst>
       <p:ext uri="{BB962C8B-B14F-4D97-AF65-F5344CB8AC3E}">
-        <p14:creationId xmlns:p14="http://schemas.microsoft.com/office/powerpoint/2010/main" val="2686843829"/>
+        <p14:creationId xmlns:p14="http://schemas.microsoft.com/office/powerpoint/2010/main" val="2975865916"/>
       </p:ext>
     </p:extLst>
   </p:cSld>
@@ -17519,98 +17631,130 @@
         </p:nvSpPr>
         <p:spPr/>
         <p:txBody>
+          <a:bodyPr/>
+          <a:lstStyle/>
+          <a:p>
+            <a:r>
+              <a:rPr lang="fr-FR" dirty="0" smtClean="0"/>
+              <a:t>Tern IDE - Installation</a:t>
+            </a:r>
+            <a:endParaRPr lang="fr-FR" dirty="0"/>
+          </a:p>
+        </p:txBody>
+      </p:sp>
+      <p:sp>
+        <p:nvSpPr>
+          <p:cNvPr id="3" name="Espace réservé du contenu 2"/>
+          <p:cNvSpPr>
+            <a:spLocks noGrp="1"/>
+          </p:cNvSpPr>
+          <p:nvPr>
+            <p:ph sz="half" idx="2"/>
+          </p:nvPr>
+        </p:nvSpPr>
+        <p:spPr/>
+        <p:txBody>
           <a:bodyPr>
-            <a:normAutofit/>
+            <a:normAutofit fontScale="85000" lnSpcReduction="10000"/>
           </a:bodyPr>
           <a:lstStyle/>
           <a:p>
             <a:r>
               <a:rPr lang="fr-FR" dirty="0" smtClean="0"/>
-              <a:t>Tern</a:t>
-            </a:r>
-            <a:r>
-              <a:rPr lang="fr-FR" dirty="0"/>
-              <a:t> </a:t>
-            </a:r>
-            <a:r>
-              <a:rPr lang="fr-FR" dirty="0" smtClean="0"/>
-              <a:t>IDE – Démo (</a:t>
-            </a:r>
-            <a:r>
-              <a:rPr lang="fr-FR" dirty="0" err="1" smtClean="0"/>
-              <a:t>Completion</a:t>
-            </a:r>
-            <a:r>
-              <a:rPr lang="fr-FR" dirty="0" smtClean="0"/>
-              <a:t>)</a:t>
-            </a:r>
-            <a:endParaRPr lang="fr-FR" dirty="0"/>
-          </a:p>
-        </p:txBody>
-      </p:sp>
-      <p:sp>
-        <p:nvSpPr>
-          <p:cNvPr id="4" name="Espace réservé du contenu 3"/>
-          <p:cNvSpPr>
-            <a:spLocks noGrp="1"/>
-          </p:cNvSpPr>
-          <p:nvPr>
-            <p:ph sz="half" idx="2"/>
-          </p:nvPr>
-        </p:nvSpPr>
-        <p:spPr/>
-        <p:txBody>
-          <a:bodyPr>
-            <a:normAutofit/>
-          </a:bodyPr>
-          <a:lstStyle/>
-          <a:p>
-            <a:r>
-              <a:rPr lang="fr-FR" sz="1600" dirty="0" smtClean="0"/>
-              <a:t>Démo avec le </a:t>
-            </a:r>
-            <a:r>
-              <a:rPr lang="fr-FR" sz="1600" b="1" dirty="0" smtClean="0"/>
-              <a:t>module browser</a:t>
-            </a:r>
-          </a:p>
-          <a:p>
-            <a:r>
-              <a:rPr lang="fr-FR" sz="1600" dirty="0" smtClean="0"/>
-              <a:t>Ici tern sait que la variable </a:t>
-            </a:r>
-            <a:r>
-              <a:rPr lang="fr-FR" sz="1600" b="1" i="1" dirty="0" err="1" smtClean="0"/>
-              <a:t>elt</a:t>
-            </a:r>
-            <a:r>
-              <a:rPr lang="fr-FR" sz="1600" dirty="0" smtClean="0"/>
-              <a:t> est de type </a:t>
-            </a:r>
-            <a:r>
-              <a:rPr lang="fr-FR" sz="1600" b="1" i="1" dirty="0" err="1" smtClean="0"/>
-              <a:t>HTMLElement</a:t>
-            </a:r>
-            <a:r>
-              <a:rPr lang="fr-FR" sz="1600" dirty="0" smtClean="0"/>
-              <a:t>:</a:t>
-            </a:r>
-          </a:p>
-          <a:p>
-            <a:endParaRPr lang="fr-FR" sz="1600" dirty="0"/>
+              <a:t>Marketplace : </a:t>
+            </a:r>
+            <a:r>
+              <a:rPr lang="fr-FR" dirty="0" smtClean="0">
+                <a:hlinkClick r:id="rId2"/>
+              </a:rPr>
+              <a:t>http://marketplace.eclipse.org/content/tern-eclipse-ide</a:t>
+            </a:r>
+            <a:endParaRPr lang="fr-FR" dirty="0" smtClean="0"/>
+          </a:p>
+          <a:p>
+            <a:r>
+              <a:rPr lang="fr-FR" dirty="0" smtClean="0"/>
+              <a:t>Ou Update site : </a:t>
+            </a:r>
+            <a:r>
+              <a:rPr lang="fr-FR" dirty="0" smtClean="0">
+                <a:hlinkClick r:id="rId3"/>
+              </a:rPr>
+              <a:t>http://oss.opensagres.fr/tern.repository/0.4.0/</a:t>
+            </a:r>
+            <a:endParaRPr lang="fr-FR" dirty="0" smtClean="0"/>
+          </a:p>
+          <a:p>
+            <a:endParaRPr lang="fr-FR" dirty="0" smtClean="0"/>
+          </a:p>
+          <a:p>
+            <a:endParaRPr lang="fr-FR" dirty="0" smtClean="0"/>
+          </a:p>
+          <a:p>
+            <a:endParaRPr lang="fr-FR" dirty="0" smtClean="0"/>
+          </a:p>
+          <a:p>
+            <a:endParaRPr lang="fr-FR" dirty="0" smtClean="0"/>
+          </a:p>
+          <a:p>
+            <a:endParaRPr lang="fr-FR" dirty="0" smtClean="0"/>
+          </a:p>
+          <a:p>
+            <a:endParaRPr lang="fr-FR" dirty="0" smtClean="0"/>
+          </a:p>
+          <a:p>
+            <a:endParaRPr lang="fr-FR" dirty="0" smtClean="0"/>
+          </a:p>
+          <a:p>
+            <a:endParaRPr lang="fr-FR" dirty="0" smtClean="0"/>
+          </a:p>
+          <a:p>
+            <a:endParaRPr lang="fr-FR" dirty="0" smtClean="0"/>
+          </a:p>
+          <a:p>
+            <a:pPr>
+              <a:buFont typeface="Century Gothic" panose="020B0502020202020204" pitchFamily="34" charset="0"/>
+              <a:buChar char="►"/>
+            </a:pPr>
+            <a:r>
+              <a:rPr lang="fr-FR" dirty="0" smtClean="0"/>
+              <a:t>pour démarrer avec Tern IDE : </a:t>
+            </a:r>
+            <a:r>
+              <a:rPr lang="fr-FR" dirty="0" smtClean="0">
+                <a:hlinkClick r:id="rId4"/>
+              </a:rPr>
+              <a:t>https://github.com/angelozerr/tern.java/wiki/Getting-Started</a:t>
+            </a:r>
+            <a:endParaRPr lang="fr-FR" dirty="0" smtClean="0"/>
+          </a:p>
+          <a:p>
+            <a:endParaRPr lang="fr-FR" dirty="0" smtClean="0"/>
+          </a:p>
+          <a:p>
+            <a:endParaRPr lang="fr-FR" dirty="0" smtClean="0"/>
+          </a:p>
+          <a:p>
+            <a:endParaRPr lang="fr-FR" dirty="0" smtClean="0"/>
+          </a:p>
+          <a:p>
+            <a:endParaRPr lang="fr-FR" dirty="0" smtClean="0"/>
+          </a:p>
+          <a:p>
+            <a:endParaRPr lang="fr-FR" dirty="0" smtClean="0"/>
           </a:p>
         </p:txBody>
       </p:sp>
       <p:pic>
         <p:nvPicPr>
-          <p:cNvPr id="7" name="Picture 2"/>
+          <p:cNvPr id="8194" name="Picture 2"/>
           <p:cNvPicPr>
             <a:picLocks noChangeAspect="1" noChangeArrowheads="1"/>
           </p:cNvPicPr>
           <p:nvPr/>
         </p:nvPicPr>
         <p:blipFill>
-          <a:blip r:embed="rId2">
+          <a:blip r:embed="rId5">
             <a:extLst>
               <a:ext uri="{28A0092B-C50C-407E-A947-70E740481C1C}">
                 <a14:useLocalDpi xmlns:a14="http://schemas.microsoft.com/office/drawing/2010/main" val="0"/>
@@ -17624,8 +17768,8 @@
         </p:blipFill>
         <p:spPr bwMode="auto">
           <a:xfrm>
-            <a:off x="755576" y="1779781"/>
-            <a:ext cx="7406640" cy="2297430"/>
+            <a:off x="1403648" y="1653649"/>
+            <a:ext cx="5822968" cy="2148582"/>
           </a:xfrm>
           <a:prstGeom prst="rect">
             <a:avLst/>
@@ -17657,7 +17801,7 @@
       </p:pic>
       <p:sp>
         <p:nvSpPr>
-          <p:cNvPr id="3" name="Espace réservé du numéro de diapositive 2"/>
+          <p:cNvPr id="8" name="Espace réservé du numéro de diapositive 7"/>
           <p:cNvSpPr>
             <a:spLocks noGrp="1"/>
           </p:cNvSpPr>
@@ -17681,7 +17825,7 @@
     </p:spTree>
     <p:extLst>
       <p:ext uri="{BB962C8B-B14F-4D97-AF65-F5344CB8AC3E}">
-        <p14:creationId xmlns:p14="http://schemas.microsoft.com/office/powerpoint/2010/main" val="2366143981"/>
+        <p14:creationId xmlns:p14="http://schemas.microsoft.com/office/powerpoint/2010/main" val="2686843829"/>
       </p:ext>
     </p:extLst>
   </p:cSld>
@@ -17738,31 +17882,32 @@
           <a:lstStyle/>
           <a:p>
             <a:r>
+              <a:rPr lang="fr-FR" dirty="0" smtClean="0"/>
+              <a:t>Tern</a:t>
+            </a:r>
+            <a:r>
               <a:rPr lang="fr-FR" dirty="0"/>
-              <a:t>Tern IDE – </a:t>
-            </a:r>
-            <a:r>
-              <a:rPr lang="fr-FR" dirty="0" smtClean="0"/>
-              <a:t>Démo </a:t>
-            </a:r>
-            <a:r>
-              <a:rPr lang="fr-FR" dirty="0"/>
-              <a:t>(</a:t>
-            </a:r>
-            <a:r>
-              <a:rPr lang="fr-FR" dirty="0" err="1"/>
+              <a:t> </a:t>
+            </a:r>
+            <a:r>
+              <a:rPr lang="fr-FR" dirty="0" smtClean="0"/>
+              <a:t>IDE – Démo (</a:t>
+            </a:r>
+            <a:r>
+              <a:rPr lang="fr-FR" dirty="0" err="1" smtClean="0"/>
               <a:t>Completion</a:t>
             </a:r>
             <a:r>
-              <a:rPr lang="fr-FR" dirty="0"/>
+              <a:rPr lang="fr-FR" dirty="0" smtClean="0"/>
               <a:t>)</a:t>
             </a:r>
-          </a:p>
-        </p:txBody>
-      </p:sp>
-      <p:sp>
-        <p:nvSpPr>
-          <p:cNvPr id="6" name="Espace réservé du contenu 5"/>
+            <a:endParaRPr lang="fr-FR" dirty="0"/>
+          </a:p>
+        </p:txBody>
+      </p:sp>
+      <p:sp>
+        <p:nvSpPr>
+          <p:cNvPr id="4" name="Espace réservé du contenu 3"/>
           <p:cNvSpPr>
             <a:spLocks noGrp="1"/>
           </p:cNvSpPr>
@@ -17779,23 +17924,33 @@
           <a:p>
             <a:r>
               <a:rPr lang="fr-FR" sz="1600" dirty="0" smtClean="0"/>
-              <a:t>Ici tern sait que </a:t>
-            </a:r>
-            <a:r>
-              <a:rPr lang="fr-FR" sz="1600" b="1" i="1" dirty="0" smtClean="0"/>
-              <a:t>e</a:t>
-            </a:r>
+              <a:t>Démo avec le </a:t>
+            </a:r>
+            <a:r>
+              <a:rPr lang="fr-FR" sz="1600" b="1" dirty="0" smtClean="0"/>
+              <a:t>module browser</a:t>
+            </a:r>
+          </a:p>
+          <a:p>
             <a:r>
               <a:rPr lang="fr-FR" sz="1600" dirty="0" smtClean="0"/>
-              <a:t> est un </a:t>
-            </a:r>
-            <a:r>
-              <a:rPr lang="fr-FR" sz="1600" b="1" i="1" dirty="0" smtClean="0"/>
-              <a:t>événement</a:t>
+              <a:t>Ici tern sait que la variable </a:t>
+            </a:r>
+            <a:r>
+              <a:rPr lang="fr-FR" sz="1600" b="1" i="1" dirty="0" err="1" smtClean="0"/>
+              <a:t>elt</a:t>
             </a:r>
             <a:r>
               <a:rPr lang="fr-FR" sz="1600" dirty="0" smtClean="0"/>
-              <a:t> d’une callback :</a:t>
+              <a:t> est de type </a:t>
+            </a:r>
+            <a:r>
+              <a:rPr lang="fr-FR" sz="1600" b="1" i="1" dirty="0" err="1" smtClean="0"/>
+              <a:t>HTMLElement</a:t>
+            </a:r>
+            <a:r>
+              <a:rPr lang="fr-FR" sz="1600" dirty="0" smtClean="0"/>
+              <a:t>:</a:t>
             </a:r>
           </a:p>
           <a:p>
@@ -17805,7 +17960,7 @@
       </p:sp>
       <p:pic>
         <p:nvPicPr>
-          <p:cNvPr id="1027" name="Picture 3"/>
+          <p:cNvPr id="7" name="Picture 2"/>
           <p:cNvPicPr>
             <a:picLocks noChangeAspect="1" noChangeArrowheads="1"/>
           </p:cNvPicPr>
@@ -17826,8 +17981,8 @@
         </p:blipFill>
         <p:spPr bwMode="auto">
           <a:xfrm>
-            <a:off x="683568" y="1574006"/>
-            <a:ext cx="7272808" cy="2325005"/>
+            <a:off x="755576" y="1779781"/>
+            <a:ext cx="7406640" cy="2297430"/>
           </a:xfrm>
           <a:prstGeom prst="rect">
             <a:avLst/>
@@ -17883,7 +18038,7 @@
     </p:spTree>
     <p:extLst>
       <p:ext uri="{BB962C8B-B14F-4D97-AF65-F5344CB8AC3E}">
-        <p14:creationId xmlns:p14="http://schemas.microsoft.com/office/powerpoint/2010/main" val="2634205376"/>
+        <p14:creationId xmlns:p14="http://schemas.microsoft.com/office/powerpoint/2010/main" val="2366143981"/>
       </p:ext>
     </p:extLst>
   </p:cSld>
@@ -17945,9 +18100,20 @@
             </a:r>
             <a:r>
               <a:rPr lang="fr-FR" dirty="0" smtClean="0"/>
-              <a:t>Démo (Hyperlink)</a:t>
-            </a:r>
-            <a:endParaRPr lang="fr-FR" dirty="0"/>
+              <a:t>Démo </a:t>
+            </a:r>
+            <a:r>
+              <a:rPr lang="fr-FR" dirty="0"/>
+              <a:t>(</a:t>
+            </a:r>
+            <a:r>
+              <a:rPr lang="fr-FR" dirty="0" err="1"/>
+              <a:t>Completion</a:t>
+            </a:r>
+            <a:r>
+              <a:rPr lang="fr-FR" dirty="0"/>
+              <a:t>)</a:t>
+            </a:r>
           </a:p>
         </p:txBody>
       </p:sp>
@@ -17970,11 +18136,24 @@
           <a:p>
             <a:r>
               <a:rPr lang="fr-FR" sz="1600" dirty="0" smtClean="0"/>
-              <a:t>Ici tern retrouve où est déclaré l’évènement e:</a:t>
-            </a:r>
-          </a:p>
-          <a:p>
-            <a:endParaRPr lang="fr-FR" sz="1600" dirty="0" smtClean="0"/>
+              <a:t>Ici tern sait que </a:t>
+            </a:r>
+            <a:r>
+              <a:rPr lang="fr-FR" sz="1600" b="1" i="1" dirty="0" smtClean="0"/>
+              <a:t>e</a:t>
+            </a:r>
+            <a:r>
+              <a:rPr lang="fr-FR" sz="1600" dirty="0" smtClean="0"/>
+              <a:t> est un </a:t>
+            </a:r>
+            <a:r>
+              <a:rPr lang="fr-FR" sz="1600" b="1" i="1" dirty="0" smtClean="0"/>
+              <a:t>événement</a:t>
+            </a:r>
+            <a:r>
+              <a:rPr lang="fr-FR" sz="1600" dirty="0" smtClean="0"/>
+              <a:t> d’une callback :</a:t>
+            </a:r>
           </a:p>
           <a:p>
             <a:endParaRPr lang="fr-FR" sz="1600" dirty="0"/>
@@ -17983,7 +18162,7 @@
       </p:sp>
       <p:pic>
         <p:nvPicPr>
-          <p:cNvPr id="3074" name="Picture 2"/>
+          <p:cNvPr id="1027" name="Picture 3"/>
           <p:cNvPicPr>
             <a:picLocks noChangeAspect="1" noChangeArrowheads="1"/>
           </p:cNvPicPr>
@@ -18004,8 +18183,8 @@
         </p:blipFill>
         <p:spPr bwMode="auto">
           <a:xfrm>
-            <a:off x="1485900" y="1807369"/>
-            <a:ext cx="6172200" cy="1528763"/>
+            <a:off x="683568" y="1574006"/>
+            <a:ext cx="7272808" cy="2325005"/>
           </a:xfrm>
           <a:prstGeom prst="rect">
             <a:avLst/>
@@ -18061,7 +18240,7 @@
     </p:spTree>
     <p:extLst>
       <p:ext uri="{BB962C8B-B14F-4D97-AF65-F5344CB8AC3E}">
-        <p14:creationId xmlns:p14="http://schemas.microsoft.com/office/powerpoint/2010/main" val="1033632164"/>
+        <p14:creationId xmlns:p14="http://schemas.microsoft.com/office/powerpoint/2010/main" val="2634205376"/>
       </p:ext>
     </p:extLst>
   </p:cSld>
@@ -18123,7 +18302,7 @@
             </a:r>
             <a:r>
               <a:rPr lang="fr-FR" dirty="0" smtClean="0"/>
-              <a:t>Démo (Hover)</a:t>
+              <a:t>Démo (Hyperlink)</a:t>
             </a:r>
             <a:endParaRPr lang="fr-FR" dirty="0"/>
           </a:p>
@@ -18148,7 +18327,7 @@
           <a:p>
             <a:r>
               <a:rPr lang="fr-FR" sz="1600" dirty="0" smtClean="0"/>
-              <a:t>Ici tern retrouve les informations de l’événement e :</a:t>
+              <a:t>Ici tern retrouve où est déclaré l’évènement e:</a:t>
             </a:r>
           </a:p>
           <a:p>
@@ -18161,7 +18340,7 @@
       </p:sp>
       <p:pic>
         <p:nvPicPr>
-          <p:cNvPr id="4098" name="Picture 2"/>
+          <p:cNvPr id="3074" name="Picture 2"/>
           <p:cNvPicPr>
             <a:picLocks noChangeAspect="1" noChangeArrowheads="1"/>
           </p:cNvPicPr>
@@ -18182,8 +18361,8 @@
         </p:blipFill>
         <p:spPr bwMode="auto">
           <a:xfrm>
-            <a:off x="899591" y="1545636"/>
-            <a:ext cx="8006283" cy="2441477"/>
+            <a:off x="1485900" y="1807369"/>
+            <a:ext cx="6172200" cy="1528763"/>
           </a:xfrm>
           <a:prstGeom prst="rect">
             <a:avLst/>
@@ -18239,7 +18418,7 @@
     </p:spTree>
     <p:extLst>
       <p:ext uri="{BB962C8B-B14F-4D97-AF65-F5344CB8AC3E}">
-        <p14:creationId xmlns:p14="http://schemas.microsoft.com/office/powerpoint/2010/main" val="1726619083"/>
+        <p14:creationId xmlns:p14="http://schemas.microsoft.com/office/powerpoint/2010/main" val="1033632164"/>
       </p:ext>
     </p:extLst>
   </p:cSld>
@@ -18590,7 +18769,7 @@
               <a:pPr/>
               <a:t>2</a:t>
             </a:fld>
-            <a:endParaRPr lang="fr-FR"/>
+            <a:endParaRPr lang="fr-FR" dirty="0"/>
           </a:p>
         </p:txBody>
       </p:sp>
@@ -18699,7 +18878,7 @@
             </a:r>
             <a:r>
               <a:rPr lang="fr-FR" dirty="0" smtClean="0"/>
-              <a:t>Démo (Validation)</a:t>
+              <a:t>Démo (Hover)</a:t>
             </a:r>
             <a:endParaRPr lang="fr-FR" dirty="0"/>
           </a:p>
@@ -18724,27 +18903,8 @@
           <a:p>
             <a:r>
               <a:rPr lang="fr-FR" sz="1600" dirty="0" smtClean="0"/>
-              <a:t>Ici le plugin tern </a:t>
-            </a:r>
-            <a:r>
-              <a:rPr lang="fr-FR" sz="1600" dirty="0" err="1" smtClean="0"/>
-              <a:t>lint</a:t>
-            </a:r>
-            <a:r>
-              <a:rPr lang="fr-FR" sz="1600" dirty="0" smtClean="0"/>
-              <a:t> est utilisé et affiche une erreur indiquant que le paramètre </a:t>
-            </a:r>
-            <a:r>
-              <a:rPr lang="fr-FR" sz="1600" dirty="0" err="1" smtClean="0"/>
-              <a:t>getElementById</a:t>
-            </a:r>
-            <a:r>
-              <a:rPr lang="fr-FR" sz="1600" dirty="0" smtClean="0"/>
-              <a:t> attend une string :</a:t>
-            </a:r>
-          </a:p>
-          <a:p>
-            <a:endParaRPr lang="fr-FR" sz="1600" dirty="0"/>
+              <a:t>Ici tern retrouve les informations de l’événement e :</a:t>
+            </a:r>
           </a:p>
           <a:p>
             <a:endParaRPr lang="fr-FR" sz="1600" dirty="0" smtClean="0"/>
@@ -18756,7 +18916,7 @@
       </p:sp>
       <p:pic>
         <p:nvPicPr>
-          <p:cNvPr id="5122" name="Picture 2"/>
+          <p:cNvPr id="4098" name="Picture 2"/>
           <p:cNvPicPr>
             <a:picLocks noChangeAspect="1" noChangeArrowheads="1"/>
           </p:cNvPicPr>
@@ -18777,8 +18937,8 @@
         </p:blipFill>
         <p:spPr bwMode="auto">
           <a:xfrm>
-            <a:off x="1700214" y="1985963"/>
-            <a:ext cx="5743575" cy="1171575"/>
+            <a:off x="899591" y="1545636"/>
+            <a:ext cx="8006283" cy="2441477"/>
           </a:xfrm>
           <a:prstGeom prst="rect">
             <a:avLst/>
@@ -18834,7 +18994,7 @@
     </p:spTree>
     <p:extLst>
       <p:ext uri="{BB962C8B-B14F-4D97-AF65-F5344CB8AC3E}">
-        <p14:creationId xmlns:p14="http://schemas.microsoft.com/office/powerpoint/2010/main" val="542899802"/>
+        <p14:creationId xmlns:p14="http://schemas.microsoft.com/office/powerpoint/2010/main" val="1726619083"/>
       </p:ext>
     </p:extLst>
   </p:cSld>
@@ -18885,107 +19045,75 @@
         </p:nvSpPr>
         <p:spPr/>
         <p:txBody>
-          <a:bodyPr/>
-          <a:lstStyle/>
-          <a:p>
-            <a:r>
-              <a:rPr lang="fr-FR" dirty="0" smtClean="0"/>
-              <a:t>TERN IDE &amp; Modules</a:t>
-            </a:r>
-            <a:endParaRPr lang="fr-FR" dirty="0"/>
-          </a:p>
-        </p:txBody>
-      </p:sp>
-      <p:sp>
-        <p:nvSpPr>
-          <p:cNvPr id="3" name="Espace réservé du contenu 2"/>
-          <p:cNvSpPr>
-            <a:spLocks noGrp="1"/>
-          </p:cNvSpPr>
-          <p:nvPr>
-            <p:ph sz="half" idx="2"/>
-          </p:nvPr>
-        </p:nvSpPr>
-        <p:spPr>
-          <a:xfrm>
-            <a:off x="251520" y="843558"/>
-            <a:ext cx="8640960" cy="3960440"/>
-          </a:xfrm>
-        </p:spPr>
-        <p:txBody>
           <a:bodyPr>
             <a:normAutofit/>
           </a:bodyPr>
           <a:lstStyle/>
           <a:p>
             <a:r>
-              <a:rPr lang="fr-FR" dirty="0" smtClean="0"/>
-              <a:t>Un module est un JSON Type Definition ou un plugin.</a:t>
-            </a:r>
-          </a:p>
-          <a:p>
-            <a:pPr lvl="1"/>
-            <a:endParaRPr lang="fr-FR" dirty="0" smtClean="0"/>
-          </a:p>
-          <a:p>
-            <a:pPr lvl="1"/>
-            <a:endParaRPr lang="fr-FR" dirty="0" smtClean="0"/>
-          </a:p>
-          <a:p>
-            <a:pPr lvl="1"/>
-            <a:endParaRPr lang="fr-FR" dirty="0" smtClean="0"/>
-          </a:p>
-          <a:p>
-            <a:pPr lvl="1"/>
-            <a:endParaRPr lang="fr-FR" dirty="0" smtClean="0"/>
-          </a:p>
-          <a:p>
-            <a:pPr lvl="1"/>
-            <a:endParaRPr lang="fr-FR" dirty="0" smtClean="0"/>
-          </a:p>
-          <a:p>
-            <a:pPr lvl="1"/>
-            <a:endParaRPr lang="fr-FR" dirty="0" smtClean="0"/>
-          </a:p>
-          <a:p>
-            <a:pPr lvl="1"/>
-            <a:endParaRPr lang="fr-FR" dirty="0" smtClean="0"/>
-          </a:p>
-          <a:p>
-            <a:pPr lvl="1"/>
-            <a:endParaRPr lang="fr-FR" dirty="0" smtClean="0"/>
-          </a:p>
-          <a:p>
-            <a:pPr lvl="1"/>
+              <a:rPr lang="fr-FR" dirty="0"/>
+              <a:t>Tern IDE – </a:t>
+            </a:r>
+            <a:r>
+              <a:rPr lang="fr-FR" dirty="0" smtClean="0"/>
+              <a:t>Démo (Validation)</a:t>
+            </a:r>
             <a:endParaRPr lang="fr-FR" dirty="0"/>
           </a:p>
-          <a:p>
-            <a:pPr lvl="1"/>
-            <a:endParaRPr lang="fr-FR" dirty="0" smtClean="0"/>
-          </a:p>
-          <a:p>
-            <a:pPr lvl="1"/>
-            <a:endParaRPr lang="fr-FR" dirty="0" smtClean="0"/>
-          </a:p>
-          <a:p>
-            <a:r>
-              <a:rPr lang="fr-FR" dirty="0" smtClean="0"/>
-              <a:t>La sélection des modules s’effectuent dans les propriétés du projet (ex : </a:t>
-            </a:r>
-            <a:r>
-              <a:rPr lang="fr-FR" dirty="0" err="1" smtClean="0"/>
-              <a:t>jquery</a:t>
-            </a:r>
-            <a:r>
-              <a:rPr lang="fr-FR" dirty="0" smtClean="0"/>
-              <a:t>). </a:t>
-            </a:r>
+        </p:txBody>
+      </p:sp>
+      <p:sp>
+        <p:nvSpPr>
+          <p:cNvPr id="6" name="Espace réservé du contenu 5"/>
+          <p:cNvSpPr>
+            <a:spLocks noGrp="1"/>
+          </p:cNvSpPr>
+          <p:nvPr>
+            <p:ph sz="half" idx="2"/>
+          </p:nvPr>
+        </p:nvSpPr>
+        <p:spPr/>
+        <p:txBody>
+          <a:bodyPr>
+            <a:normAutofit/>
+          </a:bodyPr>
+          <a:lstStyle/>
+          <a:p>
+            <a:r>
+              <a:rPr lang="fr-FR" sz="1600" dirty="0" smtClean="0"/>
+              <a:t>Ici le plugin tern </a:t>
+            </a:r>
+            <a:r>
+              <a:rPr lang="fr-FR" sz="1600" dirty="0" err="1" smtClean="0"/>
+              <a:t>lint</a:t>
+            </a:r>
+            <a:r>
+              <a:rPr lang="fr-FR" sz="1600" dirty="0" smtClean="0"/>
+              <a:t> est utilisé et affiche une erreur indiquant que le paramètre </a:t>
+            </a:r>
+            <a:r>
+              <a:rPr lang="fr-FR" sz="1600" dirty="0" err="1" smtClean="0"/>
+              <a:t>getElementById</a:t>
+            </a:r>
+            <a:r>
+              <a:rPr lang="fr-FR" sz="1600" dirty="0" smtClean="0"/>
+              <a:t> attend une string :</a:t>
+            </a:r>
+          </a:p>
+          <a:p>
+            <a:endParaRPr lang="fr-FR" sz="1600" dirty="0"/>
+          </a:p>
+          <a:p>
+            <a:endParaRPr lang="fr-FR" sz="1600" dirty="0" smtClean="0"/>
+          </a:p>
+          <a:p>
+            <a:endParaRPr lang="fr-FR" sz="1600" dirty="0"/>
           </a:p>
         </p:txBody>
       </p:sp>
       <p:pic>
         <p:nvPicPr>
-          <p:cNvPr id="6147" name="Picture 3"/>
+          <p:cNvPr id="5122" name="Picture 2"/>
           <p:cNvPicPr>
             <a:picLocks noChangeAspect="1" noChangeArrowheads="1"/>
           </p:cNvPicPr>
@@ -19006,8 +19134,8 @@
         </p:blipFill>
         <p:spPr bwMode="auto">
           <a:xfrm>
-            <a:off x="2123728" y="1437624"/>
-            <a:ext cx="3321436" cy="2567025"/>
+            <a:off x="1700214" y="1985963"/>
+            <a:ext cx="5743575" cy="1171575"/>
           </a:xfrm>
           <a:prstGeom prst="rect">
             <a:avLst/>
@@ -19039,7 +19167,7 @@
       </p:pic>
       <p:sp>
         <p:nvSpPr>
-          <p:cNvPr id="6" name="Espace réservé du numéro de diapositive 5"/>
+          <p:cNvPr id="3" name="Espace réservé du numéro de diapositive 2"/>
           <p:cNvSpPr>
             <a:spLocks noGrp="1"/>
           </p:cNvSpPr>
@@ -19063,7 +19191,7 @@
     </p:spTree>
     <p:extLst>
       <p:ext uri="{BB962C8B-B14F-4D97-AF65-F5344CB8AC3E}">
-        <p14:creationId xmlns:p14="http://schemas.microsoft.com/office/powerpoint/2010/main" val="2278625243"/>
+        <p14:creationId xmlns:p14="http://schemas.microsoft.com/office/powerpoint/2010/main" val="542899802"/>
       </p:ext>
     </p:extLst>
   </p:cSld>
@@ -19119,7 +19247,7 @@
           <a:p>
             <a:r>
               <a:rPr lang="fr-FR" dirty="0" smtClean="0"/>
-              <a:t>TERN IDE &amp; jQuery</a:t>
+              <a:t>TERN IDE &amp; Modules</a:t>
             </a:r>
             <a:endParaRPr lang="fr-FR" dirty="0"/>
           </a:p>
@@ -19135,22 +19263,21 @@
             <p:ph sz="half" idx="2"/>
           </p:nvPr>
         </p:nvSpPr>
-        <p:spPr/>
-        <p:txBody>
-          <a:bodyPr/>
+        <p:spPr>
+          <a:xfrm>
+            <a:off x="251520" y="843558"/>
+            <a:ext cx="8640960" cy="3960440"/>
+          </a:xfrm>
+        </p:spPr>
+        <p:txBody>
+          <a:bodyPr>
+            <a:normAutofit/>
+          </a:bodyPr>
           <a:lstStyle/>
           <a:p>
             <a:r>
               <a:rPr lang="fr-FR" dirty="0" smtClean="0"/>
-              <a:t>Après avoir sélectionné le module </a:t>
-            </a:r>
-            <a:r>
-              <a:rPr lang="fr-FR" dirty="0" err="1" smtClean="0"/>
-              <a:t>jquery</a:t>
-            </a:r>
-            <a:r>
-              <a:rPr lang="fr-FR" dirty="0" smtClean="0"/>
-              <a:t>, on bénéficie de la complétion sur ce framework: : </a:t>
+              <a:t>Un module est un JSON Type Definition ou un plugin.</a:t>
             </a:r>
           </a:p>
           <a:p>
@@ -19183,25 +19310,31 @@
           </a:p>
           <a:p>
             <a:pPr lvl="1"/>
-            <a:r>
-              <a:rPr lang="fr-FR" dirty="0" smtClean="0"/>
-              <a:t>►</a:t>
-            </a:r>
-            <a:r>
-              <a:rPr lang="fr-FR" dirty="0" err="1" smtClean="0"/>
-              <a:t>jquery</a:t>
-            </a:r>
-            <a:r>
-              <a:rPr lang="fr-FR" dirty="0" smtClean="0"/>
-              <a:t> est un JSON Type Definition</a:t>
-            </a:r>
+            <a:endParaRPr lang="fr-FR" dirty="0" smtClean="0"/>
+          </a:p>
+          <a:p>
+            <a:pPr lvl="1"/>
             <a:endParaRPr lang="fr-FR" dirty="0"/>
+          </a:p>
+          <a:p>
+            <a:pPr lvl="1"/>
+            <a:endParaRPr lang="fr-FR" dirty="0" smtClean="0"/>
+          </a:p>
+          <a:p>
+            <a:pPr lvl="1"/>
+            <a:endParaRPr lang="fr-FR" dirty="0" smtClean="0"/>
+          </a:p>
+          <a:p>
+            <a:r>
+              <a:rPr lang="fr-FR" dirty="0" smtClean="0"/>
+              <a:t>La sélection des modules s’effectuent dans les propriétés du projet (ex : jquery). </a:t>
+            </a:r>
           </a:p>
         </p:txBody>
       </p:sp>
       <p:pic>
         <p:nvPicPr>
-          <p:cNvPr id="6" name="Picture 2"/>
+          <p:cNvPr id="6147" name="Picture 3"/>
           <p:cNvPicPr>
             <a:picLocks noChangeAspect="1" noChangeArrowheads="1"/>
           </p:cNvPicPr>
@@ -19222,8 +19355,8 @@
         </p:blipFill>
         <p:spPr bwMode="auto">
           <a:xfrm>
-            <a:off x="611561" y="1676685"/>
-            <a:ext cx="7780101" cy="2335225"/>
+            <a:off x="2123728" y="1437624"/>
+            <a:ext cx="3321436" cy="2567025"/>
           </a:xfrm>
           <a:prstGeom prst="rect">
             <a:avLst/>
@@ -19255,7 +19388,7 @@
       </p:pic>
       <p:sp>
         <p:nvSpPr>
-          <p:cNvPr id="7" name="Espace réservé du numéro de diapositive 6"/>
+          <p:cNvPr id="6" name="Espace réservé du numéro de diapositive 5"/>
           <p:cNvSpPr>
             <a:spLocks noGrp="1"/>
           </p:cNvSpPr>
@@ -19279,7 +19412,7 @@
     </p:spTree>
     <p:extLst>
       <p:ext uri="{BB962C8B-B14F-4D97-AF65-F5344CB8AC3E}">
-        <p14:creationId xmlns:p14="http://schemas.microsoft.com/office/powerpoint/2010/main" val="95369748"/>
+        <p14:creationId xmlns:p14="http://schemas.microsoft.com/office/powerpoint/2010/main" val="2278625243"/>
       </p:ext>
     </p:extLst>
   </p:cSld>
@@ -19335,7 +19468,7 @@
           <a:p>
             <a:r>
               <a:rPr lang="fr-FR" dirty="0" smtClean="0"/>
-              <a:t>TERN IDE &amp; Node.js module</a:t>
+              <a:t>TERN IDE &amp; jQuery</a:t>
             </a:r>
             <a:endParaRPr lang="fr-FR" dirty="0"/>
           </a:p>
@@ -19358,15 +19491,7 @@
           <a:p>
             <a:r>
               <a:rPr lang="fr-FR" dirty="0" smtClean="0"/>
-              <a:t>Après avoir sélectionné le module </a:t>
-            </a:r>
-            <a:r>
-              <a:rPr lang="fr-FR" dirty="0" err="1" smtClean="0"/>
-              <a:t>node</a:t>
-            </a:r>
-            <a:r>
-              <a:rPr lang="fr-FR" dirty="0" smtClean="0"/>
-              <a:t>, on bénéficie de la complétion sur ce framework: :</a:t>
+              <a:t>Après avoir sélectionné le module jquery, on bénéficie de la complétion sur ce framework: : </a:t>
             </a:r>
           </a:p>
           <a:p>
@@ -19401,70 +19526,15 @@
             <a:pPr lvl="1"/>
             <a:r>
               <a:rPr lang="fr-FR" dirty="0" smtClean="0"/>
-              <a:t>►</a:t>
-            </a:r>
-            <a:r>
-              <a:rPr lang="fr-FR" dirty="0" err="1" smtClean="0"/>
-              <a:t>node</a:t>
-            </a:r>
-            <a:r>
-              <a:rPr lang="fr-FR" dirty="0" smtClean="0"/>
-              <a:t> est un plugin tern. Ici il gère la fonction </a:t>
-            </a:r>
-            <a:r>
-              <a:rPr lang="fr-FR" dirty="0" err="1" smtClean="0"/>
-              <a:t>require</a:t>
-            </a:r>
-            <a:r>
-              <a:rPr lang="fr-FR" dirty="0" smtClean="0"/>
-              <a:t>.</a:t>
-            </a:r>
-          </a:p>
-          <a:p>
-            <a:pPr lvl="1"/>
-            <a:endParaRPr lang="fr-FR" dirty="0" smtClean="0"/>
-          </a:p>
-          <a:p>
-            <a:pPr lvl="1"/>
-            <a:endParaRPr lang="fr-FR" dirty="0" smtClean="0"/>
-          </a:p>
-          <a:p>
-            <a:pPr lvl="1"/>
-            <a:endParaRPr lang="fr-FR" dirty="0" smtClean="0"/>
-          </a:p>
-          <a:p>
-            <a:pPr lvl="1"/>
-            <a:endParaRPr lang="fr-FR" dirty="0" smtClean="0"/>
-          </a:p>
-          <a:p>
-            <a:pPr lvl="1"/>
-            <a:endParaRPr lang="fr-FR" dirty="0" smtClean="0"/>
-          </a:p>
-          <a:p>
-            <a:pPr lvl="1"/>
-            <a:endParaRPr lang="fr-FR" dirty="0" smtClean="0"/>
-          </a:p>
-          <a:p>
-            <a:pPr lvl="1"/>
-            <a:endParaRPr lang="fr-FR" dirty="0" smtClean="0"/>
-          </a:p>
-          <a:p>
-            <a:pPr lvl="1"/>
-            <a:endParaRPr lang="fr-FR" dirty="0" smtClean="0"/>
-          </a:p>
-          <a:p>
-            <a:pPr lvl="1"/>
-            <a:endParaRPr lang="fr-FR" dirty="0" smtClean="0"/>
-          </a:p>
-          <a:p>
-            <a:pPr lvl="1"/>
+              <a:t>►jquery est un JSON Type Definition</a:t>
+            </a:r>
             <a:endParaRPr lang="fr-FR" dirty="0"/>
           </a:p>
         </p:txBody>
       </p:sp>
       <p:pic>
         <p:nvPicPr>
-          <p:cNvPr id="15362" name="Picture 2"/>
+          <p:cNvPr id="6" name="Picture 2"/>
           <p:cNvPicPr>
             <a:picLocks noChangeAspect="1" noChangeArrowheads="1"/>
           </p:cNvPicPr>
@@ -19485,8 +19555,8 @@
         </p:blipFill>
         <p:spPr bwMode="auto">
           <a:xfrm>
-            <a:off x="755576" y="1687747"/>
-            <a:ext cx="7704856" cy="2396171"/>
+            <a:off x="611561" y="1676685"/>
+            <a:ext cx="7780101" cy="2335225"/>
           </a:xfrm>
           <a:prstGeom prst="rect">
             <a:avLst/>
@@ -19518,7 +19588,7 @@
       </p:pic>
       <p:sp>
         <p:nvSpPr>
-          <p:cNvPr id="6" name="Espace réservé du numéro de diapositive 5"/>
+          <p:cNvPr id="7" name="Espace réservé du numéro de diapositive 6"/>
           <p:cNvSpPr>
             <a:spLocks noGrp="1"/>
           </p:cNvSpPr>
@@ -19542,7 +19612,7 @@
     </p:spTree>
     <p:extLst>
       <p:ext uri="{BB962C8B-B14F-4D97-AF65-F5344CB8AC3E}">
-        <p14:creationId xmlns:p14="http://schemas.microsoft.com/office/powerpoint/2010/main" val="184326546"/>
+        <p14:creationId xmlns:p14="http://schemas.microsoft.com/office/powerpoint/2010/main" val="95369748"/>
       </p:ext>
     </p:extLst>
   </p:cSld>
@@ -19598,7 +19668,7 @@
           <a:p>
             <a:r>
               <a:rPr lang="fr-FR" dirty="0" smtClean="0"/>
-              <a:t>TERN IDE &amp; Closure Library</a:t>
+              <a:t>TERN IDE &amp; Node.js module</a:t>
             </a:r>
             <a:endParaRPr lang="fr-FR" dirty="0"/>
           </a:p>
@@ -19621,15 +19691,7 @@
           <a:p>
             <a:r>
               <a:rPr lang="fr-FR" dirty="0" smtClean="0"/>
-              <a:t>Après avoir sélectionné le module </a:t>
-            </a:r>
-            <a:r>
-              <a:rPr lang="fr-FR" dirty="0" err="1" smtClean="0"/>
-              <a:t>closure</a:t>
-            </a:r>
-            <a:r>
-              <a:rPr lang="fr-FR" dirty="0" smtClean="0"/>
-              <a:t>, on bénéficie de la complétion sur ce framework: : </a:t>
+              <a:t>Après avoir sélectionné le module node, on bénéficie de la complétion sur ce framework: :</a:t>
             </a:r>
           </a:p>
           <a:p>
@@ -19662,52 +19724,56 @@
           </a:p>
           <a:p>
             <a:pPr lvl="1"/>
+            <a:r>
+              <a:rPr lang="fr-FR" dirty="0" smtClean="0"/>
+              <a:t>►node est un plugin tern. Ici il gère la fonction require.</a:t>
+            </a:r>
+          </a:p>
+          <a:p>
+            <a:pPr lvl="1"/>
             <a:endParaRPr lang="fr-FR" dirty="0" smtClean="0"/>
           </a:p>
           <a:p>
-            <a:pPr>
-              <a:buFont typeface="Century Gothic" panose="020B0502020202020204" pitchFamily="34" charset="0"/>
-              <a:buChar char="►"/>
-            </a:pPr>
-            <a:r>
-              <a:rPr lang="fr-FR" dirty="0" err="1" smtClean="0"/>
-              <a:t>closure</a:t>
-            </a:r>
-            <a:r>
-              <a:rPr lang="fr-FR" dirty="0" smtClean="0"/>
-              <a:t> est un plugin tern. Il se base sur les sources de </a:t>
-            </a:r>
-            <a:r>
-              <a:rPr lang="fr-FR" dirty="0" err="1" smtClean="0"/>
-              <a:t>closure</a:t>
-            </a:r>
-            <a:r>
-              <a:rPr lang="fr-FR" dirty="0" smtClean="0"/>
-              <a:t>. Le </a:t>
-            </a:r>
-            <a:r>
-              <a:rPr lang="fr-FR" dirty="0" err="1" smtClean="0"/>
-              <a:t>hyperlink</a:t>
-            </a:r>
-            <a:r>
-              <a:rPr lang="fr-FR" dirty="0" smtClean="0"/>
-              <a:t> permet d’ouvrir les sources de </a:t>
-            </a:r>
-            <a:r>
-              <a:rPr lang="fr-FR" dirty="0" err="1" smtClean="0"/>
-              <a:t>closure</a:t>
-            </a:r>
-            <a:r>
-              <a:rPr lang="fr-FR" dirty="0" smtClean="0"/>
-              <a:t>.</a:t>
-            </a:r>
+            <a:pPr lvl="1"/>
+            <a:endParaRPr lang="fr-FR" dirty="0" smtClean="0"/>
+          </a:p>
+          <a:p>
+            <a:pPr lvl="1"/>
+            <a:endParaRPr lang="fr-FR" dirty="0" smtClean="0"/>
+          </a:p>
+          <a:p>
+            <a:pPr lvl="1"/>
+            <a:endParaRPr lang="fr-FR" dirty="0" smtClean="0"/>
+          </a:p>
+          <a:p>
+            <a:pPr lvl="1"/>
+            <a:endParaRPr lang="fr-FR" dirty="0" smtClean="0"/>
+          </a:p>
+          <a:p>
+            <a:pPr lvl="1"/>
+            <a:endParaRPr lang="fr-FR" dirty="0" smtClean="0"/>
+          </a:p>
+          <a:p>
+            <a:pPr lvl="1"/>
+            <a:endParaRPr lang="fr-FR" dirty="0" smtClean="0"/>
+          </a:p>
+          <a:p>
+            <a:pPr lvl="1"/>
+            <a:endParaRPr lang="fr-FR" dirty="0" smtClean="0"/>
+          </a:p>
+          <a:p>
+            <a:pPr lvl="1"/>
+            <a:endParaRPr lang="fr-FR" dirty="0" smtClean="0"/>
+          </a:p>
+          <a:p>
+            <a:pPr lvl="1"/>
             <a:endParaRPr lang="fr-FR" dirty="0"/>
           </a:p>
         </p:txBody>
       </p:sp>
       <p:pic>
         <p:nvPicPr>
-          <p:cNvPr id="16386" name="Picture 2"/>
+          <p:cNvPr id="15362" name="Picture 2"/>
           <p:cNvPicPr>
             <a:picLocks noChangeAspect="1" noChangeArrowheads="1"/>
           </p:cNvPicPr>
@@ -19728,8 +19794,8 @@
         </p:blipFill>
         <p:spPr bwMode="auto">
           <a:xfrm>
-            <a:off x="990959" y="1635646"/>
-            <a:ext cx="6864350" cy="1957388"/>
+            <a:off x="755576" y="1687747"/>
+            <a:ext cx="7704856" cy="2396171"/>
           </a:xfrm>
           <a:prstGeom prst="rect">
             <a:avLst/>
@@ -19785,7 +19851,7 @@
     </p:spTree>
     <p:extLst>
       <p:ext uri="{BB962C8B-B14F-4D97-AF65-F5344CB8AC3E}">
-        <p14:creationId xmlns:p14="http://schemas.microsoft.com/office/powerpoint/2010/main" val="2772717686"/>
+        <p14:creationId xmlns:p14="http://schemas.microsoft.com/office/powerpoint/2010/main" val="184326546"/>
       </p:ext>
     </p:extLst>
   </p:cSld>
@@ -19841,7 +19907,7 @@
           <a:p>
             <a:r>
               <a:rPr lang="fr-FR" dirty="0" smtClean="0"/>
-              <a:t>Tern Java - Comment ca marche?</a:t>
+              <a:t>TERN IDE &amp; Closure Library</a:t>
             </a:r>
             <a:endParaRPr lang="fr-FR" dirty="0"/>
           </a:p>
@@ -19864,7 +19930,15 @@
           <a:p>
             <a:r>
               <a:rPr lang="fr-FR" dirty="0" smtClean="0"/>
-              <a:t>Communication entre la complétion Eclipse et tern  :</a:t>
+              <a:t>Après avoir sélectionné le module </a:t>
+            </a:r>
+            <a:r>
+              <a:rPr lang="fr-FR" dirty="0" err="1" smtClean="0"/>
+              <a:t>closure</a:t>
+            </a:r>
+            <a:r>
+              <a:rPr lang="fr-FR" dirty="0" smtClean="0"/>
+              <a:t>, on bénéficie de la complétion sur ce framework: : </a:t>
             </a:r>
           </a:p>
           <a:p>
@@ -19873,13 +19947,76 @@
           </a:p>
           <a:p>
             <a:pPr lvl="1"/>
+            <a:endParaRPr lang="fr-FR" dirty="0" smtClean="0"/>
+          </a:p>
+          <a:p>
+            <a:pPr lvl="1"/>
+            <a:endParaRPr lang="fr-FR" dirty="0" smtClean="0"/>
+          </a:p>
+          <a:p>
+            <a:pPr lvl="1"/>
+            <a:endParaRPr lang="fr-FR" dirty="0" smtClean="0"/>
+          </a:p>
+          <a:p>
+            <a:pPr lvl="1"/>
+            <a:endParaRPr lang="fr-FR" dirty="0" smtClean="0"/>
+          </a:p>
+          <a:p>
+            <a:pPr lvl="1"/>
+            <a:endParaRPr lang="fr-FR" dirty="0" smtClean="0"/>
+          </a:p>
+          <a:p>
+            <a:pPr lvl="1"/>
+            <a:endParaRPr lang="fr-FR" dirty="0" smtClean="0"/>
+          </a:p>
+          <a:p>
+            <a:pPr lvl="1"/>
+            <a:endParaRPr lang="fr-FR" dirty="0" smtClean="0"/>
+          </a:p>
+          <a:p>
+            <a:pPr>
+              <a:buFont typeface="Century Gothic" panose="020B0502020202020204" pitchFamily="34" charset="0"/>
+              <a:buChar char="►"/>
+            </a:pPr>
+            <a:r>
+              <a:rPr lang="fr-FR" dirty="0" err="1" smtClean="0"/>
+              <a:t>closure</a:t>
+            </a:r>
+            <a:r>
+              <a:rPr lang="fr-FR" dirty="0" smtClean="0"/>
+              <a:t> est un plugin tern. Il se base sur les sources de </a:t>
+            </a:r>
+            <a:r>
+              <a:rPr lang="fr-FR" dirty="0" err="1" smtClean="0"/>
+              <a:t>closure</a:t>
+            </a:r>
+            <a:r>
+              <a:rPr lang="fr-FR" dirty="0" smtClean="0"/>
+              <a:t>. Le </a:t>
+            </a:r>
+            <a:r>
+              <a:rPr lang="fr-FR" dirty="0" err="1" smtClean="0"/>
+              <a:t>hyperlink</a:t>
+            </a:r>
+            <a:r>
+              <a:rPr lang="fr-FR" dirty="0" smtClean="0"/>
+              <a:t> permet d’ouvrir les sources de </a:t>
+            </a:r>
+            <a:r>
+              <a:rPr lang="fr-FR" dirty="0" err="1" smtClean="0"/>
+              <a:t>closure</a:t>
+            </a:r>
+            <a:r>
+              <a:rPr lang="fr-FR" dirty="0" smtClean="0"/>
+              <a:t>.</a:t>
+            </a:r>
             <a:endParaRPr lang="fr-FR" dirty="0"/>
           </a:p>
         </p:txBody>
       </p:sp>
       <p:pic>
         <p:nvPicPr>
-          <p:cNvPr id="12290" name="Picture 2"/>
+          <p:cNvPr id="16386" name="Picture 2"/>
           <p:cNvPicPr>
             <a:picLocks noChangeAspect="1" noChangeArrowheads="1"/>
           </p:cNvPicPr>
@@ -19900,8 +20037,8 @@
         </p:blipFill>
         <p:spPr bwMode="auto">
           <a:xfrm>
-            <a:off x="1162050" y="1545636"/>
-            <a:ext cx="6819900" cy="2386013"/>
+            <a:off x="990959" y="1635646"/>
+            <a:ext cx="6864350" cy="1957388"/>
           </a:xfrm>
           <a:prstGeom prst="rect">
             <a:avLst/>
@@ -19957,7 +20094,7 @@
     </p:spTree>
     <p:extLst>
       <p:ext uri="{BB962C8B-B14F-4D97-AF65-F5344CB8AC3E}">
-        <p14:creationId xmlns:p14="http://schemas.microsoft.com/office/powerpoint/2010/main" val="298686341"/>
+        <p14:creationId xmlns:p14="http://schemas.microsoft.com/office/powerpoint/2010/main" val="2772717686"/>
       </p:ext>
     </p:extLst>
   </p:cSld>
@@ -20036,89 +20173,12 @@
           <a:p>
             <a:r>
               <a:rPr lang="fr-FR" dirty="0" smtClean="0"/>
-              <a:t>serveur tern lancé : tern.js est exécuté dans Eclipse IDE via Node.js</a:t>
-            </a:r>
-          </a:p>
-          <a:p>
-            <a:r>
-              <a:rPr lang="fr-FR" dirty="0" smtClean="0"/>
-              <a:t>Ici le server tern charge les JSON Type </a:t>
-            </a:r>
-            <a:r>
-              <a:rPr lang="fr-FR" dirty="0" err="1" smtClean="0"/>
-              <a:t>Definitions</a:t>
-            </a:r>
-            <a:r>
-              <a:rPr lang="fr-FR" dirty="0" smtClean="0"/>
-              <a:t> emacs5, browser et </a:t>
-            </a:r>
-            <a:r>
-              <a:rPr lang="fr-FR" dirty="0" err="1" smtClean="0"/>
-              <a:t>jquery</a:t>
-            </a:r>
+              <a:t>Communication entre la complétion Eclipse et tern  :</a:t>
+            </a:r>
+          </a:p>
+          <a:p>
+            <a:pPr lvl="1"/>
             <a:endParaRPr lang="fr-FR" dirty="0" smtClean="0"/>
-          </a:p>
-          <a:p>
-            <a:r>
-              <a:rPr lang="fr-FR" dirty="0" smtClean="0"/>
-              <a:t>communication entre la complétion Eclipse et le serveur tern s’effectue via JSON : </a:t>
-            </a:r>
-          </a:p>
-          <a:p>
-            <a:pPr lvl="1"/>
-            <a:r>
-              <a:rPr lang="fr-FR" dirty="0" smtClean="0"/>
-              <a:t>2 requêtes JSON:</a:t>
-            </a:r>
-          </a:p>
-          <a:p>
-            <a:pPr lvl="2"/>
-            <a:r>
-              <a:rPr lang="fr-FR" dirty="0" smtClean="0"/>
-              <a:t>requête files: envoie le contenu de l’éditeur et d’autres fichiers (si besoin)</a:t>
-            </a:r>
-          </a:p>
-          <a:p>
-            <a:pPr lvl="2"/>
-            <a:r>
-              <a:rPr lang="fr-FR" dirty="0" smtClean="0"/>
-              <a:t>Requête complétion:  envoie une requête de type complétion :</a:t>
-            </a:r>
-          </a:p>
-          <a:p>
-            <a:pPr lvl="3"/>
-            <a:r>
-              <a:rPr lang="fr-FR" dirty="0" smtClean="0"/>
-              <a:t>type: complétion</a:t>
-            </a:r>
-          </a:p>
-          <a:p>
-            <a:pPr lvl="3"/>
-            <a:r>
-              <a:rPr lang="fr-FR" dirty="0" smtClean="0"/>
-              <a:t>file: nom du fichier</a:t>
-            </a:r>
-          </a:p>
-          <a:p>
-            <a:pPr lvl="3"/>
-            <a:r>
-              <a:rPr lang="fr-FR" dirty="0" smtClean="0"/>
-              <a:t>end: offset ou la complétion est lancée.</a:t>
-            </a:r>
-          </a:p>
-          <a:p>
-            <a:pPr lvl="1"/>
-            <a:r>
-              <a:rPr lang="fr-FR" dirty="0" smtClean="0"/>
-              <a:t>Une réponse JSON:</a:t>
-            </a:r>
-          </a:p>
-          <a:p>
-            <a:pPr lvl="2"/>
-            <a:r>
-              <a:rPr lang="fr-FR" dirty="0" smtClean="0"/>
-              <a:t>complétions : tableau avec le résultat de la complétion.</a:t>
-            </a:r>
           </a:p>
           <a:p>
             <a:pPr lvl="1"/>
@@ -20126,6 +20186,60 @@
           </a:p>
         </p:txBody>
       </p:sp>
+      <p:pic>
+        <p:nvPicPr>
+          <p:cNvPr id="12290" name="Picture 2"/>
+          <p:cNvPicPr>
+            <a:picLocks noChangeAspect="1" noChangeArrowheads="1"/>
+          </p:cNvPicPr>
+          <p:nvPr/>
+        </p:nvPicPr>
+        <p:blipFill>
+          <a:blip r:embed="rId2">
+            <a:extLst>
+              <a:ext uri="{28A0092B-C50C-407E-A947-70E740481C1C}">
+                <a14:useLocalDpi xmlns:a14="http://schemas.microsoft.com/office/drawing/2010/main" val="0"/>
+              </a:ext>
+            </a:extLst>
+          </a:blip>
+          <a:srcRect/>
+          <a:stretch>
+            <a:fillRect/>
+          </a:stretch>
+        </p:blipFill>
+        <p:spPr bwMode="auto">
+          <a:xfrm>
+            <a:off x="1162050" y="1545636"/>
+            <a:ext cx="6819900" cy="2386013"/>
+          </a:xfrm>
+          <a:prstGeom prst="rect">
+            <a:avLst/>
+          </a:prstGeom>
+          <a:noFill/>
+          <a:ln>
+            <a:noFill/>
+          </a:ln>
+          <a:extLst>
+            <a:ext uri="{909E8E84-426E-40DD-AFC4-6F175D3DCCD1}">
+              <a14:hiddenFill xmlns:a14="http://schemas.microsoft.com/office/drawing/2010/main">
+                <a:solidFill>
+                  <a:schemeClr val="accent1"/>
+                </a:solidFill>
+              </a14:hiddenFill>
+            </a:ext>
+            <a:ext uri="{91240B29-F687-4F45-9708-019B960494DF}">
+              <a14:hiddenLine xmlns:a14="http://schemas.microsoft.com/office/drawing/2010/main" w="9525">
+                <a:solidFill>
+                  <a:schemeClr val="tx1"/>
+                </a:solidFill>
+                <a:miter lim="800000"/>
+                <a:headEnd/>
+                <a:tailEnd/>
+              </a14:hiddenLine>
+            </a:ext>
+          </a:extLst>
+        </p:spPr>
+      </p:pic>
       <p:sp>
         <p:nvSpPr>
           <p:cNvPr id="6" name="Espace réservé du numéro de diapositive 5"/>
@@ -20144,6 +20258,196 @@
             <a:fld id="{31983D30-6903-4279-B3B7-192429037A18}" type="slidenum">
               <a:rPr lang="fr-FR" smtClean="0"/>
               <a:t>26</a:t>
+            </a:fld>
+            <a:endParaRPr lang="fr-FR"/>
+          </a:p>
+        </p:txBody>
+      </p:sp>
+    </p:spTree>
+    <p:extLst>
+      <p:ext uri="{BB962C8B-B14F-4D97-AF65-F5344CB8AC3E}">
+        <p14:creationId xmlns:p14="http://schemas.microsoft.com/office/powerpoint/2010/main" val="298686341"/>
+      </p:ext>
+    </p:extLst>
+  </p:cSld>
+  <p:clrMapOvr>
+    <a:masterClrMapping/>
+  </p:clrMapOvr>
+  <mc:AlternateContent xmlns:mc="http://schemas.openxmlformats.org/markup-compatibility/2006" xmlns:p14="http://schemas.microsoft.com/office/powerpoint/2010/main">
+    <mc:Choice Requires="p14">
+      <p:transition spd="med" p14:dur="700">
+        <p:fade/>
+      </p:transition>
+    </mc:Choice>
+    <mc:Fallback xmlns="">
+      <p:transition spd="med">
+        <p:fade/>
+      </p:transition>
+    </mc:Fallback>
+  </mc:AlternateContent>
+</p:sld>
+</file>
+
+<file path=ppt/slides/slide27.xml><?xml version="1.0" encoding="utf-8"?>
+<p:sld xmlns:a="http://schemas.openxmlformats.org/drawingml/2006/main" xmlns:r="http://schemas.openxmlformats.org/officeDocument/2006/relationships" xmlns:p="http://schemas.openxmlformats.org/presentationml/2006/main">
+  <p:cSld>
+    <p:spTree>
+      <p:nvGrpSpPr>
+        <p:cNvPr id="1" name=""/>
+        <p:cNvGrpSpPr/>
+        <p:nvPr/>
+      </p:nvGrpSpPr>
+      <p:grpSpPr>
+        <a:xfrm>
+          <a:off x="0" y="0"/>
+          <a:ext cx="0" cy="0"/>
+          <a:chOff x="0" y="0"/>
+          <a:chExt cx="0" cy="0"/>
+        </a:xfrm>
+      </p:grpSpPr>
+      <p:sp>
+        <p:nvSpPr>
+          <p:cNvPr id="2" name="Titre 1"/>
+          <p:cNvSpPr>
+            <a:spLocks noGrp="1"/>
+          </p:cNvSpPr>
+          <p:nvPr>
+            <p:ph type="title"/>
+          </p:nvPr>
+        </p:nvSpPr>
+        <p:spPr/>
+        <p:txBody>
+          <a:bodyPr/>
+          <a:lstStyle/>
+          <a:p>
+            <a:r>
+              <a:rPr lang="fr-FR" dirty="0" smtClean="0"/>
+              <a:t>Tern Java - Comment ca marche?</a:t>
+            </a:r>
+            <a:endParaRPr lang="fr-FR" dirty="0"/>
+          </a:p>
+        </p:txBody>
+      </p:sp>
+      <p:sp>
+        <p:nvSpPr>
+          <p:cNvPr id="3" name="Espace réservé du contenu 2"/>
+          <p:cNvSpPr>
+            <a:spLocks noGrp="1"/>
+          </p:cNvSpPr>
+          <p:nvPr>
+            <p:ph sz="half" idx="2"/>
+          </p:nvPr>
+        </p:nvSpPr>
+        <p:spPr/>
+        <p:txBody>
+          <a:bodyPr/>
+          <a:lstStyle/>
+          <a:p>
+            <a:r>
+              <a:rPr lang="fr-FR" dirty="0" smtClean="0"/>
+              <a:t>serveur tern lancé : tern.js est exécuté dans Eclipse IDE via Node.js</a:t>
+            </a:r>
+          </a:p>
+          <a:p>
+            <a:r>
+              <a:rPr lang="fr-FR" dirty="0" smtClean="0"/>
+              <a:t>Ici le server tern charge les JSON Type </a:t>
+            </a:r>
+            <a:r>
+              <a:rPr lang="fr-FR" dirty="0" err="1" smtClean="0"/>
+              <a:t>Definitions</a:t>
+            </a:r>
+            <a:r>
+              <a:rPr lang="fr-FR" dirty="0" smtClean="0"/>
+              <a:t> emacs5, browser et jquery</a:t>
+            </a:r>
+          </a:p>
+          <a:p>
+            <a:r>
+              <a:rPr lang="fr-FR" dirty="0" smtClean="0"/>
+              <a:t>communication entre la complétion Eclipse et le serveur tern s’effectue via JSON : </a:t>
+            </a:r>
+          </a:p>
+          <a:p>
+            <a:pPr lvl="1"/>
+            <a:r>
+              <a:rPr lang="fr-FR" dirty="0" smtClean="0"/>
+              <a:t>2 requêtes JSON:</a:t>
+            </a:r>
+          </a:p>
+          <a:p>
+            <a:pPr lvl="2"/>
+            <a:r>
+              <a:rPr lang="fr-FR" dirty="0" smtClean="0"/>
+              <a:t>requête files: envoie le contenu de l’éditeur et d’autres fichiers (si besoin)</a:t>
+            </a:r>
+          </a:p>
+          <a:p>
+            <a:pPr lvl="2"/>
+            <a:r>
+              <a:rPr lang="fr-FR" dirty="0" smtClean="0"/>
+              <a:t>Requête complétion:  envoie une requête de type complétion :</a:t>
+            </a:r>
+          </a:p>
+          <a:p>
+            <a:pPr lvl="3"/>
+            <a:r>
+              <a:rPr lang="fr-FR" dirty="0" smtClean="0"/>
+              <a:t>type: complétion</a:t>
+            </a:r>
+          </a:p>
+          <a:p>
+            <a:pPr lvl="3"/>
+            <a:r>
+              <a:rPr lang="fr-FR" dirty="0" smtClean="0"/>
+              <a:t>file: nom du fichier</a:t>
+            </a:r>
+          </a:p>
+          <a:p>
+            <a:pPr lvl="3"/>
+            <a:r>
+              <a:rPr lang="fr-FR" dirty="0" smtClean="0"/>
+              <a:t>end: offset ou la complétion est lancée.</a:t>
+            </a:r>
+          </a:p>
+          <a:p>
+            <a:pPr lvl="1"/>
+            <a:r>
+              <a:rPr lang="fr-FR" dirty="0" smtClean="0"/>
+              <a:t>Une réponse JSON:</a:t>
+            </a:r>
+          </a:p>
+          <a:p>
+            <a:pPr lvl="2"/>
+            <a:r>
+              <a:rPr lang="fr-FR" dirty="0" smtClean="0"/>
+              <a:t>complétions : tableau avec le résultat de la complétion.</a:t>
+            </a:r>
+          </a:p>
+          <a:p>
+            <a:pPr lvl="1"/>
+            <a:endParaRPr lang="fr-FR" dirty="0"/>
+          </a:p>
+        </p:txBody>
+      </p:sp>
+      <p:sp>
+        <p:nvSpPr>
+          <p:cNvPr id="6" name="Espace réservé du numéro de diapositive 5"/>
+          <p:cNvSpPr>
+            <a:spLocks noGrp="1"/>
+          </p:cNvSpPr>
+          <p:nvPr>
+            <p:ph type="sldNum" sz="quarter" idx="12"/>
+          </p:nvPr>
+        </p:nvSpPr>
+        <p:spPr/>
+        <p:txBody>
+          <a:bodyPr/>
+          <a:lstStyle/>
+          <a:p>
+            <a:fld id="{31983D30-6903-4279-B3B7-192429037A18}" type="slidenum">
+              <a:rPr lang="fr-FR" smtClean="0"/>
+              <a:t>27</a:t>
             </a:fld>
             <a:endParaRPr lang="fr-FR"/>
           </a:p>
@@ -20174,7 +20478,7 @@
 </p:sld>
 </file>
 
-<file path=ppt/slides/slide27.xml><?xml version="1.0" encoding="utf-8"?>
+<file path=ppt/slides/slide28.xml><?xml version="1.0" encoding="utf-8"?>
 <p:sld xmlns:a="http://schemas.openxmlformats.org/drawingml/2006/main" xmlns:r="http://schemas.openxmlformats.org/officeDocument/2006/relationships" xmlns:p="http://schemas.openxmlformats.org/presentationml/2006/main">
   <p:cSld>
     <p:spTree>
@@ -20391,7 +20695,7 @@
           <a:p>
             <a:fld id="{31983D30-6903-4279-B3B7-192429037A18}" type="slidenum">
               <a:rPr lang="fr-FR" smtClean="0"/>
-              <a:t>27</a:t>
+              <a:t>28</a:t>
             </a:fld>
             <a:endParaRPr lang="fr-FR"/>
           </a:p>
@@ -20401,231 +20705,6 @@
     <p:extLst>
       <p:ext uri="{BB962C8B-B14F-4D97-AF65-F5344CB8AC3E}">
         <p14:creationId xmlns:p14="http://schemas.microsoft.com/office/powerpoint/2010/main" val="1581530251"/>
-      </p:ext>
-    </p:extLst>
-  </p:cSld>
-  <p:clrMapOvr>
-    <a:masterClrMapping/>
-  </p:clrMapOvr>
-  <mc:AlternateContent xmlns:mc="http://schemas.openxmlformats.org/markup-compatibility/2006" xmlns:p14="http://schemas.microsoft.com/office/powerpoint/2010/main">
-    <mc:Choice Requires="p14">
-      <p:transition spd="med" p14:dur="700">
-        <p:fade/>
-      </p:transition>
-    </mc:Choice>
-    <mc:Fallback xmlns="">
-      <p:transition spd="med">
-        <p:fade/>
-      </p:transition>
-    </mc:Fallback>
-  </mc:AlternateContent>
-</p:sld>
-</file>
-
-<file path=ppt/slides/slide28.xml><?xml version="1.0" encoding="utf-8"?>
-<p:sld xmlns:a="http://schemas.openxmlformats.org/drawingml/2006/main" xmlns:r="http://schemas.openxmlformats.org/officeDocument/2006/relationships" xmlns:p="http://schemas.openxmlformats.org/presentationml/2006/main">
-  <p:cSld>
-    <p:spTree>
-      <p:nvGrpSpPr>
-        <p:cNvPr id="1" name=""/>
-        <p:cNvGrpSpPr/>
-        <p:nvPr/>
-      </p:nvGrpSpPr>
-      <p:grpSpPr>
-        <a:xfrm>
-          <a:off x="0" y="0"/>
-          <a:ext cx="0" cy="0"/>
-          <a:chOff x="0" y="0"/>
-          <a:chExt cx="0" cy="0"/>
-        </a:xfrm>
-      </p:grpSpPr>
-      <p:sp>
-        <p:nvSpPr>
-          <p:cNvPr id="2" name="Titre 1"/>
-          <p:cNvSpPr>
-            <a:spLocks noGrp="1"/>
-          </p:cNvSpPr>
-          <p:nvPr>
-            <p:ph type="title"/>
-          </p:nvPr>
-        </p:nvSpPr>
-        <p:spPr/>
-        <p:txBody>
-          <a:bodyPr/>
-          <a:lstStyle/>
-          <a:p>
-            <a:r>
-              <a:rPr lang="fr-FR" dirty="0" smtClean="0"/>
-              <a:t>Implémentation Serveur tern</a:t>
-            </a:r>
-            <a:endParaRPr lang="fr-FR" dirty="0"/>
-          </a:p>
-        </p:txBody>
-      </p:sp>
-      <p:sp>
-        <p:nvSpPr>
-          <p:cNvPr id="3" name="Espace réservé du contenu 2"/>
-          <p:cNvSpPr>
-            <a:spLocks noGrp="1"/>
-          </p:cNvSpPr>
-          <p:nvPr>
-            <p:ph sz="half" idx="1"/>
-          </p:nvPr>
-        </p:nvSpPr>
-        <p:spPr/>
-        <p:txBody>
-          <a:bodyPr/>
-          <a:lstStyle/>
-          <a:p>
-            <a:r>
-              <a:rPr lang="fr-FR" dirty="0" smtClean="0"/>
-              <a:t>tern.js écrits en JavaScript doit être exécuté dans un contexte Java, pour cela plusieurs solutions :</a:t>
-            </a:r>
-          </a:p>
-          <a:p>
-            <a:pPr lvl="1"/>
-            <a:r>
-              <a:rPr lang="fr-FR" dirty="0" smtClean="0"/>
-              <a:t>Rhino, </a:t>
-            </a:r>
-          </a:p>
-          <a:p>
-            <a:pPr lvl="1"/>
-            <a:r>
-              <a:rPr lang="fr-FR" dirty="0" smtClean="0"/>
-              <a:t>Node.js (client serveur), </a:t>
-            </a:r>
-          </a:p>
-          <a:p>
-            <a:pPr lvl="1"/>
-            <a:r>
-              <a:rPr lang="fr-FR" dirty="0" err="1" smtClean="0"/>
-              <a:t>Nashhorm</a:t>
-            </a:r>
-            <a:r>
-              <a:rPr lang="fr-FR" dirty="0" smtClean="0"/>
-              <a:t>, </a:t>
-            </a:r>
-          </a:p>
-          <a:p>
-            <a:pPr lvl="1"/>
-            <a:r>
-              <a:rPr lang="fr-FR" dirty="0" err="1" smtClean="0"/>
-              <a:t>Vertx</a:t>
-            </a:r>
-            <a:endParaRPr lang="fr-FR" dirty="0" smtClean="0"/>
-          </a:p>
-          <a:p>
-            <a:pPr lvl="1"/>
-            <a:r>
-              <a:rPr lang="fr-FR" dirty="0" smtClean="0"/>
-              <a:t>Chrome, </a:t>
-            </a:r>
-            <a:r>
-              <a:rPr lang="fr-FR" dirty="0" err="1" smtClean="0"/>
-              <a:t>etc</a:t>
-            </a:r>
-            <a:endParaRPr lang="fr-FR" dirty="0" smtClean="0"/>
-          </a:p>
-        </p:txBody>
-      </p:sp>
-      <p:sp>
-        <p:nvSpPr>
-          <p:cNvPr id="4" name="Espace réservé du contenu 3"/>
-          <p:cNvSpPr>
-            <a:spLocks noGrp="1"/>
-          </p:cNvSpPr>
-          <p:nvPr>
-            <p:ph sz="half" idx="2"/>
-          </p:nvPr>
-        </p:nvSpPr>
-        <p:spPr/>
-        <p:txBody>
-          <a:bodyPr/>
-          <a:lstStyle/>
-          <a:p>
-            <a:r>
-              <a:rPr lang="fr-FR" dirty="0" smtClean="0"/>
-              <a:t>Il existe actuellement 2 implémentations du serveur tern en Java : </a:t>
-            </a:r>
-          </a:p>
-          <a:p>
-            <a:pPr lvl="1"/>
-            <a:r>
-              <a:rPr lang="fr-FR" dirty="0" smtClean="0"/>
-              <a:t>Rhino</a:t>
-            </a:r>
-          </a:p>
-          <a:p>
-            <a:pPr lvl="1"/>
-            <a:r>
-              <a:rPr lang="fr-FR" dirty="0" smtClean="0"/>
-              <a:t>Node.js</a:t>
-            </a:r>
-          </a:p>
-          <a:p>
-            <a:r>
-              <a:rPr lang="fr-FR" dirty="0" smtClean="0"/>
-              <a:t>Tern IDE utilise Node.js car :</a:t>
-            </a:r>
-          </a:p>
-          <a:p>
-            <a:pPr lvl="1"/>
-            <a:r>
-              <a:rPr lang="fr-FR" dirty="0" smtClean="0"/>
-              <a:t>très performant.</a:t>
-            </a:r>
-          </a:p>
-          <a:p>
-            <a:pPr lvl="1"/>
-            <a:r>
-              <a:rPr lang="fr-FR" dirty="0" smtClean="0"/>
-              <a:t>Tern.js est très gourmand en mémoire, Rhino ne supporte pas cette contrainte.</a:t>
-            </a:r>
-          </a:p>
-          <a:p>
-            <a:r>
-              <a:rPr lang="fr-FR" dirty="0" smtClean="0"/>
-              <a:t>A tester avec </a:t>
-            </a:r>
-            <a:r>
-              <a:rPr lang="fr-FR" dirty="0" err="1" smtClean="0"/>
-              <a:t>Nashhorm</a:t>
-            </a:r>
-            <a:endParaRPr lang="fr-FR" dirty="0" smtClean="0"/>
-          </a:p>
-          <a:p>
-            <a:endParaRPr lang="fr-FR" dirty="0"/>
-          </a:p>
-        </p:txBody>
-      </p:sp>
-      <p:sp>
-        <p:nvSpPr>
-          <p:cNvPr id="8" name="Espace réservé du numéro de diapositive 7"/>
-          <p:cNvSpPr>
-            <a:spLocks noGrp="1"/>
-          </p:cNvSpPr>
-          <p:nvPr>
-            <p:ph type="sldNum" sz="quarter" idx="12"/>
-          </p:nvPr>
-        </p:nvSpPr>
-        <p:spPr/>
-        <p:txBody>
-          <a:bodyPr/>
-          <a:lstStyle/>
-          <a:p>
-            <a:fld id="{31983D30-6903-4279-B3B7-192429037A18}" type="slidenum">
-              <a:rPr lang="fr-FR" smtClean="0"/>
-              <a:t>28</a:t>
-            </a:fld>
-            <a:endParaRPr lang="fr-FR"/>
-          </a:p>
-        </p:txBody>
-      </p:sp>
-    </p:spTree>
-    <p:extLst>
-      <p:ext uri="{BB962C8B-B14F-4D97-AF65-F5344CB8AC3E}">
-        <p14:creationId xmlns:p14="http://schemas.microsoft.com/office/powerpoint/2010/main" val="1670052877"/>
       </p:ext>
     </p:extLst>
   </p:cSld>
@@ -20676,14 +20755,12 @@
         </p:nvSpPr>
         <p:spPr/>
         <p:txBody>
-          <a:bodyPr>
-            <a:normAutofit/>
-          </a:bodyPr>
+          <a:bodyPr/>
           <a:lstStyle/>
           <a:p>
             <a:r>
               <a:rPr lang="fr-FR" dirty="0" smtClean="0"/>
-              <a:t>Serveur Tern– Node.js</a:t>
+              <a:t>Implémentation Serveur tern</a:t>
             </a:r>
             <a:endParaRPr lang="fr-FR" dirty="0"/>
           </a:p>
@@ -20696,89 +20773,134 @@
             <a:spLocks noGrp="1"/>
           </p:cNvSpPr>
           <p:nvPr>
+            <p:ph sz="half" idx="1"/>
+          </p:nvPr>
+        </p:nvSpPr>
+        <p:spPr/>
+        <p:txBody>
+          <a:bodyPr/>
+          <a:lstStyle/>
+          <a:p>
+            <a:r>
+              <a:rPr lang="fr-FR" dirty="0" smtClean="0"/>
+              <a:t>tern.js écrits en JavaScript doit être exécuté dans un contexte Java, pour cela plusieurs solutions :</a:t>
+            </a:r>
+          </a:p>
+          <a:p>
+            <a:pPr lvl="1"/>
+            <a:r>
+              <a:rPr lang="fr-FR" dirty="0" smtClean="0"/>
+              <a:t>Rhino, </a:t>
+            </a:r>
+          </a:p>
+          <a:p>
+            <a:pPr lvl="1"/>
+            <a:r>
+              <a:rPr lang="fr-FR" dirty="0" smtClean="0"/>
+              <a:t>Node.js (client serveur), </a:t>
+            </a:r>
+          </a:p>
+          <a:p>
+            <a:pPr lvl="1"/>
+            <a:r>
+              <a:rPr lang="fr-FR" dirty="0" err="1" smtClean="0"/>
+              <a:t>Nashhorm</a:t>
+            </a:r>
+            <a:r>
+              <a:rPr lang="fr-FR" dirty="0" smtClean="0"/>
+              <a:t>, </a:t>
+            </a:r>
+          </a:p>
+          <a:p>
+            <a:pPr lvl="1"/>
+            <a:r>
+              <a:rPr lang="fr-FR" dirty="0" err="1" smtClean="0"/>
+              <a:t>Vertx</a:t>
+            </a:r>
+            <a:endParaRPr lang="fr-FR" dirty="0" smtClean="0"/>
+          </a:p>
+          <a:p>
+            <a:pPr lvl="1"/>
+            <a:r>
+              <a:rPr lang="fr-FR" dirty="0" smtClean="0"/>
+              <a:t>Chrome, etc</a:t>
+            </a:r>
+          </a:p>
+        </p:txBody>
+      </p:sp>
+      <p:sp>
+        <p:nvSpPr>
+          <p:cNvPr id="4" name="Espace réservé du contenu 3"/>
+          <p:cNvSpPr>
+            <a:spLocks noGrp="1"/>
+          </p:cNvSpPr>
+          <p:nvPr>
             <p:ph sz="half" idx="2"/>
           </p:nvPr>
         </p:nvSpPr>
         <p:spPr/>
         <p:txBody>
-          <a:bodyPr>
-            <a:normAutofit/>
-          </a:bodyPr>
+          <a:bodyPr/>
           <a:lstStyle/>
           <a:p>
-            <a:pPr marL="342900" lvl="1" indent="-342900"/>
-            <a:r>
-              <a:rPr lang="fr-FR" dirty="0" smtClean="0"/>
-              <a:t>Node.js TODO explication</a:t>
-            </a:r>
-          </a:p>
-          <a:p>
-            <a:pPr marL="342900" lvl="1" indent="-342900"/>
+            <a:r>
+              <a:rPr lang="fr-FR" dirty="0" smtClean="0"/>
+              <a:t>Il existe actuellement 2 implémentations du serveur tern en Java : </a:t>
+            </a:r>
+          </a:p>
+          <a:p>
+            <a:pPr lvl="1"/>
+            <a:r>
+              <a:rPr lang="fr-FR" dirty="0" smtClean="0"/>
+              <a:t>Rhino</a:t>
+            </a:r>
+          </a:p>
+          <a:p>
+            <a:pPr lvl="1"/>
+            <a:r>
+              <a:rPr lang="fr-FR" dirty="0" smtClean="0"/>
+              <a:t>Node.js</a:t>
+            </a:r>
+          </a:p>
+          <a:p>
+            <a:r>
+              <a:rPr lang="fr-FR" dirty="0" smtClean="0"/>
+              <a:t>Tern IDE utilise Node.js car :</a:t>
+            </a:r>
+          </a:p>
+          <a:p>
+            <a:pPr lvl="1"/>
+            <a:r>
+              <a:rPr lang="fr-FR" dirty="0" smtClean="0"/>
+              <a:t>très performant.</a:t>
+            </a:r>
+          </a:p>
+          <a:p>
+            <a:pPr lvl="1"/>
+            <a:r>
+              <a:rPr lang="fr-FR" dirty="0" smtClean="0"/>
+              <a:t>Tern.js est très gourmand en mémoire, Rhino ne supporte pas cette contrainte.</a:t>
+            </a:r>
+          </a:p>
+          <a:p>
+            <a:r>
+              <a:rPr lang="fr-FR" dirty="0" smtClean="0"/>
+              <a:t>A tester avec </a:t>
+            </a:r>
+            <a:r>
+              <a:rPr lang="fr-FR" dirty="0" err="1" smtClean="0"/>
+              <a:t>Nashhorm</a:t>
+            </a:r>
             <a:endParaRPr lang="fr-FR" dirty="0" smtClean="0"/>
           </a:p>
           <a:p>
-            <a:pPr marL="342900" lvl="1" indent="-342900"/>
-            <a:endParaRPr lang="fr-FR" dirty="0" smtClean="0"/>
-          </a:p>
-        </p:txBody>
-      </p:sp>
-      <p:pic>
-        <p:nvPicPr>
-          <p:cNvPr id="13315" name="Picture 3"/>
-          <p:cNvPicPr>
-            <a:picLocks noChangeAspect="1" noChangeArrowheads="1"/>
-          </p:cNvPicPr>
-          <p:nvPr/>
-        </p:nvPicPr>
-        <p:blipFill>
-          <a:blip r:embed="rId2">
-            <a:extLst>
-              <a:ext uri="{28A0092B-C50C-407E-A947-70E740481C1C}">
-                <a14:useLocalDpi xmlns:a14="http://schemas.microsoft.com/office/drawing/2010/main" val="0"/>
-              </a:ext>
-            </a:extLst>
-          </a:blip>
-          <a:srcRect/>
-          <a:stretch>
-            <a:fillRect/>
-          </a:stretch>
-        </p:blipFill>
-        <p:spPr bwMode="auto">
-          <a:xfrm>
-            <a:off x="1147764" y="1491630"/>
-            <a:ext cx="6848475" cy="2786063"/>
-          </a:xfrm>
-          <a:prstGeom prst="rect">
-            <a:avLst/>
-          </a:prstGeom>
-          <a:noFill/>
-          <a:ln>
-            <a:noFill/>
-          </a:ln>
-          <a:extLst>
-            <a:ext uri="{909E8E84-426E-40DD-AFC4-6F175D3DCCD1}">
-              <a14:hiddenFill xmlns:a14="http://schemas.microsoft.com/office/drawing/2010/main">
-                <a:solidFill>
-                  <a:schemeClr val="accent1"/>
-                </a:solidFill>
-              </a14:hiddenFill>
-            </a:ext>
-            <a:ext uri="{91240B29-F687-4F45-9708-019B960494DF}">
-              <a14:hiddenLine xmlns:a14="http://schemas.microsoft.com/office/drawing/2010/main" w="9525">
-                <a:solidFill>
-                  <a:schemeClr val="tx1"/>
-                </a:solidFill>
-                <a:miter lim="800000"/>
-                <a:headEnd/>
-                <a:tailEnd/>
-              </a14:hiddenLine>
-            </a:ext>
-          </a:extLst>
-        </p:spPr>
-      </p:pic>
-      <p:sp>
-        <p:nvSpPr>
-          <p:cNvPr id="4" name="Espace réservé du numéro de diapositive 3"/>
+            <a:endParaRPr lang="fr-FR" dirty="0"/>
+          </a:p>
+        </p:txBody>
+      </p:sp>
+      <p:sp>
+        <p:nvSpPr>
+          <p:cNvPr id="8" name="Espace réservé du numéro de diapositive 7"/>
           <p:cNvSpPr>
             <a:spLocks noGrp="1"/>
           </p:cNvSpPr>
@@ -20802,7 +20924,7 @@
     </p:spTree>
     <p:extLst>
       <p:ext uri="{BB962C8B-B14F-4D97-AF65-F5344CB8AC3E}">
-        <p14:creationId xmlns:p14="http://schemas.microsoft.com/office/powerpoint/2010/main" val="328135925"/>
+        <p14:creationId xmlns:p14="http://schemas.microsoft.com/office/powerpoint/2010/main" val="1670052877"/>
       </p:ext>
     </p:extLst>
   </p:cSld>
@@ -21081,7 +21203,7 @@
               <a:rPr lang="fr-FR" smtClean="0"/>
               <a:t>3</a:t>
             </a:fld>
-            <a:endParaRPr lang="fr-FR"/>
+            <a:endParaRPr lang="fr-FR" dirty="0"/>
           </a:p>
         </p:txBody>
       </p:sp>
@@ -21230,127 +21352,25 @@
           </a:bodyPr>
           <a:lstStyle/>
           <a:p>
-            <a:pPr marL="342900" lvl="1" indent="-342900">
-              <a:lnSpc>
-                <a:spcPct val="100000"/>
-              </a:lnSpc>
-              <a:buClr>
-                <a:schemeClr val="accent6"/>
-              </a:buClr>
-              <a:buFont typeface="Wingdings" pitchFamily="2" charset="2"/>
-              <a:buChar char="§"/>
-            </a:pPr>
-            <a:r>
-              <a:rPr lang="fr-FR" sz="1600" dirty="0"/>
-              <a:t>La complétion Eclipse lance un serveur node.js avec tern et attend que tern soit initialisé.</a:t>
-            </a:r>
-          </a:p>
-          <a:p>
-            <a:pPr marL="342900" lvl="1" indent="-342900">
-              <a:lnSpc>
-                <a:spcPct val="100000"/>
-              </a:lnSpc>
-              <a:buClr>
-                <a:schemeClr val="accent6"/>
-              </a:buClr>
-              <a:buFont typeface="Wingdings" pitchFamily="2" charset="2"/>
-              <a:buChar char="§"/>
-            </a:pPr>
-            <a:r>
-              <a:rPr lang="fr-FR" sz="1600" dirty="0"/>
-              <a:t>La complétion Eclipse communique via un client HTTP au serveur node.js via des requêtes/réponses JSON.</a:t>
-            </a:r>
-          </a:p>
-          <a:p>
-            <a:pPr marL="342900" lvl="1" indent="-342900">
-              <a:lnSpc>
-                <a:spcPct val="100000"/>
-              </a:lnSpc>
-              <a:buClr>
-                <a:schemeClr val="accent6"/>
-              </a:buClr>
-              <a:buFont typeface="Wingdings" pitchFamily="2" charset="2"/>
-              <a:buChar char="§"/>
-            </a:pPr>
-            <a:r>
-              <a:rPr lang="fr-FR" sz="1600" dirty="0"/>
-              <a:t>Dans le cas ou l’on souhaite débugger (pas à pas) un plugin tern,  la complétion ne doit pas lancer un serveur node.js. </a:t>
-            </a:r>
-            <a:r>
-              <a:rPr lang="fr-FR" sz="1600" b="1" dirty="0" err="1"/>
-              <a:t>Remote</a:t>
-            </a:r>
-            <a:r>
-              <a:rPr lang="fr-FR" sz="1600" b="1" dirty="0"/>
-              <a:t> </a:t>
-            </a:r>
-            <a:r>
-              <a:rPr lang="fr-FR" sz="1600" b="1" dirty="0" err="1"/>
-              <a:t>access</a:t>
-            </a:r>
-            <a:r>
-              <a:rPr lang="fr-FR" sz="1600" b="1" dirty="0"/>
-              <a:t> </a:t>
-            </a:r>
-            <a:r>
-              <a:rPr lang="fr-FR" sz="1600" dirty="0"/>
-              <a:t>doit être configuré :</a:t>
-            </a:r>
-          </a:p>
-          <a:p>
-            <a:pPr marL="742950" lvl="2" indent="-342900"/>
-            <a:endParaRPr lang="fr-FR" dirty="0" smtClean="0"/>
-          </a:p>
-          <a:p>
-            <a:pPr marL="742950" lvl="2" indent="-342900"/>
-            <a:endParaRPr lang="fr-FR" dirty="0" smtClean="0"/>
-          </a:p>
-          <a:p>
-            <a:pPr marL="742950" lvl="2" indent="-342900"/>
-            <a:endParaRPr lang="fr-FR" dirty="0" smtClean="0"/>
-          </a:p>
-          <a:p>
-            <a:pPr marL="742950" lvl="2" indent="-342900"/>
-            <a:endParaRPr lang="fr-FR" dirty="0" smtClean="0"/>
-          </a:p>
-          <a:p>
-            <a:pPr marL="742950" lvl="2" indent="-342900"/>
-            <a:endParaRPr lang="fr-FR" dirty="0" smtClean="0"/>
+            <a:pPr marL="342900" lvl="1" indent="-342900"/>
+            <a:r>
+              <a:rPr lang="fr-FR" dirty="0" smtClean="0"/>
+              <a:t>Node.js TODO explication</a:t>
+            </a:r>
           </a:p>
           <a:p>
             <a:pPr marL="342900" lvl="1" indent="-342900"/>
             <a:endParaRPr lang="fr-FR" dirty="0" smtClean="0"/>
           </a:p>
           <a:p>
-            <a:pPr marL="342900" lvl="1" indent="-342900">
-              <a:lnSpc>
-                <a:spcPct val="100000"/>
-              </a:lnSpc>
-              <a:buClr>
-                <a:schemeClr val="accent6"/>
-              </a:buClr>
-              <a:buFont typeface="Wingdings" pitchFamily="2" charset="2"/>
-              <a:buChar char="§"/>
-            </a:pPr>
-            <a:r>
-              <a:rPr lang="fr-FR" sz="1600" dirty="0"/>
-              <a:t>Dans ce cas-ci, le serveur node.js doit être lancé par un système externe capable de débugger node.js (ex : </a:t>
-            </a:r>
-            <a:r>
-              <a:rPr lang="fr-FR" sz="1600" dirty="0" err="1"/>
-              <a:t>Nodeclipse</a:t>
-            </a:r>
-            <a:r>
-              <a:rPr lang="fr-FR" sz="1600" dirty="0" smtClean="0"/>
-              <a:t>).</a:t>
-            </a:r>
-            <a:endParaRPr lang="fr-FR" sz="1600" dirty="0"/>
+            <a:pPr marL="342900" lvl="1" indent="-342900"/>
+            <a:endParaRPr lang="fr-FR" dirty="0" smtClean="0"/>
           </a:p>
         </p:txBody>
       </p:sp>
       <p:pic>
         <p:nvPicPr>
-          <p:cNvPr id="14338" name="Picture 2"/>
+          <p:cNvPr id="13315" name="Picture 3"/>
           <p:cNvPicPr>
             <a:picLocks noChangeAspect="1" noChangeArrowheads="1"/>
           </p:cNvPicPr>
@@ -21371,8 +21391,8 @@
         </p:blipFill>
         <p:spPr bwMode="auto">
           <a:xfrm>
-            <a:off x="1763688" y="2746325"/>
-            <a:ext cx="4514850" cy="1121569"/>
+            <a:off x="1147764" y="1491630"/>
+            <a:ext cx="6848475" cy="2786063"/>
           </a:xfrm>
           <a:prstGeom prst="rect">
             <a:avLst/>
@@ -21404,7 +21424,7 @@
       </p:pic>
       <p:sp>
         <p:nvSpPr>
-          <p:cNvPr id="7" name="Espace réservé du numéro de diapositive 6"/>
+          <p:cNvPr id="4" name="Espace réservé du numéro de diapositive 3"/>
           <p:cNvSpPr>
             <a:spLocks noGrp="1"/>
           </p:cNvSpPr>
@@ -21428,7 +21448,7 @@
     </p:spTree>
     <p:extLst>
       <p:ext uri="{BB962C8B-B14F-4D97-AF65-F5344CB8AC3E}">
-        <p14:creationId xmlns:p14="http://schemas.microsoft.com/office/powerpoint/2010/main" val="2137827471"/>
+        <p14:creationId xmlns:p14="http://schemas.microsoft.com/office/powerpoint/2010/main" val="328135925"/>
       </p:ext>
     </p:extLst>
   </p:cSld>
@@ -21479,6 +21499,285 @@
         </p:nvSpPr>
         <p:spPr/>
         <p:txBody>
+          <a:bodyPr>
+            <a:normAutofit/>
+          </a:bodyPr>
+          <a:lstStyle/>
+          <a:p>
+            <a:r>
+              <a:rPr lang="fr-FR" dirty="0" smtClean="0"/>
+              <a:t>Serveur Tern– Node.js</a:t>
+            </a:r>
+            <a:endParaRPr lang="fr-FR" dirty="0"/>
+          </a:p>
+        </p:txBody>
+      </p:sp>
+      <p:sp>
+        <p:nvSpPr>
+          <p:cNvPr id="3" name="Espace réservé du contenu 2"/>
+          <p:cNvSpPr>
+            <a:spLocks noGrp="1"/>
+          </p:cNvSpPr>
+          <p:nvPr>
+            <p:ph sz="half" idx="2"/>
+          </p:nvPr>
+        </p:nvSpPr>
+        <p:spPr/>
+        <p:txBody>
+          <a:bodyPr>
+            <a:normAutofit/>
+          </a:bodyPr>
+          <a:lstStyle/>
+          <a:p>
+            <a:pPr marL="342900" lvl="1" indent="-342900">
+              <a:lnSpc>
+                <a:spcPct val="100000"/>
+              </a:lnSpc>
+              <a:buClr>
+                <a:schemeClr val="accent6"/>
+              </a:buClr>
+              <a:buFont typeface="Wingdings" pitchFamily="2" charset="2"/>
+              <a:buChar char="§"/>
+            </a:pPr>
+            <a:r>
+              <a:rPr lang="fr-FR" sz="1600" dirty="0"/>
+              <a:t>La complétion Eclipse lance un serveur node.js avec tern et attend que tern soit initialisé.</a:t>
+            </a:r>
+          </a:p>
+          <a:p>
+            <a:pPr marL="342900" lvl="1" indent="-342900">
+              <a:lnSpc>
+                <a:spcPct val="100000"/>
+              </a:lnSpc>
+              <a:buClr>
+                <a:schemeClr val="accent6"/>
+              </a:buClr>
+              <a:buFont typeface="Wingdings" pitchFamily="2" charset="2"/>
+              <a:buChar char="§"/>
+            </a:pPr>
+            <a:r>
+              <a:rPr lang="fr-FR" sz="1600" dirty="0"/>
+              <a:t>La complétion Eclipse communique via un client HTTP au serveur node.js via des requêtes/réponses JSON.</a:t>
+            </a:r>
+          </a:p>
+          <a:p>
+            <a:pPr marL="342900" lvl="1" indent="-342900">
+              <a:lnSpc>
+                <a:spcPct val="100000"/>
+              </a:lnSpc>
+              <a:buClr>
+                <a:schemeClr val="accent6"/>
+              </a:buClr>
+              <a:buFont typeface="Wingdings" pitchFamily="2" charset="2"/>
+              <a:buChar char="§"/>
+            </a:pPr>
+            <a:r>
+              <a:rPr lang="fr-FR" sz="1600" dirty="0"/>
+              <a:t>Dans le cas ou l’on souhaite débugger (pas à pas) un plugin tern,  la complétion ne doit pas lancer un serveur node.js. </a:t>
+            </a:r>
+            <a:r>
+              <a:rPr lang="fr-FR" sz="1600" b="1" dirty="0" err="1"/>
+              <a:t>Remote</a:t>
+            </a:r>
+            <a:r>
+              <a:rPr lang="fr-FR" sz="1600" b="1" dirty="0"/>
+              <a:t> </a:t>
+            </a:r>
+            <a:r>
+              <a:rPr lang="fr-FR" sz="1600" b="1" dirty="0" err="1"/>
+              <a:t>access</a:t>
+            </a:r>
+            <a:r>
+              <a:rPr lang="fr-FR" sz="1600" b="1" dirty="0"/>
+              <a:t> </a:t>
+            </a:r>
+            <a:r>
+              <a:rPr lang="fr-FR" sz="1600" dirty="0"/>
+              <a:t>doit être configuré :</a:t>
+            </a:r>
+          </a:p>
+          <a:p>
+            <a:pPr marL="742950" lvl="2" indent="-342900"/>
+            <a:endParaRPr lang="fr-FR" dirty="0" smtClean="0"/>
+          </a:p>
+          <a:p>
+            <a:pPr marL="742950" lvl="2" indent="-342900"/>
+            <a:endParaRPr lang="fr-FR" dirty="0" smtClean="0"/>
+          </a:p>
+          <a:p>
+            <a:pPr marL="742950" lvl="2" indent="-342900"/>
+            <a:endParaRPr lang="fr-FR" dirty="0" smtClean="0"/>
+          </a:p>
+          <a:p>
+            <a:pPr marL="742950" lvl="2" indent="-342900"/>
+            <a:endParaRPr lang="fr-FR" dirty="0" smtClean="0"/>
+          </a:p>
+          <a:p>
+            <a:pPr marL="742950" lvl="2" indent="-342900"/>
+            <a:endParaRPr lang="fr-FR" dirty="0" smtClean="0"/>
+          </a:p>
+          <a:p>
+            <a:pPr marL="342900" lvl="1" indent="-342900"/>
+            <a:endParaRPr lang="fr-FR" dirty="0" smtClean="0"/>
+          </a:p>
+          <a:p>
+            <a:pPr marL="342900" lvl="1" indent="-342900">
+              <a:lnSpc>
+                <a:spcPct val="100000"/>
+              </a:lnSpc>
+              <a:buClr>
+                <a:schemeClr val="accent6"/>
+              </a:buClr>
+              <a:buFont typeface="Wingdings" pitchFamily="2" charset="2"/>
+              <a:buChar char="§"/>
+            </a:pPr>
+            <a:r>
+              <a:rPr lang="fr-FR" sz="1600" dirty="0"/>
+              <a:t>Dans ce cas-ci, le serveur node.js doit être lancé par un système externe capable de débugger node.js (ex : </a:t>
+            </a:r>
+            <a:r>
+              <a:rPr lang="fr-FR" sz="1600" dirty="0" err="1"/>
+              <a:t>Nodeclipse</a:t>
+            </a:r>
+            <a:r>
+              <a:rPr lang="fr-FR" sz="1600" dirty="0" smtClean="0"/>
+              <a:t>).</a:t>
+            </a:r>
+            <a:endParaRPr lang="fr-FR" sz="1600" dirty="0"/>
+          </a:p>
+        </p:txBody>
+      </p:sp>
+      <p:pic>
+        <p:nvPicPr>
+          <p:cNvPr id="14338" name="Picture 2"/>
+          <p:cNvPicPr>
+            <a:picLocks noChangeAspect="1" noChangeArrowheads="1"/>
+          </p:cNvPicPr>
+          <p:nvPr/>
+        </p:nvPicPr>
+        <p:blipFill>
+          <a:blip r:embed="rId2">
+            <a:extLst>
+              <a:ext uri="{28A0092B-C50C-407E-A947-70E740481C1C}">
+                <a14:useLocalDpi xmlns:a14="http://schemas.microsoft.com/office/drawing/2010/main" val="0"/>
+              </a:ext>
+            </a:extLst>
+          </a:blip>
+          <a:srcRect/>
+          <a:stretch>
+            <a:fillRect/>
+          </a:stretch>
+        </p:blipFill>
+        <p:spPr bwMode="auto">
+          <a:xfrm>
+            <a:off x="1763688" y="2746325"/>
+            <a:ext cx="4514850" cy="1121569"/>
+          </a:xfrm>
+          <a:prstGeom prst="rect">
+            <a:avLst/>
+          </a:prstGeom>
+          <a:noFill/>
+          <a:ln>
+            <a:noFill/>
+          </a:ln>
+          <a:extLst>
+            <a:ext uri="{909E8E84-426E-40DD-AFC4-6F175D3DCCD1}">
+              <a14:hiddenFill xmlns:a14="http://schemas.microsoft.com/office/drawing/2010/main">
+                <a:solidFill>
+                  <a:schemeClr val="accent1"/>
+                </a:solidFill>
+              </a14:hiddenFill>
+            </a:ext>
+            <a:ext uri="{91240B29-F687-4F45-9708-019B960494DF}">
+              <a14:hiddenLine xmlns:a14="http://schemas.microsoft.com/office/drawing/2010/main" w="9525">
+                <a:solidFill>
+                  <a:schemeClr val="tx1"/>
+                </a:solidFill>
+                <a:miter lim="800000"/>
+                <a:headEnd/>
+                <a:tailEnd/>
+              </a14:hiddenLine>
+            </a:ext>
+          </a:extLst>
+        </p:spPr>
+      </p:pic>
+      <p:sp>
+        <p:nvSpPr>
+          <p:cNvPr id="7" name="Espace réservé du numéro de diapositive 6"/>
+          <p:cNvSpPr>
+            <a:spLocks noGrp="1"/>
+          </p:cNvSpPr>
+          <p:nvPr>
+            <p:ph type="sldNum" sz="quarter" idx="12"/>
+          </p:nvPr>
+        </p:nvSpPr>
+        <p:spPr/>
+        <p:txBody>
+          <a:bodyPr/>
+          <a:lstStyle/>
+          <a:p>
+            <a:fld id="{31983D30-6903-4279-B3B7-192429037A18}" type="slidenum">
+              <a:rPr lang="fr-FR" smtClean="0"/>
+              <a:t>31</a:t>
+            </a:fld>
+            <a:endParaRPr lang="fr-FR"/>
+          </a:p>
+        </p:txBody>
+      </p:sp>
+    </p:spTree>
+    <p:extLst>
+      <p:ext uri="{BB962C8B-B14F-4D97-AF65-F5344CB8AC3E}">
+        <p14:creationId xmlns:p14="http://schemas.microsoft.com/office/powerpoint/2010/main" val="2137827471"/>
+      </p:ext>
+    </p:extLst>
+  </p:cSld>
+  <p:clrMapOvr>
+    <a:masterClrMapping/>
+  </p:clrMapOvr>
+  <mc:AlternateContent xmlns:mc="http://schemas.openxmlformats.org/markup-compatibility/2006" xmlns:p14="http://schemas.microsoft.com/office/powerpoint/2010/main">
+    <mc:Choice Requires="p14">
+      <p:transition spd="med" p14:dur="700">
+        <p:fade/>
+      </p:transition>
+    </mc:Choice>
+    <mc:Fallback xmlns="">
+      <p:transition spd="med">
+        <p:fade/>
+      </p:transition>
+    </mc:Fallback>
+  </mc:AlternateContent>
+</p:sld>
+</file>
+
+<file path=ppt/slides/slide32.xml><?xml version="1.0" encoding="utf-8"?>
+<p:sld xmlns:a="http://schemas.openxmlformats.org/drawingml/2006/main" xmlns:r="http://schemas.openxmlformats.org/officeDocument/2006/relationships" xmlns:p="http://schemas.openxmlformats.org/presentationml/2006/main">
+  <p:cSld>
+    <p:spTree>
+      <p:nvGrpSpPr>
+        <p:cNvPr id="1" name=""/>
+        <p:cNvGrpSpPr/>
+        <p:nvPr/>
+      </p:nvGrpSpPr>
+      <p:grpSpPr>
+        <a:xfrm>
+          <a:off x="0" y="0"/>
+          <a:ext cx="0" cy="0"/>
+          <a:chOff x="0" y="0"/>
+          <a:chExt cx="0" cy="0"/>
+        </a:xfrm>
+      </p:grpSpPr>
+      <p:sp>
+        <p:nvSpPr>
+          <p:cNvPr id="2" name="Titre 1"/>
+          <p:cNvSpPr>
+            <a:spLocks noGrp="1"/>
+          </p:cNvSpPr>
+          <p:nvPr>
+            <p:ph type="title"/>
+          </p:nvPr>
+        </p:nvSpPr>
+        <p:spPr/>
+        <p:txBody>
           <a:bodyPr/>
           <a:lstStyle/>
           <a:p>
@@ -21602,7 +21901,7 @@
           <a:p>
             <a:fld id="{31983D30-6903-4279-B3B7-192429037A18}" type="slidenum">
               <a:rPr lang="fr-FR" smtClean="0"/>
-              <a:t>31</a:t>
+              <a:t>32</a:t>
             </a:fld>
             <a:endParaRPr lang="fr-FR"/>
           </a:p>
@@ -21806,207 +22105,6 @@
 </p:sld>
 </file>
 
-<file path=ppt/slides/slide32.xml><?xml version="1.0" encoding="utf-8"?>
-<p:sld xmlns:a="http://schemas.openxmlformats.org/drawingml/2006/main" xmlns:r="http://schemas.openxmlformats.org/officeDocument/2006/relationships" xmlns:p="http://schemas.openxmlformats.org/presentationml/2006/main">
-  <p:cSld>
-    <p:spTree>
-      <p:nvGrpSpPr>
-        <p:cNvPr id="1" name=""/>
-        <p:cNvGrpSpPr/>
-        <p:nvPr/>
-      </p:nvGrpSpPr>
-      <p:grpSpPr>
-        <a:xfrm>
-          <a:off x="0" y="0"/>
-          <a:ext cx="0" cy="0"/>
-          <a:chOff x="0" y="0"/>
-          <a:chExt cx="0" cy="0"/>
-        </a:xfrm>
-      </p:grpSpPr>
-      <p:sp>
-        <p:nvSpPr>
-          <p:cNvPr id="2" name="Titre 1"/>
-          <p:cNvSpPr>
-            <a:spLocks noGrp="1"/>
-          </p:cNvSpPr>
-          <p:nvPr>
-            <p:ph type="title"/>
-          </p:nvPr>
-        </p:nvSpPr>
-        <p:spPr/>
-        <p:txBody>
-          <a:bodyPr>
-            <a:normAutofit/>
-          </a:bodyPr>
-          <a:lstStyle/>
-          <a:p>
-            <a:r>
-              <a:rPr lang="fr-FR" dirty="0" smtClean="0"/>
-              <a:t>AngularJS Eclipse</a:t>
-            </a:r>
-            <a:endParaRPr lang="fr-FR" dirty="0"/>
-          </a:p>
-        </p:txBody>
-      </p:sp>
-      <p:sp>
-        <p:nvSpPr>
-          <p:cNvPr id="3" name="Espace réservé du contenu 2"/>
-          <p:cNvSpPr>
-            <a:spLocks noGrp="1"/>
-          </p:cNvSpPr>
-          <p:nvPr>
-            <p:ph sz="half" idx="1"/>
-          </p:nvPr>
-        </p:nvSpPr>
-        <p:spPr/>
-        <p:txBody>
-          <a:bodyPr>
-            <a:normAutofit/>
-          </a:bodyPr>
-          <a:lstStyle/>
-          <a:p>
-            <a:r>
-              <a:rPr lang="fr-FR" sz="1600" dirty="0" smtClean="0"/>
-              <a:t>AngularJS Eclipse </a:t>
-            </a:r>
-            <a:r>
-              <a:rPr lang="fr-FR" sz="1600" dirty="0"/>
-              <a:t>est disponible sur </a:t>
-            </a:r>
-            <a:r>
-              <a:rPr lang="fr-FR" sz="1600" dirty="0">
-                <a:hlinkClick r:id="rId2"/>
-              </a:rPr>
-              <a:t>https://</a:t>
-            </a:r>
-            <a:r>
-              <a:rPr lang="fr-FR" sz="1600" dirty="0" smtClean="0">
-                <a:hlinkClick r:id="rId2"/>
-              </a:rPr>
-              <a:t>github.com/angelozerr/angularjs-eclipse</a:t>
-            </a:r>
-            <a:endParaRPr lang="fr-FR" sz="1600" dirty="0" smtClean="0"/>
-          </a:p>
-          <a:p>
-            <a:r>
-              <a:rPr lang="fr-FR" sz="1600" dirty="0" smtClean="0"/>
-              <a:t>Il est basé sur Tern IDE</a:t>
-            </a:r>
-          </a:p>
-          <a:p>
-            <a:r>
-              <a:rPr lang="fr-FR" sz="1600" dirty="0" smtClean="0"/>
-              <a:t>Il fournit la complétion, </a:t>
-            </a:r>
-            <a:r>
-              <a:rPr lang="fr-FR" sz="1600" dirty="0" err="1" smtClean="0"/>
-              <a:t>hyperlink</a:t>
-            </a:r>
-            <a:r>
-              <a:rPr lang="fr-FR" sz="1600" dirty="0" smtClean="0"/>
-              <a:t>, </a:t>
-            </a:r>
-            <a:r>
-              <a:rPr lang="fr-FR" sz="1600" dirty="0" err="1" smtClean="0"/>
-              <a:t>hover</a:t>
-            </a:r>
-            <a:r>
-              <a:rPr lang="fr-FR" sz="1600" dirty="0" smtClean="0"/>
-              <a:t>, validation spécifique à AngularJS dans:</a:t>
-            </a:r>
-          </a:p>
-          <a:p>
-            <a:pPr lvl="1"/>
-            <a:r>
-              <a:rPr lang="fr-FR" sz="1200" dirty="0"/>
-              <a:t>l</a:t>
-            </a:r>
-            <a:r>
-              <a:rPr lang="fr-FR" sz="1200" dirty="0" smtClean="0"/>
-              <a:t>’éditeur HTML</a:t>
-            </a:r>
-          </a:p>
-          <a:p>
-            <a:pPr lvl="1"/>
-            <a:r>
-              <a:rPr lang="fr-FR" sz="1200" dirty="0"/>
-              <a:t>l</a:t>
-            </a:r>
-            <a:r>
-              <a:rPr lang="fr-FR" sz="1200" dirty="0" smtClean="0"/>
-              <a:t>’éditeur JavaScript</a:t>
-            </a:r>
-            <a:endParaRPr lang="fr-FR" sz="1200" dirty="0"/>
-          </a:p>
-        </p:txBody>
-      </p:sp>
-      <p:sp>
-        <p:nvSpPr>
-          <p:cNvPr id="4" name="Espace réservé du contenu 3"/>
-          <p:cNvSpPr>
-            <a:spLocks noGrp="1"/>
-          </p:cNvSpPr>
-          <p:nvPr>
-            <p:ph sz="half" idx="2"/>
-          </p:nvPr>
-        </p:nvSpPr>
-        <p:spPr/>
-        <p:txBody>
-          <a:bodyPr/>
-          <a:lstStyle/>
-          <a:p>
-            <a:endParaRPr lang="fr-FR"/>
-          </a:p>
-        </p:txBody>
-      </p:sp>
-      <p:sp>
-        <p:nvSpPr>
-          <p:cNvPr id="5" name="Espace réservé du numéro de diapositive 4"/>
-          <p:cNvSpPr>
-            <a:spLocks noGrp="1"/>
-          </p:cNvSpPr>
-          <p:nvPr>
-            <p:ph type="sldNum" sz="quarter" idx="12"/>
-          </p:nvPr>
-        </p:nvSpPr>
-        <p:spPr/>
-        <p:txBody>
-          <a:bodyPr/>
-          <a:lstStyle/>
-          <a:p>
-            <a:fld id="{31983D30-6903-4279-B3B7-192429037A18}" type="slidenum">
-              <a:rPr lang="fr-FR" smtClean="0"/>
-              <a:t>32</a:t>
-            </a:fld>
-            <a:endParaRPr lang="fr-FR"/>
-          </a:p>
-        </p:txBody>
-      </p:sp>
-    </p:spTree>
-    <p:extLst>
-      <p:ext uri="{BB962C8B-B14F-4D97-AF65-F5344CB8AC3E}">
-        <p14:creationId xmlns:p14="http://schemas.microsoft.com/office/powerpoint/2010/main" val="2397096068"/>
-      </p:ext>
-    </p:extLst>
-  </p:cSld>
-  <p:clrMapOvr>
-    <a:masterClrMapping/>
-  </p:clrMapOvr>
-  <mc:AlternateContent xmlns:mc="http://schemas.openxmlformats.org/markup-compatibility/2006" xmlns:p14="http://schemas.microsoft.com/office/powerpoint/2010/main">
-    <mc:Choice Requires="p14">
-      <p:transition spd="med" p14:dur="700">
-        <p:fade/>
-      </p:transition>
-    </mc:Choice>
-    <mc:Fallback xmlns="">
-      <p:transition spd="med">
-        <p:fade/>
-      </p:transition>
-    </mc:Fallback>
-  </mc:AlternateContent>
-</p:sld>
-</file>
-
 <file path=ppt/slides/slide33.xml><?xml version="1.0" encoding="utf-8"?>
 <p:sld xmlns:a="http://schemas.openxmlformats.org/drawingml/2006/main" xmlns:r="http://schemas.openxmlformats.org/officeDocument/2006/relationships" xmlns:p="http://schemas.openxmlformats.org/presentationml/2006/main">
   <p:cSld>
@@ -22036,177 +22134,133 @@
         </p:nvSpPr>
         <p:spPr/>
         <p:txBody>
+          <a:bodyPr>
+            <a:normAutofit/>
+          </a:bodyPr>
+          <a:lstStyle/>
+          <a:p>
+            <a:r>
+              <a:rPr lang="fr-FR" dirty="0" smtClean="0"/>
+              <a:t>AngularJS Eclipse</a:t>
+            </a:r>
+            <a:endParaRPr lang="fr-FR" dirty="0"/>
+          </a:p>
+        </p:txBody>
+      </p:sp>
+      <p:sp>
+        <p:nvSpPr>
+          <p:cNvPr id="3" name="Espace réservé du contenu 2"/>
+          <p:cNvSpPr>
+            <a:spLocks noGrp="1"/>
+          </p:cNvSpPr>
+          <p:nvPr>
+            <p:ph sz="half" idx="1"/>
+          </p:nvPr>
+        </p:nvSpPr>
+        <p:spPr/>
+        <p:txBody>
+          <a:bodyPr>
+            <a:normAutofit/>
+          </a:bodyPr>
+          <a:lstStyle/>
+          <a:p>
+            <a:r>
+              <a:rPr lang="fr-FR" sz="1600" dirty="0" smtClean="0"/>
+              <a:t>AngularJS Eclipse </a:t>
+            </a:r>
+            <a:r>
+              <a:rPr lang="fr-FR" sz="1600" dirty="0"/>
+              <a:t>est disponible sur </a:t>
+            </a:r>
+            <a:r>
+              <a:rPr lang="fr-FR" sz="1600" dirty="0">
+                <a:hlinkClick r:id="rId2"/>
+              </a:rPr>
+              <a:t>https://</a:t>
+            </a:r>
+            <a:r>
+              <a:rPr lang="fr-FR" sz="1600" dirty="0" smtClean="0">
+                <a:hlinkClick r:id="rId2"/>
+              </a:rPr>
+              <a:t>github.com/angelozerr/angularjs-eclipse</a:t>
+            </a:r>
+            <a:endParaRPr lang="fr-FR" sz="1600" dirty="0" smtClean="0"/>
+          </a:p>
+          <a:p>
+            <a:r>
+              <a:rPr lang="fr-FR" sz="1600" dirty="0" smtClean="0"/>
+              <a:t>Il est basé sur Tern IDE</a:t>
+            </a:r>
+          </a:p>
+          <a:p>
+            <a:r>
+              <a:rPr lang="fr-FR" sz="1600" dirty="0" smtClean="0"/>
+              <a:t>Il fournit la complétion, </a:t>
+            </a:r>
+            <a:r>
+              <a:rPr lang="fr-FR" sz="1600" dirty="0" err="1" smtClean="0"/>
+              <a:t>hyperlink</a:t>
+            </a:r>
+            <a:r>
+              <a:rPr lang="fr-FR" sz="1600" dirty="0" smtClean="0"/>
+              <a:t>, </a:t>
+            </a:r>
+            <a:r>
+              <a:rPr lang="fr-FR" sz="1600" dirty="0" err="1" smtClean="0"/>
+              <a:t>hover</a:t>
+            </a:r>
+            <a:r>
+              <a:rPr lang="fr-FR" sz="1600" dirty="0" smtClean="0"/>
+              <a:t>, validation spécifique à AngularJS dans:</a:t>
+            </a:r>
+          </a:p>
+          <a:p>
+            <a:pPr lvl="1"/>
+            <a:r>
+              <a:rPr lang="fr-FR" sz="1200" dirty="0"/>
+              <a:t>l</a:t>
+            </a:r>
+            <a:r>
+              <a:rPr lang="fr-FR" sz="1200" dirty="0" smtClean="0"/>
+              <a:t>’éditeur HTML</a:t>
+            </a:r>
+          </a:p>
+          <a:p>
+            <a:pPr lvl="1"/>
+            <a:r>
+              <a:rPr lang="fr-FR" sz="1200" dirty="0"/>
+              <a:t>l</a:t>
+            </a:r>
+            <a:r>
+              <a:rPr lang="fr-FR" sz="1200" dirty="0" smtClean="0"/>
+              <a:t>’éditeur JavaScript</a:t>
+            </a:r>
+            <a:endParaRPr lang="fr-FR" sz="1200" dirty="0"/>
+          </a:p>
+        </p:txBody>
+      </p:sp>
+      <p:sp>
+        <p:nvSpPr>
+          <p:cNvPr id="4" name="Espace réservé du contenu 3"/>
+          <p:cNvSpPr>
+            <a:spLocks noGrp="1"/>
+          </p:cNvSpPr>
+          <p:nvPr>
+            <p:ph sz="half" idx="2"/>
+          </p:nvPr>
+        </p:nvSpPr>
+        <p:spPr/>
+        <p:txBody>
           <a:bodyPr/>
           <a:lstStyle/>
           <a:p>
-            <a:r>
-              <a:rPr lang="fr-FR" dirty="0" smtClean="0"/>
-              <a:t>AngularJS Eclipse - Installation</a:t>
-            </a:r>
-            <a:endParaRPr lang="fr-FR" dirty="0"/>
-          </a:p>
-        </p:txBody>
-      </p:sp>
-      <p:sp>
-        <p:nvSpPr>
-          <p:cNvPr id="3" name="Espace réservé du contenu 2"/>
-          <p:cNvSpPr>
-            <a:spLocks noGrp="1"/>
-          </p:cNvSpPr>
-          <p:nvPr>
-            <p:ph sz="half" idx="2"/>
-          </p:nvPr>
-        </p:nvSpPr>
-        <p:spPr/>
-        <p:txBody>
-          <a:bodyPr/>
-          <a:lstStyle/>
-          <a:p>
-            <a:r>
-              <a:rPr lang="fr-FR" dirty="0" smtClean="0"/>
-              <a:t>Marketplace : </a:t>
-            </a:r>
-            <a:r>
-              <a:rPr lang="fr-FR" dirty="0" smtClean="0">
-                <a:hlinkClick r:id="rId2"/>
-              </a:rPr>
-              <a:t>http://marketplace.eclipse.org/content/angularjs-eclipse</a:t>
-            </a:r>
-            <a:endParaRPr lang="fr-FR" dirty="0" smtClean="0"/>
-          </a:p>
-          <a:p>
-            <a:r>
-              <a:rPr lang="fr-FR" dirty="0" smtClean="0"/>
-              <a:t>Ou Update site : </a:t>
-            </a:r>
-            <a:r>
-              <a:rPr lang="fr-FR" dirty="0" smtClean="0">
-                <a:hlinkClick r:id="rId3"/>
-              </a:rPr>
-              <a:t>http://oss.opensagres.fr/angularjs-eclipse/0.4.0/</a:t>
-            </a:r>
-            <a:endParaRPr lang="fr-FR" dirty="0" smtClean="0"/>
-          </a:p>
-          <a:p>
-            <a:endParaRPr lang="fr-FR" dirty="0" smtClean="0"/>
-          </a:p>
-          <a:p>
-            <a:endParaRPr lang="fr-FR" dirty="0" smtClean="0"/>
-          </a:p>
-          <a:p>
-            <a:endParaRPr lang="fr-FR" dirty="0" smtClean="0"/>
-          </a:p>
-          <a:p>
-            <a:endParaRPr lang="fr-FR" dirty="0" smtClean="0"/>
-          </a:p>
-          <a:p>
-            <a:endParaRPr lang="fr-FR" dirty="0" smtClean="0"/>
-          </a:p>
-          <a:p>
-            <a:endParaRPr lang="fr-FR" dirty="0" smtClean="0"/>
-          </a:p>
-          <a:p>
-            <a:pPr>
-              <a:buFont typeface="Century Gothic" panose="020B0502020202020204" pitchFamily="34" charset="0"/>
-              <a:buChar char="►"/>
-            </a:pPr>
-            <a:r>
-              <a:rPr lang="fr-FR" dirty="0" smtClean="0">
-                <a:solidFill>
-                  <a:srgbClr val="C00000"/>
-                </a:solidFill>
-              </a:rPr>
-              <a:t>pour démarrer avec AngularJS Eclipse :</a:t>
-            </a:r>
-            <a:r>
-              <a:rPr lang="fr-FR" dirty="0" smtClean="0"/>
-              <a:t/>
-            </a:r>
-            <a:br>
-              <a:rPr lang="fr-FR" dirty="0" smtClean="0"/>
-            </a:br>
-            <a:r>
-              <a:rPr lang="fr-FR" dirty="0" smtClean="0">
-                <a:hlinkClick r:id="rId4"/>
-              </a:rPr>
-              <a:t>https://github.com/angelozerr/angularjs-eclipse/wiki/Getting-Started</a:t>
-            </a:r>
-            <a:endParaRPr lang="fr-FR" dirty="0" smtClean="0"/>
-          </a:p>
-          <a:p>
-            <a:endParaRPr lang="fr-FR" dirty="0" smtClean="0"/>
-          </a:p>
-          <a:p>
-            <a:endParaRPr lang="fr-FR" dirty="0" smtClean="0"/>
-          </a:p>
-          <a:p>
-            <a:endParaRPr lang="fr-FR" dirty="0" smtClean="0"/>
-          </a:p>
-          <a:p>
-            <a:endParaRPr lang="fr-FR" dirty="0" smtClean="0"/>
-          </a:p>
-          <a:p>
-            <a:endParaRPr lang="fr-FR" dirty="0" smtClean="0"/>
-          </a:p>
-        </p:txBody>
-      </p:sp>
-      <p:pic>
-        <p:nvPicPr>
-          <p:cNvPr id="9218" name="Picture 2"/>
-          <p:cNvPicPr>
-            <a:picLocks noChangeAspect="1" noChangeArrowheads="1"/>
-          </p:cNvPicPr>
-          <p:nvPr/>
-        </p:nvPicPr>
-        <p:blipFill>
-          <a:blip r:embed="rId5">
-            <a:extLst>
-              <a:ext uri="{28A0092B-C50C-407E-A947-70E740481C1C}">
-                <a14:useLocalDpi xmlns:a14="http://schemas.microsoft.com/office/drawing/2010/main" val="0"/>
-              </a:ext>
-            </a:extLst>
-          </a:blip>
-          <a:srcRect/>
-          <a:stretch>
-            <a:fillRect/>
-          </a:stretch>
-        </p:blipFill>
-        <p:spPr bwMode="auto">
-          <a:xfrm>
-            <a:off x="1691681" y="1707654"/>
-            <a:ext cx="4810125" cy="1950244"/>
-          </a:xfrm>
-          <a:prstGeom prst="rect">
-            <a:avLst/>
-          </a:prstGeom>
-          <a:noFill/>
-          <a:ln>
-            <a:noFill/>
-          </a:ln>
-          <a:extLst>
-            <a:ext uri="{909E8E84-426E-40DD-AFC4-6F175D3DCCD1}">
-              <a14:hiddenFill xmlns:a14="http://schemas.microsoft.com/office/drawing/2010/main">
-                <a:solidFill>
-                  <a:schemeClr val="accent1"/>
-                </a:solidFill>
-              </a14:hiddenFill>
-            </a:ext>
-            <a:ext uri="{91240B29-F687-4F45-9708-019B960494DF}">
-              <a14:hiddenLine xmlns:a14="http://schemas.microsoft.com/office/drawing/2010/main" w="9525">
-                <a:solidFill>
-                  <a:schemeClr val="tx1"/>
-                </a:solidFill>
-                <a:miter lim="800000"/>
-                <a:headEnd/>
-                <a:tailEnd/>
-              </a14:hiddenLine>
-            </a:ext>
-          </a:extLst>
-        </p:spPr>
-      </p:pic>
-      <p:sp>
-        <p:nvSpPr>
-          <p:cNvPr id="6" name="Espace réservé du numéro de diapositive 5"/>
+            <a:endParaRPr lang="fr-FR"/>
+          </a:p>
+        </p:txBody>
+      </p:sp>
+      <p:sp>
+        <p:nvSpPr>
+          <p:cNvPr id="5" name="Espace réservé du numéro de diapositive 4"/>
           <p:cNvSpPr>
             <a:spLocks noGrp="1"/>
           </p:cNvSpPr>
@@ -22230,7 +22284,7 @@
     </p:spTree>
     <p:extLst>
       <p:ext uri="{BB962C8B-B14F-4D97-AF65-F5344CB8AC3E}">
-        <p14:creationId xmlns:p14="http://schemas.microsoft.com/office/powerpoint/2010/main" val="1784883137"/>
+        <p14:creationId xmlns:p14="http://schemas.microsoft.com/office/powerpoint/2010/main" val="2397096068"/>
       </p:ext>
     </p:extLst>
   </p:cSld>
@@ -22286,6 +22340,251 @@
           <a:p>
             <a:r>
               <a:rPr lang="fr-FR" dirty="0" smtClean="0"/>
+              <a:t>AngularJS Eclipse - Installation</a:t>
+            </a:r>
+            <a:endParaRPr lang="fr-FR" dirty="0"/>
+          </a:p>
+        </p:txBody>
+      </p:sp>
+      <p:sp>
+        <p:nvSpPr>
+          <p:cNvPr id="3" name="Espace réservé du contenu 2"/>
+          <p:cNvSpPr>
+            <a:spLocks noGrp="1"/>
+          </p:cNvSpPr>
+          <p:nvPr>
+            <p:ph sz="half" idx="2"/>
+          </p:nvPr>
+        </p:nvSpPr>
+        <p:spPr/>
+        <p:txBody>
+          <a:bodyPr/>
+          <a:lstStyle/>
+          <a:p>
+            <a:r>
+              <a:rPr lang="fr-FR" dirty="0" smtClean="0"/>
+              <a:t>Marketplace : </a:t>
+            </a:r>
+            <a:r>
+              <a:rPr lang="fr-FR" dirty="0" smtClean="0">
+                <a:hlinkClick r:id="rId2"/>
+              </a:rPr>
+              <a:t>http://marketplace.eclipse.org/content/angularjs-eclipse</a:t>
+            </a:r>
+            <a:endParaRPr lang="fr-FR" dirty="0" smtClean="0"/>
+          </a:p>
+          <a:p>
+            <a:r>
+              <a:rPr lang="fr-FR" dirty="0" smtClean="0"/>
+              <a:t>Ou Update site : </a:t>
+            </a:r>
+            <a:r>
+              <a:rPr lang="fr-FR" dirty="0" smtClean="0">
+                <a:hlinkClick r:id="rId3"/>
+              </a:rPr>
+              <a:t>http://oss.opensagres.fr/angularjs-eclipse/0.4.0/</a:t>
+            </a:r>
+            <a:endParaRPr lang="fr-FR" dirty="0" smtClean="0"/>
+          </a:p>
+          <a:p>
+            <a:endParaRPr lang="fr-FR" dirty="0" smtClean="0"/>
+          </a:p>
+          <a:p>
+            <a:endParaRPr lang="fr-FR" dirty="0" smtClean="0"/>
+          </a:p>
+          <a:p>
+            <a:endParaRPr lang="fr-FR" dirty="0" smtClean="0"/>
+          </a:p>
+          <a:p>
+            <a:endParaRPr lang="fr-FR" dirty="0" smtClean="0"/>
+          </a:p>
+          <a:p>
+            <a:endParaRPr lang="fr-FR" dirty="0" smtClean="0"/>
+          </a:p>
+          <a:p>
+            <a:endParaRPr lang="fr-FR" dirty="0" smtClean="0"/>
+          </a:p>
+          <a:p>
+            <a:pPr>
+              <a:buFont typeface="Century Gothic" panose="020B0502020202020204" pitchFamily="34" charset="0"/>
+              <a:buChar char="►"/>
+            </a:pPr>
+            <a:r>
+              <a:rPr lang="fr-FR" dirty="0" smtClean="0">
+                <a:solidFill>
+                  <a:srgbClr val="C00000"/>
+                </a:solidFill>
+              </a:rPr>
+              <a:t>pour démarrer avec AngularJS Eclipse :</a:t>
+            </a:r>
+            <a:r>
+              <a:rPr lang="fr-FR" dirty="0" smtClean="0"/>
+              <a:t/>
+            </a:r>
+            <a:br>
+              <a:rPr lang="fr-FR" dirty="0" smtClean="0"/>
+            </a:br>
+            <a:r>
+              <a:rPr lang="fr-FR" dirty="0" smtClean="0">
+                <a:hlinkClick r:id="rId4"/>
+              </a:rPr>
+              <a:t>https://github.com/angelozerr/angularjs-eclipse/wiki/Getting-Started</a:t>
+            </a:r>
+            <a:endParaRPr lang="fr-FR" dirty="0" smtClean="0"/>
+          </a:p>
+          <a:p>
+            <a:endParaRPr lang="fr-FR" dirty="0" smtClean="0"/>
+          </a:p>
+          <a:p>
+            <a:endParaRPr lang="fr-FR" dirty="0" smtClean="0"/>
+          </a:p>
+          <a:p>
+            <a:endParaRPr lang="fr-FR" dirty="0" smtClean="0"/>
+          </a:p>
+          <a:p>
+            <a:endParaRPr lang="fr-FR" dirty="0" smtClean="0"/>
+          </a:p>
+          <a:p>
+            <a:endParaRPr lang="fr-FR" dirty="0" smtClean="0"/>
+          </a:p>
+        </p:txBody>
+      </p:sp>
+      <p:pic>
+        <p:nvPicPr>
+          <p:cNvPr id="9218" name="Picture 2"/>
+          <p:cNvPicPr>
+            <a:picLocks noChangeAspect="1" noChangeArrowheads="1"/>
+          </p:cNvPicPr>
+          <p:nvPr/>
+        </p:nvPicPr>
+        <p:blipFill>
+          <a:blip r:embed="rId5">
+            <a:extLst>
+              <a:ext uri="{28A0092B-C50C-407E-A947-70E740481C1C}">
+                <a14:useLocalDpi xmlns:a14="http://schemas.microsoft.com/office/drawing/2010/main" val="0"/>
+              </a:ext>
+            </a:extLst>
+          </a:blip>
+          <a:srcRect/>
+          <a:stretch>
+            <a:fillRect/>
+          </a:stretch>
+        </p:blipFill>
+        <p:spPr bwMode="auto">
+          <a:xfrm>
+            <a:off x="1691681" y="1707654"/>
+            <a:ext cx="4810125" cy="1950244"/>
+          </a:xfrm>
+          <a:prstGeom prst="rect">
+            <a:avLst/>
+          </a:prstGeom>
+          <a:noFill/>
+          <a:ln>
+            <a:noFill/>
+          </a:ln>
+          <a:extLst>
+            <a:ext uri="{909E8E84-426E-40DD-AFC4-6F175D3DCCD1}">
+              <a14:hiddenFill xmlns:a14="http://schemas.microsoft.com/office/drawing/2010/main">
+                <a:solidFill>
+                  <a:schemeClr val="accent1"/>
+                </a:solidFill>
+              </a14:hiddenFill>
+            </a:ext>
+            <a:ext uri="{91240B29-F687-4F45-9708-019B960494DF}">
+              <a14:hiddenLine xmlns:a14="http://schemas.microsoft.com/office/drawing/2010/main" w="9525">
+                <a:solidFill>
+                  <a:schemeClr val="tx1"/>
+                </a:solidFill>
+                <a:miter lim="800000"/>
+                <a:headEnd/>
+                <a:tailEnd/>
+              </a14:hiddenLine>
+            </a:ext>
+          </a:extLst>
+        </p:spPr>
+      </p:pic>
+      <p:sp>
+        <p:nvSpPr>
+          <p:cNvPr id="6" name="Espace réservé du numéro de diapositive 5"/>
+          <p:cNvSpPr>
+            <a:spLocks noGrp="1"/>
+          </p:cNvSpPr>
+          <p:nvPr>
+            <p:ph type="sldNum" sz="quarter" idx="12"/>
+          </p:nvPr>
+        </p:nvSpPr>
+        <p:spPr/>
+        <p:txBody>
+          <a:bodyPr/>
+          <a:lstStyle/>
+          <a:p>
+            <a:fld id="{31983D30-6903-4279-B3B7-192429037A18}" type="slidenum">
+              <a:rPr lang="fr-FR" smtClean="0"/>
+              <a:t>34</a:t>
+            </a:fld>
+            <a:endParaRPr lang="fr-FR"/>
+          </a:p>
+        </p:txBody>
+      </p:sp>
+    </p:spTree>
+    <p:extLst>
+      <p:ext uri="{BB962C8B-B14F-4D97-AF65-F5344CB8AC3E}">
+        <p14:creationId xmlns:p14="http://schemas.microsoft.com/office/powerpoint/2010/main" val="1784883137"/>
+      </p:ext>
+    </p:extLst>
+  </p:cSld>
+  <p:clrMapOvr>
+    <a:masterClrMapping/>
+  </p:clrMapOvr>
+  <mc:AlternateContent xmlns:mc="http://schemas.openxmlformats.org/markup-compatibility/2006" xmlns:p14="http://schemas.microsoft.com/office/powerpoint/2010/main">
+    <mc:Choice Requires="p14">
+      <p:transition spd="med" p14:dur="700">
+        <p:fade/>
+      </p:transition>
+    </mc:Choice>
+    <mc:Fallback xmlns="">
+      <p:transition spd="med">
+        <p:fade/>
+      </p:transition>
+    </mc:Fallback>
+  </mc:AlternateContent>
+</p:sld>
+</file>
+
+<file path=ppt/slides/slide35.xml><?xml version="1.0" encoding="utf-8"?>
+<p:sld xmlns:a="http://schemas.openxmlformats.org/drawingml/2006/main" xmlns:r="http://schemas.openxmlformats.org/officeDocument/2006/relationships" xmlns:p="http://schemas.openxmlformats.org/presentationml/2006/main">
+  <p:cSld>
+    <p:spTree>
+      <p:nvGrpSpPr>
+        <p:cNvPr id="1" name=""/>
+        <p:cNvGrpSpPr/>
+        <p:nvPr/>
+      </p:nvGrpSpPr>
+      <p:grpSpPr>
+        <a:xfrm>
+          <a:off x="0" y="0"/>
+          <a:ext cx="0" cy="0"/>
+          <a:chOff x="0" y="0"/>
+          <a:chExt cx="0" cy="0"/>
+        </a:xfrm>
+      </p:grpSpPr>
+      <p:sp>
+        <p:nvSpPr>
+          <p:cNvPr id="2" name="Titre 1"/>
+          <p:cNvSpPr>
+            <a:spLocks noGrp="1"/>
+          </p:cNvSpPr>
+          <p:nvPr>
+            <p:ph type="title"/>
+          </p:nvPr>
+        </p:nvSpPr>
+        <p:spPr/>
+        <p:txBody>
+          <a:bodyPr/>
+          <a:lstStyle/>
+          <a:p>
+            <a:r>
+              <a:rPr lang="fr-FR" dirty="0" smtClean="0"/>
               <a:t>Tern.java - TODOS</a:t>
             </a:r>
             <a:endParaRPr lang="fr-FR" dirty="0"/>
@@ -22433,7 +22732,7 @@
           <a:p>
             <a:fld id="{31983D30-6903-4279-B3B7-192429037A18}" type="slidenum">
               <a:rPr lang="fr-FR" smtClean="0"/>
-              <a:t>34</a:t>
+              <a:t>35</a:t>
             </a:fld>
             <a:endParaRPr lang="fr-FR"/>
           </a:p>
@@ -22544,21 +22843,33 @@
             <a:pPr lvl="1"/>
             <a:r>
               <a:rPr lang="fr-FR" dirty="0" smtClean="0"/>
-              <a:t>Démo de tern.js dans un navigateur web avec l’éditeur CodeMirror</a:t>
+              <a:t>Démo de </a:t>
+            </a:r>
+            <a:r>
+              <a:rPr lang="fr-FR" b="1" dirty="0" smtClean="0"/>
+              <a:t>tern.js dans un navigateur web </a:t>
+            </a:r>
+            <a:r>
+              <a:rPr lang="fr-FR" dirty="0" smtClean="0"/>
+              <a:t>avec l’éditeur CodeMirror</a:t>
             </a:r>
           </a:p>
           <a:p>
             <a:pPr lvl="1"/>
             <a:r>
               <a:rPr lang="fr-FR" dirty="0" smtClean="0"/>
-              <a:t>Concepts de tern : plugin et JSON type </a:t>
-            </a:r>
-            <a:r>
-              <a:rPr lang="fr-FR" dirty="0" smtClean="0"/>
+              <a:t>Concepts de tern : </a:t>
+            </a:r>
+            <a:r>
+              <a:rPr lang="fr-FR" b="1" dirty="0" smtClean="0"/>
+              <a:t>plugin et JSON type </a:t>
+            </a:r>
+            <a:r>
+              <a:rPr lang="fr-FR" b="1" dirty="0" smtClean="0"/>
               <a:t>d</a:t>
             </a:r>
             <a:r>
-              <a:rPr lang="fr-FR" dirty="0" smtClean="0"/>
+              <a:rPr lang="fr-FR" b="1" dirty="0" smtClean="0"/>
               <a:t>efinition</a:t>
             </a:r>
           </a:p>
@@ -22595,21 +22906,53 @@
             <a:pPr lvl="1"/>
             <a:r>
               <a:rPr lang="fr-FR" dirty="0"/>
-              <a:t>Démo de tern.java avec jQuery, Google Closure, etc. dans l’IDE Eclipse</a:t>
+              <a:t>Démo de </a:t>
+            </a:r>
+            <a:r>
+              <a:rPr lang="fr-FR" b="1" dirty="0"/>
+              <a:t>tern.java</a:t>
+            </a:r>
+            <a:r>
+              <a:rPr lang="fr-FR" dirty="0"/>
+              <a:t> avec jQuery, Google Closure, etc. dans l’IDE Eclipse</a:t>
             </a:r>
           </a:p>
           <a:p>
             <a:pPr lvl="1"/>
             <a:r>
               <a:rPr lang="fr-FR" dirty="0"/>
-              <a:t>Comment a été intégré tern dans Eclipse?</a:t>
+              <a:t>Comment a été </a:t>
+            </a:r>
+            <a:r>
+              <a:rPr lang="fr-FR" b="1" dirty="0"/>
+              <a:t>intégré tern dans Eclipse</a:t>
+            </a:r>
+            <a:r>
+              <a:rPr lang="fr-FR" dirty="0"/>
+              <a:t>?</a:t>
             </a:r>
           </a:p>
           <a:p>
             <a:pPr lvl="1"/>
             <a:r>
               <a:rPr lang="fr-FR" dirty="0"/>
-              <a:t>Création d’un plugin tern pour gérer son propre framework JavaScript.</a:t>
+              <a:t>Création d’un </a:t>
+            </a:r>
+            <a:r>
+              <a:rPr lang="fr-FR" b="1" dirty="0"/>
+              <a:t>plugin tern </a:t>
+            </a:r>
+            <a:r>
+              <a:rPr lang="fr-FR" b="1" dirty="0" smtClean="0"/>
+              <a:t>JUG</a:t>
+            </a:r>
+            <a:r>
+              <a:rPr lang="fr-FR" dirty="0" smtClean="0"/>
+              <a:t> pour </a:t>
+            </a:r>
+            <a:r>
+              <a:rPr lang="fr-FR" dirty="0"/>
+              <a:t>gérer son propre framework JavaScript.</a:t>
             </a:r>
           </a:p>
           <a:p>
@@ -22680,7 +23023,7 @@
               <a:rPr lang="fr-FR" smtClean="0"/>
               <a:t>4</a:t>
             </a:fld>
-            <a:endParaRPr lang="fr-FR"/>
+            <a:endParaRPr lang="fr-FR" dirty="0"/>
           </a:p>
         </p:txBody>
       </p:sp>
@@ -22812,42 +23155,30 @@
           <a:p>
             <a:r>
               <a:rPr lang="en-US" dirty="0" smtClean="0"/>
-              <a:t>Features </a:t>
-            </a:r>
+              <a:t>Features provided are:</a:t>
+            </a:r>
+            <a:endParaRPr lang="en-US" dirty="0"/>
+          </a:p>
+          <a:p>
+            <a:pPr lvl="1"/>
             <a:r>
               <a:rPr lang="en-US" dirty="0"/>
-              <a:t>provided are:</a:t>
+              <a:t>Autocompletion on variables and </a:t>
+            </a:r>
+            <a:r>
+              <a:rPr lang="en-US" dirty="0" smtClean="0"/>
+              <a:t>properties</a:t>
             </a:r>
           </a:p>
           <a:p>
             <a:pPr lvl="1"/>
             <a:r>
               <a:rPr lang="en-US" dirty="0" smtClean="0"/>
-              <a:t>Auto-completion </a:t>
-            </a:r>
-            <a:r>
-              <a:rPr lang="en-US" dirty="0" err="1" smtClean="0"/>
-              <a:t>sur</a:t>
-            </a:r>
-            <a:r>
-              <a:rPr lang="en-US" dirty="0" smtClean="0"/>
-              <a:t> les variables et </a:t>
-            </a:r>
-            <a:r>
-              <a:rPr lang="en-US" dirty="0" err="1" smtClean="0"/>
-              <a:t>propriétés</a:t>
-            </a:r>
-            <a:r>
-              <a:rPr lang="en-US" dirty="0" smtClean="0"/>
-              <a:t>.</a:t>
-            </a:r>
-            <a:endParaRPr lang="en-US" dirty="0"/>
-          </a:p>
-          <a:p>
-            <a:pPr lvl="1"/>
+              <a:t>Function </a:t>
+            </a:r>
             <a:r>
               <a:rPr lang="en-US" dirty="0"/>
-              <a:t>Function argument hints</a:t>
+              <a:t>argument hints</a:t>
             </a:r>
           </a:p>
           <a:p>
@@ -22867,9 +23198,10 @@
           <a:p>
             <a:pPr lvl="1"/>
             <a:r>
-              <a:rPr lang="en-US" dirty="0"/>
-              <a:t>Automatic refactoring</a:t>
-            </a:r>
+              <a:rPr lang="en-US" dirty="0" smtClean="0"/>
+              <a:t>Refactoring</a:t>
+            </a:r>
+            <a:endParaRPr lang="en-US" dirty="0"/>
           </a:p>
           <a:p>
             <a:endParaRPr lang="fr-FR" dirty="0" smtClean="0"/>
@@ -22892,7 +23224,7 @@
         <p:spPr/>
         <p:txBody>
           <a:bodyPr>
-            <a:normAutofit/>
+            <a:normAutofit lnSpcReduction="10000"/>
           </a:bodyPr>
           <a:lstStyle/>
           <a:p>
@@ -22964,45 +23296,29 @@
             </a:r>
             <a:r>
               <a:rPr lang="fr-FR" dirty="0" smtClean="0"/>
-              <a:t>Sublime </a:t>
-            </a:r>
-            <a:r>
-              <a:rPr lang="fr-FR" dirty="0" err="1" smtClean="0"/>
-              <a:t>Text</a:t>
-            </a:r>
-            <a:r>
-              <a:rPr lang="fr-FR" dirty="0" smtClean="0"/>
-              <a:t>, </a:t>
-            </a:r>
-            <a:r>
-              <a:rPr lang="fr-FR" dirty="0" err="1" smtClean="0"/>
-              <a:t>Vim</a:t>
-            </a:r>
-            <a:r>
-              <a:rPr lang="fr-FR" dirty="0" smtClean="0"/>
-              <a:t>, </a:t>
-            </a:r>
-            <a:r>
-              <a:rPr lang="fr-FR" dirty="0" smtClean="0"/>
-              <a:t>Emacs, </a:t>
-            </a:r>
-            <a:r>
-              <a:rPr lang="fr-FR" dirty="0" err="1" smtClean="0"/>
-              <a:t>LightTable</a:t>
-            </a:r>
-            <a:r>
-              <a:rPr lang="fr-FR" dirty="0" smtClean="0"/>
-              <a:t>, Eclipse</a:t>
-            </a:r>
-          </a:p>
-          <a:p>
+              <a:t>Sublime Text, </a:t>
+            </a:r>
+            <a:r>
+              <a:rPr lang="fr-FR" dirty="0" smtClean="0"/>
+              <a:t>Vim, </a:t>
+            </a:r>
+            <a:r>
+              <a:rPr lang="fr-FR" dirty="0" smtClean="0"/>
+              <a:t>Emacs, LightTable, Eclipse</a:t>
+            </a:r>
+          </a:p>
+          <a:p>
+            <a:pPr>
+              <a:buFont typeface="Arial" panose="020B0604020202020204" pitchFamily="34" charset="0"/>
+              <a:buChar char="►"/>
+            </a:pPr>
             <a:r>
               <a:rPr lang="fr-FR" dirty="0" smtClean="0">
                 <a:solidFill>
                   <a:srgbClr val="C00000"/>
                 </a:solidFill>
               </a:rPr>
-              <a:t>Tern est une solution commune, touches toutes les communautés. </a:t>
+              <a:t>Tern est un moteur d’inférence qui pourrait être utilisé par toutes les communautés (Sublime Text, Emacs, Vim, Java, .Net. Etc)</a:t>
             </a:r>
             <a:endParaRPr lang="fr-FR" dirty="0"/>
           </a:p>
@@ -23098,7 +23414,7 @@
           <a:lstStyle/>
           <a:p>
             <a:r>
-              <a:rPr lang="fr-FR" smtClean="0"/>
+              <a:rPr lang="fr-FR" dirty="0" smtClean="0"/>
               <a:t>Tern.js – Démo (Navigateur Web)</a:t>
             </a:r>
             <a:endParaRPr lang="fr-FR" dirty="0"/>
@@ -23123,12 +23439,8 @@
           <a:lstStyle/>
           <a:p>
             <a:r>
-              <a:rPr lang="fr-FR" dirty="0" err="1" smtClean="0"/>
-              <a:t>Demo</a:t>
-            </a:r>
-            <a:r>
-              <a:rPr lang="fr-FR" dirty="0" smtClean="0"/>
-              <a:t> avec CodeMirror :</a:t>
+              <a:rPr lang="fr-FR" dirty="0" smtClean="0"/>
+              <a:t>Demo avec CodeMirror :</a:t>
             </a:r>
             <a:r>
               <a:rPr lang="fr-FR" dirty="0" smtClean="0">
@@ -23322,12 +23634,8 @@
           </a:p>
           <a:p>
             <a:r>
-              <a:rPr lang="fr-FR" dirty="0" err="1" smtClean="0"/>
-              <a:t>WebIDE</a:t>
-            </a:r>
-            <a:r>
-              <a:rPr lang="fr-FR" dirty="0" smtClean="0"/>
-              <a:t> (Mozilla) se base sur tern.js</a:t>
+              <a:rPr lang="fr-FR" dirty="0" smtClean="0"/>
+              <a:t>WebIDE (Mozilla) se base sur tern.js</a:t>
             </a:r>
           </a:p>
         </p:txBody>
@@ -23355,8 +23663,12 @@
           <a:p>
             <a:pPr lvl="1"/>
             <a:r>
+              <a:rPr lang="fr-FR" b="1" dirty="0"/>
+              <a:t>CodeMirror</a:t>
+            </a:r>
+            <a:r>
               <a:rPr lang="fr-FR" dirty="0"/>
-              <a:t>CodeMirror : </a:t>
+              <a:t> : </a:t>
             </a:r>
             <a:r>
               <a:rPr lang="fr-FR" dirty="0">
@@ -23369,8 +23681,12 @@
           <a:p>
             <a:pPr lvl="1"/>
             <a:r>
+              <a:rPr lang="fr-FR" b="1" dirty="0"/>
+              <a:t>ACE</a:t>
+            </a:r>
+            <a:r>
               <a:rPr lang="fr-FR" dirty="0"/>
-              <a:t>ACE (POC): </a:t>
+              <a:t> (POC): </a:t>
             </a:r>
             <a:r>
               <a:rPr lang="fr-FR" dirty="0">
@@ -23383,8 +23699,12 @@
           <a:p>
             <a:pPr lvl="1"/>
             <a:r>
+              <a:rPr lang="fr-FR" b="1" dirty="0"/>
+              <a:t>Orion</a:t>
+            </a:r>
+            <a:r>
               <a:rPr lang="fr-FR" dirty="0"/>
-              <a:t>Orion (POC): </a:t>
+              <a:t> (POC): </a:t>
             </a:r>
             <a:r>
               <a:rPr lang="fr-FR" dirty="0">
@@ -23481,11 +23801,7 @@
           <a:p>
             <a:r>
               <a:rPr lang="fr-FR" dirty="0" smtClean="0"/>
-              <a:t>Tern JSON </a:t>
-            </a:r>
-            <a:r>
-              <a:rPr lang="fr-FR" dirty="0"/>
-              <a:t>Type Definition</a:t>
+              <a:t>Tern &amp; analyse de code JavaScript</a:t>
             </a:r>
             <a:endParaRPr lang="fr-FR" dirty="0"/>
           </a:p>
@@ -23510,65 +23826,34 @@
           <a:p>
             <a:r>
               <a:rPr lang="fr-FR" dirty="0" smtClean="0"/>
-              <a:t>Tern se base sur 2 concepts :</a:t>
+              <a:t>Fichiers JavaScript</a:t>
             </a:r>
           </a:p>
           <a:p>
             <a:pPr lvl="1"/>
             <a:r>
-              <a:rPr lang="fr-FR" dirty="0" smtClean="0"/>
-              <a:t>JSON Type Definition : </a:t>
-            </a:r>
-          </a:p>
-          <a:p>
-            <a:pPr lvl="2"/>
-            <a:r>
-              <a:rPr lang="fr-FR" dirty="0" smtClean="0"/>
-              <a:t>descripteur JSON qui décrit la structure du framework JavaScript.</a:t>
-            </a:r>
-          </a:p>
-          <a:p>
-            <a:pPr lvl="2"/>
-            <a:r>
-              <a:rPr lang="fr-FR" dirty="0" smtClean="0"/>
-              <a:t>écrit en JSON</a:t>
-            </a:r>
-          </a:p>
-          <a:p>
-            <a:pPr lvl="2"/>
-            <a:r>
-              <a:rPr lang="fr-FR" dirty="0" smtClean="0"/>
-              <a:t>JSON Type Definition officiel: </a:t>
-            </a:r>
-            <a:r>
               <a:rPr lang="fr-FR" b="1" dirty="0" smtClean="0"/>
-              <a:t>ecma5</a:t>
-            </a:r>
-            <a:r>
-              <a:rPr lang="fr-FR" dirty="0" smtClean="0"/>
-              <a:t>, </a:t>
+              <a:t>Parse</a:t>
+            </a:r>
+            <a:r>
+              <a:rPr lang="fr-FR" dirty="0" smtClean="0"/>
+              <a:t> les fichiers JavaScript (AST)</a:t>
+            </a:r>
+          </a:p>
+          <a:p>
+            <a:pPr lvl="1"/>
+            <a:r>
+              <a:rPr lang="fr-FR" dirty="0" smtClean="0"/>
+              <a:t>Utilise les commentaires </a:t>
             </a:r>
             <a:r>
               <a:rPr lang="fr-FR" b="1" dirty="0" smtClean="0"/>
-              <a:t>browser</a:t>
-            </a:r>
-            <a:r>
-              <a:rPr lang="fr-FR" dirty="0" smtClean="0"/>
-              <a:t>, </a:t>
-            </a:r>
-            <a:r>
-              <a:rPr lang="fr-FR" b="1" dirty="0" err="1" smtClean="0"/>
-              <a:t>jquery</a:t>
-            </a:r>
-            <a:r>
-              <a:rPr lang="fr-FR" dirty="0" smtClean="0"/>
-              <a:t>, </a:t>
-            </a:r>
-            <a:r>
-              <a:rPr lang="fr-FR" b="1" dirty="0" err="1" smtClean="0"/>
-              <a:t>underscore</a:t>
-            </a:r>
-            <a:endParaRPr lang="fr-FR" b="1" dirty="0" smtClean="0"/>
+              <a:t>JSDoc</a:t>
+            </a:r>
+            <a:r>
+              <a:rPr lang="fr-FR" dirty="0" smtClean="0"/>
+              <a:t> pour connaître les types.</a:t>
+            </a:r>
           </a:p>
         </p:txBody>
       </p:sp>
@@ -23587,6 +23872,74 @@
           <a:bodyPr/>
           <a:lstStyle/>
           <a:p>
+            <a:r>
+              <a:rPr lang="fr-FR" dirty="0" smtClean="0"/>
+              <a:t>Extensions de tern via</a:t>
+            </a:r>
+          </a:p>
+          <a:p>
+            <a:pPr lvl="1"/>
+            <a:r>
+              <a:rPr lang="fr-FR" b="1" dirty="0"/>
+              <a:t>JSON Type Definition </a:t>
+            </a:r>
+            <a:r>
+              <a:rPr lang="fr-FR" dirty="0"/>
+              <a:t>: </a:t>
+            </a:r>
+            <a:r>
+              <a:rPr lang="fr-FR" dirty="0">
+                <a:hlinkClick r:id="rId2"/>
+              </a:rPr>
+              <a:t>http://ternjs.net/doc/manual.html#typedef</a:t>
+            </a:r>
+            <a:endParaRPr lang="fr-FR" dirty="0" smtClean="0"/>
+          </a:p>
+          <a:p>
+            <a:pPr lvl="1"/>
+            <a:r>
+              <a:rPr lang="fr-FR" b="1" dirty="0" smtClean="0"/>
+              <a:t>Server plugin</a:t>
+            </a:r>
+            <a:r>
+              <a:rPr lang="fr-FR" dirty="0"/>
+              <a:t>: </a:t>
+            </a:r>
+            <a:r>
+              <a:rPr lang="fr-FR" dirty="0">
+                <a:hlinkClick r:id="rId3"/>
+              </a:rPr>
+              <a:t>http://</a:t>
+            </a:r>
+            <a:r>
+              <a:rPr lang="fr-FR" dirty="0" smtClean="0">
+                <a:hlinkClick r:id="rId3"/>
+              </a:rPr>
+              <a:t>ternjs.net/doc/manual.html#plugins</a:t>
+            </a:r>
+            <a:endParaRPr lang="fr-FR" dirty="0" smtClean="0"/>
+          </a:p>
+          <a:p>
+            <a:pPr lvl="1"/>
+            <a:endParaRPr lang="fr-FR" dirty="0" smtClean="0"/>
+          </a:p>
+          <a:p>
+            <a:pPr>
+              <a:buFont typeface="Arial" panose="020B0604020202020204" pitchFamily="34" charset="0"/>
+              <a:buChar char="►"/>
+            </a:pPr>
+            <a:r>
+              <a:rPr lang="fr-FR" dirty="0" smtClean="0">
+                <a:solidFill>
+                  <a:srgbClr val="C00000"/>
+                </a:solidFill>
+              </a:rPr>
+              <a:t>Permet de supporter des frameworks JavaScript complexe (node, angular, jquery, etc)</a:t>
+            </a:r>
+            <a:endParaRPr lang="fr-FR" dirty="0"/>
+          </a:p>
+          <a:p>
+            <a:pPr lvl="1"/>
             <a:endParaRPr lang="fr-FR" dirty="0"/>
           </a:p>
         </p:txBody>
@@ -23673,7 +24026,11 @@
           <a:p>
             <a:r>
               <a:rPr lang="fr-FR" dirty="0" smtClean="0"/>
-              <a:t>Tern plugin</a:t>
+              <a:t>JSON </a:t>
+            </a:r>
+            <a:r>
+              <a:rPr lang="fr-FR" dirty="0"/>
+              <a:t>Type Definition</a:t>
             </a:r>
             <a:endParaRPr lang="fr-FR" dirty="0"/>
           </a:p>
@@ -23697,172 +24054,71 @@
           <a:lstStyle/>
           <a:p>
             <a:r>
-              <a:rPr lang="fr-FR" dirty="0"/>
-              <a:t>Plugin : </a:t>
+              <a:rPr lang="fr-FR" b="1" dirty="0" smtClean="0"/>
+              <a:t>JSON </a:t>
+            </a:r>
+            <a:r>
+              <a:rPr lang="fr-FR" b="1" dirty="0" smtClean="0"/>
+              <a:t>Type Definition</a:t>
+            </a:r>
+            <a:r>
+              <a:rPr lang="fr-FR" dirty="0" smtClean="0"/>
+              <a:t> : </a:t>
             </a:r>
           </a:p>
           <a:p>
             <a:pPr lvl="1"/>
             <a:r>
-              <a:rPr lang="fr-FR" dirty="0"/>
-              <a:t>utilise un JSON Type Definition et permet de gérer plus finement le comportement d’une fonction, via du code JavaScript.</a:t>
+              <a:rPr lang="fr-FR" dirty="0" smtClean="0"/>
+              <a:t>descripteur JSON qui décrit la structure du framework JavaScript.</a:t>
             </a:r>
           </a:p>
           <a:p>
             <a:pPr lvl="1"/>
             <a:r>
-              <a:rPr lang="fr-FR" dirty="0"/>
-              <a:t>écrit en JavaScript</a:t>
+              <a:rPr lang="fr-FR" dirty="0" smtClean="0"/>
+              <a:t>écrit en JSON</a:t>
             </a:r>
           </a:p>
           <a:p>
             <a:pPr lvl="1"/>
             <a:r>
-              <a:rPr lang="fr-FR" dirty="0"/>
-              <a:t>plugins officiels : </a:t>
-            </a:r>
-            <a:r>
-              <a:rPr lang="fr-FR" b="1" dirty="0" err="1"/>
-              <a:t>angularjs</a:t>
-            </a:r>
-            <a:r>
-              <a:rPr lang="fr-FR" dirty="0"/>
-              <a:t>, </a:t>
-            </a:r>
-            <a:r>
-              <a:rPr lang="fr-FR" b="1" dirty="0" err="1"/>
-              <a:t>node</a:t>
-            </a:r>
-            <a:r>
-              <a:rPr lang="fr-FR" dirty="0"/>
-              <a:t>, </a:t>
-            </a:r>
-            <a:r>
-              <a:rPr lang="fr-FR" b="1" dirty="0" err="1"/>
-              <a:t>requirejs</a:t>
-            </a:r>
-            <a:endParaRPr lang="fr-FR" b="1" dirty="0"/>
-          </a:p>
-          <a:p>
-            <a:pPr lvl="1"/>
-            <a:r>
-              <a:rPr lang="fr-FR" dirty="0"/>
-              <a:t>plugins non officiels : </a:t>
-            </a:r>
-            <a:r>
-              <a:rPr lang="fr-FR" b="1" dirty="0" err="1"/>
-              <a:t>AlloyUI</a:t>
-            </a:r>
-            <a:r>
-              <a:rPr lang="fr-FR" dirty="0"/>
-              <a:t>, </a:t>
-            </a:r>
-            <a:r>
-              <a:rPr lang="fr-FR" b="1" dirty="0" err="1"/>
-              <a:t>CKEditor</a:t>
-            </a:r>
-            <a:r>
-              <a:rPr lang="fr-FR" dirty="0"/>
-              <a:t>, </a:t>
-            </a:r>
-            <a:r>
-              <a:rPr lang="fr-FR" b="1" dirty="0"/>
-              <a:t>Closure</a:t>
-            </a:r>
-            <a:r>
-              <a:rPr lang="fr-FR" dirty="0"/>
-              <a:t>, </a:t>
-            </a:r>
-            <a:r>
-              <a:rPr lang="fr-FR" b="1" dirty="0" err="1"/>
-              <a:t>CordovaJS</a:t>
-            </a:r>
-            <a:r>
-              <a:rPr lang="fr-FR" dirty="0"/>
-              <a:t>, </a:t>
-            </a:r>
-            <a:r>
-              <a:rPr lang="fr-FR" b="1" dirty="0"/>
-              <a:t>Dojo</a:t>
-            </a:r>
-            <a:r>
-              <a:rPr lang="fr-FR" dirty="0"/>
-              <a:t> , </a:t>
-            </a:r>
-            <a:r>
-              <a:rPr lang="fr-FR" b="1" dirty="0" err="1"/>
-              <a:t>ExtJS</a:t>
-            </a:r>
-            <a:r>
-              <a:rPr lang="fr-FR" dirty="0"/>
-              <a:t>, </a:t>
-            </a:r>
-            <a:r>
-              <a:rPr lang="fr-FR" b="1" dirty="0"/>
-              <a:t>Google </a:t>
-            </a:r>
-            <a:r>
-              <a:rPr lang="fr-FR" b="1" dirty="0" err="1"/>
-              <a:t>Maps</a:t>
-            </a:r>
-            <a:r>
-              <a:rPr lang="fr-FR" dirty="0"/>
-              <a:t>, </a:t>
-            </a:r>
-            <a:r>
-              <a:rPr lang="fr-FR" b="1" dirty="0" err="1"/>
-              <a:t>Liferay</a:t>
-            </a:r>
-            <a:r>
-              <a:rPr lang="fr-FR" dirty="0"/>
-              <a:t>, </a:t>
-            </a:r>
-            <a:r>
-              <a:rPr lang="fr-FR" b="1" dirty="0" err="1"/>
-              <a:t>Meteor</a:t>
-            </a:r>
-            <a:r>
-              <a:rPr lang="fr-FR" dirty="0"/>
-              <a:t>, </a:t>
-            </a:r>
-            <a:r>
-              <a:rPr lang="fr-FR" b="1" dirty="0" err="1"/>
-              <a:t>Qooxdoo</a:t>
-            </a:r>
-            <a:r>
-              <a:rPr lang="fr-FR" dirty="0"/>
-              <a:t> , </a:t>
-            </a:r>
-            <a:r>
-              <a:rPr lang="fr-FR" b="1" dirty="0"/>
-              <a:t>YUI Library</a:t>
-            </a:r>
-            <a:r>
-              <a:rPr lang="fr-FR" dirty="0"/>
-              <a:t>.</a:t>
-            </a:r>
-          </a:p>
-          <a:p>
+              <a:rPr lang="fr-FR" dirty="0" smtClean="0"/>
+              <a:t>JSON Type Definition officiel: </a:t>
+            </a:r>
+            <a:endParaRPr lang="fr-FR" dirty="0" smtClean="0"/>
+          </a:p>
+          <a:p>
+            <a:pPr lvl="2"/>
+            <a:r>
+              <a:rPr lang="fr-FR" b="1" dirty="0" smtClean="0"/>
+              <a:t>ecma5</a:t>
+            </a:r>
             <a:endParaRPr lang="fr-FR" dirty="0"/>
           </a:p>
-        </p:txBody>
-      </p:sp>
-      <p:sp>
-        <p:nvSpPr>
-          <p:cNvPr id="4" name="Espace réservé du contenu 3"/>
-          <p:cNvSpPr>
-            <a:spLocks noGrp="1"/>
-          </p:cNvSpPr>
-          <p:nvPr>
-            <p:ph sz="half" idx="2"/>
-          </p:nvPr>
-        </p:nvSpPr>
-        <p:spPr/>
-        <p:txBody>
-          <a:bodyPr/>
-          <a:lstStyle/>
-          <a:p>
-            <a:endParaRPr lang="fr-FR" dirty="0"/>
+          <a:p>
+            <a:pPr lvl="2"/>
+            <a:r>
+              <a:rPr lang="fr-FR" b="1" dirty="0" smtClean="0"/>
+              <a:t>browser</a:t>
+            </a:r>
+            <a:endParaRPr lang="fr-FR" dirty="0" smtClean="0"/>
+          </a:p>
+          <a:p>
+            <a:pPr lvl="2"/>
+            <a:r>
+              <a:rPr lang="fr-FR" b="1" dirty="0" smtClean="0"/>
+              <a:t>jquery</a:t>
+            </a:r>
+            <a:endParaRPr lang="fr-FR" dirty="0" smtClean="0"/>
+          </a:p>
+          <a:p>
+            <a:pPr lvl="2"/>
+            <a:r>
+              <a:rPr lang="fr-FR" b="1" dirty="0" smtClean="0"/>
+              <a:t>underscore</a:t>
+            </a:r>
+            <a:endParaRPr lang="fr-FR" b="1" dirty="0" smtClean="0"/>
           </a:p>
         </p:txBody>
       </p:sp>
@@ -23889,10 +24145,64 @@
           </a:p>
         </p:txBody>
       </p:sp>
+      <p:pic>
+        <p:nvPicPr>
+          <p:cNvPr id="2050" name="Picture 2"/>
+          <p:cNvPicPr>
+            <a:picLocks noChangeAspect="1" noChangeArrowheads="1"/>
+          </p:cNvPicPr>
+          <p:nvPr/>
+        </p:nvPicPr>
+        <p:blipFill>
+          <a:blip r:embed="rId2">
+            <a:extLst>
+              <a:ext uri="{28A0092B-C50C-407E-A947-70E740481C1C}">
+                <a14:useLocalDpi xmlns:a14="http://schemas.microsoft.com/office/drawing/2010/main" val="0"/>
+              </a:ext>
+            </a:extLst>
+          </a:blip>
+          <a:srcRect/>
+          <a:stretch>
+            <a:fillRect/>
+          </a:stretch>
+        </p:blipFill>
+        <p:spPr bwMode="auto">
+          <a:xfrm>
+            <a:off x="4424498" y="915566"/>
+            <a:ext cx="4700803" cy="3240360"/>
+          </a:xfrm>
+          <a:prstGeom prst="rect">
+            <a:avLst/>
+          </a:prstGeom>
+          <a:noFill/>
+          <a:ln>
+            <a:noFill/>
+          </a:ln>
+          <a:extLst>
+            <a:ext uri="{909E8E84-426E-40DD-AFC4-6F175D3DCCD1}">
+              <a14:hiddenFill xmlns:a14="http://schemas.microsoft.com/office/drawing/2010/main">
+                <a:solidFill>
+                  <a:schemeClr val="accent1"/>
+                </a:solidFill>
+              </a14:hiddenFill>
+            </a:ext>
+            <a:ext uri="{91240B29-F687-4F45-9708-019B960494DF}">
+              <a14:hiddenLine xmlns:a14="http://schemas.microsoft.com/office/drawing/2010/main" w="9525">
+                <a:solidFill>
+                  <a:schemeClr val="tx1"/>
+                </a:solidFill>
+                <a:miter lim="800000"/>
+                <a:headEnd/>
+                <a:tailEnd/>
+              </a14:hiddenLine>
+            </a:ext>
+          </a:extLst>
+        </p:spPr>
+      </p:pic>
     </p:spTree>
     <p:extLst>
       <p:ext uri="{BB962C8B-B14F-4D97-AF65-F5344CB8AC3E}">
-        <p14:creationId xmlns:p14="http://schemas.microsoft.com/office/powerpoint/2010/main" val="2857317115"/>
+        <p14:creationId xmlns:p14="http://schemas.microsoft.com/office/powerpoint/2010/main" val="3194808461"/>
       </p:ext>
     </p:extLst>
   </p:cSld>

--- a/docs/tern.java_fr.pptx
+++ b/docs/tern.java_fr.pptx
@@ -5,7 +5,7 @@
     <p:sldMasterId id="2147483660" r:id="rId1"/>
   </p:sldMasterIdLst>
   <p:notesMasterIdLst>
-    <p:notesMasterId r:id="rId37"/>
+    <p:notesMasterId r:id="rId36"/>
   </p:notesMasterIdLst>
   <p:sldIdLst>
     <p:sldId id="258" r:id="rId2"/>
@@ -19,30 +19,29 @@
     <p:sldId id="297" r:id="rId10"/>
     <p:sldId id="266" r:id="rId11"/>
     <p:sldId id="267" r:id="rId12"/>
-    <p:sldId id="294" r:id="rId13"/>
-    <p:sldId id="292" r:id="rId14"/>
-    <p:sldId id="268" r:id="rId15"/>
-    <p:sldId id="269" r:id="rId16"/>
-    <p:sldId id="270" r:id="rId17"/>
-    <p:sldId id="271" r:id="rId18"/>
-    <p:sldId id="272" r:id="rId19"/>
-    <p:sldId id="273" r:id="rId20"/>
-    <p:sldId id="274" r:id="rId21"/>
-    <p:sldId id="275" r:id="rId22"/>
-    <p:sldId id="276" r:id="rId23"/>
-    <p:sldId id="277" r:id="rId24"/>
-    <p:sldId id="278" r:id="rId25"/>
-    <p:sldId id="279" r:id="rId26"/>
-    <p:sldId id="280" r:id="rId27"/>
-    <p:sldId id="281" r:id="rId28"/>
-    <p:sldId id="282" r:id="rId29"/>
-    <p:sldId id="283" r:id="rId30"/>
-    <p:sldId id="284" r:id="rId31"/>
-    <p:sldId id="285" r:id="rId32"/>
-    <p:sldId id="296" r:id="rId33"/>
-    <p:sldId id="286" r:id="rId34"/>
-    <p:sldId id="287" r:id="rId35"/>
-    <p:sldId id="288" r:id="rId36"/>
+    <p:sldId id="292" r:id="rId13"/>
+    <p:sldId id="268" r:id="rId14"/>
+    <p:sldId id="269" r:id="rId15"/>
+    <p:sldId id="270" r:id="rId16"/>
+    <p:sldId id="271" r:id="rId17"/>
+    <p:sldId id="272" r:id="rId18"/>
+    <p:sldId id="273" r:id="rId19"/>
+    <p:sldId id="274" r:id="rId20"/>
+    <p:sldId id="275" r:id="rId21"/>
+    <p:sldId id="276" r:id="rId22"/>
+    <p:sldId id="277" r:id="rId23"/>
+    <p:sldId id="278" r:id="rId24"/>
+    <p:sldId id="279" r:id="rId25"/>
+    <p:sldId id="280" r:id="rId26"/>
+    <p:sldId id="281" r:id="rId27"/>
+    <p:sldId id="282" r:id="rId28"/>
+    <p:sldId id="283" r:id="rId29"/>
+    <p:sldId id="284" r:id="rId30"/>
+    <p:sldId id="285" r:id="rId31"/>
+    <p:sldId id="296" r:id="rId32"/>
+    <p:sldId id="286" r:id="rId33"/>
+    <p:sldId id="287" r:id="rId34"/>
+    <p:sldId id="288" r:id="rId35"/>
   </p:sldIdLst>
   <p:sldSz cx="9144000" cy="5143500" type="screen16x9"/>
   <p:notesSz cx="6858000" cy="9144000"/>
@@ -15960,7 +15959,7 @@
             </a:r>
             <a:r>
               <a:rPr lang="fr-FR" dirty="0" smtClean="0"/>
-              <a:t>Definition</a:t>
+              <a:t>Definition.</a:t>
             </a:r>
           </a:p>
           <a:p>
@@ -15971,18 +15970,15 @@
             </a:r>
             <a:r>
               <a:rPr lang="fr-FR" dirty="0"/>
-              <a:t>de gérer plus finement le comportement d’une fonction, via du code JavaScript.</a:t>
-            </a:r>
-          </a:p>
-          <a:p>
-            <a:pPr lvl="1"/>
+              <a:t>de gérer plus finement le comportement d’une fonction, via du </a:t>
+            </a:r>
+            <a:r>
+              <a:rPr lang="fr-FR" b="1" dirty="0"/>
+              <a:t>code JavaScript</a:t>
+            </a:r>
             <a:r>
               <a:rPr lang="fr-FR" dirty="0"/>
-              <a:t>écrit en </a:t>
-            </a:r>
-            <a:r>
-              <a:rPr lang="fr-FR" dirty="0" smtClean="0"/>
-              <a:t>JavaScript</a:t>
+              <a:t>.</a:t>
             </a:r>
           </a:p>
           <a:p>
@@ -16015,7 +16011,7 @@
           <a:p>
             <a:pPr lvl="2"/>
             <a:r>
-              <a:rPr lang="fr-FR" b="1" dirty="0" err="1" smtClean="0"/>
+              <a:rPr lang="fr-FR" b="1" dirty="0" smtClean="0"/>
               <a:t>requirejs</a:t>
             </a:r>
             <a:endParaRPr lang="fr-FR" b="1" dirty="0"/>
@@ -16452,14 +16448,34 @@
             </a:r>
             <a:r>
               <a:rPr lang="fr-FR" dirty="0"/>
-              <a:t>) peut être utilisé dans d’autres solutions Java :</a:t>
+              <a:t>) </a:t>
+            </a:r>
+            <a:r>
+              <a:rPr lang="fr-FR" dirty="0" smtClean="0"/>
+              <a:t>pourrait être </a:t>
+            </a:r>
+            <a:r>
+              <a:rPr lang="fr-FR" dirty="0"/>
+              <a:t>utilisé dans d’autres solutions Java :</a:t>
             </a:r>
           </a:p>
           <a:p>
             <a:pPr marL="742950" lvl="2" indent="-342900"/>
             <a:r>
+              <a:rPr lang="fr-FR" b="1" dirty="0"/>
+              <a:t>Champs </a:t>
+            </a:r>
+            <a:r>
+              <a:rPr lang="fr-FR" b="1" dirty="0" smtClean="0"/>
+              <a:t>texte </a:t>
+            </a:r>
+            <a:r>
+              <a:rPr lang="fr-FR" b="1" dirty="0"/>
+              <a:t>simple</a:t>
+            </a:r>
+            <a:r>
               <a:rPr lang="fr-FR" dirty="0"/>
-              <a:t>Champs textes simple : SWT Text, Swing </a:t>
+              <a:t> : SWT Text, Swing </a:t>
             </a:r>
             <a:r>
               <a:rPr lang="fr-FR" dirty="0" err="1"/>
@@ -16473,8 +16489,12 @@
           <a:p>
             <a:pPr marL="742950" lvl="2" indent="-342900"/>
             <a:r>
+              <a:rPr lang="fr-FR" b="1" dirty="0"/>
+              <a:t>Editeur (IDE)</a:t>
+            </a:r>
+            <a:r>
               <a:rPr lang="fr-FR" dirty="0"/>
-              <a:t>Editeur (IDE): </a:t>
+              <a:t>: </a:t>
             </a:r>
             <a:r>
               <a:rPr lang="fr-FR" dirty="0" err="1"/>
@@ -16580,11 +16600,11 @@
           <a:p>
             <a:r>
               <a:rPr lang="fr-FR" dirty="0" smtClean="0"/>
-              <a:t>Pourquoi tern.java</a:t>
-            </a:r>
-            <a:r>
-              <a:rPr lang="fr-FR" dirty="0"/>
-              <a:t>?</a:t>
+              <a:t>Tern.java, </a:t>
+            </a:r>
+            <a:r>
+              <a:rPr lang="fr-FR" dirty="0" smtClean="0"/>
+              <a:t>qui l’utilise?</a:t>
             </a:r>
             <a:endParaRPr lang="fr-FR" dirty="0"/>
           </a:p>
@@ -16603,7 +16623,7 @@
         <p:spPr>
           <a:xfrm>
             <a:off x="251520" y="843558"/>
-            <a:ext cx="4536504" cy="3750667"/>
+            <a:ext cx="8640960" cy="3750667"/>
           </a:xfrm>
         </p:spPr>
         <p:txBody>
@@ -16612,172 +16632,157 @@
           </a:bodyPr>
           <a:lstStyle/>
           <a:p>
-            <a:pPr marL="342900" lvl="1" indent="-342900">
-              <a:buClr>
-                <a:schemeClr val="accent6"/>
-              </a:buClr>
-              <a:buFont typeface="Wingdings" pitchFamily="2" charset="2"/>
-              <a:buChar char="§"/>
-            </a:pPr>
+            <a:r>
+              <a:rPr lang="fr-FR" b="1" dirty="0" err="1" smtClean="0"/>
+              <a:t>JBoss</a:t>
+            </a:r>
             <a:r>
               <a:rPr lang="fr-FR" b="1" dirty="0" smtClean="0"/>
-              <a:t>TODO</a:t>
-            </a:r>
-            <a:endParaRPr lang="fr-FR" dirty="0"/>
-          </a:p>
-          <a:p>
-            <a:endParaRPr lang="fr-FR" dirty="0" smtClean="0">
-              <a:solidFill>
-                <a:srgbClr val="C00000"/>
-              </a:solidFill>
-            </a:endParaRPr>
-          </a:p>
-          <a:p>
-            <a:r>
-              <a:rPr lang="fr-FR" dirty="0" smtClean="0">
-                <a:solidFill>
-                  <a:srgbClr val="C00000"/>
-                </a:solidFill>
+              <a:t> Studio </a:t>
+            </a:r>
+            <a:r>
+              <a:rPr lang="fr-FR" dirty="0" smtClean="0"/>
+              <a:t>: </a:t>
+            </a:r>
+          </a:p>
+          <a:p>
+            <a:pPr lvl="1"/>
+            <a:r>
+              <a:rPr lang="fr-FR" dirty="0" smtClean="0"/>
+              <a:t>Support </a:t>
+            </a:r>
+            <a:r>
+              <a:rPr lang="fr-FR" dirty="0" err="1" smtClean="0"/>
+              <a:t>Cordova</a:t>
+            </a:r>
+            <a:endParaRPr lang="fr-FR" dirty="0" smtClean="0"/>
+          </a:p>
+          <a:p>
+            <a:pPr lvl="1"/>
+            <a:r>
+              <a:rPr lang="fr-FR" dirty="0" smtClean="0"/>
+              <a:t>Support Angular</a:t>
+            </a:r>
+          </a:p>
+          <a:p>
+            <a:pPr lvl="1"/>
+            <a:r>
+              <a:rPr lang="fr-FR" dirty="0">
+                <a:hlinkClick r:id="rId2"/>
               </a:rPr>
-              <a:t>Pourrait </a:t>
-            </a:r>
+              <a:t>http://tools.jboss.org/blog/2014-06-19-beta2-for-luna.html#better-javascript</a:t>
+            </a:r>
+            <a:endParaRPr lang="fr-FR" dirty="0" smtClean="0"/>
+          </a:p>
+          <a:p>
+            <a:r>
+              <a:rPr lang="fr-FR" b="1" dirty="0" err="1" smtClean="0"/>
+              <a:t>Liferay</a:t>
+            </a:r>
+            <a:r>
+              <a:rPr lang="fr-FR" b="1" dirty="0" smtClean="0"/>
+              <a:t> IDE 2.2</a:t>
+            </a:r>
+            <a:r>
+              <a:rPr lang="fr-FR" dirty="0" smtClean="0"/>
+              <a:t> : </a:t>
+            </a:r>
+          </a:p>
+          <a:p>
+            <a:pPr lvl="1"/>
+            <a:r>
+              <a:rPr lang="fr-FR" dirty="0" smtClean="0"/>
+              <a:t>support </a:t>
+            </a:r>
+            <a:r>
+              <a:rPr lang="fr-FR" dirty="0"/>
+              <a:t>YUI </a:t>
+            </a:r>
+            <a:r>
+              <a:rPr lang="fr-FR" dirty="0" smtClean="0"/>
+              <a:t>, AUI et </a:t>
+            </a:r>
+            <a:r>
+              <a:rPr lang="fr-FR" dirty="0" err="1" smtClean="0"/>
+              <a:t>Liferay</a:t>
+            </a:r>
+            <a:endParaRPr lang="fr-FR" dirty="0" smtClean="0"/>
+          </a:p>
+          <a:p>
+            <a:pPr lvl="1"/>
             <a:r>
               <a:rPr lang="fr-FR" dirty="0">
-                <a:solidFill>
-                  <a:srgbClr val="C00000"/>
-                </a:solidFill>
+                <a:hlinkClick r:id="rId3"/>
               </a:rPr>
-              <a:t>être intégré pour </a:t>
-            </a:r>
-            <a:r>
-              <a:rPr lang="fr-FR" dirty="0" err="1"/>
-              <a:t>Netbeans</a:t>
-            </a:r>
-            <a:r>
-              <a:rPr lang="fr-FR" dirty="0"/>
-              <a:t>, </a:t>
-            </a:r>
-            <a:r>
-              <a:rPr lang="fr-FR" dirty="0" err="1"/>
-              <a:t>IntelliJ</a:t>
-            </a:r>
-            <a:r>
-              <a:rPr lang="fr-FR" dirty="0"/>
-              <a:t> IDEA, Visual Studio .</a:t>
-            </a:r>
-            <a:r>
-              <a:rPr lang="fr-FR" dirty="0" smtClean="0"/>
-              <a:t>NET</a:t>
-            </a:r>
-            <a:endParaRPr lang="fr-FR" dirty="0"/>
-          </a:p>
-        </p:txBody>
-      </p:sp>
-      <p:sp>
-        <p:nvSpPr>
-          <p:cNvPr id="4" name="Espace réservé du contenu 3"/>
-          <p:cNvSpPr>
-            <a:spLocks noGrp="1"/>
-          </p:cNvSpPr>
-          <p:nvPr>
-            <p:ph sz="half" idx="2"/>
-          </p:nvPr>
-        </p:nvSpPr>
-        <p:spPr/>
-        <p:txBody>
-          <a:bodyPr/>
-          <a:lstStyle/>
-          <a:p>
-            <a:r>
-              <a:rPr lang="fr-FR" dirty="0"/>
-              <a:t>Le projet est découpé en 2 parties :</a:t>
+              <a:t>http://www.liferay.com/fr/web/gregory.amerson/blog/-/blogs/liferay-ide-2-2-release</a:t>
+            </a:r>
+            <a:endParaRPr lang="fr-FR" dirty="0" smtClean="0"/>
+          </a:p>
+          <a:p>
+            <a:r>
+              <a:rPr lang="fr-FR" b="1" dirty="0" smtClean="0"/>
+              <a:t>Nodeclipse</a:t>
+            </a:r>
+            <a:r>
+              <a:rPr lang="fr-FR" dirty="0" smtClean="0"/>
+              <a:t>:</a:t>
             </a:r>
           </a:p>
           <a:p>
             <a:pPr lvl="1"/>
             <a:r>
-              <a:rPr lang="fr-FR" b="1" dirty="0" err="1"/>
-              <a:t>core</a:t>
-            </a:r>
-            <a:r>
-              <a:rPr lang="fr-FR" dirty="0"/>
-              <a:t> : utilisation de tern.js dans un contexte Java</a:t>
+              <a:rPr lang="fr-FR" dirty="0" smtClean="0"/>
+              <a:t>Support node, express, </a:t>
+            </a:r>
+            <a:r>
+              <a:rPr lang="fr-FR" dirty="0" err="1" smtClean="0"/>
+              <a:t>mongodb</a:t>
+            </a:r>
+            <a:r>
+              <a:rPr lang="fr-FR" dirty="0" smtClean="0"/>
+              <a:t> native, </a:t>
+            </a:r>
+            <a:r>
+              <a:rPr lang="fr-FR" dirty="0" err="1" smtClean="0"/>
+              <a:t>mongoose</a:t>
+            </a:r>
+            <a:r>
+              <a:rPr lang="fr-FR" dirty="0" smtClean="0"/>
+              <a:t>.</a:t>
             </a:r>
           </a:p>
           <a:p>
             <a:pPr lvl="1"/>
             <a:r>
-              <a:rPr lang="fr-FR" b="1" dirty="0" err="1"/>
-              <a:t>eclipse</a:t>
-            </a:r>
-            <a:r>
-              <a:rPr lang="fr-FR" dirty="0"/>
-              <a:t> : utilisation de tern.java (</a:t>
-            </a:r>
-            <a:r>
-              <a:rPr lang="fr-FR" dirty="0" err="1"/>
-              <a:t>core</a:t>
-            </a:r>
-            <a:r>
-              <a:rPr lang="fr-FR" dirty="0"/>
-              <a:t>) dans Eclipse IDE</a:t>
-            </a:r>
-          </a:p>
-          <a:p>
-            <a:pPr marL="342900" lvl="1" indent="-342900"/>
-            <a:r>
-              <a:rPr lang="fr-FR" dirty="0"/>
-              <a:t>tern.java (</a:t>
-            </a:r>
-            <a:r>
-              <a:rPr lang="fr-FR" dirty="0" err="1"/>
-              <a:t>core</a:t>
-            </a:r>
-            <a:r>
-              <a:rPr lang="fr-FR" dirty="0"/>
-              <a:t>) peut être utilisé dans d’autres solutions Java :</a:t>
-            </a:r>
-          </a:p>
-          <a:p>
-            <a:pPr marL="742950" lvl="2" indent="-342900"/>
-            <a:r>
-              <a:rPr lang="fr-FR" dirty="0"/>
-              <a:t>Champs textes simple : SWT Text, Swing </a:t>
-            </a:r>
-            <a:r>
-              <a:rPr lang="fr-FR" dirty="0" err="1"/>
-              <a:t>JTextField</a:t>
-            </a:r>
-            <a:r>
-              <a:rPr lang="fr-FR" dirty="0"/>
-              <a:t>, etc </a:t>
-            </a:r>
-          </a:p>
-          <a:p>
-            <a:pPr marL="742950" lvl="2" indent="-342900"/>
-            <a:r>
-              <a:rPr lang="fr-FR" dirty="0"/>
-              <a:t>Editeur (IDE): </a:t>
-            </a:r>
-            <a:r>
-              <a:rPr lang="fr-FR" dirty="0" err="1"/>
-              <a:t>IntelliJ</a:t>
-            </a:r>
-            <a:r>
-              <a:rPr lang="fr-FR" dirty="0"/>
-              <a:t> IDEA, </a:t>
-            </a:r>
-            <a:r>
-              <a:rPr lang="fr-FR" dirty="0" err="1"/>
-              <a:t>Netbeans</a:t>
-            </a:r>
-            <a:r>
-              <a:rPr lang="fr-FR" dirty="0"/>
-              <a:t>, etc</a:t>
-            </a:r>
-          </a:p>
-          <a:p>
-            <a:endParaRPr lang="fr-FR" dirty="0"/>
+              <a:rPr lang="fr-FR" dirty="0">
+                <a:hlinkClick r:id="rId4"/>
+              </a:rPr>
+              <a:t>http://www.nodeclipse.org/</a:t>
+            </a:r>
+            <a:endParaRPr lang="fr-FR" dirty="0" smtClean="0"/>
+          </a:p>
+          <a:p>
+            <a:r>
+              <a:rPr lang="fr-FR" b="1" dirty="0" err="1" smtClean="0"/>
+              <a:t>MyEclipse</a:t>
+            </a:r>
+            <a:r>
+              <a:rPr lang="fr-FR" b="1" dirty="0" smtClean="0"/>
+              <a:t>:</a:t>
+            </a:r>
+          </a:p>
+          <a:p>
+            <a:pPr lvl="1"/>
+            <a:r>
+              <a:rPr lang="fr-FR" dirty="0">
+                <a:hlinkClick r:id="rId5"/>
+              </a:rPr>
+              <a:t>https://www.genuitec.com/tag/tern/</a:t>
+            </a:r>
+            <a:endParaRPr lang="fr-FR" dirty="0" smtClean="0"/>
+          </a:p>
+          <a:p>
+            <a:endParaRPr lang="fr-FR" dirty="0" smtClean="0"/>
           </a:p>
         </p:txBody>
       </p:sp>
@@ -16807,7 +16812,7 @@
     </p:spTree>
     <p:extLst>
       <p:ext uri="{BB962C8B-B14F-4D97-AF65-F5344CB8AC3E}">
-        <p14:creationId xmlns:p14="http://schemas.microsoft.com/office/powerpoint/2010/main" val="56522223"/>
+        <p14:creationId xmlns:p14="http://schemas.microsoft.com/office/powerpoint/2010/main" val="661578580"/>
       </p:ext>
     </p:extLst>
   </p:cSld>
@@ -16858,200 +16863,109 @@
         </p:nvSpPr>
         <p:spPr/>
         <p:txBody>
-          <a:bodyPr/>
-          <a:lstStyle/>
-          <a:p>
-            <a:r>
-              <a:rPr lang="fr-FR" dirty="0" smtClean="0"/>
-              <a:t>Tern.java, </a:t>
-            </a:r>
-            <a:r>
-              <a:rPr lang="fr-FR" dirty="0" smtClean="0"/>
-              <a:t>qui l’utilise?</a:t>
-            </a:r>
-            <a:endParaRPr lang="fr-FR" dirty="0"/>
-          </a:p>
-        </p:txBody>
-      </p:sp>
-      <p:sp>
-        <p:nvSpPr>
-          <p:cNvPr id="3" name="Espace réservé du contenu 2"/>
-          <p:cNvSpPr>
-            <a:spLocks noGrp="1"/>
-          </p:cNvSpPr>
-          <p:nvPr>
-            <p:ph sz="half" idx="1"/>
-          </p:nvPr>
-        </p:nvSpPr>
-        <p:spPr>
-          <a:xfrm>
-            <a:off x="251520" y="843558"/>
-            <a:ext cx="8640960" cy="3750667"/>
-          </a:xfrm>
-        </p:spPr>
-        <p:txBody>
           <a:bodyPr>
             <a:normAutofit/>
           </a:bodyPr>
           <a:lstStyle/>
           <a:p>
             <a:r>
-              <a:rPr lang="fr-FR" b="1" dirty="0" err="1" smtClean="0"/>
-              <a:t>JBoss</a:t>
+              <a:rPr lang="fr-FR" dirty="0" smtClean="0"/>
+              <a:t>Tern.java – Démo (Eclipse  SWT)</a:t>
+            </a:r>
+            <a:endParaRPr lang="fr-FR" dirty="0"/>
+          </a:p>
+        </p:txBody>
+      </p:sp>
+      <p:sp>
+        <p:nvSpPr>
+          <p:cNvPr id="4" name="Espace réservé du contenu 3"/>
+          <p:cNvSpPr>
+            <a:spLocks noGrp="1"/>
+          </p:cNvSpPr>
+          <p:nvPr>
+            <p:ph sz="half" idx="2"/>
+          </p:nvPr>
+        </p:nvSpPr>
+        <p:spPr/>
+        <p:txBody>
+          <a:bodyPr/>
+          <a:lstStyle/>
+          <a:p>
+            <a:r>
+              <a:rPr lang="fr-FR" dirty="0" smtClean="0"/>
+              <a:t>Démo avec le </a:t>
             </a:r>
             <a:r>
               <a:rPr lang="fr-FR" b="1" dirty="0" smtClean="0"/>
-              <a:t> Studio </a:t>
-            </a:r>
-            <a:r>
-              <a:rPr lang="fr-FR" dirty="0" smtClean="0"/>
-              <a:t>: </a:t>
-            </a:r>
-          </a:p>
-          <a:p>
-            <a:pPr lvl="1"/>
-            <a:r>
-              <a:rPr lang="fr-FR" dirty="0" smtClean="0"/>
-              <a:t>Support </a:t>
-            </a:r>
-            <a:r>
-              <a:rPr lang="fr-FR" dirty="0" err="1" smtClean="0"/>
-              <a:t>Cordova</a:t>
-            </a:r>
+              <a:t>module browser</a:t>
+            </a:r>
+            <a:r>
+              <a:rPr lang="fr-FR" dirty="0" smtClean="0"/>
+              <a:t> et un simple champs texte SWT : </a:t>
+            </a:r>
+          </a:p>
+          <a:p>
             <a:endParaRPr lang="fr-FR" dirty="0" smtClean="0"/>
           </a:p>
-          <a:p>
-            <a:pPr lvl="1"/>
-            <a:r>
-              <a:rPr lang="fr-FR" dirty="0" smtClean="0"/>
-              <a:t>Support Angular</a:t>
-            </a:r>
-          </a:p>
-          <a:p>
-            <a:pPr lvl="1"/>
-            <a:r>
-              <a:rPr lang="fr-FR" dirty="0">
-                <a:hlinkClick r:id="rId2"/>
-              </a:rPr>
-              <a:t>http://tools.jboss.org/blog/2014-06-19-beta2-for-luna.html#better-javascript</a:t>
-            </a:r>
-            <a:endParaRPr lang="fr-FR" dirty="0" smtClean="0"/>
-          </a:p>
-          <a:p>
-            <a:r>
-              <a:rPr lang="fr-FR" b="1" dirty="0" err="1" smtClean="0"/>
-              <a:t>Liferay</a:t>
-            </a:r>
-            <a:r>
-              <a:rPr lang="fr-FR" b="1" dirty="0" smtClean="0"/>
-              <a:t> IDE 2.2</a:t>
-            </a:r>
-            <a:r>
-              <a:rPr lang="fr-FR" dirty="0" smtClean="0"/>
-              <a:t> : </a:t>
-            </a:r>
-          </a:p>
-          <a:p>
-            <a:pPr lvl="1"/>
-            <a:r>
-              <a:rPr lang="fr-FR" dirty="0" smtClean="0"/>
-              <a:t>support </a:t>
-            </a:r>
-            <a:r>
-              <a:rPr lang="fr-FR" dirty="0"/>
-              <a:t>YUI </a:t>
-            </a:r>
-            <a:r>
-              <a:rPr lang="fr-FR" dirty="0" smtClean="0"/>
-              <a:t>, AUI et </a:t>
-            </a:r>
-            <a:r>
-              <a:rPr lang="fr-FR" dirty="0" err="1" smtClean="0"/>
-              <a:t>Liferay</a:t>
-            </a:r>
-            <a:endParaRPr lang="fr-FR" dirty="0" smtClean="0"/>
-          </a:p>
-          <a:p>
-            <a:pPr lvl="1"/>
-            <a:r>
-              <a:rPr lang="fr-FR" dirty="0">
-                <a:hlinkClick r:id="rId3"/>
-              </a:rPr>
-              <a:t>http://www.liferay.com/fr/web/gregory.amerson/blog/-/blogs/liferay-ide-2-2-release</a:t>
-            </a:r>
-            <a:endParaRPr lang="fr-FR" dirty="0" smtClean="0"/>
-          </a:p>
-          <a:p>
-            <a:r>
-              <a:rPr lang="fr-FR" b="1" dirty="0" err="1" smtClean="0"/>
-              <a:t>Nodeclipse</a:t>
-            </a:r>
-            <a:r>
-              <a:rPr lang="fr-FR" dirty="0" smtClean="0"/>
-              <a:t>:</a:t>
-            </a:r>
-          </a:p>
-          <a:p>
-            <a:pPr lvl="1"/>
-            <a:r>
-              <a:rPr lang="fr-FR" dirty="0" smtClean="0"/>
-              <a:t>Support node, express, </a:t>
-            </a:r>
-            <a:r>
-              <a:rPr lang="fr-FR" dirty="0" err="1" smtClean="0"/>
-              <a:t>mongodb</a:t>
-            </a:r>
-            <a:r>
-              <a:rPr lang="fr-FR" dirty="0" smtClean="0"/>
-              <a:t> native, </a:t>
-            </a:r>
-            <a:r>
-              <a:rPr lang="fr-FR" dirty="0" err="1" smtClean="0"/>
-              <a:t>mongoose</a:t>
-            </a:r>
-            <a:r>
-              <a:rPr lang="fr-FR" dirty="0" smtClean="0"/>
-              <a:t>.</a:t>
-            </a:r>
-          </a:p>
-          <a:p>
-            <a:pPr lvl="1"/>
-            <a:r>
-              <a:rPr lang="fr-FR" dirty="0">
-                <a:hlinkClick r:id="rId4"/>
-              </a:rPr>
-              <a:t>http://www.nodeclipse.org/</a:t>
-            </a:r>
-            <a:endParaRPr lang="fr-FR" dirty="0" smtClean="0"/>
-          </a:p>
-          <a:p>
-            <a:r>
-              <a:rPr lang="fr-FR" b="1" dirty="0" err="1" smtClean="0"/>
-              <a:t>MyEclipse</a:t>
-            </a:r>
-            <a:r>
-              <a:rPr lang="fr-FR" b="1" dirty="0" smtClean="0"/>
-              <a:t>:</a:t>
-            </a:r>
-          </a:p>
-          <a:p>
-            <a:pPr lvl="1"/>
-            <a:r>
-              <a:rPr lang="fr-FR" dirty="0">
-                <a:hlinkClick r:id="rId5"/>
-              </a:rPr>
-              <a:t>https://www.genuitec.com/tag/tern/</a:t>
-            </a:r>
-            <a:endParaRPr lang="fr-FR" dirty="0" smtClean="0"/>
-          </a:p>
-          <a:p>
-            <a:endParaRPr lang="fr-FR" dirty="0" smtClean="0"/>
-          </a:p>
-        </p:txBody>
-      </p:sp>
-      <p:sp>
-        <p:nvSpPr>
-          <p:cNvPr id="5" name="Espace réservé du numéro de diapositive 4"/>
+        </p:txBody>
+      </p:sp>
+      <p:pic>
+        <p:nvPicPr>
+          <p:cNvPr id="2051" name="Picture 3"/>
+          <p:cNvPicPr>
+            <a:picLocks noChangeAspect="1" noChangeArrowheads="1"/>
+          </p:cNvPicPr>
+          <p:nvPr/>
+        </p:nvPicPr>
+        <p:blipFill>
+          <a:blip r:embed="rId2">
+            <a:extLst>
+              <a:ext uri="{28A0092B-C50C-407E-A947-70E740481C1C}">
+                <a14:useLocalDpi xmlns:a14="http://schemas.microsoft.com/office/drawing/2010/main" val="0"/>
+              </a:ext>
+            </a:extLst>
+          </a:blip>
+          <a:srcRect/>
+          <a:stretch>
+            <a:fillRect/>
+          </a:stretch>
+        </p:blipFill>
+        <p:spPr bwMode="auto">
+          <a:xfrm>
+            <a:off x="2123728" y="1545636"/>
+            <a:ext cx="3653582" cy="2712508"/>
+          </a:xfrm>
+          <a:prstGeom prst="rect">
+            <a:avLst/>
+          </a:prstGeom>
+          <a:noFill/>
+          <a:ln>
+            <a:noFill/>
+          </a:ln>
+          <a:extLst>
+            <a:ext uri="{909E8E84-426E-40DD-AFC4-6F175D3DCCD1}">
+              <a14:hiddenFill xmlns:a14="http://schemas.microsoft.com/office/drawing/2010/main">
+                <a:solidFill>
+                  <a:schemeClr val="accent1"/>
+                </a:solidFill>
+              </a14:hiddenFill>
+            </a:ext>
+            <a:ext uri="{91240B29-F687-4F45-9708-019B960494DF}">
+              <a14:hiddenLine xmlns:a14="http://schemas.microsoft.com/office/drawing/2010/main" w="9525">
+                <a:solidFill>
+                  <a:schemeClr val="tx1"/>
+                </a:solidFill>
+                <a:miter lim="800000"/>
+                <a:headEnd/>
+                <a:tailEnd/>
+              </a14:hiddenLine>
+            </a:ext>
+          </a:extLst>
+        </p:spPr>
+      </p:pic>
+      <p:sp>
+        <p:nvSpPr>
+          <p:cNvPr id="3" name="Espace réservé du numéro de diapositive 2"/>
           <p:cNvSpPr>
             <a:spLocks noGrp="1"/>
           </p:cNvSpPr>
@@ -17075,7 +16989,7 @@
     </p:spTree>
     <p:extLst>
       <p:ext uri="{BB962C8B-B14F-4D97-AF65-F5344CB8AC3E}">
-        <p14:creationId xmlns:p14="http://schemas.microsoft.com/office/powerpoint/2010/main" val="661578580"/>
+        <p14:creationId xmlns:p14="http://schemas.microsoft.com/office/powerpoint/2010/main" val="871906864"/>
       </p:ext>
     </p:extLst>
   </p:cSld>
@@ -17126,16 +17040,189 @@
         </p:nvSpPr>
         <p:spPr/>
         <p:txBody>
+          <a:bodyPr/>
+          <a:lstStyle/>
+          <a:p>
+            <a:r>
+              <a:rPr lang="fr-FR" dirty="0" smtClean="0"/>
+              <a:t>Tern</a:t>
+            </a:r>
+            <a:r>
+              <a:rPr lang="fr-FR" dirty="0"/>
+              <a:t> </a:t>
+            </a:r>
+            <a:r>
+              <a:rPr lang="fr-FR" dirty="0" smtClean="0"/>
+              <a:t>IDE, c’est quoi?</a:t>
+            </a:r>
+            <a:endParaRPr lang="fr-FR" dirty="0"/>
+          </a:p>
+        </p:txBody>
+      </p:sp>
+      <p:sp>
+        <p:nvSpPr>
+          <p:cNvPr id="3" name="Espace réservé du contenu 2"/>
+          <p:cNvSpPr>
+            <a:spLocks noGrp="1"/>
+          </p:cNvSpPr>
+          <p:nvPr>
+            <p:ph sz="half" idx="1"/>
+          </p:nvPr>
+        </p:nvSpPr>
+        <p:spPr/>
+        <p:txBody>
           <a:bodyPr>
-            <a:normAutofit/>
+            <a:normAutofit lnSpcReduction="10000"/>
           </a:bodyPr>
           <a:lstStyle/>
           <a:p>
             <a:r>
               <a:rPr lang="fr-FR" dirty="0" smtClean="0"/>
-              <a:t>Tern.java – Démo (Eclipse  SWT)</a:t>
+              <a:t>Pour rappel</a:t>
+            </a:r>
+            <a:r>
+              <a:rPr lang="fr-FR" b="1" dirty="0" smtClean="0"/>
+              <a:t>, </a:t>
+            </a:r>
+            <a:r>
+              <a:rPr lang="fr-FR" b="1" dirty="0"/>
+              <a:t>JSDT</a:t>
+            </a:r>
+            <a:r>
+              <a:rPr lang="fr-FR" dirty="0"/>
+              <a:t> est le plugin Eclipse officiel </a:t>
+            </a:r>
+            <a:r>
+              <a:rPr lang="fr-FR" dirty="0" smtClean="0"/>
+              <a:t>pour JavaScript.</a:t>
             </a:r>
             <a:endParaRPr lang="fr-FR" dirty="0"/>
+          </a:p>
+          <a:p>
+            <a:r>
+              <a:rPr lang="fr-FR" b="1" dirty="0" smtClean="0"/>
+              <a:t>Tern IDE </a:t>
+            </a:r>
+            <a:r>
+              <a:rPr lang="fr-FR" dirty="0" smtClean="0"/>
+              <a:t>est un ensemble de plugins Eclipse basé sur </a:t>
+            </a:r>
+            <a:r>
+              <a:rPr lang="fr-FR" b="1" dirty="0" smtClean="0"/>
+              <a:t>tern.java</a:t>
+            </a:r>
+            <a:r>
+              <a:rPr lang="fr-FR" dirty="0" smtClean="0"/>
+              <a:t> pour l’IDE Eclipse.</a:t>
+            </a:r>
+          </a:p>
+          <a:p>
+            <a:r>
+              <a:rPr lang="fr-FR" dirty="0" smtClean="0"/>
+              <a:t>Il est découpé en 4 grandes parties : </a:t>
+            </a:r>
+          </a:p>
+          <a:p>
+            <a:pPr lvl="1"/>
+            <a:r>
+              <a:rPr lang="fr-FR" dirty="0" smtClean="0"/>
+              <a:t>Tern IDE </a:t>
+            </a:r>
+            <a:r>
+              <a:rPr lang="fr-FR" b="1" dirty="0" err="1" smtClean="0"/>
+              <a:t>Core</a:t>
+            </a:r>
+            <a:r>
+              <a:rPr lang="fr-FR" b="1" dirty="0" smtClean="0"/>
+              <a:t>/UI</a:t>
+            </a:r>
+          </a:p>
+          <a:p>
+            <a:pPr lvl="1"/>
+            <a:r>
+              <a:rPr lang="fr-FR" dirty="0" smtClean="0"/>
+              <a:t>Tern - </a:t>
+            </a:r>
+            <a:r>
+              <a:rPr lang="fr-FR" b="1" dirty="0" err="1" smtClean="0"/>
+              <a:t>Embed</a:t>
+            </a:r>
+            <a:r>
+              <a:rPr lang="fr-FR" b="1" dirty="0" smtClean="0"/>
+              <a:t> Node.js </a:t>
+            </a:r>
+            <a:r>
+              <a:rPr lang="fr-FR" dirty="0" smtClean="0"/>
+              <a:t>: fournit un serveur node.js (à utiliser si node.js n’est pas installé)</a:t>
+            </a:r>
+            <a:endParaRPr lang="fr-FR" dirty="0"/>
+          </a:p>
+          <a:p>
+            <a:pPr lvl="1"/>
+            <a:r>
+              <a:rPr lang="fr-FR" dirty="0" smtClean="0"/>
+              <a:t>Tern – </a:t>
+            </a:r>
+            <a:r>
+              <a:rPr lang="fr-FR" b="1" dirty="0" smtClean="0"/>
+              <a:t>JSDT</a:t>
+            </a:r>
+            <a:r>
+              <a:rPr lang="fr-FR" dirty="0" smtClean="0"/>
+              <a:t> : étend </a:t>
+            </a:r>
+            <a:r>
+              <a:rPr lang="fr-FR" dirty="0"/>
+              <a:t>la </a:t>
+            </a:r>
+            <a:r>
+              <a:rPr lang="fr-FR" dirty="0" smtClean="0"/>
+              <a:t>complétion</a:t>
+            </a:r>
+            <a:r>
+              <a:rPr lang="fr-FR" dirty="0"/>
+              <a:t>, </a:t>
+            </a:r>
+            <a:r>
+              <a:rPr lang="fr-FR" dirty="0" err="1"/>
+              <a:t>text</a:t>
+            </a:r>
+            <a:r>
+              <a:rPr lang="fr-FR" dirty="0"/>
+              <a:t> hover pour </a:t>
+            </a:r>
+            <a:r>
+              <a:rPr lang="fr-FR" dirty="0" smtClean="0"/>
+              <a:t>utiliser </a:t>
+            </a:r>
+            <a:r>
+              <a:rPr lang="fr-FR" dirty="0"/>
+              <a:t>tern dans </a:t>
+            </a:r>
+            <a:r>
+              <a:rPr lang="fr-FR" dirty="0" smtClean="0"/>
+              <a:t>l’</a:t>
+            </a:r>
+            <a:r>
+              <a:rPr lang="fr-FR" dirty="0"/>
+              <a:t>é</a:t>
+            </a:r>
+            <a:r>
+              <a:rPr lang="fr-FR" dirty="0" smtClean="0"/>
+              <a:t>diteur JavaScript JSDT</a:t>
+            </a:r>
+          </a:p>
+          <a:p>
+            <a:pPr lvl="1"/>
+            <a:r>
+              <a:rPr lang="fr-FR" dirty="0" smtClean="0"/>
+              <a:t>Tern - </a:t>
+            </a:r>
+            <a:r>
+              <a:rPr lang="fr-FR" b="1" dirty="0" err="1" smtClean="0"/>
+              <a:t>Tooling</a:t>
+            </a:r>
+            <a:endParaRPr lang="fr-FR" b="1" dirty="0" smtClean="0"/>
           </a:p>
         </p:txBody>
       </p:sp>
@@ -17155,80 +17242,126 @@
           <a:lstStyle/>
           <a:p>
             <a:r>
-              <a:rPr lang="fr-FR" dirty="0" smtClean="0"/>
-              <a:t>Démo avec le </a:t>
+              <a:rPr lang="fr-FR" dirty="0"/>
+              <a:t>Tern IDE n’est pas lié à JSDT, il peut être utilisé avec d’autres </a:t>
+            </a:r>
+            <a:r>
+              <a:rPr lang="fr-FR" dirty="0" smtClean="0"/>
+              <a:t>éditeurs JavaScript.</a:t>
+            </a:r>
+            <a:endParaRPr lang="fr-FR" dirty="0"/>
+          </a:p>
+          <a:p>
+            <a:r>
+              <a:rPr lang="fr-FR" dirty="0"/>
+              <a:t>Tern IDE utilise tern pour </a:t>
+            </a:r>
+            <a:r>
+              <a:rPr lang="fr-FR" dirty="0" smtClean="0"/>
+              <a:t>fournir dans l’éditeur JavaScript JSDT:</a:t>
+            </a:r>
+            <a:endParaRPr lang="fr-FR" dirty="0"/>
+          </a:p>
+          <a:p>
+            <a:pPr lvl="1"/>
+            <a:r>
+              <a:rPr lang="fr-FR" dirty="0" smtClean="0"/>
+              <a:t>la </a:t>
             </a:r>
             <a:r>
               <a:rPr lang="fr-FR" b="1" dirty="0" smtClean="0"/>
-              <a:t>module browser</a:t>
-            </a:r>
-            <a:r>
-              <a:rPr lang="fr-FR" dirty="0" smtClean="0"/>
-              <a:t> et un simple champs texte SWT : </a:t>
-            </a:r>
-          </a:p>
-          <a:p>
-            <a:endParaRPr lang="fr-FR" dirty="0" smtClean="0"/>
-          </a:p>
-        </p:txBody>
-      </p:sp>
-      <p:pic>
-        <p:nvPicPr>
-          <p:cNvPr id="2051" name="Picture 3"/>
-          <p:cNvPicPr>
-            <a:picLocks noChangeAspect="1" noChangeArrowheads="1"/>
-          </p:cNvPicPr>
-          <p:nvPr/>
-        </p:nvPicPr>
-        <p:blipFill>
-          <a:blip r:embed="rId2">
-            <a:extLst>
-              <a:ext uri="{28A0092B-C50C-407E-A947-70E740481C1C}">
-                <a14:useLocalDpi xmlns:a14="http://schemas.microsoft.com/office/drawing/2010/main" val="0"/>
-              </a:ext>
-            </a:extLst>
-          </a:blip>
-          <a:srcRect/>
-          <a:stretch>
-            <a:fillRect/>
-          </a:stretch>
-        </p:blipFill>
-        <p:spPr bwMode="auto">
-          <a:xfrm>
-            <a:off x="2123728" y="1545636"/>
-            <a:ext cx="3653582" cy="2712508"/>
-          </a:xfrm>
-          <a:prstGeom prst="rect">
-            <a:avLst/>
-          </a:prstGeom>
-          <a:noFill/>
-          <a:ln>
-            <a:noFill/>
-          </a:ln>
-          <a:extLst>
-            <a:ext uri="{909E8E84-426E-40DD-AFC4-6F175D3DCCD1}">
-              <a14:hiddenFill xmlns:a14="http://schemas.microsoft.com/office/drawing/2010/main">
-                <a:solidFill>
-                  <a:schemeClr val="accent1"/>
-                </a:solidFill>
-              </a14:hiddenFill>
-            </a:ext>
-            <a:ext uri="{91240B29-F687-4F45-9708-019B960494DF}">
-              <a14:hiddenLine xmlns:a14="http://schemas.microsoft.com/office/drawing/2010/main" w="9525">
-                <a:solidFill>
-                  <a:schemeClr val="tx1"/>
-                </a:solidFill>
-                <a:miter lim="800000"/>
-                <a:headEnd/>
-                <a:tailEnd/>
-              </a14:hiddenLine>
-            </a:ext>
-          </a:extLst>
-        </p:spPr>
-      </p:pic>
-      <p:sp>
-        <p:nvSpPr>
-          <p:cNvPr id="3" name="Espace réservé du numéro de diapositive 2"/>
+              <a:t>complétion</a:t>
+            </a:r>
+            <a:r>
+              <a:rPr lang="fr-FR" dirty="0" smtClean="0"/>
+              <a:t> JavaScript</a:t>
+            </a:r>
+            <a:endParaRPr lang="fr-FR" b="1" dirty="0"/>
+          </a:p>
+          <a:p>
+            <a:pPr lvl="1"/>
+            <a:r>
+              <a:rPr lang="fr-FR" dirty="0" smtClean="0"/>
+              <a:t>la </a:t>
+            </a:r>
+            <a:r>
+              <a:rPr lang="fr-FR" b="1" dirty="0" smtClean="0"/>
+              <a:t>navigation</a:t>
+            </a:r>
+            <a:r>
+              <a:rPr lang="fr-FR" dirty="0"/>
+              <a:t> </a:t>
+            </a:r>
+            <a:r>
+              <a:rPr lang="fr-FR" dirty="0" smtClean="0"/>
+              <a:t>JavaScript (</a:t>
+            </a:r>
+            <a:r>
+              <a:rPr lang="fr-FR" dirty="0" err="1" smtClean="0"/>
+              <a:t>h</a:t>
+            </a:r>
+            <a:r>
+              <a:rPr lang="fr-FR" dirty="0" err="1" smtClean="0"/>
+              <a:t>yperlinks</a:t>
+            </a:r>
+            <a:r>
+              <a:rPr lang="fr-FR" dirty="0" smtClean="0"/>
+              <a:t>)</a:t>
+            </a:r>
+            <a:endParaRPr lang="fr-FR" dirty="0"/>
+          </a:p>
+          <a:p>
+            <a:pPr lvl="1"/>
+            <a:r>
+              <a:rPr lang="fr-FR" dirty="0" smtClean="0"/>
+              <a:t>Les </a:t>
+            </a:r>
+            <a:r>
+              <a:rPr lang="fr-FR" b="1" dirty="0" smtClean="0"/>
+              <a:t>informations bulles </a:t>
+            </a:r>
+            <a:r>
+              <a:rPr lang="fr-FR" dirty="0" smtClean="0"/>
+              <a:t>JavaScript (</a:t>
+            </a:r>
+            <a:r>
+              <a:rPr lang="fr-FR" dirty="0" err="1"/>
+              <a:t>text</a:t>
+            </a:r>
+            <a:r>
+              <a:rPr lang="fr-FR" dirty="0"/>
+              <a:t> </a:t>
+            </a:r>
+            <a:r>
+              <a:rPr lang="fr-FR" dirty="0" smtClean="0"/>
+              <a:t>hover)</a:t>
+            </a:r>
+            <a:endParaRPr lang="fr-FR" dirty="0"/>
+          </a:p>
+          <a:p>
+            <a:pPr lvl="1"/>
+            <a:r>
+              <a:rPr lang="fr-FR" dirty="0" smtClean="0"/>
+              <a:t>la </a:t>
+            </a:r>
+            <a:r>
+              <a:rPr lang="fr-FR" b="1" dirty="0" smtClean="0"/>
+              <a:t>validation </a:t>
+            </a:r>
+            <a:r>
+              <a:rPr lang="fr-FR" dirty="0"/>
+              <a:t>JavaScript</a:t>
+            </a:r>
+            <a:endParaRPr lang="fr-FR" b="1" dirty="0"/>
+          </a:p>
+          <a:p>
+            <a:endParaRPr lang="fr-FR" dirty="0"/>
+          </a:p>
+        </p:txBody>
+      </p:sp>
+      <p:sp>
+        <p:nvSpPr>
+          <p:cNvPr id="5" name="Espace réservé du numéro de diapositive 4"/>
           <p:cNvSpPr>
             <a:spLocks noGrp="1"/>
           </p:cNvSpPr>
@@ -17252,7 +17385,7 @@
     </p:spTree>
     <p:extLst>
       <p:ext uri="{BB962C8B-B14F-4D97-AF65-F5344CB8AC3E}">
-        <p14:creationId xmlns:p14="http://schemas.microsoft.com/office/powerpoint/2010/main" val="871906864"/>
+        <p14:creationId xmlns:p14="http://schemas.microsoft.com/office/powerpoint/2010/main" val="2975865916"/>
       </p:ext>
     </p:extLst>
   </p:cSld>
@@ -17308,15 +17441,7 @@
           <a:p>
             <a:r>
               <a:rPr lang="fr-FR" dirty="0" smtClean="0"/>
-              <a:t>Tern</a:t>
-            </a:r>
-            <a:r>
-              <a:rPr lang="fr-FR" dirty="0"/>
-              <a:t> </a:t>
-            </a:r>
-            <a:r>
-              <a:rPr lang="fr-FR" dirty="0" smtClean="0"/>
-              <a:t>IDE, c’est quoi?</a:t>
+              <a:t>Tern IDE - Installation</a:t>
             </a:r>
             <a:endParaRPr lang="fr-FR" dirty="0"/>
           </a:p>
@@ -17329,234 +17454,159 @@
             <a:spLocks noGrp="1"/>
           </p:cNvSpPr>
           <p:nvPr>
-            <p:ph sz="half" idx="1"/>
+            <p:ph sz="half" idx="2"/>
           </p:nvPr>
         </p:nvSpPr>
         <p:spPr/>
         <p:txBody>
           <a:bodyPr>
-            <a:normAutofit lnSpcReduction="10000"/>
+            <a:normAutofit fontScale="85000" lnSpcReduction="10000"/>
           </a:bodyPr>
           <a:lstStyle/>
           <a:p>
             <a:r>
               <a:rPr lang="fr-FR" dirty="0" smtClean="0"/>
-              <a:t>Pour rappel</a:t>
-            </a:r>
-            <a:r>
-              <a:rPr lang="fr-FR" b="1" dirty="0" smtClean="0"/>
-              <a:t>, </a:t>
-            </a:r>
-            <a:r>
-              <a:rPr lang="fr-FR" b="1" dirty="0"/>
-              <a:t>JSDT</a:t>
-            </a:r>
-            <a:r>
-              <a:rPr lang="fr-FR" dirty="0"/>
-              <a:t> est le plugin Eclipse officiel </a:t>
-            </a:r>
-            <a:r>
-              <a:rPr lang="fr-FR" dirty="0" smtClean="0"/>
-              <a:t>pour JavaScript.</a:t>
-            </a:r>
-            <a:endParaRPr lang="fr-FR" dirty="0"/>
-          </a:p>
-          <a:p>
-            <a:r>
-              <a:rPr lang="fr-FR" b="1" dirty="0" smtClean="0"/>
-              <a:t>Tern IDE </a:t>
-            </a:r>
-            <a:r>
-              <a:rPr lang="fr-FR" dirty="0" smtClean="0"/>
-              <a:t>est un ensemble de plugins Eclipse basé sur </a:t>
-            </a:r>
-            <a:r>
-              <a:rPr lang="fr-FR" b="1" dirty="0" smtClean="0"/>
-              <a:t>tern.java</a:t>
-            </a:r>
-            <a:r>
-              <a:rPr lang="fr-FR" dirty="0" smtClean="0"/>
-              <a:t> pour l’IDE Eclipse.</a:t>
-            </a:r>
-          </a:p>
-          <a:p>
-            <a:r>
-              <a:rPr lang="fr-FR" dirty="0" smtClean="0"/>
-              <a:t>Il est découpé en 4 grandes parties : </a:t>
-            </a:r>
-          </a:p>
-          <a:p>
-            <a:pPr lvl="1"/>
-            <a:r>
-              <a:rPr lang="fr-FR" dirty="0" smtClean="0"/>
-              <a:t>Tern IDE </a:t>
-            </a:r>
-            <a:r>
-              <a:rPr lang="fr-FR" dirty="0" err="1" smtClean="0"/>
-              <a:t>Core</a:t>
-            </a:r>
-            <a:r>
-              <a:rPr lang="fr-FR" dirty="0" smtClean="0"/>
-              <a:t>/UI</a:t>
-            </a:r>
-          </a:p>
-          <a:p>
-            <a:pPr lvl="1"/>
-            <a:r>
-              <a:rPr lang="fr-FR" dirty="0" smtClean="0"/>
-              <a:t>Tern - </a:t>
-            </a:r>
-            <a:r>
-              <a:rPr lang="fr-FR" dirty="0" err="1" smtClean="0"/>
-              <a:t>Embed</a:t>
-            </a:r>
-            <a:r>
-              <a:rPr lang="fr-FR" dirty="0" smtClean="0"/>
-              <a:t> Node.js : fournit un serveur node.js (à utiliser si node.js n’est pas installé)</a:t>
-            </a:r>
-            <a:endParaRPr lang="fr-FR" dirty="0"/>
-          </a:p>
-          <a:p>
-            <a:pPr lvl="1"/>
-            <a:r>
-              <a:rPr lang="fr-FR" dirty="0" smtClean="0"/>
-              <a:t>Tern – JSDT : étend </a:t>
-            </a:r>
-            <a:r>
-              <a:rPr lang="fr-FR" dirty="0"/>
-              <a:t>la </a:t>
-            </a:r>
-            <a:r>
-              <a:rPr lang="fr-FR" dirty="0" smtClean="0"/>
-              <a:t>complétion</a:t>
-            </a:r>
-            <a:r>
-              <a:rPr lang="fr-FR" dirty="0"/>
-              <a:t>, </a:t>
-            </a:r>
-            <a:r>
-              <a:rPr lang="fr-FR" dirty="0" err="1"/>
-              <a:t>text</a:t>
-            </a:r>
-            <a:r>
-              <a:rPr lang="fr-FR" dirty="0"/>
-              <a:t> </a:t>
-            </a:r>
-            <a:r>
-              <a:rPr lang="fr-FR" dirty="0" err="1"/>
-              <a:t>hover</a:t>
-            </a:r>
-            <a:r>
-              <a:rPr lang="fr-FR" dirty="0"/>
-              <a:t> pour </a:t>
-            </a:r>
-            <a:r>
-              <a:rPr lang="fr-FR" dirty="0" smtClean="0"/>
-              <a:t>utiliser </a:t>
-            </a:r>
-            <a:r>
-              <a:rPr lang="fr-FR" dirty="0"/>
-              <a:t>tern dans </a:t>
-            </a:r>
-            <a:r>
-              <a:rPr lang="fr-FR" dirty="0" smtClean="0"/>
-              <a:t>l’</a:t>
-            </a:r>
-            <a:r>
-              <a:rPr lang="fr-FR" dirty="0"/>
-              <a:t>é</a:t>
-            </a:r>
-            <a:r>
-              <a:rPr lang="fr-FR" dirty="0" smtClean="0"/>
-              <a:t>diteur JavaScript JSDT</a:t>
-            </a:r>
-          </a:p>
-          <a:p>
-            <a:pPr lvl="1"/>
-            <a:r>
-              <a:rPr lang="fr-FR" dirty="0" smtClean="0"/>
-              <a:t>Tern - </a:t>
-            </a:r>
-            <a:r>
-              <a:rPr lang="fr-FR" dirty="0" err="1" smtClean="0"/>
-              <a:t>Tooling</a:t>
+              <a:t>Marketplace : </a:t>
+            </a:r>
+            <a:r>
+              <a:rPr lang="fr-FR" dirty="0" smtClean="0">
+                <a:hlinkClick r:id="rId2"/>
+              </a:rPr>
+              <a:t>http://marketplace.eclipse.org/content/tern-eclipse-ide</a:t>
             </a:r>
             <a:endParaRPr lang="fr-FR" dirty="0" smtClean="0"/>
           </a:p>
-        </p:txBody>
-      </p:sp>
-      <p:sp>
-        <p:nvSpPr>
-          <p:cNvPr id="4" name="Espace réservé du contenu 3"/>
-          <p:cNvSpPr>
-            <a:spLocks noGrp="1"/>
-          </p:cNvSpPr>
-          <p:nvPr>
-            <p:ph sz="half" idx="2"/>
-          </p:nvPr>
-        </p:nvSpPr>
-        <p:spPr/>
-        <p:txBody>
-          <a:bodyPr/>
-          <a:lstStyle/>
-          <a:p>
-            <a:r>
-              <a:rPr lang="fr-FR" dirty="0"/>
-              <a:t>Tern IDE n’est pas lié à JSDT, il peut être utilisé avec d’autres types d’éditeurs.</a:t>
-            </a:r>
-          </a:p>
-          <a:p>
-            <a:r>
-              <a:rPr lang="fr-FR" dirty="0"/>
-              <a:t>Tern IDE utilise tern pour gérer:</a:t>
-            </a:r>
-          </a:p>
-          <a:p>
-            <a:pPr lvl="1"/>
-            <a:r>
-              <a:rPr lang="fr-FR" dirty="0"/>
-              <a:t>la complétion</a:t>
-            </a:r>
-          </a:p>
-          <a:p>
-            <a:pPr lvl="1"/>
-            <a:r>
-              <a:rPr lang="fr-FR" dirty="0"/>
-              <a:t>Les </a:t>
-            </a:r>
-            <a:r>
-              <a:rPr lang="fr-FR" dirty="0" err="1"/>
-              <a:t>hyperlinks</a:t>
-            </a:r>
-            <a:endParaRPr lang="fr-FR" dirty="0"/>
-          </a:p>
-          <a:p>
-            <a:pPr lvl="1"/>
-            <a:r>
-              <a:rPr lang="fr-FR" dirty="0"/>
-              <a:t>Le </a:t>
-            </a:r>
-            <a:r>
-              <a:rPr lang="fr-FR" dirty="0" err="1"/>
-              <a:t>hover</a:t>
-            </a:r>
-            <a:endParaRPr lang="fr-FR" dirty="0"/>
-          </a:p>
-          <a:p>
-            <a:pPr lvl="1"/>
-            <a:r>
-              <a:rPr lang="fr-FR" dirty="0"/>
-              <a:t>La validation</a:t>
-            </a:r>
-          </a:p>
-          <a:p>
-            <a:endParaRPr lang="fr-FR" dirty="0"/>
-          </a:p>
-        </p:txBody>
-      </p:sp>
-      <p:sp>
-        <p:nvSpPr>
-          <p:cNvPr id="5" name="Espace réservé du numéro de diapositive 4"/>
+          <a:p>
+            <a:r>
+              <a:rPr lang="fr-FR" dirty="0" smtClean="0"/>
+              <a:t>Ou Update site : </a:t>
+            </a:r>
+            <a:r>
+              <a:rPr lang="fr-FR" dirty="0" smtClean="0">
+                <a:hlinkClick r:id="rId3"/>
+              </a:rPr>
+              <a:t>http://oss.opensagres.fr/tern.repository/0.6.0/</a:t>
+            </a:r>
+            <a:endParaRPr lang="fr-FR" dirty="0" smtClean="0"/>
+          </a:p>
+          <a:p>
+            <a:endParaRPr lang="fr-FR" dirty="0" smtClean="0"/>
+          </a:p>
+          <a:p>
+            <a:endParaRPr lang="fr-FR" dirty="0" smtClean="0"/>
+          </a:p>
+          <a:p>
+            <a:endParaRPr lang="fr-FR" dirty="0" smtClean="0"/>
+          </a:p>
+          <a:p>
+            <a:endParaRPr lang="fr-FR" dirty="0" smtClean="0"/>
+          </a:p>
+          <a:p>
+            <a:endParaRPr lang="fr-FR" dirty="0" smtClean="0"/>
+          </a:p>
+          <a:p>
+            <a:endParaRPr lang="fr-FR" dirty="0" smtClean="0"/>
+          </a:p>
+          <a:p>
+            <a:endParaRPr lang="fr-FR" dirty="0" smtClean="0"/>
+          </a:p>
+          <a:p>
+            <a:endParaRPr lang="fr-FR" dirty="0" smtClean="0"/>
+          </a:p>
+          <a:p>
+            <a:endParaRPr lang="fr-FR" dirty="0" smtClean="0"/>
+          </a:p>
+          <a:p>
+            <a:pPr>
+              <a:buFont typeface="Century Gothic" panose="020B0502020202020204" pitchFamily="34" charset="0"/>
+              <a:buChar char="►"/>
+            </a:pPr>
+            <a:r>
+              <a:rPr lang="fr-FR" dirty="0" smtClean="0"/>
+              <a:t>pour démarrer avec Tern IDE : </a:t>
+            </a:r>
+            <a:r>
+              <a:rPr lang="fr-FR" dirty="0" smtClean="0">
+                <a:hlinkClick r:id="rId4"/>
+              </a:rPr>
+              <a:t>https://github.com/angelozerr/tern.java/wiki/Getting-Started</a:t>
+            </a:r>
+            <a:endParaRPr lang="fr-FR" dirty="0" smtClean="0"/>
+          </a:p>
+          <a:p>
+            <a:endParaRPr lang="fr-FR" dirty="0" smtClean="0"/>
+          </a:p>
+          <a:p>
+            <a:endParaRPr lang="fr-FR" dirty="0" smtClean="0"/>
+          </a:p>
+          <a:p>
+            <a:endParaRPr lang="fr-FR" dirty="0" smtClean="0"/>
+          </a:p>
+          <a:p>
+            <a:endParaRPr lang="fr-FR" dirty="0" smtClean="0"/>
+          </a:p>
+          <a:p>
+            <a:endParaRPr lang="fr-FR" dirty="0" smtClean="0"/>
+          </a:p>
+        </p:txBody>
+      </p:sp>
+      <p:pic>
+        <p:nvPicPr>
+          <p:cNvPr id="8194" name="Picture 2"/>
+          <p:cNvPicPr>
+            <a:picLocks noChangeAspect="1" noChangeArrowheads="1"/>
+          </p:cNvPicPr>
+          <p:nvPr/>
+        </p:nvPicPr>
+        <p:blipFill>
+          <a:blip r:embed="rId5">
+            <a:extLst>
+              <a:ext uri="{28A0092B-C50C-407E-A947-70E740481C1C}">
+                <a14:useLocalDpi xmlns:a14="http://schemas.microsoft.com/office/drawing/2010/main" val="0"/>
+              </a:ext>
+            </a:extLst>
+          </a:blip>
+          <a:srcRect/>
+          <a:stretch>
+            <a:fillRect/>
+          </a:stretch>
+        </p:blipFill>
+        <p:spPr bwMode="auto">
+          <a:xfrm>
+            <a:off x="1403648" y="1653649"/>
+            <a:ext cx="5822968" cy="2148582"/>
+          </a:xfrm>
+          <a:prstGeom prst="rect">
+            <a:avLst/>
+          </a:prstGeom>
+          <a:noFill/>
+          <a:ln>
+            <a:noFill/>
+          </a:ln>
+          <a:extLst>
+            <a:ext uri="{909E8E84-426E-40DD-AFC4-6F175D3DCCD1}">
+              <a14:hiddenFill xmlns:a14="http://schemas.microsoft.com/office/drawing/2010/main">
+                <a:solidFill>
+                  <a:schemeClr val="accent1"/>
+                </a:solidFill>
+              </a14:hiddenFill>
+            </a:ext>
+            <a:ext uri="{91240B29-F687-4F45-9708-019B960494DF}">
+              <a14:hiddenLine xmlns:a14="http://schemas.microsoft.com/office/drawing/2010/main" w="9525">
+                <a:solidFill>
+                  <a:schemeClr val="tx1"/>
+                </a:solidFill>
+                <a:miter lim="800000"/>
+                <a:headEnd/>
+                <a:tailEnd/>
+              </a14:hiddenLine>
+            </a:ext>
+          </a:extLst>
+        </p:spPr>
+      </p:pic>
+      <p:sp>
+        <p:nvSpPr>
+          <p:cNvPr id="8" name="Espace réservé du numéro de diapositive 7"/>
           <p:cNvSpPr>
             <a:spLocks noGrp="1"/>
           </p:cNvSpPr>
@@ -17580,7 +17630,7 @@
     </p:spTree>
     <p:extLst>
       <p:ext uri="{BB962C8B-B14F-4D97-AF65-F5344CB8AC3E}">
-        <p14:creationId xmlns:p14="http://schemas.microsoft.com/office/powerpoint/2010/main" val="2975865916"/>
+        <p14:creationId xmlns:p14="http://schemas.microsoft.com/office/powerpoint/2010/main" val="2686843829"/>
       </p:ext>
     </p:extLst>
   </p:cSld>
@@ -17631,130 +17681,94 @@
         </p:nvSpPr>
         <p:spPr/>
         <p:txBody>
-          <a:bodyPr/>
-          <a:lstStyle/>
-          <a:p>
-            <a:r>
-              <a:rPr lang="fr-FR" dirty="0" smtClean="0"/>
-              <a:t>Tern IDE - Installation</a:t>
-            </a:r>
-            <a:endParaRPr lang="fr-FR" dirty="0"/>
-          </a:p>
-        </p:txBody>
-      </p:sp>
-      <p:sp>
-        <p:nvSpPr>
-          <p:cNvPr id="3" name="Espace réservé du contenu 2"/>
-          <p:cNvSpPr>
-            <a:spLocks noGrp="1"/>
-          </p:cNvSpPr>
-          <p:nvPr>
-            <p:ph sz="half" idx="2"/>
-          </p:nvPr>
-        </p:nvSpPr>
-        <p:spPr/>
-        <p:txBody>
           <a:bodyPr>
-            <a:normAutofit fontScale="85000" lnSpcReduction="10000"/>
+            <a:normAutofit/>
           </a:bodyPr>
           <a:lstStyle/>
           <a:p>
             <a:r>
               <a:rPr lang="fr-FR" dirty="0" smtClean="0"/>
-              <a:t>Marketplace : </a:t>
-            </a:r>
-            <a:r>
-              <a:rPr lang="fr-FR" dirty="0" smtClean="0">
-                <a:hlinkClick r:id="rId2"/>
-              </a:rPr>
-              <a:t>http://marketplace.eclipse.org/content/tern-eclipse-ide</a:t>
-            </a:r>
-            <a:endParaRPr lang="fr-FR" dirty="0" smtClean="0"/>
-          </a:p>
-          <a:p>
-            <a:r>
-              <a:rPr lang="fr-FR" dirty="0" smtClean="0"/>
-              <a:t>Ou Update site : </a:t>
-            </a:r>
-            <a:r>
-              <a:rPr lang="fr-FR" dirty="0" smtClean="0">
-                <a:hlinkClick r:id="rId3"/>
-              </a:rPr>
-              <a:t>http://oss.opensagres.fr/tern.repository/0.4.0/</a:t>
-            </a:r>
-            <a:endParaRPr lang="fr-FR" dirty="0" smtClean="0"/>
-          </a:p>
-          <a:p>
-            <a:endParaRPr lang="fr-FR" dirty="0" smtClean="0"/>
-          </a:p>
-          <a:p>
-            <a:endParaRPr lang="fr-FR" dirty="0" smtClean="0"/>
-          </a:p>
-          <a:p>
-            <a:endParaRPr lang="fr-FR" dirty="0" smtClean="0"/>
-          </a:p>
-          <a:p>
-            <a:endParaRPr lang="fr-FR" dirty="0" smtClean="0"/>
-          </a:p>
-          <a:p>
-            <a:endParaRPr lang="fr-FR" dirty="0" smtClean="0"/>
-          </a:p>
-          <a:p>
-            <a:endParaRPr lang="fr-FR" dirty="0" smtClean="0"/>
-          </a:p>
-          <a:p>
-            <a:endParaRPr lang="fr-FR" dirty="0" smtClean="0"/>
-          </a:p>
-          <a:p>
-            <a:endParaRPr lang="fr-FR" dirty="0" smtClean="0"/>
-          </a:p>
-          <a:p>
-            <a:endParaRPr lang="fr-FR" dirty="0" smtClean="0"/>
-          </a:p>
-          <a:p>
-            <a:pPr>
-              <a:buFont typeface="Century Gothic" panose="020B0502020202020204" pitchFamily="34" charset="0"/>
-              <a:buChar char="►"/>
-            </a:pPr>
-            <a:r>
-              <a:rPr lang="fr-FR" dirty="0" smtClean="0"/>
-              <a:t>pour démarrer avec Tern IDE : </a:t>
-            </a:r>
-            <a:r>
-              <a:rPr lang="fr-FR" dirty="0" smtClean="0">
-                <a:hlinkClick r:id="rId4"/>
-              </a:rPr>
-              <a:t>https://github.com/angelozerr/tern.java/wiki/Getting-Started</a:t>
-            </a:r>
-            <a:endParaRPr lang="fr-FR" dirty="0" smtClean="0"/>
-          </a:p>
-          <a:p>
-            <a:endParaRPr lang="fr-FR" dirty="0" smtClean="0"/>
-          </a:p>
-          <a:p>
-            <a:endParaRPr lang="fr-FR" dirty="0" smtClean="0"/>
-          </a:p>
-          <a:p>
-            <a:endParaRPr lang="fr-FR" dirty="0" smtClean="0"/>
-          </a:p>
-          <a:p>
-            <a:endParaRPr lang="fr-FR" dirty="0" smtClean="0"/>
-          </a:p>
-          <a:p>
-            <a:endParaRPr lang="fr-FR" dirty="0" smtClean="0"/>
+              <a:t>Tern</a:t>
+            </a:r>
+            <a:r>
+              <a:rPr lang="fr-FR" dirty="0"/>
+              <a:t> </a:t>
+            </a:r>
+            <a:r>
+              <a:rPr lang="fr-FR" dirty="0" smtClean="0"/>
+              <a:t>IDE – Démo </a:t>
+            </a:r>
+            <a:r>
+              <a:rPr lang="fr-FR" dirty="0" smtClean="0"/>
+              <a:t>(Complétion)</a:t>
+            </a:r>
+            <a:endParaRPr lang="fr-FR" dirty="0"/>
+          </a:p>
+        </p:txBody>
+      </p:sp>
+      <p:sp>
+        <p:nvSpPr>
+          <p:cNvPr id="4" name="Espace réservé du contenu 3"/>
+          <p:cNvSpPr>
+            <a:spLocks noGrp="1"/>
+          </p:cNvSpPr>
+          <p:nvPr>
+            <p:ph sz="half" idx="2"/>
+          </p:nvPr>
+        </p:nvSpPr>
+        <p:spPr/>
+        <p:txBody>
+          <a:bodyPr>
+            <a:normAutofit/>
+          </a:bodyPr>
+          <a:lstStyle/>
+          <a:p>
+            <a:r>
+              <a:rPr lang="fr-FR" sz="1600" dirty="0" smtClean="0"/>
+              <a:t>Démo avec le </a:t>
+            </a:r>
+            <a:r>
+              <a:rPr lang="fr-FR" sz="1600" b="1" dirty="0" smtClean="0"/>
+              <a:t>module browser</a:t>
+            </a:r>
+          </a:p>
+          <a:p>
+            <a:r>
+              <a:rPr lang="fr-FR" sz="1600" dirty="0" smtClean="0"/>
+              <a:t>Ici tern sait que la variable </a:t>
+            </a:r>
+            <a:r>
+              <a:rPr lang="fr-FR" sz="1600" b="1" i="1" dirty="0" smtClean="0"/>
+              <a:t>elt</a:t>
+            </a:r>
+            <a:r>
+              <a:rPr lang="fr-FR" sz="1600" dirty="0" smtClean="0"/>
+              <a:t> est de type </a:t>
+            </a:r>
+            <a:r>
+              <a:rPr lang="fr-FR" sz="1600" b="1" i="1" dirty="0" smtClean="0"/>
+              <a:t>HTMLElement</a:t>
+            </a:r>
+            <a:r>
+              <a:rPr lang="fr-FR" sz="1600" dirty="0" smtClean="0"/>
+              <a:t>:</a:t>
+            </a:r>
+          </a:p>
+          <a:p>
+            <a:endParaRPr lang="fr-FR" sz="1600" dirty="0"/>
           </a:p>
         </p:txBody>
       </p:sp>
       <p:pic>
         <p:nvPicPr>
-          <p:cNvPr id="8194" name="Picture 2"/>
+          <p:cNvPr id="7" name="Picture 2"/>
           <p:cNvPicPr>
             <a:picLocks noChangeAspect="1" noChangeArrowheads="1"/>
           </p:cNvPicPr>
           <p:nvPr/>
         </p:nvPicPr>
         <p:blipFill>
-          <a:blip r:embed="rId5">
+          <a:blip r:embed="rId2">
             <a:extLst>
               <a:ext uri="{28A0092B-C50C-407E-A947-70E740481C1C}">
                 <a14:useLocalDpi xmlns:a14="http://schemas.microsoft.com/office/drawing/2010/main" val="0"/>
@@ -17768,8 +17782,8 @@
         </p:blipFill>
         <p:spPr bwMode="auto">
           <a:xfrm>
-            <a:off x="1403648" y="1653649"/>
-            <a:ext cx="5822968" cy="2148582"/>
+            <a:off x="755576" y="1779662"/>
+            <a:ext cx="7406640" cy="2297430"/>
           </a:xfrm>
           <a:prstGeom prst="rect">
             <a:avLst/>
@@ -17801,7 +17815,7 @@
       </p:pic>
       <p:sp>
         <p:nvSpPr>
-          <p:cNvPr id="8" name="Espace réservé du numéro de diapositive 7"/>
+          <p:cNvPr id="3" name="Espace réservé du numéro de diapositive 2"/>
           <p:cNvSpPr>
             <a:spLocks noGrp="1"/>
           </p:cNvSpPr>
@@ -17825,7 +17839,7 @@
     </p:spTree>
     <p:extLst>
       <p:ext uri="{BB962C8B-B14F-4D97-AF65-F5344CB8AC3E}">
-        <p14:creationId xmlns:p14="http://schemas.microsoft.com/office/powerpoint/2010/main" val="2686843829"/>
+        <p14:creationId xmlns:p14="http://schemas.microsoft.com/office/powerpoint/2010/main" val="2366143981"/>
       </p:ext>
     </p:extLst>
   </p:cSld>
@@ -17882,24 +17896,16 @@
           <a:lstStyle/>
           <a:p>
             <a:r>
-              <a:rPr lang="fr-FR" dirty="0" smtClean="0"/>
-              <a:t>Tern</a:t>
-            </a:r>
-            <a:r>
               <a:rPr lang="fr-FR" dirty="0"/>
-              <a:t> </a:t>
-            </a:r>
-            <a:r>
-              <a:rPr lang="fr-FR" dirty="0" smtClean="0"/>
-              <a:t>IDE – Démo (</a:t>
-            </a:r>
-            <a:r>
-              <a:rPr lang="fr-FR" dirty="0" err="1" smtClean="0"/>
-              <a:t>Completion</a:t>
-            </a:r>
-            <a:r>
-              <a:rPr lang="fr-FR" dirty="0" smtClean="0"/>
-              <a:t>)</a:t>
+              <a:t>Tern IDE – </a:t>
+            </a:r>
+            <a:r>
+              <a:rPr lang="fr-FR" dirty="0" smtClean="0"/>
+              <a:t>Démo </a:t>
+            </a:r>
+            <a:r>
+              <a:rPr lang="fr-FR" dirty="0" smtClean="0"/>
+              <a:t>(Complétion)</a:t>
             </a:r>
             <a:endParaRPr lang="fr-FR" dirty="0"/>
           </a:p>
@@ -17907,7 +17913,7 @@
       </p:sp>
       <p:sp>
         <p:nvSpPr>
-          <p:cNvPr id="4" name="Espace réservé du contenu 3"/>
+          <p:cNvPr id="6" name="Espace réservé du contenu 5"/>
           <p:cNvSpPr>
             <a:spLocks noGrp="1"/>
           </p:cNvSpPr>
@@ -17924,33 +17930,23 @@
           <a:p>
             <a:r>
               <a:rPr lang="fr-FR" sz="1600" dirty="0" smtClean="0"/>
-              <a:t>Démo avec le </a:t>
-            </a:r>
-            <a:r>
-              <a:rPr lang="fr-FR" sz="1600" b="1" dirty="0" smtClean="0"/>
-              <a:t>module browser</a:t>
-            </a:r>
-          </a:p>
-          <a:p>
+              <a:t>Ici tern sait que </a:t>
+            </a:r>
+            <a:r>
+              <a:rPr lang="fr-FR" sz="1600" b="1" i="1" dirty="0" smtClean="0"/>
+              <a:t>e</a:t>
+            </a:r>
             <a:r>
               <a:rPr lang="fr-FR" sz="1600" dirty="0" smtClean="0"/>
-              <a:t>Ici tern sait que la variable </a:t>
-            </a:r>
-            <a:r>
-              <a:rPr lang="fr-FR" sz="1600" b="1" i="1" dirty="0" err="1" smtClean="0"/>
-              <a:t>elt</a:t>
+              <a:t> est un </a:t>
+            </a:r>
+            <a:r>
+              <a:rPr lang="fr-FR" sz="1600" b="1" i="1" dirty="0" smtClean="0"/>
+              <a:t>événement</a:t>
             </a:r>
             <a:r>
               <a:rPr lang="fr-FR" sz="1600" dirty="0" smtClean="0"/>
-              <a:t> est de type </a:t>
-            </a:r>
-            <a:r>
-              <a:rPr lang="fr-FR" sz="1600" b="1" i="1" dirty="0" err="1" smtClean="0"/>
-              <a:t>HTMLElement</a:t>
-            </a:r>
-            <a:r>
-              <a:rPr lang="fr-FR" sz="1600" dirty="0" smtClean="0"/>
-              <a:t>:</a:t>
+              <a:t> d’une callback :</a:t>
             </a:r>
           </a:p>
           <a:p>
@@ -17960,7 +17956,7 @@
       </p:sp>
       <p:pic>
         <p:nvPicPr>
-          <p:cNvPr id="7" name="Picture 2"/>
+          <p:cNvPr id="1027" name="Picture 3"/>
           <p:cNvPicPr>
             <a:picLocks noChangeAspect="1" noChangeArrowheads="1"/>
           </p:cNvPicPr>
@@ -17981,8 +17977,8 @@
         </p:blipFill>
         <p:spPr bwMode="auto">
           <a:xfrm>
-            <a:off x="755576" y="1779781"/>
-            <a:ext cx="7406640" cy="2297430"/>
+            <a:off x="683568" y="1491630"/>
+            <a:ext cx="7272808" cy="2325005"/>
           </a:xfrm>
           <a:prstGeom prst="rect">
             <a:avLst/>
@@ -18038,7 +18034,7 @@
     </p:spTree>
     <p:extLst>
       <p:ext uri="{BB962C8B-B14F-4D97-AF65-F5344CB8AC3E}">
-        <p14:creationId xmlns:p14="http://schemas.microsoft.com/office/powerpoint/2010/main" val="2366143981"/>
+        <p14:creationId xmlns:p14="http://schemas.microsoft.com/office/powerpoint/2010/main" val="2634205376"/>
       </p:ext>
     </p:extLst>
   </p:cSld>
@@ -18100,20 +18096,9 @@
             </a:r>
             <a:r>
               <a:rPr lang="fr-FR" dirty="0" smtClean="0"/>
-              <a:t>Démo </a:t>
-            </a:r>
-            <a:r>
-              <a:rPr lang="fr-FR" dirty="0"/>
-              <a:t>(</a:t>
-            </a:r>
-            <a:r>
-              <a:rPr lang="fr-FR" dirty="0" err="1"/>
-              <a:t>Completion</a:t>
-            </a:r>
-            <a:r>
-              <a:rPr lang="fr-FR" dirty="0"/>
-              <a:t>)</a:t>
-            </a:r>
+              <a:t>Démo (Hyperlink)</a:t>
+            </a:r>
+            <a:endParaRPr lang="fr-FR" dirty="0"/>
           </a:p>
         </p:txBody>
       </p:sp>
@@ -18136,24 +18121,11 @@
           <a:p>
             <a:r>
               <a:rPr lang="fr-FR" sz="1600" dirty="0" smtClean="0"/>
-              <a:t>Ici tern sait que </a:t>
-            </a:r>
-            <a:r>
-              <a:rPr lang="fr-FR" sz="1600" b="1" i="1" dirty="0" smtClean="0"/>
-              <a:t>e</a:t>
-            </a:r>
-            <a:r>
-              <a:rPr lang="fr-FR" sz="1600" dirty="0" smtClean="0"/>
-              <a:t> est un </a:t>
-            </a:r>
-            <a:r>
-              <a:rPr lang="fr-FR" sz="1600" b="1" i="1" dirty="0" smtClean="0"/>
-              <a:t>événement</a:t>
-            </a:r>
-            <a:r>
-              <a:rPr lang="fr-FR" sz="1600" dirty="0" smtClean="0"/>
-              <a:t> d’une callback :</a:t>
-            </a:r>
+              <a:t>Ici tern retrouve où est déclaré l’évènement e:</a:t>
+            </a:r>
+          </a:p>
+          <a:p>
+            <a:endParaRPr lang="fr-FR" sz="1600" dirty="0" smtClean="0"/>
           </a:p>
           <a:p>
             <a:endParaRPr lang="fr-FR" sz="1600" dirty="0"/>
@@ -18162,7 +18134,7 @@
       </p:sp>
       <p:pic>
         <p:nvPicPr>
-          <p:cNvPr id="1027" name="Picture 3"/>
+          <p:cNvPr id="3074" name="Picture 2"/>
           <p:cNvPicPr>
             <a:picLocks noChangeAspect="1" noChangeArrowheads="1"/>
           </p:cNvPicPr>
@@ -18183,8 +18155,8 @@
         </p:blipFill>
         <p:spPr bwMode="auto">
           <a:xfrm>
-            <a:off x="683568" y="1574006"/>
-            <a:ext cx="7272808" cy="2325005"/>
+            <a:off x="1485900" y="1807369"/>
+            <a:ext cx="6172200" cy="1528763"/>
           </a:xfrm>
           <a:prstGeom prst="rect">
             <a:avLst/>
@@ -18240,7 +18212,7 @@
     </p:spTree>
     <p:extLst>
       <p:ext uri="{BB962C8B-B14F-4D97-AF65-F5344CB8AC3E}">
-        <p14:creationId xmlns:p14="http://schemas.microsoft.com/office/powerpoint/2010/main" val="2634205376"/>
+        <p14:creationId xmlns:p14="http://schemas.microsoft.com/office/powerpoint/2010/main" val="1033632164"/>
       </p:ext>
     </p:extLst>
   </p:cSld>
@@ -18302,7 +18274,7 @@
             </a:r>
             <a:r>
               <a:rPr lang="fr-FR" dirty="0" smtClean="0"/>
-              <a:t>Démo (Hyperlink)</a:t>
+              <a:t>Démo (Hover)</a:t>
             </a:r>
             <a:endParaRPr lang="fr-FR" dirty="0"/>
           </a:p>
@@ -18327,7 +18299,7 @@
           <a:p>
             <a:r>
               <a:rPr lang="fr-FR" sz="1600" dirty="0" smtClean="0"/>
-              <a:t>Ici tern retrouve où est déclaré l’évènement e:</a:t>
+              <a:t>Ici tern retrouve les informations de l’événement e :</a:t>
             </a:r>
           </a:p>
           <a:p>
@@ -18340,7 +18312,7 @@
       </p:sp>
       <p:pic>
         <p:nvPicPr>
-          <p:cNvPr id="3074" name="Picture 2"/>
+          <p:cNvPr id="4098" name="Picture 2"/>
           <p:cNvPicPr>
             <a:picLocks noChangeAspect="1" noChangeArrowheads="1"/>
           </p:cNvPicPr>
@@ -18361,8 +18333,8 @@
         </p:blipFill>
         <p:spPr bwMode="auto">
           <a:xfrm>
-            <a:off x="1485900" y="1807369"/>
-            <a:ext cx="6172200" cy="1528763"/>
+            <a:off x="899591" y="1545636"/>
+            <a:ext cx="8006283" cy="2441477"/>
           </a:xfrm>
           <a:prstGeom prst="rect">
             <a:avLst/>
@@ -18418,7 +18390,7 @@
     </p:spTree>
     <p:extLst>
       <p:ext uri="{BB962C8B-B14F-4D97-AF65-F5344CB8AC3E}">
-        <p14:creationId xmlns:p14="http://schemas.microsoft.com/office/powerpoint/2010/main" val="1033632164"/>
+        <p14:creationId xmlns:p14="http://schemas.microsoft.com/office/powerpoint/2010/main" val="1726619083"/>
       </p:ext>
     </p:extLst>
   </p:cSld>
@@ -18878,7 +18850,7 @@
             </a:r>
             <a:r>
               <a:rPr lang="fr-FR" dirty="0" smtClean="0"/>
-              <a:t>Démo (Hover)</a:t>
+              <a:t>Démo (Validation)</a:t>
             </a:r>
             <a:endParaRPr lang="fr-FR" dirty="0"/>
           </a:p>
@@ -18903,20 +18875,69 @@
           <a:p>
             <a:r>
               <a:rPr lang="fr-FR" sz="1600" dirty="0" smtClean="0"/>
-              <a:t>Ici tern retrouve les informations de l’événement e :</a:t>
-            </a:r>
-          </a:p>
-          <a:p>
+              <a:t>Ici le plugin tern </a:t>
+            </a:r>
+            <a:r>
+              <a:rPr lang="fr-FR" sz="1600" b="1" dirty="0" smtClean="0"/>
+              <a:t>lint</a:t>
+            </a:r>
+            <a:r>
+              <a:rPr lang="fr-FR" sz="1600" dirty="0" smtClean="0"/>
+              <a:t> est </a:t>
+            </a:r>
+            <a:r>
+              <a:rPr lang="fr-FR" sz="1600" dirty="0" smtClean="0"/>
+              <a:t>utilisé : le paramètre </a:t>
+            </a:r>
+            <a:r>
+              <a:rPr lang="fr-FR" sz="1600" b="1" dirty="0" smtClean="0"/>
+              <a:t>getElementById</a:t>
+            </a:r>
+            <a:r>
+              <a:rPr lang="fr-FR" sz="1600" dirty="0" smtClean="0"/>
+              <a:t> attendu </a:t>
+            </a:r>
+            <a:r>
+              <a:rPr lang="fr-FR" sz="1600" dirty="0" err="1" smtClean="0"/>
+              <a:t>doît</a:t>
+            </a:r>
+            <a:r>
+              <a:rPr lang="fr-FR" sz="1600" dirty="0" smtClean="0"/>
+              <a:t> être de type </a:t>
+            </a:r>
+            <a:r>
+              <a:rPr lang="fr-FR" sz="1600" b="1" dirty="0" smtClean="0"/>
+              <a:t>string</a:t>
+            </a:r>
+            <a:r>
+              <a:rPr lang="fr-FR" sz="1600" dirty="0" smtClean="0"/>
+              <a:t> </a:t>
+            </a:r>
+            <a:r>
+              <a:rPr lang="fr-FR" sz="1600" dirty="0" smtClean="0"/>
+              <a:t>:</a:t>
+            </a:r>
+          </a:p>
+          <a:p>
+            <a:endParaRPr lang="fr-FR" sz="1600" dirty="0"/>
+          </a:p>
+          <a:p>
+            <a:pPr marL="0" indent="0">
+              <a:buNone/>
+            </a:pPr>
             <a:endParaRPr lang="fr-FR" sz="1600" dirty="0" smtClean="0"/>
           </a:p>
           <a:p>
+            <a:pPr marL="0" indent="0">
+              <a:buNone/>
+            </a:pPr>
             <a:endParaRPr lang="fr-FR" sz="1600" dirty="0"/>
           </a:p>
         </p:txBody>
       </p:sp>
       <p:pic>
         <p:nvPicPr>
-          <p:cNvPr id="4098" name="Picture 2"/>
+          <p:cNvPr id="5122" name="Picture 2"/>
           <p:cNvPicPr>
             <a:picLocks noChangeAspect="1" noChangeArrowheads="1"/>
           </p:cNvPicPr>
@@ -18937,8 +18958,8 @@
         </p:blipFill>
         <p:spPr bwMode="auto">
           <a:xfrm>
-            <a:off x="899591" y="1545636"/>
-            <a:ext cx="8006283" cy="2441477"/>
+            <a:off x="1700214" y="1779662"/>
+            <a:ext cx="5743575" cy="1171575"/>
           </a:xfrm>
           <a:prstGeom prst="rect">
             <a:avLst/>
@@ -18994,7 +19015,7 @@
     </p:spTree>
     <p:extLst>
       <p:ext uri="{BB962C8B-B14F-4D97-AF65-F5344CB8AC3E}">
-        <p14:creationId xmlns:p14="http://schemas.microsoft.com/office/powerpoint/2010/main" val="1726619083"/>
+        <p14:creationId xmlns:p14="http://schemas.microsoft.com/office/powerpoint/2010/main" val="542899802"/>
       </p:ext>
     </p:extLst>
   </p:cSld>
@@ -19045,75 +19066,122 @@
         </p:nvSpPr>
         <p:spPr/>
         <p:txBody>
+          <a:bodyPr/>
+          <a:lstStyle/>
+          <a:p>
+            <a:r>
+              <a:rPr lang="fr-FR" dirty="0" smtClean="0"/>
+              <a:t>TERN IDE &amp; Modules</a:t>
+            </a:r>
+            <a:endParaRPr lang="fr-FR" dirty="0"/>
+          </a:p>
+        </p:txBody>
+      </p:sp>
+      <p:sp>
+        <p:nvSpPr>
+          <p:cNvPr id="3" name="Espace réservé du contenu 2"/>
+          <p:cNvSpPr>
+            <a:spLocks noGrp="1"/>
+          </p:cNvSpPr>
+          <p:nvPr>
+            <p:ph sz="half" idx="2"/>
+          </p:nvPr>
+        </p:nvSpPr>
+        <p:spPr>
+          <a:xfrm>
+            <a:off x="251520" y="843558"/>
+            <a:ext cx="8640960" cy="3960440"/>
+          </a:xfrm>
+        </p:spPr>
+        <p:txBody>
           <a:bodyPr>
             <a:normAutofit/>
           </a:bodyPr>
           <a:lstStyle/>
           <a:p>
             <a:r>
-              <a:rPr lang="fr-FR" dirty="0"/>
-              <a:t>Tern IDE – </a:t>
-            </a:r>
-            <a:r>
-              <a:rPr lang="fr-FR" dirty="0" smtClean="0"/>
-              <a:t>Démo (Validation)</a:t>
-            </a:r>
+              <a:rPr lang="fr-FR" dirty="0" smtClean="0"/>
+              <a:t>Un module est un JSON Type Definition ou un plugin.</a:t>
+            </a:r>
+          </a:p>
+          <a:p>
+            <a:pPr lvl="1"/>
+            <a:endParaRPr lang="fr-FR" dirty="0" smtClean="0"/>
+          </a:p>
+          <a:p>
+            <a:pPr lvl="1"/>
+            <a:endParaRPr lang="fr-FR" dirty="0" smtClean="0"/>
+          </a:p>
+          <a:p>
+            <a:pPr lvl="1"/>
+            <a:endParaRPr lang="fr-FR" dirty="0" smtClean="0"/>
+          </a:p>
+          <a:p>
+            <a:pPr lvl="1"/>
+            <a:endParaRPr lang="fr-FR" dirty="0" smtClean="0"/>
+          </a:p>
+          <a:p>
+            <a:pPr lvl="1"/>
+            <a:endParaRPr lang="fr-FR" dirty="0" smtClean="0"/>
+          </a:p>
+          <a:p>
+            <a:pPr lvl="1"/>
+            <a:endParaRPr lang="fr-FR" dirty="0" smtClean="0"/>
+          </a:p>
+          <a:p>
+            <a:pPr lvl="1"/>
+            <a:endParaRPr lang="fr-FR" dirty="0" smtClean="0"/>
+          </a:p>
+          <a:p>
+            <a:pPr lvl="1"/>
+            <a:endParaRPr lang="fr-FR" dirty="0" smtClean="0"/>
+          </a:p>
+          <a:p>
+            <a:pPr lvl="1"/>
             <a:endParaRPr lang="fr-FR" dirty="0"/>
           </a:p>
-        </p:txBody>
-      </p:sp>
-      <p:sp>
-        <p:nvSpPr>
-          <p:cNvPr id="6" name="Espace réservé du contenu 5"/>
-          <p:cNvSpPr>
-            <a:spLocks noGrp="1"/>
-          </p:cNvSpPr>
-          <p:nvPr>
-            <p:ph sz="half" idx="2"/>
+          <a:p>
+            <a:pPr lvl="1"/>
+            <a:endParaRPr lang="fr-FR" dirty="0" smtClean="0"/>
+          </a:p>
+          <a:p>
+            <a:pPr lvl="1"/>
+            <a:endParaRPr lang="fr-FR" dirty="0" smtClean="0"/>
+          </a:p>
+          <a:p>
+            <a:r>
+              <a:rPr lang="fr-FR" dirty="0" smtClean="0"/>
+              <a:t>La sélection des modules s’effectuent dans les propriétés du projet (ex : jquery). </a:t>
+            </a:r>
+          </a:p>
+        </p:txBody>
+      </p:sp>
+      <p:sp>
+        <p:nvSpPr>
+          <p:cNvPr id="6" name="Espace réservé du numéro de diapositive 5"/>
+          <p:cNvSpPr>
+            <a:spLocks noGrp="1"/>
+          </p:cNvSpPr>
+          <p:nvPr>
+            <p:ph type="sldNum" sz="quarter" idx="12"/>
           </p:nvPr>
         </p:nvSpPr>
         <p:spPr/>
         <p:txBody>
-          <a:bodyPr>
-            <a:normAutofit/>
-          </a:bodyPr>
+          <a:bodyPr/>
           <a:lstStyle/>
           <a:p>
-            <a:r>
-              <a:rPr lang="fr-FR" sz="1600" dirty="0" smtClean="0"/>
-              <a:t>Ici le plugin tern </a:t>
-            </a:r>
-            <a:r>
-              <a:rPr lang="fr-FR" sz="1600" dirty="0" err="1" smtClean="0"/>
-              <a:t>lint</a:t>
-            </a:r>
-            <a:r>
-              <a:rPr lang="fr-FR" sz="1600" dirty="0" smtClean="0"/>
-              <a:t> est utilisé et affiche une erreur indiquant que le paramètre </a:t>
-            </a:r>
-            <a:r>
-              <a:rPr lang="fr-FR" sz="1600" dirty="0" err="1" smtClean="0"/>
-              <a:t>getElementById</a:t>
-            </a:r>
-            <a:r>
-              <a:rPr lang="fr-FR" sz="1600" dirty="0" smtClean="0"/>
-              <a:t> attend une string :</a:t>
-            </a:r>
-          </a:p>
-          <a:p>
-            <a:endParaRPr lang="fr-FR" sz="1600" dirty="0"/>
-          </a:p>
-          <a:p>
-            <a:endParaRPr lang="fr-FR" sz="1600" dirty="0" smtClean="0"/>
-          </a:p>
-          <a:p>
-            <a:endParaRPr lang="fr-FR" sz="1600" dirty="0"/>
+            <a:fld id="{31983D30-6903-4279-B3B7-192429037A18}" type="slidenum">
+              <a:rPr lang="fr-FR" smtClean="0"/>
+              <a:t>21</a:t>
+            </a:fld>
+            <a:endParaRPr lang="fr-FR"/>
           </a:p>
         </p:txBody>
       </p:sp>
       <p:pic>
         <p:nvPicPr>
-          <p:cNvPr id="5122" name="Picture 2"/>
+          <p:cNvPr id="4098" name="Picture 2"/>
           <p:cNvPicPr>
             <a:picLocks noChangeAspect="1" noChangeArrowheads="1"/>
           </p:cNvPicPr>
@@ -19134,8 +19202,8 @@
         </p:blipFill>
         <p:spPr bwMode="auto">
           <a:xfrm>
-            <a:off x="1700214" y="1985963"/>
-            <a:ext cx="5743575" cy="1171575"/>
+            <a:off x="1886606" y="1275606"/>
+            <a:ext cx="3347839" cy="2985444"/>
           </a:xfrm>
           <a:prstGeom prst="rect">
             <a:avLst/>
@@ -19165,33 +19233,10 @@
           </a:extLst>
         </p:spPr>
       </p:pic>
-      <p:sp>
-        <p:nvSpPr>
-          <p:cNvPr id="3" name="Espace réservé du numéro de diapositive 2"/>
-          <p:cNvSpPr>
-            <a:spLocks noGrp="1"/>
-          </p:cNvSpPr>
-          <p:nvPr>
-            <p:ph type="sldNum" sz="quarter" idx="12"/>
-          </p:nvPr>
-        </p:nvSpPr>
-        <p:spPr/>
-        <p:txBody>
-          <a:bodyPr/>
-          <a:lstStyle/>
-          <a:p>
-            <a:fld id="{31983D30-6903-4279-B3B7-192429037A18}" type="slidenum">
-              <a:rPr lang="fr-FR" smtClean="0"/>
-              <a:t>21</a:t>
-            </a:fld>
-            <a:endParaRPr lang="fr-FR"/>
-          </a:p>
-        </p:txBody>
-      </p:sp>
     </p:spTree>
     <p:extLst>
       <p:ext uri="{BB962C8B-B14F-4D97-AF65-F5344CB8AC3E}">
-        <p14:creationId xmlns:p14="http://schemas.microsoft.com/office/powerpoint/2010/main" val="542899802"/>
+        <p14:creationId xmlns:p14="http://schemas.microsoft.com/office/powerpoint/2010/main" val="2278625243"/>
       </p:ext>
     </p:extLst>
   </p:cSld>
@@ -19247,7 +19292,7 @@
           <a:p>
             <a:r>
               <a:rPr lang="fr-FR" dirty="0" smtClean="0"/>
-              <a:t>TERN IDE &amp; Modules</a:t>
+              <a:t>TERN IDE &amp; jQuery</a:t>
             </a:r>
             <a:endParaRPr lang="fr-FR" dirty="0"/>
           </a:p>
@@ -19263,22 +19308,32 @@
             <p:ph sz="half" idx="2"/>
           </p:nvPr>
         </p:nvSpPr>
-        <p:spPr>
-          <a:xfrm>
-            <a:off x="251520" y="843558"/>
-            <a:ext cx="8640960" cy="3960440"/>
-          </a:xfrm>
-        </p:spPr>
-        <p:txBody>
-          <a:bodyPr>
-            <a:normAutofit/>
-          </a:bodyPr>
+        <p:spPr/>
+        <p:txBody>
+          <a:bodyPr/>
           <a:lstStyle/>
           <a:p>
             <a:r>
               <a:rPr lang="fr-FR" dirty="0" smtClean="0"/>
-              <a:t>Un module est un JSON Type Definition ou un plugin.</a:t>
-            </a:r>
+              <a:t>La sélection du module </a:t>
+            </a:r>
+            <a:r>
+              <a:rPr lang="fr-FR" b="1" dirty="0" smtClean="0"/>
+              <a:t>jquery</a:t>
+            </a:r>
+            <a:r>
+              <a:rPr lang="fr-FR" dirty="0" smtClean="0"/>
+              <a:t> fournit la </a:t>
+            </a:r>
+            <a:r>
+              <a:rPr lang="fr-FR" dirty="0" smtClean="0"/>
+              <a:t>complétion sur ce framework: </a:t>
+            </a:r>
+            <a:r>
+              <a:rPr lang="fr-FR" dirty="0" smtClean="0"/>
+              <a:t> </a:t>
+            </a:r>
+            <a:endParaRPr lang="fr-FR" dirty="0" smtClean="0"/>
           </a:p>
           <a:p>
             <a:pPr lvl="1"/>
@@ -19310,31 +19365,17 @@
           </a:p>
           <a:p>
             <a:pPr lvl="1"/>
-            <a:endParaRPr lang="fr-FR" dirty="0" smtClean="0"/>
-          </a:p>
-          <a:p>
-            <a:pPr lvl="1"/>
+            <a:r>
+              <a:rPr lang="fr-FR" dirty="0" smtClean="0"/>
+              <a:t>►jquery est un JSON Type Definition</a:t>
+            </a:r>
             <a:endParaRPr lang="fr-FR" dirty="0"/>
-          </a:p>
-          <a:p>
-            <a:pPr lvl="1"/>
-            <a:endParaRPr lang="fr-FR" dirty="0" smtClean="0"/>
-          </a:p>
-          <a:p>
-            <a:pPr lvl="1"/>
-            <a:endParaRPr lang="fr-FR" dirty="0" smtClean="0"/>
-          </a:p>
-          <a:p>
-            <a:r>
-              <a:rPr lang="fr-FR" dirty="0" smtClean="0"/>
-              <a:t>La sélection des modules s’effectuent dans les propriétés du projet (ex : jquery). </a:t>
-            </a:r>
           </a:p>
         </p:txBody>
       </p:sp>
       <p:pic>
         <p:nvPicPr>
-          <p:cNvPr id="6147" name="Picture 3"/>
+          <p:cNvPr id="6" name="Picture 2"/>
           <p:cNvPicPr>
             <a:picLocks noChangeAspect="1" noChangeArrowheads="1"/>
           </p:cNvPicPr>
@@ -19355,8 +19396,8 @@
         </p:blipFill>
         <p:spPr bwMode="auto">
           <a:xfrm>
-            <a:off x="2123728" y="1437624"/>
-            <a:ext cx="3321436" cy="2567025"/>
+            <a:off x="583874" y="1419622"/>
+            <a:ext cx="7780101" cy="2335225"/>
           </a:xfrm>
           <a:prstGeom prst="rect">
             <a:avLst/>
@@ -19388,7 +19429,7 @@
       </p:pic>
       <p:sp>
         <p:nvSpPr>
-          <p:cNvPr id="6" name="Espace réservé du numéro de diapositive 5"/>
+          <p:cNvPr id="7" name="Espace réservé du numéro de diapositive 6"/>
           <p:cNvSpPr>
             <a:spLocks noGrp="1"/>
           </p:cNvSpPr>
@@ -19412,7 +19453,7 @@
     </p:spTree>
     <p:extLst>
       <p:ext uri="{BB962C8B-B14F-4D97-AF65-F5344CB8AC3E}">
-        <p14:creationId xmlns:p14="http://schemas.microsoft.com/office/powerpoint/2010/main" val="2278625243"/>
+        <p14:creationId xmlns:p14="http://schemas.microsoft.com/office/powerpoint/2010/main" val="95369748"/>
       </p:ext>
     </p:extLst>
   </p:cSld>
@@ -19468,7 +19509,7 @@
           <a:p>
             <a:r>
               <a:rPr lang="fr-FR" dirty="0" smtClean="0"/>
-              <a:t>TERN IDE &amp; jQuery</a:t>
+              <a:t>TERN IDE &amp; Node.js module</a:t>
             </a:r>
             <a:endParaRPr lang="fr-FR" dirty="0"/>
           </a:p>
@@ -19490,8 +19531,20 @@
           <a:lstStyle/>
           <a:p>
             <a:r>
-              <a:rPr lang="fr-FR" dirty="0" smtClean="0"/>
-              <a:t>Après avoir sélectionné le module jquery, on bénéficie de la complétion sur ce framework: : </a:t>
+              <a:rPr lang="fr-FR" dirty="0"/>
+              <a:t>La sélection du module </a:t>
+            </a:r>
+            <a:r>
+              <a:rPr lang="fr-FR" b="1" dirty="0" smtClean="0"/>
+              <a:t>node </a:t>
+            </a:r>
+            <a:r>
+              <a:rPr lang="fr-FR" dirty="0" smtClean="0"/>
+              <a:t>fournit </a:t>
+            </a:r>
+            <a:r>
+              <a:rPr lang="fr-FR" dirty="0"/>
+              <a:t>la complétion sur ce framework:  </a:t>
             </a:r>
           </a:p>
           <a:p>
@@ -19526,15 +19579,54 @@
             <a:pPr lvl="1"/>
             <a:r>
               <a:rPr lang="fr-FR" dirty="0" smtClean="0"/>
-              <a:t>►jquery est un JSON Type Definition</a:t>
-            </a:r>
+              <a:t>►node est un plugin tern. Ici il gère la fonction require.</a:t>
+            </a:r>
+          </a:p>
+          <a:p>
+            <a:pPr lvl="1"/>
+            <a:endParaRPr lang="fr-FR" dirty="0" smtClean="0"/>
+          </a:p>
+          <a:p>
+            <a:pPr lvl="1"/>
+            <a:endParaRPr lang="fr-FR" dirty="0" smtClean="0"/>
+          </a:p>
+          <a:p>
+            <a:pPr lvl="1"/>
+            <a:endParaRPr lang="fr-FR" dirty="0" smtClean="0"/>
+          </a:p>
+          <a:p>
+            <a:pPr lvl="1"/>
+            <a:endParaRPr lang="fr-FR" dirty="0" smtClean="0"/>
+          </a:p>
+          <a:p>
+            <a:pPr lvl="1"/>
+            <a:endParaRPr lang="fr-FR" dirty="0" smtClean="0"/>
+          </a:p>
+          <a:p>
+            <a:pPr lvl="1"/>
+            <a:endParaRPr lang="fr-FR" dirty="0" smtClean="0"/>
+          </a:p>
+          <a:p>
+            <a:pPr lvl="1"/>
+            <a:endParaRPr lang="fr-FR" dirty="0" smtClean="0"/>
+          </a:p>
+          <a:p>
+            <a:pPr lvl="1"/>
+            <a:endParaRPr lang="fr-FR" dirty="0" smtClean="0"/>
+          </a:p>
+          <a:p>
+            <a:pPr lvl="1"/>
+            <a:endParaRPr lang="fr-FR" dirty="0" smtClean="0"/>
+          </a:p>
+          <a:p>
+            <a:pPr lvl="1"/>
             <a:endParaRPr lang="fr-FR" dirty="0"/>
           </a:p>
         </p:txBody>
       </p:sp>
       <p:pic>
         <p:nvPicPr>
-          <p:cNvPr id="6" name="Picture 2"/>
+          <p:cNvPr id="15362" name="Picture 2"/>
           <p:cNvPicPr>
             <a:picLocks noChangeAspect="1" noChangeArrowheads="1"/>
           </p:cNvPicPr>
@@ -19555,8 +19647,8 @@
         </p:blipFill>
         <p:spPr bwMode="auto">
           <a:xfrm>
-            <a:off x="611561" y="1676685"/>
-            <a:ext cx="7780101" cy="2335225"/>
+            <a:off x="683568" y="1347614"/>
+            <a:ext cx="7704856" cy="2396171"/>
           </a:xfrm>
           <a:prstGeom prst="rect">
             <a:avLst/>
@@ -19588,7 +19680,7 @@
       </p:pic>
       <p:sp>
         <p:nvSpPr>
-          <p:cNvPr id="7" name="Espace réservé du numéro de diapositive 6"/>
+          <p:cNvPr id="6" name="Espace réservé du numéro de diapositive 5"/>
           <p:cNvSpPr>
             <a:spLocks noGrp="1"/>
           </p:cNvSpPr>
@@ -19612,7 +19704,7 @@
     </p:spTree>
     <p:extLst>
       <p:ext uri="{BB962C8B-B14F-4D97-AF65-F5344CB8AC3E}">
-        <p14:creationId xmlns:p14="http://schemas.microsoft.com/office/powerpoint/2010/main" val="95369748"/>
+        <p14:creationId xmlns:p14="http://schemas.microsoft.com/office/powerpoint/2010/main" val="184326546"/>
       </p:ext>
     </p:extLst>
   </p:cSld>
@@ -19668,7 +19760,7 @@
           <a:p>
             <a:r>
               <a:rPr lang="fr-FR" dirty="0" smtClean="0"/>
-              <a:t>TERN IDE &amp; Node.js module</a:t>
+              <a:t>TERN IDE &amp; Closure Library</a:t>
             </a:r>
             <a:endParaRPr lang="fr-FR" dirty="0"/>
           </a:p>
@@ -19690,9 +19782,28 @@
           <a:lstStyle/>
           <a:p>
             <a:r>
-              <a:rPr lang="fr-FR" dirty="0" smtClean="0"/>
-              <a:t>Après avoir sélectionné le module node, on bénéficie de la complétion sur ce framework: :</a:t>
-            </a:r>
+              <a:rPr lang="fr-FR" dirty="0"/>
+              <a:t>La sélection du module </a:t>
+            </a:r>
+            <a:r>
+              <a:rPr lang="fr-FR" b="1" dirty="0" smtClean="0"/>
+              <a:t>closure </a:t>
+            </a:r>
+            <a:r>
+              <a:rPr lang="fr-FR" dirty="0" smtClean="0"/>
+              <a:t>fournit </a:t>
+            </a:r>
+            <a:r>
+              <a:rPr lang="fr-FR" dirty="0"/>
+              <a:t>la complétion sur ce framework:  </a:t>
+            </a:r>
+            <a:endParaRPr lang="fr-FR" dirty="0" smtClean="0"/>
+          </a:p>
+          <a:p>
+            <a:pPr marL="457200" lvl="1" indent="0">
+              <a:buNone/>
+            </a:pPr>
+            <a:endParaRPr lang="fr-FR" dirty="0" smtClean="0"/>
           </a:p>
           <a:p>
             <a:pPr lvl="1"/>
@@ -19723,57 +19834,37 @@
             <a:endParaRPr lang="fr-FR" dirty="0" smtClean="0"/>
           </a:p>
           <a:p>
-            <a:pPr lvl="1"/>
-            <a:r>
-              <a:rPr lang="fr-FR" dirty="0" smtClean="0"/>
-              <a:t>►node est un plugin tern. Ici il gère la fonction require.</a:t>
-            </a:r>
-          </a:p>
-          <a:p>
-            <a:pPr lvl="1"/>
-            <a:endParaRPr lang="fr-FR" dirty="0" smtClean="0"/>
-          </a:p>
-          <a:p>
-            <a:pPr lvl="1"/>
-            <a:endParaRPr lang="fr-FR" dirty="0" smtClean="0"/>
-          </a:p>
-          <a:p>
-            <a:pPr lvl="1"/>
-            <a:endParaRPr lang="fr-FR" dirty="0" smtClean="0"/>
-          </a:p>
-          <a:p>
-            <a:pPr lvl="1"/>
-            <a:endParaRPr lang="fr-FR" dirty="0" smtClean="0"/>
-          </a:p>
-          <a:p>
-            <a:pPr lvl="1"/>
-            <a:endParaRPr lang="fr-FR" dirty="0" smtClean="0"/>
-          </a:p>
-          <a:p>
-            <a:pPr lvl="1"/>
-            <a:endParaRPr lang="fr-FR" dirty="0" smtClean="0"/>
-          </a:p>
-          <a:p>
-            <a:pPr lvl="1"/>
-            <a:endParaRPr lang="fr-FR" dirty="0" smtClean="0"/>
-          </a:p>
-          <a:p>
-            <a:pPr lvl="1"/>
-            <a:endParaRPr lang="fr-FR" dirty="0" smtClean="0"/>
-          </a:p>
-          <a:p>
-            <a:pPr lvl="1"/>
-            <a:endParaRPr lang="fr-FR" dirty="0" smtClean="0"/>
-          </a:p>
-          <a:p>
-            <a:pPr lvl="1"/>
+            <a:pPr>
+              <a:buFont typeface="Century Gothic" panose="020B0502020202020204" pitchFamily="34" charset="0"/>
+              <a:buChar char="►"/>
+            </a:pPr>
+            <a:r>
+              <a:rPr lang="fr-FR" dirty="0" smtClean="0"/>
+              <a:t>closure est un plugin tern. Il se base sur les sources </a:t>
+            </a:r>
+            <a:r>
+              <a:rPr lang="fr-FR" dirty="0" smtClean="0"/>
+              <a:t>JavaScript de </a:t>
+            </a:r>
+            <a:r>
+              <a:rPr lang="fr-FR" dirty="0" smtClean="0"/>
+              <a:t>closure. </a:t>
+            </a:r>
+            <a:r>
+              <a:rPr lang="fr-FR" dirty="0" smtClean="0"/>
+              <a:t>La navigation permet </a:t>
+            </a:r>
+            <a:r>
+              <a:rPr lang="fr-FR" dirty="0" smtClean="0"/>
+              <a:t>d’ouvrir les sources de closure.</a:t>
+            </a:r>
             <a:endParaRPr lang="fr-FR" dirty="0"/>
           </a:p>
         </p:txBody>
       </p:sp>
       <p:pic>
         <p:nvPicPr>
-          <p:cNvPr id="15362" name="Picture 2"/>
+          <p:cNvPr id="16386" name="Picture 2"/>
           <p:cNvPicPr>
             <a:picLocks noChangeAspect="1" noChangeArrowheads="1"/>
           </p:cNvPicPr>
@@ -19794,8 +19885,8 @@
         </p:blipFill>
         <p:spPr bwMode="auto">
           <a:xfrm>
-            <a:off x="755576" y="1687747"/>
-            <a:ext cx="7704856" cy="2396171"/>
+            <a:off x="990959" y="1347614"/>
+            <a:ext cx="6864350" cy="1957388"/>
           </a:xfrm>
           <a:prstGeom prst="rect">
             <a:avLst/>
@@ -19851,7 +19942,7 @@
     </p:spTree>
     <p:extLst>
       <p:ext uri="{BB962C8B-B14F-4D97-AF65-F5344CB8AC3E}">
-        <p14:creationId xmlns:p14="http://schemas.microsoft.com/office/powerpoint/2010/main" val="184326546"/>
+        <p14:creationId xmlns:p14="http://schemas.microsoft.com/office/powerpoint/2010/main" val="2772717686"/>
       </p:ext>
     </p:extLst>
   </p:cSld>
@@ -19907,7 +19998,7 @@
           <a:p>
             <a:r>
               <a:rPr lang="fr-FR" dirty="0" smtClean="0"/>
-              <a:t>TERN IDE &amp; Closure Library</a:t>
+              <a:t>Tern Java - Comment ca marche?</a:t>
             </a:r>
             <a:endParaRPr lang="fr-FR" dirty="0"/>
           </a:p>
@@ -19930,15 +20021,7 @@
           <a:p>
             <a:r>
               <a:rPr lang="fr-FR" dirty="0" smtClean="0"/>
-              <a:t>Après avoir sélectionné le module </a:t>
-            </a:r>
-            <a:r>
-              <a:rPr lang="fr-FR" dirty="0" err="1" smtClean="0"/>
-              <a:t>closure</a:t>
-            </a:r>
-            <a:r>
-              <a:rPr lang="fr-FR" dirty="0" smtClean="0"/>
-              <a:t>, on bénéficie de la complétion sur ce framework: : </a:t>
+              <a:t>Communication entre la complétion Eclipse et tern  :</a:t>
             </a:r>
           </a:p>
           <a:p>
@@ -19947,76 +20030,13 @@
           </a:p>
           <a:p>
             <a:pPr lvl="1"/>
-            <a:endParaRPr lang="fr-FR" dirty="0" smtClean="0"/>
-          </a:p>
-          <a:p>
-            <a:pPr lvl="1"/>
-            <a:endParaRPr lang="fr-FR" dirty="0" smtClean="0"/>
-          </a:p>
-          <a:p>
-            <a:pPr lvl="1"/>
-            <a:endParaRPr lang="fr-FR" dirty="0" smtClean="0"/>
-          </a:p>
-          <a:p>
-            <a:pPr lvl="1"/>
-            <a:endParaRPr lang="fr-FR" dirty="0" smtClean="0"/>
-          </a:p>
-          <a:p>
-            <a:pPr lvl="1"/>
-            <a:endParaRPr lang="fr-FR" dirty="0" smtClean="0"/>
-          </a:p>
-          <a:p>
-            <a:pPr lvl="1"/>
-            <a:endParaRPr lang="fr-FR" dirty="0" smtClean="0"/>
-          </a:p>
-          <a:p>
-            <a:pPr lvl="1"/>
-            <a:endParaRPr lang="fr-FR" dirty="0" smtClean="0"/>
-          </a:p>
-          <a:p>
-            <a:pPr>
-              <a:buFont typeface="Century Gothic" panose="020B0502020202020204" pitchFamily="34" charset="0"/>
-              <a:buChar char="►"/>
-            </a:pPr>
-            <a:r>
-              <a:rPr lang="fr-FR" dirty="0" err="1" smtClean="0"/>
-              <a:t>closure</a:t>
-            </a:r>
-            <a:r>
-              <a:rPr lang="fr-FR" dirty="0" smtClean="0"/>
-              <a:t> est un plugin tern. Il se base sur les sources de </a:t>
-            </a:r>
-            <a:r>
-              <a:rPr lang="fr-FR" dirty="0" err="1" smtClean="0"/>
-              <a:t>closure</a:t>
-            </a:r>
-            <a:r>
-              <a:rPr lang="fr-FR" dirty="0" smtClean="0"/>
-              <a:t>. Le </a:t>
-            </a:r>
-            <a:r>
-              <a:rPr lang="fr-FR" dirty="0" err="1" smtClean="0"/>
-              <a:t>hyperlink</a:t>
-            </a:r>
-            <a:r>
-              <a:rPr lang="fr-FR" dirty="0" smtClean="0"/>
-              <a:t> permet d’ouvrir les sources de </a:t>
-            </a:r>
-            <a:r>
-              <a:rPr lang="fr-FR" dirty="0" err="1" smtClean="0"/>
-              <a:t>closure</a:t>
-            </a:r>
-            <a:r>
-              <a:rPr lang="fr-FR" dirty="0" smtClean="0"/>
-              <a:t>.</a:t>
-            </a:r>
             <a:endParaRPr lang="fr-FR" dirty="0"/>
           </a:p>
         </p:txBody>
       </p:sp>
       <p:pic>
         <p:nvPicPr>
-          <p:cNvPr id="16386" name="Picture 2"/>
+          <p:cNvPr id="12290" name="Picture 2"/>
           <p:cNvPicPr>
             <a:picLocks noChangeAspect="1" noChangeArrowheads="1"/>
           </p:cNvPicPr>
@@ -20037,8 +20057,8 @@
         </p:blipFill>
         <p:spPr bwMode="auto">
           <a:xfrm>
-            <a:off x="990959" y="1635646"/>
-            <a:ext cx="6864350" cy="1957388"/>
+            <a:off x="1161901" y="1347614"/>
+            <a:ext cx="6819900" cy="2386013"/>
           </a:xfrm>
           <a:prstGeom prst="rect">
             <a:avLst/>
@@ -20094,7 +20114,7 @@
     </p:spTree>
     <p:extLst>
       <p:ext uri="{BB962C8B-B14F-4D97-AF65-F5344CB8AC3E}">
-        <p14:creationId xmlns:p14="http://schemas.microsoft.com/office/powerpoint/2010/main" val="2772717686"/>
+        <p14:creationId xmlns:p14="http://schemas.microsoft.com/office/powerpoint/2010/main" val="298686341"/>
       </p:ext>
     </p:extLst>
   </p:cSld>
@@ -20173,12 +20193,116 @@
           <a:p>
             <a:r>
               <a:rPr lang="fr-FR" dirty="0" smtClean="0"/>
-              <a:t>Communication entre la complétion Eclipse et tern  :</a:t>
+              <a:t>serveur tern lancé : tern.js est exécuté dans Eclipse IDE via Node.js</a:t>
+            </a:r>
+          </a:p>
+          <a:p>
+            <a:r>
+              <a:rPr lang="fr-FR" dirty="0" smtClean="0"/>
+              <a:t>Ici le server tern charge les JSON Type </a:t>
+            </a:r>
+            <a:r>
+              <a:rPr lang="fr-FR" dirty="0" smtClean="0"/>
+              <a:t>Définitions </a:t>
+            </a:r>
+            <a:r>
+              <a:rPr lang="fr-FR" dirty="0" smtClean="0"/>
+              <a:t>emacs5, browser et jquery</a:t>
+            </a:r>
+          </a:p>
+          <a:p>
+            <a:r>
+              <a:rPr lang="fr-FR" dirty="0" smtClean="0"/>
+              <a:t>communication entre la complétion Eclipse et le serveur tern s’effectue via JSON : </a:t>
             </a:r>
           </a:p>
           <a:p>
             <a:pPr lvl="1"/>
-            <a:endParaRPr lang="fr-FR" dirty="0" smtClean="0"/>
+            <a:r>
+              <a:rPr lang="fr-FR" dirty="0" smtClean="0"/>
+              <a:t>2 </a:t>
+            </a:r>
+            <a:r>
+              <a:rPr lang="fr-FR" b="1" dirty="0" smtClean="0"/>
+              <a:t>requêtes JSON</a:t>
+            </a:r>
+            <a:r>
+              <a:rPr lang="fr-FR" dirty="0" smtClean="0"/>
+              <a:t>:</a:t>
+            </a:r>
+          </a:p>
+          <a:p>
+            <a:pPr lvl="2"/>
+            <a:r>
+              <a:rPr lang="fr-FR" dirty="0" smtClean="0"/>
+              <a:t>requête </a:t>
+            </a:r>
+            <a:r>
+              <a:rPr lang="fr-FR" b="1" dirty="0" smtClean="0"/>
+              <a:t>files</a:t>
+            </a:r>
+            <a:r>
+              <a:rPr lang="fr-FR" dirty="0" smtClean="0"/>
+              <a:t>: envoie le contenu de l’éditeur et d’autres fichiers (si besoin)</a:t>
+            </a:r>
+          </a:p>
+          <a:p>
+            <a:pPr lvl="2"/>
+            <a:r>
+              <a:rPr lang="fr-FR" dirty="0" smtClean="0"/>
+              <a:t>Requête </a:t>
+            </a:r>
+            <a:r>
+              <a:rPr lang="fr-FR" b="1" dirty="0" smtClean="0"/>
+              <a:t>complétion</a:t>
+            </a:r>
+            <a:r>
+              <a:rPr lang="fr-FR" dirty="0" smtClean="0"/>
+              <a:t>:  envoie une requête de type complétion :</a:t>
+            </a:r>
+          </a:p>
+          <a:p>
+            <a:pPr lvl="3"/>
+            <a:r>
+              <a:rPr lang="fr-FR" dirty="0" smtClean="0"/>
+              <a:t>type: complétion</a:t>
+            </a:r>
+          </a:p>
+          <a:p>
+            <a:pPr lvl="3"/>
+            <a:r>
+              <a:rPr lang="fr-FR" dirty="0" smtClean="0"/>
+              <a:t>file: nom du fichier</a:t>
+            </a:r>
+          </a:p>
+          <a:p>
+            <a:pPr lvl="3"/>
+            <a:r>
+              <a:rPr lang="fr-FR" dirty="0" smtClean="0"/>
+              <a:t>end: offset ou la complétion est lancée.</a:t>
+            </a:r>
+          </a:p>
+          <a:p>
+            <a:pPr lvl="1"/>
+            <a:r>
+              <a:rPr lang="fr-FR" dirty="0" smtClean="0"/>
+              <a:t>Une </a:t>
+            </a:r>
+            <a:r>
+              <a:rPr lang="fr-FR" b="1" dirty="0" smtClean="0"/>
+              <a:t>réponse JSON</a:t>
+            </a:r>
+            <a:r>
+              <a:rPr lang="fr-FR" dirty="0" smtClean="0"/>
+              <a:t>:</a:t>
+            </a:r>
+          </a:p>
+          <a:p>
+            <a:pPr lvl="2"/>
+            <a:r>
+              <a:rPr lang="fr-FR" dirty="0" smtClean="0"/>
+              <a:t>complétions : tableau avec le résultat de la complétion.</a:t>
+            </a:r>
           </a:p>
           <a:p>
             <a:pPr lvl="1"/>
@@ -20186,60 +20310,6 @@
           </a:p>
         </p:txBody>
       </p:sp>
-      <p:pic>
-        <p:nvPicPr>
-          <p:cNvPr id="12290" name="Picture 2"/>
-          <p:cNvPicPr>
-            <a:picLocks noChangeAspect="1" noChangeArrowheads="1"/>
-          </p:cNvPicPr>
-          <p:nvPr/>
-        </p:nvPicPr>
-        <p:blipFill>
-          <a:blip r:embed="rId2">
-            <a:extLst>
-              <a:ext uri="{28A0092B-C50C-407E-A947-70E740481C1C}">
-                <a14:useLocalDpi xmlns:a14="http://schemas.microsoft.com/office/drawing/2010/main" val="0"/>
-              </a:ext>
-            </a:extLst>
-          </a:blip>
-          <a:srcRect/>
-          <a:stretch>
-            <a:fillRect/>
-          </a:stretch>
-        </p:blipFill>
-        <p:spPr bwMode="auto">
-          <a:xfrm>
-            <a:off x="1162050" y="1545636"/>
-            <a:ext cx="6819900" cy="2386013"/>
-          </a:xfrm>
-          <a:prstGeom prst="rect">
-            <a:avLst/>
-          </a:prstGeom>
-          <a:noFill/>
-          <a:ln>
-            <a:noFill/>
-          </a:ln>
-          <a:extLst>
-            <a:ext uri="{909E8E84-426E-40DD-AFC4-6F175D3DCCD1}">
-              <a14:hiddenFill xmlns:a14="http://schemas.microsoft.com/office/drawing/2010/main">
-                <a:solidFill>
-                  <a:schemeClr val="accent1"/>
-                </a:solidFill>
-              </a14:hiddenFill>
-            </a:ext>
-            <a:ext uri="{91240B29-F687-4F45-9708-019B960494DF}">
-              <a14:hiddenLine xmlns:a14="http://schemas.microsoft.com/office/drawing/2010/main" w="9525">
-                <a:solidFill>
-                  <a:schemeClr val="tx1"/>
-                </a:solidFill>
-                <a:miter lim="800000"/>
-                <a:headEnd/>
-                <a:tailEnd/>
-              </a14:hiddenLine>
-            </a:ext>
-          </a:extLst>
-        </p:spPr>
-      </p:pic>
       <p:sp>
         <p:nvSpPr>
           <p:cNvPr id="6" name="Espace réservé du numéro de diapositive 5"/>
@@ -20266,7 +20336,7 @@
     </p:spTree>
     <p:extLst>
       <p:ext uri="{BB962C8B-B14F-4D97-AF65-F5344CB8AC3E}">
-        <p14:creationId xmlns:p14="http://schemas.microsoft.com/office/powerpoint/2010/main" val="298686341"/>
+        <p14:creationId xmlns:p14="http://schemas.microsoft.com/office/powerpoint/2010/main" val="4051588330"/>
       </p:ext>
     </p:extLst>
   </p:cSld>
@@ -20345,84 +20415,55 @@
           <a:p>
             <a:r>
               <a:rPr lang="fr-FR" dirty="0" smtClean="0"/>
-              <a:t>serveur tern lancé : tern.js est exécuté dans Eclipse IDE via Node.js</a:t>
-            </a:r>
-          </a:p>
-          <a:p>
-            <a:r>
-              <a:rPr lang="fr-FR" dirty="0" smtClean="0"/>
-              <a:t>Ici le server tern charge les JSON Type </a:t>
-            </a:r>
-            <a:r>
-              <a:rPr lang="fr-FR" dirty="0" err="1" smtClean="0"/>
-              <a:t>Definitions</a:t>
-            </a:r>
-            <a:r>
-              <a:rPr lang="fr-FR" dirty="0" smtClean="0"/>
-              <a:t> emacs5, browser et jquery</a:t>
-            </a:r>
-          </a:p>
-          <a:p>
-            <a:r>
-              <a:rPr lang="fr-FR" dirty="0" smtClean="0"/>
-              <a:t>communication entre la complétion Eclipse et le serveur tern s’effectue via JSON : </a:t>
-            </a:r>
+              <a:t>Cocher Tern </a:t>
+            </a:r>
+            <a:r>
+              <a:rPr lang="fr-FR" b="1" dirty="0" smtClean="0"/>
+              <a:t>console</a:t>
+            </a:r>
+            <a:r>
+              <a:rPr lang="fr-FR" dirty="0" smtClean="0"/>
+              <a:t> dans les propriétés du projet </a:t>
+            </a:r>
+            <a:r>
+              <a:rPr lang="fr-FR" b="1" dirty="0" smtClean="0"/>
+              <a:t>Tern -&gt; </a:t>
+            </a:r>
+            <a:r>
+              <a:rPr lang="fr-FR" b="1" dirty="0" smtClean="0"/>
+              <a:t>Development</a:t>
+            </a:r>
+            <a:r>
+              <a:rPr lang="fr-FR" dirty="0" smtClean="0"/>
+              <a:t>:</a:t>
+            </a:r>
+            <a:endParaRPr lang="fr-FR" dirty="0" smtClean="0"/>
           </a:p>
           <a:p>
             <a:pPr lvl="1"/>
-            <a:r>
-              <a:rPr lang="fr-FR" dirty="0" smtClean="0"/>
-              <a:t>2 requêtes JSON:</a:t>
-            </a:r>
-          </a:p>
-          <a:p>
-            <a:pPr lvl="2"/>
-            <a:r>
-              <a:rPr lang="fr-FR" dirty="0" smtClean="0"/>
-              <a:t>requête files: envoie le contenu de l’éditeur et d’autres fichiers (si besoin)</a:t>
-            </a:r>
-          </a:p>
-          <a:p>
-            <a:pPr lvl="2"/>
-            <a:r>
-              <a:rPr lang="fr-FR" dirty="0" smtClean="0"/>
-              <a:t>Requête complétion:  envoie une requête de type complétion :</a:t>
-            </a:r>
-          </a:p>
-          <a:p>
-            <a:pPr lvl="3"/>
-            <a:r>
-              <a:rPr lang="fr-FR" dirty="0" smtClean="0"/>
-              <a:t>type: complétion</a:t>
-            </a:r>
-          </a:p>
-          <a:p>
-            <a:pPr lvl="3"/>
-            <a:r>
-              <a:rPr lang="fr-FR" dirty="0" smtClean="0"/>
-              <a:t>file: nom du fichier</a:t>
-            </a:r>
-          </a:p>
-          <a:p>
-            <a:pPr lvl="3"/>
-            <a:r>
-              <a:rPr lang="fr-FR" dirty="0" smtClean="0"/>
-              <a:t>end: offset ou la complétion est lancée.</a:t>
-            </a:r>
+            <a:endParaRPr lang="fr-FR" dirty="0" smtClean="0"/>
           </a:p>
           <a:p>
             <a:pPr lvl="1"/>
-            <a:r>
-              <a:rPr lang="fr-FR" dirty="0" smtClean="0"/>
-              <a:t>Une réponse JSON:</a:t>
-            </a:r>
-          </a:p>
-          <a:p>
-            <a:pPr lvl="2"/>
-            <a:r>
-              <a:rPr lang="fr-FR" dirty="0" smtClean="0"/>
-              <a:t>complétions : tableau avec le résultat de la complétion.</a:t>
-            </a:r>
+            <a:endParaRPr lang="fr-FR" dirty="0" smtClean="0"/>
+          </a:p>
+          <a:p>
+            <a:pPr lvl="1"/>
+            <a:endParaRPr lang="fr-FR" dirty="0" smtClean="0"/>
+          </a:p>
+          <a:p>
+            <a:pPr lvl="1"/>
+            <a:endParaRPr lang="fr-FR" dirty="0" smtClean="0"/>
+          </a:p>
+          <a:p>
+            <a:r>
+              <a:rPr lang="fr-FR" dirty="0" smtClean="0"/>
+              <a:t>La console Eclipse affiche les requêtes/réponses JSON:</a:t>
+            </a:r>
+          </a:p>
+          <a:p>
+            <a:pPr lvl="1"/>
+            <a:endParaRPr lang="fr-FR" dirty="0" smtClean="0"/>
           </a:p>
           <a:p>
             <a:pPr lvl="1"/>
@@ -20430,6 +20471,60 @@
           </a:p>
         </p:txBody>
       </p:sp>
+      <p:pic>
+        <p:nvPicPr>
+          <p:cNvPr id="11267" name="Picture 3"/>
+          <p:cNvPicPr>
+            <a:picLocks noChangeAspect="1" noChangeArrowheads="1"/>
+          </p:cNvPicPr>
+          <p:nvPr/>
+        </p:nvPicPr>
+        <p:blipFill>
+          <a:blip r:embed="rId2">
+            <a:extLst>
+              <a:ext uri="{28A0092B-C50C-407E-A947-70E740481C1C}">
+                <a14:useLocalDpi xmlns:a14="http://schemas.microsoft.com/office/drawing/2010/main" val="0"/>
+              </a:ext>
+            </a:extLst>
+          </a:blip>
+          <a:srcRect/>
+          <a:stretch>
+            <a:fillRect/>
+          </a:stretch>
+        </p:blipFill>
+        <p:spPr bwMode="auto">
+          <a:xfrm>
+            <a:off x="755576" y="2715766"/>
+            <a:ext cx="7852170" cy="1926887"/>
+          </a:xfrm>
+          <a:prstGeom prst="rect">
+            <a:avLst/>
+          </a:prstGeom>
+          <a:noFill/>
+          <a:ln>
+            <a:noFill/>
+          </a:ln>
+          <a:extLst>
+            <a:ext uri="{909E8E84-426E-40DD-AFC4-6F175D3DCCD1}">
+              <a14:hiddenFill xmlns:a14="http://schemas.microsoft.com/office/drawing/2010/main">
+                <a:solidFill>
+                  <a:schemeClr val="accent1"/>
+                </a:solidFill>
+              </a14:hiddenFill>
+            </a:ext>
+            <a:ext uri="{91240B29-F687-4F45-9708-019B960494DF}">
+              <a14:hiddenLine xmlns:a14="http://schemas.microsoft.com/office/drawing/2010/main" w="9525">
+                <a:solidFill>
+                  <a:schemeClr val="tx1"/>
+                </a:solidFill>
+                <a:miter lim="800000"/>
+                <a:headEnd/>
+                <a:tailEnd/>
+              </a14:hiddenLine>
+            </a:ext>
+          </a:extLst>
+        </p:spPr>
+      </p:pic>
       <p:sp>
         <p:nvSpPr>
           <p:cNvPr id="6" name="Espace réservé du numéro de diapositive 5"/>
@@ -20453,10 +20548,64 @@
           </a:p>
         </p:txBody>
       </p:sp>
+      <p:pic>
+        <p:nvPicPr>
+          <p:cNvPr id="5123" name="Picture 3"/>
+          <p:cNvPicPr>
+            <a:picLocks noChangeAspect="1" noChangeArrowheads="1"/>
+          </p:cNvPicPr>
+          <p:nvPr/>
+        </p:nvPicPr>
+        <p:blipFill>
+          <a:blip r:embed="rId3">
+            <a:extLst>
+              <a:ext uri="{28A0092B-C50C-407E-A947-70E740481C1C}">
+                <a14:useLocalDpi xmlns:a14="http://schemas.microsoft.com/office/drawing/2010/main" val="0"/>
+              </a:ext>
+            </a:extLst>
+          </a:blip>
+          <a:srcRect/>
+          <a:stretch>
+            <a:fillRect/>
+          </a:stretch>
+        </p:blipFill>
+        <p:spPr bwMode="auto">
+          <a:xfrm>
+            <a:off x="2051720" y="1203598"/>
+            <a:ext cx="2287030" cy="1083876"/>
+          </a:xfrm>
+          <a:prstGeom prst="rect">
+            <a:avLst/>
+          </a:prstGeom>
+          <a:noFill/>
+          <a:ln>
+            <a:noFill/>
+          </a:ln>
+          <a:extLst>
+            <a:ext uri="{909E8E84-426E-40DD-AFC4-6F175D3DCCD1}">
+              <a14:hiddenFill xmlns:a14="http://schemas.microsoft.com/office/drawing/2010/main">
+                <a:solidFill>
+                  <a:schemeClr val="accent1"/>
+                </a:solidFill>
+              </a14:hiddenFill>
+            </a:ext>
+            <a:ext uri="{91240B29-F687-4F45-9708-019B960494DF}">
+              <a14:hiddenLine xmlns:a14="http://schemas.microsoft.com/office/drawing/2010/main" w="9525">
+                <a:solidFill>
+                  <a:schemeClr val="tx1"/>
+                </a:solidFill>
+                <a:miter lim="800000"/>
+                <a:headEnd/>
+                <a:tailEnd/>
+              </a14:hiddenLine>
+            </a:ext>
+          </a:extLst>
+        </p:spPr>
+      </p:pic>
     </p:spTree>
     <p:extLst>
       <p:ext uri="{BB962C8B-B14F-4D97-AF65-F5344CB8AC3E}">
-        <p14:creationId xmlns:p14="http://schemas.microsoft.com/office/powerpoint/2010/main" val="4051588330"/>
+        <p14:creationId xmlns:p14="http://schemas.microsoft.com/office/powerpoint/2010/main" val="1581530251"/>
       </p:ext>
     </p:extLst>
   </p:cSld>
@@ -20512,7 +20661,7 @@
           <a:p>
             <a:r>
               <a:rPr lang="fr-FR" dirty="0" smtClean="0"/>
-              <a:t>Tern Java - Comment ca marche?</a:t>
+              <a:t>Implémentation Serveur tern</a:t>
             </a:r>
             <a:endParaRPr lang="fr-FR" dirty="0"/>
           </a:p>
@@ -20525,7 +20674,7 @@
             <a:spLocks noGrp="1"/>
           </p:cNvSpPr>
           <p:nvPr>
-            <p:ph sz="half" idx="2"/>
+            <p:ph sz="half" idx="1"/>
           </p:nvPr>
         </p:nvSpPr>
         <p:spPr/>
@@ -20535,152 +20684,180 @@
           <a:p>
             <a:r>
               <a:rPr lang="fr-FR" dirty="0" smtClean="0"/>
-              <a:t>Cocher Tern console dans les propriétés du projet Tern -&gt; Console :</a:t>
+              <a:t>tern.js écrits en JavaScript doit être </a:t>
+            </a:r>
+            <a:r>
+              <a:rPr lang="fr-FR" b="1" dirty="0" smtClean="0"/>
+              <a:t>exécuté dans un contexte Java</a:t>
+            </a:r>
+            <a:r>
+              <a:rPr lang="fr-FR" dirty="0" smtClean="0"/>
+              <a:t>, pour cela plusieurs solutions :</a:t>
             </a:r>
           </a:p>
           <a:p>
             <a:pPr lvl="1"/>
+            <a:r>
+              <a:rPr lang="fr-FR" b="1" dirty="0" smtClean="0"/>
+              <a:t>Rhino</a:t>
+            </a:r>
             <a:endParaRPr lang="fr-FR" dirty="0" smtClean="0"/>
           </a:p>
           <a:p>
             <a:pPr lvl="1"/>
+            <a:r>
+              <a:rPr lang="fr-FR" b="1" dirty="0" smtClean="0"/>
+              <a:t>Node.js</a:t>
+            </a:r>
+            <a:r>
+              <a:rPr lang="fr-FR" dirty="0" smtClean="0"/>
+              <a:t> (client serveur), </a:t>
+            </a:r>
+          </a:p>
+          <a:p>
+            <a:pPr lvl="1"/>
+            <a:r>
+              <a:rPr lang="fr-FR" b="1" dirty="0" smtClean="0"/>
+              <a:t>Nashhorm</a:t>
+            </a:r>
+            <a:r>
+              <a:rPr lang="fr-FR" dirty="0"/>
+              <a:t> ? </a:t>
+            </a:r>
+            <a:r>
+              <a:rPr lang="fr-FR" dirty="0">
+                <a:hlinkClick r:id="rId2"/>
+              </a:rPr>
+              <a:t>https://blogs.oracle.com/nashorn/</a:t>
+            </a:r>
             <a:endParaRPr lang="fr-FR" dirty="0" smtClean="0"/>
           </a:p>
           <a:p>
             <a:pPr lvl="1"/>
+            <a:r>
+              <a:rPr lang="fr-FR" b="1" dirty="0" smtClean="0"/>
+              <a:t>Vert.x</a:t>
+            </a:r>
+            <a:r>
+              <a:rPr lang="fr-FR" dirty="0"/>
+              <a:t> ? </a:t>
+            </a:r>
+            <a:r>
+              <a:rPr lang="fr-FR" dirty="0">
+                <a:hlinkClick r:id="rId3"/>
+              </a:rPr>
+              <a:t>http://vertx.io/</a:t>
+            </a:r>
             <a:endParaRPr lang="fr-FR" dirty="0" smtClean="0"/>
           </a:p>
           <a:p>
             <a:pPr lvl="1"/>
+            <a:r>
+              <a:rPr lang="fr-FR" b="1" dirty="0" smtClean="0"/>
+              <a:t>Jav8</a:t>
+            </a:r>
+            <a:r>
+              <a:rPr lang="fr-FR" dirty="0" smtClean="0"/>
+              <a:t> (Google </a:t>
+            </a:r>
+            <a:r>
+              <a:rPr lang="fr-FR" dirty="0"/>
+              <a:t>V8) ? </a:t>
+            </a:r>
+            <a:r>
+              <a:rPr lang="fr-FR" dirty="0">
+                <a:hlinkClick r:id="rId4"/>
+              </a:rPr>
+              <a:t>https://code.google.com/p/jav8/</a:t>
+            </a:r>
             <a:endParaRPr lang="fr-FR" dirty="0" smtClean="0"/>
           </a:p>
-          <a:p>
-            <a:r>
-              <a:rPr lang="fr-FR" dirty="0" smtClean="0"/>
-              <a:t>La console Eclipse affiche les requêtes/réponses JSON:</a:t>
+        </p:txBody>
+      </p:sp>
+      <p:sp>
+        <p:nvSpPr>
+          <p:cNvPr id="4" name="Espace réservé du contenu 3"/>
+          <p:cNvSpPr>
+            <a:spLocks noGrp="1"/>
+          </p:cNvSpPr>
+          <p:nvPr>
+            <p:ph sz="half" idx="2"/>
+          </p:nvPr>
+        </p:nvSpPr>
+        <p:spPr/>
+        <p:txBody>
+          <a:bodyPr/>
+          <a:lstStyle/>
+          <a:p>
+            <a:r>
+              <a:rPr lang="fr-FR" dirty="0" smtClean="0"/>
+              <a:t>Il existe actuellement </a:t>
+            </a:r>
+            <a:r>
+              <a:rPr lang="fr-FR" b="1" dirty="0" smtClean="0"/>
+              <a:t>2 implémentations du serveur tern en Java</a:t>
+            </a:r>
+            <a:r>
+              <a:rPr lang="fr-FR" dirty="0" smtClean="0"/>
+              <a:t> : </a:t>
             </a:r>
           </a:p>
           <a:p>
             <a:pPr lvl="1"/>
-            <a:endParaRPr lang="fr-FR" dirty="0" smtClean="0"/>
+            <a:r>
+              <a:rPr lang="fr-FR" b="1" dirty="0" smtClean="0"/>
+              <a:t>Rhino</a:t>
+            </a:r>
           </a:p>
           <a:p>
             <a:pPr lvl="1"/>
+            <a:r>
+              <a:rPr lang="fr-FR" b="1" dirty="0" smtClean="0"/>
+              <a:t>Node.js</a:t>
+            </a:r>
+          </a:p>
+          <a:p>
+            <a:r>
+              <a:rPr lang="fr-FR" dirty="0" smtClean="0"/>
+              <a:t>Tern IDE utilise Node.js car :</a:t>
+            </a:r>
+          </a:p>
+          <a:p>
+            <a:pPr lvl="1"/>
+            <a:r>
+              <a:rPr lang="fr-FR" dirty="0" smtClean="0"/>
+              <a:t>très performant.</a:t>
+            </a:r>
+          </a:p>
+          <a:p>
+            <a:pPr lvl="1"/>
+            <a:r>
+              <a:rPr lang="fr-FR" dirty="0"/>
+              <a:t>t</a:t>
+            </a:r>
+            <a:r>
+              <a:rPr lang="fr-FR" dirty="0" smtClean="0"/>
+              <a:t>ern.js étant très </a:t>
+            </a:r>
+            <a:r>
+              <a:rPr lang="fr-FR" dirty="0" smtClean="0"/>
+              <a:t>gourmand en mémoire, Rhino ne supporte pas cette contrainte.</a:t>
+            </a:r>
+          </a:p>
+          <a:p>
+            <a:r>
+              <a:rPr lang="fr-FR" dirty="0" smtClean="0"/>
+              <a:t>A tester avec Nashhorm</a:t>
+            </a:r>
+          </a:p>
+          <a:p>
             <a:endParaRPr lang="fr-FR" dirty="0"/>
           </a:p>
         </p:txBody>
       </p:sp>
-      <p:pic>
-        <p:nvPicPr>
-          <p:cNvPr id="11266" name="Picture 2"/>
-          <p:cNvPicPr>
-            <a:picLocks noChangeAspect="1" noChangeArrowheads="1"/>
-          </p:cNvPicPr>
-          <p:nvPr/>
-        </p:nvPicPr>
-        <p:blipFill>
-          <a:blip r:embed="rId2">
-            <a:extLst>
-              <a:ext uri="{28A0092B-C50C-407E-A947-70E740481C1C}">
-                <a14:useLocalDpi xmlns:a14="http://schemas.microsoft.com/office/drawing/2010/main" val="0"/>
-              </a:ext>
-            </a:extLst>
-          </a:blip>
-          <a:srcRect/>
-          <a:stretch>
-            <a:fillRect/>
-          </a:stretch>
-        </p:blipFill>
-        <p:spPr bwMode="auto">
-          <a:xfrm>
-            <a:off x="1691682" y="1275606"/>
-            <a:ext cx="2736303" cy="866030"/>
-          </a:xfrm>
-          <a:prstGeom prst="rect">
-            <a:avLst/>
-          </a:prstGeom>
-          <a:noFill/>
-          <a:ln>
-            <a:noFill/>
-          </a:ln>
-          <a:extLst>
-            <a:ext uri="{909E8E84-426E-40DD-AFC4-6F175D3DCCD1}">
-              <a14:hiddenFill xmlns:a14="http://schemas.microsoft.com/office/drawing/2010/main">
-                <a:solidFill>
-                  <a:schemeClr val="accent1"/>
-                </a:solidFill>
-              </a14:hiddenFill>
-            </a:ext>
-            <a:ext uri="{91240B29-F687-4F45-9708-019B960494DF}">
-              <a14:hiddenLine xmlns:a14="http://schemas.microsoft.com/office/drawing/2010/main" w="9525">
-                <a:solidFill>
-                  <a:schemeClr val="tx1"/>
-                </a:solidFill>
-                <a:miter lim="800000"/>
-                <a:headEnd/>
-                <a:tailEnd/>
-              </a14:hiddenLine>
-            </a:ext>
-          </a:extLst>
-        </p:spPr>
-      </p:pic>
-      <p:pic>
-        <p:nvPicPr>
-          <p:cNvPr id="11267" name="Picture 3"/>
-          <p:cNvPicPr>
-            <a:picLocks noChangeAspect="1" noChangeArrowheads="1"/>
-          </p:cNvPicPr>
-          <p:nvPr/>
-        </p:nvPicPr>
-        <p:blipFill>
-          <a:blip r:embed="rId3">
-            <a:extLst>
-              <a:ext uri="{28A0092B-C50C-407E-A947-70E740481C1C}">
-                <a14:useLocalDpi xmlns:a14="http://schemas.microsoft.com/office/drawing/2010/main" val="0"/>
-              </a:ext>
-            </a:extLst>
-          </a:blip>
-          <a:srcRect/>
-          <a:stretch>
-            <a:fillRect/>
-          </a:stretch>
-        </p:blipFill>
-        <p:spPr bwMode="auto">
-          <a:xfrm>
-            <a:off x="755576" y="2715766"/>
-            <a:ext cx="7852170" cy="1926887"/>
-          </a:xfrm>
-          <a:prstGeom prst="rect">
-            <a:avLst/>
-          </a:prstGeom>
-          <a:noFill/>
-          <a:ln>
-            <a:noFill/>
-          </a:ln>
-          <a:extLst>
-            <a:ext uri="{909E8E84-426E-40DD-AFC4-6F175D3DCCD1}">
-              <a14:hiddenFill xmlns:a14="http://schemas.microsoft.com/office/drawing/2010/main">
-                <a:solidFill>
-                  <a:schemeClr val="accent1"/>
-                </a:solidFill>
-              </a14:hiddenFill>
-            </a:ext>
-            <a:ext uri="{91240B29-F687-4F45-9708-019B960494DF}">
-              <a14:hiddenLine xmlns:a14="http://schemas.microsoft.com/office/drawing/2010/main" w="9525">
-                <a:solidFill>
-                  <a:schemeClr val="tx1"/>
-                </a:solidFill>
-                <a:miter lim="800000"/>
-                <a:headEnd/>
-                <a:tailEnd/>
-              </a14:hiddenLine>
-            </a:ext>
-          </a:extLst>
-        </p:spPr>
-      </p:pic>
-      <p:sp>
-        <p:nvSpPr>
-          <p:cNvPr id="6" name="Espace réservé du numéro de diapositive 5"/>
+      <p:sp>
+        <p:nvSpPr>
+          <p:cNvPr id="8" name="Espace réservé du numéro de diapositive 7"/>
           <p:cNvSpPr>
             <a:spLocks noGrp="1"/>
           </p:cNvSpPr>
@@ -20704,7 +20881,7 @@
     </p:spTree>
     <p:extLst>
       <p:ext uri="{BB962C8B-B14F-4D97-AF65-F5344CB8AC3E}">
-        <p14:creationId xmlns:p14="http://schemas.microsoft.com/office/powerpoint/2010/main" val="1581530251"/>
+        <p14:creationId xmlns:p14="http://schemas.microsoft.com/office/powerpoint/2010/main" val="1670052877"/>
       </p:ext>
     </p:extLst>
   </p:cSld>
@@ -20755,152 +20932,76 @@
         </p:nvSpPr>
         <p:spPr/>
         <p:txBody>
-          <a:bodyPr/>
+          <a:bodyPr>
+            <a:normAutofit/>
+          </a:bodyPr>
           <a:lstStyle/>
           <a:p>
             <a:r>
               <a:rPr lang="fr-FR" dirty="0" smtClean="0"/>
-              <a:t>Implémentation Serveur tern</a:t>
+              <a:t>Serveur Tern– Node.js</a:t>
             </a:r>
             <a:endParaRPr lang="fr-FR" dirty="0"/>
           </a:p>
         </p:txBody>
       </p:sp>
-      <p:sp>
-        <p:nvSpPr>
-          <p:cNvPr id="3" name="Espace réservé du contenu 2"/>
-          <p:cNvSpPr>
-            <a:spLocks noGrp="1"/>
-          </p:cNvSpPr>
-          <p:nvPr>
-            <p:ph sz="half" idx="1"/>
-          </p:nvPr>
-        </p:nvSpPr>
-        <p:spPr/>
-        <p:txBody>
-          <a:bodyPr/>
-          <a:lstStyle/>
-          <a:p>
-            <a:r>
-              <a:rPr lang="fr-FR" dirty="0" smtClean="0"/>
-              <a:t>tern.js écrits en JavaScript doit être exécuté dans un contexte Java, pour cela plusieurs solutions :</a:t>
-            </a:r>
-          </a:p>
-          <a:p>
-            <a:pPr lvl="1"/>
-            <a:r>
-              <a:rPr lang="fr-FR" dirty="0" smtClean="0"/>
-              <a:t>Rhino, </a:t>
-            </a:r>
-          </a:p>
-          <a:p>
-            <a:pPr lvl="1"/>
-            <a:r>
-              <a:rPr lang="fr-FR" dirty="0" smtClean="0"/>
-              <a:t>Node.js (client serveur), </a:t>
-            </a:r>
-          </a:p>
-          <a:p>
-            <a:pPr lvl="1"/>
-            <a:r>
-              <a:rPr lang="fr-FR" dirty="0" err="1" smtClean="0"/>
-              <a:t>Nashhorm</a:t>
-            </a:r>
-            <a:r>
-              <a:rPr lang="fr-FR" dirty="0" smtClean="0"/>
-              <a:t>, </a:t>
-            </a:r>
-          </a:p>
-          <a:p>
-            <a:pPr lvl="1"/>
-            <a:r>
-              <a:rPr lang="fr-FR" dirty="0" err="1" smtClean="0"/>
-              <a:t>Vertx</a:t>
-            </a:r>
-            <a:endParaRPr lang="fr-FR" dirty="0" smtClean="0"/>
-          </a:p>
-          <a:p>
-            <a:pPr lvl="1"/>
-            <a:r>
-              <a:rPr lang="fr-FR" dirty="0" smtClean="0"/>
-              <a:t>Chrome, etc</a:t>
-            </a:r>
-          </a:p>
-        </p:txBody>
-      </p:sp>
-      <p:sp>
-        <p:nvSpPr>
-          <p:cNvPr id="4" name="Espace réservé du contenu 3"/>
-          <p:cNvSpPr>
-            <a:spLocks noGrp="1"/>
-          </p:cNvSpPr>
-          <p:nvPr>
-            <p:ph sz="half" idx="2"/>
-          </p:nvPr>
-        </p:nvSpPr>
-        <p:spPr/>
-        <p:txBody>
-          <a:bodyPr/>
-          <a:lstStyle/>
-          <a:p>
-            <a:r>
-              <a:rPr lang="fr-FR" dirty="0" smtClean="0"/>
-              <a:t>Il existe actuellement 2 implémentations du serveur tern en Java : </a:t>
-            </a:r>
-          </a:p>
-          <a:p>
-            <a:pPr lvl="1"/>
-            <a:r>
-              <a:rPr lang="fr-FR" dirty="0" smtClean="0"/>
-              <a:t>Rhino</a:t>
-            </a:r>
-          </a:p>
-          <a:p>
-            <a:pPr lvl="1"/>
-            <a:r>
-              <a:rPr lang="fr-FR" dirty="0" smtClean="0"/>
-              <a:t>Node.js</a:t>
-            </a:r>
-          </a:p>
-          <a:p>
-            <a:r>
-              <a:rPr lang="fr-FR" dirty="0" smtClean="0"/>
-              <a:t>Tern IDE utilise Node.js car :</a:t>
-            </a:r>
-          </a:p>
-          <a:p>
-            <a:pPr lvl="1"/>
-            <a:r>
-              <a:rPr lang="fr-FR" dirty="0" smtClean="0"/>
-              <a:t>très performant.</a:t>
-            </a:r>
-          </a:p>
-          <a:p>
-            <a:pPr lvl="1"/>
-            <a:r>
-              <a:rPr lang="fr-FR" dirty="0" smtClean="0"/>
-              <a:t>Tern.js est très gourmand en mémoire, Rhino ne supporte pas cette contrainte.</a:t>
-            </a:r>
-          </a:p>
-          <a:p>
-            <a:r>
-              <a:rPr lang="fr-FR" dirty="0" smtClean="0"/>
-              <a:t>A tester avec </a:t>
-            </a:r>
-            <a:r>
-              <a:rPr lang="fr-FR" dirty="0" err="1" smtClean="0"/>
-              <a:t>Nashhorm</a:t>
-            </a:r>
-            <a:endParaRPr lang="fr-FR" dirty="0" smtClean="0"/>
-          </a:p>
-          <a:p>
-            <a:endParaRPr lang="fr-FR" dirty="0"/>
-          </a:p>
-        </p:txBody>
-      </p:sp>
-      <p:sp>
-        <p:nvSpPr>
-          <p:cNvPr id="8" name="Espace réservé du numéro de diapositive 7"/>
+      <p:pic>
+        <p:nvPicPr>
+          <p:cNvPr id="13315" name="Picture 3"/>
+          <p:cNvPicPr>
+            <a:picLocks noChangeAspect="1" noChangeArrowheads="1"/>
+          </p:cNvPicPr>
+          <p:nvPr/>
+        </p:nvPicPr>
+        <p:blipFill>
+          <a:blip r:embed="rId2">
+            <a:extLst>
+              <a:ext uri="{28A0092B-C50C-407E-A947-70E740481C1C}">
+                <a14:useLocalDpi xmlns:a14="http://schemas.microsoft.com/office/drawing/2010/main" val="0"/>
+              </a:ext>
+            </a:extLst>
+          </a:blip>
+          <a:srcRect/>
+          <a:stretch>
+            <a:fillRect/>
+          </a:stretch>
+        </p:blipFill>
+        <p:spPr bwMode="auto">
+          <a:xfrm>
+            <a:off x="1147763" y="1131590"/>
+            <a:ext cx="6848475" cy="2786063"/>
+          </a:xfrm>
+          <a:prstGeom prst="rect">
+            <a:avLst/>
+          </a:prstGeom>
+          <a:noFill/>
+          <a:ln>
+            <a:noFill/>
+          </a:ln>
+          <a:extLst>
+            <a:ext uri="{909E8E84-426E-40DD-AFC4-6F175D3DCCD1}">
+              <a14:hiddenFill xmlns:a14="http://schemas.microsoft.com/office/drawing/2010/main">
+                <a:solidFill>
+                  <a:schemeClr val="accent1"/>
+                </a:solidFill>
+              </a14:hiddenFill>
+            </a:ext>
+            <a:ext uri="{91240B29-F687-4F45-9708-019B960494DF}">
+              <a14:hiddenLine xmlns:a14="http://schemas.microsoft.com/office/drawing/2010/main" w="9525">
+                <a:solidFill>
+                  <a:schemeClr val="tx1"/>
+                </a:solidFill>
+                <a:miter lim="800000"/>
+                <a:headEnd/>
+                <a:tailEnd/>
+              </a14:hiddenLine>
+            </a:ext>
+          </a:extLst>
+        </p:spPr>
+      </p:pic>
+      <p:sp>
+        <p:nvSpPr>
+          <p:cNvPr id="4" name="Espace réservé du numéro de diapositive 3"/>
           <p:cNvSpPr>
             <a:spLocks noGrp="1"/>
           </p:cNvSpPr>
@@ -20924,7 +21025,7 @@
     </p:spTree>
     <p:extLst>
       <p:ext uri="{BB962C8B-B14F-4D97-AF65-F5344CB8AC3E}">
-        <p14:creationId xmlns:p14="http://schemas.microsoft.com/office/powerpoint/2010/main" val="1670052877"/>
+        <p14:creationId xmlns:p14="http://schemas.microsoft.com/office/powerpoint/2010/main" val="328135925"/>
       </p:ext>
     </p:extLst>
   </p:cSld>
@@ -21352,25 +21453,171 @@
           </a:bodyPr>
           <a:lstStyle/>
           <a:p>
-            <a:pPr marL="342900" lvl="1" indent="-342900"/>
-            <a:r>
-              <a:rPr lang="fr-FR" dirty="0" smtClean="0"/>
-              <a:t>Node.js TODO explication</a:t>
-            </a:r>
+            <a:pPr marL="342900" lvl="1" indent="-342900">
+              <a:lnSpc>
+                <a:spcPct val="100000"/>
+              </a:lnSpc>
+              <a:buClr>
+                <a:schemeClr val="accent6"/>
+              </a:buClr>
+              <a:buFont typeface="Wingdings" pitchFamily="2" charset="2"/>
+              <a:buChar char="§"/>
+            </a:pPr>
+            <a:r>
+              <a:rPr lang="fr-FR" sz="1600" dirty="0"/>
+              <a:t>La </a:t>
+            </a:r>
+            <a:r>
+              <a:rPr lang="fr-FR" sz="1600" b="1" dirty="0"/>
+              <a:t>complétion</a:t>
+            </a:r>
+            <a:r>
+              <a:rPr lang="fr-FR" sz="1600" dirty="0"/>
+              <a:t> Eclipse lance </a:t>
+            </a:r>
+            <a:r>
+              <a:rPr lang="fr-FR" sz="1600" b="1" dirty="0"/>
+              <a:t>un serveur node.js avec tern</a:t>
+            </a:r>
+            <a:r>
+              <a:rPr lang="fr-FR" sz="1600" dirty="0"/>
+              <a:t> et attend que tern soit initialisé.</a:t>
+            </a:r>
+          </a:p>
+          <a:p>
+            <a:pPr marL="342900" lvl="1" indent="-342900">
+              <a:lnSpc>
+                <a:spcPct val="100000"/>
+              </a:lnSpc>
+              <a:buClr>
+                <a:schemeClr val="accent6"/>
+              </a:buClr>
+              <a:buFont typeface="Wingdings" pitchFamily="2" charset="2"/>
+              <a:buChar char="§"/>
+            </a:pPr>
+            <a:r>
+              <a:rPr lang="fr-FR" sz="1600" dirty="0"/>
+              <a:t>La complétion Eclipse </a:t>
+            </a:r>
+            <a:r>
+              <a:rPr lang="fr-FR" sz="1600" b="1" dirty="0"/>
+              <a:t>communique via un client HTTP</a:t>
+            </a:r>
+            <a:r>
+              <a:rPr lang="fr-FR" sz="1600" dirty="0"/>
+              <a:t> </a:t>
+            </a:r>
+            <a:r>
+              <a:rPr lang="fr-FR" sz="1600" dirty="0" smtClean="0"/>
+              <a:t>avec le </a:t>
+            </a:r>
+            <a:r>
+              <a:rPr lang="fr-FR" sz="1600" b="1" dirty="0" smtClean="0"/>
+              <a:t>serveur </a:t>
+            </a:r>
+            <a:r>
+              <a:rPr lang="fr-FR" sz="1600" b="1" dirty="0"/>
+              <a:t>node.js </a:t>
+            </a:r>
+            <a:r>
+              <a:rPr lang="fr-FR" sz="1600" dirty="0"/>
+              <a:t>via des </a:t>
+            </a:r>
+            <a:r>
+              <a:rPr lang="fr-FR" sz="1600" b="1" dirty="0"/>
+              <a:t>requêtes/réponses JSON</a:t>
+            </a:r>
+            <a:r>
+              <a:rPr lang="fr-FR" sz="1600" dirty="0"/>
+              <a:t>.</a:t>
+            </a:r>
+          </a:p>
+          <a:p>
+            <a:pPr marL="342900" lvl="1" indent="-342900">
+              <a:lnSpc>
+                <a:spcPct val="100000"/>
+              </a:lnSpc>
+              <a:buClr>
+                <a:schemeClr val="accent6"/>
+              </a:buClr>
+              <a:buFont typeface="Wingdings" pitchFamily="2" charset="2"/>
+              <a:buChar char="§"/>
+            </a:pPr>
+            <a:r>
+              <a:rPr lang="fr-FR" sz="1600" dirty="0"/>
+              <a:t>Dans le cas ou l’on souhaite débugger (pas à pas) un plugin tern,  la complétion ne doit pas lancer un serveur node.js. </a:t>
+            </a:r>
+            <a:r>
+              <a:rPr lang="fr-FR" sz="1600" b="1" dirty="0" err="1"/>
+              <a:t>Remote</a:t>
+            </a:r>
+            <a:r>
+              <a:rPr lang="fr-FR" sz="1600" b="1" dirty="0"/>
+              <a:t> </a:t>
+            </a:r>
+            <a:r>
+              <a:rPr lang="fr-FR" sz="1600" b="1" dirty="0" err="1"/>
+              <a:t>access</a:t>
+            </a:r>
+            <a:r>
+              <a:rPr lang="fr-FR" sz="1600" b="1" dirty="0"/>
+              <a:t> </a:t>
+            </a:r>
+            <a:r>
+              <a:rPr lang="fr-FR" sz="1600" dirty="0"/>
+              <a:t>doit être configuré :</a:t>
+            </a:r>
+          </a:p>
+          <a:p>
+            <a:pPr marL="742950" lvl="2" indent="-342900"/>
+            <a:endParaRPr lang="fr-FR" dirty="0" smtClean="0"/>
+          </a:p>
+          <a:p>
+            <a:pPr marL="742950" lvl="2" indent="-342900"/>
+            <a:endParaRPr lang="fr-FR" dirty="0" smtClean="0"/>
+          </a:p>
+          <a:p>
+            <a:pPr marL="742950" lvl="2" indent="-342900"/>
+            <a:endParaRPr lang="fr-FR" dirty="0" smtClean="0"/>
+          </a:p>
+          <a:p>
+            <a:pPr marL="742950" lvl="2" indent="-342900"/>
+            <a:endParaRPr lang="fr-FR" dirty="0" smtClean="0"/>
+          </a:p>
+          <a:p>
+            <a:pPr marL="742950" lvl="2" indent="-342900"/>
+            <a:endParaRPr lang="fr-FR" dirty="0" smtClean="0"/>
           </a:p>
           <a:p>
             <a:pPr marL="342900" lvl="1" indent="-342900"/>
             <a:endParaRPr lang="fr-FR" dirty="0" smtClean="0"/>
           </a:p>
           <a:p>
-            <a:pPr marL="342900" lvl="1" indent="-342900"/>
-            <a:endParaRPr lang="fr-FR" dirty="0" smtClean="0"/>
+            <a:pPr marL="342900" lvl="1" indent="-342900">
+              <a:lnSpc>
+                <a:spcPct val="100000"/>
+              </a:lnSpc>
+              <a:buClr>
+                <a:schemeClr val="accent6"/>
+              </a:buClr>
+              <a:buFont typeface="Wingdings" pitchFamily="2" charset="2"/>
+              <a:buChar char="§"/>
+            </a:pPr>
+            <a:r>
+              <a:rPr lang="fr-FR" sz="1600" dirty="0"/>
+              <a:t>Dans ce cas-ci, le serveur node.js doit être lancé par un système externe capable de débugger node.js (ex : Nodeclipse</a:t>
+            </a:r>
+            <a:r>
+              <a:rPr lang="fr-FR" sz="1600" dirty="0" smtClean="0"/>
+              <a:t>).</a:t>
+            </a:r>
+            <a:endParaRPr lang="fr-FR" sz="1600" dirty="0"/>
           </a:p>
         </p:txBody>
       </p:sp>
       <p:pic>
         <p:nvPicPr>
-          <p:cNvPr id="13315" name="Picture 3"/>
+          <p:cNvPr id="14338" name="Picture 2"/>
           <p:cNvPicPr>
             <a:picLocks noChangeAspect="1" noChangeArrowheads="1"/>
           </p:cNvPicPr>
@@ -21391,8 +21638,8 @@
         </p:blipFill>
         <p:spPr bwMode="auto">
           <a:xfrm>
-            <a:off x="1147764" y="1491630"/>
-            <a:ext cx="6848475" cy="2786063"/>
+            <a:off x="1763688" y="2643758"/>
+            <a:ext cx="4514850" cy="1121569"/>
           </a:xfrm>
           <a:prstGeom prst="rect">
             <a:avLst/>
@@ -21424,7 +21671,7 @@
       </p:pic>
       <p:sp>
         <p:nvSpPr>
-          <p:cNvPr id="4" name="Espace réservé du numéro de diapositive 3"/>
+          <p:cNvPr id="7" name="Espace réservé du numéro de diapositive 6"/>
           <p:cNvSpPr>
             <a:spLocks noGrp="1"/>
           </p:cNvSpPr>
@@ -21448,7 +21695,7 @@
     </p:spTree>
     <p:extLst>
       <p:ext uri="{BB962C8B-B14F-4D97-AF65-F5344CB8AC3E}">
-        <p14:creationId xmlns:p14="http://schemas.microsoft.com/office/powerpoint/2010/main" val="328135925"/>
+        <p14:creationId xmlns:p14="http://schemas.microsoft.com/office/powerpoint/2010/main" val="2137827471"/>
       </p:ext>
     </p:extLst>
   </p:cSld>
@@ -21499,285 +21746,6 @@
         </p:nvSpPr>
         <p:spPr/>
         <p:txBody>
-          <a:bodyPr>
-            <a:normAutofit/>
-          </a:bodyPr>
-          <a:lstStyle/>
-          <a:p>
-            <a:r>
-              <a:rPr lang="fr-FR" dirty="0" smtClean="0"/>
-              <a:t>Serveur Tern– Node.js</a:t>
-            </a:r>
-            <a:endParaRPr lang="fr-FR" dirty="0"/>
-          </a:p>
-        </p:txBody>
-      </p:sp>
-      <p:sp>
-        <p:nvSpPr>
-          <p:cNvPr id="3" name="Espace réservé du contenu 2"/>
-          <p:cNvSpPr>
-            <a:spLocks noGrp="1"/>
-          </p:cNvSpPr>
-          <p:nvPr>
-            <p:ph sz="half" idx="2"/>
-          </p:nvPr>
-        </p:nvSpPr>
-        <p:spPr/>
-        <p:txBody>
-          <a:bodyPr>
-            <a:normAutofit/>
-          </a:bodyPr>
-          <a:lstStyle/>
-          <a:p>
-            <a:pPr marL="342900" lvl="1" indent="-342900">
-              <a:lnSpc>
-                <a:spcPct val="100000"/>
-              </a:lnSpc>
-              <a:buClr>
-                <a:schemeClr val="accent6"/>
-              </a:buClr>
-              <a:buFont typeface="Wingdings" pitchFamily="2" charset="2"/>
-              <a:buChar char="§"/>
-            </a:pPr>
-            <a:r>
-              <a:rPr lang="fr-FR" sz="1600" dirty="0"/>
-              <a:t>La complétion Eclipse lance un serveur node.js avec tern et attend que tern soit initialisé.</a:t>
-            </a:r>
-          </a:p>
-          <a:p>
-            <a:pPr marL="342900" lvl="1" indent="-342900">
-              <a:lnSpc>
-                <a:spcPct val="100000"/>
-              </a:lnSpc>
-              <a:buClr>
-                <a:schemeClr val="accent6"/>
-              </a:buClr>
-              <a:buFont typeface="Wingdings" pitchFamily="2" charset="2"/>
-              <a:buChar char="§"/>
-            </a:pPr>
-            <a:r>
-              <a:rPr lang="fr-FR" sz="1600" dirty="0"/>
-              <a:t>La complétion Eclipse communique via un client HTTP au serveur node.js via des requêtes/réponses JSON.</a:t>
-            </a:r>
-          </a:p>
-          <a:p>
-            <a:pPr marL="342900" lvl="1" indent="-342900">
-              <a:lnSpc>
-                <a:spcPct val="100000"/>
-              </a:lnSpc>
-              <a:buClr>
-                <a:schemeClr val="accent6"/>
-              </a:buClr>
-              <a:buFont typeface="Wingdings" pitchFamily="2" charset="2"/>
-              <a:buChar char="§"/>
-            </a:pPr>
-            <a:r>
-              <a:rPr lang="fr-FR" sz="1600" dirty="0"/>
-              <a:t>Dans le cas ou l’on souhaite débugger (pas à pas) un plugin tern,  la complétion ne doit pas lancer un serveur node.js. </a:t>
-            </a:r>
-            <a:r>
-              <a:rPr lang="fr-FR" sz="1600" b="1" dirty="0" err="1"/>
-              <a:t>Remote</a:t>
-            </a:r>
-            <a:r>
-              <a:rPr lang="fr-FR" sz="1600" b="1" dirty="0"/>
-              <a:t> </a:t>
-            </a:r>
-            <a:r>
-              <a:rPr lang="fr-FR" sz="1600" b="1" dirty="0" err="1"/>
-              <a:t>access</a:t>
-            </a:r>
-            <a:r>
-              <a:rPr lang="fr-FR" sz="1600" b="1" dirty="0"/>
-              <a:t> </a:t>
-            </a:r>
-            <a:r>
-              <a:rPr lang="fr-FR" sz="1600" dirty="0"/>
-              <a:t>doit être configuré :</a:t>
-            </a:r>
-          </a:p>
-          <a:p>
-            <a:pPr marL="742950" lvl="2" indent="-342900"/>
-            <a:endParaRPr lang="fr-FR" dirty="0" smtClean="0"/>
-          </a:p>
-          <a:p>
-            <a:pPr marL="742950" lvl="2" indent="-342900"/>
-            <a:endParaRPr lang="fr-FR" dirty="0" smtClean="0"/>
-          </a:p>
-          <a:p>
-            <a:pPr marL="742950" lvl="2" indent="-342900"/>
-            <a:endParaRPr lang="fr-FR" dirty="0" smtClean="0"/>
-          </a:p>
-          <a:p>
-            <a:pPr marL="742950" lvl="2" indent="-342900"/>
-            <a:endParaRPr lang="fr-FR" dirty="0" smtClean="0"/>
-          </a:p>
-          <a:p>
-            <a:pPr marL="742950" lvl="2" indent="-342900"/>
-            <a:endParaRPr lang="fr-FR" dirty="0" smtClean="0"/>
-          </a:p>
-          <a:p>
-            <a:pPr marL="342900" lvl="1" indent="-342900"/>
-            <a:endParaRPr lang="fr-FR" dirty="0" smtClean="0"/>
-          </a:p>
-          <a:p>
-            <a:pPr marL="342900" lvl="1" indent="-342900">
-              <a:lnSpc>
-                <a:spcPct val="100000"/>
-              </a:lnSpc>
-              <a:buClr>
-                <a:schemeClr val="accent6"/>
-              </a:buClr>
-              <a:buFont typeface="Wingdings" pitchFamily="2" charset="2"/>
-              <a:buChar char="§"/>
-            </a:pPr>
-            <a:r>
-              <a:rPr lang="fr-FR" sz="1600" dirty="0"/>
-              <a:t>Dans ce cas-ci, le serveur node.js doit être lancé par un système externe capable de débugger node.js (ex : </a:t>
-            </a:r>
-            <a:r>
-              <a:rPr lang="fr-FR" sz="1600" dirty="0" err="1"/>
-              <a:t>Nodeclipse</a:t>
-            </a:r>
-            <a:r>
-              <a:rPr lang="fr-FR" sz="1600" dirty="0" smtClean="0"/>
-              <a:t>).</a:t>
-            </a:r>
-            <a:endParaRPr lang="fr-FR" sz="1600" dirty="0"/>
-          </a:p>
-        </p:txBody>
-      </p:sp>
-      <p:pic>
-        <p:nvPicPr>
-          <p:cNvPr id="14338" name="Picture 2"/>
-          <p:cNvPicPr>
-            <a:picLocks noChangeAspect="1" noChangeArrowheads="1"/>
-          </p:cNvPicPr>
-          <p:nvPr/>
-        </p:nvPicPr>
-        <p:blipFill>
-          <a:blip r:embed="rId2">
-            <a:extLst>
-              <a:ext uri="{28A0092B-C50C-407E-A947-70E740481C1C}">
-                <a14:useLocalDpi xmlns:a14="http://schemas.microsoft.com/office/drawing/2010/main" val="0"/>
-              </a:ext>
-            </a:extLst>
-          </a:blip>
-          <a:srcRect/>
-          <a:stretch>
-            <a:fillRect/>
-          </a:stretch>
-        </p:blipFill>
-        <p:spPr bwMode="auto">
-          <a:xfrm>
-            <a:off x="1763688" y="2746325"/>
-            <a:ext cx="4514850" cy="1121569"/>
-          </a:xfrm>
-          <a:prstGeom prst="rect">
-            <a:avLst/>
-          </a:prstGeom>
-          <a:noFill/>
-          <a:ln>
-            <a:noFill/>
-          </a:ln>
-          <a:extLst>
-            <a:ext uri="{909E8E84-426E-40DD-AFC4-6F175D3DCCD1}">
-              <a14:hiddenFill xmlns:a14="http://schemas.microsoft.com/office/drawing/2010/main">
-                <a:solidFill>
-                  <a:schemeClr val="accent1"/>
-                </a:solidFill>
-              </a14:hiddenFill>
-            </a:ext>
-            <a:ext uri="{91240B29-F687-4F45-9708-019B960494DF}">
-              <a14:hiddenLine xmlns:a14="http://schemas.microsoft.com/office/drawing/2010/main" w="9525">
-                <a:solidFill>
-                  <a:schemeClr val="tx1"/>
-                </a:solidFill>
-                <a:miter lim="800000"/>
-                <a:headEnd/>
-                <a:tailEnd/>
-              </a14:hiddenLine>
-            </a:ext>
-          </a:extLst>
-        </p:spPr>
-      </p:pic>
-      <p:sp>
-        <p:nvSpPr>
-          <p:cNvPr id="7" name="Espace réservé du numéro de diapositive 6"/>
-          <p:cNvSpPr>
-            <a:spLocks noGrp="1"/>
-          </p:cNvSpPr>
-          <p:nvPr>
-            <p:ph type="sldNum" sz="quarter" idx="12"/>
-          </p:nvPr>
-        </p:nvSpPr>
-        <p:spPr/>
-        <p:txBody>
-          <a:bodyPr/>
-          <a:lstStyle/>
-          <a:p>
-            <a:fld id="{31983D30-6903-4279-B3B7-192429037A18}" type="slidenum">
-              <a:rPr lang="fr-FR" smtClean="0"/>
-              <a:t>31</a:t>
-            </a:fld>
-            <a:endParaRPr lang="fr-FR"/>
-          </a:p>
-        </p:txBody>
-      </p:sp>
-    </p:spTree>
-    <p:extLst>
-      <p:ext uri="{BB962C8B-B14F-4D97-AF65-F5344CB8AC3E}">
-        <p14:creationId xmlns:p14="http://schemas.microsoft.com/office/powerpoint/2010/main" val="2137827471"/>
-      </p:ext>
-    </p:extLst>
-  </p:cSld>
-  <p:clrMapOvr>
-    <a:masterClrMapping/>
-  </p:clrMapOvr>
-  <mc:AlternateContent xmlns:mc="http://schemas.openxmlformats.org/markup-compatibility/2006" xmlns:p14="http://schemas.microsoft.com/office/powerpoint/2010/main">
-    <mc:Choice Requires="p14">
-      <p:transition spd="med" p14:dur="700">
-        <p:fade/>
-      </p:transition>
-    </mc:Choice>
-    <mc:Fallback xmlns="">
-      <p:transition spd="med">
-        <p:fade/>
-      </p:transition>
-    </mc:Fallback>
-  </mc:AlternateContent>
-</p:sld>
-</file>
-
-<file path=ppt/slides/slide32.xml><?xml version="1.0" encoding="utf-8"?>
-<p:sld xmlns:a="http://schemas.openxmlformats.org/drawingml/2006/main" xmlns:r="http://schemas.openxmlformats.org/officeDocument/2006/relationships" xmlns:p="http://schemas.openxmlformats.org/presentationml/2006/main">
-  <p:cSld>
-    <p:spTree>
-      <p:nvGrpSpPr>
-        <p:cNvPr id="1" name=""/>
-        <p:cNvGrpSpPr/>
-        <p:nvPr/>
-      </p:nvGrpSpPr>
-      <p:grpSpPr>
-        <a:xfrm>
-          <a:off x="0" y="0"/>
-          <a:ext cx="0" cy="0"/>
-          <a:chOff x="0" y="0"/>
-          <a:chExt cx="0" cy="0"/>
-        </a:xfrm>
-      </p:grpSpPr>
-      <p:sp>
-        <p:nvSpPr>
-          <p:cNvPr id="2" name="Titre 1"/>
-          <p:cNvSpPr>
-            <a:spLocks noGrp="1"/>
-          </p:cNvSpPr>
-          <p:nvPr>
-            <p:ph type="title"/>
-          </p:nvPr>
-        </p:nvSpPr>
-        <p:spPr/>
-        <p:txBody>
           <a:bodyPr/>
           <a:lstStyle/>
           <a:p>
@@ -21823,7 +21791,15 @@
             </a:r>
             <a:r>
               <a:rPr lang="fr-FR" dirty="0" smtClean="0"/>
-              <a:t>e du plugin tern JUG pour gérer la complétion avec instance : </a:t>
+              <a:t>e du plugin tern JUG pour gérer la complétion avec l’</a:t>
+            </a:r>
+            <a:r>
+              <a:rPr lang="fr-FR" b="1" dirty="0" smtClean="0"/>
+              <a:t>opérateur new</a:t>
+            </a:r>
+            <a:r>
+              <a:rPr lang="fr-FR" dirty="0" smtClean="0"/>
+              <a:t>: </a:t>
             </a:r>
           </a:p>
           <a:p>
@@ -21870,7 +21846,7 @@
               <a:t>gérer la complétion avec </a:t>
             </a:r>
             <a:r>
-              <a:rPr lang="fr-FR" dirty="0" err="1" smtClean="0"/>
+              <a:rPr lang="fr-FR" b="1" dirty="0" smtClean="0"/>
               <a:t>factory</a:t>
             </a:r>
             <a:r>
@@ -21901,7 +21877,7 @@
           <a:p>
             <a:fld id="{31983D30-6903-4279-B3B7-192429037A18}" type="slidenum">
               <a:rPr lang="fr-FR" smtClean="0"/>
-              <a:t>32</a:t>
+              <a:t>31</a:t>
             </a:fld>
             <a:endParaRPr lang="fr-FR"/>
           </a:p>
@@ -22046,23 +22022,7 @@
                   <a:srgbClr val="C00000"/>
                 </a:solidFill>
               </a:rPr>
-              <a:t>Projet </a:t>
-            </a:r>
-            <a:r>
-              <a:rPr lang="fr-FR" dirty="0" err="1" smtClean="0">
-                <a:solidFill>
-                  <a:srgbClr val="C00000"/>
-                </a:solidFill>
-              </a:rPr>
-              <a:t>GitHub</a:t>
-            </a:r>
-            <a:r>
-              <a:rPr lang="fr-FR" dirty="0" smtClean="0">
-                <a:solidFill>
-                  <a:srgbClr val="C00000"/>
-                </a:solidFill>
-              </a:rPr>
-              <a:t>: </a:t>
+              <a:t>Projet GitHub: </a:t>
             </a:r>
             <a:r>
               <a:rPr lang="fr-FR" dirty="0" smtClean="0">
@@ -22084,6 +22044,217 @@
     <p:extLst>
       <p:ext uri="{BB962C8B-B14F-4D97-AF65-F5344CB8AC3E}">
         <p14:creationId xmlns:p14="http://schemas.microsoft.com/office/powerpoint/2010/main" val="1942898395"/>
+      </p:ext>
+    </p:extLst>
+  </p:cSld>
+  <p:clrMapOvr>
+    <a:masterClrMapping/>
+  </p:clrMapOvr>
+  <mc:AlternateContent xmlns:mc="http://schemas.openxmlformats.org/markup-compatibility/2006" xmlns:p14="http://schemas.microsoft.com/office/powerpoint/2010/main">
+    <mc:Choice Requires="p14">
+      <p:transition spd="med" p14:dur="700">
+        <p:fade/>
+      </p:transition>
+    </mc:Choice>
+    <mc:Fallback xmlns="">
+      <p:transition spd="med">
+        <p:fade/>
+      </p:transition>
+    </mc:Fallback>
+  </mc:AlternateContent>
+</p:sld>
+</file>
+
+<file path=ppt/slides/slide32.xml><?xml version="1.0" encoding="utf-8"?>
+<p:sld xmlns:a="http://schemas.openxmlformats.org/drawingml/2006/main" xmlns:r="http://schemas.openxmlformats.org/officeDocument/2006/relationships" xmlns:p="http://schemas.openxmlformats.org/presentationml/2006/main">
+  <p:cSld>
+    <p:spTree>
+      <p:nvGrpSpPr>
+        <p:cNvPr id="1" name=""/>
+        <p:cNvGrpSpPr/>
+        <p:nvPr/>
+      </p:nvGrpSpPr>
+      <p:grpSpPr>
+        <a:xfrm>
+          <a:off x="0" y="0"/>
+          <a:ext cx="0" cy="0"/>
+          <a:chOff x="0" y="0"/>
+          <a:chExt cx="0" cy="0"/>
+        </a:xfrm>
+      </p:grpSpPr>
+      <p:sp>
+        <p:nvSpPr>
+          <p:cNvPr id="2" name="Titre 1"/>
+          <p:cNvSpPr>
+            <a:spLocks noGrp="1"/>
+          </p:cNvSpPr>
+          <p:nvPr>
+            <p:ph type="title"/>
+          </p:nvPr>
+        </p:nvSpPr>
+        <p:spPr/>
+        <p:txBody>
+          <a:bodyPr>
+            <a:normAutofit/>
+          </a:bodyPr>
+          <a:lstStyle/>
+          <a:p>
+            <a:r>
+              <a:rPr lang="fr-FR" dirty="0" smtClean="0"/>
+              <a:t>AngularJS Eclipse</a:t>
+            </a:r>
+            <a:endParaRPr lang="fr-FR" dirty="0"/>
+          </a:p>
+        </p:txBody>
+      </p:sp>
+      <p:sp>
+        <p:nvSpPr>
+          <p:cNvPr id="3" name="Espace réservé du contenu 2"/>
+          <p:cNvSpPr>
+            <a:spLocks noGrp="1"/>
+          </p:cNvSpPr>
+          <p:nvPr>
+            <p:ph sz="half" idx="1"/>
+          </p:nvPr>
+        </p:nvSpPr>
+        <p:spPr/>
+        <p:txBody>
+          <a:bodyPr>
+            <a:normAutofit/>
+          </a:bodyPr>
+          <a:lstStyle/>
+          <a:p>
+            <a:r>
+              <a:rPr lang="fr-FR" sz="1600" dirty="0" smtClean="0"/>
+              <a:t>AngularJS Eclipse </a:t>
+            </a:r>
+            <a:r>
+              <a:rPr lang="fr-FR" sz="1600" dirty="0"/>
+              <a:t>est disponible sur </a:t>
+            </a:r>
+            <a:r>
+              <a:rPr lang="fr-FR" sz="1600" dirty="0">
+                <a:hlinkClick r:id="rId2"/>
+              </a:rPr>
+              <a:t>https://</a:t>
+            </a:r>
+            <a:r>
+              <a:rPr lang="fr-FR" sz="1600" dirty="0" smtClean="0">
+                <a:hlinkClick r:id="rId2"/>
+              </a:rPr>
+              <a:t>github.com/angelozerr/angularjs-eclipse</a:t>
+            </a:r>
+            <a:endParaRPr lang="fr-FR" sz="1600" dirty="0" smtClean="0"/>
+          </a:p>
+          <a:p>
+            <a:r>
+              <a:rPr lang="fr-FR" sz="1600" dirty="0" smtClean="0"/>
+              <a:t>Il est </a:t>
+            </a:r>
+            <a:r>
+              <a:rPr lang="fr-FR" sz="1600" b="1" dirty="0" smtClean="0"/>
+              <a:t>basé sur Tern IDE</a:t>
+            </a:r>
+          </a:p>
+          <a:p>
+            <a:r>
+              <a:rPr lang="fr-FR" sz="1600" dirty="0" smtClean="0"/>
+              <a:t>Il fournit la complétion, hyperlink, hover, validation spécifique à AngularJS dans:</a:t>
+            </a:r>
+          </a:p>
+          <a:p>
+            <a:pPr lvl="1"/>
+            <a:r>
+              <a:rPr lang="fr-FR" sz="1200" dirty="0"/>
+              <a:t>l</a:t>
+            </a:r>
+            <a:r>
+              <a:rPr lang="fr-FR" sz="1200" dirty="0" smtClean="0"/>
+              <a:t>’éditeur HTML</a:t>
+            </a:r>
+          </a:p>
+          <a:p>
+            <a:pPr lvl="1"/>
+            <a:r>
+              <a:rPr lang="fr-FR" sz="1200" dirty="0"/>
+              <a:t>l</a:t>
+            </a:r>
+            <a:r>
+              <a:rPr lang="fr-FR" sz="1200" dirty="0" smtClean="0"/>
+              <a:t>’éditeur JavaScript</a:t>
+            </a:r>
+            <a:endParaRPr lang="fr-FR" sz="1200" dirty="0"/>
+          </a:p>
+        </p:txBody>
+      </p:sp>
+      <p:sp>
+        <p:nvSpPr>
+          <p:cNvPr id="5" name="Espace réservé du numéro de diapositive 4"/>
+          <p:cNvSpPr>
+            <a:spLocks noGrp="1"/>
+          </p:cNvSpPr>
+          <p:nvPr>
+            <p:ph type="sldNum" sz="quarter" idx="12"/>
+          </p:nvPr>
+        </p:nvSpPr>
+        <p:spPr/>
+        <p:txBody>
+          <a:bodyPr/>
+          <a:lstStyle/>
+          <a:p>
+            <a:fld id="{31983D30-6903-4279-B3B7-192429037A18}" type="slidenum">
+              <a:rPr lang="fr-FR" smtClean="0"/>
+              <a:t>32</a:t>
+            </a:fld>
+            <a:endParaRPr lang="fr-FR"/>
+          </a:p>
+        </p:txBody>
+      </p:sp>
+      <p:pic>
+        <p:nvPicPr>
+          <p:cNvPr id="6146" name="Picture 2" descr="https://raw.githubusercontent.com/wiki/angelozerr/angularjs-eclipse/images/HTMLAngularCompletionExpressionFn.png"/>
+          <p:cNvPicPr>
+            <a:picLocks noChangeAspect="1" noChangeArrowheads="1"/>
+          </p:cNvPicPr>
+          <p:nvPr/>
+        </p:nvPicPr>
+        <p:blipFill>
+          <a:blip r:embed="rId3">
+            <a:extLst>
+              <a:ext uri="{28A0092B-C50C-407E-A947-70E740481C1C}">
+                <a14:useLocalDpi xmlns:a14="http://schemas.microsoft.com/office/drawing/2010/main" val="0"/>
+              </a:ext>
+            </a:extLst>
+          </a:blip>
+          <a:srcRect/>
+          <a:stretch>
+            <a:fillRect/>
+          </a:stretch>
+        </p:blipFill>
+        <p:spPr bwMode="auto">
+          <a:xfrm>
+            <a:off x="4572000" y="987574"/>
+            <a:ext cx="4203851" cy="2736304"/>
+          </a:xfrm>
+          <a:prstGeom prst="rect">
+            <a:avLst/>
+          </a:prstGeom>
+          <a:noFill/>
+          <a:extLst>
+            <a:ext uri="{909E8E84-426E-40DD-AFC4-6F175D3DCCD1}">
+              <a14:hiddenFill xmlns:a14="http://schemas.microsoft.com/office/drawing/2010/main">
+                <a:solidFill>
+                  <a:srgbClr val="FFFFFF"/>
+                </a:solidFill>
+              </a14:hiddenFill>
+            </a:ext>
+          </a:extLst>
+        </p:spPr>
+      </p:pic>
+    </p:spTree>
+    <p:extLst>
+      <p:ext uri="{BB962C8B-B14F-4D97-AF65-F5344CB8AC3E}">
+        <p14:creationId xmlns:p14="http://schemas.microsoft.com/office/powerpoint/2010/main" val="2397096068"/>
       </p:ext>
     </p:extLst>
   </p:cSld>
@@ -22134,14 +22305,12 @@
         </p:nvSpPr>
         <p:spPr/>
         <p:txBody>
-          <a:bodyPr>
-            <a:normAutofit/>
-          </a:bodyPr>
+          <a:bodyPr/>
           <a:lstStyle/>
           <a:p>
             <a:r>
               <a:rPr lang="fr-FR" dirty="0" smtClean="0"/>
-              <a:t>AngularJS Eclipse</a:t>
+              <a:t>AngularJS Eclipse - Installation</a:t>
             </a:r>
             <a:endParaRPr lang="fr-FR" dirty="0"/>
           </a:p>
@@ -22154,113 +22323,159 @@
             <a:spLocks noGrp="1"/>
           </p:cNvSpPr>
           <p:nvPr>
-            <p:ph sz="half" idx="1"/>
+            <p:ph sz="half" idx="2"/>
           </p:nvPr>
         </p:nvSpPr>
         <p:spPr/>
         <p:txBody>
-          <a:bodyPr>
-            <a:normAutofit/>
-          </a:bodyPr>
+          <a:bodyPr/>
           <a:lstStyle/>
           <a:p>
             <a:r>
-              <a:rPr lang="fr-FR" sz="1600" dirty="0" smtClean="0"/>
-              <a:t>AngularJS Eclipse </a:t>
-            </a:r>
-            <a:r>
-              <a:rPr lang="fr-FR" sz="1600" dirty="0"/>
-              <a:t>est disponible sur </a:t>
-            </a:r>
-            <a:r>
-              <a:rPr lang="fr-FR" sz="1600" dirty="0">
+              <a:rPr lang="fr-FR" dirty="0" smtClean="0"/>
+              <a:t>Marketplace : </a:t>
+            </a:r>
+            <a:r>
+              <a:rPr lang="fr-FR" dirty="0" smtClean="0">
                 <a:hlinkClick r:id="rId2"/>
               </a:rPr>
-              <a:t>https://</a:t>
-            </a:r>
-            <a:r>
-              <a:rPr lang="fr-FR" sz="1600" dirty="0" smtClean="0">
-                <a:hlinkClick r:id="rId2"/>
+              <a:t>http://marketplace.eclipse.org/content/angularjs-eclipse</a:t>
+            </a:r>
+            <a:endParaRPr lang="fr-FR" dirty="0" smtClean="0"/>
+          </a:p>
+          <a:p>
+            <a:r>
+              <a:rPr lang="fr-FR" dirty="0" smtClean="0"/>
+              <a:t>Ou Update site : </a:t>
+            </a:r>
+            <a:r>
+              <a:rPr lang="fr-FR" dirty="0" smtClean="0">
+                <a:hlinkClick r:id="rId3"/>
               </a:rPr>
-              <a:t>github.com/angelozerr/angularjs-eclipse</a:t>
-            </a:r>
-            <a:endParaRPr lang="fr-FR" sz="1600" dirty="0" smtClean="0"/>
-          </a:p>
-          <a:p>
-            <a:r>
-              <a:rPr lang="fr-FR" sz="1600" dirty="0" smtClean="0"/>
-              <a:t>Il est basé sur Tern IDE</a:t>
-            </a:r>
-          </a:p>
-          <a:p>
-            <a:r>
-              <a:rPr lang="fr-FR" sz="1600" dirty="0" smtClean="0"/>
-              <a:t>Il fournit la complétion, </a:t>
-            </a:r>
-            <a:r>
-              <a:rPr lang="fr-FR" sz="1600" dirty="0" err="1" smtClean="0"/>
-              <a:t>hyperlink</a:t>
-            </a:r>
-            <a:r>
-              <a:rPr lang="fr-FR" sz="1600" dirty="0" smtClean="0"/>
-              <a:t>, </a:t>
-            </a:r>
-            <a:r>
-              <a:rPr lang="fr-FR" sz="1600" dirty="0" err="1" smtClean="0"/>
-              <a:t>hover</a:t>
-            </a:r>
-            <a:r>
-              <a:rPr lang="fr-FR" sz="1600" dirty="0" smtClean="0"/>
-              <a:t>, validation spécifique à AngularJS dans:</a:t>
-            </a:r>
-          </a:p>
-          <a:p>
-            <a:pPr lvl="1"/>
-            <a:r>
-              <a:rPr lang="fr-FR" sz="1200" dirty="0"/>
-              <a:t>l</a:t>
-            </a:r>
-            <a:r>
-              <a:rPr lang="fr-FR" sz="1200" dirty="0" smtClean="0"/>
-              <a:t>’éditeur HTML</a:t>
-            </a:r>
-          </a:p>
-          <a:p>
-            <a:pPr lvl="1"/>
-            <a:r>
-              <a:rPr lang="fr-FR" sz="1200" dirty="0"/>
-              <a:t>l</a:t>
-            </a:r>
-            <a:r>
-              <a:rPr lang="fr-FR" sz="1200" dirty="0" smtClean="0"/>
-              <a:t>’éditeur JavaScript</a:t>
-            </a:r>
-            <a:endParaRPr lang="fr-FR" sz="1200" dirty="0"/>
-          </a:p>
-        </p:txBody>
-      </p:sp>
-      <p:sp>
-        <p:nvSpPr>
-          <p:cNvPr id="4" name="Espace réservé du contenu 3"/>
-          <p:cNvSpPr>
-            <a:spLocks noGrp="1"/>
-          </p:cNvSpPr>
-          <p:nvPr>
-            <p:ph sz="half" idx="2"/>
-          </p:nvPr>
-        </p:nvSpPr>
-        <p:spPr/>
-        <p:txBody>
-          <a:bodyPr/>
-          <a:lstStyle/>
-          <a:p>
-            <a:endParaRPr lang="fr-FR"/>
-          </a:p>
-        </p:txBody>
-      </p:sp>
-      <p:sp>
-        <p:nvSpPr>
-          <p:cNvPr id="5" name="Espace réservé du numéro de diapositive 4"/>
+              <a:t>http://oss.opensagres.fr/angularjs-eclipse/0.6.0/</a:t>
+            </a:r>
+            <a:endParaRPr lang="fr-FR" dirty="0" smtClean="0"/>
+          </a:p>
+          <a:p>
+            <a:endParaRPr lang="fr-FR" dirty="0" smtClean="0"/>
+          </a:p>
+          <a:p>
+            <a:endParaRPr lang="fr-FR" dirty="0" smtClean="0"/>
+          </a:p>
+          <a:p>
+            <a:endParaRPr lang="fr-FR" dirty="0" smtClean="0"/>
+          </a:p>
+          <a:p>
+            <a:endParaRPr lang="fr-FR" dirty="0" smtClean="0"/>
+          </a:p>
+          <a:p>
+            <a:endParaRPr lang="fr-FR" dirty="0" smtClean="0"/>
+          </a:p>
+          <a:p>
+            <a:endParaRPr lang="fr-FR" dirty="0" smtClean="0"/>
+          </a:p>
+          <a:p>
+            <a:pPr>
+              <a:buFont typeface="Century Gothic" panose="020B0502020202020204" pitchFamily="34" charset="0"/>
+              <a:buChar char="►"/>
+            </a:pPr>
+            <a:r>
+              <a:rPr lang="fr-FR" dirty="0" smtClean="0">
+                <a:solidFill>
+                  <a:srgbClr val="C00000"/>
+                </a:solidFill>
+              </a:rPr>
+              <a:t>pour démarrer avec AngularJS Eclipse :</a:t>
+            </a:r>
+            <a:r>
+              <a:rPr lang="fr-FR" dirty="0" smtClean="0"/>
+              <a:t/>
+            </a:r>
+            <a:br>
+              <a:rPr lang="fr-FR" dirty="0" smtClean="0"/>
+            </a:br>
+            <a:r>
+              <a:rPr lang="fr-FR" dirty="0" smtClean="0">
+                <a:hlinkClick r:id="rId4"/>
+              </a:rPr>
+              <a:t>https://github.com/angelozerr/angularjs-eclipse/wiki/Getting-Started</a:t>
+            </a:r>
+            <a:endParaRPr lang="fr-FR" dirty="0" smtClean="0"/>
+          </a:p>
+          <a:p>
+            <a:endParaRPr lang="fr-FR" dirty="0" smtClean="0"/>
+          </a:p>
+          <a:p>
+            <a:endParaRPr lang="fr-FR" dirty="0" smtClean="0"/>
+          </a:p>
+          <a:p>
+            <a:endParaRPr lang="fr-FR" dirty="0" smtClean="0"/>
+          </a:p>
+          <a:p>
+            <a:endParaRPr lang="fr-FR" dirty="0" smtClean="0"/>
+          </a:p>
+          <a:p>
+            <a:endParaRPr lang="fr-FR" dirty="0" smtClean="0"/>
+          </a:p>
+        </p:txBody>
+      </p:sp>
+      <p:pic>
+        <p:nvPicPr>
+          <p:cNvPr id="9218" name="Picture 2"/>
+          <p:cNvPicPr>
+            <a:picLocks noChangeAspect="1" noChangeArrowheads="1"/>
+          </p:cNvPicPr>
+          <p:nvPr/>
+        </p:nvPicPr>
+        <p:blipFill>
+          <a:blip r:embed="rId5">
+            <a:extLst>
+              <a:ext uri="{28A0092B-C50C-407E-A947-70E740481C1C}">
+                <a14:useLocalDpi xmlns:a14="http://schemas.microsoft.com/office/drawing/2010/main" val="0"/>
+              </a:ext>
+            </a:extLst>
+          </a:blip>
+          <a:srcRect/>
+          <a:stretch>
+            <a:fillRect/>
+          </a:stretch>
+        </p:blipFill>
+        <p:spPr bwMode="auto">
+          <a:xfrm>
+            <a:off x="1691681" y="1707654"/>
+            <a:ext cx="4810125" cy="1950244"/>
+          </a:xfrm>
+          <a:prstGeom prst="rect">
+            <a:avLst/>
+          </a:prstGeom>
+          <a:noFill/>
+          <a:ln>
+            <a:noFill/>
+          </a:ln>
+          <a:extLst>
+            <a:ext uri="{909E8E84-426E-40DD-AFC4-6F175D3DCCD1}">
+              <a14:hiddenFill xmlns:a14="http://schemas.microsoft.com/office/drawing/2010/main">
+                <a:solidFill>
+                  <a:schemeClr val="accent1"/>
+                </a:solidFill>
+              </a14:hiddenFill>
+            </a:ext>
+            <a:ext uri="{91240B29-F687-4F45-9708-019B960494DF}">
+              <a14:hiddenLine xmlns:a14="http://schemas.microsoft.com/office/drawing/2010/main" w="9525">
+                <a:solidFill>
+                  <a:schemeClr val="tx1"/>
+                </a:solidFill>
+                <a:miter lim="800000"/>
+                <a:headEnd/>
+                <a:tailEnd/>
+              </a14:hiddenLine>
+            </a:ext>
+          </a:extLst>
+        </p:spPr>
+      </p:pic>
+      <p:sp>
+        <p:nvSpPr>
+          <p:cNvPr id="6" name="Espace réservé du numéro de diapositive 5"/>
           <p:cNvSpPr>
             <a:spLocks noGrp="1"/>
           </p:cNvSpPr>
@@ -22284,7 +22499,7 @@
     </p:spTree>
     <p:extLst>
       <p:ext uri="{BB962C8B-B14F-4D97-AF65-F5344CB8AC3E}">
-        <p14:creationId xmlns:p14="http://schemas.microsoft.com/office/powerpoint/2010/main" val="2397096068"/>
+        <p14:creationId xmlns:p14="http://schemas.microsoft.com/office/powerpoint/2010/main" val="1784883137"/>
       </p:ext>
     </p:extLst>
   </p:cSld>
@@ -22340,7 +22555,7 @@
           <a:p>
             <a:r>
               <a:rPr lang="fr-FR" dirty="0" smtClean="0"/>
-              <a:t>AngularJS Eclipse - Installation</a:t>
+              <a:t>Tern.java - TODOS</a:t>
             </a:r>
             <a:endParaRPr lang="fr-FR" dirty="0"/>
           </a:p>
@@ -22353,255 +22568,15 @@
             <a:spLocks noGrp="1"/>
           </p:cNvSpPr>
           <p:nvPr>
-            <p:ph sz="half" idx="2"/>
-          </p:nvPr>
-        </p:nvSpPr>
-        <p:spPr/>
-        <p:txBody>
-          <a:bodyPr/>
-          <a:lstStyle/>
-          <a:p>
-            <a:r>
-              <a:rPr lang="fr-FR" dirty="0" smtClean="0"/>
-              <a:t>Marketplace : </a:t>
-            </a:r>
-            <a:r>
-              <a:rPr lang="fr-FR" dirty="0" smtClean="0">
-                <a:hlinkClick r:id="rId2"/>
-              </a:rPr>
-              <a:t>http://marketplace.eclipse.org/content/angularjs-eclipse</a:t>
-            </a:r>
-            <a:endParaRPr lang="fr-FR" dirty="0" smtClean="0"/>
-          </a:p>
-          <a:p>
-            <a:r>
-              <a:rPr lang="fr-FR" dirty="0" smtClean="0"/>
-              <a:t>Ou Update site : </a:t>
-            </a:r>
-            <a:r>
-              <a:rPr lang="fr-FR" dirty="0" smtClean="0">
-                <a:hlinkClick r:id="rId3"/>
-              </a:rPr>
-              <a:t>http://oss.opensagres.fr/angularjs-eclipse/0.4.0/</a:t>
-            </a:r>
-            <a:endParaRPr lang="fr-FR" dirty="0" smtClean="0"/>
-          </a:p>
-          <a:p>
-            <a:endParaRPr lang="fr-FR" dirty="0" smtClean="0"/>
-          </a:p>
-          <a:p>
-            <a:endParaRPr lang="fr-FR" dirty="0" smtClean="0"/>
-          </a:p>
-          <a:p>
-            <a:endParaRPr lang="fr-FR" dirty="0" smtClean="0"/>
-          </a:p>
-          <a:p>
-            <a:endParaRPr lang="fr-FR" dirty="0" smtClean="0"/>
-          </a:p>
-          <a:p>
-            <a:endParaRPr lang="fr-FR" dirty="0" smtClean="0"/>
-          </a:p>
-          <a:p>
-            <a:endParaRPr lang="fr-FR" dirty="0" smtClean="0"/>
-          </a:p>
-          <a:p>
-            <a:pPr>
-              <a:buFont typeface="Century Gothic" panose="020B0502020202020204" pitchFamily="34" charset="0"/>
-              <a:buChar char="►"/>
-            </a:pPr>
-            <a:r>
-              <a:rPr lang="fr-FR" dirty="0" smtClean="0">
-                <a:solidFill>
-                  <a:srgbClr val="C00000"/>
-                </a:solidFill>
-              </a:rPr>
-              <a:t>pour démarrer avec AngularJS Eclipse :</a:t>
-            </a:r>
-            <a:r>
-              <a:rPr lang="fr-FR" dirty="0" smtClean="0"/>
-              <a:t/>
-            </a:r>
-            <a:br>
-              <a:rPr lang="fr-FR" dirty="0" smtClean="0"/>
-            </a:br>
-            <a:r>
-              <a:rPr lang="fr-FR" dirty="0" smtClean="0">
-                <a:hlinkClick r:id="rId4"/>
-              </a:rPr>
-              <a:t>https://github.com/angelozerr/angularjs-eclipse/wiki/Getting-Started</a:t>
-            </a:r>
-            <a:endParaRPr lang="fr-FR" dirty="0" smtClean="0"/>
-          </a:p>
-          <a:p>
-            <a:endParaRPr lang="fr-FR" dirty="0" smtClean="0"/>
-          </a:p>
-          <a:p>
-            <a:endParaRPr lang="fr-FR" dirty="0" smtClean="0"/>
-          </a:p>
-          <a:p>
-            <a:endParaRPr lang="fr-FR" dirty="0" smtClean="0"/>
-          </a:p>
-          <a:p>
-            <a:endParaRPr lang="fr-FR" dirty="0" smtClean="0"/>
-          </a:p>
-          <a:p>
-            <a:endParaRPr lang="fr-FR" dirty="0" smtClean="0"/>
-          </a:p>
-        </p:txBody>
-      </p:sp>
-      <p:pic>
-        <p:nvPicPr>
-          <p:cNvPr id="9218" name="Picture 2"/>
-          <p:cNvPicPr>
-            <a:picLocks noChangeAspect="1" noChangeArrowheads="1"/>
-          </p:cNvPicPr>
-          <p:nvPr/>
-        </p:nvPicPr>
-        <p:blipFill>
-          <a:blip r:embed="rId5">
-            <a:extLst>
-              <a:ext uri="{28A0092B-C50C-407E-A947-70E740481C1C}">
-                <a14:useLocalDpi xmlns:a14="http://schemas.microsoft.com/office/drawing/2010/main" val="0"/>
-              </a:ext>
-            </a:extLst>
-          </a:blip>
-          <a:srcRect/>
-          <a:stretch>
-            <a:fillRect/>
-          </a:stretch>
-        </p:blipFill>
-        <p:spPr bwMode="auto">
+            <p:ph sz="half" idx="1"/>
+          </p:nvPr>
+        </p:nvSpPr>
+        <p:spPr>
           <a:xfrm>
-            <a:off x="1691681" y="1707654"/>
-            <a:ext cx="4810125" cy="1950244"/>
+            <a:off x="251520" y="843558"/>
+            <a:ext cx="8712968" cy="3750667"/>
           </a:xfrm>
-          <a:prstGeom prst="rect">
-            <a:avLst/>
-          </a:prstGeom>
-          <a:noFill/>
-          <a:ln>
-            <a:noFill/>
-          </a:ln>
-          <a:extLst>
-            <a:ext uri="{909E8E84-426E-40DD-AFC4-6F175D3DCCD1}">
-              <a14:hiddenFill xmlns:a14="http://schemas.microsoft.com/office/drawing/2010/main">
-                <a:solidFill>
-                  <a:schemeClr val="accent1"/>
-                </a:solidFill>
-              </a14:hiddenFill>
-            </a:ext>
-            <a:ext uri="{91240B29-F687-4F45-9708-019B960494DF}">
-              <a14:hiddenLine xmlns:a14="http://schemas.microsoft.com/office/drawing/2010/main" w="9525">
-                <a:solidFill>
-                  <a:schemeClr val="tx1"/>
-                </a:solidFill>
-                <a:miter lim="800000"/>
-                <a:headEnd/>
-                <a:tailEnd/>
-              </a14:hiddenLine>
-            </a:ext>
-          </a:extLst>
         </p:spPr>
-      </p:pic>
-      <p:sp>
-        <p:nvSpPr>
-          <p:cNvPr id="6" name="Espace réservé du numéro de diapositive 5"/>
-          <p:cNvSpPr>
-            <a:spLocks noGrp="1"/>
-          </p:cNvSpPr>
-          <p:nvPr>
-            <p:ph type="sldNum" sz="quarter" idx="12"/>
-          </p:nvPr>
-        </p:nvSpPr>
-        <p:spPr/>
-        <p:txBody>
-          <a:bodyPr/>
-          <a:lstStyle/>
-          <a:p>
-            <a:fld id="{31983D30-6903-4279-B3B7-192429037A18}" type="slidenum">
-              <a:rPr lang="fr-FR" smtClean="0"/>
-              <a:t>34</a:t>
-            </a:fld>
-            <a:endParaRPr lang="fr-FR"/>
-          </a:p>
-        </p:txBody>
-      </p:sp>
-    </p:spTree>
-    <p:extLst>
-      <p:ext uri="{BB962C8B-B14F-4D97-AF65-F5344CB8AC3E}">
-        <p14:creationId xmlns:p14="http://schemas.microsoft.com/office/powerpoint/2010/main" val="1784883137"/>
-      </p:ext>
-    </p:extLst>
-  </p:cSld>
-  <p:clrMapOvr>
-    <a:masterClrMapping/>
-  </p:clrMapOvr>
-  <mc:AlternateContent xmlns:mc="http://schemas.openxmlformats.org/markup-compatibility/2006" xmlns:p14="http://schemas.microsoft.com/office/powerpoint/2010/main">
-    <mc:Choice Requires="p14">
-      <p:transition spd="med" p14:dur="700">
-        <p:fade/>
-      </p:transition>
-    </mc:Choice>
-    <mc:Fallback xmlns="">
-      <p:transition spd="med">
-        <p:fade/>
-      </p:transition>
-    </mc:Fallback>
-  </mc:AlternateContent>
-</p:sld>
-</file>
-
-<file path=ppt/slides/slide35.xml><?xml version="1.0" encoding="utf-8"?>
-<p:sld xmlns:a="http://schemas.openxmlformats.org/drawingml/2006/main" xmlns:r="http://schemas.openxmlformats.org/officeDocument/2006/relationships" xmlns:p="http://schemas.openxmlformats.org/presentationml/2006/main">
-  <p:cSld>
-    <p:spTree>
-      <p:nvGrpSpPr>
-        <p:cNvPr id="1" name=""/>
-        <p:cNvGrpSpPr/>
-        <p:nvPr/>
-      </p:nvGrpSpPr>
-      <p:grpSpPr>
-        <a:xfrm>
-          <a:off x="0" y="0"/>
-          <a:ext cx="0" cy="0"/>
-          <a:chOff x="0" y="0"/>
-          <a:chExt cx="0" cy="0"/>
-        </a:xfrm>
-      </p:grpSpPr>
-      <p:sp>
-        <p:nvSpPr>
-          <p:cNvPr id="2" name="Titre 1"/>
-          <p:cNvSpPr>
-            <a:spLocks noGrp="1"/>
-          </p:cNvSpPr>
-          <p:nvPr>
-            <p:ph type="title"/>
-          </p:nvPr>
-        </p:nvSpPr>
-        <p:spPr/>
-        <p:txBody>
-          <a:bodyPr/>
-          <a:lstStyle/>
-          <a:p>
-            <a:r>
-              <a:rPr lang="fr-FR" dirty="0" smtClean="0"/>
-              <a:t>Tern.java - TODOS</a:t>
-            </a:r>
-            <a:endParaRPr lang="fr-FR" dirty="0"/>
-          </a:p>
-        </p:txBody>
-      </p:sp>
-      <p:sp>
-        <p:nvSpPr>
-          <p:cNvPr id="3" name="Espace réservé du contenu 2"/>
-          <p:cNvSpPr>
-            <a:spLocks noGrp="1"/>
-          </p:cNvSpPr>
-          <p:nvPr>
-            <p:ph sz="half" idx="1"/>
-          </p:nvPr>
-        </p:nvSpPr>
-        <p:spPr/>
         <p:txBody>
           <a:bodyPr>
             <a:normAutofit/>
@@ -22616,30 +22591,30 @@
           <a:p>
             <a:r>
               <a:rPr lang="fr-FR" sz="1600" dirty="0" smtClean="0"/>
-              <a:t>Search </a:t>
+              <a:t>Recherche références (</a:t>
             </a:r>
             <a:r>
               <a:rPr lang="fr-FR" sz="1600" dirty="0" err="1" smtClean="0"/>
-              <a:t>references</a:t>
+              <a:t>Ctrl+Shift+G</a:t>
+            </a:r>
+            <a:r>
+              <a:rPr lang="fr-FR" sz="1600" dirty="0" smtClean="0"/>
+              <a:t>)</a:t>
             </a:r>
             <a:endParaRPr lang="fr-FR" sz="1600" dirty="0" smtClean="0"/>
           </a:p>
           <a:p>
             <a:r>
               <a:rPr lang="fr-FR" sz="1600" dirty="0" smtClean="0"/>
-              <a:t>Améliorer </a:t>
+              <a:t>Améliorer certains plugins tern (AUI, YUI, </a:t>
+            </a:r>
+            <a:r>
+              <a:rPr lang="fr-FR" sz="1600" dirty="0" err="1" smtClean="0"/>
+              <a:t>Liferay</a:t>
             </a:r>
             <a:r>
               <a:rPr lang="fr-FR" sz="1600" dirty="0" smtClean="0"/>
-              <a:t>les </a:t>
-            </a:r>
-            <a:r>
-              <a:rPr lang="fr-FR" sz="1600" dirty="0" smtClean="0"/>
-              <a:t>plugins </a:t>
-            </a:r>
-            <a:r>
-              <a:rPr lang="fr-FR" sz="1600" dirty="0" err="1" smtClean="0"/>
-              <a:t>terns</a:t>
+              <a:t>)</a:t>
             </a:r>
             <a:endParaRPr lang="fr-FR" sz="1600" dirty="0" smtClean="0"/>
           </a:p>
@@ -22661,23 +22636,7 @@
             </a:r>
             <a:r>
               <a:rPr lang="fr-FR" sz="1200" dirty="0" smtClean="0"/>
-              <a:t>, </a:t>
-            </a:r>
-            <a:r>
-              <a:rPr lang="fr-FR" sz="1200" dirty="0" err="1" smtClean="0"/>
-              <a:t>hyperlink</a:t>
-            </a:r>
-            <a:r>
-              <a:rPr lang="fr-FR" sz="1200" dirty="0" smtClean="0"/>
-              <a:t>, </a:t>
-            </a:r>
-            <a:r>
-              <a:rPr lang="fr-FR" sz="1200" dirty="0" err="1" smtClean="0"/>
-              <a:t>hover</a:t>
-            </a:r>
-            <a:r>
-              <a:rPr lang="fr-FR" sz="1200" dirty="0" smtClean="0"/>
-              <a:t>, validation dans les string</a:t>
+              <a:t>, hyperlink, hover, validation dans les string</a:t>
             </a:r>
           </a:p>
           <a:p>
@@ -22687,31 +22646,38 @@
               <a:t>Gérer les objets </a:t>
             </a:r>
             <a:r>
-              <a:rPr lang="fr-FR" sz="1200" dirty="0" err="1" smtClean="0"/>
-              <a:t>literaux</a:t>
-            </a:r>
-            <a:endParaRPr lang="fr-FR" sz="1200" dirty="0"/>
-          </a:p>
-        </p:txBody>
-      </p:sp>
-      <p:sp>
-        <p:nvSpPr>
-          <p:cNvPr id="7" name="Espace réservé du contenu 6"/>
-          <p:cNvSpPr>
-            <a:spLocks noGrp="1"/>
-          </p:cNvSpPr>
-          <p:nvPr>
-            <p:ph sz="half" idx="2"/>
-          </p:nvPr>
-        </p:nvSpPr>
-        <p:spPr/>
-        <p:txBody>
-          <a:bodyPr>
-            <a:normAutofit/>
-          </a:bodyPr>
-          <a:lstStyle/>
-          <a:p>
+              <a:rPr lang="fr-FR" sz="1200" dirty="0" smtClean="0"/>
+              <a:t>littéraux : </a:t>
+            </a:r>
+          </a:p>
+          <a:p>
+            <a:pPr lvl="2"/>
+            <a:r>
+              <a:rPr lang="fr-FR" sz="1100" dirty="0" smtClean="0"/>
+              <a:t>Complétion sur les propriétés d’un objet.</a:t>
+            </a:r>
+          </a:p>
+          <a:p>
+            <a:pPr lvl="2"/>
+            <a:r>
+              <a:rPr lang="fr-FR" dirty="0" smtClean="0"/>
+              <a:t>Validation sur les propriétés d’un objet.</a:t>
+            </a:r>
             <a:endParaRPr lang="fr-FR" sz="1600" dirty="0"/>
+          </a:p>
+          <a:p>
+            <a:r>
+              <a:rPr lang="fr-FR" dirty="0" smtClean="0"/>
+              <a:t>Améliorer les performances pour des projets qui intègre entièrement les librairies JavaScript (tern script </a:t>
+            </a:r>
+            <a:r>
+              <a:rPr lang="fr-FR" dirty="0" err="1" smtClean="0"/>
+              <a:t>path</a:t>
+            </a:r>
+            <a:r>
+              <a:rPr lang="fr-FR" dirty="0" smtClean="0"/>
+              <a:t>).</a:t>
+            </a:r>
           </a:p>
         </p:txBody>
       </p:sp>
@@ -22732,7 +22698,7 @@
           <a:p>
             <a:fld id="{31983D30-6903-4279-B3B7-192429037A18}" type="slidenum">
               <a:rPr lang="fr-FR" smtClean="0"/>
-              <a:t>35</a:t>
+              <a:t>34</a:t>
             </a:fld>
             <a:endParaRPr lang="fr-FR"/>
           </a:p>
@@ -24054,16 +24020,12 @@
           <a:lstStyle/>
           <a:p>
             <a:r>
-              <a:rPr lang="fr-FR" b="1" dirty="0" smtClean="0"/>
+              <a:rPr lang="fr-FR" dirty="0" smtClean="0"/>
               <a:t>JSON </a:t>
             </a:r>
             <a:r>
-              <a:rPr lang="fr-FR" b="1" dirty="0" smtClean="0"/>
-              <a:t>Type Definition</a:t>
-            </a:r>
-            <a:r>
-              <a:rPr lang="fr-FR" dirty="0" smtClean="0"/>
-              <a:t> : </a:t>
+              <a:rPr lang="fr-FR" dirty="0" smtClean="0"/>
+              <a:t>Type Definition : </a:t>
             </a:r>
           </a:p>
           <a:p>

--- a/docs/tern.java_fr.pptx
+++ b/docs/tern.java_fr.pptx
@@ -142,7 +142,7 @@
   </p:defaultTextStyle>
   <p:extLst>
     <p:ext uri="{EFAFB233-063F-42B5-8137-9DF3F51BA10A}">
-      <p15:sldGuideLst xmlns:p15="http://schemas.microsoft.com/office/powerpoint/2012/main" xmlns="">
+      <p15:sldGuideLst xmlns="" xmlns:p15="http://schemas.microsoft.com/office/powerpoint/2012/main">
         <p15:guide id="1" orient="horz" pos="1620">
           <p15:clr>
             <a:srgbClr val="A4A3A4"/>
@@ -241,7 +241,7 @@
           <a:p>
             <a:fld id="{63FC1662-7A89-4B15-AB3D-C0EBF195B84E}" type="datetimeFigureOut">
               <a:rPr lang="fr-FR" smtClean="0"/>
-              <a:t>08/11/2014</a:t>
+              <a:t>12/11/2014</a:t>
             </a:fld>
             <a:endParaRPr lang="fr-FR"/>
           </a:p>
@@ -15723,41 +15723,17 @@
                   <a:schemeClr val="tx1"/>
                 </a:solidFill>
               </a:rPr>
-              <a:t>Utilisation du moteur d’inférence </a:t>
-            </a:r>
+              <a:t>Utilisation du moteur d’inférence JavaScript tern.js </a:t>
+            </a:r>
+          </a:p>
+          <a:p>
             <a:r>
               <a:rPr lang="fr-FR" b="1" dirty="0" smtClean="0">
                 <a:solidFill>
                   <a:schemeClr val="tx1"/>
                 </a:solidFill>
               </a:rPr>
-              <a:t>JavaScript tern.js </a:t>
-            </a:r>
-          </a:p>
-          <a:p>
-            <a:r>
-              <a:rPr lang="fr-FR" b="1" dirty="0" smtClean="0">
-                <a:solidFill>
-                  <a:schemeClr val="tx1"/>
-                </a:solidFill>
-              </a:rPr>
-              <a:t>dans </a:t>
-            </a:r>
-            <a:r>
-              <a:rPr lang="fr-FR" b="1" dirty="0" smtClean="0">
-                <a:solidFill>
-                  <a:schemeClr val="tx1"/>
-                </a:solidFill>
-              </a:rPr>
-              <a:t>un contexte </a:t>
-            </a:r>
-            <a:r>
-              <a:rPr lang="fr-FR" b="1" dirty="0" smtClean="0">
-                <a:solidFill>
-                  <a:schemeClr val="tx1"/>
-                </a:solidFill>
-              </a:rPr>
-              <a:t>Java (Eclipse)</a:t>
+              <a:t>dans un contexte Java (Eclipse)</a:t>
             </a:r>
             <a:endParaRPr lang="fr-FR" dirty="0">
               <a:solidFill>
@@ -15958,9 +15934,10 @@
               <a:t>utilise un JSON Type </a:t>
             </a:r>
             <a:r>
-              <a:rPr lang="fr-FR" dirty="0" smtClean="0"/>
-              <a:t>Definition.</a:t>
-            </a:r>
+              <a:rPr lang="fr-FR" dirty="0" err="1" smtClean="0"/>
+              <a:t>Definition</a:t>
+            </a:r>
+            <a:endParaRPr lang="fr-FR" dirty="0" smtClean="0"/>
           </a:p>
           <a:p>
             <a:pPr lvl="1"/>
@@ -15974,12 +15951,13 @@
             </a:r>
             <a:r>
               <a:rPr lang="fr-FR" b="1" dirty="0"/>
-              <a:t>code JavaScript</a:t>
-            </a:r>
-            <a:r>
-              <a:rPr lang="fr-FR" dirty="0"/>
-              <a:t>.</a:t>
-            </a:r>
+              <a:t>code </a:t>
+            </a:r>
+            <a:r>
+              <a:rPr lang="fr-FR" b="1" dirty="0" smtClean="0"/>
+              <a:t>JavaScript</a:t>
+            </a:r>
+            <a:endParaRPr lang="fr-FR" dirty="0"/>
           </a:p>
           <a:p>
             <a:pPr lvl="1"/>
@@ -16158,7 +16136,7 @@
           <a:p>
             <a:r>
               <a:rPr lang="fr-FR" dirty="0" smtClean="0"/>
-              <a:t>Exemple avec la fonction </a:t>
+              <a:t>Ex. avec fonction </a:t>
             </a:r>
             <a:r>
               <a:rPr lang="fr-FR" b="1" dirty="0" smtClean="0"/>
@@ -16310,7 +16288,15 @@
           <a:p>
             <a:r>
               <a:rPr lang="fr-FR" dirty="0" smtClean="0"/>
-              <a:t>Tern.java, c’est quoi?</a:t>
+              <a:t>Tern.java : </a:t>
+            </a:r>
+            <a:r>
+              <a:rPr lang="fr-FR" dirty="0" smtClean="0"/>
+              <a:t>c’est </a:t>
+            </a:r>
+            <a:r>
+              <a:rPr lang="fr-FR" dirty="0" smtClean="0"/>
+              <a:t>quoi ?</a:t>
             </a:r>
             <a:endParaRPr lang="fr-FR" dirty="0"/>
           </a:p>
@@ -16367,8 +16353,13 @@
             </a:r>
             <a:r>
               <a:rPr lang="fr-FR" dirty="0" smtClean="0"/>
-              <a:t> fournit un moteur d’inférence JavaScript dans un contexte Java.</a:t>
-            </a:r>
+              <a:t> fournit un moteur d’inférence JavaScript dans un contexte </a:t>
+            </a:r>
+            <a:r>
+              <a:rPr lang="fr-FR" dirty="0" smtClean="0"/>
+              <a:t>Java</a:t>
+            </a:r>
+            <a:endParaRPr lang="fr-FR" dirty="0" smtClean="0"/>
           </a:p>
           <a:p>
             <a:r>
@@ -16437,25 +16428,31 @@
             </a:r>
           </a:p>
           <a:p>
-            <a:pPr marL="342900" lvl="1" indent="-342900"/>
-            <a:r>
-              <a:rPr lang="fr-FR" dirty="0"/>
+            <a:pPr marL="342900" lvl="1" indent="-342900">
+              <a:buClr>
+                <a:schemeClr val="accent6"/>
+              </a:buClr>
+              <a:buFont typeface="Wingdings" pitchFamily="2" charset="2"/>
+              <a:buChar char="§"/>
+            </a:pPr>
+            <a:r>
+              <a:rPr lang="fr-FR" sz="1600" dirty="0"/>
               <a:t>tern.java (</a:t>
             </a:r>
             <a:r>
-              <a:rPr lang="fr-FR" dirty="0" err="1"/>
+              <a:rPr lang="fr-FR" sz="1600" dirty="0" err="1"/>
               <a:t>core</a:t>
             </a:r>
             <a:r>
-              <a:rPr lang="fr-FR" dirty="0"/>
+              <a:rPr lang="fr-FR" sz="1600" dirty="0"/>
               <a:t>) </a:t>
             </a:r>
             <a:r>
-              <a:rPr lang="fr-FR" dirty="0" smtClean="0"/>
+              <a:rPr lang="fr-FR" sz="1600" dirty="0"/>
               <a:t>pourrait être </a:t>
             </a:r>
             <a:r>
-              <a:rPr lang="fr-FR" dirty="0"/>
+              <a:rPr lang="fr-FR" sz="1600" dirty="0"/>
               <a:t>utilisé dans d’autres solutions Java :</a:t>
             </a:r>
           </a:p>
@@ -16483,18 +16480,27 @@
             </a:r>
             <a:r>
               <a:rPr lang="fr-FR" dirty="0"/>
-              <a:t>, etc </a:t>
-            </a:r>
+              <a:t>, </a:t>
+            </a:r>
+            <a:r>
+              <a:rPr lang="fr-FR" dirty="0" smtClean="0"/>
+              <a:t>etc.</a:t>
+            </a:r>
+            <a:endParaRPr lang="fr-FR" dirty="0"/>
           </a:p>
           <a:p>
             <a:pPr marL="742950" lvl="2" indent="-342900"/>
             <a:r>
               <a:rPr lang="fr-FR" b="1" dirty="0"/>
-              <a:t>Editeur (IDE)</a:t>
-            </a:r>
-            <a:r>
-              <a:rPr lang="fr-FR" dirty="0"/>
-              <a:t>: </a:t>
+              <a:t>Editeur (IDE</a:t>
+            </a:r>
+            <a:r>
+              <a:rPr lang="fr-FR" b="1" dirty="0" smtClean="0"/>
+              <a:t>)</a:t>
+            </a:r>
+            <a:r>
+              <a:rPr lang="fr-FR" dirty="0" smtClean="0"/>
+              <a:t>:  </a:t>
             </a:r>
             <a:r>
               <a:rPr lang="fr-FR" dirty="0" err="1"/>
@@ -16510,8 +16516,13 @@
             </a:r>
             <a:r>
               <a:rPr lang="fr-FR" dirty="0"/>
-              <a:t>, etc</a:t>
-            </a:r>
+              <a:t>, </a:t>
+            </a:r>
+            <a:r>
+              <a:rPr lang="fr-FR" dirty="0" smtClean="0"/>
+              <a:t>etc.</a:t>
+            </a:r>
+            <a:endParaRPr lang="fr-FR" dirty="0"/>
           </a:p>
           <a:p>
             <a:endParaRPr lang="fr-FR" dirty="0"/>
@@ -16600,11 +16611,15 @@
           <a:p>
             <a:r>
               <a:rPr lang="fr-FR" dirty="0" smtClean="0"/>
-              <a:t>Tern.java, </a:t>
-            </a:r>
-            <a:r>
-              <a:rPr lang="fr-FR" dirty="0" smtClean="0"/>
-              <a:t>qui l’utilise?</a:t>
+              <a:t>Tern.java : </a:t>
+            </a:r>
+            <a:r>
+              <a:rPr lang="fr-FR" dirty="0" smtClean="0"/>
+              <a:t>qui </a:t>
+            </a:r>
+            <a:r>
+              <a:rPr lang="fr-FR" dirty="0" smtClean="0"/>
+              <a:t>l’utilise ?</a:t>
             </a:r>
             <a:endParaRPr lang="fr-FR" dirty="0"/>
           </a:p>
@@ -16720,13 +16735,18 @@
           </a:p>
           <a:p>
             <a:r>
+              <a:rPr lang="fr-FR" b="1" dirty="0" err="1" smtClean="0"/>
+              <a:t>Nodeclipse</a:t>
+            </a:r>
+            <a:r>
               <a:rPr lang="fr-FR" b="1" dirty="0" smtClean="0"/>
-              <a:t>Nodeclipse</a:t>
+              <a:t> </a:t>
             </a:r>
             <a:r>
               <a:rPr lang="fr-FR" dirty="0" smtClean="0"/>
               <a:t>:</a:t>
             </a:r>
+            <a:endParaRPr lang="fr-FR" dirty="0" smtClean="0"/>
           </a:p>
           <a:p>
             <a:pPr lvl="1"/>
@@ -16746,10 +16766,7 @@
               <a:rPr lang="fr-FR" dirty="0" err="1" smtClean="0"/>
               <a:t>mongoose</a:t>
             </a:r>
-            <a:r>
-              <a:rPr lang="fr-FR" dirty="0" smtClean="0"/>
-              <a:t>.</a:t>
-            </a:r>
+            <a:endParaRPr lang="fr-FR" dirty="0" smtClean="0"/>
           </a:p>
           <a:p>
             <a:pPr lvl="1"/>
@@ -16768,8 +16785,9 @@
             </a:r>
             <a:r>
               <a:rPr lang="fr-FR" b="1" dirty="0" smtClean="0"/>
-              <a:t>:</a:t>
-            </a:r>
+              <a:t> :</a:t>
+            </a:r>
+            <a:endParaRPr lang="fr-FR" b="1" dirty="0" smtClean="0"/>
           </a:p>
           <a:p>
             <a:pPr lvl="1"/>
@@ -16777,11 +16795,14 @@
               <a:rPr lang="fr-FR" dirty="0">
                 <a:hlinkClick r:id="rId5"/>
               </a:rPr>
-              <a:t>https://www.genuitec.com/tag/tern/</a:t>
-            </a:r>
-            <a:endParaRPr lang="fr-FR" dirty="0" smtClean="0"/>
-          </a:p>
-          <a:p>
+              <a:t>https://www.genuitec.com/tag/tern</a:t>
+            </a:r>
+            <a:r>
+              <a:rPr lang="fr-FR" dirty="0" smtClean="0">
+                <a:hlinkClick r:id="rId5"/>
+              </a:rPr>
+              <a:t>/</a:t>
+            </a:r>
             <a:endParaRPr lang="fr-FR" dirty="0" smtClean="0"/>
           </a:p>
         </p:txBody>
@@ -17053,7 +17074,15 @@
             </a:r>
             <a:r>
               <a:rPr lang="fr-FR" dirty="0" smtClean="0"/>
-              <a:t>IDE, c’est quoi?</a:t>
+              <a:t>IDE : </a:t>
+            </a:r>
+            <a:r>
+              <a:rPr lang="fr-FR" dirty="0" smtClean="0"/>
+              <a:t>c’est </a:t>
+            </a:r>
+            <a:r>
+              <a:rPr lang="fr-FR" dirty="0" smtClean="0"/>
+              <a:t>quoi ?</a:t>
             </a:r>
             <a:endParaRPr lang="fr-FR" dirty="0"/>
           </a:p>
@@ -17094,7 +17123,11 @@
             </a:r>
             <a:r>
               <a:rPr lang="fr-FR" dirty="0" smtClean="0"/>
-              <a:t>pour JavaScript.</a:t>
+              <a:t>pour </a:t>
+            </a:r>
+            <a:r>
+              <a:rPr lang="fr-FR" dirty="0" smtClean="0"/>
+              <a:t>JavaScript</a:t>
             </a:r>
             <a:endParaRPr lang="fr-FR" dirty="0"/>
           </a:p>
@@ -17113,8 +17146,13 @@
             </a:r>
             <a:r>
               <a:rPr lang="fr-FR" dirty="0" smtClean="0"/>
-              <a:t> pour l’IDE Eclipse.</a:t>
-            </a:r>
+              <a:t> pour l’IDE </a:t>
+            </a:r>
+            <a:r>
+              <a:rPr lang="fr-FR" dirty="0" smtClean="0"/>
+              <a:t>Eclipse</a:t>
+            </a:r>
+            <a:endParaRPr lang="fr-FR" dirty="0" smtClean="0"/>
           </a:p>
           <a:p>
             <a:r>
@@ -17243,11 +17281,23 @@
           <a:p>
             <a:r>
               <a:rPr lang="fr-FR" dirty="0"/>
-              <a:t>Tern IDE n’est pas lié à JSDT, il peut être utilisé avec d’autres </a:t>
-            </a:r>
-            <a:r>
-              <a:rPr lang="fr-FR" dirty="0" smtClean="0"/>
-              <a:t>éditeurs JavaScript.</a:t>
+              <a:t>Tern IDE n’est pas lié à </a:t>
+            </a:r>
+            <a:r>
+              <a:rPr lang="fr-FR" dirty="0" smtClean="0"/>
+              <a:t>JSDT : il </a:t>
+            </a:r>
+            <a:r>
+              <a:rPr lang="fr-FR" dirty="0"/>
+              <a:t>peut être utilisé avec d’autres </a:t>
+            </a:r>
+            <a:r>
+              <a:rPr lang="fr-FR" dirty="0" smtClean="0"/>
+              <a:t>éditeurs </a:t>
+            </a:r>
+            <a:r>
+              <a:rPr lang="fr-FR" dirty="0" smtClean="0"/>
+              <a:t>JavaScript</a:t>
             </a:r>
             <a:endParaRPr lang="fr-FR" dirty="0"/>
           </a:p>
@@ -17258,7 +17308,11 @@
             </a:r>
             <a:r>
               <a:rPr lang="fr-FR" dirty="0" smtClean="0"/>
-              <a:t>fournir dans l’éditeur JavaScript JSDT:</a:t>
+              <a:t>fournir dans l’éditeur JavaScript </a:t>
+            </a:r>
+            <a:r>
+              <a:rPr lang="fr-FR" dirty="0" smtClean="0"/>
+              <a:t>JSDT :</a:t>
             </a:r>
             <a:endParaRPr lang="fr-FR" dirty="0"/>
           </a:p>
@@ -17298,11 +17352,7 @@
             </a:r>
             <a:r>
               <a:rPr lang="fr-FR" dirty="0" err="1" smtClean="0"/>
-              <a:t>h</a:t>
-            </a:r>
-            <a:r>
-              <a:rPr lang="fr-FR" dirty="0" err="1" smtClean="0"/>
-              <a:t>yperlinks</a:t>
+              <a:t>hyperlinks</a:t>
             </a:r>
             <a:r>
               <a:rPr lang="fr-FR" dirty="0" smtClean="0"/>
@@ -17314,7 +17364,7 @@
             <a:pPr lvl="1"/>
             <a:r>
               <a:rPr lang="fr-FR" dirty="0" smtClean="0"/>
-              <a:t>Les </a:t>
+              <a:t>les </a:t>
             </a:r>
             <a:r>
               <a:rPr lang="fr-FR" b="1" dirty="0" smtClean="0"/>
@@ -17696,11 +17746,7 @@
             </a:r>
             <a:r>
               <a:rPr lang="fr-FR" dirty="0" smtClean="0"/>
-              <a:t>IDE – Démo </a:t>
-            </a:r>
-            <a:r>
-              <a:rPr lang="fr-FR" dirty="0" smtClean="0"/>
-              <a:t>(Complétion)</a:t>
+              <a:t>IDE – Démo (Complétion)</a:t>
             </a:r>
             <a:endParaRPr lang="fr-FR" dirty="0"/>
           </a:p>
@@ -17901,11 +17947,7 @@
             </a:r>
             <a:r>
               <a:rPr lang="fr-FR" dirty="0" smtClean="0"/>
-              <a:t>Démo </a:t>
-            </a:r>
-            <a:r>
-              <a:rPr lang="fr-FR" dirty="0" smtClean="0"/>
-              <a:t>(Complétion)</a:t>
+              <a:t>Démo (Complétion)</a:t>
             </a:r>
             <a:endParaRPr lang="fr-FR" dirty="0"/>
           </a:p>
@@ -17946,7 +17988,15 @@
             </a:r>
             <a:r>
               <a:rPr lang="fr-FR" sz="1600" dirty="0" smtClean="0"/>
-              <a:t> d’une callback :</a:t>
+              <a:t> </a:t>
+            </a:r>
+            <a:r>
+              <a:rPr lang="fr-FR" sz="1600" dirty="0" smtClean="0"/>
+              <a:t>d’un </a:t>
+            </a:r>
+            <a:r>
+              <a:rPr lang="fr-FR" sz="1600" dirty="0" smtClean="0"/>
+              <a:t>callback :</a:t>
             </a:r>
           </a:p>
           <a:p>
@@ -18121,8 +18171,13 @@
           <a:p>
             <a:r>
               <a:rPr lang="fr-FR" sz="1600" dirty="0" smtClean="0"/>
-              <a:t>Ici tern retrouve où est déclaré l’évènement e:</a:t>
-            </a:r>
+              <a:t>Ici tern retrouve où est déclaré l’évènement </a:t>
+            </a:r>
+            <a:r>
+              <a:rPr lang="fr-FR" sz="1600" dirty="0" smtClean="0"/>
+              <a:t>e :</a:t>
+            </a:r>
+            <a:endParaRPr lang="fr-FR" sz="1600" dirty="0" smtClean="0"/>
           </a:p>
           <a:p>
             <a:endParaRPr lang="fr-FR" sz="1600" dirty="0" smtClean="0"/>
@@ -18883,11 +18938,7 @@
             </a:r>
             <a:r>
               <a:rPr lang="fr-FR" sz="1600" dirty="0" smtClean="0"/>
-              <a:t> est </a:t>
-            </a:r>
-            <a:r>
-              <a:rPr lang="fr-FR" sz="1600" dirty="0" smtClean="0"/>
-              <a:t>utilisé : le paramètre </a:t>
+              <a:t> est utilisé : le paramètre </a:t>
             </a:r>
             <a:r>
               <a:rPr lang="fr-FR" sz="1600" b="1" dirty="0" smtClean="0"/>
@@ -18898,12 +18949,12 @@
               <a:t> attendu </a:t>
             </a:r>
             <a:r>
-              <a:rPr lang="fr-FR" sz="1600" dirty="0" err="1" smtClean="0"/>
-              <a:t>doît</a:t>
-            </a:r>
-            <a:r>
               <a:rPr lang="fr-FR" sz="1600" dirty="0" smtClean="0"/>
-              <a:t> être de type </a:t>
+              <a:t>doit </a:t>
+            </a:r>
+            <a:r>
+              <a:rPr lang="fr-FR" sz="1600" dirty="0" smtClean="0"/>
+              <a:t>être de type </a:t>
             </a:r>
             <a:r>
               <a:rPr lang="fr-FR" sz="1600" b="1" dirty="0" smtClean="0"/>
@@ -18911,11 +18962,7 @@
             </a:r>
             <a:r>
               <a:rPr lang="fr-FR" sz="1600" dirty="0" smtClean="0"/>
-              <a:t> </a:t>
-            </a:r>
-            <a:r>
-              <a:rPr lang="fr-FR" sz="1600" dirty="0" smtClean="0"/>
-              <a:t>:</a:t>
+              <a:t> :</a:t>
             </a:r>
           </a:p>
           <a:p>
@@ -19071,7 +19118,11 @@
           <a:p>
             <a:r>
               <a:rPr lang="fr-FR" dirty="0" smtClean="0"/>
-              <a:t>TERN IDE &amp; Modules</a:t>
+              <a:t>Tern </a:t>
+            </a:r>
+            <a:r>
+              <a:rPr lang="fr-FR" dirty="0" smtClean="0"/>
+              <a:t>IDE &amp; Modules</a:t>
             </a:r>
             <a:endParaRPr lang="fr-FR" dirty="0"/>
           </a:p>
@@ -19101,8 +19152,13 @@
           <a:p>
             <a:r>
               <a:rPr lang="fr-FR" dirty="0" smtClean="0"/>
-              <a:t>Un module est un JSON Type Definition ou un plugin.</a:t>
-            </a:r>
+              <a:t>Un module est un JSON Type Definition ou un </a:t>
+            </a:r>
+            <a:r>
+              <a:rPr lang="fr-FR" dirty="0" smtClean="0"/>
+              <a:t>plugin</a:t>
+            </a:r>
+            <a:endParaRPr lang="fr-FR" dirty="0" smtClean="0"/>
           </a:p>
           <a:p>
             <a:pPr lvl="1"/>
@@ -19151,8 +19207,17 @@
           <a:p>
             <a:r>
               <a:rPr lang="fr-FR" dirty="0" smtClean="0"/>
-              <a:t>La sélection des modules s’effectuent dans les propriétés du projet (ex : jquery). </a:t>
-            </a:r>
+              <a:t>La sélection des modules s’effectuent dans les propriétés du projet (ex : </a:t>
+            </a:r>
+            <a:r>
+              <a:rPr lang="fr-FR" dirty="0" err="1" smtClean="0"/>
+              <a:t>jquery</a:t>
+            </a:r>
+            <a:r>
+              <a:rPr lang="fr-FR" dirty="0" smtClean="0"/>
+              <a:t>)</a:t>
+            </a:r>
+            <a:endParaRPr lang="fr-FR" dirty="0" smtClean="0"/>
           </a:p>
         </p:txBody>
       </p:sp>
@@ -19292,7 +19357,11 @@
           <a:p>
             <a:r>
               <a:rPr lang="fr-FR" dirty="0" smtClean="0"/>
-              <a:t>TERN IDE &amp; jQuery</a:t>
+              <a:t>Tern </a:t>
+            </a:r>
+            <a:r>
+              <a:rPr lang="fr-FR" dirty="0" smtClean="0"/>
+              <a:t>IDE &amp; jQuery</a:t>
             </a:r>
             <a:endParaRPr lang="fr-FR" dirty="0"/>
           </a:p>
@@ -19323,15 +19392,11 @@
             </a:r>
             <a:r>
               <a:rPr lang="fr-FR" dirty="0" smtClean="0"/>
-              <a:t> fournit la </a:t>
-            </a:r>
-            <a:r>
-              <a:rPr lang="fr-FR" dirty="0" smtClean="0"/>
-              <a:t>complétion sur ce framework: </a:t>
-            </a:r>
-            <a:r>
-              <a:rPr lang="fr-FR" dirty="0" smtClean="0"/>
-              <a:t> </a:t>
+              <a:t> fournit la complétion sur ce framework</a:t>
+            </a:r>
+            <a:r>
+              <a:rPr lang="fr-FR" dirty="0" smtClean="0"/>
+              <a:t>:   </a:t>
             </a:r>
             <a:endParaRPr lang="fr-FR" dirty="0" smtClean="0"/>
           </a:p>
@@ -19509,7 +19574,11 @@
           <a:p>
             <a:r>
               <a:rPr lang="fr-FR" dirty="0" smtClean="0"/>
-              <a:t>TERN IDE &amp; Node.js module</a:t>
+              <a:t>Tern </a:t>
+            </a:r>
+            <a:r>
+              <a:rPr lang="fr-FR" dirty="0" smtClean="0"/>
+              <a:t>IDE &amp; Node.js module</a:t>
             </a:r>
             <a:endParaRPr lang="fr-FR" dirty="0"/>
           </a:p>
@@ -19544,8 +19613,13 @@
             </a:r>
             <a:r>
               <a:rPr lang="fr-FR" dirty="0"/>
-              <a:t>la complétion sur ce framework:  </a:t>
-            </a:r>
+              <a:t>la complétion sur ce </a:t>
+            </a:r>
+            <a:r>
+              <a:rPr lang="fr-FR" dirty="0" smtClean="0"/>
+              <a:t>framework :  </a:t>
+            </a:r>
+            <a:endParaRPr lang="fr-FR" dirty="0"/>
           </a:p>
           <a:p>
             <a:pPr lvl="1"/>
@@ -19760,7 +19834,11 @@
           <a:p>
             <a:r>
               <a:rPr lang="fr-FR" dirty="0" smtClean="0"/>
-              <a:t>TERN IDE &amp; Closure Library</a:t>
+              <a:t>Tern </a:t>
+            </a:r>
+            <a:r>
+              <a:rPr lang="fr-FR" dirty="0" smtClean="0"/>
+              <a:t>IDE &amp; Closure Library</a:t>
             </a:r>
             <a:endParaRPr lang="fr-FR" dirty="0"/>
           </a:p>
@@ -19795,7 +19873,11 @@
             </a:r>
             <a:r>
               <a:rPr lang="fr-FR" dirty="0"/>
-              <a:t>la complétion sur ce framework:  </a:t>
+              <a:t>la complétion sur ce </a:t>
+            </a:r>
+            <a:r>
+              <a:rPr lang="fr-FR" dirty="0" smtClean="0"/>
+              <a:t>framework :  </a:t>
             </a:r>
             <a:endParaRPr lang="fr-FR" dirty="0" smtClean="0"/>
           </a:p>
@@ -19840,23 +19922,7 @@
             </a:pPr>
             <a:r>
               <a:rPr lang="fr-FR" dirty="0" smtClean="0"/>
-              <a:t>closure est un plugin tern. Il se base sur les sources </a:t>
-            </a:r>
-            <a:r>
-              <a:rPr lang="fr-FR" dirty="0" smtClean="0"/>
-              <a:t>JavaScript de </a:t>
-            </a:r>
-            <a:r>
-              <a:rPr lang="fr-FR" dirty="0" smtClean="0"/>
-              <a:t>closure. </a:t>
-            </a:r>
-            <a:r>
-              <a:rPr lang="fr-FR" dirty="0" smtClean="0"/>
-              <a:t>La navigation permet </a:t>
-            </a:r>
-            <a:r>
-              <a:rPr lang="fr-FR" dirty="0" smtClean="0"/>
-              <a:t>d’ouvrir les sources de closure.</a:t>
+              <a:t>closure est un plugin tern. Il se base sur les sources JavaScript de closure. La navigation permet d’ouvrir les sources de closure.</a:t>
             </a:r>
             <a:endParaRPr lang="fr-FR" dirty="0"/>
           </a:p>
@@ -19998,7 +20064,19 @@
           <a:p>
             <a:r>
               <a:rPr lang="fr-FR" dirty="0" smtClean="0"/>
-              <a:t>Tern Java - Comment ca marche?</a:t>
+              <a:t>Tern Java </a:t>
+            </a:r>
+            <a:r>
+              <a:rPr lang="fr-FR" dirty="0" smtClean="0"/>
+              <a:t>: comment </a:t>
+            </a:r>
+            <a:r>
+              <a:rPr lang="fr-FR" dirty="0" smtClean="0"/>
+              <a:t>ca </a:t>
+            </a:r>
+            <a:r>
+              <a:rPr lang="fr-FR" dirty="0" smtClean="0"/>
+              <a:t>marche ?</a:t>
             </a:r>
             <a:endParaRPr lang="fr-FR" dirty="0"/>
           </a:p>
@@ -20170,7 +20248,19 @@
           <a:p>
             <a:r>
               <a:rPr lang="fr-FR" dirty="0" smtClean="0"/>
-              <a:t>Tern Java - Comment ca marche?</a:t>
+              <a:t>Tern Java </a:t>
+            </a:r>
+            <a:r>
+              <a:rPr lang="fr-FR" dirty="0" smtClean="0"/>
+              <a:t>: comment </a:t>
+            </a:r>
+            <a:r>
+              <a:rPr lang="fr-FR" dirty="0" smtClean="0"/>
+              <a:t>ca </a:t>
+            </a:r>
+            <a:r>
+              <a:rPr lang="fr-FR" dirty="0" smtClean="0"/>
+              <a:t>marche ?</a:t>
             </a:r>
             <a:endParaRPr lang="fr-FR" dirty="0"/>
           </a:p>
@@ -20198,16 +20288,16 @@
           </a:p>
           <a:p>
             <a:r>
-              <a:rPr lang="fr-FR" dirty="0" smtClean="0"/>
-              <a:t>Ici le server tern charge les JSON Type </a:t>
-            </a:r>
-            <a:r>
-              <a:rPr lang="fr-FR" dirty="0" smtClean="0"/>
-              <a:t>Définitions </a:t>
-            </a:r>
-            <a:r>
-              <a:rPr lang="fr-FR" dirty="0" smtClean="0"/>
-              <a:t>emacs5, browser et jquery</a:t>
+              <a:rPr lang="fr-FR" dirty="0"/>
+              <a:t>i</a:t>
+            </a:r>
+            <a:r>
+              <a:rPr lang="fr-FR" dirty="0" smtClean="0"/>
+              <a:t>ci </a:t>
+            </a:r>
+            <a:r>
+              <a:rPr lang="fr-FR" dirty="0" smtClean="0"/>
+              <a:t>le server tern charge les JSON Type Définitions emacs5, browser et jquery</a:t>
             </a:r>
           </a:p>
           <a:p>
@@ -20224,12 +20314,17 @@
             </a:r>
             <a:r>
               <a:rPr lang="fr-FR" b="1" dirty="0" smtClean="0"/>
-              <a:t>requêtes JSON</a:t>
+              <a:t>requêtes </a:t>
+            </a:r>
+            <a:r>
+              <a:rPr lang="fr-FR" b="1" dirty="0" smtClean="0"/>
+              <a:t>JSON </a:t>
             </a:r>
             <a:r>
               <a:rPr lang="fr-FR" dirty="0" smtClean="0"/>
               <a:t>:</a:t>
             </a:r>
+            <a:endParaRPr lang="fr-FR" dirty="0" smtClean="0"/>
           </a:p>
           <a:p>
             <a:pPr lvl="2"/>
@@ -20239,70 +20334,93 @@
             </a:r>
             <a:r>
               <a:rPr lang="fr-FR" b="1" dirty="0" smtClean="0"/>
-              <a:t>files</a:t>
-            </a:r>
-            <a:r>
-              <a:rPr lang="fr-FR" dirty="0" smtClean="0"/>
-              <a:t>: envoie le contenu de l’éditeur et d’autres fichiers (si besoin)</a:t>
+              <a:t>files </a:t>
+            </a:r>
+            <a:r>
+              <a:rPr lang="fr-FR" dirty="0" smtClean="0"/>
+              <a:t>: </a:t>
+            </a:r>
+            <a:r>
+              <a:rPr lang="fr-FR" dirty="0" smtClean="0"/>
+              <a:t>envoie le contenu de l’éditeur et d’autres fichiers (si besoin)</a:t>
             </a:r>
           </a:p>
           <a:p>
             <a:pPr lvl="2"/>
             <a:r>
               <a:rPr lang="fr-FR" dirty="0" smtClean="0"/>
-              <a:t>Requête </a:t>
+              <a:t>requête </a:t>
             </a:r>
             <a:r>
               <a:rPr lang="fr-FR" b="1" dirty="0" smtClean="0"/>
+              <a:t>complétion </a:t>
+            </a:r>
+            <a:r>
+              <a:rPr lang="fr-FR" dirty="0" smtClean="0"/>
+              <a:t>:  </a:t>
+            </a:r>
+            <a:r>
+              <a:rPr lang="fr-FR" dirty="0" smtClean="0"/>
+              <a:t>envoie une requête de type complétion :</a:t>
+            </a:r>
+          </a:p>
+          <a:p>
+            <a:pPr lvl="3"/>
+            <a:r>
+              <a:rPr lang="fr-FR" dirty="0" smtClean="0"/>
+              <a:t>type: complétion</a:t>
+            </a:r>
+          </a:p>
+          <a:p>
+            <a:pPr lvl="3"/>
+            <a:r>
+              <a:rPr lang="fr-FR" dirty="0" smtClean="0"/>
+              <a:t>file: nom du fichier</a:t>
+            </a:r>
+          </a:p>
+          <a:p>
+            <a:pPr lvl="3"/>
+            <a:r>
+              <a:rPr lang="fr-FR" dirty="0" smtClean="0"/>
+              <a:t>end: offset ou la complétion est </a:t>
+            </a:r>
+            <a:r>
+              <a:rPr lang="fr-FR" dirty="0" smtClean="0"/>
+              <a:t>lancée</a:t>
+            </a:r>
+            <a:endParaRPr lang="fr-FR" dirty="0" smtClean="0"/>
+          </a:p>
+          <a:p>
+            <a:pPr lvl="1"/>
+            <a:r>
+              <a:rPr lang="fr-FR" dirty="0" smtClean="0"/>
+              <a:t>Une </a:t>
+            </a:r>
+            <a:r>
+              <a:rPr lang="fr-FR" b="1" dirty="0" smtClean="0"/>
+              <a:t>réponse </a:t>
+            </a:r>
+            <a:r>
+              <a:rPr lang="fr-FR" b="1" dirty="0" smtClean="0"/>
+              <a:t>JSON </a:t>
+            </a:r>
+            <a:r>
+              <a:rPr lang="fr-FR" dirty="0" smtClean="0"/>
+              <a:t>:</a:t>
+            </a:r>
+            <a:endParaRPr lang="fr-FR" dirty="0" smtClean="0"/>
+          </a:p>
+          <a:p>
+            <a:pPr lvl="2"/>
+            <a:r>
+              <a:rPr lang="fr-FR" dirty="0" smtClean="0"/>
+              <a:t>complétions : tableau avec le résultat de la </a:t>
+            </a:r>
+            <a:r>
+              <a:rPr lang="fr-FR" dirty="0" smtClean="0"/>
               <a:t>complétion</a:t>
             </a:r>
-            <a:r>
-              <a:rPr lang="fr-FR" dirty="0" smtClean="0"/>
-              <a:t>:  envoie une requête de type complétion :</a:t>
-            </a:r>
-          </a:p>
-          <a:p>
-            <a:pPr lvl="3"/>
-            <a:r>
-              <a:rPr lang="fr-FR" dirty="0" smtClean="0"/>
-              <a:t>type: complétion</a:t>
-            </a:r>
-          </a:p>
-          <a:p>
-            <a:pPr lvl="3"/>
-            <a:r>
-              <a:rPr lang="fr-FR" dirty="0" smtClean="0"/>
-              <a:t>file: nom du fichier</a:t>
-            </a:r>
-          </a:p>
-          <a:p>
-            <a:pPr lvl="3"/>
-            <a:r>
-              <a:rPr lang="fr-FR" dirty="0" smtClean="0"/>
-              <a:t>end: offset ou la complétion est lancée.</a:t>
-            </a:r>
-          </a:p>
-          <a:p>
-            <a:pPr lvl="1"/>
-            <a:r>
-              <a:rPr lang="fr-FR" dirty="0" smtClean="0"/>
-              <a:t>Une </a:t>
-            </a:r>
-            <a:r>
-              <a:rPr lang="fr-FR" b="1" dirty="0" smtClean="0"/>
-              <a:t>réponse JSON</a:t>
-            </a:r>
-            <a:r>
-              <a:rPr lang="fr-FR" dirty="0" smtClean="0"/>
-              <a:t>:</a:t>
-            </a:r>
-          </a:p>
-          <a:p>
-            <a:pPr lvl="2"/>
-            <a:r>
-              <a:rPr lang="fr-FR" dirty="0" smtClean="0"/>
-              <a:t>complétions : tableau avec le résultat de la complétion.</a:t>
-            </a:r>
+            <a:endParaRPr lang="fr-FR" dirty="0" smtClean="0"/>
           </a:p>
           <a:p>
             <a:pPr lvl="1"/>
@@ -20392,7 +20510,19 @@
           <a:p>
             <a:r>
               <a:rPr lang="fr-FR" dirty="0" smtClean="0"/>
-              <a:t>Tern Java - Comment ca marche?</a:t>
+              <a:t>Tern </a:t>
+            </a:r>
+            <a:r>
+              <a:rPr lang="fr-FR" dirty="0" smtClean="0"/>
+              <a:t>Java : comment </a:t>
+            </a:r>
+            <a:r>
+              <a:rPr lang="fr-FR" dirty="0" smtClean="0"/>
+              <a:t>ca </a:t>
+            </a:r>
+            <a:r>
+              <a:rPr lang="fr-FR" dirty="0" smtClean="0"/>
+              <a:t>marche ?</a:t>
             </a:r>
             <a:endParaRPr lang="fr-FR" dirty="0"/>
           </a:p>
@@ -20430,8 +20560,12 @@
               <a:t>Tern -&gt; </a:t>
             </a:r>
             <a:r>
+              <a:rPr lang="fr-FR" b="1" dirty="0" err="1" smtClean="0"/>
+              <a:t>Development</a:t>
+            </a:r>
+            <a:r>
               <a:rPr lang="fr-FR" b="1" dirty="0" smtClean="0"/>
-              <a:t>Development</a:t>
+              <a:t> </a:t>
             </a:r>
             <a:r>
               <a:rPr lang="fr-FR" dirty="0" smtClean="0"/>
@@ -20458,8 +20592,13 @@
           <a:p>
             <a:r>
               <a:rPr lang="fr-FR" dirty="0" smtClean="0"/>
-              <a:t>La console Eclipse affiche les requêtes/réponses JSON:</a:t>
-            </a:r>
+              <a:t>La console Eclipse affiche les requêtes/réponses </a:t>
+            </a:r>
+            <a:r>
+              <a:rPr lang="fr-FR" dirty="0" smtClean="0"/>
+              <a:t>JSON :</a:t>
+            </a:r>
+            <a:endParaRPr lang="fr-FR" dirty="0" smtClean="0"/>
           </a:p>
           <a:p>
             <a:pPr lvl="1"/>
@@ -20826,8 +20965,13 @@
             <a:pPr lvl="1"/>
             <a:r>
               <a:rPr lang="fr-FR" dirty="0" smtClean="0"/>
-              <a:t>très performant.</a:t>
-            </a:r>
+              <a:t>très </a:t>
+            </a:r>
+            <a:r>
+              <a:rPr lang="fr-FR" dirty="0" smtClean="0"/>
+              <a:t>performant</a:t>
+            </a:r>
+            <a:endParaRPr lang="fr-FR" dirty="0" smtClean="0"/>
           </a:p>
           <a:p>
             <a:pPr lvl="1"/>
@@ -20837,12 +20981,21 @@
             </a:r>
             <a:r>
               <a:rPr lang="fr-FR" dirty="0" smtClean="0"/>
-              <a:t>ern.js étant très </a:t>
-            </a:r>
-            <a:r>
-              <a:rPr lang="fr-FR" dirty="0" smtClean="0"/>
-              <a:t>gourmand en mémoire, Rhino ne supporte pas cette contrainte.</a:t>
-            </a:r>
+              <a:t>ern.js étant très gourmand en </a:t>
+            </a:r>
+            <a:r>
+              <a:rPr lang="fr-FR" dirty="0" smtClean="0"/>
+              <a:t>mémoire </a:t>
+            </a:r>
+            <a:r>
+              <a:rPr lang="fr-FR" dirty="0" smtClean="0"/>
+              <a:t>Rhino ne supporte pas cette </a:t>
+            </a:r>
+            <a:r>
+              <a:rPr lang="fr-FR" dirty="0" smtClean="0"/>
+              <a:t>contrainte</a:t>
+            </a:r>
+            <a:endParaRPr lang="fr-FR" dirty="0" smtClean="0"/>
           </a:p>
           <a:p>
             <a:r>
@@ -21083,7 +21236,11 @@
           <a:p>
             <a:r>
               <a:rPr lang="fr-FR" dirty="0" smtClean="0"/>
-              <a:t>Tern, en 2 mots</a:t>
+              <a:t>Tern </a:t>
+            </a:r>
+            <a:r>
+              <a:rPr lang="fr-FR" dirty="0" smtClean="0"/>
+              <a:t>en 2 mots</a:t>
             </a:r>
             <a:endParaRPr lang="fr-FR" dirty="0"/>
           </a:p>
@@ -21116,8 +21273,20 @@
               <a:t>tern.js</a:t>
             </a:r>
             <a:r>
-              <a:rPr lang="fr-FR" dirty="0" smtClean="0"/>
-              <a:t>, c’est quoi?</a:t>
+              <a:rPr lang="fr-FR" dirty="0"/>
+              <a:t> </a:t>
+            </a:r>
+            <a:r>
+              <a:rPr lang="fr-FR" dirty="0" smtClean="0"/>
+              <a:t>: </a:t>
+            </a:r>
+            <a:r>
+              <a:rPr lang="fr-FR" dirty="0" smtClean="0"/>
+              <a:t>c’est </a:t>
+            </a:r>
+            <a:r>
+              <a:rPr lang="fr-FR" dirty="0" smtClean="0"/>
+              <a:t>quoi ?</a:t>
             </a:r>
             <a:endParaRPr lang="fr-FR" dirty="0" smtClean="0"/>
           </a:p>
@@ -21175,8 +21344,17 @@
             </a:r>
             <a:r>
               <a:rPr lang="fr-FR" dirty="0" smtClean="0"/>
-              <a:t>, ca sert à quoi?</a:t>
-            </a:r>
+              <a:t> : ca </a:t>
+            </a:r>
+            <a:r>
+              <a:rPr lang="fr-FR" dirty="0" smtClean="0"/>
+              <a:t>sert à </a:t>
+            </a:r>
+            <a:r>
+              <a:rPr lang="fr-FR" dirty="0" smtClean="0"/>
+              <a:t>quoi ?</a:t>
+            </a:r>
+            <a:endParaRPr lang="fr-FR" dirty="0" smtClean="0"/>
           </a:p>
           <a:p>
             <a:pPr marL="742950" lvl="2" indent="-342900">
@@ -21481,8 +21659,13 @@
             </a:r>
             <a:r>
               <a:rPr lang="fr-FR" sz="1600" dirty="0"/>
-              <a:t> et attend que tern soit initialisé.</a:t>
-            </a:r>
+              <a:t> et attend que tern soit </a:t>
+            </a:r>
+            <a:r>
+              <a:rPr lang="fr-FR" sz="1600" dirty="0" smtClean="0"/>
+              <a:t>initialisé</a:t>
+            </a:r>
+            <a:endParaRPr lang="fr-FR" sz="1600" dirty="0"/>
           </a:p>
           <a:p>
             <a:pPr marL="342900" lvl="1" indent="-342900">
@@ -21496,8 +21679,12 @@
               <a:buChar char="§"/>
             </a:pPr>
             <a:r>
+              <a:rPr lang="fr-FR" sz="1600" dirty="0" smtClean="0"/>
+              <a:t>La </a:t>
+            </a:r>
+            <a:r>
               <a:rPr lang="fr-FR" sz="1600" dirty="0"/>
-              <a:t>La complétion Eclipse </a:t>
+              <a:t>complétion Eclipse </a:t>
             </a:r>
             <a:r>
               <a:rPr lang="fr-FR" sz="1600" b="1" dirty="0"/>
@@ -21525,12 +21712,13 @@
             </a:r>
             <a:r>
               <a:rPr lang="fr-FR" sz="1600" b="1" dirty="0"/>
-              <a:t>requêtes/réponses JSON</a:t>
-            </a:r>
-            <a:r>
-              <a:rPr lang="fr-FR" sz="1600" dirty="0"/>
-              <a:t>.</a:t>
-            </a:r>
+              <a:t>requêtes/réponses </a:t>
+            </a:r>
+            <a:r>
+              <a:rPr lang="fr-FR" sz="1600" b="1" dirty="0" smtClean="0"/>
+              <a:t>JSON</a:t>
+            </a:r>
+            <a:endParaRPr lang="fr-FR" sz="1600" dirty="0"/>
           </a:p>
           <a:p>
             <a:pPr marL="342900" lvl="1" indent="-342900">
@@ -21605,11 +21793,15 @@
             </a:pPr>
             <a:r>
               <a:rPr lang="fr-FR" sz="1600" dirty="0"/>
-              <a:t>Dans ce cas-ci, le serveur node.js doit être lancé par un système externe capable de débugger node.js (ex : Nodeclipse</a:t>
+              <a:t>Dans ce cas-ci, le serveur node.js doit être lancé par un système externe capable de débugger node.js (ex : </a:t>
+            </a:r>
+            <a:r>
+              <a:rPr lang="fr-FR" sz="1600" dirty="0" err="1"/>
+              <a:t>Nodeclipse</a:t>
             </a:r>
             <a:r>
               <a:rPr lang="fr-FR" sz="1600" dirty="0" smtClean="0"/>
-              <a:t>).</a:t>
+              <a:t>)</a:t>
             </a:r>
             <a:endParaRPr lang="fr-FR" sz="1600" dirty="0"/>
           </a:p>
@@ -21787,20 +21979,21 @@
           <a:p>
             <a:r>
               <a:rPr lang="fr-FR" dirty="0" smtClean="0"/>
-              <a:t>Ecritur</a:t>
-            </a:r>
-            <a:r>
-              <a:rPr lang="fr-FR" dirty="0" smtClean="0"/>
-              <a:t>e du plugin tern JUG pour gérer la complétion avec l’</a:t>
+              <a:t>Ecriture du plugin tern JUG pour gérer la complétion avec l’</a:t>
             </a:r>
             <a:r>
               <a:rPr lang="fr-FR" b="1" dirty="0" smtClean="0"/>
-              <a:t>opérateur new</a:t>
+              <a:t>opérateur </a:t>
+            </a:r>
+            <a:r>
+              <a:rPr lang="fr-FR" b="1" dirty="0" smtClean="0"/>
+              <a:t>new </a:t>
             </a:r>
             <a:r>
               <a:rPr lang="fr-FR" dirty="0" smtClean="0"/>
               <a:t>: </a:t>
             </a:r>
+            <a:endParaRPr lang="fr-FR" dirty="0" smtClean="0"/>
           </a:p>
           <a:p>
             <a:pPr marL="0" indent="0">
@@ -21846,8 +22039,12 @@
               <a:t>gérer la complétion avec </a:t>
             </a:r>
             <a:r>
+              <a:rPr lang="fr-FR" b="1" dirty="0" err="1" smtClean="0"/>
+              <a:t>factory</a:t>
+            </a:r>
+            <a:r>
               <a:rPr lang="fr-FR" b="1" dirty="0" smtClean="0"/>
-              <a:t>factory</a:t>
+              <a:t> </a:t>
             </a:r>
             <a:r>
               <a:rPr lang="fr-FR" dirty="0" smtClean="0"/>
@@ -22159,8 +22356,13 @@
           <a:p>
             <a:r>
               <a:rPr lang="fr-FR" sz="1600" dirty="0" smtClean="0"/>
-              <a:t>Il fournit la complétion, hyperlink, hover, validation spécifique à AngularJS dans:</a:t>
-            </a:r>
+              <a:t>Il fournit la complétion, hyperlink, hover, validation spécifique à AngularJS </a:t>
+            </a:r>
+            <a:r>
+              <a:rPr lang="fr-FR" sz="1600" dirty="0" smtClean="0"/>
+              <a:t>dans :</a:t>
+            </a:r>
+            <a:endParaRPr lang="fr-FR" sz="1600" dirty="0" smtClean="0"/>
           </a:p>
           <a:p>
             <a:pPr lvl="1"/>
@@ -22601,7 +22803,6 @@
               <a:rPr lang="fr-FR" sz="1600" dirty="0" smtClean="0"/>
               <a:t>)</a:t>
             </a:r>
-            <a:endParaRPr lang="fr-FR" sz="1600" dirty="0" smtClean="0"/>
           </a:p>
           <a:p>
             <a:r>
@@ -22616,7 +22817,6 @@
               <a:rPr lang="fr-FR" sz="1600" dirty="0" smtClean="0"/>
               <a:t>)</a:t>
             </a:r>
-            <a:endParaRPr lang="fr-FR" sz="1600" dirty="0" smtClean="0"/>
           </a:p>
           <a:p>
             <a:r>
@@ -22628,40 +22828,37 @@
             <a:pPr lvl="1"/>
             <a:r>
               <a:rPr lang="fr-FR" sz="1200" dirty="0" smtClean="0"/>
-              <a:t>Gérer la </a:t>
-            </a:r>
+              <a:t>Gérer la complétion, hyperlink, hover, validation dans les string</a:t>
+            </a:r>
+          </a:p>
+          <a:p>
+            <a:pPr lvl="1"/>
             <a:r>
               <a:rPr lang="fr-FR" sz="1200" dirty="0" smtClean="0"/>
-              <a:t>complétion</a:t>
-            </a:r>
-            <a:r>
-              <a:rPr lang="fr-FR" sz="1200" dirty="0" smtClean="0"/>
-              <a:t>, hyperlink, hover, validation dans les string</a:t>
-            </a:r>
-          </a:p>
-          <a:p>
-            <a:pPr lvl="1"/>
-            <a:r>
-              <a:rPr lang="fr-FR" sz="1200" dirty="0" smtClean="0"/>
-              <a:t>Gérer les objets </a:t>
-            </a:r>
-            <a:r>
-              <a:rPr lang="fr-FR" sz="1200" dirty="0" smtClean="0"/>
-              <a:t>littéraux : </a:t>
+              <a:t>Gérer les objets littéraux : </a:t>
             </a:r>
           </a:p>
           <a:p>
             <a:pPr lvl="2"/>
             <a:r>
               <a:rPr lang="fr-FR" sz="1100" dirty="0" smtClean="0"/>
-              <a:t>Complétion sur les propriétés d’un objet.</a:t>
-            </a:r>
+              <a:t>Complétion sur les propriétés d’un </a:t>
+            </a:r>
+            <a:r>
+              <a:rPr lang="fr-FR" sz="1100" dirty="0" smtClean="0"/>
+              <a:t>objet</a:t>
+            </a:r>
+            <a:endParaRPr lang="fr-FR" sz="1100" dirty="0" smtClean="0"/>
           </a:p>
           <a:p>
             <a:pPr lvl="2"/>
             <a:r>
               <a:rPr lang="fr-FR" dirty="0" smtClean="0"/>
-              <a:t>Validation sur les propriétés d’un objet.</a:t>
+              <a:t>Validation sur les propriétés d’un </a:t>
+            </a:r>
+            <a:r>
+              <a:rPr lang="fr-FR" dirty="0" smtClean="0"/>
+              <a:t>objet</a:t>
             </a:r>
             <a:endParaRPr lang="fr-FR" sz="1600" dirty="0"/>
           </a:p>
@@ -22676,8 +22873,9 @@
             </a:r>
             <a:r>
               <a:rPr lang="fr-FR" dirty="0" smtClean="0"/>
-              <a:t>).</a:t>
-            </a:r>
+              <a:t>)</a:t>
+            </a:r>
+            <a:endParaRPr lang="fr-FR" dirty="0" smtClean="0"/>
           </a:p>
         </p:txBody>
       </p:sp>
@@ -22793,8 +22991,24 @@
               <a:t>tern.js</a:t>
             </a:r>
             <a:r>
-              <a:rPr lang="fr-FR" dirty="0" smtClean="0"/>
-              <a:t>, c’est quoi?</a:t>
+              <a:rPr lang="fr-FR" dirty="0"/>
+              <a:t> </a:t>
+            </a:r>
+            <a:r>
+              <a:rPr lang="fr-FR" dirty="0" smtClean="0"/>
+              <a:t>:</a:t>
+            </a:r>
+            <a:r>
+              <a:rPr lang="fr-FR" dirty="0" smtClean="0"/>
+              <a:t> </a:t>
+            </a:r>
+            <a:r>
+              <a:rPr lang="fr-FR" dirty="0" smtClean="0"/>
+              <a:t>c’est </a:t>
+            </a:r>
+            <a:r>
+              <a:rPr lang="fr-FR" dirty="0" smtClean="0"/>
+              <a:t>quoi ?</a:t>
             </a:r>
             <a:endParaRPr lang="fr-FR" dirty="0" smtClean="0"/>
           </a:p>
@@ -22828,58 +23042,53 @@
             </a:r>
             <a:r>
               <a:rPr lang="fr-FR" b="1" dirty="0" smtClean="0"/>
-              <a:t>plugin et JSON type </a:t>
-            </a:r>
+              <a:t>plugin et JSON type definition</a:t>
+            </a:r>
+          </a:p>
+          <a:p>
+            <a:endParaRPr lang="fr-FR" dirty="0" smtClean="0"/>
+          </a:p>
+        </p:txBody>
+      </p:sp>
+      <p:sp>
+        <p:nvSpPr>
+          <p:cNvPr id="6" name="Espace réservé du contenu 5"/>
+          <p:cNvSpPr>
+            <a:spLocks noGrp="1"/>
+          </p:cNvSpPr>
+          <p:nvPr>
+            <p:ph sz="half" idx="2"/>
+          </p:nvPr>
+        </p:nvSpPr>
+        <p:spPr/>
+        <p:txBody>
+          <a:bodyPr>
+            <a:normAutofit/>
+          </a:bodyPr>
+          <a:lstStyle/>
+          <a:p>
             <a:r>
               <a:rPr lang="fr-FR" b="1" dirty="0" smtClean="0"/>
-              <a:t>d</a:t>
-            </a:r>
-            <a:r>
-              <a:rPr lang="fr-FR" b="1" dirty="0" smtClean="0"/>
-              <a:t>efinition</a:t>
-            </a:r>
-          </a:p>
-          <a:p>
-            <a:endParaRPr lang="fr-FR" dirty="0" smtClean="0"/>
-          </a:p>
-        </p:txBody>
-      </p:sp>
-      <p:sp>
-        <p:nvSpPr>
-          <p:cNvPr id="6" name="Espace réservé du contenu 5"/>
-          <p:cNvSpPr>
-            <a:spLocks noGrp="1"/>
-          </p:cNvSpPr>
-          <p:nvPr>
-            <p:ph sz="half" idx="2"/>
-          </p:nvPr>
-        </p:nvSpPr>
-        <p:spPr/>
-        <p:txBody>
-          <a:bodyPr/>
-          <a:lstStyle/>
-          <a:p>
+              <a:t>tern.java</a:t>
+            </a:r>
+            <a:r>
+              <a:rPr lang="fr-FR" dirty="0" smtClean="0"/>
+              <a:t> : c’est quoi ?</a:t>
+            </a:r>
+            <a:endParaRPr lang="fr-FR" dirty="0"/>
+          </a:p>
+          <a:p>
+            <a:pPr lvl="1"/>
+            <a:r>
+              <a:rPr lang="fr-FR" dirty="0"/>
+              <a:t>Démo de </a:t>
+            </a:r>
             <a:r>
               <a:rPr lang="fr-FR" b="1" dirty="0"/>
               <a:t>tern.java</a:t>
             </a:r>
             <a:r>
               <a:rPr lang="fr-FR" dirty="0"/>
-              <a:t>, c’est quoi?</a:t>
-            </a:r>
-          </a:p>
-          <a:p>
-            <a:pPr lvl="1"/>
-            <a:r>
-              <a:rPr lang="fr-FR" dirty="0"/>
-              <a:t>Démo de </a:t>
-            </a:r>
-            <a:r>
-              <a:rPr lang="fr-FR" b="1" dirty="0"/>
-              <a:t>tern.java</a:t>
-            </a:r>
-            <a:r>
-              <a:rPr lang="fr-FR" dirty="0"/>
               <a:t> avec jQuery, Google Closure, etc. dans l’IDE Eclipse</a:t>
             </a:r>
           </a:p>
@@ -22924,12 +23133,17 @@
           <a:p>
             <a:r>
               <a:rPr lang="fr-FR" b="1" dirty="0" smtClean="0"/>
-              <a:t>AngularJS Eclipse, </a:t>
-            </a:r>
-            <a:r>
-              <a:rPr lang="fr-FR" dirty="0" smtClean="0"/>
-              <a:t>c’est quoi?</a:t>
-            </a:r>
+              <a:t>AngularJS </a:t>
+            </a:r>
+            <a:r>
+              <a:rPr lang="fr-FR" b="1" dirty="0" smtClean="0"/>
+              <a:t>Eclipse : </a:t>
+            </a:r>
+            <a:r>
+              <a:rPr lang="fr-FR" dirty="0" smtClean="0"/>
+              <a:t>c’est quoi ?</a:t>
+            </a:r>
+            <a:endParaRPr lang="fr-FR" dirty="0" smtClean="0"/>
           </a:p>
           <a:p>
             <a:pPr lvl="1"/>
@@ -23061,7 +23275,7 @@
           <a:p>
             <a:r>
               <a:rPr lang="fr-FR" dirty="0" smtClean="0"/>
-              <a:t>Tern.js, c’est quoi?</a:t>
+              <a:t>Tern.js : c’est quoi ?</a:t>
             </a:r>
             <a:endParaRPr lang="fr-FR" dirty="0"/>
           </a:p>
@@ -23231,6 +23445,10 @@
               <a:rPr lang="fr-FR" dirty="0" smtClean="0"/>
               <a:t>), écrit en JavaScript, et capable de s’exécuter à la fois </a:t>
             </a:r>
+            <a:r>
+              <a:rPr lang="fr-FR" dirty="0" smtClean="0"/>
+              <a:t>:</a:t>
+            </a:r>
             <a:endParaRPr lang="fr-FR" dirty="0" smtClean="0"/>
           </a:p>
           <a:p>
@@ -23257,20 +23475,16 @@
               <a:t>node.js</a:t>
             </a:r>
             <a:r>
+              <a:rPr lang="fr-FR" b="1" dirty="0" smtClean="0"/>
+              <a:t> </a:t>
+            </a:r>
+            <a:r>
               <a:rPr lang="fr-FR" dirty="0" smtClean="0"/>
               <a:t>: </a:t>
             </a:r>
             <a:r>
               <a:rPr lang="fr-FR" dirty="0" smtClean="0"/>
-              <a:t>Sublime Text, </a:t>
-            </a:r>
-            <a:r>
-              <a:rPr lang="fr-FR" dirty="0" smtClean="0"/>
-              <a:t>Vim, </a:t>
-            </a:r>
-            <a:r>
-              <a:rPr lang="fr-FR" dirty="0" smtClean="0"/>
-              <a:t>Emacs, LightTable, Eclipse</a:t>
+              <a:t>Sublime Text, Vim, Emacs, LightTable, Eclipse</a:t>
             </a:r>
           </a:p>
           <a:p>
@@ -23284,7 +23498,31 @@
                   <a:srgbClr val="C00000"/>
                 </a:solidFill>
               </a:rPr>
-              <a:t>Tern est un moteur d’inférence qui pourrait être utilisé par toutes les communautés (Sublime Text, Emacs, Vim, Java, .Net. Etc)</a:t>
+              <a:t>Tern est un moteur d’inférence qui pourrait être utilisé par toutes les </a:t>
+            </a:r>
+            <a:r>
+              <a:rPr lang="fr-FR" dirty="0" smtClean="0">
+                <a:solidFill>
+                  <a:srgbClr val="C00000"/>
+                </a:solidFill>
+              </a:rPr>
+              <a:t>communautés : Sublime </a:t>
+            </a:r>
+            <a:r>
+              <a:rPr lang="fr-FR" dirty="0" smtClean="0">
+                <a:solidFill>
+                  <a:srgbClr val="C00000"/>
+                </a:solidFill>
+              </a:rPr>
+              <a:t>Text, Emacs, Vim, Java, .</a:t>
+            </a:r>
+            <a:r>
+              <a:rPr lang="fr-FR" dirty="0" smtClean="0">
+                <a:solidFill>
+                  <a:srgbClr val="C00000"/>
+                </a:solidFill>
+              </a:rPr>
+              <a:t>Net, etc.</a:t>
             </a:r>
             <a:endParaRPr lang="fr-FR" dirty="0"/>
           </a:p>
@@ -23406,7 +23644,11 @@
           <a:p>
             <a:r>
               <a:rPr lang="fr-FR" dirty="0" smtClean="0"/>
-              <a:t>Demo avec CodeMirror :</a:t>
+              <a:t>Démo </a:t>
+            </a:r>
+            <a:r>
+              <a:rPr lang="fr-FR" dirty="0" smtClean="0"/>
+              <a:t>avec CodeMirror :</a:t>
             </a:r>
             <a:r>
               <a:rPr lang="fr-FR" dirty="0" smtClean="0">
@@ -23798,28 +24040,33 @@
           <a:p>
             <a:pPr lvl="1"/>
             <a:r>
-              <a:rPr lang="fr-FR" b="1" dirty="0" smtClean="0"/>
+              <a:rPr lang="fr-FR" sz="1400" b="1" dirty="0" smtClean="0"/>
               <a:t>Parse</a:t>
             </a:r>
             <a:r>
-              <a:rPr lang="fr-FR" dirty="0" smtClean="0"/>
+              <a:rPr lang="fr-FR" sz="1400" dirty="0" smtClean="0"/>
               <a:t> les fichiers JavaScript (AST)</a:t>
             </a:r>
           </a:p>
           <a:p>
             <a:pPr lvl="1"/>
             <a:r>
-              <a:rPr lang="fr-FR" dirty="0" smtClean="0"/>
+              <a:rPr lang="fr-FR" sz="1400" dirty="0" smtClean="0"/>
               <a:t>Utilise les commentaires </a:t>
             </a:r>
             <a:r>
-              <a:rPr lang="fr-FR" b="1" dirty="0" smtClean="0"/>
+              <a:rPr lang="fr-FR" sz="1400" b="1" dirty="0" smtClean="0"/>
               <a:t>JSDoc</a:t>
             </a:r>
             <a:r>
-              <a:rPr lang="fr-FR" dirty="0" smtClean="0"/>
-              <a:t> pour connaître les types.</a:t>
-            </a:r>
+              <a:rPr lang="fr-FR" sz="1400" dirty="0" smtClean="0"/>
+              <a:t> pour connaître les </a:t>
+            </a:r>
+            <a:r>
+              <a:rPr lang="fr-FR" sz="1400" dirty="0" smtClean="0"/>
+              <a:t>types</a:t>
+            </a:r>
+            <a:endParaRPr lang="fr-FR" sz="1400" dirty="0" smtClean="0"/>
           </a:p>
         </p:txBody>
       </p:sp>
@@ -23900,7 +24147,39 @@
                   <a:srgbClr val="C00000"/>
                 </a:solidFill>
               </a:rPr>
-              <a:t>Permet de supporter des frameworks JavaScript complexe (node, angular, jquery, etc)</a:t>
+              <a:t>Permet de supporter des frameworks JavaScript complexe </a:t>
+            </a:r>
+            <a:r>
+              <a:rPr lang="fr-FR" dirty="0" smtClean="0">
+                <a:solidFill>
+                  <a:srgbClr val="C00000"/>
+                </a:solidFill>
+              </a:rPr>
+              <a:t>: </a:t>
+            </a:r>
+            <a:r>
+              <a:rPr lang="fr-FR" dirty="0" err="1" smtClean="0">
+                <a:solidFill>
+                  <a:srgbClr val="C00000"/>
+                </a:solidFill>
+              </a:rPr>
+              <a:t>node</a:t>
+            </a:r>
+            <a:r>
+              <a:rPr lang="fr-FR" dirty="0" smtClean="0">
+                <a:solidFill>
+                  <a:srgbClr val="C00000"/>
+                </a:solidFill>
+              </a:rPr>
+              <a:t>, angular, jquery, </a:t>
+            </a:r>
+            <a:r>
+              <a:rPr lang="fr-FR" dirty="0" smtClean="0">
+                <a:solidFill>
+                  <a:srgbClr val="C00000"/>
+                </a:solidFill>
+              </a:rPr>
+              <a:t>etc.</a:t>
             </a:r>
             <a:endParaRPr lang="fr-FR" dirty="0"/>
           </a:p>
@@ -23998,7 +24277,6 @@
               <a:rPr lang="fr-FR" dirty="0"/>
               <a:t>Type Definition</a:t>
             </a:r>
-            <a:endParaRPr lang="fr-FR" dirty="0"/>
           </a:p>
         </p:txBody>
       </p:sp>
@@ -24021,11 +24299,7 @@
           <a:p>
             <a:r>
               <a:rPr lang="fr-FR" dirty="0" smtClean="0"/>
-              <a:t>JSON </a:t>
-            </a:r>
-            <a:r>
-              <a:rPr lang="fr-FR" dirty="0" smtClean="0"/>
-              <a:t>Type Definition : </a:t>
+              <a:t>JSON Type Definition : </a:t>
             </a:r>
           </a:p>
           <a:p>
@@ -24048,7 +24322,6 @@
               <a:rPr lang="fr-FR" dirty="0" smtClean="0"/>
               <a:t>JSON Type Definition officiel: </a:t>
             </a:r>
-            <a:endParaRPr lang="fr-FR" dirty="0" smtClean="0"/>
           </a:p>
           <a:p>
             <a:pPr lvl="2"/>
@@ -24080,7 +24353,6 @@
               <a:rPr lang="fr-FR" b="1" dirty="0" smtClean="0"/>
               <a:t>underscore</a:t>
             </a:r>
-            <a:endParaRPr lang="fr-FR" b="1" dirty="0" smtClean="0"/>
           </a:p>
         </p:txBody>
       </p:sp>
